--- a/WprowadzenieDoJezykaJAVA_v2_PiotrKrajnik.pptx
+++ b/WprowadzenieDoJezykaJAVA_v2_PiotrKrajnik.pptx
@@ -37,6 +37,9 @@
     <p:sldId id="284" r:id="rId31"/>
     <p:sldId id="288" r:id="rId32"/>
     <p:sldId id="287" r:id="rId33"/>
+    <p:sldId id="289" r:id="rId34"/>
+    <p:sldId id="290" r:id="rId35"/>
+    <p:sldId id="291" r:id="rId36"/>
   </p:sldIdLst>
   <p:sldSz cx="12192000" cy="6858000"/>
   <p:notesSz cx="7559675" cy="10691813"/>
@@ -135,6 +138,11 @@
       </a:defRPr>
     </a:lvl9pPr>
   </p:defaultTextStyle>
+  <p:extLst>
+    <p:ext uri="{EFAFB233-063F-42B5-8137-9DF3F51BA10A}">
+      <p15:sldGuideLst xmlns:p15="http://schemas.microsoft.com/office/powerpoint/2012/main"/>
+    </p:ext>
+  </p:extLst>
 </p:presentation>
 </file>
 
@@ -21732,6 +21740,2387 @@
     <p:extLst>
       <p:ext uri="{BB962C8B-B14F-4D97-AF65-F5344CB8AC3E}">
         <p14:creationId xmlns:p14="http://schemas.microsoft.com/office/powerpoint/2010/main" val="1938679108"/>
+      </p:ext>
+    </p:extLst>
+  </p:cSld>
+  <p:clrMapOvr>
+    <a:masterClrMapping/>
+  </p:clrMapOvr>
+  <p:timing>
+    <p:tnLst>
+      <p:par>
+        <p:cTn id="1" dur="indefinite" restart="never" nodeType="tmRoot">
+          <p:childTnLst>
+            <p:seq>
+              <p:cTn id="2" dur="indefinite" nodeType="mainSeq"/>
+              <p:prevCondLst>
+                <p:cond evt="onPrev" delay="0">
+                  <p:tgtEl>
+                    <p:sldTgt/>
+                  </p:tgtEl>
+                </p:cond>
+              </p:prevCondLst>
+              <p:nextCondLst>
+                <p:cond evt="onNext" delay="0">
+                  <p:tgtEl>
+                    <p:sldTgt/>
+                  </p:tgtEl>
+                </p:cond>
+              </p:nextCondLst>
+            </p:seq>
+          </p:childTnLst>
+        </p:cTn>
+      </p:par>
+    </p:tnLst>
+  </p:timing>
+</p:sld>
+</file>
+
+<file path=ppt/slides/slide32.xml><?xml version="1.0" encoding="utf-8"?>
+<p:sld xmlns:a="http://schemas.openxmlformats.org/drawingml/2006/main" xmlns:r="http://schemas.openxmlformats.org/officeDocument/2006/relationships" xmlns:p="http://schemas.openxmlformats.org/presentationml/2006/main">
+  <p:cSld>
+    <p:spTree>
+      <p:nvGrpSpPr>
+        <p:cNvPr id="1" name=""/>
+        <p:cNvGrpSpPr/>
+        <p:nvPr/>
+      </p:nvGrpSpPr>
+      <p:grpSpPr>
+        <a:xfrm>
+          <a:off x="0" y="0"/>
+          <a:ext cx="0" cy="0"/>
+          <a:chOff x="0" y="0"/>
+          <a:chExt cx="0" cy="0"/>
+        </a:xfrm>
+      </p:grpSpPr>
+      <p:sp>
+        <p:nvSpPr>
+          <p:cNvPr id="178" name="CustomShape 1"/>
+          <p:cNvSpPr/>
+          <p:nvPr/>
+        </p:nvSpPr>
+        <p:spPr>
+          <a:xfrm>
+            <a:off x="1561680" y="0"/>
+            <a:ext cx="9067680" cy="1258560"/>
+          </a:xfrm>
+          <a:prstGeom prst="rect">
+            <a:avLst/>
+          </a:prstGeom>
+          <a:noFill/>
+          <a:ln>
+            <a:noFill/>
+          </a:ln>
+        </p:spPr>
+        <p:style>
+          <a:lnRef idx="0">
+            <a:scrgbClr r="0" g="0" b="0"/>
+          </a:lnRef>
+          <a:fillRef idx="0">
+            <a:scrgbClr r="0" g="0" b="0"/>
+          </a:fillRef>
+          <a:effectRef idx="0">
+            <a:scrgbClr r="0" g="0" b="0"/>
+          </a:effectRef>
+          <a:fontRef idx="minor"/>
+        </p:style>
+        <p:txBody>
+          <a:bodyPr lIns="0" tIns="0" rIns="0" bIns="0" anchor="ctr"/>
+          <a:lstStyle/>
+          <a:p>
+            <a:pPr algn="ctr">
+              <a:lnSpc>
+                <a:spcPct val="100000"/>
+              </a:lnSpc>
+            </a:pPr>
+            <a:r>
+              <a:rPr lang="pl-PL" sz="4400" b="1" spc="-1" dirty="0">
+                <a:solidFill>
+                  <a:srgbClr val="FFFFFF"/>
+                </a:solidFill>
+                <a:latin typeface="Arial"/>
+              </a:rPr>
+              <a:t>Klasa String</a:t>
+            </a:r>
+            <a:endParaRPr lang="pl-PL" sz="4400" b="0" strike="noStrike" spc="-1" dirty="0">
+              <a:latin typeface="Arial"/>
+            </a:endParaRPr>
+          </a:p>
+        </p:txBody>
+      </p:sp>
+      <p:sp>
+        <p:nvSpPr>
+          <p:cNvPr id="179" name="CustomShape 2"/>
+          <p:cNvSpPr/>
+          <p:nvPr/>
+        </p:nvSpPr>
+        <p:spPr>
+          <a:xfrm>
+            <a:off x="1367999" y="1010880"/>
+            <a:ext cx="10497429" cy="6116040"/>
+          </a:xfrm>
+          <a:prstGeom prst="rect">
+            <a:avLst/>
+          </a:prstGeom>
+          <a:noFill/>
+          <a:ln>
+            <a:noFill/>
+          </a:ln>
+        </p:spPr>
+        <p:style>
+          <a:lnRef idx="0">
+            <a:scrgbClr r="0" g="0" b="0"/>
+          </a:lnRef>
+          <a:fillRef idx="0">
+            <a:scrgbClr r="0" g="0" b="0"/>
+          </a:fillRef>
+          <a:effectRef idx="0">
+            <a:scrgbClr r="0" g="0" b="0"/>
+          </a:effectRef>
+          <a:fontRef idx="minor"/>
+        </p:style>
+        <p:txBody>
+          <a:bodyPr lIns="90000" tIns="45000" rIns="90000" bIns="45000"/>
+          <a:lstStyle/>
+          <a:p>
+            <a:pPr>
+              <a:lnSpc>
+                <a:spcPct val="100000"/>
+              </a:lnSpc>
+            </a:pPr>
+            <a:r>
+              <a:rPr lang="pl-PL" sz="2400" b="0" strike="noStrike" spc="-1" dirty="0">
+                <a:solidFill>
+                  <a:srgbClr val="00A65D"/>
+                </a:solidFill>
+                <a:latin typeface="Arial"/>
+                <a:ea typeface="DejaVu Sans"/>
+              </a:rPr>
+              <a:t>Klasa String</a:t>
+            </a:r>
+            <a:r>
+              <a:rPr lang="pl-PL" sz="2400" b="0" strike="noStrike" spc="-1" dirty="0">
+                <a:solidFill>
+                  <a:srgbClr val="FFFFFF"/>
+                </a:solidFill>
+                <a:latin typeface="Arial"/>
+                <a:ea typeface="DejaVu Sans"/>
+              </a:rPr>
+              <a:t> służy do przechowywania i operowania na łańcuchach znaków, czyli tekstach:</a:t>
+            </a:r>
+          </a:p>
+          <a:p>
+            <a:pPr>
+              <a:lnSpc>
+                <a:spcPct val="100000"/>
+              </a:lnSpc>
+            </a:pPr>
+            <a:endParaRPr lang="pl-PL" sz="2400" b="0" strike="noStrike" spc="-1" dirty="0">
+              <a:solidFill>
+                <a:srgbClr val="FFFFFF"/>
+              </a:solidFill>
+              <a:latin typeface="Arial"/>
+            </a:endParaRPr>
+          </a:p>
+          <a:p>
+            <a:pPr>
+              <a:lnSpc>
+                <a:spcPct val="100000"/>
+              </a:lnSpc>
+            </a:pPr>
+            <a:r>
+              <a:rPr lang="pl-PL" sz="2400" spc="-1" dirty="0">
+                <a:solidFill>
+                  <a:srgbClr val="FFFFFF"/>
+                </a:solidFill>
+                <a:latin typeface="Arial"/>
+              </a:rPr>
+              <a:t>String </a:t>
+            </a:r>
+            <a:r>
+              <a:rPr lang="pl-PL" sz="2400" spc="-1" dirty="0" err="1">
+                <a:solidFill>
+                  <a:srgbClr val="FFFFFF"/>
+                </a:solidFill>
+                <a:latin typeface="Arial"/>
+              </a:rPr>
+              <a:t>imie</a:t>
+            </a:r>
+            <a:r>
+              <a:rPr lang="pl-PL" sz="2400" spc="-1" dirty="0">
+                <a:solidFill>
+                  <a:srgbClr val="FFFFFF"/>
+                </a:solidFill>
+                <a:latin typeface="Arial"/>
+              </a:rPr>
+              <a:t> =  </a:t>
+            </a:r>
+            <a:r>
+              <a:rPr lang="pl-PL" sz="2400" spc="-1" dirty="0">
+                <a:solidFill>
+                  <a:srgbClr val="FFFFFF"/>
+                </a:solidFill>
+              </a:rPr>
+              <a:t>”</a:t>
+            </a:r>
+            <a:r>
+              <a:rPr lang="pl-PL" sz="2400" spc="-1" dirty="0">
+                <a:solidFill>
+                  <a:srgbClr val="FFFFFF"/>
+                </a:solidFill>
+                <a:latin typeface="Arial"/>
+              </a:rPr>
+              <a:t>Piotr”;</a:t>
+            </a:r>
+          </a:p>
+          <a:p>
+            <a:pPr>
+              <a:lnSpc>
+                <a:spcPct val="100000"/>
+              </a:lnSpc>
+            </a:pPr>
+            <a:endParaRPr lang="pl-PL" sz="2400" b="0" strike="noStrike" spc="-1" dirty="0">
+              <a:solidFill>
+                <a:srgbClr val="FFFFFF"/>
+              </a:solidFill>
+              <a:latin typeface="Arial"/>
+            </a:endParaRPr>
+          </a:p>
+          <a:p>
+            <a:pPr>
+              <a:lnSpc>
+                <a:spcPct val="100000"/>
+              </a:lnSpc>
+            </a:pPr>
+            <a:r>
+              <a:rPr lang="pl-PL" sz="2400" b="0" strike="noStrike" spc="-1" dirty="0">
+                <a:solidFill>
+                  <a:srgbClr val="FFFFFF"/>
+                </a:solidFill>
+                <a:latin typeface="Arial"/>
+              </a:rPr>
+              <a:t>Obiekty String są </a:t>
+            </a:r>
+            <a:r>
+              <a:rPr lang="pl-PL" sz="2400" b="0" strike="noStrike" spc="-1" dirty="0" err="1">
+                <a:solidFill>
+                  <a:srgbClr val="FFFFFF"/>
+                </a:solidFill>
+                <a:latin typeface="Arial"/>
+              </a:rPr>
+              <a:t>immutable</a:t>
+            </a:r>
+            <a:r>
+              <a:rPr lang="pl-PL" sz="2400" b="0" strike="noStrike" spc="-1" dirty="0">
+                <a:solidFill>
+                  <a:srgbClr val="FFFFFF"/>
+                </a:solidFill>
+                <a:latin typeface="Arial"/>
+              </a:rPr>
+              <a:t>, czyli nie da się zmienić ich wartości. Nie należy tego mylić z przypisaniem zmiennej referencyjnej do innego obiektu String.</a:t>
+            </a:r>
+          </a:p>
+          <a:p>
+            <a:pPr>
+              <a:lnSpc>
+                <a:spcPct val="100000"/>
+              </a:lnSpc>
+            </a:pPr>
+            <a:endParaRPr lang="pl-PL" sz="2400" spc="-1" dirty="0">
+              <a:solidFill>
+                <a:srgbClr val="FFFFFF"/>
+              </a:solidFill>
+              <a:latin typeface="Arial"/>
+            </a:endParaRPr>
+          </a:p>
+          <a:p>
+            <a:pPr>
+              <a:lnSpc>
+                <a:spcPct val="100000"/>
+              </a:lnSpc>
+            </a:pPr>
+            <a:r>
+              <a:rPr lang="pl-PL" sz="2400" spc="-1" dirty="0">
+                <a:solidFill>
+                  <a:srgbClr val="FFFFFF"/>
+                </a:solidFill>
+                <a:latin typeface="Arial"/>
+              </a:rPr>
+              <a:t>String zawiera między innymi metody: </a:t>
+            </a:r>
+            <a:r>
+              <a:rPr lang="pl-PL" sz="2400" spc="-1" dirty="0" err="1">
+                <a:solidFill>
+                  <a:srgbClr val="FFFFFF"/>
+                </a:solidFill>
+                <a:latin typeface="Arial"/>
+              </a:rPr>
+              <a:t>charAt</a:t>
+            </a:r>
+            <a:r>
+              <a:rPr lang="pl-PL" sz="2400" spc="-1" dirty="0">
+                <a:solidFill>
+                  <a:srgbClr val="FFFFFF"/>
+                </a:solidFill>
+                <a:latin typeface="Arial"/>
+              </a:rPr>
+              <a:t>, </a:t>
+            </a:r>
+            <a:r>
+              <a:rPr lang="pl-PL" sz="2400" spc="-1" dirty="0" err="1">
+                <a:solidFill>
+                  <a:srgbClr val="FFFFFF"/>
+                </a:solidFill>
+                <a:latin typeface="Arial"/>
+              </a:rPr>
+              <a:t>equals</a:t>
+            </a:r>
+            <a:r>
+              <a:rPr lang="pl-PL" sz="2400" spc="-1" dirty="0">
+                <a:solidFill>
+                  <a:srgbClr val="FFFFFF"/>
+                </a:solidFill>
+                <a:latin typeface="Arial"/>
+              </a:rPr>
+              <a:t>, </a:t>
+            </a:r>
+            <a:r>
+              <a:rPr lang="pl-PL" sz="2400" spc="-1" dirty="0" err="1">
+                <a:solidFill>
+                  <a:srgbClr val="FFFFFF"/>
+                </a:solidFill>
+                <a:latin typeface="Arial"/>
+              </a:rPr>
+              <a:t>equalsIgnoreCase</a:t>
+            </a:r>
+            <a:r>
+              <a:rPr lang="pl-PL" sz="2400" spc="-1" dirty="0">
+                <a:solidFill>
+                  <a:srgbClr val="FFFFFF"/>
+                </a:solidFill>
+                <a:latin typeface="Arial"/>
+              </a:rPr>
+              <a:t>,</a:t>
+            </a:r>
+          </a:p>
+          <a:p>
+            <a:pPr>
+              <a:lnSpc>
+                <a:spcPct val="100000"/>
+              </a:lnSpc>
+            </a:pPr>
+            <a:r>
+              <a:rPr lang="pl-PL" sz="2400" b="0" strike="noStrike" spc="-1" dirty="0" err="1">
+                <a:solidFill>
+                  <a:srgbClr val="FFFFFF"/>
+                </a:solidFill>
+                <a:latin typeface="Arial"/>
+              </a:rPr>
+              <a:t>startsWith</a:t>
+            </a:r>
+            <a:r>
+              <a:rPr lang="pl-PL" sz="2400" b="0" strike="noStrike" spc="-1" dirty="0">
+                <a:solidFill>
+                  <a:srgbClr val="FFFFFF"/>
+                </a:solidFill>
+                <a:latin typeface="Arial"/>
+              </a:rPr>
+              <a:t>, </a:t>
+            </a:r>
+            <a:r>
+              <a:rPr lang="pl-PL" sz="2400" b="0" strike="noStrike" spc="-1" dirty="0" err="1">
+                <a:solidFill>
+                  <a:srgbClr val="FFFFFF"/>
+                </a:solidFill>
+                <a:latin typeface="Arial"/>
+              </a:rPr>
+              <a:t>endsWith</a:t>
+            </a:r>
+            <a:r>
+              <a:rPr lang="pl-PL" sz="2400" b="0" strike="noStrike" spc="-1" dirty="0">
+                <a:solidFill>
+                  <a:srgbClr val="FFFFFF"/>
+                </a:solidFill>
+                <a:latin typeface="Arial"/>
+              </a:rPr>
+              <a:t>, </a:t>
+            </a:r>
+            <a:r>
+              <a:rPr lang="pl-PL" sz="2400" b="0" strike="noStrike" spc="-1" dirty="0" err="1">
+                <a:solidFill>
+                  <a:srgbClr val="FFFFFF"/>
+                </a:solidFill>
+                <a:latin typeface="Arial"/>
+              </a:rPr>
+              <a:t>indexOf</a:t>
+            </a:r>
+            <a:r>
+              <a:rPr lang="pl-PL" sz="2400" b="0" strike="noStrike" spc="-1" dirty="0">
+                <a:solidFill>
+                  <a:srgbClr val="FFFFFF"/>
+                </a:solidFill>
+                <a:latin typeface="Arial"/>
+              </a:rPr>
+              <a:t>, </a:t>
+            </a:r>
+            <a:r>
+              <a:rPr lang="pl-PL" sz="2400" b="0" strike="noStrike" spc="-1" dirty="0" err="1">
+                <a:solidFill>
+                  <a:srgbClr val="FFFFFF"/>
+                </a:solidFill>
+                <a:latin typeface="Arial"/>
+              </a:rPr>
+              <a:t>substring</a:t>
+            </a:r>
+            <a:r>
+              <a:rPr lang="pl-PL" sz="2400" b="0" strike="noStrike" spc="-1" dirty="0">
+                <a:solidFill>
+                  <a:srgbClr val="FFFFFF"/>
+                </a:solidFill>
+                <a:latin typeface="Arial"/>
+              </a:rPr>
+              <a:t>, </a:t>
+            </a:r>
+            <a:r>
+              <a:rPr lang="pl-PL" sz="2400" b="0" strike="noStrike" spc="-1" dirty="0" err="1">
+                <a:solidFill>
+                  <a:srgbClr val="FFFFFF"/>
+                </a:solidFill>
+                <a:latin typeface="Arial"/>
+              </a:rPr>
+              <a:t>concat</a:t>
+            </a:r>
+            <a:r>
+              <a:rPr lang="pl-PL" sz="2400" b="0" strike="noStrike" spc="-1" dirty="0">
+                <a:solidFill>
+                  <a:srgbClr val="FFFFFF"/>
+                </a:solidFill>
+                <a:latin typeface="Arial"/>
+              </a:rPr>
+              <a:t>, </a:t>
+            </a:r>
+            <a:r>
+              <a:rPr lang="pl-PL" sz="2400" b="0" strike="noStrike" spc="-1" dirty="0" err="1">
+                <a:solidFill>
+                  <a:srgbClr val="FFFFFF"/>
+                </a:solidFill>
+                <a:latin typeface="Arial"/>
+              </a:rPr>
+              <a:t>replace</a:t>
+            </a:r>
+            <a:r>
+              <a:rPr lang="pl-PL" sz="2400" b="0" strike="noStrike" spc="-1" dirty="0">
+                <a:solidFill>
+                  <a:srgbClr val="FFFFFF"/>
+                </a:solidFill>
+                <a:latin typeface="Arial"/>
+              </a:rPr>
+              <a:t>, </a:t>
+            </a:r>
+            <a:r>
+              <a:rPr lang="pl-PL" sz="2400" b="0" strike="noStrike" spc="-1" dirty="0" err="1">
+                <a:solidFill>
+                  <a:srgbClr val="FFFFFF"/>
+                </a:solidFill>
+                <a:latin typeface="Arial"/>
+              </a:rPr>
+              <a:t>toUpperCase</a:t>
+            </a:r>
+            <a:r>
+              <a:rPr lang="pl-PL" sz="2400" b="0" strike="noStrike" spc="-1" dirty="0">
+                <a:solidFill>
+                  <a:srgbClr val="FFFFFF"/>
+                </a:solidFill>
+                <a:latin typeface="Arial"/>
+              </a:rPr>
+              <a:t>,</a:t>
+            </a:r>
+          </a:p>
+          <a:p>
+            <a:pPr>
+              <a:lnSpc>
+                <a:spcPct val="100000"/>
+              </a:lnSpc>
+            </a:pPr>
+            <a:r>
+              <a:rPr lang="pl-PL" sz="2400" spc="-1" dirty="0" err="1">
+                <a:solidFill>
+                  <a:srgbClr val="FFFFFF"/>
+                </a:solidFill>
+                <a:latin typeface="Arial"/>
+              </a:rPr>
+              <a:t>toLowerCase</a:t>
+            </a:r>
+            <a:r>
+              <a:rPr lang="pl-PL" sz="2400" spc="-1" dirty="0">
+                <a:solidFill>
+                  <a:srgbClr val="FFFFFF"/>
+                </a:solidFill>
+                <a:latin typeface="Arial"/>
+              </a:rPr>
+              <a:t>, </a:t>
+            </a:r>
+            <a:r>
+              <a:rPr lang="pl-PL" sz="2400" spc="-1" dirty="0" err="1">
+                <a:solidFill>
+                  <a:srgbClr val="FFFFFF"/>
+                </a:solidFill>
+                <a:latin typeface="Arial"/>
+              </a:rPr>
+              <a:t>length</a:t>
+            </a:r>
+            <a:r>
+              <a:rPr lang="pl-PL" sz="2400" spc="-1" dirty="0">
+                <a:solidFill>
+                  <a:srgbClr val="FFFFFF"/>
+                </a:solidFill>
+                <a:latin typeface="Arial"/>
+              </a:rPr>
+              <a:t> i wiele innych</a:t>
+            </a:r>
+          </a:p>
+          <a:p>
+            <a:pPr>
+              <a:lnSpc>
+                <a:spcPct val="100000"/>
+              </a:lnSpc>
+            </a:pPr>
+            <a:endParaRPr lang="pl-PL" sz="2400" b="0" strike="noStrike" spc="-1" dirty="0">
+              <a:solidFill>
+                <a:srgbClr val="FFFFFF"/>
+              </a:solidFill>
+              <a:latin typeface="Arial"/>
+            </a:endParaRPr>
+          </a:p>
+          <a:p>
+            <a:pPr>
+              <a:lnSpc>
+                <a:spcPct val="100000"/>
+              </a:lnSpc>
+            </a:pPr>
+            <a:r>
+              <a:rPr lang="pl-PL" sz="2400" spc="-1" dirty="0">
+                <a:solidFill>
+                  <a:srgbClr val="FFFFFF"/>
+                </a:solidFill>
+                <a:latin typeface="Arial"/>
+              </a:rPr>
+              <a:t>Większość metod można wywoływać w sposób łańcuchowy, jest to tzw. </a:t>
+            </a:r>
+            <a:r>
+              <a:rPr lang="pl-PL" sz="2400" spc="-1" dirty="0" err="1">
+                <a:solidFill>
+                  <a:srgbClr val="FFFFFF"/>
+                </a:solidFill>
+                <a:latin typeface="Arial"/>
+              </a:rPr>
+              <a:t>Fluent</a:t>
+            </a:r>
+            <a:r>
+              <a:rPr lang="pl-PL" sz="2400" spc="-1" dirty="0">
+                <a:solidFill>
+                  <a:srgbClr val="FFFFFF"/>
+                </a:solidFill>
+                <a:latin typeface="Arial"/>
+              </a:rPr>
+              <a:t> Interface</a:t>
+            </a:r>
+            <a:endParaRPr lang="pl-PL" sz="2200" b="0" strike="noStrike" spc="-1" dirty="0">
+              <a:latin typeface="Arial"/>
+            </a:endParaRPr>
+          </a:p>
+          <a:p>
+            <a:pPr>
+              <a:lnSpc>
+                <a:spcPct val="100000"/>
+              </a:lnSpc>
+            </a:pPr>
+            <a:endParaRPr lang="pl-PL" sz="2200" b="0" strike="noStrike" spc="-1" dirty="0">
+              <a:latin typeface="Arial"/>
+            </a:endParaRPr>
+          </a:p>
+          <a:p>
+            <a:pPr>
+              <a:lnSpc>
+                <a:spcPct val="100000"/>
+              </a:lnSpc>
+            </a:pPr>
+            <a:endParaRPr lang="pl-PL" sz="2200" b="0" strike="noStrike" spc="-1" dirty="0">
+              <a:latin typeface="Arial"/>
+            </a:endParaRPr>
+          </a:p>
+          <a:p>
+            <a:pPr>
+              <a:lnSpc>
+                <a:spcPct val="100000"/>
+              </a:lnSpc>
+            </a:pPr>
+            <a:endParaRPr lang="pl-PL" sz="2200" b="0" strike="noStrike" spc="-1" dirty="0">
+              <a:latin typeface="Arial"/>
+            </a:endParaRPr>
+          </a:p>
+          <a:p>
+            <a:pPr>
+              <a:lnSpc>
+                <a:spcPct val="100000"/>
+              </a:lnSpc>
+            </a:pPr>
+            <a:endParaRPr lang="pl-PL" sz="2200" b="0" strike="noStrike" spc="-1" dirty="0">
+              <a:latin typeface="Arial"/>
+            </a:endParaRPr>
+          </a:p>
+          <a:p>
+            <a:pPr>
+              <a:lnSpc>
+                <a:spcPct val="100000"/>
+              </a:lnSpc>
+            </a:pPr>
+            <a:endParaRPr lang="pl-PL" sz="2200" b="0" strike="noStrike" spc="-1" dirty="0">
+              <a:latin typeface="Arial"/>
+            </a:endParaRPr>
+          </a:p>
+          <a:p>
+            <a:pPr>
+              <a:lnSpc>
+                <a:spcPct val="100000"/>
+              </a:lnSpc>
+            </a:pPr>
+            <a:r>
+              <a:rPr lang="pl-PL" sz="1800" b="0" strike="noStrike" spc="-1" dirty="0">
+                <a:solidFill>
+                  <a:srgbClr val="FFFFFF"/>
+                </a:solidFill>
+                <a:latin typeface="Arial"/>
+                <a:ea typeface="DejaVu Sans"/>
+              </a:rPr>
+              <a:t> </a:t>
+            </a:r>
+            <a:endParaRPr lang="pl-PL" sz="1800" b="0" strike="noStrike" spc="-1" dirty="0">
+              <a:latin typeface="Arial"/>
+            </a:endParaRPr>
+          </a:p>
+        </p:txBody>
+      </p:sp>
+    </p:spTree>
+    <p:extLst>
+      <p:ext uri="{BB962C8B-B14F-4D97-AF65-F5344CB8AC3E}">
+        <p14:creationId xmlns:p14="http://schemas.microsoft.com/office/powerpoint/2010/main" val="1513008398"/>
+      </p:ext>
+    </p:extLst>
+  </p:cSld>
+  <p:clrMapOvr>
+    <a:masterClrMapping/>
+  </p:clrMapOvr>
+  <p:timing>
+    <p:tnLst>
+      <p:par>
+        <p:cTn id="1" dur="indefinite" restart="never" nodeType="tmRoot">
+          <p:childTnLst>
+            <p:seq>
+              <p:cTn id="2" dur="indefinite" nodeType="mainSeq"/>
+              <p:prevCondLst>
+                <p:cond evt="onPrev" delay="0">
+                  <p:tgtEl>
+                    <p:sldTgt/>
+                  </p:tgtEl>
+                </p:cond>
+              </p:prevCondLst>
+              <p:nextCondLst>
+                <p:cond evt="onNext" delay="0">
+                  <p:tgtEl>
+                    <p:sldTgt/>
+                  </p:tgtEl>
+                </p:cond>
+              </p:nextCondLst>
+            </p:seq>
+          </p:childTnLst>
+        </p:cTn>
+      </p:par>
+    </p:tnLst>
+  </p:timing>
+</p:sld>
+</file>
+
+<file path=ppt/slides/slide33.xml><?xml version="1.0" encoding="utf-8"?>
+<p:sld xmlns:a="http://schemas.openxmlformats.org/drawingml/2006/main" xmlns:r="http://schemas.openxmlformats.org/officeDocument/2006/relationships" xmlns:p="http://schemas.openxmlformats.org/presentationml/2006/main">
+  <p:cSld>
+    <p:spTree>
+      <p:nvGrpSpPr>
+        <p:cNvPr id="1" name=""/>
+        <p:cNvGrpSpPr/>
+        <p:nvPr/>
+      </p:nvGrpSpPr>
+      <p:grpSpPr>
+        <a:xfrm>
+          <a:off x="0" y="0"/>
+          <a:ext cx="0" cy="0"/>
+          <a:chOff x="0" y="0"/>
+          <a:chExt cx="0" cy="0"/>
+        </a:xfrm>
+      </p:grpSpPr>
+      <p:sp>
+        <p:nvSpPr>
+          <p:cNvPr id="178" name="CustomShape 1"/>
+          <p:cNvSpPr/>
+          <p:nvPr/>
+        </p:nvSpPr>
+        <p:spPr>
+          <a:xfrm>
+            <a:off x="1561680" y="0"/>
+            <a:ext cx="9067680" cy="1258560"/>
+          </a:xfrm>
+          <a:prstGeom prst="rect">
+            <a:avLst/>
+          </a:prstGeom>
+          <a:noFill/>
+          <a:ln>
+            <a:noFill/>
+          </a:ln>
+        </p:spPr>
+        <p:style>
+          <a:lnRef idx="0">
+            <a:scrgbClr r="0" g="0" b="0"/>
+          </a:lnRef>
+          <a:fillRef idx="0">
+            <a:scrgbClr r="0" g="0" b="0"/>
+          </a:fillRef>
+          <a:effectRef idx="0">
+            <a:scrgbClr r="0" g="0" b="0"/>
+          </a:effectRef>
+          <a:fontRef idx="minor"/>
+        </p:style>
+        <p:txBody>
+          <a:bodyPr lIns="0" tIns="0" rIns="0" bIns="0" anchor="ctr"/>
+          <a:lstStyle/>
+          <a:p>
+            <a:pPr algn="ctr">
+              <a:lnSpc>
+                <a:spcPct val="100000"/>
+              </a:lnSpc>
+            </a:pPr>
+            <a:r>
+              <a:rPr lang="pl-PL" sz="4400" b="1" spc="-1" dirty="0">
+                <a:solidFill>
+                  <a:srgbClr val="FFFFFF"/>
+                </a:solidFill>
+                <a:latin typeface="Arial"/>
+              </a:rPr>
+              <a:t>Klasa </a:t>
+            </a:r>
+            <a:r>
+              <a:rPr lang="pl-PL" sz="4400" b="1" spc="-1" dirty="0" err="1">
+                <a:solidFill>
+                  <a:srgbClr val="FFFFFF"/>
+                </a:solidFill>
+                <a:latin typeface="Arial"/>
+              </a:rPr>
+              <a:t>StringBuilder</a:t>
+            </a:r>
+            <a:endParaRPr lang="pl-PL" sz="4400" b="0" strike="noStrike" spc="-1" dirty="0">
+              <a:latin typeface="Arial"/>
+            </a:endParaRPr>
+          </a:p>
+        </p:txBody>
+      </p:sp>
+      <p:sp>
+        <p:nvSpPr>
+          <p:cNvPr id="179" name="CustomShape 2"/>
+          <p:cNvSpPr/>
+          <p:nvPr/>
+        </p:nvSpPr>
+        <p:spPr>
+          <a:xfrm>
+            <a:off x="1367999" y="1010880"/>
+            <a:ext cx="10497429" cy="6116040"/>
+          </a:xfrm>
+          <a:prstGeom prst="rect">
+            <a:avLst/>
+          </a:prstGeom>
+          <a:noFill/>
+          <a:ln>
+            <a:noFill/>
+          </a:ln>
+        </p:spPr>
+        <p:style>
+          <a:lnRef idx="0">
+            <a:scrgbClr r="0" g="0" b="0"/>
+          </a:lnRef>
+          <a:fillRef idx="0">
+            <a:scrgbClr r="0" g="0" b="0"/>
+          </a:fillRef>
+          <a:effectRef idx="0">
+            <a:scrgbClr r="0" g="0" b="0"/>
+          </a:effectRef>
+          <a:fontRef idx="minor"/>
+        </p:style>
+        <p:txBody>
+          <a:bodyPr lIns="90000" tIns="45000" rIns="90000" bIns="45000"/>
+          <a:lstStyle/>
+          <a:p>
+            <a:pPr>
+              <a:lnSpc>
+                <a:spcPct val="100000"/>
+              </a:lnSpc>
+            </a:pPr>
+            <a:r>
+              <a:rPr lang="pl-PL" sz="2400" b="0" strike="noStrike" spc="-1" dirty="0">
+                <a:solidFill>
+                  <a:srgbClr val="00A65D"/>
+                </a:solidFill>
+                <a:latin typeface="Arial"/>
+                <a:ea typeface="DejaVu Sans"/>
+              </a:rPr>
+              <a:t>Klasa </a:t>
+            </a:r>
+            <a:r>
+              <a:rPr lang="pl-PL" sz="2400" b="0" strike="noStrike" spc="-1" dirty="0" err="1">
+                <a:solidFill>
+                  <a:srgbClr val="00A65D"/>
+                </a:solidFill>
+                <a:latin typeface="Arial"/>
+                <a:ea typeface="DejaVu Sans"/>
+              </a:rPr>
+              <a:t>StringBuilder</a:t>
+            </a:r>
+            <a:r>
+              <a:rPr lang="pl-PL" sz="2400" b="0" strike="noStrike" spc="-1" dirty="0">
+                <a:solidFill>
+                  <a:srgbClr val="FFFFFF"/>
+                </a:solidFill>
+                <a:latin typeface="Arial"/>
+                <a:ea typeface="DejaVu Sans"/>
+              </a:rPr>
+              <a:t> służy do przechowywania i operowania na łańcuchach znaków, czyli tekstach:</a:t>
+            </a:r>
+          </a:p>
+          <a:p>
+            <a:pPr>
+              <a:lnSpc>
+                <a:spcPct val="100000"/>
+              </a:lnSpc>
+            </a:pPr>
+            <a:endParaRPr lang="pl-PL" sz="2400" b="0" strike="noStrike" spc="-1" dirty="0">
+              <a:solidFill>
+                <a:srgbClr val="FFFFFF"/>
+              </a:solidFill>
+              <a:latin typeface="Arial"/>
+            </a:endParaRPr>
+          </a:p>
+          <a:p>
+            <a:pPr>
+              <a:lnSpc>
+                <a:spcPct val="100000"/>
+              </a:lnSpc>
+            </a:pPr>
+            <a:r>
+              <a:rPr lang="pl-PL" sz="2400" spc="-1" dirty="0" err="1">
+                <a:solidFill>
+                  <a:srgbClr val="FFFFFF"/>
+                </a:solidFill>
+                <a:latin typeface="Arial"/>
+              </a:rPr>
+              <a:t>StringBuilder</a:t>
+            </a:r>
+            <a:r>
+              <a:rPr lang="pl-PL" sz="2400" spc="-1" dirty="0">
+                <a:solidFill>
+                  <a:srgbClr val="FFFFFF"/>
+                </a:solidFill>
+                <a:latin typeface="Arial"/>
+              </a:rPr>
+              <a:t> </a:t>
+            </a:r>
+            <a:r>
+              <a:rPr lang="pl-PL" sz="2400" spc="-1" dirty="0" err="1">
+                <a:solidFill>
+                  <a:srgbClr val="FFFFFF"/>
+                </a:solidFill>
+                <a:latin typeface="Arial"/>
+              </a:rPr>
+              <a:t>imie</a:t>
+            </a:r>
+            <a:r>
+              <a:rPr lang="pl-PL" sz="2400" spc="-1" dirty="0">
+                <a:solidFill>
+                  <a:srgbClr val="FFFFFF"/>
+                </a:solidFill>
+                <a:latin typeface="Arial"/>
+              </a:rPr>
+              <a:t> =  </a:t>
+            </a:r>
+            <a:r>
+              <a:rPr lang="pl-PL" sz="2400" spc="-1" dirty="0" err="1">
+                <a:solidFill>
+                  <a:srgbClr val="FFFFFF"/>
+                </a:solidFill>
+                <a:latin typeface="Arial"/>
+              </a:rPr>
+              <a:t>new</a:t>
+            </a:r>
+            <a:r>
+              <a:rPr lang="pl-PL" sz="2400" spc="-1" dirty="0">
+                <a:solidFill>
+                  <a:srgbClr val="FFFFFF"/>
+                </a:solidFill>
+                <a:latin typeface="Arial"/>
+              </a:rPr>
+              <a:t> </a:t>
+            </a:r>
+            <a:r>
+              <a:rPr lang="pl-PL" sz="2400" spc="-1" dirty="0" err="1">
+                <a:solidFill>
+                  <a:srgbClr val="FFFFFF"/>
+                </a:solidFill>
+                <a:latin typeface="Arial"/>
+              </a:rPr>
+              <a:t>StringBuilder</a:t>
+            </a:r>
+            <a:r>
+              <a:rPr lang="pl-PL" sz="2400" spc="-1" dirty="0">
+                <a:solidFill>
+                  <a:srgbClr val="FFFFFF"/>
+                </a:solidFill>
+                <a:latin typeface="Arial"/>
+              </a:rPr>
+              <a:t>(</a:t>
+            </a:r>
+            <a:r>
+              <a:rPr lang="pl-PL" sz="2400" spc="-1" dirty="0">
+                <a:solidFill>
+                  <a:srgbClr val="FFFFFF"/>
+                </a:solidFill>
+              </a:rPr>
+              <a:t>”</a:t>
+            </a:r>
+            <a:r>
+              <a:rPr lang="pl-PL" sz="2400" spc="-1" dirty="0">
+                <a:solidFill>
+                  <a:srgbClr val="FFFFFF"/>
+                </a:solidFill>
+                <a:latin typeface="Arial"/>
+              </a:rPr>
+              <a:t>Piotr”);</a:t>
+            </a:r>
+          </a:p>
+          <a:p>
+            <a:pPr>
+              <a:lnSpc>
+                <a:spcPct val="100000"/>
+              </a:lnSpc>
+            </a:pPr>
+            <a:endParaRPr lang="pl-PL" sz="2400" b="0" strike="noStrike" spc="-1" dirty="0">
+              <a:solidFill>
+                <a:srgbClr val="FFFFFF"/>
+              </a:solidFill>
+              <a:latin typeface="Arial"/>
+            </a:endParaRPr>
+          </a:p>
+          <a:p>
+            <a:pPr>
+              <a:lnSpc>
+                <a:spcPct val="100000"/>
+              </a:lnSpc>
+            </a:pPr>
+            <a:r>
+              <a:rPr lang="pl-PL" sz="2400" b="0" strike="noStrike" spc="-1" dirty="0">
+                <a:solidFill>
+                  <a:srgbClr val="FFFFFF"/>
+                </a:solidFill>
+                <a:latin typeface="Arial"/>
+              </a:rPr>
+              <a:t>Obiekty String nie są </a:t>
+            </a:r>
+            <a:r>
+              <a:rPr lang="pl-PL" sz="2400" b="0" strike="noStrike" spc="-1" dirty="0" err="1">
+                <a:solidFill>
+                  <a:srgbClr val="FFFFFF"/>
+                </a:solidFill>
+                <a:latin typeface="Arial"/>
+              </a:rPr>
+              <a:t>immutable</a:t>
+            </a:r>
+            <a:r>
+              <a:rPr lang="pl-PL" sz="2400" b="0" strike="noStrike" spc="-1" dirty="0">
+                <a:solidFill>
+                  <a:srgbClr val="FFFFFF"/>
+                </a:solidFill>
+                <a:latin typeface="Arial"/>
+              </a:rPr>
+              <a:t>, czyli da się zmienić ich.</a:t>
+            </a:r>
+          </a:p>
+          <a:p>
+            <a:pPr>
+              <a:lnSpc>
+                <a:spcPct val="100000"/>
+              </a:lnSpc>
+            </a:pPr>
+            <a:endParaRPr lang="pl-PL" sz="2400" spc="-1" dirty="0">
+              <a:solidFill>
+                <a:srgbClr val="FFFFFF"/>
+              </a:solidFill>
+              <a:latin typeface="Arial"/>
+            </a:endParaRPr>
+          </a:p>
+          <a:p>
+            <a:pPr>
+              <a:lnSpc>
+                <a:spcPct val="100000"/>
+              </a:lnSpc>
+            </a:pPr>
+            <a:r>
+              <a:rPr lang="pl-PL" sz="2400" spc="-1" dirty="0" err="1">
+                <a:solidFill>
+                  <a:srgbClr val="FFFFFF"/>
+                </a:solidFill>
+                <a:latin typeface="Arial"/>
+              </a:rPr>
+              <a:t>StringBuilder</a:t>
+            </a:r>
+            <a:r>
+              <a:rPr lang="pl-PL" sz="2400" spc="-1" dirty="0">
+                <a:solidFill>
+                  <a:srgbClr val="FFFFFF"/>
+                </a:solidFill>
+                <a:latin typeface="Arial"/>
+              </a:rPr>
+              <a:t> zawiera między innymi metody: </a:t>
+            </a:r>
+            <a:r>
+              <a:rPr lang="pl-PL" sz="2400" spc="-1" dirty="0" err="1">
+                <a:solidFill>
+                  <a:srgbClr val="FFFFFF"/>
+                </a:solidFill>
+                <a:latin typeface="Arial"/>
+              </a:rPr>
+              <a:t>append</a:t>
+            </a:r>
+            <a:r>
+              <a:rPr lang="pl-PL" sz="2400" spc="-1" dirty="0">
+                <a:solidFill>
+                  <a:srgbClr val="FFFFFF"/>
+                </a:solidFill>
+                <a:latin typeface="Arial"/>
+              </a:rPr>
+              <a:t>, </a:t>
+            </a:r>
+            <a:r>
+              <a:rPr lang="pl-PL" sz="2400" spc="-1" dirty="0" err="1">
+                <a:solidFill>
+                  <a:srgbClr val="FFFFFF"/>
+                </a:solidFill>
+                <a:latin typeface="Arial"/>
+              </a:rPr>
+              <a:t>delete</a:t>
+            </a:r>
+            <a:r>
+              <a:rPr lang="pl-PL" sz="2400" spc="-1" dirty="0">
+                <a:solidFill>
+                  <a:srgbClr val="FFFFFF"/>
+                </a:solidFill>
+                <a:latin typeface="Arial"/>
+              </a:rPr>
+              <a:t>, </a:t>
+            </a:r>
+            <a:r>
+              <a:rPr lang="pl-PL" sz="2400" spc="-1" dirty="0" err="1">
+                <a:solidFill>
+                  <a:srgbClr val="FFFFFF"/>
+                </a:solidFill>
+                <a:latin typeface="Arial"/>
+              </a:rPr>
+              <a:t>deleteCharAt</a:t>
+            </a:r>
+            <a:r>
+              <a:rPr lang="pl-PL" sz="2400" spc="-1" dirty="0">
+                <a:solidFill>
+                  <a:srgbClr val="FFFFFF"/>
+                </a:solidFill>
+                <a:latin typeface="Arial"/>
+              </a:rPr>
+              <a:t>,</a:t>
+            </a:r>
+          </a:p>
+          <a:p>
+            <a:pPr>
+              <a:lnSpc>
+                <a:spcPct val="100000"/>
+              </a:lnSpc>
+            </a:pPr>
+            <a:r>
+              <a:rPr lang="pl-PL" sz="2400" spc="-1" dirty="0">
+                <a:solidFill>
+                  <a:srgbClr val="FFFFFF"/>
+                </a:solidFill>
+                <a:latin typeface="Arial"/>
+              </a:rPr>
+              <a:t>insert, </a:t>
+            </a:r>
+            <a:r>
+              <a:rPr lang="pl-PL" sz="2400" spc="-1" dirty="0" err="1">
+                <a:solidFill>
+                  <a:srgbClr val="FFFFFF"/>
+                </a:solidFill>
+                <a:latin typeface="Arial"/>
+              </a:rPr>
+              <a:t>reverse</a:t>
+            </a:r>
+            <a:r>
+              <a:rPr lang="pl-PL" sz="2400" spc="-1" dirty="0">
+                <a:solidFill>
+                  <a:srgbClr val="FFFFFF"/>
+                </a:solidFill>
+                <a:latin typeface="Arial"/>
+              </a:rPr>
+              <a:t>,  i wiele innych</a:t>
+            </a:r>
+          </a:p>
+          <a:p>
+            <a:pPr>
+              <a:lnSpc>
+                <a:spcPct val="100000"/>
+              </a:lnSpc>
+            </a:pPr>
+            <a:endParaRPr lang="pl-PL" sz="2400" b="0" strike="noStrike" spc="-1" dirty="0">
+              <a:solidFill>
+                <a:srgbClr val="FFFFFF"/>
+              </a:solidFill>
+              <a:latin typeface="Arial"/>
+            </a:endParaRPr>
+          </a:p>
+          <a:p>
+            <a:pPr>
+              <a:lnSpc>
+                <a:spcPct val="100000"/>
+              </a:lnSpc>
+            </a:pPr>
+            <a:r>
+              <a:rPr lang="pl-PL" sz="2400" spc="-1" dirty="0">
+                <a:solidFill>
+                  <a:srgbClr val="FFFFFF"/>
+                </a:solidFill>
+                <a:latin typeface="Arial"/>
+              </a:rPr>
+              <a:t>Większość metod można wywoływać w sposób łańcuchowy, jest to tzw. </a:t>
+            </a:r>
+            <a:r>
+              <a:rPr lang="pl-PL" sz="2400" spc="-1" dirty="0" err="1">
+                <a:solidFill>
+                  <a:srgbClr val="FFFFFF"/>
+                </a:solidFill>
+                <a:latin typeface="Arial"/>
+              </a:rPr>
+              <a:t>Fluent</a:t>
+            </a:r>
+            <a:r>
+              <a:rPr lang="pl-PL" sz="2400" spc="-1" dirty="0">
+                <a:solidFill>
+                  <a:srgbClr val="FFFFFF"/>
+                </a:solidFill>
+                <a:latin typeface="Arial"/>
+              </a:rPr>
+              <a:t> Interface</a:t>
+            </a:r>
+            <a:endParaRPr lang="pl-PL" sz="2200" b="0" strike="noStrike" spc="-1" dirty="0">
+              <a:latin typeface="Arial"/>
+            </a:endParaRPr>
+          </a:p>
+          <a:p>
+            <a:pPr>
+              <a:lnSpc>
+                <a:spcPct val="100000"/>
+              </a:lnSpc>
+            </a:pPr>
+            <a:endParaRPr lang="pl-PL" sz="2200" b="0" strike="noStrike" spc="-1" dirty="0">
+              <a:latin typeface="Arial"/>
+            </a:endParaRPr>
+          </a:p>
+          <a:p>
+            <a:pPr>
+              <a:lnSpc>
+                <a:spcPct val="100000"/>
+              </a:lnSpc>
+            </a:pPr>
+            <a:endParaRPr lang="pl-PL" sz="2200" b="0" strike="noStrike" spc="-1" dirty="0">
+              <a:latin typeface="Arial"/>
+            </a:endParaRPr>
+          </a:p>
+          <a:p>
+            <a:pPr>
+              <a:lnSpc>
+                <a:spcPct val="100000"/>
+              </a:lnSpc>
+            </a:pPr>
+            <a:endParaRPr lang="pl-PL" sz="2200" b="0" strike="noStrike" spc="-1" dirty="0">
+              <a:latin typeface="Arial"/>
+            </a:endParaRPr>
+          </a:p>
+          <a:p>
+            <a:pPr>
+              <a:lnSpc>
+                <a:spcPct val="100000"/>
+              </a:lnSpc>
+            </a:pPr>
+            <a:endParaRPr lang="pl-PL" sz="2200" b="0" strike="noStrike" spc="-1" dirty="0">
+              <a:latin typeface="Arial"/>
+            </a:endParaRPr>
+          </a:p>
+          <a:p>
+            <a:pPr>
+              <a:lnSpc>
+                <a:spcPct val="100000"/>
+              </a:lnSpc>
+            </a:pPr>
+            <a:endParaRPr lang="pl-PL" sz="2200" b="0" strike="noStrike" spc="-1" dirty="0">
+              <a:latin typeface="Arial"/>
+            </a:endParaRPr>
+          </a:p>
+          <a:p>
+            <a:pPr>
+              <a:lnSpc>
+                <a:spcPct val="100000"/>
+              </a:lnSpc>
+            </a:pPr>
+            <a:r>
+              <a:rPr lang="pl-PL" sz="1800" b="0" strike="noStrike" spc="-1" dirty="0">
+                <a:solidFill>
+                  <a:srgbClr val="FFFFFF"/>
+                </a:solidFill>
+                <a:latin typeface="Arial"/>
+                <a:ea typeface="DejaVu Sans"/>
+              </a:rPr>
+              <a:t> </a:t>
+            </a:r>
+            <a:endParaRPr lang="pl-PL" sz="1800" b="0" strike="noStrike" spc="-1" dirty="0">
+              <a:latin typeface="Arial"/>
+            </a:endParaRPr>
+          </a:p>
+        </p:txBody>
+      </p:sp>
+    </p:spTree>
+    <p:extLst>
+      <p:ext uri="{BB962C8B-B14F-4D97-AF65-F5344CB8AC3E}">
+        <p14:creationId xmlns:p14="http://schemas.microsoft.com/office/powerpoint/2010/main" val="1683484066"/>
+      </p:ext>
+    </p:extLst>
+  </p:cSld>
+  <p:clrMapOvr>
+    <a:masterClrMapping/>
+  </p:clrMapOvr>
+  <p:timing>
+    <p:tnLst>
+      <p:par>
+        <p:cTn id="1" dur="indefinite" restart="never" nodeType="tmRoot">
+          <p:childTnLst>
+            <p:seq>
+              <p:cTn id="2" dur="indefinite" nodeType="mainSeq"/>
+              <p:prevCondLst>
+                <p:cond evt="onPrev" delay="0">
+                  <p:tgtEl>
+                    <p:sldTgt/>
+                  </p:tgtEl>
+                </p:cond>
+              </p:prevCondLst>
+              <p:nextCondLst>
+                <p:cond evt="onNext" delay="0">
+                  <p:tgtEl>
+                    <p:sldTgt/>
+                  </p:tgtEl>
+                </p:cond>
+              </p:nextCondLst>
+            </p:seq>
+          </p:childTnLst>
+        </p:cTn>
+      </p:par>
+    </p:tnLst>
+  </p:timing>
+</p:sld>
+</file>
+
+<file path=ppt/slides/slide34.xml><?xml version="1.0" encoding="utf-8"?>
+<p:sld xmlns:a="http://schemas.openxmlformats.org/drawingml/2006/main" xmlns:r="http://schemas.openxmlformats.org/officeDocument/2006/relationships" xmlns:p="http://schemas.openxmlformats.org/presentationml/2006/main">
+  <p:cSld>
+    <p:spTree>
+      <p:nvGrpSpPr>
+        <p:cNvPr id="1" name=""/>
+        <p:cNvGrpSpPr/>
+        <p:nvPr/>
+      </p:nvGrpSpPr>
+      <p:grpSpPr>
+        <a:xfrm>
+          <a:off x="0" y="0"/>
+          <a:ext cx="0" cy="0"/>
+          <a:chOff x="0" y="0"/>
+          <a:chExt cx="0" cy="0"/>
+        </a:xfrm>
+      </p:grpSpPr>
+      <p:sp>
+        <p:nvSpPr>
+          <p:cNvPr id="178" name="CustomShape 1"/>
+          <p:cNvSpPr/>
+          <p:nvPr/>
+        </p:nvSpPr>
+        <p:spPr>
+          <a:xfrm>
+            <a:off x="1561680" y="0"/>
+            <a:ext cx="9067680" cy="1258560"/>
+          </a:xfrm>
+          <a:prstGeom prst="rect">
+            <a:avLst/>
+          </a:prstGeom>
+          <a:noFill/>
+          <a:ln>
+            <a:noFill/>
+          </a:ln>
+        </p:spPr>
+        <p:style>
+          <a:lnRef idx="0">
+            <a:scrgbClr r="0" g="0" b="0"/>
+          </a:lnRef>
+          <a:fillRef idx="0">
+            <a:scrgbClr r="0" g="0" b="0"/>
+          </a:fillRef>
+          <a:effectRef idx="0">
+            <a:scrgbClr r="0" g="0" b="0"/>
+          </a:effectRef>
+          <a:fontRef idx="minor"/>
+        </p:style>
+        <p:txBody>
+          <a:bodyPr lIns="0" tIns="0" rIns="0" bIns="0" anchor="ctr"/>
+          <a:lstStyle/>
+          <a:p>
+            <a:pPr algn="ctr">
+              <a:lnSpc>
+                <a:spcPct val="100000"/>
+              </a:lnSpc>
+            </a:pPr>
+            <a:r>
+              <a:rPr lang="pl-PL" sz="4400" b="1" strike="noStrike" spc="-1" dirty="0">
+                <a:solidFill>
+                  <a:srgbClr val="FFFFFF"/>
+                </a:solidFill>
+                <a:latin typeface="Arial"/>
+              </a:rPr>
+              <a:t>Wyrażenia regularne - </a:t>
+            </a:r>
+            <a:r>
+              <a:rPr lang="pl-PL" sz="4400" b="1" strike="noStrike" spc="-1" dirty="0" err="1">
+                <a:solidFill>
+                  <a:srgbClr val="FFFFFF"/>
+                </a:solidFill>
+                <a:latin typeface="Arial"/>
+              </a:rPr>
+              <a:t>regex</a:t>
+            </a:r>
+            <a:endParaRPr lang="pl-PL" sz="4400" b="0" strike="noStrike" spc="-1" dirty="0">
+              <a:latin typeface="Arial"/>
+            </a:endParaRPr>
+          </a:p>
+        </p:txBody>
+      </p:sp>
+      <p:sp>
+        <p:nvSpPr>
+          <p:cNvPr id="179" name="CustomShape 2"/>
+          <p:cNvSpPr/>
+          <p:nvPr/>
+        </p:nvSpPr>
+        <p:spPr>
+          <a:xfrm>
+            <a:off x="587829" y="1947052"/>
+            <a:ext cx="6411687" cy="5106891"/>
+          </a:xfrm>
+          <a:prstGeom prst="rect">
+            <a:avLst/>
+          </a:prstGeom>
+          <a:noFill/>
+          <a:ln>
+            <a:noFill/>
+          </a:ln>
+        </p:spPr>
+        <p:style>
+          <a:lnRef idx="0">
+            <a:scrgbClr r="0" g="0" b="0"/>
+          </a:lnRef>
+          <a:fillRef idx="0">
+            <a:scrgbClr r="0" g="0" b="0"/>
+          </a:fillRef>
+          <a:effectRef idx="0">
+            <a:scrgbClr r="0" g="0" b="0"/>
+          </a:effectRef>
+          <a:fontRef idx="minor"/>
+        </p:style>
+        <p:txBody>
+          <a:bodyPr lIns="90000" tIns="45000" rIns="90000" bIns="45000"/>
+          <a:lstStyle/>
+          <a:p>
+            <a:pPr>
+              <a:lnSpc>
+                <a:spcPct val="100000"/>
+              </a:lnSpc>
+            </a:pPr>
+            <a:r>
+              <a:rPr lang="pl-PL" sz="2000" spc="-1" dirty="0">
+                <a:solidFill>
+                  <a:srgbClr val="00A65D"/>
+                </a:solidFill>
+                <a:latin typeface="Arial"/>
+                <a:ea typeface="DejaVu Sans"/>
+              </a:rPr>
+              <a:t>Wyrażenia regularne</a:t>
+            </a:r>
+            <a:r>
+              <a:rPr lang="pl-PL" sz="2000" b="0" strike="noStrike" spc="-1" dirty="0">
+                <a:solidFill>
+                  <a:srgbClr val="FFFFFF"/>
+                </a:solidFill>
+                <a:latin typeface="Arial"/>
+                <a:ea typeface="DejaVu Sans"/>
+              </a:rPr>
+              <a:t> służą do odnajdywania w tekście łańcuchów znaków pasujących do danego wzorca.</a:t>
+            </a:r>
+          </a:p>
+          <a:p>
+            <a:pPr>
+              <a:lnSpc>
+                <a:spcPct val="100000"/>
+              </a:lnSpc>
+            </a:pPr>
+            <a:endParaRPr lang="pl-PL" sz="2000" spc="-1" dirty="0">
+              <a:solidFill>
+                <a:srgbClr val="FFFFFF"/>
+              </a:solidFill>
+              <a:latin typeface="Arial"/>
+              <a:ea typeface="DejaVu Sans"/>
+            </a:endParaRPr>
+          </a:p>
+          <a:p>
+            <a:pPr>
+              <a:lnSpc>
+                <a:spcPct val="100000"/>
+              </a:lnSpc>
+            </a:pPr>
+            <a:r>
+              <a:rPr lang="pl-PL" sz="2000" spc="-1" dirty="0">
+                <a:solidFill>
+                  <a:srgbClr val="FFFFFF"/>
+                </a:solidFill>
+                <a:latin typeface="Arial"/>
+                <a:ea typeface="DejaVu Sans"/>
+              </a:rPr>
+              <a:t>String </a:t>
+            </a:r>
+            <a:r>
+              <a:rPr lang="pl-PL" sz="2000" spc="-1" dirty="0" err="1">
+                <a:solidFill>
+                  <a:srgbClr val="FFFFFF"/>
+                </a:solidFill>
+                <a:latin typeface="Arial"/>
+                <a:ea typeface="DejaVu Sans"/>
+              </a:rPr>
+              <a:t>text</a:t>
+            </a:r>
+            <a:r>
+              <a:rPr lang="pl-PL" sz="2000" spc="-1" dirty="0">
+                <a:solidFill>
+                  <a:srgbClr val="FFFFFF"/>
+                </a:solidFill>
+                <a:latin typeface="Arial"/>
+                <a:ea typeface="DejaVu Sans"/>
+              </a:rPr>
+              <a:t> = „1BAAAdscdsc1ZAAA”;</a:t>
+            </a:r>
+          </a:p>
+          <a:p>
+            <a:pPr>
+              <a:lnSpc>
+                <a:spcPct val="100000"/>
+              </a:lnSpc>
+            </a:pPr>
+            <a:r>
+              <a:rPr lang="pl-PL" sz="2000" spc="-1" dirty="0" err="1">
+                <a:solidFill>
+                  <a:srgbClr val="FFFFFF"/>
+                </a:solidFill>
+              </a:rPr>
+              <a:t>Pattern</a:t>
+            </a:r>
+            <a:r>
+              <a:rPr lang="pl-PL" sz="2000" spc="-1" dirty="0">
+                <a:solidFill>
+                  <a:srgbClr val="FFFFFF"/>
+                </a:solidFill>
+              </a:rPr>
+              <a:t> </a:t>
+            </a:r>
+            <a:r>
+              <a:rPr lang="pl-PL" sz="2000" spc="-1" dirty="0" err="1">
+                <a:solidFill>
+                  <a:srgbClr val="FFFFFF"/>
+                </a:solidFill>
+              </a:rPr>
+              <a:t>pattern</a:t>
+            </a:r>
+            <a:r>
+              <a:rPr lang="pl-PL" sz="2000" spc="-1" dirty="0">
+                <a:solidFill>
+                  <a:srgbClr val="FFFFFF"/>
+                </a:solidFill>
+              </a:rPr>
+              <a:t> = </a:t>
+            </a:r>
+            <a:r>
+              <a:rPr lang="pl-PL" sz="2000" spc="-1" dirty="0" err="1">
+                <a:solidFill>
+                  <a:srgbClr val="FFFFFF"/>
+                </a:solidFill>
+              </a:rPr>
+              <a:t>Pattern.compile</a:t>
+            </a:r>
+            <a:r>
+              <a:rPr lang="pl-PL" sz="2000" spc="-1" dirty="0">
+                <a:solidFill>
+                  <a:srgbClr val="FFFFFF"/>
+                </a:solidFill>
+              </a:rPr>
+              <a:t>("1[a-</a:t>
+            </a:r>
+            <a:r>
+              <a:rPr lang="pl-PL" sz="2000" spc="-1" dirty="0" err="1">
+                <a:solidFill>
+                  <a:srgbClr val="FFFFFF"/>
+                </a:solidFill>
+              </a:rPr>
+              <a:t>zA</a:t>
+            </a:r>
+            <a:r>
+              <a:rPr lang="pl-PL" sz="2000" spc="-1" dirty="0">
+                <a:solidFill>
+                  <a:srgbClr val="FFFFFF"/>
+                </a:solidFill>
+              </a:rPr>
+              <a:t>-Z]AAA");</a:t>
+            </a:r>
+            <a:endParaRPr lang="pl-PL" sz="2000" b="0" strike="noStrike" spc="-1" dirty="0">
+              <a:solidFill>
+                <a:srgbClr val="FFFFFF"/>
+              </a:solidFill>
+              <a:latin typeface="Arial"/>
+            </a:endParaRPr>
+          </a:p>
+          <a:p>
+            <a:pPr>
+              <a:lnSpc>
+                <a:spcPct val="100000"/>
+              </a:lnSpc>
+            </a:pPr>
+            <a:r>
+              <a:rPr lang="en-US" sz="2000" spc="-1" dirty="0">
+                <a:solidFill>
+                  <a:srgbClr val="FFFFFF"/>
+                </a:solidFill>
+              </a:rPr>
+              <a:t>Matcher </a:t>
+            </a:r>
+            <a:r>
+              <a:rPr lang="pl-PL" sz="2000" spc="-1" dirty="0" err="1">
+                <a:solidFill>
+                  <a:srgbClr val="FFFFFF"/>
+                </a:solidFill>
+              </a:rPr>
+              <a:t>matcher</a:t>
+            </a:r>
+            <a:r>
+              <a:rPr lang="en-US" sz="2000" spc="-1" dirty="0">
+                <a:solidFill>
+                  <a:srgbClr val="FFFFFF"/>
+                </a:solidFill>
+              </a:rPr>
+              <a:t> = </a:t>
+            </a:r>
+            <a:r>
+              <a:rPr lang="pl-PL" sz="2000" spc="-1" dirty="0" err="1">
+                <a:solidFill>
+                  <a:srgbClr val="FFFFFF"/>
+                </a:solidFill>
+              </a:rPr>
+              <a:t>pattern</a:t>
+            </a:r>
+            <a:r>
+              <a:rPr lang="en-US" sz="2000" spc="-1" dirty="0">
+                <a:solidFill>
+                  <a:srgbClr val="FFFFFF"/>
+                </a:solidFill>
+              </a:rPr>
+              <a:t>.matcher(</a:t>
+            </a:r>
+            <a:r>
+              <a:rPr lang="pl-PL" sz="2000" spc="-1" dirty="0" err="1">
+                <a:solidFill>
+                  <a:srgbClr val="FFFFFF"/>
+                </a:solidFill>
+              </a:rPr>
+              <a:t>text</a:t>
+            </a:r>
+            <a:r>
+              <a:rPr lang="en-US" sz="2000" spc="-1" dirty="0">
+                <a:solidFill>
+                  <a:srgbClr val="FFFFFF"/>
+                </a:solidFill>
+              </a:rPr>
+              <a:t>);</a:t>
+            </a:r>
+            <a:endParaRPr lang="pl-PL" sz="2000" spc="-1" dirty="0">
+              <a:solidFill>
+                <a:srgbClr val="FFFFFF"/>
+              </a:solidFill>
+              <a:latin typeface="Arial"/>
+            </a:endParaRPr>
+          </a:p>
+          <a:p>
+            <a:pPr>
+              <a:lnSpc>
+                <a:spcPct val="100000"/>
+              </a:lnSpc>
+            </a:pPr>
+            <a:endParaRPr lang="pl-PL" sz="2000" b="0" strike="noStrike" spc="-1" dirty="0">
+              <a:solidFill>
+                <a:srgbClr val="FFFFFF"/>
+              </a:solidFill>
+              <a:latin typeface="Arial"/>
+            </a:endParaRPr>
+          </a:p>
+          <a:p>
+            <a:pPr>
+              <a:lnSpc>
+                <a:spcPct val="100000"/>
+              </a:lnSpc>
+            </a:pPr>
+            <a:r>
+              <a:rPr lang="pl-PL" sz="2000" spc="-1" dirty="0" err="1">
+                <a:solidFill>
+                  <a:srgbClr val="FFFFFF"/>
+                </a:solidFill>
+              </a:rPr>
+              <a:t>while</a:t>
+            </a:r>
+            <a:r>
+              <a:rPr lang="pl-PL" sz="2000" spc="-1" dirty="0">
+                <a:solidFill>
+                  <a:srgbClr val="FFFFFF"/>
+                </a:solidFill>
+              </a:rPr>
+              <a:t>(</a:t>
+            </a:r>
+            <a:r>
+              <a:rPr lang="pl-PL" sz="2000" spc="-1" dirty="0" err="1">
+                <a:solidFill>
+                  <a:srgbClr val="FFFFFF"/>
+                </a:solidFill>
+              </a:rPr>
+              <a:t>matcher.find</a:t>
+            </a:r>
+            <a:r>
+              <a:rPr lang="pl-PL" sz="2000" spc="-1" dirty="0">
+                <a:solidFill>
+                  <a:srgbClr val="FFFFFF"/>
+                </a:solidFill>
+              </a:rPr>
+              <a:t>())</a:t>
+            </a:r>
+          </a:p>
+          <a:p>
+            <a:pPr>
+              <a:lnSpc>
+                <a:spcPct val="100000"/>
+              </a:lnSpc>
+            </a:pPr>
+            <a:r>
+              <a:rPr lang="pl-PL" sz="2000" spc="-1" dirty="0">
+                <a:solidFill>
+                  <a:srgbClr val="FFFFFF"/>
+                </a:solidFill>
+              </a:rPr>
+              <a:t>   </a:t>
+            </a:r>
+            <a:r>
+              <a:rPr lang="pl-PL" sz="2000" spc="-1" dirty="0" err="1">
+                <a:solidFill>
+                  <a:srgbClr val="FFFFFF"/>
+                </a:solidFill>
+              </a:rPr>
+              <a:t>System.out.println</a:t>
+            </a:r>
+            <a:r>
+              <a:rPr lang="pl-PL" sz="2000" spc="-1" dirty="0">
+                <a:solidFill>
+                  <a:srgbClr val="FFFFFF"/>
+                </a:solidFill>
+              </a:rPr>
+              <a:t>("</a:t>
+            </a:r>
+            <a:r>
+              <a:rPr lang="pl-PL" sz="2000" spc="-1" dirty="0" err="1">
+                <a:solidFill>
+                  <a:srgbClr val="FFFFFF"/>
+                </a:solidFill>
+              </a:rPr>
+              <a:t>Found</a:t>
+            </a:r>
+            <a:r>
+              <a:rPr lang="pl-PL" sz="2000" spc="-1" dirty="0">
+                <a:solidFill>
+                  <a:srgbClr val="FFFFFF"/>
+                </a:solidFill>
+              </a:rPr>
+              <a:t>: " + </a:t>
+            </a:r>
+            <a:r>
+              <a:rPr lang="pl-PL" sz="2000" spc="-1" dirty="0" err="1">
+                <a:solidFill>
+                  <a:srgbClr val="FFFFFF"/>
+                </a:solidFill>
+              </a:rPr>
+              <a:t>matcher.group</a:t>
+            </a:r>
+            <a:r>
+              <a:rPr lang="pl-PL" sz="2000" spc="-1" dirty="0">
+                <a:solidFill>
+                  <a:srgbClr val="FFFFFF"/>
+                </a:solidFill>
+              </a:rPr>
+              <a:t>()); </a:t>
+            </a:r>
+            <a:endParaRPr lang="pl-PL" sz="2000" b="0" strike="noStrike" spc="-1" dirty="0">
+              <a:solidFill>
+                <a:srgbClr val="FFFFFF"/>
+              </a:solidFill>
+              <a:latin typeface="Arial"/>
+            </a:endParaRPr>
+          </a:p>
+          <a:p>
+            <a:pPr>
+              <a:lnSpc>
+                <a:spcPct val="100000"/>
+              </a:lnSpc>
+            </a:pPr>
+            <a:endParaRPr lang="pl-PL" spc="-1" dirty="0">
+              <a:solidFill>
+                <a:srgbClr val="FFFFFF"/>
+              </a:solidFill>
+              <a:latin typeface="Arial"/>
+            </a:endParaRPr>
+          </a:p>
+          <a:p>
+            <a:pPr>
+              <a:lnSpc>
+                <a:spcPct val="100000"/>
+              </a:lnSpc>
+            </a:pPr>
+            <a:endParaRPr lang="pl-PL" sz="2200" b="0" strike="noStrike" spc="-1" dirty="0">
+              <a:latin typeface="Arial"/>
+            </a:endParaRPr>
+          </a:p>
+          <a:p>
+            <a:pPr>
+              <a:lnSpc>
+                <a:spcPct val="100000"/>
+              </a:lnSpc>
+            </a:pPr>
+            <a:endParaRPr lang="pl-PL" sz="2200" b="0" strike="noStrike" spc="-1" dirty="0">
+              <a:latin typeface="Arial"/>
+            </a:endParaRPr>
+          </a:p>
+          <a:p>
+            <a:pPr>
+              <a:lnSpc>
+                <a:spcPct val="100000"/>
+              </a:lnSpc>
+            </a:pPr>
+            <a:endParaRPr lang="pl-PL" sz="2200" b="0" strike="noStrike" spc="-1" dirty="0">
+              <a:latin typeface="Arial"/>
+            </a:endParaRPr>
+          </a:p>
+          <a:p>
+            <a:pPr>
+              <a:lnSpc>
+                <a:spcPct val="100000"/>
+              </a:lnSpc>
+            </a:pPr>
+            <a:endParaRPr lang="pl-PL" sz="2200" b="0" strike="noStrike" spc="-1" dirty="0">
+              <a:latin typeface="Arial"/>
+            </a:endParaRPr>
+          </a:p>
+          <a:p>
+            <a:pPr>
+              <a:lnSpc>
+                <a:spcPct val="100000"/>
+              </a:lnSpc>
+            </a:pPr>
+            <a:endParaRPr lang="pl-PL" sz="2200" b="0" strike="noStrike" spc="-1" dirty="0">
+              <a:latin typeface="Arial"/>
+            </a:endParaRPr>
+          </a:p>
+          <a:p>
+            <a:pPr>
+              <a:lnSpc>
+                <a:spcPct val="100000"/>
+              </a:lnSpc>
+            </a:pPr>
+            <a:r>
+              <a:rPr lang="pl-PL" sz="1800" b="0" strike="noStrike" spc="-1" dirty="0">
+                <a:solidFill>
+                  <a:srgbClr val="FFFFFF"/>
+                </a:solidFill>
+                <a:latin typeface="Arial"/>
+                <a:ea typeface="DejaVu Sans"/>
+              </a:rPr>
+              <a:t> </a:t>
+            </a:r>
+            <a:endParaRPr lang="pl-PL" sz="1800" b="0" strike="noStrike" spc="-1" dirty="0">
+              <a:latin typeface="Arial"/>
+            </a:endParaRPr>
+          </a:p>
+        </p:txBody>
+      </p:sp>
+      <p:sp>
+        <p:nvSpPr>
+          <p:cNvPr id="4" name="pole tekstowe 3">
+            <a:extLst>
+              <a:ext uri="{FF2B5EF4-FFF2-40B4-BE49-F238E27FC236}">
+                <a16:creationId xmlns:a16="http://schemas.microsoft.com/office/drawing/2014/main" id="{9931439A-3EA9-4F2F-8033-69C4DC816880}"/>
+              </a:ext>
+            </a:extLst>
+          </p:cNvPr>
+          <p:cNvSpPr txBox="1"/>
+          <p:nvPr/>
+        </p:nvSpPr>
+        <p:spPr>
+          <a:xfrm>
+            <a:off x="6999516" y="867634"/>
+            <a:ext cx="4691741" cy="6186309"/>
+          </a:xfrm>
+          <a:prstGeom prst="rect">
+            <a:avLst/>
+          </a:prstGeom>
+          <a:noFill/>
+        </p:spPr>
+        <p:txBody>
+          <a:bodyPr wrap="square" rtlCol="0">
+            <a:spAutoFit/>
+          </a:bodyPr>
+          <a:lstStyle/>
+          <a:p>
+            <a:r>
+              <a:rPr lang="pl-PL" dirty="0">
+                <a:solidFill>
+                  <a:schemeClr val="bg1"/>
+                </a:solidFill>
+                <a:effectLst>
+                  <a:outerShdw blurRad="38100" dist="38100" dir="2700000" algn="tl">
+                    <a:srgbClr val="000000">
+                      <a:alpha val="43137"/>
+                    </a:srgbClr>
+                  </a:outerShdw>
+                </a:effectLst>
+                <a:latin typeface="+mj-lt"/>
+              </a:rPr>
+              <a:t>Znaki języka </a:t>
+            </a:r>
+            <a:r>
+              <a:rPr lang="pl-PL" dirty="0" err="1">
+                <a:solidFill>
+                  <a:schemeClr val="bg1"/>
+                </a:solidFill>
+                <a:effectLst>
+                  <a:outerShdw blurRad="38100" dist="38100" dir="2700000" algn="tl">
+                    <a:srgbClr val="000000">
+                      <a:alpha val="43137"/>
+                    </a:srgbClr>
+                  </a:outerShdw>
+                </a:effectLst>
+                <a:latin typeface="+mj-lt"/>
+              </a:rPr>
+              <a:t>regex</a:t>
+            </a:r>
+            <a:r>
+              <a:rPr lang="pl-PL" dirty="0">
+                <a:solidFill>
+                  <a:schemeClr val="bg1"/>
+                </a:solidFill>
+                <a:effectLst>
+                  <a:outerShdw blurRad="38100" dist="38100" dir="2700000" algn="tl">
+                    <a:srgbClr val="000000">
+                      <a:alpha val="43137"/>
+                    </a:srgbClr>
+                  </a:outerShdw>
+                </a:effectLst>
+                <a:latin typeface="+mj-lt"/>
+              </a:rPr>
+              <a:t>:</a:t>
+            </a:r>
+          </a:p>
+          <a:p>
+            <a:endParaRPr lang="pl-PL" dirty="0">
+              <a:solidFill>
+                <a:schemeClr val="bg1"/>
+              </a:solidFill>
+              <a:effectLst>
+                <a:outerShdw blurRad="38100" dist="38100" dir="2700000" algn="tl">
+                  <a:srgbClr val="000000">
+                    <a:alpha val="43137"/>
+                  </a:srgbClr>
+                </a:outerShdw>
+              </a:effectLst>
+              <a:latin typeface="+mj-lt"/>
+            </a:endParaRPr>
+          </a:p>
+          <a:p>
+            <a:r>
+              <a:rPr lang="pl-PL" dirty="0">
+                <a:solidFill>
+                  <a:schemeClr val="bg1"/>
+                </a:solidFill>
+                <a:effectLst>
+                  <a:outerShdw blurRad="38100" dist="38100" dir="2700000" algn="tl">
+                    <a:srgbClr val="000000">
+                      <a:alpha val="43137"/>
+                    </a:srgbClr>
+                  </a:outerShdw>
+                </a:effectLst>
+                <a:latin typeface="+mj-lt"/>
+              </a:rPr>
+              <a:t>^ – początek linii</a:t>
+            </a:r>
+          </a:p>
+          <a:p>
+            <a:r>
+              <a:rPr lang="pl-PL" dirty="0">
+                <a:solidFill>
+                  <a:schemeClr val="bg1"/>
+                </a:solidFill>
+                <a:effectLst>
+                  <a:outerShdw blurRad="38100" dist="38100" dir="2700000" algn="tl">
+                    <a:srgbClr val="000000">
+                      <a:alpha val="43137"/>
+                    </a:srgbClr>
+                  </a:outerShdw>
+                </a:effectLst>
+                <a:latin typeface="+mj-lt"/>
+              </a:rPr>
+              <a:t>$ – koniec linii</a:t>
+            </a:r>
+          </a:p>
+          <a:p>
+            <a:r>
+              <a:rPr lang="pl-PL" dirty="0">
+                <a:solidFill>
+                  <a:schemeClr val="bg1"/>
+                </a:solidFill>
+                <a:effectLst>
+                  <a:outerShdw blurRad="38100" dist="38100" dir="2700000" algn="tl">
+                    <a:srgbClr val="000000">
+                      <a:alpha val="43137"/>
+                    </a:srgbClr>
+                  </a:outerShdw>
+                </a:effectLst>
+                <a:latin typeface="+mj-lt"/>
+              </a:rPr>
+              <a:t>. – dowolny znak</a:t>
+            </a:r>
+          </a:p>
+          <a:p>
+            <a:r>
+              <a:rPr lang="pl-PL" dirty="0">
+                <a:solidFill>
+                  <a:schemeClr val="bg1"/>
+                </a:solidFill>
+                <a:effectLst>
+                  <a:outerShdw blurRad="38100" dist="38100" dir="2700000" algn="tl">
+                    <a:srgbClr val="000000">
+                      <a:alpha val="43137"/>
+                    </a:srgbClr>
+                  </a:outerShdw>
+                </a:effectLst>
+                <a:latin typeface="+mj-lt"/>
+              </a:rPr>
+              <a:t>\d – cyfra [0-9]</a:t>
+            </a:r>
+          </a:p>
+          <a:p>
+            <a:r>
+              <a:rPr lang="pl-PL" dirty="0">
+                <a:solidFill>
+                  <a:schemeClr val="bg1"/>
+                </a:solidFill>
+                <a:effectLst>
+                  <a:outerShdw blurRad="38100" dist="38100" dir="2700000" algn="tl">
+                    <a:srgbClr val="000000">
+                      <a:alpha val="43137"/>
+                    </a:srgbClr>
+                  </a:outerShdw>
+                </a:effectLst>
+                <a:latin typeface="+mj-lt"/>
+              </a:rPr>
+              <a:t>\D – inny znak niż cyfry [^0-9]</a:t>
+            </a:r>
+          </a:p>
+          <a:p>
+            <a:r>
+              <a:rPr lang="pl-PL" dirty="0">
+                <a:solidFill>
+                  <a:schemeClr val="bg1"/>
+                </a:solidFill>
+                <a:effectLst>
+                  <a:outerShdw blurRad="38100" dist="38100" dir="2700000" algn="tl">
+                    <a:srgbClr val="000000">
+                      <a:alpha val="43137"/>
+                    </a:srgbClr>
+                  </a:outerShdw>
+                </a:effectLst>
+                <a:latin typeface="+mj-lt"/>
+              </a:rPr>
+              <a:t>\s - znak biały [ \</a:t>
+            </a:r>
+            <a:r>
+              <a:rPr lang="pl-PL" dirty="0" err="1">
+                <a:solidFill>
+                  <a:schemeClr val="bg1"/>
+                </a:solidFill>
+                <a:effectLst>
+                  <a:outerShdw blurRad="38100" dist="38100" dir="2700000" algn="tl">
+                    <a:srgbClr val="000000">
+                      <a:alpha val="43137"/>
+                    </a:srgbClr>
+                  </a:outerShdw>
+                </a:effectLst>
+                <a:latin typeface="+mj-lt"/>
+              </a:rPr>
+              <a:t>t\n</a:t>
+            </a:r>
+            <a:r>
+              <a:rPr lang="pl-PL" dirty="0">
+                <a:solidFill>
+                  <a:schemeClr val="bg1"/>
+                </a:solidFill>
+                <a:effectLst>
+                  <a:outerShdw blurRad="38100" dist="38100" dir="2700000" algn="tl">
+                    <a:srgbClr val="000000">
+                      <a:alpha val="43137"/>
+                    </a:srgbClr>
+                  </a:outerShdw>
+                </a:effectLst>
+                <a:latin typeface="+mj-lt"/>
+              </a:rPr>
+              <a:t>..]</a:t>
+            </a:r>
+          </a:p>
+          <a:p>
+            <a:r>
+              <a:rPr lang="pl-PL" dirty="0">
+                <a:solidFill>
+                  <a:schemeClr val="bg1"/>
+                </a:solidFill>
+                <a:effectLst>
+                  <a:outerShdw blurRad="38100" dist="38100" dir="2700000" algn="tl">
+                    <a:srgbClr val="000000">
+                      <a:alpha val="43137"/>
+                    </a:srgbClr>
+                  </a:outerShdw>
+                </a:effectLst>
+                <a:latin typeface="+mj-lt"/>
+              </a:rPr>
+              <a:t>\S – inny znak niż znak biały [^\s]</a:t>
+            </a:r>
+          </a:p>
+          <a:p>
+            <a:r>
+              <a:rPr lang="pl-PL" dirty="0">
+                <a:solidFill>
+                  <a:schemeClr val="bg1"/>
+                </a:solidFill>
+                <a:effectLst>
+                  <a:outerShdw blurRad="38100" dist="38100" dir="2700000" algn="tl">
+                    <a:srgbClr val="000000">
+                      <a:alpha val="43137"/>
+                    </a:srgbClr>
+                  </a:outerShdw>
+                </a:effectLst>
+                <a:latin typeface="+mj-lt"/>
+              </a:rPr>
+              <a:t>\w – znak[a-zA-Z_0-9]</a:t>
+            </a:r>
+          </a:p>
+          <a:p>
+            <a:r>
+              <a:rPr lang="pl-PL" dirty="0">
+                <a:solidFill>
+                  <a:schemeClr val="bg1"/>
+                </a:solidFill>
+                <a:effectLst>
+                  <a:outerShdw blurRad="38100" dist="38100" dir="2700000" algn="tl">
+                    <a:srgbClr val="000000">
+                      <a:alpha val="43137"/>
+                    </a:srgbClr>
+                  </a:outerShdw>
+                </a:effectLst>
+                <a:latin typeface="+mj-lt"/>
+              </a:rPr>
+              <a:t>\W inny znak niż \w [^\</a:t>
+            </a:r>
+            <a:r>
+              <a:rPr lang="pl-PL" dirty="0" err="1">
+                <a:solidFill>
+                  <a:schemeClr val="bg1"/>
+                </a:solidFill>
+                <a:effectLst>
+                  <a:outerShdw blurRad="38100" dist="38100" dir="2700000" algn="tl">
+                    <a:srgbClr val="000000">
+                      <a:alpha val="43137"/>
+                    </a:srgbClr>
+                  </a:outerShdw>
+                </a:effectLst>
+                <a:latin typeface="+mj-lt"/>
+              </a:rPr>
+              <a:t>w</a:t>
+            </a:r>
+            <a:r>
+              <a:rPr lang="pl-PL" dirty="0">
+                <a:solidFill>
+                  <a:schemeClr val="bg1"/>
+                </a:solidFill>
+                <a:effectLst>
+                  <a:outerShdw blurRad="38100" dist="38100" dir="2700000" algn="tl">
+                    <a:srgbClr val="000000">
+                      <a:alpha val="43137"/>
+                    </a:srgbClr>
+                  </a:outerShdw>
+                </a:effectLst>
+                <a:latin typeface="+mj-lt"/>
+              </a:rPr>
+              <a:t>]</a:t>
+            </a:r>
+          </a:p>
+          <a:p>
+            <a:r>
+              <a:rPr lang="pl-PL" dirty="0">
+                <a:solidFill>
+                  <a:schemeClr val="bg1"/>
+                </a:solidFill>
+                <a:effectLst>
+                  <a:outerShdw blurRad="38100" dist="38100" dir="2700000" algn="tl">
+                    <a:srgbClr val="000000">
+                      <a:alpha val="43137"/>
+                    </a:srgbClr>
+                  </a:outerShdw>
+                </a:effectLst>
+                <a:latin typeface="+mj-lt"/>
+              </a:rPr>
+              <a:t>() – sekwencja znaków (grupa)</a:t>
+            </a:r>
+          </a:p>
+          <a:p>
+            <a:r>
+              <a:rPr lang="pl-PL" dirty="0">
+                <a:solidFill>
+                  <a:schemeClr val="bg1"/>
+                </a:solidFill>
+                <a:effectLst>
+                  <a:outerShdw blurRad="38100" dist="38100" dir="2700000" algn="tl">
+                    <a:srgbClr val="000000">
+                      <a:alpha val="43137"/>
+                    </a:srgbClr>
+                  </a:outerShdw>
+                </a:effectLst>
+                <a:latin typeface="+mj-lt"/>
+              </a:rPr>
+              <a:t>? Raz lub 0 razy</a:t>
+            </a:r>
+          </a:p>
+          <a:p>
+            <a:r>
+              <a:rPr lang="pl-PL" dirty="0">
+                <a:solidFill>
+                  <a:schemeClr val="bg1"/>
+                </a:solidFill>
+                <a:effectLst>
+                  <a:outerShdw blurRad="38100" dist="38100" dir="2700000" algn="tl">
+                    <a:srgbClr val="000000">
+                      <a:alpha val="43137"/>
+                    </a:srgbClr>
+                  </a:outerShdw>
+                </a:effectLst>
+                <a:latin typeface="+mj-lt"/>
+              </a:rPr>
+              <a:t>* 0 lub więcej</a:t>
+            </a:r>
+          </a:p>
+          <a:p>
+            <a:r>
+              <a:rPr lang="pl-PL" dirty="0">
+                <a:solidFill>
+                  <a:schemeClr val="bg1"/>
+                </a:solidFill>
+                <a:effectLst>
+                  <a:outerShdw blurRad="38100" dist="38100" dir="2700000" algn="tl">
+                    <a:srgbClr val="000000">
+                      <a:alpha val="43137"/>
+                    </a:srgbClr>
+                  </a:outerShdw>
+                </a:effectLst>
+                <a:latin typeface="+mj-lt"/>
+              </a:rPr>
+              <a:t>+ raz lub więcej</a:t>
+            </a:r>
+          </a:p>
+          <a:p>
+            <a:r>
+              <a:rPr lang="pl-PL" dirty="0">
+                <a:solidFill>
+                  <a:schemeClr val="bg1"/>
+                </a:solidFill>
+                <a:effectLst>
+                  <a:outerShdw blurRad="38100" dist="38100" dir="2700000" algn="tl">
+                    <a:srgbClr val="000000">
+                      <a:alpha val="43137"/>
+                    </a:srgbClr>
+                  </a:outerShdw>
+                </a:effectLst>
+                <a:latin typeface="+mj-lt"/>
+              </a:rPr>
+              <a:t>{n} – dokładnie n razy</a:t>
+            </a:r>
+          </a:p>
+          <a:p>
+            <a:r>
+              <a:rPr lang="pl-PL" dirty="0">
+                <a:solidFill>
+                  <a:schemeClr val="bg1"/>
+                </a:solidFill>
+                <a:effectLst>
+                  <a:outerShdw blurRad="38100" dist="38100" dir="2700000" algn="tl">
+                    <a:srgbClr val="000000">
+                      <a:alpha val="43137"/>
+                    </a:srgbClr>
+                  </a:outerShdw>
+                </a:effectLst>
+                <a:latin typeface="+mj-lt"/>
+              </a:rPr>
+              <a:t>{n,} – przynajmniej n razy</a:t>
+            </a:r>
+          </a:p>
+          <a:p>
+            <a:r>
+              <a:rPr lang="pl-PL" dirty="0">
+                <a:solidFill>
+                  <a:schemeClr val="bg1"/>
+                </a:solidFill>
+                <a:effectLst>
+                  <a:outerShdw blurRad="38100" dist="38100" dir="2700000" algn="tl">
+                    <a:srgbClr val="000000">
+                      <a:alpha val="43137"/>
+                    </a:srgbClr>
+                  </a:outerShdw>
+                </a:effectLst>
+                <a:latin typeface="+mj-lt"/>
+              </a:rPr>
+              <a:t>{</a:t>
+            </a:r>
+            <a:r>
+              <a:rPr lang="pl-PL" dirty="0" err="1">
+                <a:solidFill>
+                  <a:schemeClr val="bg1"/>
+                </a:solidFill>
+                <a:effectLst>
+                  <a:outerShdw blurRad="38100" dist="38100" dir="2700000" algn="tl">
+                    <a:srgbClr val="000000">
+                      <a:alpha val="43137"/>
+                    </a:srgbClr>
+                  </a:outerShdw>
+                </a:effectLst>
+                <a:latin typeface="+mj-lt"/>
+              </a:rPr>
+              <a:t>n,m</a:t>
+            </a:r>
+            <a:r>
+              <a:rPr lang="pl-PL" dirty="0">
+                <a:solidFill>
+                  <a:schemeClr val="bg1"/>
+                </a:solidFill>
+                <a:effectLst>
+                  <a:outerShdw blurRad="38100" dist="38100" dir="2700000" algn="tl">
+                    <a:srgbClr val="000000">
+                      <a:alpha val="43137"/>
+                    </a:srgbClr>
+                  </a:outerShdw>
+                </a:effectLst>
+                <a:latin typeface="+mj-lt"/>
+              </a:rPr>
+              <a:t>} przynajmniej n lecz nie więcej</a:t>
+            </a:r>
+          </a:p>
+          <a:p>
+            <a:r>
+              <a:rPr lang="pl-PL" dirty="0">
+                <a:solidFill>
+                  <a:schemeClr val="bg1"/>
+                </a:solidFill>
+                <a:effectLst>
+                  <a:outerShdw blurRad="38100" dist="38100" dir="2700000" algn="tl">
+                    <a:srgbClr val="000000">
+                      <a:alpha val="43137"/>
+                    </a:srgbClr>
+                  </a:outerShdw>
+                </a:effectLst>
+                <a:latin typeface="+mj-lt"/>
+              </a:rPr>
+              <a:t>niż m razy</a:t>
+            </a:r>
+          </a:p>
+          <a:p>
+            <a:r>
+              <a:rPr lang="pl-PL" dirty="0">
+                <a:solidFill>
+                  <a:schemeClr val="bg1"/>
+                </a:solidFill>
+                <a:effectLst>
+                  <a:outerShdw blurRad="38100" dist="38100" dir="2700000" algn="tl">
+                    <a:srgbClr val="000000">
+                      <a:alpha val="43137"/>
+                    </a:srgbClr>
+                  </a:outerShdw>
+                </a:effectLst>
+                <a:latin typeface="+mj-lt"/>
+              </a:rPr>
+              <a:t>[123a] określa znak ze zbioru w z nawiasów,</a:t>
+            </a:r>
+          </a:p>
+          <a:p>
+            <a:r>
+              <a:rPr lang="pl-PL" dirty="0">
+                <a:solidFill>
+                  <a:schemeClr val="bg1"/>
+                </a:solidFill>
+                <a:effectLst>
+                  <a:outerShdw blurRad="38100" dist="38100" dir="2700000" algn="tl">
+                    <a:srgbClr val="000000">
+                      <a:alpha val="43137"/>
+                    </a:srgbClr>
+                  </a:outerShdw>
+                </a:effectLst>
+                <a:latin typeface="+mj-lt"/>
+              </a:rPr>
+              <a:t>tutaj 1 lub 2 lub3 lub a </a:t>
+            </a:r>
+          </a:p>
+          <a:p>
+            <a:endParaRPr lang="pl-PL" dirty="0"/>
+          </a:p>
+        </p:txBody>
+      </p:sp>
+    </p:spTree>
+    <p:extLst>
+      <p:ext uri="{BB962C8B-B14F-4D97-AF65-F5344CB8AC3E}">
+        <p14:creationId xmlns:p14="http://schemas.microsoft.com/office/powerpoint/2010/main" val="826674283"/>
       </p:ext>
     </p:extLst>
   </p:cSld>

--- a/WprowadzenieDoJezykaJAVA_v2_PiotrKrajnik.pptx
+++ b/WprowadzenieDoJezykaJAVA_v2_PiotrKrajnik.pptx
@@ -15498,7 +15498,7 @@
               </a:lnSpc>
             </a:pPr>
             <a:r>
-              <a:rPr lang="pl-PL" sz="1500" b="0" strike="noStrike" spc="-1">
+              <a:rPr lang="pl-PL" sz="2000" b="0" strike="noStrike" spc="-1" dirty="0">
                 <a:solidFill>
                   <a:srgbClr val="FFFFFF"/>
                 </a:solidFill>
@@ -15507,18 +15507,18 @@
               </a:rPr>
               <a:t>Klasa rozszerzająca klasę bazową, może chcieć zmienić część dziedziczonych metod(nadpisać je), tak aby je do siebie dostosować.</a:t>
             </a:r>
-            <a:endParaRPr lang="pl-PL" sz="1500" b="0" strike="noStrike" spc="-1">
-              <a:latin typeface="Arial"/>
-            </a:endParaRPr>
-          </a:p>
-          <a:p>
-            <a:pPr>
-              <a:lnSpc>
-                <a:spcPct val="100000"/>
-              </a:lnSpc>
-            </a:pPr>
-            <a:r>
-              <a:rPr lang="pl-PL" sz="1500" b="0" strike="noStrike" spc="-1">
+            <a:endParaRPr lang="pl-PL" sz="2000" b="0" strike="noStrike" spc="-1" dirty="0">
+              <a:latin typeface="Arial"/>
+            </a:endParaRPr>
+          </a:p>
+          <a:p>
+            <a:pPr>
+              <a:lnSpc>
+                <a:spcPct val="100000"/>
+              </a:lnSpc>
+            </a:pPr>
+            <a:r>
+              <a:rPr lang="pl-PL" sz="2000" b="0" strike="noStrike" spc="-1" dirty="0">
                 <a:solidFill>
                   <a:srgbClr val="FFFFFF"/>
                 </a:solidFill>
@@ -15528,7 +15528,7 @@
               <a:t>Aby taki cel zrealizować, należy w klasie pochodnej </a:t>
             </a:r>
             <a:r>
-              <a:rPr lang="pl-PL" sz="1500" b="0" strike="noStrike" spc="-1">
+              <a:rPr lang="pl-PL" sz="2000" b="0" strike="noStrike" spc="-1" dirty="0">
                 <a:solidFill>
                   <a:srgbClr val="00A65D"/>
                 </a:solidFill>
@@ -15538,7 +15538,7 @@
               <a:t>przeciążyć</a:t>
             </a:r>
             <a:r>
-              <a:rPr lang="pl-PL" sz="1500" b="0" strike="noStrike" spc="-1">
+              <a:rPr lang="pl-PL" sz="2000" b="0" strike="noStrike" spc="-1" dirty="0">
                 <a:solidFill>
                   <a:srgbClr val="FFFFFF"/>
                 </a:solidFill>
@@ -15547,28 +15547,28 @@
               </a:rPr>
               <a:t> daną metodę.</a:t>
             </a:r>
-            <a:endParaRPr lang="pl-PL" sz="1500" b="0" strike="noStrike" spc="-1">
-              <a:latin typeface="Arial"/>
-            </a:endParaRPr>
-          </a:p>
-          <a:p>
-            <a:pPr>
-              <a:lnSpc>
-                <a:spcPct val="100000"/>
-              </a:lnSpc>
-            </a:pPr>
-            <a:endParaRPr lang="pl-PL" sz="1500" b="0" strike="noStrike" spc="-1">
-              <a:latin typeface="Arial"/>
-            </a:endParaRPr>
-          </a:p>
-          <a:p>
-            <a:pPr>
-              <a:lnSpc>
-                <a:spcPct val="100000"/>
-              </a:lnSpc>
-            </a:pPr>
-            <a:r>
-              <a:rPr lang="pl-PL" sz="1500" b="0" strike="noStrike" spc="-1">
+            <a:endParaRPr lang="pl-PL" sz="2000" b="0" strike="noStrike" spc="-1" dirty="0">
+              <a:latin typeface="Arial"/>
+            </a:endParaRPr>
+          </a:p>
+          <a:p>
+            <a:pPr>
+              <a:lnSpc>
+                <a:spcPct val="100000"/>
+              </a:lnSpc>
+            </a:pPr>
+            <a:endParaRPr lang="pl-PL" sz="2000" b="0" strike="noStrike" spc="-1" dirty="0">
+              <a:latin typeface="Arial"/>
+            </a:endParaRPr>
+          </a:p>
+          <a:p>
+            <a:pPr>
+              <a:lnSpc>
+                <a:spcPct val="100000"/>
+              </a:lnSpc>
+            </a:pPr>
+            <a:r>
+              <a:rPr lang="pl-PL" sz="2000" b="0" strike="noStrike" spc="-1" dirty="0">
                 <a:solidFill>
                   <a:srgbClr val="FFFFFF"/>
                 </a:solidFill>
@@ -15577,148 +15577,68 @@
               </a:rPr>
               <a:t>Przeciążana metoda musi mieć taką samą nazwę i taką samą listę argumentów, oraz ten sam (lub będący klasą pochodną zwracanego typu) zwracany typ. Przeciążana metoda nie może też zawężać poziomu dostępu.</a:t>
             </a:r>
-            <a:endParaRPr lang="pl-PL" sz="1500" b="0" strike="noStrike" spc="-1">
-              <a:latin typeface="Arial"/>
-            </a:endParaRPr>
-          </a:p>
-          <a:p>
-            <a:pPr>
-              <a:lnSpc>
-                <a:spcPct val="100000"/>
-              </a:lnSpc>
-            </a:pPr>
-            <a:endParaRPr lang="pl-PL" sz="1500" b="0" strike="noStrike" spc="-1">
-              <a:latin typeface="Arial"/>
-            </a:endParaRPr>
-          </a:p>
-          <a:p>
-            <a:pPr>
-              <a:lnSpc>
-                <a:spcPct val="100000"/>
-              </a:lnSpc>
-            </a:pPr>
-            <a:r>
-              <a:rPr lang="pl-PL" sz="1500" b="0" strike="noStrike" spc="-1">
-                <a:solidFill>
-                  <a:srgbClr val="FFFFFF"/>
-                </a:solidFill>
-                <a:latin typeface="Arial"/>
-                <a:ea typeface="DejaVu Sans"/>
-              </a:rPr>
-              <a:t>Klasa pochodna nie może dziedziczyć pól i metod, które są w klasie bazowej private, oraz tych, które są package-private, jeśli klasa bazowa i pochodna są w różnych pakietach.</a:t>
-            </a:r>
-            <a:endParaRPr lang="pl-PL" sz="1500" b="0" strike="noStrike" spc="-1">
-              <a:latin typeface="Arial"/>
-            </a:endParaRPr>
-          </a:p>
-          <a:p>
-            <a:pPr>
-              <a:lnSpc>
-                <a:spcPct val="100000"/>
-              </a:lnSpc>
-            </a:pPr>
-            <a:endParaRPr lang="pl-PL" sz="1500" b="0" strike="noStrike" spc="-1">
-              <a:latin typeface="Arial"/>
-            </a:endParaRPr>
-          </a:p>
-          <a:p>
-            <a:pPr>
-              <a:lnSpc>
-                <a:spcPct val="100000"/>
-              </a:lnSpc>
-            </a:pPr>
-            <a:r>
-              <a:rPr lang="pl-PL" sz="1500" b="0" strike="noStrike" spc="-1">
-                <a:solidFill>
-                  <a:srgbClr val="FFFFFF"/>
-                </a:solidFill>
-                <a:latin typeface="Arial"/>
-                <a:ea typeface="DejaVu Sans"/>
-              </a:rPr>
-              <a:t>W ten sposób unikamy duplikowania kodu.</a:t>
-            </a:r>
-            <a:endParaRPr lang="pl-PL" sz="1500" b="0" strike="noStrike" spc="-1">
-              <a:latin typeface="Arial"/>
-            </a:endParaRPr>
-          </a:p>
-          <a:p>
-            <a:pPr>
-              <a:lnSpc>
-                <a:spcPct val="100000"/>
-              </a:lnSpc>
-            </a:pPr>
-            <a:endParaRPr lang="pl-PL" sz="1500" b="0" strike="noStrike" spc="-1">
-              <a:latin typeface="Arial"/>
-            </a:endParaRPr>
-          </a:p>
-          <a:p>
-            <a:pPr>
-              <a:lnSpc>
-                <a:spcPct val="100000"/>
-              </a:lnSpc>
-            </a:pPr>
-            <a:r>
-              <a:rPr lang="pl-PL" sz="1500" b="0" strike="noStrike" spc="-1">
-                <a:solidFill>
-                  <a:srgbClr val="FFFFFF"/>
-                </a:solidFill>
-                <a:latin typeface="Arial"/>
-                <a:ea typeface="DejaVu Sans"/>
-              </a:rPr>
-              <a:t>Klasa, która dziedziczy nazywa się klasą rozszerzoną. W celu dziedziczenia klas używamy słowa kluczowego extends</a:t>
-            </a:r>
-            <a:endParaRPr lang="pl-PL" sz="1500" b="0" strike="noStrike" spc="-1">
-              <a:latin typeface="Arial"/>
-            </a:endParaRPr>
-          </a:p>
-          <a:p>
-            <a:pPr>
-              <a:lnSpc>
-                <a:spcPct val="100000"/>
-              </a:lnSpc>
-            </a:pPr>
-            <a:endParaRPr lang="pl-PL" sz="1500" b="0" strike="noStrike" spc="-1">
-              <a:latin typeface="Arial"/>
-            </a:endParaRPr>
-          </a:p>
-          <a:p>
-            <a:pPr>
-              <a:lnSpc>
-                <a:spcPct val="100000"/>
-              </a:lnSpc>
-            </a:pPr>
-            <a:r>
-              <a:rPr lang="pl-PL" sz="1500" b="0" strike="noStrike" spc="-1">
-                <a:solidFill>
-                  <a:srgbClr val="FFFFFF"/>
-                </a:solidFill>
-                <a:latin typeface="Arial"/>
-                <a:ea typeface="DejaVu Sans"/>
-              </a:rPr>
-              <a:t>Przy przeciążonej metodzie powinno się używać adnotacji @Override</a:t>
-            </a:r>
-            <a:endParaRPr lang="pl-PL" sz="1500" b="0" strike="noStrike" spc="-1">
-              <a:latin typeface="Arial"/>
-            </a:endParaRPr>
-          </a:p>
-          <a:p>
-            <a:pPr>
-              <a:lnSpc>
-                <a:spcPct val="100000"/>
-              </a:lnSpc>
-            </a:pPr>
-            <a:endParaRPr lang="pl-PL" sz="1500" b="0" strike="noStrike" spc="-1">
-              <a:latin typeface="Arial"/>
-            </a:endParaRPr>
-          </a:p>
-          <a:p>
-            <a:pPr>
-              <a:lnSpc>
-                <a:spcPct val="100000"/>
-              </a:lnSpc>
-            </a:pPr>
-            <a:r>
-              <a:rPr lang="pl-PL" sz="1500" b="0" strike="noStrike" spc="-1">
+            <a:endParaRPr lang="pl-PL" sz="2000" b="0" strike="noStrike" spc="-1" dirty="0">
+              <a:latin typeface="Arial"/>
+            </a:endParaRPr>
+          </a:p>
+          <a:p>
+            <a:pPr>
+              <a:lnSpc>
+                <a:spcPct val="100000"/>
+              </a:lnSpc>
+            </a:pPr>
+            <a:endParaRPr lang="pl-PL" sz="2000" b="0" strike="noStrike" spc="-1" dirty="0">
+              <a:latin typeface="Arial"/>
+            </a:endParaRPr>
+          </a:p>
+          <a:p>
+            <a:pPr>
+              <a:lnSpc>
+                <a:spcPct val="100000"/>
+              </a:lnSpc>
+            </a:pPr>
+            <a:r>
+              <a:rPr lang="pl-PL" sz="2000" b="0" strike="noStrike" spc="-1" dirty="0">
+                <a:solidFill>
+                  <a:srgbClr val="FFFFFF"/>
+                </a:solidFill>
+                <a:latin typeface="Arial"/>
+                <a:ea typeface="DejaVu Sans"/>
+              </a:rPr>
+              <a:t>Przy przeciążonej metodzie powinno się używać adnotacji @</a:t>
+            </a:r>
+            <a:r>
+              <a:rPr lang="pl-PL" sz="2000" b="0" strike="noStrike" spc="-1" dirty="0" err="1">
+                <a:solidFill>
+                  <a:srgbClr val="FFFFFF"/>
+                </a:solidFill>
+                <a:latin typeface="Arial"/>
+                <a:ea typeface="DejaVu Sans"/>
+              </a:rPr>
+              <a:t>Override</a:t>
+            </a:r>
+            <a:endParaRPr lang="pl-PL" sz="2000" b="0" strike="noStrike" spc="-1" dirty="0">
+              <a:latin typeface="Arial"/>
+            </a:endParaRPr>
+          </a:p>
+          <a:p>
+            <a:pPr>
+              <a:lnSpc>
+                <a:spcPct val="100000"/>
+              </a:lnSpc>
+            </a:pPr>
+            <a:endParaRPr lang="pl-PL" sz="1500" b="0" strike="noStrike" spc="-1" dirty="0">
+              <a:latin typeface="Arial"/>
+            </a:endParaRPr>
+          </a:p>
+          <a:p>
+            <a:pPr>
+              <a:lnSpc>
+                <a:spcPct val="100000"/>
+              </a:lnSpc>
+            </a:pPr>
+            <a:r>
+              <a:rPr lang="pl-PL" sz="1500" b="0" strike="noStrike" spc="-1" dirty="0">
                 <a:solidFill>
                   <a:srgbClr val="FFFFFF"/>
                 </a:solidFill>
@@ -15727,7 +15647,7 @@
               </a:rPr>
               <a:t> </a:t>
             </a:r>
-            <a:endParaRPr lang="pl-PL" sz="1500" b="0" strike="noStrike" spc="-1">
+            <a:endParaRPr lang="pl-PL" sz="1500" b="0" strike="noStrike" spc="-1" dirty="0">
               <a:latin typeface="Arial"/>
             </a:endParaRPr>
           </a:p>

--- a/WprowadzenieDoJezykaJAVA_v2_PiotrKrajnik.pptx
+++ b/WprowadzenieDoJezykaJAVA_v2_PiotrKrajnik.pptx
@@ -42,6 +42,7 @@
     <p:sldId id="289" r:id="rId37"/>
     <p:sldId id="290" r:id="rId38"/>
     <p:sldId id="291" r:id="rId39"/>
+    <p:sldId id="292" r:id="rId40"/>
   </p:sldIdLst>
   <p:sldSz cx="12192000" cy="6858000"/>
   <p:notesSz cx="7559675" cy="10691812"/>
@@ -109,10 +110,8 @@
         <p:txBody>
           <a:bodyPr lIns="0" rIns="0" tIns="0" bIns="0" anchor="ctr"/>
           <a:p>
-            <a:endParaRPr b="0" lang="pl-PL" sz="1800" spc="-1" strike="noStrike">
-              <a:solidFill>
-                <a:srgbClr val="000000"/>
-              </a:solidFill>
+            <a:pPr algn="ctr"/>
+            <a:endParaRPr b="0" lang="pl-PL" sz="4400" spc="-1" strike="noStrike">
               <a:latin typeface="Arial"/>
             </a:endParaRPr>
           </a:p>
@@ -142,10 +141,7 @@
             <a:normAutofit/>
           </a:bodyPr>
           <a:p>
-            <a:endParaRPr b="0" lang="pl-PL" sz="2800" spc="-1" strike="noStrike">
-              <a:solidFill>
-                <a:srgbClr val="000000"/>
-              </a:solidFill>
+            <a:endParaRPr b="0" lang="pl-PL" sz="3200" spc="-1" strike="noStrike">
               <a:latin typeface="Arial"/>
             </a:endParaRPr>
           </a:p>
@@ -175,10 +171,7 @@
             <a:normAutofit/>
           </a:bodyPr>
           <a:p>
-            <a:endParaRPr b="0" lang="pl-PL" sz="2800" spc="-1" strike="noStrike">
-              <a:solidFill>
-                <a:srgbClr val="000000"/>
-              </a:solidFill>
+            <a:endParaRPr b="0" lang="pl-PL" sz="3200" spc="-1" strike="noStrike">
               <a:latin typeface="Arial"/>
             </a:endParaRPr>
           </a:p>
@@ -228,10 +221,8 @@
         <p:txBody>
           <a:bodyPr lIns="0" rIns="0" tIns="0" bIns="0" anchor="ctr"/>
           <a:p>
-            <a:endParaRPr b="0" lang="pl-PL" sz="1800" spc="-1" strike="noStrike">
-              <a:solidFill>
-                <a:srgbClr val="000000"/>
-              </a:solidFill>
+            <a:pPr algn="ctr"/>
+            <a:endParaRPr b="0" lang="pl-PL" sz="4400" spc="-1" strike="noStrike">
               <a:latin typeface="Arial"/>
             </a:endParaRPr>
           </a:p>
@@ -261,10 +252,7 @@
             <a:normAutofit/>
           </a:bodyPr>
           <a:p>
-            <a:endParaRPr b="0" lang="pl-PL" sz="2800" spc="-1" strike="noStrike">
-              <a:solidFill>
-                <a:srgbClr val="000000"/>
-              </a:solidFill>
+            <a:endParaRPr b="0" lang="pl-PL" sz="3200" spc="-1" strike="noStrike">
               <a:latin typeface="Arial"/>
             </a:endParaRPr>
           </a:p>
@@ -294,10 +282,7 @@
             <a:normAutofit/>
           </a:bodyPr>
           <a:p>
-            <a:endParaRPr b="0" lang="pl-PL" sz="2800" spc="-1" strike="noStrike">
-              <a:solidFill>
-                <a:srgbClr val="000000"/>
-              </a:solidFill>
+            <a:endParaRPr b="0" lang="pl-PL" sz="3200" spc="-1" strike="noStrike">
               <a:latin typeface="Arial"/>
             </a:endParaRPr>
           </a:p>
@@ -327,10 +312,7 @@
             <a:normAutofit/>
           </a:bodyPr>
           <a:p>
-            <a:endParaRPr b="0" lang="pl-PL" sz="2800" spc="-1" strike="noStrike">
-              <a:solidFill>
-                <a:srgbClr val="000000"/>
-              </a:solidFill>
+            <a:endParaRPr b="0" lang="pl-PL" sz="3200" spc="-1" strike="noStrike">
               <a:latin typeface="Arial"/>
             </a:endParaRPr>
           </a:p>
@@ -360,10 +342,7 @@
             <a:normAutofit/>
           </a:bodyPr>
           <a:p>
-            <a:endParaRPr b="0" lang="pl-PL" sz="2800" spc="-1" strike="noStrike">
-              <a:solidFill>
-                <a:srgbClr val="000000"/>
-              </a:solidFill>
+            <a:endParaRPr b="0" lang="pl-PL" sz="3200" spc="-1" strike="noStrike">
               <a:latin typeface="Arial"/>
             </a:endParaRPr>
           </a:p>
@@ -413,10 +392,8 @@
         <p:txBody>
           <a:bodyPr lIns="0" rIns="0" tIns="0" bIns="0" anchor="ctr"/>
           <a:p>
-            <a:endParaRPr b="0" lang="pl-PL" sz="1800" spc="-1" strike="noStrike">
-              <a:solidFill>
-                <a:srgbClr val="000000"/>
-              </a:solidFill>
+            <a:pPr algn="ctr"/>
+            <a:endParaRPr b="0" lang="pl-PL" sz="4400" spc="-1" strike="noStrike">
               <a:latin typeface="Arial"/>
             </a:endParaRPr>
           </a:p>
@@ -446,10 +423,7 @@
             <a:normAutofit/>
           </a:bodyPr>
           <a:p>
-            <a:endParaRPr b="0" lang="pl-PL" sz="2800" spc="-1" strike="noStrike">
-              <a:solidFill>
-                <a:srgbClr val="000000"/>
-              </a:solidFill>
+            <a:endParaRPr b="0" lang="pl-PL" sz="3200" spc="-1" strike="noStrike">
               <a:latin typeface="Arial"/>
             </a:endParaRPr>
           </a:p>
@@ -479,10 +453,7 @@
             <a:normAutofit/>
           </a:bodyPr>
           <a:p>
-            <a:endParaRPr b="0" lang="pl-PL" sz="2800" spc="-1" strike="noStrike">
-              <a:solidFill>
-                <a:srgbClr val="000000"/>
-              </a:solidFill>
+            <a:endParaRPr b="0" lang="pl-PL" sz="3200" spc="-1" strike="noStrike">
               <a:latin typeface="Arial"/>
             </a:endParaRPr>
           </a:p>
@@ -512,10 +483,7 @@
             <a:normAutofit/>
           </a:bodyPr>
           <a:p>
-            <a:endParaRPr b="0" lang="pl-PL" sz="2800" spc="-1" strike="noStrike">
-              <a:solidFill>
-                <a:srgbClr val="000000"/>
-              </a:solidFill>
+            <a:endParaRPr b="0" lang="pl-PL" sz="3200" spc="-1" strike="noStrike">
               <a:latin typeface="Arial"/>
             </a:endParaRPr>
           </a:p>
@@ -545,10 +513,7 @@
             <a:normAutofit/>
           </a:bodyPr>
           <a:p>
-            <a:endParaRPr b="0" lang="pl-PL" sz="2800" spc="-1" strike="noStrike">
-              <a:solidFill>
-                <a:srgbClr val="000000"/>
-              </a:solidFill>
+            <a:endParaRPr b="0" lang="pl-PL" sz="3200" spc="-1" strike="noStrike">
               <a:latin typeface="Arial"/>
             </a:endParaRPr>
           </a:p>
@@ -578,10 +543,7 @@
             <a:normAutofit/>
           </a:bodyPr>
           <a:p>
-            <a:endParaRPr b="0" lang="pl-PL" sz="2800" spc="-1" strike="noStrike">
-              <a:solidFill>
-                <a:srgbClr val="000000"/>
-              </a:solidFill>
+            <a:endParaRPr b="0" lang="pl-PL" sz="3200" spc="-1" strike="noStrike">
               <a:latin typeface="Arial"/>
             </a:endParaRPr>
           </a:p>
@@ -611,10 +573,7 @@
             <a:normAutofit/>
           </a:bodyPr>
           <a:p>
-            <a:endParaRPr b="0" lang="pl-PL" sz="2800" spc="-1" strike="noStrike">
-              <a:solidFill>
-                <a:srgbClr val="000000"/>
-              </a:solidFill>
+            <a:endParaRPr b="0" lang="pl-PL" sz="3200" spc="-1" strike="noStrike">
               <a:latin typeface="Arial"/>
             </a:endParaRPr>
           </a:p>
@@ -686,10 +645,8 @@
         <p:txBody>
           <a:bodyPr lIns="0" rIns="0" tIns="0" bIns="0" anchor="ctr"/>
           <a:p>
-            <a:endParaRPr b="0" lang="pl-PL" sz="1800" spc="-1" strike="noStrike">
-              <a:solidFill>
-                <a:srgbClr val="000000"/>
-              </a:solidFill>
+            <a:pPr algn="ctr"/>
+            <a:endParaRPr b="0" lang="pl-PL" sz="4400" spc="-1" strike="noStrike">
               <a:latin typeface="Arial"/>
             </a:endParaRPr>
           </a:p>
@@ -768,10 +725,8 @@
         <p:txBody>
           <a:bodyPr lIns="0" rIns="0" tIns="0" bIns="0" anchor="ctr"/>
           <a:p>
-            <a:endParaRPr b="0" lang="pl-PL" sz="1800" spc="-1" strike="noStrike">
-              <a:solidFill>
-                <a:srgbClr val="000000"/>
-              </a:solidFill>
+            <a:pPr algn="ctr"/>
+            <a:endParaRPr b="0" lang="pl-PL" sz="4400" spc="-1" strike="noStrike">
               <a:latin typeface="Arial"/>
             </a:endParaRPr>
           </a:p>
@@ -801,10 +756,7 @@
             <a:normAutofit/>
           </a:bodyPr>
           <a:p>
-            <a:endParaRPr b="0" lang="pl-PL" sz="2800" spc="-1" strike="noStrike">
-              <a:solidFill>
-                <a:srgbClr val="000000"/>
-              </a:solidFill>
+            <a:endParaRPr b="0" lang="pl-PL" sz="3200" spc="-1" strike="noStrike">
               <a:latin typeface="Arial"/>
             </a:endParaRPr>
           </a:p>
@@ -854,10 +806,8 @@
         <p:txBody>
           <a:bodyPr lIns="0" rIns="0" tIns="0" bIns="0" anchor="ctr"/>
           <a:p>
-            <a:endParaRPr b="0" lang="pl-PL" sz="1800" spc="-1" strike="noStrike">
-              <a:solidFill>
-                <a:srgbClr val="000000"/>
-              </a:solidFill>
+            <a:pPr algn="ctr"/>
+            <a:endParaRPr b="0" lang="pl-PL" sz="4400" spc="-1" strike="noStrike">
               <a:latin typeface="Arial"/>
             </a:endParaRPr>
           </a:p>
@@ -887,10 +837,7 @@
             <a:normAutofit/>
           </a:bodyPr>
           <a:p>
-            <a:endParaRPr b="0" lang="pl-PL" sz="2800" spc="-1" strike="noStrike">
-              <a:solidFill>
-                <a:srgbClr val="000000"/>
-              </a:solidFill>
+            <a:endParaRPr b="0" lang="pl-PL" sz="3200" spc="-1" strike="noStrike">
               <a:latin typeface="Arial"/>
             </a:endParaRPr>
           </a:p>
@@ -920,10 +867,7 @@
             <a:normAutofit/>
           </a:bodyPr>
           <a:p>
-            <a:endParaRPr b="0" lang="pl-PL" sz="2800" spc="-1" strike="noStrike">
-              <a:solidFill>
-                <a:srgbClr val="000000"/>
-              </a:solidFill>
+            <a:endParaRPr b="0" lang="pl-PL" sz="3200" spc="-1" strike="noStrike">
               <a:latin typeface="Arial"/>
             </a:endParaRPr>
           </a:p>
@@ -973,10 +917,8 @@
         <p:txBody>
           <a:bodyPr lIns="0" rIns="0" tIns="0" bIns="0" anchor="ctr"/>
           <a:p>
-            <a:endParaRPr b="0" lang="pl-PL" sz="1800" spc="-1" strike="noStrike">
-              <a:solidFill>
-                <a:srgbClr val="000000"/>
-              </a:solidFill>
+            <a:pPr algn="ctr"/>
+            <a:endParaRPr b="0" lang="pl-PL" sz="4400" spc="-1" strike="noStrike">
               <a:latin typeface="Arial"/>
             </a:endParaRPr>
           </a:p>
@@ -1077,10 +1019,8 @@
         <p:txBody>
           <a:bodyPr lIns="0" rIns="0" tIns="0" bIns="0" anchor="ctr"/>
           <a:p>
-            <a:endParaRPr b="0" lang="pl-PL" sz="1800" spc="-1" strike="noStrike">
-              <a:solidFill>
-                <a:srgbClr val="000000"/>
-              </a:solidFill>
+            <a:pPr algn="ctr"/>
+            <a:endParaRPr b="0" lang="pl-PL" sz="4400" spc="-1" strike="noStrike">
               <a:latin typeface="Arial"/>
             </a:endParaRPr>
           </a:p>
@@ -1110,10 +1050,7 @@
             <a:normAutofit/>
           </a:bodyPr>
           <a:p>
-            <a:endParaRPr b="0" lang="pl-PL" sz="2800" spc="-1" strike="noStrike">
-              <a:solidFill>
-                <a:srgbClr val="000000"/>
-              </a:solidFill>
+            <a:endParaRPr b="0" lang="pl-PL" sz="3200" spc="-1" strike="noStrike">
               <a:latin typeface="Arial"/>
             </a:endParaRPr>
           </a:p>
@@ -1143,10 +1080,7 @@
             <a:normAutofit/>
           </a:bodyPr>
           <a:p>
-            <a:endParaRPr b="0" lang="pl-PL" sz="2800" spc="-1" strike="noStrike">
-              <a:solidFill>
-                <a:srgbClr val="000000"/>
-              </a:solidFill>
+            <a:endParaRPr b="0" lang="pl-PL" sz="3200" spc="-1" strike="noStrike">
               <a:latin typeface="Arial"/>
             </a:endParaRPr>
           </a:p>
@@ -1176,10 +1110,7 @@
             <a:normAutofit/>
           </a:bodyPr>
           <a:p>
-            <a:endParaRPr b="0" lang="pl-PL" sz="2800" spc="-1" strike="noStrike">
-              <a:solidFill>
-                <a:srgbClr val="000000"/>
-              </a:solidFill>
+            <a:endParaRPr b="0" lang="pl-PL" sz="3200" spc="-1" strike="noStrike">
               <a:latin typeface="Arial"/>
             </a:endParaRPr>
           </a:p>
@@ -1229,10 +1160,8 @@
         <p:txBody>
           <a:bodyPr lIns="0" rIns="0" tIns="0" bIns="0" anchor="ctr"/>
           <a:p>
-            <a:endParaRPr b="0" lang="pl-PL" sz="1800" spc="-1" strike="noStrike">
-              <a:solidFill>
-                <a:srgbClr val="000000"/>
-              </a:solidFill>
+            <a:pPr algn="ctr"/>
+            <a:endParaRPr b="0" lang="pl-PL" sz="4400" spc="-1" strike="noStrike">
               <a:latin typeface="Arial"/>
             </a:endParaRPr>
           </a:p>
@@ -1311,10 +1240,8 @@
         <p:txBody>
           <a:bodyPr lIns="0" rIns="0" tIns="0" bIns="0" anchor="ctr"/>
           <a:p>
-            <a:endParaRPr b="0" lang="pl-PL" sz="1800" spc="-1" strike="noStrike">
-              <a:solidFill>
-                <a:srgbClr val="000000"/>
-              </a:solidFill>
+            <a:pPr algn="ctr"/>
+            <a:endParaRPr b="0" lang="pl-PL" sz="4400" spc="-1" strike="noStrike">
               <a:latin typeface="Arial"/>
             </a:endParaRPr>
           </a:p>
@@ -1344,10 +1271,7 @@
             <a:normAutofit/>
           </a:bodyPr>
           <a:p>
-            <a:endParaRPr b="0" lang="pl-PL" sz="2800" spc="-1" strike="noStrike">
-              <a:solidFill>
-                <a:srgbClr val="000000"/>
-              </a:solidFill>
+            <a:endParaRPr b="0" lang="pl-PL" sz="3200" spc="-1" strike="noStrike">
               <a:latin typeface="Arial"/>
             </a:endParaRPr>
           </a:p>
@@ -1377,10 +1301,7 @@
             <a:normAutofit/>
           </a:bodyPr>
           <a:p>
-            <a:endParaRPr b="0" lang="pl-PL" sz="2800" spc="-1" strike="noStrike">
-              <a:solidFill>
-                <a:srgbClr val="000000"/>
-              </a:solidFill>
+            <a:endParaRPr b="0" lang="pl-PL" sz="3200" spc="-1" strike="noStrike">
               <a:latin typeface="Arial"/>
             </a:endParaRPr>
           </a:p>
@@ -1410,10 +1331,7 @@
             <a:normAutofit/>
           </a:bodyPr>
           <a:p>
-            <a:endParaRPr b="0" lang="pl-PL" sz="2800" spc="-1" strike="noStrike">
-              <a:solidFill>
-                <a:srgbClr val="000000"/>
-              </a:solidFill>
+            <a:endParaRPr b="0" lang="pl-PL" sz="3200" spc="-1" strike="noStrike">
               <a:latin typeface="Arial"/>
             </a:endParaRPr>
           </a:p>
@@ -1463,10 +1381,8 @@
         <p:txBody>
           <a:bodyPr lIns="0" rIns="0" tIns="0" bIns="0" anchor="ctr"/>
           <a:p>
-            <a:endParaRPr b="0" lang="pl-PL" sz="1800" spc="-1" strike="noStrike">
-              <a:solidFill>
-                <a:srgbClr val="000000"/>
-              </a:solidFill>
+            <a:pPr algn="ctr"/>
+            <a:endParaRPr b="0" lang="pl-PL" sz="4400" spc="-1" strike="noStrike">
               <a:latin typeface="Arial"/>
             </a:endParaRPr>
           </a:p>
@@ -1496,10 +1412,7 @@
             <a:normAutofit/>
           </a:bodyPr>
           <a:p>
-            <a:endParaRPr b="0" lang="pl-PL" sz="2800" spc="-1" strike="noStrike">
-              <a:solidFill>
-                <a:srgbClr val="000000"/>
-              </a:solidFill>
+            <a:endParaRPr b="0" lang="pl-PL" sz="3200" spc="-1" strike="noStrike">
               <a:latin typeface="Arial"/>
             </a:endParaRPr>
           </a:p>
@@ -1529,10 +1442,7 @@
             <a:normAutofit/>
           </a:bodyPr>
           <a:p>
-            <a:endParaRPr b="0" lang="pl-PL" sz="2800" spc="-1" strike="noStrike">
-              <a:solidFill>
-                <a:srgbClr val="000000"/>
-              </a:solidFill>
+            <a:endParaRPr b="0" lang="pl-PL" sz="3200" spc="-1" strike="noStrike">
               <a:latin typeface="Arial"/>
             </a:endParaRPr>
           </a:p>
@@ -1562,10 +1472,7 @@
             <a:normAutofit/>
           </a:bodyPr>
           <a:p>
-            <a:endParaRPr b="0" lang="pl-PL" sz="2800" spc="-1" strike="noStrike">
-              <a:solidFill>
-                <a:srgbClr val="000000"/>
-              </a:solidFill>
+            <a:endParaRPr b="0" lang="pl-PL" sz="3200" spc="-1" strike="noStrike">
               <a:latin typeface="Arial"/>
             </a:endParaRPr>
           </a:p>
@@ -1615,10 +1522,8 @@
         <p:txBody>
           <a:bodyPr lIns="0" rIns="0" tIns="0" bIns="0" anchor="ctr"/>
           <a:p>
-            <a:endParaRPr b="0" lang="pl-PL" sz="1800" spc="-1" strike="noStrike">
-              <a:solidFill>
-                <a:srgbClr val="000000"/>
-              </a:solidFill>
+            <a:pPr algn="ctr"/>
+            <a:endParaRPr b="0" lang="pl-PL" sz="4400" spc="-1" strike="noStrike">
               <a:latin typeface="Arial"/>
             </a:endParaRPr>
           </a:p>
@@ -1648,10 +1553,7 @@
             <a:normAutofit/>
           </a:bodyPr>
           <a:p>
-            <a:endParaRPr b="0" lang="pl-PL" sz="2800" spc="-1" strike="noStrike">
-              <a:solidFill>
-                <a:srgbClr val="000000"/>
-              </a:solidFill>
+            <a:endParaRPr b="0" lang="pl-PL" sz="3200" spc="-1" strike="noStrike">
               <a:latin typeface="Arial"/>
             </a:endParaRPr>
           </a:p>
@@ -1681,10 +1583,7 @@
             <a:normAutofit/>
           </a:bodyPr>
           <a:p>
-            <a:endParaRPr b="0" lang="pl-PL" sz="2800" spc="-1" strike="noStrike">
-              <a:solidFill>
-                <a:srgbClr val="000000"/>
-              </a:solidFill>
+            <a:endParaRPr b="0" lang="pl-PL" sz="3200" spc="-1" strike="noStrike">
               <a:latin typeface="Arial"/>
             </a:endParaRPr>
           </a:p>
@@ -1734,10 +1633,8 @@
         <p:txBody>
           <a:bodyPr lIns="0" rIns="0" tIns="0" bIns="0" anchor="ctr"/>
           <a:p>
-            <a:endParaRPr b="0" lang="pl-PL" sz="1800" spc="-1" strike="noStrike">
-              <a:solidFill>
-                <a:srgbClr val="000000"/>
-              </a:solidFill>
+            <a:pPr algn="ctr"/>
+            <a:endParaRPr b="0" lang="pl-PL" sz="4400" spc="-1" strike="noStrike">
               <a:latin typeface="Arial"/>
             </a:endParaRPr>
           </a:p>
@@ -1767,10 +1664,7 @@
             <a:normAutofit/>
           </a:bodyPr>
           <a:p>
-            <a:endParaRPr b="0" lang="pl-PL" sz="2800" spc="-1" strike="noStrike">
-              <a:solidFill>
-                <a:srgbClr val="000000"/>
-              </a:solidFill>
+            <a:endParaRPr b="0" lang="pl-PL" sz="3200" spc="-1" strike="noStrike">
               <a:latin typeface="Arial"/>
             </a:endParaRPr>
           </a:p>
@@ -1800,10 +1694,7 @@
             <a:normAutofit/>
           </a:bodyPr>
           <a:p>
-            <a:endParaRPr b="0" lang="pl-PL" sz="2800" spc="-1" strike="noStrike">
-              <a:solidFill>
-                <a:srgbClr val="000000"/>
-              </a:solidFill>
+            <a:endParaRPr b="0" lang="pl-PL" sz="3200" spc="-1" strike="noStrike">
               <a:latin typeface="Arial"/>
             </a:endParaRPr>
           </a:p>
@@ -1833,10 +1724,7 @@
             <a:normAutofit/>
           </a:bodyPr>
           <a:p>
-            <a:endParaRPr b="0" lang="pl-PL" sz="2800" spc="-1" strike="noStrike">
-              <a:solidFill>
-                <a:srgbClr val="000000"/>
-              </a:solidFill>
+            <a:endParaRPr b="0" lang="pl-PL" sz="3200" spc="-1" strike="noStrike">
               <a:latin typeface="Arial"/>
             </a:endParaRPr>
           </a:p>
@@ -1866,10 +1754,7 @@
             <a:normAutofit/>
           </a:bodyPr>
           <a:p>
-            <a:endParaRPr b="0" lang="pl-PL" sz="2800" spc="-1" strike="noStrike">
-              <a:solidFill>
-                <a:srgbClr val="000000"/>
-              </a:solidFill>
+            <a:endParaRPr b="0" lang="pl-PL" sz="3200" spc="-1" strike="noStrike">
               <a:latin typeface="Arial"/>
             </a:endParaRPr>
           </a:p>
@@ -1919,10 +1804,8 @@
         <p:txBody>
           <a:bodyPr lIns="0" rIns="0" tIns="0" bIns="0" anchor="ctr"/>
           <a:p>
-            <a:endParaRPr b="0" lang="pl-PL" sz="1800" spc="-1" strike="noStrike">
-              <a:solidFill>
-                <a:srgbClr val="000000"/>
-              </a:solidFill>
+            <a:pPr algn="ctr"/>
+            <a:endParaRPr b="0" lang="pl-PL" sz="4400" spc="-1" strike="noStrike">
               <a:latin typeface="Arial"/>
             </a:endParaRPr>
           </a:p>
@@ -1952,10 +1835,7 @@
             <a:normAutofit/>
           </a:bodyPr>
           <a:p>
-            <a:endParaRPr b="0" lang="pl-PL" sz="2800" spc="-1" strike="noStrike">
-              <a:solidFill>
-                <a:srgbClr val="000000"/>
-              </a:solidFill>
+            <a:endParaRPr b="0" lang="pl-PL" sz="3200" spc="-1" strike="noStrike">
               <a:latin typeface="Arial"/>
             </a:endParaRPr>
           </a:p>
@@ -1985,10 +1865,7 @@
             <a:normAutofit/>
           </a:bodyPr>
           <a:p>
-            <a:endParaRPr b="0" lang="pl-PL" sz="2800" spc="-1" strike="noStrike">
-              <a:solidFill>
-                <a:srgbClr val="000000"/>
-              </a:solidFill>
+            <a:endParaRPr b="0" lang="pl-PL" sz="3200" spc="-1" strike="noStrike">
               <a:latin typeface="Arial"/>
             </a:endParaRPr>
           </a:p>
@@ -2018,10 +1895,7 @@
             <a:normAutofit/>
           </a:bodyPr>
           <a:p>
-            <a:endParaRPr b="0" lang="pl-PL" sz="2800" spc="-1" strike="noStrike">
-              <a:solidFill>
-                <a:srgbClr val="000000"/>
-              </a:solidFill>
+            <a:endParaRPr b="0" lang="pl-PL" sz="3200" spc="-1" strike="noStrike">
               <a:latin typeface="Arial"/>
             </a:endParaRPr>
           </a:p>
@@ -2051,10 +1925,7 @@
             <a:normAutofit/>
           </a:bodyPr>
           <a:p>
-            <a:endParaRPr b="0" lang="pl-PL" sz="2800" spc="-1" strike="noStrike">
-              <a:solidFill>
-                <a:srgbClr val="000000"/>
-              </a:solidFill>
+            <a:endParaRPr b="0" lang="pl-PL" sz="3200" spc="-1" strike="noStrike">
               <a:latin typeface="Arial"/>
             </a:endParaRPr>
           </a:p>
@@ -2084,10 +1955,7 @@
             <a:normAutofit/>
           </a:bodyPr>
           <a:p>
-            <a:endParaRPr b="0" lang="pl-PL" sz="2800" spc="-1" strike="noStrike">
-              <a:solidFill>
-                <a:srgbClr val="000000"/>
-              </a:solidFill>
+            <a:endParaRPr b="0" lang="pl-PL" sz="3200" spc="-1" strike="noStrike">
               <a:latin typeface="Arial"/>
             </a:endParaRPr>
           </a:p>
@@ -2117,10 +1985,7 @@
             <a:normAutofit/>
           </a:bodyPr>
           <a:p>
-            <a:endParaRPr b="0" lang="pl-PL" sz="2800" spc="-1" strike="noStrike">
-              <a:solidFill>
-                <a:srgbClr val="000000"/>
-              </a:solidFill>
+            <a:endParaRPr b="0" lang="pl-PL" sz="3200" spc="-1" strike="noStrike">
               <a:latin typeface="Arial"/>
             </a:endParaRPr>
           </a:p>
@@ -2170,10 +2035,8 @@
         <p:txBody>
           <a:bodyPr lIns="0" rIns="0" tIns="0" bIns="0" anchor="ctr"/>
           <a:p>
-            <a:endParaRPr b="0" lang="pl-PL" sz="1800" spc="-1" strike="noStrike">
-              <a:solidFill>
-                <a:srgbClr val="000000"/>
-              </a:solidFill>
+            <a:pPr algn="ctr"/>
+            <a:endParaRPr b="0" lang="pl-PL" sz="4400" spc="-1" strike="noStrike">
               <a:latin typeface="Arial"/>
             </a:endParaRPr>
           </a:p>
@@ -2203,10 +2066,7 @@
             <a:normAutofit/>
           </a:bodyPr>
           <a:p>
-            <a:endParaRPr b="0" lang="pl-PL" sz="2800" spc="-1" strike="noStrike">
-              <a:solidFill>
-                <a:srgbClr val="000000"/>
-              </a:solidFill>
+            <a:endParaRPr b="0" lang="pl-PL" sz="3200" spc="-1" strike="noStrike">
               <a:latin typeface="Arial"/>
             </a:endParaRPr>
           </a:p>
@@ -2256,10 +2116,8 @@
         <p:txBody>
           <a:bodyPr lIns="0" rIns="0" tIns="0" bIns="0" anchor="ctr"/>
           <a:p>
-            <a:endParaRPr b="0" lang="pl-PL" sz="1800" spc="-1" strike="noStrike">
-              <a:solidFill>
-                <a:srgbClr val="000000"/>
-              </a:solidFill>
+            <a:pPr algn="ctr"/>
+            <a:endParaRPr b="0" lang="pl-PL" sz="4400" spc="-1" strike="noStrike">
               <a:latin typeface="Arial"/>
             </a:endParaRPr>
           </a:p>
@@ -2289,10 +2147,7 @@
             <a:normAutofit/>
           </a:bodyPr>
           <a:p>
-            <a:endParaRPr b="0" lang="pl-PL" sz="2800" spc="-1" strike="noStrike">
-              <a:solidFill>
-                <a:srgbClr val="000000"/>
-              </a:solidFill>
+            <a:endParaRPr b="0" lang="pl-PL" sz="3200" spc="-1" strike="noStrike">
               <a:latin typeface="Arial"/>
             </a:endParaRPr>
           </a:p>
@@ -2322,10 +2177,7 @@
             <a:normAutofit/>
           </a:bodyPr>
           <a:p>
-            <a:endParaRPr b="0" lang="pl-PL" sz="2800" spc="-1" strike="noStrike">
-              <a:solidFill>
-                <a:srgbClr val="000000"/>
-              </a:solidFill>
+            <a:endParaRPr b="0" lang="pl-PL" sz="3200" spc="-1" strike="noStrike">
               <a:latin typeface="Arial"/>
             </a:endParaRPr>
           </a:p>
@@ -2375,10 +2227,8 @@
         <p:txBody>
           <a:bodyPr lIns="0" rIns="0" tIns="0" bIns="0" anchor="ctr"/>
           <a:p>
-            <a:endParaRPr b="0" lang="pl-PL" sz="1800" spc="-1" strike="noStrike">
-              <a:solidFill>
-                <a:srgbClr val="000000"/>
-              </a:solidFill>
+            <a:pPr algn="ctr"/>
+            <a:endParaRPr b="0" lang="pl-PL" sz="4400" spc="-1" strike="noStrike">
               <a:latin typeface="Arial"/>
             </a:endParaRPr>
           </a:p>
@@ -2479,10 +2329,8 @@
         <p:txBody>
           <a:bodyPr lIns="0" rIns="0" tIns="0" bIns="0" anchor="ctr"/>
           <a:p>
-            <a:endParaRPr b="0" lang="pl-PL" sz="1800" spc="-1" strike="noStrike">
-              <a:solidFill>
-                <a:srgbClr val="000000"/>
-              </a:solidFill>
+            <a:pPr algn="ctr"/>
+            <a:endParaRPr b="0" lang="pl-PL" sz="4400" spc="-1" strike="noStrike">
               <a:latin typeface="Arial"/>
             </a:endParaRPr>
           </a:p>
@@ -2512,10 +2360,7 @@
             <a:normAutofit/>
           </a:bodyPr>
           <a:p>
-            <a:endParaRPr b="0" lang="pl-PL" sz="2800" spc="-1" strike="noStrike">
-              <a:solidFill>
-                <a:srgbClr val="000000"/>
-              </a:solidFill>
+            <a:endParaRPr b="0" lang="pl-PL" sz="3200" spc="-1" strike="noStrike">
               <a:latin typeface="Arial"/>
             </a:endParaRPr>
           </a:p>
@@ -2545,10 +2390,7 @@
             <a:normAutofit/>
           </a:bodyPr>
           <a:p>
-            <a:endParaRPr b="0" lang="pl-PL" sz="2800" spc="-1" strike="noStrike">
-              <a:solidFill>
-                <a:srgbClr val="000000"/>
-              </a:solidFill>
+            <a:endParaRPr b="0" lang="pl-PL" sz="3200" spc="-1" strike="noStrike">
               <a:latin typeface="Arial"/>
             </a:endParaRPr>
           </a:p>
@@ -2578,10 +2420,7 @@
             <a:normAutofit/>
           </a:bodyPr>
           <a:p>
-            <a:endParaRPr b="0" lang="pl-PL" sz="2800" spc="-1" strike="noStrike">
-              <a:solidFill>
-                <a:srgbClr val="000000"/>
-              </a:solidFill>
+            <a:endParaRPr b="0" lang="pl-PL" sz="3200" spc="-1" strike="noStrike">
               <a:latin typeface="Arial"/>
             </a:endParaRPr>
           </a:p>
@@ -2631,10 +2470,8 @@
         <p:txBody>
           <a:bodyPr lIns="0" rIns="0" tIns="0" bIns="0" anchor="ctr"/>
           <a:p>
-            <a:endParaRPr b="0" lang="pl-PL" sz="1800" spc="-1" strike="noStrike">
-              <a:solidFill>
-                <a:srgbClr val="000000"/>
-              </a:solidFill>
+            <a:pPr algn="ctr"/>
+            <a:endParaRPr b="0" lang="pl-PL" sz="4400" spc="-1" strike="noStrike">
               <a:latin typeface="Arial"/>
             </a:endParaRPr>
           </a:p>
@@ -2664,10 +2501,7 @@
             <a:normAutofit/>
           </a:bodyPr>
           <a:p>
-            <a:endParaRPr b="0" lang="pl-PL" sz="2800" spc="-1" strike="noStrike">
-              <a:solidFill>
-                <a:srgbClr val="000000"/>
-              </a:solidFill>
+            <a:endParaRPr b="0" lang="pl-PL" sz="3200" spc="-1" strike="noStrike">
               <a:latin typeface="Arial"/>
             </a:endParaRPr>
           </a:p>
@@ -2697,10 +2531,7 @@
             <a:normAutofit/>
           </a:bodyPr>
           <a:p>
-            <a:endParaRPr b="0" lang="pl-PL" sz="2800" spc="-1" strike="noStrike">
-              <a:solidFill>
-                <a:srgbClr val="000000"/>
-              </a:solidFill>
+            <a:endParaRPr b="0" lang="pl-PL" sz="3200" spc="-1" strike="noStrike">
               <a:latin typeface="Arial"/>
             </a:endParaRPr>
           </a:p>
@@ -2730,10 +2561,7 @@
             <a:normAutofit/>
           </a:bodyPr>
           <a:p>
-            <a:endParaRPr b="0" lang="pl-PL" sz="2800" spc="-1" strike="noStrike">
-              <a:solidFill>
-                <a:srgbClr val="000000"/>
-              </a:solidFill>
+            <a:endParaRPr b="0" lang="pl-PL" sz="3200" spc="-1" strike="noStrike">
               <a:latin typeface="Arial"/>
             </a:endParaRPr>
           </a:p>
@@ -2783,10 +2611,8 @@
         <p:txBody>
           <a:bodyPr lIns="0" rIns="0" tIns="0" bIns="0" anchor="ctr"/>
           <a:p>
-            <a:endParaRPr b="0" lang="pl-PL" sz="1800" spc="-1" strike="noStrike">
-              <a:solidFill>
-                <a:srgbClr val="000000"/>
-              </a:solidFill>
+            <a:pPr algn="ctr"/>
+            <a:endParaRPr b="0" lang="pl-PL" sz="4400" spc="-1" strike="noStrike">
               <a:latin typeface="Arial"/>
             </a:endParaRPr>
           </a:p>
@@ -2816,10 +2642,7 @@
             <a:normAutofit/>
           </a:bodyPr>
           <a:p>
-            <a:endParaRPr b="0" lang="pl-PL" sz="2800" spc="-1" strike="noStrike">
-              <a:solidFill>
-                <a:srgbClr val="000000"/>
-              </a:solidFill>
+            <a:endParaRPr b="0" lang="pl-PL" sz="3200" spc="-1" strike="noStrike">
               <a:latin typeface="Arial"/>
             </a:endParaRPr>
           </a:p>
@@ -2849,10 +2672,7 @@
             <a:normAutofit/>
           </a:bodyPr>
           <a:p>
-            <a:endParaRPr b="0" lang="pl-PL" sz="2800" spc="-1" strike="noStrike">
-              <a:solidFill>
-                <a:srgbClr val="000000"/>
-              </a:solidFill>
+            <a:endParaRPr b="0" lang="pl-PL" sz="3200" spc="-1" strike="noStrike">
               <a:latin typeface="Arial"/>
             </a:endParaRPr>
           </a:p>
@@ -2882,10 +2702,7 @@
             <a:normAutofit/>
           </a:bodyPr>
           <a:p>
-            <a:endParaRPr b="0" lang="pl-PL" sz="2800" spc="-1" strike="noStrike">
-              <a:solidFill>
-                <a:srgbClr val="000000"/>
-              </a:solidFill>
+            <a:endParaRPr b="0" lang="pl-PL" sz="3200" spc="-1" strike="noStrike">
               <a:latin typeface="Arial"/>
             </a:endParaRPr>
           </a:p>
@@ -2932,7 +2749,7 @@
         <p:spPr>
           <a:xfrm rot="5400000">
             <a:off x="0" y="0"/>
-            <a:ext cx="2498040" cy="2498040"/>
+            <a:ext cx="2497680" cy="2497680"/>
           </a:xfrm>
           <a:prstGeom prst="rtTriangle">
             <a:avLst/>
@@ -2972,7 +2789,7 @@
         <p:spPr>
           <a:xfrm>
             <a:off x="0" y="0"/>
-            <a:ext cx="2751120" cy="1294920"/>
+            <a:ext cx="2750760" cy="1294560"/>
           </a:xfrm>
           <a:prstGeom prst="rect">
             <a:avLst/>
@@ -3004,19 +2821,14 @@
         <p:txBody>
           <a:bodyPr lIns="0" rIns="0" tIns="0" bIns="0" anchor="ctr"/>
           <a:p>
-            <a:r>
-              <a:rPr b="0" lang="pl-PL" sz="1800" spc="-1" strike="noStrike">
-                <a:solidFill>
-                  <a:srgbClr val="000000"/>
-                </a:solidFill>
+            <a:pPr algn="ctr"/>
+            <a:r>
+              <a:rPr b="0" lang="pl-PL" sz="4400" spc="-1" strike="noStrike">
                 <a:latin typeface="Arial"/>
               </a:rPr>
               <a:t>Kliknij, aby edytować format tekstu tytułu</a:t>
             </a:r>
-            <a:endParaRPr b="0" lang="pl-PL" sz="1800" spc="-1" strike="noStrike">
-              <a:solidFill>
-                <a:srgbClr val="000000"/>
-              </a:solidFill>
+            <a:endParaRPr b="0" lang="pl-PL" sz="4400" spc="-1" strike="noStrike">
               <a:latin typeface="Arial"/>
             </a:endParaRPr>
           </a:p>
@@ -3058,18 +2870,12 @@
               <a:buChar char=""/>
             </a:pPr>
             <a:r>
-              <a:rPr b="0" lang="pl-PL" sz="2800" spc="-1" strike="noStrike">
-                <a:solidFill>
-                  <a:srgbClr val="000000"/>
-                </a:solidFill>
+              <a:rPr b="0" lang="pl-PL" sz="3200" spc="-1" strike="noStrike">
                 <a:latin typeface="Arial"/>
               </a:rPr>
               <a:t>Kliknij, aby edytować format tekstu konspektu</a:t>
             </a:r>
-            <a:endParaRPr b="0" lang="pl-PL" sz="2800" spc="-1" strike="noStrike">
-              <a:solidFill>
-                <a:srgbClr val="000000"/>
-              </a:solidFill>
+            <a:endParaRPr b="0" lang="pl-PL" sz="3200" spc="-1" strike="noStrike">
               <a:latin typeface="Arial"/>
             </a:endParaRPr>
           </a:p>
@@ -3086,18 +2892,12 @@
               <a:buChar char=""/>
             </a:pPr>
             <a:r>
-              <a:rPr b="0" lang="pl-PL" sz="2000" spc="-1" strike="noStrike">
-                <a:solidFill>
-                  <a:srgbClr val="000000"/>
-                </a:solidFill>
+              <a:rPr b="0" lang="pl-PL" sz="2800" spc="-1" strike="noStrike">
                 <a:latin typeface="Arial"/>
               </a:rPr>
               <a:t>Drugi poziom konspektu</a:t>
             </a:r>
-            <a:endParaRPr b="0" lang="pl-PL" sz="2000" spc="-1" strike="noStrike">
-              <a:solidFill>
-                <a:srgbClr val="000000"/>
-              </a:solidFill>
+            <a:endParaRPr b="0" lang="pl-PL" sz="2800" spc="-1" strike="noStrike">
               <a:latin typeface="Arial"/>
             </a:endParaRPr>
           </a:p>
@@ -3114,18 +2914,12 @@
               <a:buChar char=""/>
             </a:pPr>
             <a:r>
-              <a:rPr b="0" lang="pl-PL" sz="1800" spc="-1" strike="noStrike">
-                <a:solidFill>
-                  <a:srgbClr val="000000"/>
-                </a:solidFill>
+              <a:rPr b="0" lang="pl-PL" sz="2400" spc="-1" strike="noStrike">
                 <a:latin typeface="Arial"/>
               </a:rPr>
               <a:t>Trzeci poziom konspektu</a:t>
             </a:r>
-            <a:endParaRPr b="0" lang="pl-PL" sz="1800" spc="-1" strike="noStrike">
-              <a:solidFill>
-                <a:srgbClr val="000000"/>
-              </a:solidFill>
+            <a:endParaRPr b="0" lang="pl-PL" sz="2400" spc="-1" strike="noStrike">
               <a:latin typeface="Arial"/>
             </a:endParaRPr>
           </a:p>
@@ -3142,18 +2936,12 @@
               <a:buChar char=""/>
             </a:pPr>
             <a:r>
-              <a:rPr b="0" lang="pl-PL" sz="1800" spc="-1" strike="noStrike">
-                <a:solidFill>
-                  <a:srgbClr val="000000"/>
-                </a:solidFill>
+              <a:rPr b="0" lang="pl-PL" sz="2000" spc="-1" strike="noStrike">
                 <a:latin typeface="Arial"/>
               </a:rPr>
               <a:t>Czwarty poziom konspektu</a:t>
             </a:r>
-            <a:endParaRPr b="0" lang="pl-PL" sz="1800" spc="-1" strike="noStrike">
-              <a:solidFill>
-                <a:srgbClr val="000000"/>
-              </a:solidFill>
+            <a:endParaRPr b="0" lang="pl-PL" sz="2000" spc="-1" strike="noStrike">
               <a:latin typeface="Arial"/>
             </a:endParaRPr>
           </a:p>
@@ -3171,17 +2959,11 @@
             </a:pPr>
             <a:r>
               <a:rPr b="0" lang="pl-PL" sz="2000" spc="-1" strike="noStrike">
-                <a:solidFill>
-                  <a:srgbClr val="000000"/>
-                </a:solidFill>
                 <a:latin typeface="Arial"/>
               </a:rPr>
               <a:t>Piąty poziom konspektu</a:t>
             </a:r>
             <a:endParaRPr b="0" lang="pl-PL" sz="2000" spc="-1" strike="noStrike">
-              <a:solidFill>
-                <a:srgbClr val="000000"/>
-              </a:solidFill>
               <a:latin typeface="Arial"/>
             </a:endParaRPr>
           </a:p>
@@ -3199,17 +2981,11 @@
             </a:pPr>
             <a:r>
               <a:rPr b="0" lang="pl-PL" sz="2000" spc="-1" strike="noStrike">
-                <a:solidFill>
-                  <a:srgbClr val="000000"/>
-                </a:solidFill>
                 <a:latin typeface="Arial"/>
               </a:rPr>
               <a:t>Szósty poziom konspektu</a:t>
             </a:r>
             <a:endParaRPr b="0" lang="pl-PL" sz="2000" spc="-1" strike="noStrike">
-              <a:solidFill>
-                <a:srgbClr val="000000"/>
-              </a:solidFill>
               <a:latin typeface="Arial"/>
             </a:endParaRPr>
           </a:p>
@@ -3227,17 +3003,11 @@
             </a:pPr>
             <a:r>
               <a:rPr b="0" lang="pl-PL" sz="2000" spc="-1" strike="noStrike">
-                <a:solidFill>
-                  <a:srgbClr val="000000"/>
-                </a:solidFill>
                 <a:latin typeface="Arial"/>
               </a:rPr>
               <a:t>Siódmy poziom konspektu</a:t>
             </a:r>
             <a:endParaRPr b="0" lang="pl-PL" sz="2000" spc="-1" strike="noStrike">
-              <a:solidFill>
-                <a:srgbClr val="000000"/>
-              </a:solidFill>
               <a:latin typeface="Arial"/>
             </a:endParaRPr>
           </a:p>
@@ -3299,7 +3069,7 @@
         <p:spPr>
           <a:xfrm rot="5400000">
             <a:off x="0" y="0"/>
-            <a:ext cx="2498040" cy="2498040"/>
+            <a:ext cx="2497680" cy="2497680"/>
           </a:xfrm>
           <a:prstGeom prst="rtTriangle">
             <a:avLst/>
@@ -3339,7 +3109,7 @@
         <p:spPr>
           <a:xfrm>
             <a:off x="0" y="0"/>
-            <a:ext cx="2751120" cy="1294920"/>
+            <a:ext cx="2750760" cy="1294560"/>
           </a:xfrm>
           <a:prstGeom prst="rect">
             <a:avLst/>
@@ -3371,19 +3141,14 @@
         <p:txBody>
           <a:bodyPr lIns="0" rIns="0" tIns="0" bIns="0" anchor="ctr"/>
           <a:p>
-            <a:r>
-              <a:rPr b="0" lang="pl-PL" sz="1800" spc="-1" strike="noStrike">
-                <a:solidFill>
-                  <a:srgbClr val="000000"/>
-                </a:solidFill>
+            <a:pPr algn="ctr"/>
+            <a:r>
+              <a:rPr b="0" lang="pl-PL" sz="4400" spc="-1" strike="noStrike">
                 <a:latin typeface="Arial"/>
               </a:rPr>
               <a:t>Kliknij, aby edytować format tekstu tytułu</a:t>
             </a:r>
-            <a:endParaRPr b="0" lang="pl-PL" sz="1800" spc="-1" strike="noStrike">
-              <a:solidFill>
-                <a:srgbClr val="000000"/>
-              </a:solidFill>
+            <a:endParaRPr b="0" lang="pl-PL" sz="4400" spc="-1" strike="noStrike">
               <a:latin typeface="Arial"/>
             </a:endParaRPr>
           </a:p>
@@ -3425,18 +3190,12 @@
               <a:buChar char=""/>
             </a:pPr>
             <a:r>
-              <a:rPr b="0" lang="pl-PL" sz="2800" spc="-1" strike="noStrike">
-                <a:solidFill>
-                  <a:srgbClr val="000000"/>
-                </a:solidFill>
+              <a:rPr b="0" lang="pl-PL" sz="3200" spc="-1" strike="noStrike">
                 <a:latin typeface="Arial"/>
               </a:rPr>
               <a:t>Kliknij, aby edytować format tekstu konspektu</a:t>
             </a:r>
-            <a:endParaRPr b="0" lang="pl-PL" sz="2800" spc="-1" strike="noStrike">
-              <a:solidFill>
-                <a:srgbClr val="000000"/>
-              </a:solidFill>
+            <a:endParaRPr b="0" lang="pl-PL" sz="3200" spc="-1" strike="noStrike">
               <a:latin typeface="Arial"/>
             </a:endParaRPr>
           </a:p>
@@ -3453,18 +3212,12 @@
               <a:buChar char=""/>
             </a:pPr>
             <a:r>
-              <a:rPr b="0" lang="pl-PL" sz="2000" spc="-1" strike="noStrike">
-                <a:solidFill>
-                  <a:srgbClr val="000000"/>
-                </a:solidFill>
+              <a:rPr b="0" lang="pl-PL" sz="2800" spc="-1" strike="noStrike">
                 <a:latin typeface="Arial"/>
               </a:rPr>
               <a:t>Drugi poziom konspektu</a:t>
             </a:r>
-            <a:endParaRPr b="0" lang="pl-PL" sz="2000" spc="-1" strike="noStrike">
-              <a:solidFill>
-                <a:srgbClr val="000000"/>
-              </a:solidFill>
+            <a:endParaRPr b="0" lang="pl-PL" sz="2800" spc="-1" strike="noStrike">
               <a:latin typeface="Arial"/>
             </a:endParaRPr>
           </a:p>
@@ -3481,18 +3234,12 @@
               <a:buChar char=""/>
             </a:pPr>
             <a:r>
-              <a:rPr b="0" lang="pl-PL" sz="1800" spc="-1" strike="noStrike">
-                <a:solidFill>
-                  <a:srgbClr val="000000"/>
-                </a:solidFill>
+              <a:rPr b="0" lang="pl-PL" sz="2400" spc="-1" strike="noStrike">
                 <a:latin typeface="Arial"/>
               </a:rPr>
               <a:t>Trzeci poziom konspektu</a:t>
             </a:r>
-            <a:endParaRPr b="0" lang="pl-PL" sz="1800" spc="-1" strike="noStrike">
-              <a:solidFill>
-                <a:srgbClr val="000000"/>
-              </a:solidFill>
+            <a:endParaRPr b="0" lang="pl-PL" sz="2400" spc="-1" strike="noStrike">
               <a:latin typeface="Arial"/>
             </a:endParaRPr>
           </a:p>
@@ -3509,18 +3256,12 @@
               <a:buChar char=""/>
             </a:pPr>
             <a:r>
-              <a:rPr b="0" lang="pl-PL" sz="1800" spc="-1" strike="noStrike">
-                <a:solidFill>
-                  <a:srgbClr val="000000"/>
-                </a:solidFill>
+              <a:rPr b="0" lang="pl-PL" sz="2000" spc="-1" strike="noStrike">
                 <a:latin typeface="Arial"/>
               </a:rPr>
               <a:t>Czwarty poziom konspektu</a:t>
             </a:r>
-            <a:endParaRPr b="0" lang="pl-PL" sz="1800" spc="-1" strike="noStrike">
-              <a:solidFill>
-                <a:srgbClr val="000000"/>
-              </a:solidFill>
+            <a:endParaRPr b="0" lang="pl-PL" sz="2000" spc="-1" strike="noStrike">
               <a:latin typeface="Arial"/>
             </a:endParaRPr>
           </a:p>
@@ -3538,17 +3279,11 @@
             </a:pPr>
             <a:r>
               <a:rPr b="0" lang="pl-PL" sz="2000" spc="-1" strike="noStrike">
-                <a:solidFill>
-                  <a:srgbClr val="000000"/>
-                </a:solidFill>
                 <a:latin typeface="Arial"/>
               </a:rPr>
               <a:t>Piąty poziom konspektu</a:t>
             </a:r>
             <a:endParaRPr b="0" lang="pl-PL" sz="2000" spc="-1" strike="noStrike">
-              <a:solidFill>
-                <a:srgbClr val="000000"/>
-              </a:solidFill>
               <a:latin typeface="Arial"/>
             </a:endParaRPr>
           </a:p>
@@ -3566,17 +3301,11 @@
             </a:pPr>
             <a:r>
               <a:rPr b="0" lang="pl-PL" sz="2000" spc="-1" strike="noStrike">
-                <a:solidFill>
-                  <a:srgbClr val="000000"/>
-                </a:solidFill>
                 <a:latin typeface="Arial"/>
               </a:rPr>
               <a:t>Szósty poziom konspektu</a:t>
             </a:r>
             <a:endParaRPr b="0" lang="pl-PL" sz="2000" spc="-1" strike="noStrike">
-              <a:solidFill>
-                <a:srgbClr val="000000"/>
-              </a:solidFill>
               <a:latin typeface="Arial"/>
             </a:endParaRPr>
           </a:p>
@@ -3594,17 +3323,11 @@
             </a:pPr>
             <a:r>
               <a:rPr b="0" lang="pl-PL" sz="2000" spc="-1" strike="noStrike">
-                <a:solidFill>
-                  <a:srgbClr val="000000"/>
-                </a:solidFill>
                 <a:latin typeface="Arial"/>
               </a:rPr>
               <a:t>Siódmy poziom konspektu</a:t>
             </a:r>
             <a:endParaRPr b="0" lang="pl-PL" sz="2000" spc="-1" strike="noStrike">
-              <a:solidFill>
-                <a:srgbClr val="000000"/>
-              </a:solidFill>
               <a:latin typeface="Arial"/>
             </a:endParaRPr>
           </a:p>
@@ -3656,7 +3379,7 @@
         <p:spPr>
           <a:xfrm>
             <a:off x="1561680" y="1905480"/>
-            <a:ext cx="9067320" cy="1258200"/>
+            <a:ext cx="9066960" cy="1257840"/>
           </a:xfrm>
           <a:prstGeom prst="rect">
             <a:avLst/>
@@ -3705,7 +3428,7 @@
         <p:spPr>
           <a:xfrm>
             <a:off x="1561680" y="3456000"/>
-            <a:ext cx="9067320" cy="2692800"/>
+            <a:ext cx="9066960" cy="2692440"/>
           </a:xfrm>
           <a:prstGeom prst="rect">
             <a:avLst/>
@@ -3813,7 +3536,7 @@
         <p:spPr>
           <a:xfrm>
             <a:off x="1561680" y="0"/>
-            <a:ext cx="9067320" cy="1258200"/>
+            <a:ext cx="9066960" cy="1257840"/>
           </a:xfrm>
           <a:prstGeom prst="rect">
             <a:avLst/>
@@ -3862,7 +3585,7 @@
         <p:spPr>
           <a:xfrm>
             <a:off x="1584000" y="1175040"/>
-            <a:ext cx="3239280" cy="5640480"/>
+            <a:ext cx="3238920" cy="5640120"/>
           </a:xfrm>
           <a:prstGeom prst="rect">
             <a:avLst/>
@@ -4221,7 +3944,7 @@
         <p:spPr>
           <a:xfrm>
             <a:off x="5324040" y="1262520"/>
-            <a:ext cx="5399640" cy="696240"/>
+            <a:ext cx="5399280" cy="695880"/>
           </a:xfrm>
           <a:prstGeom prst="rect">
             <a:avLst/>
@@ -4270,7 +3993,7 @@
         <p:spPr>
           <a:xfrm>
             <a:off x="5215680" y="3780000"/>
-            <a:ext cx="5399640" cy="1915920"/>
+            <a:ext cx="5399280" cy="1915560"/>
           </a:xfrm>
           <a:prstGeom prst="rect">
             <a:avLst/>
@@ -4388,7 +4111,7 @@
         <p:spPr>
           <a:xfrm>
             <a:off x="1561680" y="0"/>
-            <a:ext cx="9067320" cy="1258200"/>
+            <a:ext cx="9066960" cy="1257840"/>
           </a:xfrm>
           <a:prstGeom prst="rect">
             <a:avLst/>
@@ -4437,7 +4160,7 @@
         <p:spPr>
           <a:xfrm>
             <a:off x="1440000" y="1152000"/>
-            <a:ext cx="3239280" cy="5640480"/>
+            <a:ext cx="3238920" cy="5640120"/>
           </a:xfrm>
           <a:prstGeom prst="rect">
             <a:avLst/>
@@ -4896,7 +4619,7 @@
         <p:spPr>
           <a:xfrm>
             <a:off x="5180040" y="1239480"/>
-            <a:ext cx="5399640" cy="4965120"/>
+            <a:ext cx="5399280" cy="4964760"/>
           </a:xfrm>
           <a:prstGeom prst="rect">
             <a:avLst/>
@@ -5084,7 +4807,7 @@
         <p:spPr>
           <a:xfrm>
             <a:off x="1561680" y="15480"/>
-            <a:ext cx="9067320" cy="1258200"/>
+            <a:ext cx="9066960" cy="1257840"/>
           </a:xfrm>
           <a:prstGeom prst="rect">
             <a:avLst/>
@@ -5133,7 +4856,7 @@
         <p:spPr>
           <a:xfrm>
             <a:off x="1924920" y="1275840"/>
-            <a:ext cx="3239280" cy="2401920"/>
+            <a:ext cx="3238920" cy="2401560"/>
           </a:xfrm>
           <a:prstGeom prst="rect">
             <a:avLst/>
@@ -5332,7 +5055,7 @@
         <p:spPr>
           <a:xfrm>
             <a:off x="1924920" y="4079160"/>
-            <a:ext cx="3516480" cy="2401920"/>
+            <a:ext cx="3516120" cy="2401560"/>
           </a:xfrm>
           <a:prstGeom prst="rect">
             <a:avLst/>
@@ -5531,7 +5254,7 @@
         <p:spPr>
           <a:xfrm>
             <a:off x="7087320" y="1275840"/>
-            <a:ext cx="3239280" cy="2401920"/>
+            <a:ext cx="3238920" cy="2401560"/>
           </a:xfrm>
           <a:prstGeom prst="rect">
             <a:avLst/>
@@ -5730,7 +5453,7 @@
         <p:spPr>
           <a:xfrm>
             <a:off x="7087320" y="4079160"/>
-            <a:ext cx="3239280" cy="2401920"/>
+            <a:ext cx="3238920" cy="2401560"/>
           </a:xfrm>
           <a:prstGeom prst="rect">
             <a:avLst/>
@@ -5978,7 +5701,7 @@
         <p:spPr>
           <a:xfrm>
             <a:off x="1561680" y="-75600"/>
-            <a:ext cx="9067320" cy="1258200"/>
+            <a:ext cx="9066960" cy="1257840"/>
           </a:xfrm>
           <a:prstGeom prst="rect">
             <a:avLst/>
@@ -6027,7 +5750,7 @@
         <p:spPr>
           <a:xfrm>
             <a:off x="1001160" y="1286280"/>
-            <a:ext cx="5225040" cy="6489000"/>
+            <a:ext cx="5224680" cy="6488640"/>
           </a:xfrm>
           <a:prstGeom prst="rect">
             <a:avLst/>
@@ -6246,7 +5969,7 @@
         <p:spPr>
           <a:xfrm>
             <a:off x="6531120" y="1286280"/>
-            <a:ext cx="4300920" cy="5574960"/>
+            <a:ext cx="4300560" cy="5574600"/>
           </a:xfrm>
           <a:prstGeom prst="rect">
             <a:avLst/>
@@ -6634,7 +6357,7 @@
         <p:spPr>
           <a:xfrm>
             <a:off x="1561680" y="0"/>
-            <a:ext cx="9067320" cy="1258200"/>
+            <a:ext cx="9066960" cy="1257840"/>
           </a:xfrm>
           <a:prstGeom prst="rect">
             <a:avLst/>
@@ -6683,7 +6406,7 @@
         <p:spPr>
           <a:xfrm>
             <a:off x="1800000" y="1086120"/>
-            <a:ext cx="5225040" cy="3745440"/>
+            <a:ext cx="5224680" cy="3745080"/>
           </a:xfrm>
           <a:prstGeom prst="rect">
             <a:avLst/>
@@ -6822,7 +6545,7 @@
         <p:spPr>
           <a:xfrm>
             <a:off x="7486560" y="1086120"/>
-            <a:ext cx="3329280" cy="5847120"/>
+            <a:ext cx="3328920" cy="5846760"/>
           </a:xfrm>
           <a:prstGeom prst="rect">
             <a:avLst/>
@@ -7335,7 +7058,7 @@
         <p:spPr>
           <a:xfrm>
             <a:off x="2639880" y="4608000"/>
-            <a:ext cx="1431000" cy="1431000"/>
+            <a:ext cx="1430640" cy="1430640"/>
           </a:xfrm>
           <a:prstGeom prst="rect">
             <a:avLst/>
@@ -7358,7 +7081,7 @@
         <p:spPr>
           <a:xfrm>
             <a:off x="5157360" y="5808240"/>
-            <a:ext cx="1431000" cy="1431000"/>
+            <a:ext cx="1430640" cy="1430640"/>
           </a:xfrm>
           <a:prstGeom prst="rect">
             <a:avLst/>
@@ -7377,7 +7100,7 @@
         <p:spPr>
           <a:xfrm>
             <a:off x="2560680" y="5608800"/>
-            <a:ext cx="2045880" cy="1183680"/>
+            <a:ext cx="2045520" cy="1183320"/>
           </a:xfrm>
           <a:prstGeom prst="rect">
             <a:avLst/>
@@ -7486,7 +7209,7 @@
         <p:spPr>
           <a:xfrm>
             <a:off x="4876560" y="4968000"/>
-            <a:ext cx="2145960" cy="1183680"/>
+            <a:ext cx="2145600" cy="1183320"/>
           </a:xfrm>
           <a:prstGeom prst="rect">
             <a:avLst/>
@@ -7644,7 +7367,7 @@
         <p:spPr>
           <a:xfrm>
             <a:off x="1561680" y="0"/>
-            <a:ext cx="9067320" cy="1258200"/>
+            <a:ext cx="9066960" cy="1257840"/>
           </a:xfrm>
           <a:prstGeom prst="rect">
             <a:avLst/>
@@ -7693,7 +7416,7 @@
         <p:spPr>
           <a:xfrm>
             <a:off x="6078240" y="936000"/>
-            <a:ext cx="3329280" cy="5847120"/>
+            <a:ext cx="3328920" cy="5846760"/>
           </a:xfrm>
           <a:prstGeom prst="rect">
             <a:avLst/>
@@ -8202,7 +7925,7 @@
         <p:spPr>
           <a:xfrm>
             <a:off x="4032000" y="936000"/>
-            <a:ext cx="1995840" cy="360720"/>
+            <a:ext cx="1995480" cy="360360"/>
           </a:xfrm>
           <a:prstGeom prst="rect">
             <a:avLst/>
@@ -8251,7 +7974,7 @@
         <p:spPr>
           <a:xfrm>
             <a:off x="4608000" y="1593360"/>
-            <a:ext cx="1310040" cy="360720"/>
+            <a:ext cx="1309680" cy="360360"/>
           </a:xfrm>
           <a:prstGeom prst="rect">
             <a:avLst/>
@@ -8300,7 +8023,7 @@
         <p:spPr>
           <a:xfrm>
             <a:off x="4266000" y="2958480"/>
-            <a:ext cx="1995840" cy="360720"/>
+            <a:ext cx="1995480" cy="360360"/>
           </a:xfrm>
           <a:prstGeom prst="rect">
             <a:avLst/>
@@ -8398,7 +8121,7 @@
         <p:spPr>
           <a:xfrm>
             <a:off x="1561680" y="0"/>
-            <a:ext cx="9067320" cy="1258200"/>
+            <a:ext cx="9066960" cy="1257840"/>
           </a:xfrm>
           <a:prstGeom prst="rect">
             <a:avLst/>
@@ -8447,7 +8170,7 @@
         <p:spPr>
           <a:xfrm>
             <a:off x="1656000" y="1440000"/>
-            <a:ext cx="5225040" cy="4355280"/>
+            <a:ext cx="5224680" cy="4354920"/>
           </a:xfrm>
           <a:prstGeom prst="rect">
             <a:avLst/>
@@ -8576,7 +8299,7 @@
         <p:spPr>
           <a:xfrm>
             <a:off x="7650720" y="2049840"/>
-            <a:ext cx="3329280" cy="2555280"/>
+            <a:ext cx="3328920" cy="2554920"/>
           </a:xfrm>
           <a:prstGeom prst="rect">
             <a:avLst/>
@@ -8844,7 +8567,7 @@
         <p:spPr>
           <a:xfrm>
             <a:off x="1561680" y="0"/>
-            <a:ext cx="9067320" cy="1258200"/>
+            <a:ext cx="9066960" cy="1257840"/>
           </a:xfrm>
           <a:prstGeom prst="rect">
             <a:avLst/>
@@ -8893,7 +8616,7 @@
         <p:spPr>
           <a:xfrm>
             <a:off x="1699920" y="936000"/>
-            <a:ext cx="5225040" cy="6841800"/>
+            <a:ext cx="5224680" cy="6841440"/>
           </a:xfrm>
           <a:prstGeom prst="rect">
             <a:avLst/>
@@ -9152,7 +8875,7 @@
         <p:spPr>
           <a:xfrm>
             <a:off x="7536600" y="1512000"/>
-            <a:ext cx="4485960" cy="4196880"/>
+            <a:ext cx="4485600" cy="4196520"/>
           </a:xfrm>
           <a:prstGeom prst="rect">
             <a:avLst/>
@@ -9750,7 +9473,7 @@
         <p:spPr>
           <a:xfrm>
             <a:off x="1561680" y="0"/>
-            <a:ext cx="9067320" cy="1258200"/>
+            <a:ext cx="9066960" cy="1257840"/>
           </a:xfrm>
           <a:prstGeom prst="rect">
             <a:avLst/>
@@ -9799,7 +9522,7 @@
         <p:spPr>
           <a:xfrm>
             <a:off x="1296000" y="1259640"/>
-            <a:ext cx="4068360" cy="6184080"/>
+            <a:ext cx="4068000" cy="6183720"/>
           </a:xfrm>
           <a:prstGeom prst="rect">
             <a:avLst/>
@@ -9957,8 +9680,8 @@
         </p:nvSpPr>
         <p:spPr>
           <a:xfrm rot="9000">
-            <a:off x="6050520" y="1416240"/>
-            <a:ext cx="5684040" cy="3102120"/>
+            <a:off x="6050160" y="1415880"/>
+            <a:ext cx="5683680" cy="3101760"/>
           </a:xfrm>
           <a:prstGeom prst="rect">
             <a:avLst/>
@@ -10186,8 +9909,8 @@
         </p:nvSpPr>
         <p:spPr>
           <a:xfrm rot="9000">
-            <a:off x="6190920" y="4901760"/>
-            <a:ext cx="5684040" cy="1427040"/>
+            <a:off x="6190560" y="4901400"/>
+            <a:ext cx="5683680" cy="1426680"/>
           </a:xfrm>
           <a:prstGeom prst="rect">
             <a:avLst/>
@@ -10385,7 +10108,7 @@
         <p:spPr>
           <a:xfrm>
             <a:off x="1561680" y="0"/>
-            <a:ext cx="9067320" cy="1258200"/>
+            <a:ext cx="9066960" cy="1257840"/>
           </a:xfrm>
           <a:prstGeom prst="rect">
             <a:avLst/>
@@ -10434,7 +10157,7 @@
         <p:spPr>
           <a:xfrm>
             <a:off x="1618560" y="1194480"/>
-            <a:ext cx="6372000" cy="6669360"/>
+            <a:ext cx="6371640" cy="6669000"/>
           </a:xfrm>
           <a:prstGeom prst="rect">
             <a:avLst/>
@@ -10713,7 +10436,7 @@
         <p:spPr>
           <a:xfrm>
             <a:off x="8832600" y="1259640"/>
-            <a:ext cx="3837960" cy="5322960"/>
+            <a:ext cx="3837600" cy="5322600"/>
           </a:xfrm>
           <a:prstGeom prst="rect">
             <a:avLst/>
@@ -11449,7 +11172,7 @@
         <p:spPr>
           <a:xfrm>
             <a:off x="1561680" y="0"/>
-            <a:ext cx="9067320" cy="1258200"/>
+            <a:ext cx="9066960" cy="1257840"/>
           </a:xfrm>
           <a:prstGeom prst="rect">
             <a:avLst/>
@@ -11498,7 +11221,7 @@
         <p:spPr>
           <a:xfrm>
             <a:off x="1668600" y="1584000"/>
-            <a:ext cx="8853480" cy="4965120"/>
+            <a:ext cx="8853120" cy="4964760"/>
           </a:xfrm>
           <a:prstGeom prst="rect">
             <a:avLst/>
@@ -11736,7 +11459,7 @@
         <p:spPr>
           <a:xfrm>
             <a:off x="1561680" y="0"/>
-            <a:ext cx="9067320" cy="1258200"/>
+            <a:ext cx="9066960" cy="1257840"/>
           </a:xfrm>
           <a:prstGeom prst="rect">
             <a:avLst/>
@@ -11785,7 +11508,7 @@
         <p:spPr>
           <a:xfrm>
             <a:off x="1472760" y="1082880"/>
-            <a:ext cx="5292360" cy="6115680"/>
+            <a:ext cx="5292000" cy="6115320"/>
           </a:xfrm>
           <a:prstGeom prst="rect">
             <a:avLst/>
@@ -12074,7 +11797,7 @@
         <p:spPr>
           <a:xfrm>
             <a:off x="7176600" y="1193040"/>
-            <a:ext cx="3837960" cy="5322960"/>
+            <a:ext cx="3837600" cy="5322600"/>
           </a:xfrm>
           <a:prstGeom prst="rect">
             <a:avLst/>
@@ -12672,7 +12395,7 @@
         <p:spPr>
           <a:xfrm>
             <a:off x="1561680" y="27720"/>
-            <a:ext cx="9067320" cy="1258200"/>
+            <a:ext cx="9066960" cy="1257840"/>
           </a:xfrm>
           <a:prstGeom prst="rect">
             <a:avLst/>
@@ -12721,7 +12444,7 @@
         <p:spPr>
           <a:xfrm>
             <a:off x="1440000" y="1080000"/>
-            <a:ext cx="5732640" cy="5991120"/>
+            <a:ext cx="5732280" cy="5990760"/>
           </a:xfrm>
           <a:prstGeom prst="rect">
             <a:avLst/>
@@ -12980,7 +12703,7 @@
         <p:spPr>
           <a:xfrm>
             <a:off x="7536600" y="1856520"/>
-            <a:ext cx="3837960" cy="5214600"/>
+            <a:ext cx="3837600" cy="5214240"/>
           </a:xfrm>
           <a:prstGeom prst="rect">
             <a:avLst/>
@@ -13318,7 +13041,7 @@
         <p:spPr>
           <a:xfrm>
             <a:off x="1561680" y="0"/>
-            <a:ext cx="9067320" cy="1258200"/>
+            <a:ext cx="9066960" cy="1257840"/>
           </a:xfrm>
           <a:prstGeom prst="rect">
             <a:avLst/>
@@ -13367,7 +13090,7 @@
         <p:spPr>
           <a:xfrm>
             <a:off x="1224000" y="1010880"/>
-            <a:ext cx="5630040" cy="6115680"/>
+            <a:ext cx="5629680" cy="6115320"/>
           </a:xfrm>
           <a:prstGeom prst="rect">
             <a:avLst/>
@@ -13656,7 +13379,7 @@
         <p:spPr>
           <a:xfrm>
             <a:off x="7416000" y="1155600"/>
-            <a:ext cx="4409280" cy="5322960"/>
+            <a:ext cx="4408920" cy="5322600"/>
           </a:xfrm>
           <a:prstGeom prst="rect">
             <a:avLst/>
@@ -14134,7 +13857,7 @@
         <p:spPr>
           <a:xfrm>
             <a:off x="1561680" y="0"/>
-            <a:ext cx="9067320" cy="1258200"/>
+            <a:ext cx="9066960" cy="1257840"/>
           </a:xfrm>
           <a:prstGeom prst="rect">
             <a:avLst/>
@@ -14183,7 +13906,7 @@
         <p:spPr>
           <a:xfrm>
             <a:off x="1561680" y="1010880"/>
-            <a:ext cx="4069080" cy="6115680"/>
+            <a:ext cx="4068720" cy="6115320"/>
           </a:xfrm>
           <a:prstGeom prst="rect">
             <a:avLst/>
@@ -14372,7 +14095,7 @@
         <p:spPr>
           <a:xfrm>
             <a:off x="8256600" y="1152000"/>
-            <a:ext cx="3837960" cy="2732760"/>
+            <a:ext cx="3837600" cy="2732400"/>
           </a:xfrm>
           <a:prstGeom prst="rect">
             <a:avLst/>
@@ -14561,7 +14284,7 @@
         <p:spPr>
           <a:xfrm>
             <a:off x="5736600" y="2665800"/>
-            <a:ext cx="3837960" cy="2732760"/>
+            <a:ext cx="3837600" cy="2732400"/>
           </a:xfrm>
           <a:prstGeom prst="rect">
             <a:avLst/>
@@ -15169,7 +14892,7 @@
         <p:spPr>
           <a:xfrm>
             <a:off x="1561680" y="0"/>
-            <a:ext cx="9067320" cy="1258200"/>
+            <a:ext cx="9066960" cy="1257840"/>
           </a:xfrm>
           <a:prstGeom prst="rect">
             <a:avLst/>
@@ -15218,7 +14941,7 @@
         <p:spPr>
           <a:xfrm>
             <a:off x="1512000" y="1008000"/>
-            <a:ext cx="5326560" cy="6115680"/>
+            <a:ext cx="5326200" cy="6115320"/>
           </a:xfrm>
           <a:prstGeom prst="rect">
             <a:avLst/>
@@ -15397,7 +15120,7 @@
         <p:spPr>
           <a:xfrm>
             <a:off x="7344000" y="1259640"/>
-            <a:ext cx="4701960" cy="5322960"/>
+            <a:ext cx="4701600" cy="5322600"/>
           </a:xfrm>
           <a:prstGeom prst="rect">
             <a:avLst/>
@@ -15785,7 +15508,7 @@
         <p:spPr>
           <a:xfrm>
             <a:off x="1561680" y="0"/>
-            <a:ext cx="9067320" cy="1258200"/>
+            <a:ext cx="9066960" cy="1257840"/>
           </a:xfrm>
           <a:prstGeom prst="rect">
             <a:avLst/>
@@ -15834,7 +15557,7 @@
         <p:spPr>
           <a:xfrm>
             <a:off x="936000" y="1560960"/>
-            <a:ext cx="5509080" cy="6213600"/>
+            <a:ext cx="5508720" cy="6213240"/>
           </a:xfrm>
           <a:prstGeom prst="rect">
             <a:avLst/>
@@ -16103,7 +15826,7 @@
         <p:spPr>
           <a:xfrm>
             <a:off x="6984000" y="1443600"/>
-            <a:ext cx="4701960" cy="5322960"/>
+            <a:ext cx="4701600" cy="5322600"/>
           </a:xfrm>
           <a:prstGeom prst="rect">
             <a:avLst/>
@@ -16711,7 +16434,7 @@
         <p:spPr>
           <a:xfrm>
             <a:off x="1561680" y="0"/>
-            <a:ext cx="9067320" cy="1258200"/>
+            <a:ext cx="9066960" cy="1257840"/>
           </a:xfrm>
           <a:prstGeom prst="rect">
             <a:avLst/>
@@ -16760,7 +16483,7 @@
         <p:spPr>
           <a:xfrm>
             <a:off x="1440000" y="1152000"/>
-            <a:ext cx="5830560" cy="6115680"/>
+            <a:ext cx="5830200" cy="6115320"/>
           </a:xfrm>
           <a:prstGeom prst="rect">
             <a:avLst/>
@@ -16969,7 +16692,7 @@
         <p:spPr>
           <a:xfrm>
             <a:off x="7848000" y="1368000"/>
-            <a:ext cx="4244760" cy="4659480"/>
+            <a:ext cx="4244400" cy="4659120"/>
           </a:xfrm>
           <a:prstGeom prst="rect">
             <a:avLst/>
@@ -17367,7 +17090,7 @@
         <p:spPr>
           <a:xfrm>
             <a:off x="1561680" y="0"/>
-            <a:ext cx="9067320" cy="1258200"/>
+            <a:ext cx="9066960" cy="1257840"/>
           </a:xfrm>
           <a:prstGeom prst="rect">
             <a:avLst/>
@@ -17416,7 +17139,7 @@
         <p:spPr>
           <a:xfrm>
             <a:off x="1152000" y="1514880"/>
-            <a:ext cx="5470560" cy="6115680"/>
+            <a:ext cx="5470200" cy="6115320"/>
           </a:xfrm>
           <a:prstGeom prst="rect">
             <a:avLst/>
@@ -17625,7 +17348,7 @@
         <p:spPr>
           <a:xfrm>
             <a:off x="7560000" y="1387080"/>
-            <a:ext cx="4244760" cy="4659480"/>
+            <a:ext cx="4244400" cy="4659120"/>
           </a:xfrm>
           <a:prstGeom prst="rect">
             <a:avLst/>
@@ -18113,7 +17836,7 @@
         <p:spPr>
           <a:xfrm>
             <a:off x="1561680" y="0"/>
-            <a:ext cx="9067320" cy="1258200"/>
+            <a:ext cx="9066960" cy="1257840"/>
           </a:xfrm>
           <a:prstGeom prst="rect">
             <a:avLst/>
@@ -18162,7 +17885,7 @@
         <p:spPr>
           <a:xfrm>
             <a:off x="1545480" y="1080000"/>
-            <a:ext cx="5365080" cy="6115680"/>
+            <a:ext cx="5364720" cy="6115320"/>
           </a:xfrm>
           <a:prstGeom prst="rect">
             <a:avLst/>
@@ -18411,7 +18134,7 @@
         <p:spPr>
           <a:xfrm>
             <a:off x="7704000" y="1008000"/>
-            <a:ext cx="4244760" cy="4659480"/>
+            <a:ext cx="4244400" cy="4659120"/>
           </a:xfrm>
           <a:prstGeom prst="rect">
             <a:avLst/>
@@ -19169,7 +18892,7 @@
         <p:spPr>
           <a:xfrm>
             <a:off x="1561680" y="0"/>
-            <a:ext cx="9067320" cy="1258200"/>
+            <a:ext cx="9066960" cy="1257840"/>
           </a:xfrm>
           <a:prstGeom prst="rect">
             <a:avLst/>
@@ -19218,7 +18941,7 @@
         <p:spPr>
           <a:xfrm>
             <a:off x="1368000" y="1010880"/>
-            <a:ext cx="5542560" cy="6115680"/>
+            <a:ext cx="5542200" cy="6115320"/>
           </a:xfrm>
           <a:prstGeom prst="rect">
             <a:avLst/>
@@ -19447,7 +19170,7 @@
         <p:spPr>
           <a:xfrm>
             <a:off x="7848000" y="1148400"/>
-            <a:ext cx="3559680" cy="5708160"/>
+            <a:ext cx="3559320" cy="5707800"/>
           </a:xfrm>
           <a:prstGeom prst="rect">
             <a:avLst/>
@@ -19975,7 +19698,7 @@
         <p:spPr>
           <a:xfrm>
             <a:off x="1561680" y="0"/>
-            <a:ext cx="9067320" cy="1258200"/>
+            <a:ext cx="9066960" cy="1257840"/>
           </a:xfrm>
           <a:prstGeom prst="rect">
             <a:avLst/>
@@ -20024,7 +19747,7 @@
         <p:spPr>
           <a:xfrm>
             <a:off x="4337640" y="1440000"/>
-            <a:ext cx="3515040" cy="4965120"/>
+            <a:ext cx="3514680" cy="4964760"/>
           </a:xfrm>
           <a:prstGeom prst="rect">
             <a:avLst/>
@@ -20382,7 +20105,7 @@
         <p:spPr>
           <a:xfrm>
             <a:off x="1561680" y="0"/>
-            <a:ext cx="9067320" cy="1258200"/>
+            <a:ext cx="9066960" cy="1257840"/>
           </a:xfrm>
           <a:prstGeom prst="rect">
             <a:avLst/>
@@ -20431,7 +20154,7 @@
         <p:spPr>
           <a:xfrm>
             <a:off x="1368000" y="1010880"/>
-            <a:ext cx="5542560" cy="6115680"/>
+            <a:ext cx="5542200" cy="6115320"/>
           </a:xfrm>
           <a:prstGeom prst="rect">
             <a:avLst/>
@@ -20480,7 +20203,7 @@
             </a:endParaRPr>
           </a:p>
           <a:p>
-            <a:pPr marL="285840" indent="-285480">
+            <a:pPr marL="285840" indent="-285120">
               <a:lnSpc>
                 <a:spcPct val="100000"/>
               </a:lnSpc>
@@ -20505,7 +20228,7 @@
             </a:endParaRPr>
           </a:p>
           <a:p>
-            <a:pPr marL="285840" indent="-285480">
+            <a:pPr marL="285840" indent="-285120">
               <a:lnSpc>
                 <a:spcPct val="100000"/>
               </a:lnSpc>
@@ -20530,7 +20253,7 @@
             </a:endParaRPr>
           </a:p>
           <a:p>
-            <a:pPr marL="285840" indent="-285480">
+            <a:pPr marL="285840" indent="-285120">
               <a:lnSpc>
                 <a:spcPct val="100000"/>
               </a:lnSpc>
@@ -20765,7 +20488,7 @@
         <p:spPr>
           <a:xfrm>
             <a:off x="6910920" y="1538640"/>
-            <a:ext cx="5204520" cy="5748840"/>
+            <a:ext cx="5204160" cy="5748480"/>
           </a:xfrm>
           <a:prstGeom prst="rect">
             <a:avLst/>
@@ -21193,7 +20916,7 @@
         <p:spPr>
           <a:xfrm>
             <a:off x="1561680" y="0"/>
-            <a:ext cx="9067320" cy="1258200"/>
+            <a:ext cx="9066960" cy="1257840"/>
           </a:xfrm>
           <a:prstGeom prst="rect">
             <a:avLst/>
@@ -21242,7 +20965,7 @@
         <p:spPr>
           <a:xfrm>
             <a:off x="4396320" y="1170720"/>
-            <a:ext cx="2455560" cy="446760"/>
+            <a:ext cx="2455200" cy="446400"/>
           </a:xfrm>
           <a:prstGeom prst="rect">
             <a:avLst/>
@@ -21298,7 +21021,7 @@
         <p:spPr>
           <a:xfrm>
             <a:off x="741600" y="2052720"/>
-            <a:ext cx="2455560" cy="446760"/>
+            <a:ext cx="2455200" cy="446400"/>
           </a:xfrm>
           <a:prstGeom prst="rect">
             <a:avLst/>
@@ -21354,7 +21077,7 @@
         <p:spPr>
           <a:xfrm>
             <a:off x="7658280" y="2052720"/>
-            <a:ext cx="2455560" cy="446760"/>
+            <a:ext cx="2455200" cy="446400"/>
           </a:xfrm>
           <a:prstGeom prst="rect">
             <a:avLst/>
@@ -21410,7 +21133,7 @@
         <p:spPr>
           <a:xfrm>
             <a:off x="5624280" y="3070440"/>
-            <a:ext cx="2455560" cy="446760"/>
+            <a:ext cx="2455200" cy="446400"/>
           </a:xfrm>
           <a:prstGeom prst="rect">
             <a:avLst/>
@@ -21465,8 +21188,8 @@
         </p:nvSpPr>
         <p:spPr>
           <a:xfrm flipH="1">
-            <a:off x="1969560" y="1394280"/>
-            <a:ext cx="2426400" cy="658080"/>
+            <a:off x="1968840" y="1394280"/>
+            <a:ext cx="2426040" cy="657720"/>
           </a:xfrm>
           <a:custGeom>
             <a:avLst/>
@@ -21519,7 +21242,7 @@
         <p:spPr>
           <a:xfrm>
             <a:off x="6852240" y="1394280"/>
-            <a:ext cx="2033640" cy="658080"/>
+            <a:ext cx="2033280" cy="657720"/>
           </a:xfrm>
           <a:custGeom>
             <a:avLst/>
@@ -21572,7 +21295,7 @@
         <p:spPr>
           <a:xfrm flipH="1">
             <a:off x="6851520" y="2499840"/>
-            <a:ext cx="2033640" cy="570240"/>
+            <a:ext cx="2033280" cy="569880"/>
           </a:xfrm>
           <a:custGeom>
             <a:avLst/>
@@ -21625,7 +21348,7 @@
         <p:spPr>
           <a:xfrm>
             <a:off x="6095520" y="3952800"/>
-            <a:ext cx="2455560" cy="446760"/>
+            <a:ext cx="2455200" cy="446400"/>
           </a:xfrm>
           <a:prstGeom prst="rect">
             <a:avLst/>
@@ -21681,7 +21404,7 @@
         <p:spPr>
           <a:xfrm>
             <a:off x="6095520" y="4746960"/>
-            <a:ext cx="2455560" cy="446760"/>
+            <a:ext cx="2455200" cy="446400"/>
           </a:xfrm>
           <a:prstGeom prst="rect">
             <a:avLst/>
@@ -21768,7 +21491,7 @@
         <p:spPr>
           <a:xfrm>
             <a:off x="5794200" y="4176360"/>
-            <a:ext cx="300960" cy="360"/>
+            <a:ext cx="300600" cy="360"/>
           </a:xfrm>
           <a:custGeom>
             <a:avLst/>
@@ -21821,7 +21544,7 @@
         <p:spPr>
           <a:xfrm>
             <a:off x="5794200" y="4973400"/>
-            <a:ext cx="300960" cy="360"/>
+            <a:ext cx="300600" cy="360"/>
           </a:xfrm>
           <a:custGeom>
             <a:avLst/>
@@ -21874,7 +21597,7 @@
         <p:spPr>
           <a:xfrm>
             <a:off x="6095520" y="5467680"/>
-            <a:ext cx="2455560" cy="446760"/>
+            <a:ext cx="2455200" cy="446400"/>
           </a:xfrm>
           <a:prstGeom prst="rect">
             <a:avLst/>
@@ -21930,7 +21653,7 @@
         <p:spPr>
           <a:xfrm>
             <a:off x="5794200" y="5691240"/>
-            <a:ext cx="300960" cy="360"/>
+            <a:ext cx="300600" cy="360"/>
           </a:xfrm>
           <a:custGeom>
             <a:avLst/>
@@ -21983,7 +21706,7 @@
         <p:spPr>
           <a:xfrm>
             <a:off x="9560160" y="3205440"/>
-            <a:ext cx="2455560" cy="446760"/>
+            <a:ext cx="2455200" cy="446400"/>
           </a:xfrm>
           <a:prstGeom prst="rect">
             <a:avLst/>
@@ -22039,7 +21762,7 @@
         <p:spPr>
           <a:xfrm>
             <a:off x="9560160" y="3952800"/>
-            <a:ext cx="2455560" cy="446760"/>
+            <a:ext cx="2455200" cy="446400"/>
           </a:xfrm>
           <a:prstGeom prst="rect">
             <a:avLst/>
@@ -22126,7 +21849,7 @@
         <p:spPr>
           <a:xfrm>
             <a:off x="9155880" y="3423240"/>
-            <a:ext cx="403920" cy="5400"/>
+            <a:ext cx="403560" cy="5040"/>
           </a:xfrm>
           <a:custGeom>
             <a:avLst/>
@@ -22178,8 +21901,8 @@
         </p:nvSpPr>
         <p:spPr>
           <a:xfrm flipV="1">
-            <a:off x="9155880" y="4165920"/>
-            <a:ext cx="403920" cy="5040"/>
+            <a:off x="9155880" y="4160520"/>
+            <a:ext cx="403560" cy="4680"/>
           </a:xfrm>
           <a:custGeom>
             <a:avLst/>
@@ -22232,7 +21955,7 @@
         <p:spPr>
           <a:xfrm>
             <a:off x="9560160" y="4870800"/>
-            <a:ext cx="2455560" cy="446760"/>
+            <a:ext cx="2455200" cy="446400"/>
           </a:xfrm>
           <a:prstGeom prst="rect">
             <a:avLst/>
@@ -22287,8 +22010,8 @@
         </p:nvSpPr>
         <p:spPr>
           <a:xfrm flipV="1">
-            <a:off x="9155880" y="5083920"/>
-            <a:ext cx="403920" cy="5040"/>
+            <a:off x="9155880" y="5078520"/>
+            <a:ext cx="403560" cy="4680"/>
           </a:xfrm>
           <a:custGeom>
             <a:avLst/>
@@ -22341,7 +22064,7 @@
         <p:spPr>
           <a:xfrm>
             <a:off x="234360" y="3342240"/>
-            <a:ext cx="4604040" cy="2010600"/>
+            <a:ext cx="4603680" cy="2010240"/>
           </a:xfrm>
           <a:prstGeom prst="rect">
             <a:avLst/>
@@ -22469,7 +22192,7 @@
         <p:spPr>
           <a:xfrm>
             <a:off x="1561680" y="0"/>
-            <a:ext cx="9067320" cy="1258200"/>
+            <a:ext cx="9066960" cy="1257840"/>
           </a:xfrm>
           <a:prstGeom prst="rect">
             <a:avLst/>
@@ -22518,7 +22241,7 @@
         <p:spPr>
           <a:xfrm>
             <a:off x="1368000" y="1010880"/>
-            <a:ext cx="10497240" cy="6115680"/>
+            <a:ext cx="10496880" cy="6115320"/>
           </a:xfrm>
           <a:prstGeom prst="rect">
             <a:avLst/>
@@ -22856,7 +22579,7 @@
         <p:spPr>
           <a:xfrm>
             <a:off x="1561680" y="0"/>
-            <a:ext cx="9067320" cy="1258200"/>
+            <a:ext cx="9066960" cy="1257840"/>
           </a:xfrm>
           <a:prstGeom prst="rect">
             <a:avLst/>
@@ -22905,7 +22628,7 @@
         <p:spPr>
           <a:xfrm>
             <a:off x="1368000" y="1010880"/>
-            <a:ext cx="10497240" cy="6115680"/>
+            <a:ext cx="10496880" cy="6115320"/>
           </a:xfrm>
           <a:prstGeom prst="rect">
             <a:avLst/>
@@ -23223,7 +22946,7 @@
         <p:spPr>
           <a:xfrm>
             <a:off x="1561680" y="0"/>
-            <a:ext cx="9067320" cy="1258200"/>
+            <a:ext cx="9066960" cy="1257840"/>
           </a:xfrm>
           <a:prstGeom prst="rect">
             <a:avLst/>
@@ -23272,7 +22995,7 @@
         <p:spPr>
           <a:xfrm>
             <a:off x="587880" y="1946880"/>
-            <a:ext cx="6411240" cy="5106600"/>
+            <a:ext cx="6410880" cy="5106240"/>
           </a:xfrm>
           <a:prstGeom prst="rect">
             <a:avLst/>
@@ -23541,7 +23264,7 @@
         <p:spPr>
           <a:xfrm>
             <a:off x="6999480" y="867600"/>
-            <a:ext cx="4691520" cy="6125400"/>
+            <a:ext cx="4691160" cy="6125040"/>
           </a:xfrm>
           <a:prstGeom prst="rect">
             <a:avLst/>
@@ -24039,7 +23762,7 @@
         <p:spPr>
           <a:xfrm>
             <a:off x="1561680" y="0"/>
-            <a:ext cx="9067320" cy="1258200"/>
+            <a:ext cx="9066960" cy="1257840"/>
           </a:xfrm>
           <a:prstGeom prst="rect">
             <a:avLst/>
@@ -24088,7 +23811,7 @@
         <p:spPr>
           <a:xfrm>
             <a:off x="587880" y="1946880"/>
-            <a:ext cx="6411240" cy="5106600"/>
+            <a:ext cx="6410880" cy="5106240"/>
           </a:xfrm>
           <a:prstGeom prst="rect">
             <a:avLst/>
@@ -24196,7 +23919,7 @@
         <p:spPr>
           <a:xfrm>
             <a:off x="1561680" y="0"/>
-            <a:ext cx="9067320" cy="1258200"/>
+            <a:ext cx="9066960" cy="1257840"/>
           </a:xfrm>
           <a:prstGeom prst="rect">
             <a:avLst/>
@@ -24245,7 +23968,7 @@
         <p:spPr>
           <a:xfrm>
             <a:off x="1368000" y="1224000"/>
-            <a:ext cx="5112000" cy="4458600"/>
+            <a:ext cx="5111640" cy="4458240"/>
           </a:xfrm>
           <a:prstGeom prst="rect">
             <a:avLst/>
@@ -24340,9 +24063,6 @@
               <a:t>, istnieje możliwość utworzenia obiektów LocalDate bądź LocalDateTime ze Stringa. Wszystkie znaki formatujące można znaleźć tutaj:</a:t>
             </a:r>
             <a:endParaRPr b="0" lang="pl-PL" sz="2200" spc="-1" strike="noStrike">
-              <a:solidFill>
-                <a:srgbClr val="ffffff"/>
-              </a:solidFill>
               <a:latin typeface="Arial"/>
             </a:endParaRPr>
           </a:p>
@@ -24353,9 +24073,6 @@
               </a:lnSpc>
             </a:pPr>
             <a:endParaRPr b="0" lang="pl-PL" sz="2200" spc="-1" strike="noStrike">
-              <a:solidFill>
-                <a:srgbClr val="ffffff"/>
-              </a:solidFill>
               <a:latin typeface="Arial"/>
             </a:endParaRPr>
           </a:p>
@@ -24376,9 +24093,6 @@
               <a:t>https://docs.oracle.com/javase/8/docs/api/java/time/format/DateTimeFormatter.html</a:t>
             </a:r>
             <a:endParaRPr b="0" lang="pl-PL" sz="2200" spc="-1" strike="noStrike">
-              <a:solidFill>
-                <a:srgbClr val="ffffff"/>
-              </a:solidFill>
               <a:latin typeface="Arial"/>
             </a:endParaRPr>
           </a:p>
@@ -24393,7 +24107,7 @@
         <p:spPr>
           <a:xfrm>
             <a:off x="6864120" y="1800000"/>
-            <a:ext cx="5328000" cy="5748840"/>
+            <a:ext cx="5327640" cy="5748480"/>
           </a:xfrm>
           <a:prstGeom prst="rect">
             <a:avLst/>
@@ -24412,6 +24126,11 @@
         <p:txBody>
           <a:bodyPr lIns="90000" rIns="90000" tIns="45000" bIns="45000"/>
           <a:p>
+            <a:pPr>
+              <a:lnSpc>
+                <a:spcPct val="100000"/>
+              </a:lnSpc>
+            </a:pPr>
             <a:r>
               <a:rPr b="0" lang="pl-PL" sz="1800" spc="-1" strike="noStrike">
                 <a:solidFill>
@@ -24485,21 +24204,25 @@
               <a:t>.println(dzisiaj);</a:t>
             </a:r>
             <a:endParaRPr b="0" lang="pl-PL" sz="1800" spc="-1" strike="noStrike">
-              <a:solidFill>
-                <a:srgbClr val="ffffff"/>
-              </a:solidFill>
-              <a:latin typeface="Arial"/>
-            </a:endParaRPr>
-          </a:p>
-          <a:p>
+              <a:latin typeface="Arial"/>
+            </a:endParaRPr>
+          </a:p>
+          <a:p>
+            <a:pPr>
+              <a:lnSpc>
+                <a:spcPct val="100000"/>
+              </a:lnSpc>
+            </a:pPr>
             <a:endParaRPr b="0" lang="pl-PL" sz="1800" spc="-1" strike="noStrike">
-              <a:solidFill>
-                <a:srgbClr val="ffffff"/>
-              </a:solidFill>
-              <a:latin typeface="Arial"/>
-            </a:endParaRPr>
-          </a:p>
-          <a:p>
+              <a:latin typeface="Arial"/>
+            </a:endParaRPr>
+          </a:p>
+          <a:p>
+            <a:pPr>
+              <a:lnSpc>
+                <a:spcPct val="100000"/>
+              </a:lnSpc>
+            </a:pPr>
             <a:r>
               <a:rPr b="0" lang="pl-PL" sz="1800" spc="-1" strike="noStrike">
                 <a:solidFill>
@@ -24680,6 +24403,525 @@
           <p:childTnLst>
             <p:seq>
               <p:cTn id="72" dur="indefinite" nodeType="mainSeq"/>
+              <p:prevCondLst>
+                <p:cond delay="0" evt="onPrev">
+                  <p:tgtEl>
+                    <p:sldTgt/>
+                  </p:tgtEl>
+                </p:cond>
+              </p:prevCondLst>
+              <p:nextCondLst>
+                <p:cond delay="0" evt="onNext">
+                  <p:tgtEl>
+                    <p:sldTgt/>
+                  </p:tgtEl>
+                </p:cond>
+              </p:nextCondLst>
+            </p:seq>
+          </p:childTnLst>
+        </p:cTn>
+      </p:par>
+    </p:tnLst>
+  </p:timing>
+</p:sld>
+</file>
+
+<file path=ppt/slides/slide37.xml><?xml version="1.0" encoding="utf-8"?>
+<p:sld xmlns:a="http://schemas.openxmlformats.org/drawingml/2006/main" xmlns:p="http://schemas.openxmlformats.org/presentationml/2006/main" xmlns:r="http://schemas.openxmlformats.org/officeDocument/2006/relationships" xmlns:p14="http://schemas.microsoft.com/office/powerpoint/2010/main" xmlns:p15="http://schemas.microsoft.com/office/powerpoint/2012/main" xmlns:mc="http://schemas.openxmlformats.org/markup-compatibility/2006">
+  <p:cSld>
+    <p:spTree>
+      <p:nvGrpSpPr>
+        <p:cNvPr id="1" name=""/>
+        <p:cNvGrpSpPr/>
+        <p:nvPr/>
+      </p:nvGrpSpPr>
+      <p:grpSpPr>
+        <a:xfrm>
+          <a:off x="0" y="0"/>
+          <a:ext cx="0" cy="0"/>
+          <a:chOff x="0" y="0"/>
+          <a:chExt cx="0" cy="0"/>
+        </a:xfrm>
+      </p:grpSpPr>
+      <p:sp>
+        <p:nvSpPr>
+          <p:cNvPr id="219" name="CustomShape 1"/>
+          <p:cNvSpPr/>
+          <p:nvPr/>
+        </p:nvSpPr>
+        <p:spPr>
+          <a:xfrm>
+            <a:off x="1561680" y="0"/>
+            <a:ext cx="9066960" cy="1257840"/>
+          </a:xfrm>
+          <a:prstGeom prst="rect">
+            <a:avLst/>
+          </a:prstGeom>
+          <a:noFill/>
+          <a:ln>
+            <a:noFill/>
+          </a:ln>
+        </p:spPr>
+        <p:style>
+          <a:lnRef idx="0"/>
+          <a:fillRef idx="0"/>
+          <a:effectRef idx="0"/>
+          <a:fontRef idx="minor"/>
+        </p:style>
+        <p:txBody>
+          <a:bodyPr lIns="0" rIns="0" tIns="0" bIns="0" anchor="ctr"/>
+          <a:p>
+            <a:pPr algn="ctr">
+              <a:lnSpc>
+                <a:spcPct val="100000"/>
+              </a:lnSpc>
+            </a:pPr>
+            <a:r>
+              <a:rPr b="1" lang="pl-PL" sz="4400" spc="-1" strike="noStrike">
+                <a:solidFill>
+                  <a:srgbClr val="ffffff"/>
+                </a:solidFill>
+                <a:latin typeface="Arial"/>
+                <a:ea typeface="DejaVu Sans"/>
+              </a:rPr>
+              <a:t>Typy generyczne</a:t>
+            </a:r>
+            <a:endParaRPr b="0" lang="pl-PL" sz="4400" spc="-1" strike="noStrike">
+              <a:latin typeface="Arial"/>
+            </a:endParaRPr>
+          </a:p>
+        </p:txBody>
+      </p:sp>
+      <p:sp>
+        <p:nvSpPr>
+          <p:cNvPr id="220" name="CustomShape 2"/>
+          <p:cNvSpPr/>
+          <p:nvPr/>
+        </p:nvSpPr>
+        <p:spPr>
+          <a:xfrm>
+            <a:off x="1368000" y="1224000"/>
+            <a:ext cx="4752000" cy="4458240"/>
+          </a:xfrm>
+          <a:prstGeom prst="rect">
+            <a:avLst/>
+          </a:prstGeom>
+          <a:noFill/>
+          <a:ln>
+            <a:noFill/>
+          </a:ln>
+        </p:spPr>
+        <p:style>
+          <a:lnRef idx="0"/>
+          <a:fillRef idx="0"/>
+          <a:effectRef idx="0"/>
+          <a:fontRef idx="minor"/>
+        </p:style>
+        <p:txBody>
+          <a:bodyPr lIns="90000" rIns="90000" tIns="45000" bIns="45000"/>
+          <a:p>
+            <a:pPr>
+              <a:lnSpc>
+                <a:spcPct val="100000"/>
+              </a:lnSpc>
+            </a:pPr>
+            <a:r>
+              <a:rPr b="0" lang="pl-PL" sz="2200" spc="-1" strike="noStrike">
+                <a:solidFill>
+                  <a:srgbClr val="00a65d"/>
+                </a:solidFill>
+                <a:latin typeface="Arial"/>
+                <a:ea typeface="DejaVu Sans"/>
+              </a:rPr>
+              <a:t>Typy generyczne</a:t>
+            </a:r>
+            <a:r>
+              <a:rPr b="0" lang="pl-PL" sz="2200" spc="-1" strike="noStrike">
+                <a:solidFill>
+                  <a:srgbClr val="ffffff"/>
+                </a:solidFill>
+                <a:latin typeface="Arial"/>
+                <a:ea typeface="DejaVu Sans"/>
+              </a:rPr>
+              <a:t> dają możliwość tworzenia metod lub klas ogólnego przeznaczenia. Pozwalają unikać redundancji, zamiast pisać kilka metod lub klas operujących w podobny sposób na różnych obiektach, możemy napisać jedną metodę lub klasę generyczną i w trakcie jej użycie zdecydować na jakich obiektach będzie ona operować.</a:t>
+            </a:r>
+            <a:endParaRPr b="0" lang="pl-PL" sz="2200" spc="-1" strike="noStrike">
+              <a:latin typeface="Arial"/>
+            </a:endParaRPr>
+          </a:p>
+        </p:txBody>
+      </p:sp>
+      <p:sp>
+        <p:nvSpPr>
+          <p:cNvPr id="221" name="CustomShape 3"/>
+          <p:cNvSpPr/>
+          <p:nvPr/>
+        </p:nvSpPr>
+        <p:spPr>
+          <a:xfrm>
+            <a:off x="6120000" y="1152000"/>
+            <a:ext cx="6119640" cy="5748480"/>
+          </a:xfrm>
+          <a:prstGeom prst="rect">
+            <a:avLst/>
+          </a:prstGeom>
+          <a:noFill/>
+          <a:ln>
+            <a:noFill/>
+          </a:ln>
+        </p:spPr>
+        <p:style>
+          <a:lnRef idx="0"/>
+          <a:fillRef idx="0"/>
+          <a:effectRef idx="0"/>
+          <a:fontRef idx="minor"/>
+        </p:style>
+        <p:txBody>
+          <a:bodyPr lIns="90000" rIns="90000" tIns="45000" bIns="45000"/>
+          <a:p>
+            <a:pPr>
+              <a:lnSpc>
+                <a:spcPct val="100000"/>
+              </a:lnSpc>
+            </a:pPr>
+            <a:r>
+              <a:rPr b="0" lang="pl-PL" sz="1600" spc="-1" strike="noStrike">
+                <a:solidFill>
+                  <a:srgbClr val="ffffff"/>
+                </a:solidFill>
+                <a:latin typeface="Arial"/>
+                <a:ea typeface="Courier New"/>
+              </a:rPr>
+              <a:t>public class Pudelko &lt;T&gt; {</a:t>
+            </a:r>
+            <a:br/>
+            <a:br/>
+            <a:r>
+              <a:rPr b="0" lang="pl-PL" sz="1600" spc="-1" strike="noStrike">
+                <a:solidFill>
+                  <a:srgbClr val="ffffff"/>
+                </a:solidFill>
+                <a:latin typeface="Arial"/>
+                <a:ea typeface="Courier New"/>
+              </a:rPr>
+              <a:t>private T przedmiot;</a:t>
+            </a:r>
+            <a:br/>
+            <a:br/>
+            <a:r>
+              <a:rPr b="0" lang="pl-PL" sz="1600" spc="-1" strike="noStrike">
+                <a:solidFill>
+                  <a:srgbClr val="ffffff"/>
+                </a:solidFill>
+                <a:latin typeface="Arial"/>
+                <a:ea typeface="Courier New"/>
+              </a:rPr>
+              <a:t>    public T getPrzedmiot() {</a:t>
+            </a:r>
+            <a:br/>
+            <a:r>
+              <a:rPr b="0" lang="pl-PL" sz="1600" spc="-1" strike="noStrike">
+                <a:solidFill>
+                  <a:srgbClr val="ffffff"/>
+                </a:solidFill>
+                <a:latin typeface="Arial"/>
+                <a:ea typeface="Courier New"/>
+              </a:rPr>
+              <a:t>        return przedmiot;</a:t>
+            </a:r>
+            <a:br/>
+            <a:r>
+              <a:rPr b="0" lang="pl-PL" sz="1600" spc="-1" strike="noStrike">
+                <a:solidFill>
+                  <a:srgbClr val="ffffff"/>
+                </a:solidFill>
+                <a:latin typeface="Arial"/>
+                <a:ea typeface="Courier New"/>
+              </a:rPr>
+              <a:t>    }</a:t>
+            </a:r>
+            <a:br/>
+            <a:br/>
+            <a:r>
+              <a:rPr b="0" lang="pl-PL" sz="1600" spc="-1" strike="noStrike">
+                <a:solidFill>
+                  <a:srgbClr val="ffffff"/>
+                </a:solidFill>
+                <a:latin typeface="Arial"/>
+                <a:ea typeface="Courier New"/>
+              </a:rPr>
+              <a:t>    public void setPrzedmiot(T przedmiot) {</a:t>
+            </a:r>
+            <a:br/>
+            <a:r>
+              <a:rPr b="0" lang="pl-PL" sz="1600" spc="-1" strike="noStrike">
+                <a:solidFill>
+                  <a:srgbClr val="ffffff"/>
+                </a:solidFill>
+                <a:latin typeface="Arial"/>
+                <a:ea typeface="Courier New"/>
+              </a:rPr>
+              <a:t>        this.przedmiot = przedmiot;</a:t>
+            </a:r>
+            <a:br/>
+            <a:r>
+              <a:rPr b="0" lang="pl-PL" sz="1600" spc="-1" strike="noStrike">
+                <a:solidFill>
+                  <a:srgbClr val="ffffff"/>
+                </a:solidFill>
+                <a:latin typeface="Arial"/>
+                <a:ea typeface="Courier New"/>
+              </a:rPr>
+              <a:t>    }</a:t>
+            </a:r>
+            <a:br/>
+            <a:r>
+              <a:rPr b="0" lang="pl-PL" sz="1600" spc="-1" strike="noStrike">
+                <a:solidFill>
+                  <a:srgbClr val="ffffff"/>
+                </a:solidFill>
+                <a:latin typeface="Arial"/>
+                <a:ea typeface="Courier New"/>
+              </a:rPr>
+              <a:t>}</a:t>
+            </a:r>
+            <a:endParaRPr b="0" lang="pl-PL" sz="1600" spc="-1" strike="noStrike">
+              <a:latin typeface="Arial"/>
+            </a:endParaRPr>
+          </a:p>
+          <a:p>
+            <a:pPr>
+              <a:lnSpc>
+                <a:spcPct val="100000"/>
+              </a:lnSpc>
+            </a:pPr>
+            <a:endParaRPr b="0" lang="pl-PL" sz="1600" spc="-1" strike="noStrike">
+              <a:latin typeface="Arial"/>
+            </a:endParaRPr>
+          </a:p>
+          <a:p>
+            <a:pPr>
+              <a:lnSpc>
+                <a:spcPct val="100000"/>
+              </a:lnSpc>
+            </a:pPr>
+            <a:r>
+              <a:rPr b="0" lang="pl-PL" sz="1600" spc="-1" strike="noStrike">
+                <a:solidFill>
+                  <a:srgbClr val="ffffff"/>
+                </a:solidFill>
+                <a:latin typeface="Arial"/>
+                <a:ea typeface="Courier New"/>
+              </a:rPr>
+              <a:t>…</a:t>
+            </a:r>
+            <a:endParaRPr b="0" lang="pl-PL" sz="1600" spc="-1" strike="noStrike">
+              <a:latin typeface="Arial"/>
+            </a:endParaRPr>
+          </a:p>
+          <a:p>
+            <a:r>
+              <a:rPr b="0" lang="pl-PL" sz="1600" spc="-1" strike="noStrike">
+                <a:solidFill>
+                  <a:srgbClr val="ffffff"/>
+                </a:solidFill>
+                <a:latin typeface="Arial"/>
+                <a:ea typeface="Courier New"/>
+              </a:rPr>
+              <a:t>public static &lt;E&gt; void printArrayPudelko(Pudelko&lt;E&gt; [] arrayOfSomething) {</a:t>
+            </a:r>
+            <a:br/>
+            <a:r>
+              <a:rPr b="0" lang="pl-PL" sz="1600" spc="-1" strike="noStrike">
+                <a:solidFill>
+                  <a:srgbClr val="ffffff"/>
+                </a:solidFill>
+                <a:latin typeface="Arial"/>
+                <a:ea typeface="Courier New"/>
+              </a:rPr>
+              <a:t>    for(Pudelko&lt;E&gt; elem : arrayOfSomething) {</a:t>
+            </a:r>
+            <a:br/>
+            <a:r>
+              <a:rPr b="0" lang="pl-PL" sz="1600" spc="-1" strike="noStrike">
+                <a:solidFill>
+                  <a:srgbClr val="ffffff"/>
+                </a:solidFill>
+                <a:latin typeface="Arial"/>
+                <a:ea typeface="Courier New"/>
+              </a:rPr>
+              <a:t>        System.</a:t>
+            </a:r>
+            <a:r>
+              <a:rPr b="0" i="1" lang="pl-PL" sz="1600" spc="-1" strike="noStrike">
+                <a:solidFill>
+                  <a:srgbClr val="ffffff"/>
+                </a:solidFill>
+                <a:latin typeface="Arial"/>
+                <a:ea typeface="Courier New"/>
+              </a:rPr>
+              <a:t>out</a:t>
+            </a:r>
+            <a:r>
+              <a:rPr b="0" lang="pl-PL" sz="1600" spc="-1" strike="noStrike">
+                <a:solidFill>
+                  <a:srgbClr val="ffffff"/>
+                </a:solidFill>
+                <a:latin typeface="Arial"/>
+                <a:ea typeface="Courier New"/>
+              </a:rPr>
+              <a:t>.println(elem.getPrzedmiot());</a:t>
+            </a:r>
+            <a:br/>
+            <a:r>
+              <a:rPr b="0" lang="pl-PL" sz="1600" spc="-1" strike="noStrike">
+                <a:solidFill>
+                  <a:srgbClr val="ffffff"/>
+                </a:solidFill>
+                <a:latin typeface="Arial"/>
+                <a:ea typeface="Courier New"/>
+              </a:rPr>
+              <a:t>    }</a:t>
+            </a:r>
+            <a:br/>
+            <a:r>
+              <a:rPr b="0" lang="pl-PL" sz="1600" spc="-1" strike="noStrike">
+                <a:solidFill>
+                  <a:srgbClr val="ffffff"/>
+                </a:solidFill>
+                <a:latin typeface="Arial"/>
+                <a:ea typeface="Courier New"/>
+              </a:rPr>
+              <a:t>}</a:t>
+            </a:r>
+            <a:endParaRPr b="0" lang="pl-PL" sz="1600" spc="-1" strike="noStrike">
+              <a:latin typeface="Arial"/>
+            </a:endParaRPr>
+          </a:p>
+          <a:p>
+            <a:pPr>
+              <a:lnSpc>
+                <a:spcPct val="100000"/>
+              </a:lnSpc>
+            </a:pPr>
+            <a:endParaRPr b="0" lang="pl-PL" sz="1600" spc="-1" strike="noStrike">
+              <a:latin typeface="Arial"/>
+            </a:endParaRPr>
+          </a:p>
+          <a:p>
+            <a:pPr>
+              <a:lnSpc>
+                <a:spcPct val="100000"/>
+              </a:lnSpc>
+            </a:pPr>
+            <a:endParaRPr b="0" lang="pl-PL" sz="1600" spc="-1" strike="noStrike">
+              <a:latin typeface="Arial"/>
+            </a:endParaRPr>
+          </a:p>
+          <a:p>
+            <a:pPr>
+              <a:lnSpc>
+                <a:spcPct val="100000"/>
+              </a:lnSpc>
+            </a:pPr>
+            <a:endParaRPr b="0" lang="pl-PL" sz="1600" spc="-1" strike="noStrike">
+              <a:latin typeface="Arial"/>
+            </a:endParaRPr>
+          </a:p>
+          <a:p>
+            <a:pPr>
+              <a:lnSpc>
+                <a:spcPct val="100000"/>
+              </a:lnSpc>
+            </a:pPr>
+            <a:endParaRPr b="0" lang="pl-PL" sz="1600" spc="-1" strike="noStrike">
+              <a:latin typeface="Arial"/>
+            </a:endParaRPr>
+          </a:p>
+          <a:p>
+            <a:pPr>
+              <a:lnSpc>
+                <a:spcPct val="100000"/>
+              </a:lnSpc>
+            </a:pPr>
+            <a:endParaRPr b="0" lang="pl-PL" sz="1600" spc="-1" strike="noStrike">
+              <a:latin typeface="Arial"/>
+            </a:endParaRPr>
+          </a:p>
+          <a:p>
+            <a:pPr>
+              <a:lnSpc>
+                <a:spcPct val="100000"/>
+              </a:lnSpc>
+            </a:pPr>
+            <a:br/>
+            <a:endParaRPr b="0" lang="pl-PL" sz="1600" spc="-1" strike="noStrike">
+              <a:latin typeface="Arial"/>
+            </a:endParaRPr>
+          </a:p>
+        </p:txBody>
+      </p:sp>
+      <p:sp>
+        <p:nvSpPr>
+          <p:cNvPr id="222" name="TextShape 4"/>
+          <p:cNvSpPr txBox="1"/>
+          <p:nvPr/>
+        </p:nvSpPr>
+        <p:spPr>
+          <a:xfrm>
+            <a:off x="504000" y="5400000"/>
+            <a:ext cx="5616000" cy="1224000"/>
+          </a:xfrm>
+          <a:prstGeom prst="rect">
+            <a:avLst/>
+          </a:prstGeom>
+          <a:noFill/>
+          <a:ln>
+            <a:noFill/>
+          </a:ln>
+        </p:spPr>
+        <p:txBody>
+          <a:bodyPr lIns="90000" rIns="90000" tIns="45000" bIns="45000"/>
+          <a:p>
+            <a:r>
+              <a:rPr b="0" lang="pl-PL" sz="1800" spc="-1" strike="noStrike">
+                <a:solidFill>
+                  <a:srgbClr val="ffffff"/>
+                </a:solidFill>
+                <a:latin typeface="Arial"/>
+                <a:ea typeface="Courier New"/>
+              </a:rPr>
+              <a:t>Pudelko&lt;String&gt; p = new Pudelko&lt;String&gt;();</a:t>
+            </a:r>
+            <a:br/>
+            <a:r>
+              <a:rPr b="0" lang="pl-PL" sz="1800" spc="-1" strike="noStrike">
+                <a:solidFill>
+                  <a:srgbClr val="ffffff"/>
+                </a:solidFill>
+                <a:latin typeface="Arial"/>
+                <a:ea typeface="Courier New"/>
+              </a:rPr>
+              <a:t>p.setPrzedmiot("Przedmiot Stringowy");</a:t>
+            </a:r>
+            <a:endParaRPr b="0" lang="pl-PL" sz="1800" spc="-1" strike="noStrike">
+              <a:solidFill>
+                <a:srgbClr val="ffffff"/>
+              </a:solidFill>
+              <a:latin typeface="Arial"/>
+            </a:endParaRPr>
+          </a:p>
+        </p:txBody>
+      </p:sp>
+    </p:spTree>
+  </p:cSld>
+  <p:timing>
+    <p:tnLst>
+      <p:par>
+        <p:cTn id="73" dur="indefinite" restart="never" nodeType="tmRoot">
+          <p:childTnLst>
+            <p:seq>
+              <p:cTn id="74" dur="indefinite" nodeType="mainSeq"/>
               <p:prevCondLst>
                 <p:cond delay="0" evt="onPrev">
                   <p:tgtEl>
@@ -24729,7 +24971,7 @@
         <p:spPr>
           <a:xfrm>
             <a:off x="1561680" y="0"/>
-            <a:ext cx="9067320" cy="1258200"/>
+            <a:ext cx="9066960" cy="1257840"/>
           </a:xfrm>
           <a:prstGeom prst="rect">
             <a:avLst/>
@@ -24778,7 +25020,7 @@
         <p:spPr>
           <a:xfrm>
             <a:off x="861840" y="1728360"/>
-            <a:ext cx="5399640" cy="4965120"/>
+            <a:ext cx="5399280" cy="4964760"/>
           </a:xfrm>
           <a:prstGeom prst="rect">
             <a:avLst/>
@@ -24827,7 +25069,7 @@
         <p:spPr>
           <a:xfrm>
             <a:off x="1703520" y="1728360"/>
-            <a:ext cx="8783640" cy="4965120"/>
+            <a:ext cx="8783280" cy="4964760"/>
           </a:xfrm>
           <a:prstGeom prst="rect">
             <a:avLst/>
@@ -25095,7 +25337,7 @@
         <p:spPr>
           <a:xfrm>
             <a:off x="1561680" y="0"/>
-            <a:ext cx="9067320" cy="1258200"/>
+            <a:ext cx="9066960" cy="1257840"/>
           </a:xfrm>
           <a:prstGeom prst="rect">
             <a:avLst/>
@@ -25144,7 +25386,7 @@
         <p:spPr>
           <a:xfrm>
             <a:off x="861480" y="1728360"/>
-            <a:ext cx="5399640" cy="4965120"/>
+            <a:ext cx="5399280" cy="4964760"/>
           </a:xfrm>
           <a:prstGeom prst="rect">
             <a:avLst/>
@@ -25192,8 +25434,8 @@
         </p:nvSpPr>
         <p:spPr>
           <a:xfrm rot="21553200">
-            <a:off x="2466000" y="2637360"/>
-            <a:ext cx="1583640" cy="2673720"/>
+            <a:off x="2466000" y="2637000"/>
+            <a:ext cx="1583280" cy="2673360"/>
           </a:xfrm>
           <a:prstGeom prst="rect">
             <a:avLst/>
@@ -25295,8 +25537,8 @@
         </p:nvSpPr>
         <p:spPr>
           <a:xfrm rot="21553200">
-            <a:off x="5418000" y="2637360"/>
-            <a:ext cx="1583640" cy="2673720"/>
+            <a:off x="5418000" y="2637000"/>
+            <a:ext cx="1583280" cy="2673360"/>
           </a:xfrm>
           <a:prstGeom prst="rect">
             <a:avLst/>
@@ -25467,7 +25709,7 @@
         <p:spPr>
           <a:xfrm>
             <a:off x="8354160" y="1728000"/>
-            <a:ext cx="1725480" cy="1221480"/>
+            <a:ext cx="1725120" cy="1221120"/>
           </a:xfrm>
           <a:prstGeom prst="rect">
             <a:avLst/>
@@ -25570,7 +25812,7 @@
         <p:spPr>
           <a:xfrm>
             <a:off x="8282160" y="4895640"/>
-            <a:ext cx="1725480" cy="1221480"/>
+            <a:ext cx="1725120" cy="1221120"/>
           </a:xfrm>
           <a:prstGeom prst="rect">
             <a:avLst/>
@@ -25673,7 +25915,7 @@
         <p:spPr>
           <a:xfrm>
             <a:off x="4320000" y="3383640"/>
-            <a:ext cx="1077480" cy="343800"/>
+            <a:ext cx="1077120" cy="343440"/>
           </a:xfrm>
           <a:prstGeom prst="rect">
             <a:avLst/>
@@ -25778,7 +26020,7 @@
         <p:spPr>
           <a:xfrm>
             <a:off x="7058160" y="3685320"/>
-            <a:ext cx="1077480" cy="599760"/>
+            <a:ext cx="1077120" cy="599400"/>
           </a:xfrm>
           <a:prstGeom prst="rect">
             <a:avLst/>
@@ -25886,7 +26128,7 @@
         <p:spPr>
           <a:xfrm>
             <a:off x="1561680" y="720"/>
-            <a:ext cx="9067320" cy="1258200"/>
+            <a:ext cx="9066960" cy="1257840"/>
           </a:xfrm>
           <a:prstGeom prst="rect">
             <a:avLst/>
@@ -28124,7 +28366,7 @@
         <p:spPr>
           <a:xfrm>
             <a:off x="1561680" y="0"/>
-            <a:ext cx="9067320" cy="1258200"/>
+            <a:ext cx="9066960" cy="1257840"/>
           </a:xfrm>
           <a:prstGeom prst="rect">
             <a:avLst/>
@@ -28173,7 +28415,7 @@
         <p:spPr>
           <a:xfrm>
             <a:off x="1998720" y="863640"/>
-            <a:ext cx="8419680" cy="4656960"/>
+            <a:ext cx="8419320" cy="4656600"/>
           </a:xfrm>
           <a:prstGeom prst="rect">
             <a:avLst/>
@@ -28499,7 +28741,7 @@
         <p:spPr>
           <a:xfrm>
             <a:off x="1561680" y="0"/>
-            <a:ext cx="9067320" cy="1258200"/>
+            <a:ext cx="9066960" cy="1257840"/>
           </a:xfrm>
           <a:prstGeom prst="rect">
             <a:avLst/>
@@ -28548,7 +28790,7 @@
         <p:spPr>
           <a:xfrm>
             <a:off x="1633320" y="1087560"/>
-            <a:ext cx="8923680" cy="6359040"/>
+            <a:ext cx="8923320" cy="6358680"/>
           </a:xfrm>
           <a:prstGeom prst="rect">
             <a:avLst/>
@@ -28926,7 +29168,7 @@
         <p:spPr>
           <a:xfrm>
             <a:off x="1561680" y="360"/>
-            <a:ext cx="9067320" cy="1258200"/>
+            <a:ext cx="9066960" cy="1257840"/>
           </a:xfrm>
           <a:prstGeom prst="rect">
             <a:avLst/>

--- a/WprowadzenieDoJezykaJAVA_v2_PiotrKrajnik.pptx
+++ b/WprowadzenieDoJezykaJAVA_v2_PiotrKrajnik.pptx
@@ -43,6 +43,10 @@
     <p:sldId id="290" r:id="rId38"/>
     <p:sldId id="291" r:id="rId39"/>
     <p:sldId id="292" r:id="rId40"/>
+    <p:sldId id="293" r:id="rId41"/>
+    <p:sldId id="294" r:id="rId42"/>
+    <p:sldId id="295" r:id="rId43"/>
+    <p:sldId id="296" r:id="rId44"/>
   </p:sldIdLst>
   <p:sldSz cx="12192000" cy="6858000"/>
   <p:notesSz cx="7559675" cy="10691812"/>
@@ -2749,7 +2753,7 @@
         <p:spPr>
           <a:xfrm rot="5400000">
             <a:off x="0" y="0"/>
-            <a:ext cx="2497680" cy="2497680"/>
+            <a:ext cx="2497320" cy="2497320"/>
           </a:xfrm>
           <a:prstGeom prst="rtTriangle">
             <a:avLst/>
@@ -2789,7 +2793,7 @@
         <p:spPr>
           <a:xfrm>
             <a:off x="0" y="0"/>
-            <a:ext cx="2750760" cy="1294560"/>
+            <a:ext cx="2750400" cy="1294200"/>
           </a:xfrm>
           <a:prstGeom prst="rect">
             <a:avLst/>
@@ -3069,7 +3073,7 @@
         <p:spPr>
           <a:xfrm rot="5400000">
             <a:off x="0" y="0"/>
-            <a:ext cx="2497680" cy="2497680"/>
+            <a:ext cx="2497320" cy="2497320"/>
           </a:xfrm>
           <a:prstGeom prst="rtTriangle">
             <a:avLst/>
@@ -3109,7 +3113,7 @@
         <p:spPr>
           <a:xfrm>
             <a:off x="0" y="0"/>
-            <a:ext cx="2750760" cy="1294560"/>
+            <a:ext cx="2750400" cy="1294200"/>
           </a:xfrm>
           <a:prstGeom prst="rect">
             <a:avLst/>
@@ -3379,7 +3383,7 @@
         <p:spPr>
           <a:xfrm>
             <a:off x="1561680" y="1905480"/>
-            <a:ext cx="9066960" cy="1257840"/>
+            <a:ext cx="9066600" cy="1257480"/>
           </a:xfrm>
           <a:prstGeom prst="rect">
             <a:avLst/>
@@ -3428,7 +3432,7 @@
         <p:spPr>
           <a:xfrm>
             <a:off x="1561680" y="3456000"/>
-            <a:ext cx="9066960" cy="2692440"/>
+            <a:ext cx="9066600" cy="2692080"/>
           </a:xfrm>
           <a:prstGeom prst="rect">
             <a:avLst/>
@@ -3536,7 +3540,7 @@
         <p:spPr>
           <a:xfrm>
             <a:off x="1561680" y="0"/>
-            <a:ext cx="9066960" cy="1257840"/>
+            <a:ext cx="9066600" cy="1257480"/>
           </a:xfrm>
           <a:prstGeom prst="rect">
             <a:avLst/>
@@ -3585,7 +3589,7 @@
         <p:spPr>
           <a:xfrm>
             <a:off x="1584000" y="1175040"/>
-            <a:ext cx="3238920" cy="5640120"/>
+            <a:ext cx="3238560" cy="5639760"/>
           </a:xfrm>
           <a:prstGeom prst="rect">
             <a:avLst/>
@@ -3944,7 +3948,7 @@
         <p:spPr>
           <a:xfrm>
             <a:off x="5324040" y="1262520"/>
-            <a:ext cx="5399280" cy="695880"/>
+            <a:ext cx="5398920" cy="695520"/>
           </a:xfrm>
           <a:prstGeom prst="rect">
             <a:avLst/>
@@ -3993,7 +3997,7 @@
         <p:spPr>
           <a:xfrm>
             <a:off x="5215680" y="3780000"/>
-            <a:ext cx="5399280" cy="1915560"/>
+            <a:ext cx="5398920" cy="1915200"/>
           </a:xfrm>
           <a:prstGeom prst="rect">
             <a:avLst/>
@@ -4111,7 +4115,7 @@
         <p:spPr>
           <a:xfrm>
             <a:off x="1561680" y="0"/>
-            <a:ext cx="9066960" cy="1257840"/>
+            <a:ext cx="9066600" cy="1257480"/>
           </a:xfrm>
           <a:prstGeom prst="rect">
             <a:avLst/>
@@ -4160,7 +4164,7 @@
         <p:spPr>
           <a:xfrm>
             <a:off x="1440000" y="1152000"/>
-            <a:ext cx="3238920" cy="5640120"/>
+            <a:ext cx="3238560" cy="5639760"/>
           </a:xfrm>
           <a:prstGeom prst="rect">
             <a:avLst/>
@@ -4619,7 +4623,7 @@
         <p:spPr>
           <a:xfrm>
             <a:off x="5180040" y="1239480"/>
-            <a:ext cx="5399280" cy="4964760"/>
+            <a:ext cx="5398920" cy="4964400"/>
           </a:xfrm>
           <a:prstGeom prst="rect">
             <a:avLst/>
@@ -4807,7 +4811,7 @@
         <p:spPr>
           <a:xfrm>
             <a:off x="1561680" y="15480"/>
-            <a:ext cx="9066960" cy="1257840"/>
+            <a:ext cx="9066600" cy="1257480"/>
           </a:xfrm>
           <a:prstGeom prst="rect">
             <a:avLst/>
@@ -4856,7 +4860,7 @@
         <p:spPr>
           <a:xfrm>
             <a:off x="1924920" y="1275840"/>
-            <a:ext cx="3238920" cy="2401560"/>
+            <a:ext cx="3238560" cy="2401200"/>
           </a:xfrm>
           <a:prstGeom prst="rect">
             <a:avLst/>
@@ -5055,7 +5059,7 @@
         <p:spPr>
           <a:xfrm>
             <a:off x="1924920" y="4079160"/>
-            <a:ext cx="3516120" cy="2401560"/>
+            <a:ext cx="3515760" cy="2401200"/>
           </a:xfrm>
           <a:prstGeom prst="rect">
             <a:avLst/>
@@ -5254,7 +5258,7 @@
         <p:spPr>
           <a:xfrm>
             <a:off x="7087320" y="1275840"/>
-            <a:ext cx="3238920" cy="2401560"/>
+            <a:ext cx="3238560" cy="2401200"/>
           </a:xfrm>
           <a:prstGeom prst="rect">
             <a:avLst/>
@@ -5453,7 +5457,7 @@
         <p:spPr>
           <a:xfrm>
             <a:off x="7087320" y="4079160"/>
-            <a:ext cx="3238920" cy="2401560"/>
+            <a:ext cx="3238560" cy="2401200"/>
           </a:xfrm>
           <a:prstGeom prst="rect">
             <a:avLst/>
@@ -5701,7 +5705,7 @@
         <p:spPr>
           <a:xfrm>
             <a:off x="1561680" y="-75600"/>
-            <a:ext cx="9066960" cy="1257840"/>
+            <a:ext cx="9066600" cy="1257480"/>
           </a:xfrm>
           <a:prstGeom prst="rect">
             <a:avLst/>
@@ -5750,7 +5754,7 @@
         <p:spPr>
           <a:xfrm>
             <a:off x="1001160" y="1286280"/>
-            <a:ext cx="5224680" cy="6488640"/>
+            <a:ext cx="5224320" cy="6488280"/>
           </a:xfrm>
           <a:prstGeom prst="rect">
             <a:avLst/>
@@ -5969,7 +5973,7 @@
         <p:spPr>
           <a:xfrm>
             <a:off x="6531120" y="1286280"/>
-            <a:ext cx="4300560" cy="5574600"/>
+            <a:ext cx="4300200" cy="5574240"/>
           </a:xfrm>
           <a:prstGeom prst="rect">
             <a:avLst/>
@@ -6357,7 +6361,7 @@
         <p:spPr>
           <a:xfrm>
             <a:off x="1561680" y="0"/>
-            <a:ext cx="9066960" cy="1257840"/>
+            <a:ext cx="9066600" cy="1257480"/>
           </a:xfrm>
           <a:prstGeom prst="rect">
             <a:avLst/>
@@ -6406,7 +6410,7 @@
         <p:spPr>
           <a:xfrm>
             <a:off x="1800000" y="1086120"/>
-            <a:ext cx="5224680" cy="3745080"/>
+            <a:ext cx="5224320" cy="3744720"/>
           </a:xfrm>
           <a:prstGeom prst="rect">
             <a:avLst/>
@@ -6545,7 +6549,7 @@
         <p:spPr>
           <a:xfrm>
             <a:off x="7486560" y="1086120"/>
-            <a:ext cx="3328920" cy="5846760"/>
+            <a:ext cx="3328560" cy="5846400"/>
           </a:xfrm>
           <a:prstGeom prst="rect">
             <a:avLst/>
@@ -7058,7 +7062,7 @@
         <p:spPr>
           <a:xfrm>
             <a:off x="2639880" y="4608000"/>
-            <a:ext cx="1430640" cy="1430640"/>
+            <a:ext cx="1430280" cy="1430280"/>
           </a:xfrm>
           <a:prstGeom prst="rect">
             <a:avLst/>
@@ -7081,7 +7085,7 @@
         <p:spPr>
           <a:xfrm>
             <a:off x="5157360" y="5808240"/>
-            <a:ext cx="1430640" cy="1430640"/>
+            <a:ext cx="1430280" cy="1430280"/>
           </a:xfrm>
           <a:prstGeom prst="rect">
             <a:avLst/>
@@ -7100,7 +7104,7 @@
         <p:spPr>
           <a:xfrm>
             <a:off x="2560680" y="5608800"/>
-            <a:ext cx="2045520" cy="1183320"/>
+            <a:ext cx="2045160" cy="1182960"/>
           </a:xfrm>
           <a:prstGeom prst="rect">
             <a:avLst/>
@@ -7209,7 +7213,7 @@
         <p:spPr>
           <a:xfrm>
             <a:off x="4876560" y="4968000"/>
-            <a:ext cx="2145600" cy="1183320"/>
+            <a:ext cx="2145240" cy="1182960"/>
           </a:xfrm>
           <a:prstGeom prst="rect">
             <a:avLst/>
@@ -7367,7 +7371,7 @@
         <p:spPr>
           <a:xfrm>
             <a:off x="1561680" y="0"/>
-            <a:ext cx="9066960" cy="1257840"/>
+            <a:ext cx="9066600" cy="1257480"/>
           </a:xfrm>
           <a:prstGeom prst="rect">
             <a:avLst/>
@@ -7416,7 +7420,7 @@
         <p:spPr>
           <a:xfrm>
             <a:off x="6078240" y="936000"/>
-            <a:ext cx="3328920" cy="5846760"/>
+            <a:ext cx="3328560" cy="5846400"/>
           </a:xfrm>
           <a:prstGeom prst="rect">
             <a:avLst/>
@@ -7925,7 +7929,7 @@
         <p:spPr>
           <a:xfrm>
             <a:off x="4032000" y="936000"/>
-            <a:ext cx="1995480" cy="360360"/>
+            <a:ext cx="1995120" cy="360000"/>
           </a:xfrm>
           <a:prstGeom prst="rect">
             <a:avLst/>
@@ -7974,7 +7978,7 @@
         <p:spPr>
           <a:xfrm>
             <a:off x="4608000" y="1593360"/>
-            <a:ext cx="1309680" cy="360360"/>
+            <a:ext cx="1309320" cy="360000"/>
           </a:xfrm>
           <a:prstGeom prst="rect">
             <a:avLst/>
@@ -8023,7 +8027,7 @@
         <p:spPr>
           <a:xfrm>
             <a:off x="4266000" y="2958480"/>
-            <a:ext cx="1995480" cy="360360"/>
+            <a:ext cx="1995120" cy="360000"/>
           </a:xfrm>
           <a:prstGeom prst="rect">
             <a:avLst/>
@@ -8121,7 +8125,7 @@
         <p:spPr>
           <a:xfrm>
             <a:off x="1561680" y="0"/>
-            <a:ext cx="9066960" cy="1257840"/>
+            <a:ext cx="9066600" cy="1257480"/>
           </a:xfrm>
           <a:prstGeom prst="rect">
             <a:avLst/>
@@ -8170,7 +8174,7 @@
         <p:spPr>
           <a:xfrm>
             <a:off x="1656000" y="1440000"/>
-            <a:ext cx="5224680" cy="4354920"/>
+            <a:ext cx="5224320" cy="4354560"/>
           </a:xfrm>
           <a:prstGeom prst="rect">
             <a:avLst/>
@@ -8299,7 +8303,7 @@
         <p:spPr>
           <a:xfrm>
             <a:off x="7650720" y="2049840"/>
-            <a:ext cx="3328920" cy="2554920"/>
+            <a:ext cx="3328560" cy="2554560"/>
           </a:xfrm>
           <a:prstGeom prst="rect">
             <a:avLst/>
@@ -8567,7 +8571,7 @@
         <p:spPr>
           <a:xfrm>
             <a:off x="1561680" y="0"/>
-            <a:ext cx="9066960" cy="1257840"/>
+            <a:ext cx="9066600" cy="1257480"/>
           </a:xfrm>
           <a:prstGeom prst="rect">
             <a:avLst/>
@@ -8616,7 +8620,7 @@
         <p:spPr>
           <a:xfrm>
             <a:off x="1699920" y="936000"/>
-            <a:ext cx="5224680" cy="6841440"/>
+            <a:ext cx="5224320" cy="6841080"/>
           </a:xfrm>
           <a:prstGeom prst="rect">
             <a:avLst/>
@@ -8875,7 +8879,7 @@
         <p:spPr>
           <a:xfrm>
             <a:off x="7536600" y="1512000"/>
-            <a:ext cx="4485600" cy="4196520"/>
+            <a:ext cx="4485240" cy="4196160"/>
           </a:xfrm>
           <a:prstGeom prst="rect">
             <a:avLst/>
@@ -9473,7 +9477,7 @@
         <p:spPr>
           <a:xfrm>
             <a:off x="1561680" y="0"/>
-            <a:ext cx="9066960" cy="1257840"/>
+            <a:ext cx="9066600" cy="1257480"/>
           </a:xfrm>
           <a:prstGeom prst="rect">
             <a:avLst/>
@@ -9522,7 +9526,7 @@
         <p:spPr>
           <a:xfrm>
             <a:off x="1296000" y="1259640"/>
-            <a:ext cx="4068000" cy="6183720"/>
+            <a:ext cx="4067640" cy="6183360"/>
           </a:xfrm>
           <a:prstGeom prst="rect">
             <a:avLst/>
@@ -9680,8 +9684,8 @@
         </p:nvSpPr>
         <p:spPr>
           <a:xfrm rot="9000">
-            <a:off x="6050160" y="1415880"/>
-            <a:ext cx="5683680" cy="3101760"/>
+            <a:off x="6049800" y="1415520"/>
+            <a:ext cx="5683320" cy="3101400"/>
           </a:xfrm>
           <a:prstGeom prst="rect">
             <a:avLst/>
@@ -9909,8 +9913,8 @@
         </p:nvSpPr>
         <p:spPr>
           <a:xfrm rot="9000">
-            <a:off x="6190560" y="4901400"/>
-            <a:ext cx="5683680" cy="1426680"/>
+            <a:off x="6190200" y="4901040"/>
+            <a:ext cx="5683320" cy="1426320"/>
           </a:xfrm>
           <a:prstGeom prst="rect">
             <a:avLst/>
@@ -10108,7 +10112,7 @@
         <p:spPr>
           <a:xfrm>
             <a:off x="1561680" y="0"/>
-            <a:ext cx="9066960" cy="1257840"/>
+            <a:ext cx="9066600" cy="1257480"/>
           </a:xfrm>
           <a:prstGeom prst="rect">
             <a:avLst/>
@@ -10157,7 +10161,7 @@
         <p:spPr>
           <a:xfrm>
             <a:off x="1618560" y="1194480"/>
-            <a:ext cx="6371640" cy="6669000"/>
+            <a:ext cx="6371280" cy="6668640"/>
           </a:xfrm>
           <a:prstGeom prst="rect">
             <a:avLst/>
@@ -10436,7 +10440,7 @@
         <p:spPr>
           <a:xfrm>
             <a:off x="8832600" y="1259640"/>
-            <a:ext cx="3837600" cy="5322600"/>
+            <a:ext cx="3837240" cy="5322240"/>
           </a:xfrm>
           <a:prstGeom prst="rect">
             <a:avLst/>
@@ -11172,7 +11176,7 @@
         <p:spPr>
           <a:xfrm>
             <a:off x="1561680" y="0"/>
-            <a:ext cx="9066960" cy="1257840"/>
+            <a:ext cx="9066600" cy="1257480"/>
           </a:xfrm>
           <a:prstGeom prst="rect">
             <a:avLst/>
@@ -11221,7 +11225,7 @@
         <p:spPr>
           <a:xfrm>
             <a:off x="1668600" y="1584000"/>
-            <a:ext cx="8853120" cy="4964760"/>
+            <a:ext cx="8852760" cy="4964400"/>
           </a:xfrm>
           <a:prstGeom prst="rect">
             <a:avLst/>
@@ -11459,7 +11463,7 @@
         <p:spPr>
           <a:xfrm>
             <a:off x="1561680" y="0"/>
-            <a:ext cx="9066960" cy="1257840"/>
+            <a:ext cx="9066600" cy="1257480"/>
           </a:xfrm>
           <a:prstGeom prst="rect">
             <a:avLst/>
@@ -11508,7 +11512,7 @@
         <p:spPr>
           <a:xfrm>
             <a:off x="1472760" y="1082880"/>
-            <a:ext cx="5292000" cy="6115320"/>
+            <a:ext cx="5291640" cy="6114960"/>
           </a:xfrm>
           <a:prstGeom prst="rect">
             <a:avLst/>
@@ -11797,7 +11801,7 @@
         <p:spPr>
           <a:xfrm>
             <a:off x="7176600" y="1193040"/>
-            <a:ext cx="3837600" cy="5322600"/>
+            <a:ext cx="3837240" cy="5322240"/>
           </a:xfrm>
           <a:prstGeom prst="rect">
             <a:avLst/>
@@ -12395,7 +12399,7 @@
         <p:spPr>
           <a:xfrm>
             <a:off x="1561680" y="27720"/>
-            <a:ext cx="9066960" cy="1257840"/>
+            <a:ext cx="9066600" cy="1257480"/>
           </a:xfrm>
           <a:prstGeom prst="rect">
             <a:avLst/>
@@ -12444,7 +12448,7 @@
         <p:spPr>
           <a:xfrm>
             <a:off x="1440000" y="1080000"/>
-            <a:ext cx="5732280" cy="5990760"/>
+            <a:ext cx="5731920" cy="5990400"/>
           </a:xfrm>
           <a:prstGeom prst="rect">
             <a:avLst/>
@@ -12703,7 +12707,7 @@
         <p:spPr>
           <a:xfrm>
             <a:off x="7536600" y="1856520"/>
-            <a:ext cx="3837600" cy="5214240"/>
+            <a:ext cx="3837240" cy="5213880"/>
           </a:xfrm>
           <a:prstGeom prst="rect">
             <a:avLst/>
@@ -13041,7 +13045,7 @@
         <p:spPr>
           <a:xfrm>
             <a:off x="1561680" y="0"/>
-            <a:ext cx="9066960" cy="1257840"/>
+            <a:ext cx="9066600" cy="1257480"/>
           </a:xfrm>
           <a:prstGeom prst="rect">
             <a:avLst/>
@@ -13090,7 +13094,7 @@
         <p:spPr>
           <a:xfrm>
             <a:off x="1224000" y="1010880"/>
-            <a:ext cx="5629680" cy="6115320"/>
+            <a:ext cx="5629320" cy="6114960"/>
           </a:xfrm>
           <a:prstGeom prst="rect">
             <a:avLst/>
@@ -13379,7 +13383,7 @@
         <p:spPr>
           <a:xfrm>
             <a:off x="7416000" y="1155600"/>
-            <a:ext cx="4408920" cy="5322600"/>
+            <a:ext cx="4408560" cy="5322240"/>
           </a:xfrm>
           <a:prstGeom prst="rect">
             <a:avLst/>
@@ -13857,7 +13861,7 @@
         <p:spPr>
           <a:xfrm>
             <a:off x="1561680" y="0"/>
-            <a:ext cx="9066960" cy="1257840"/>
+            <a:ext cx="9066600" cy="1257480"/>
           </a:xfrm>
           <a:prstGeom prst="rect">
             <a:avLst/>
@@ -13906,7 +13910,7 @@
         <p:spPr>
           <a:xfrm>
             <a:off x="1561680" y="1010880"/>
-            <a:ext cx="4068720" cy="6115320"/>
+            <a:ext cx="4068360" cy="6114960"/>
           </a:xfrm>
           <a:prstGeom prst="rect">
             <a:avLst/>
@@ -14095,7 +14099,7 @@
         <p:spPr>
           <a:xfrm>
             <a:off x="8256600" y="1152000"/>
-            <a:ext cx="3837600" cy="2732400"/>
+            <a:ext cx="3837240" cy="2732040"/>
           </a:xfrm>
           <a:prstGeom prst="rect">
             <a:avLst/>
@@ -14284,7 +14288,7 @@
         <p:spPr>
           <a:xfrm>
             <a:off x="5736600" y="2665800"/>
-            <a:ext cx="3837600" cy="2732400"/>
+            <a:ext cx="3837240" cy="2732040"/>
           </a:xfrm>
           <a:prstGeom prst="rect">
             <a:avLst/>
@@ -14892,7 +14896,7 @@
         <p:spPr>
           <a:xfrm>
             <a:off x="1561680" y="0"/>
-            <a:ext cx="9066960" cy="1257840"/>
+            <a:ext cx="9066600" cy="1257480"/>
           </a:xfrm>
           <a:prstGeom prst="rect">
             <a:avLst/>
@@ -14941,7 +14945,7 @@
         <p:spPr>
           <a:xfrm>
             <a:off x="1512000" y="1008000"/>
-            <a:ext cx="5326200" cy="6115320"/>
+            <a:ext cx="5325840" cy="6114960"/>
           </a:xfrm>
           <a:prstGeom prst="rect">
             <a:avLst/>
@@ -15120,7 +15124,7 @@
         <p:spPr>
           <a:xfrm>
             <a:off x="7344000" y="1259640"/>
-            <a:ext cx="4701600" cy="5322600"/>
+            <a:ext cx="4701240" cy="5322240"/>
           </a:xfrm>
           <a:prstGeom prst="rect">
             <a:avLst/>
@@ -15508,7 +15512,7 @@
         <p:spPr>
           <a:xfrm>
             <a:off x="1561680" y="0"/>
-            <a:ext cx="9066960" cy="1257840"/>
+            <a:ext cx="9066600" cy="1257480"/>
           </a:xfrm>
           <a:prstGeom prst="rect">
             <a:avLst/>
@@ -15557,7 +15561,7 @@
         <p:spPr>
           <a:xfrm>
             <a:off x="936000" y="1560960"/>
-            <a:ext cx="5508720" cy="6213240"/>
+            <a:ext cx="5508360" cy="6212880"/>
           </a:xfrm>
           <a:prstGeom prst="rect">
             <a:avLst/>
@@ -15826,7 +15830,7 @@
         <p:spPr>
           <a:xfrm>
             <a:off x="6984000" y="1443600"/>
-            <a:ext cx="4701600" cy="5322600"/>
+            <a:ext cx="4701240" cy="5322240"/>
           </a:xfrm>
           <a:prstGeom prst="rect">
             <a:avLst/>
@@ -16434,7 +16438,7 @@
         <p:spPr>
           <a:xfrm>
             <a:off x="1561680" y="0"/>
-            <a:ext cx="9066960" cy="1257840"/>
+            <a:ext cx="9066600" cy="1257480"/>
           </a:xfrm>
           <a:prstGeom prst="rect">
             <a:avLst/>
@@ -16483,7 +16487,7 @@
         <p:spPr>
           <a:xfrm>
             <a:off x="1440000" y="1152000"/>
-            <a:ext cx="5830200" cy="6115320"/>
+            <a:ext cx="5829840" cy="6114960"/>
           </a:xfrm>
           <a:prstGeom prst="rect">
             <a:avLst/>
@@ -16692,7 +16696,7 @@
         <p:spPr>
           <a:xfrm>
             <a:off x="7848000" y="1368000"/>
-            <a:ext cx="4244400" cy="4659120"/>
+            <a:ext cx="4244040" cy="4658760"/>
           </a:xfrm>
           <a:prstGeom prst="rect">
             <a:avLst/>
@@ -17090,7 +17094,7 @@
         <p:spPr>
           <a:xfrm>
             <a:off x="1561680" y="0"/>
-            <a:ext cx="9066960" cy="1257840"/>
+            <a:ext cx="9066600" cy="1257480"/>
           </a:xfrm>
           <a:prstGeom prst="rect">
             <a:avLst/>
@@ -17139,7 +17143,7 @@
         <p:spPr>
           <a:xfrm>
             <a:off x="1152000" y="1514880"/>
-            <a:ext cx="5470200" cy="6115320"/>
+            <a:ext cx="5469840" cy="6114960"/>
           </a:xfrm>
           <a:prstGeom prst="rect">
             <a:avLst/>
@@ -17348,7 +17352,7 @@
         <p:spPr>
           <a:xfrm>
             <a:off x="7560000" y="1387080"/>
-            <a:ext cx="4244400" cy="4659120"/>
+            <a:ext cx="4244040" cy="4658760"/>
           </a:xfrm>
           <a:prstGeom prst="rect">
             <a:avLst/>
@@ -17836,7 +17840,7 @@
         <p:spPr>
           <a:xfrm>
             <a:off x="1561680" y="0"/>
-            <a:ext cx="9066960" cy="1257840"/>
+            <a:ext cx="9066600" cy="1257480"/>
           </a:xfrm>
           <a:prstGeom prst="rect">
             <a:avLst/>
@@ -17885,7 +17889,7 @@
         <p:spPr>
           <a:xfrm>
             <a:off x="1545480" y="1080000"/>
-            <a:ext cx="5364720" cy="6115320"/>
+            <a:ext cx="5364360" cy="6114960"/>
           </a:xfrm>
           <a:prstGeom prst="rect">
             <a:avLst/>
@@ -18134,7 +18138,7 @@
         <p:spPr>
           <a:xfrm>
             <a:off x="7704000" y="1008000"/>
-            <a:ext cx="4244400" cy="4659120"/>
+            <a:ext cx="4244040" cy="4658760"/>
           </a:xfrm>
           <a:prstGeom prst="rect">
             <a:avLst/>
@@ -18892,7 +18896,7 @@
         <p:spPr>
           <a:xfrm>
             <a:off x="1561680" y="0"/>
-            <a:ext cx="9066960" cy="1257840"/>
+            <a:ext cx="9066600" cy="1257480"/>
           </a:xfrm>
           <a:prstGeom prst="rect">
             <a:avLst/>
@@ -18941,7 +18945,7 @@
         <p:spPr>
           <a:xfrm>
             <a:off x="1368000" y="1010880"/>
-            <a:ext cx="5542200" cy="6115320"/>
+            <a:ext cx="5541840" cy="6114960"/>
           </a:xfrm>
           <a:prstGeom prst="rect">
             <a:avLst/>
@@ -19170,7 +19174,7 @@
         <p:spPr>
           <a:xfrm>
             <a:off x="7848000" y="1148400"/>
-            <a:ext cx="3559320" cy="5707800"/>
+            <a:ext cx="3558960" cy="5707440"/>
           </a:xfrm>
           <a:prstGeom prst="rect">
             <a:avLst/>
@@ -19698,7 +19702,7 @@
         <p:spPr>
           <a:xfrm>
             <a:off x="1561680" y="0"/>
-            <a:ext cx="9066960" cy="1257840"/>
+            <a:ext cx="9066600" cy="1257480"/>
           </a:xfrm>
           <a:prstGeom prst="rect">
             <a:avLst/>
@@ -19747,7 +19751,7 @@
         <p:spPr>
           <a:xfrm>
             <a:off x="4337640" y="1440000"/>
-            <a:ext cx="3514680" cy="4964760"/>
+            <a:ext cx="3514320" cy="4964400"/>
           </a:xfrm>
           <a:prstGeom prst="rect">
             <a:avLst/>
@@ -20105,7 +20109,7 @@
         <p:spPr>
           <a:xfrm>
             <a:off x="1561680" y="0"/>
-            <a:ext cx="9066960" cy="1257840"/>
+            <a:ext cx="9066600" cy="1257480"/>
           </a:xfrm>
           <a:prstGeom prst="rect">
             <a:avLst/>
@@ -20154,7 +20158,7 @@
         <p:spPr>
           <a:xfrm>
             <a:off x="1368000" y="1010880"/>
-            <a:ext cx="5542200" cy="6115320"/>
+            <a:ext cx="5541840" cy="6114960"/>
           </a:xfrm>
           <a:prstGeom prst="rect">
             <a:avLst/>
@@ -20203,7 +20207,7 @@
             </a:endParaRPr>
           </a:p>
           <a:p>
-            <a:pPr marL="285840" indent="-285120">
+            <a:pPr marL="285840" indent="-284760">
               <a:lnSpc>
                 <a:spcPct val="100000"/>
               </a:lnSpc>
@@ -20228,7 +20232,7 @@
             </a:endParaRPr>
           </a:p>
           <a:p>
-            <a:pPr marL="285840" indent="-285120">
+            <a:pPr marL="285840" indent="-284760">
               <a:lnSpc>
                 <a:spcPct val="100000"/>
               </a:lnSpc>
@@ -20253,7 +20257,7 @@
             </a:endParaRPr>
           </a:p>
           <a:p>
-            <a:pPr marL="285840" indent="-285120">
+            <a:pPr marL="285840" indent="-284760">
               <a:lnSpc>
                 <a:spcPct val="100000"/>
               </a:lnSpc>
@@ -20488,7 +20492,7 @@
         <p:spPr>
           <a:xfrm>
             <a:off x="6910920" y="1538640"/>
-            <a:ext cx="5204160" cy="5748480"/>
+            <a:ext cx="5203800" cy="5748120"/>
           </a:xfrm>
           <a:prstGeom prst="rect">
             <a:avLst/>
@@ -20916,7 +20920,7 @@
         <p:spPr>
           <a:xfrm>
             <a:off x="1561680" y="0"/>
-            <a:ext cx="9066960" cy="1257840"/>
+            <a:ext cx="9066600" cy="1257480"/>
           </a:xfrm>
           <a:prstGeom prst="rect">
             <a:avLst/>
@@ -20965,7 +20969,7 @@
         <p:spPr>
           <a:xfrm>
             <a:off x="4396320" y="1170720"/>
-            <a:ext cx="2455200" cy="446400"/>
+            <a:ext cx="2454840" cy="446040"/>
           </a:xfrm>
           <a:prstGeom prst="rect">
             <a:avLst/>
@@ -21021,7 +21025,7 @@
         <p:spPr>
           <a:xfrm>
             <a:off x="741600" y="2052720"/>
-            <a:ext cx="2455200" cy="446400"/>
+            <a:ext cx="2454840" cy="446040"/>
           </a:xfrm>
           <a:prstGeom prst="rect">
             <a:avLst/>
@@ -21077,7 +21081,7 @@
         <p:spPr>
           <a:xfrm>
             <a:off x="7658280" y="2052720"/>
-            <a:ext cx="2455200" cy="446400"/>
+            <a:ext cx="2454840" cy="446040"/>
           </a:xfrm>
           <a:prstGeom prst="rect">
             <a:avLst/>
@@ -21133,7 +21137,7 @@
         <p:spPr>
           <a:xfrm>
             <a:off x="5624280" y="3070440"/>
-            <a:ext cx="2455200" cy="446400"/>
+            <a:ext cx="2454840" cy="446040"/>
           </a:xfrm>
           <a:prstGeom prst="rect">
             <a:avLst/>
@@ -21189,7 +21193,7 @@
         <p:spPr>
           <a:xfrm flipH="1">
             <a:off x="1968840" y="1394280"/>
-            <a:ext cx="2426040" cy="657720"/>
+            <a:ext cx="2425680" cy="657360"/>
           </a:xfrm>
           <a:custGeom>
             <a:avLst/>
@@ -21242,7 +21246,7 @@
         <p:spPr>
           <a:xfrm>
             <a:off x="6852240" y="1394280"/>
-            <a:ext cx="2033280" cy="657720"/>
+            <a:ext cx="2032920" cy="657360"/>
           </a:xfrm>
           <a:custGeom>
             <a:avLst/>
@@ -21294,8 +21298,8 @@
         </p:nvSpPr>
         <p:spPr>
           <a:xfrm flipH="1">
-            <a:off x="6851520" y="2499840"/>
-            <a:ext cx="2033280" cy="569880"/>
+            <a:off x="6850800" y="2499840"/>
+            <a:ext cx="2032920" cy="569520"/>
           </a:xfrm>
           <a:custGeom>
             <a:avLst/>
@@ -21348,7 +21352,7 @@
         <p:spPr>
           <a:xfrm>
             <a:off x="6095520" y="3952800"/>
-            <a:ext cx="2455200" cy="446400"/>
+            <a:ext cx="2454840" cy="446040"/>
           </a:xfrm>
           <a:prstGeom prst="rect">
             <a:avLst/>
@@ -21404,7 +21408,7 @@
         <p:spPr>
           <a:xfrm>
             <a:off x="6095520" y="4746960"/>
-            <a:ext cx="2455200" cy="446400"/>
+            <a:ext cx="2454840" cy="446040"/>
           </a:xfrm>
           <a:prstGeom prst="rect">
             <a:avLst/>
@@ -21491,7 +21495,7 @@
         <p:spPr>
           <a:xfrm>
             <a:off x="5794200" y="4176360"/>
-            <a:ext cx="300600" cy="360"/>
+            <a:ext cx="300240" cy="360"/>
           </a:xfrm>
           <a:custGeom>
             <a:avLst/>
@@ -21544,7 +21548,7 @@
         <p:spPr>
           <a:xfrm>
             <a:off x="5794200" y="4973400"/>
-            <a:ext cx="300600" cy="360"/>
+            <a:ext cx="300240" cy="360"/>
           </a:xfrm>
           <a:custGeom>
             <a:avLst/>
@@ -21597,7 +21601,7 @@
         <p:spPr>
           <a:xfrm>
             <a:off x="6095520" y="5467680"/>
-            <a:ext cx="2455200" cy="446400"/>
+            <a:ext cx="2454840" cy="446040"/>
           </a:xfrm>
           <a:prstGeom prst="rect">
             <a:avLst/>
@@ -21653,7 +21657,7 @@
         <p:spPr>
           <a:xfrm>
             <a:off x="5794200" y="5691240"/>
-            <a:ext cx="300600" cy="360"/>
+            <a:ext cx="300240" cy="360"/>
           </a:xfrm>
           <a:custGeom>
             <a:avLst/>
@@ -21706,7 +21710,7 @@
         <p:spPr>
           <a:xfrm>
             <a:off x="9560160" y="3205440"/>
-            <a:ext cx="2455200" cy="446400"/>
+            <a:ext cx="2454840" cy="446040"/>
           </a:xfrm>
           <a:prstGeom prst="rect">
             <a:avLst/>
@@ -21762,7 +21766,7 @@
         <p:spPr>
           <a:xfrm>
             <a:off x="9560160" y="3952800"/>
-            <a:ext cx="2455200" cy="446400"/>
+            <a:ext cx="2454840" cy="446040"/>
           </a:xfrm>
           <a:prstGeom prst="rect">
             <a:avLst/>
@@ -21849,7 +21853,7 @@
         <p:spPr>
           <a:xfrm>
             <a:off x="9155880" y="3423240"/>
-            <a:ext cx="403560" cy="5040"/>
+            <a:ext cx="403200" cy="4680"/>
           </a:xfrm>
           <a:custGeom>
             <a:avLst/>
@@ -21901,8 +21905,8 @@
         </p:nvSpPr>
         <p:spPr>
           <a:xfrm flipV="1">
-            <a:off x="9155880" y="4160520"/>
-            <a:ext cx="403560" cy="4680"/>
+            <a:off x="9155880" y="4156200"/>
+            <a:ext cx="403200" cy="4320"/>
           </a:xfrm>
           <a:custGeom>
             <a:avLst/>
@@ -21955,7 +21959,7 @@
         <p:spPr>
           <a:xfrm>
             <a:off x="9560160" y="4870800"/>
-            <a:ext cx="2455200" cy="446400"/>
+            <a:ext cx="2454840" cy="446040"/>
           </a:xfrm>
           <a:prstGeom prst="rect">
             <a:avLst/>
@@ -22010,8 +22014,8 @@
         </p:nvSpPr>
         <p:spPr>
           <a:xfrm flipV="1">
-            <a:off x="9155880" y="5078520"/>
-            <a:ext cx="403560" cy="4680"/>
+            <a:off x="9155880" y="5074200"/>
+            <a:ext cx="403200" cy="4320"/>
           </a:xfrm>
           <a:custGeom>
             <a:avLst/>
@@ -22064,7 +22068,7 @@
         <p:spPr>
           <a:xfrm>
             <a:off x="234360" y="3342240"/>
-            <a:ext cx="4603680" cy="2010240"/>
+            <a:ext cx="4603320" cy="2009880"/>
           </a:xfrm>
           <a:prstGeom prst="rect">
             <a:avLst/>
@@ -22192,7 +22196,7 @@
         <p:spPr>
           <a:xfrm>
             <a:off x="1561680" y="0"/>
-            <a:ext cx="9066960" cy="1257840"/>
+            <a:ext cx="9066600" cy="1257480"/>
           </a:xfrm>
           <a:prstGeom prst="rect">
             <a:avLst/>
@@ -22241,7 +22245,7 @@
         <p:spPr>
           <a:xfrm>
             <a:off x="1368000" y="1010880"/>
-            <a:ext cx="10496880" cy="6115320"/>
+            <a:ext cx="10496520" cy="6114960"/>
           </a:xfrm>
           <a:prstGeom prst="rect">
             <a:avLst/>
@@ -22579,7 +22583,7 @@
         <p:spPr>
           <a:xfrm>
             <a:off x="1561680" y="0"/>
-            <a:ext cx="9066960" cy="1257840"/>
+            <a:ext cx="9066600" cy="1257480"/>
           </a:xfrm>
           <a:prstGeom prst="rect">
             <a:avLst/>
@@ -22628,7 +22632,7 @@
         <p:spPr>
           <a:xfrm>
             <a:off x="1368000" y="1010880"/>
-            <a:ext cx="10496880" cy="6115320"/>
+            <a:ext cx="10496520" cy="6114960"/>
           </a:xfrm>
           <a:prstGeom prst="rect">
             <a:avLst/>
@@ -22946,7 +22950,7 @@
         <p:spPr>
           <a:xfrm>
             <a:off x="1561680" y="0"/>
-            <a:ext cx="9066960" cy="1257840"/>
+            <a:ext cx="9066600" cy="1257480"/>
           </a:xfrm>
           <a:prstGeom prst="rect">
             <a:avLst/>
@@ -22995,7 +22999,7 @@
         <p:spPr>
           <a:xfrm>
             <a:off x="587880" y="1946880"/>
-            <a:ext cx="6410880" cy="5106240"/>
+            <a:ext cx="6410520" cy="5105880"/>
           </a:xfrm>
           <a:prstGeom prst="rect">
             <a:avLst/>
@@ -23264,7 +23268,7 @@
         <p:spPr>
           <a:xfrm>
             <a:off x="6999480" y="867600"/>
-            <a:ext cx="4691160" cy="6125040"/>
+            <a:ext cx="4690800" cy="6124680"/>
           </a:xfrm>
           <a:prstGeom prst="rect">
             <a:avLst/>
@@ -23762,7 +23766,7 @@
         <p:spPr>
           <a:xfrm>
             <a:off x="1561680" y="0"/>
-            <a:ext cx="9066960" cy="1257840"/>
+            <a:ext cx="9066600" cy="1257480"/>
           </a:xfrm>
           <a:prstGeom prst="rect">
             <a:avLst/>
@@ -23811,7 +23815,7 @@
         <p:spPr>
           <a:xfrm>
             <a:off x="587880" y="1946880"/>
-            <a:ext cx="6410880" cy="5106240"/>
+            <a:ext cx="6410520" cy="5105880"/>
           </a:xfrm>
           <a:prstGeom prst="rect">
             <a:avLst/>
@@ -23919,7 +23923,7 @@
         <p:spPr>
           <a:xfrm>
             <a:off x="1561680" y="0"/>
-            <a:ext cx="9066960" cy="1257840"/>
+            <a:ext cx="9066600" cy="1257480"/>
           </a:xfrm>
           <a:prstGeom prst="rect">
             <a:avLst/>
@@ -23968,7 +23972,7 @@
         <p:spPr>
           <a:xfrm>
             <a:off x="1368000" y="1224000"/>
-            <a:ext cx="5111640" cy="4458240"/>
+            <a:ext cx="5111280" cy="4457880"/>
           </a:xfrm>
           <a:prstGeom prst="rect">
             <a:avLst/>
@@ -24107,7 +24111,7 @@
         <p:spPr>
           <a:xfrm>
             <a:off x="6864120" y="1800000"/>
-            <a:ext cx="5327640" cy="5748480"/>
+            <a:ext cx="5327280" cy="5748120"/>
           </a:xfrm>
           <a:prstGeom prst="rect">
             <a:avLst/>
@@ -24452,7 +24456,7 @@
         <p:spPr>
           <a:xfrm>
             <a:off x="1561680" y="0"/>
-            <a:ext cx="9066960" cy="1257840"/>
+            <a:ext cx="9066600" cy="1257480"/>
           </a:xfrm>
           <a:prstGeom prst="rect">
             <a:avLst/>
@@ -24501,7 +24505,7 @@
         <p:spPr>
           <a:xfrm>
             <a:off x="1368000" y="1224000"/>
-            <a:ext cx="4752000" cy="4458240"/>
+            <a:ext cx="4751640" cy="4457880"/>
           </a:xfrm>
           <a:prstGeom prst="rect">
             <a:avLst/>
@@ -24560,7 +24564,7 @@
         <p:spPr>
           <a:xfrm>
             <a:off x="6120000" y="1152000"/>
-            <a:ext cx="6119640" cy="5748480"/>
+            <a:ext cx="6119280" cy="5748120"/>
           </a:xfrm>
           <a:prstGeom prst="rect">
             <a:avLst/>
@@ -24720,6 +24724,11 @@
             </a:endParaRPr>
           </a:p>
           <a:p>
+            <a:pPr>
+              <a:lnSpc>
+                <a:spcPct val="100000"/>
+              </a:lnSpc>
+            </a:pPr>
             <a:r>
               <a:rPr b="0" lang="pl-PL" sz="1600" spc="-1" strike="noStrike">
                 <a:solidFill>
@@ -24863,14 +24872,1114 @@
       </p:sp>
       <p:sp>
         <p:nvSpPr>
-          <p:cNvPr id="222" name="TextShape 4"/>
+          <p:cNvPr id="222" name="CustomShape 4"/>
+          <p:cNvSpPr/>
+          <p:nvPr/>
+        </p:nvSpPr>
+        <p:spPr>
+          <a:xfrm>
+            <a:off x="504000" y="5400000"/>
+            <a:ext cx="5615640" cy="1223640"/>
+          </a:xfrm>
+          <a:prstGeom prst="rect">
+            <a:avLst/>
+          </a:prstGeom>
+          <a:noFill/>
+          <a:ln>
+            <a:noFill/>
+          </a:ln>
+        </p:spPr>
+        <p:style>
+          <a:lnRef idx="0"/>
+          <a:fillRef idx="0"/>
+          <a:effectRef idx="0"/>
+          <a:fontRef idx="minor"/>
+        </p:style>
+        <p:txBody>
+          <a:bodyPr lIns="90000" rIns="90000" tIns="45000" bIns="45000"/>
+          <a:p>
+            <a:pPr>
+              <a:lnSpc>
+                <a:spcPct val="100000"/>
+              </a:lnSpc>
+            </a:pPr>
+            <a:r>
+              <a:rPr b="0" lang="pl-PL" sz="1800" spc="-1" strike="noStrike">
+                <a:solidFill>
+                  <a:srgbClr val="ffffff"/>
+                </a:solidFill>
+                <a:latin typeface="Arial"/>
+                <a:ea typeface="Courier New"/>
+              </a:rPr>
+              <a:t>Pudelko&lt;String&gt; p = new Pudelko&lt;String&gt;();</a:t>
+            </a:r>
+            <a:br/>
+            <a:r>
+              <a:rPr b="0" lang="pl-PL" sz="1800" spc="-1" strike="noStrike">
+                <a:solidFill>
+                  <a:srgbClr val="ffffff"/>
+                </a:solidFill>
+                <a:latin typeface="Arial"/>
+                <a:ea typeface="Courier New"/>
+              </a:rPr>
+              <a:t>p.setPrzedmiot("Przedmiot Stringowy");</a:t>
+            </a:r>
+            <a:endParaRPr b="0" lang="pl-PL" sz="1800" spc="-1" strike="noStrike">
+              <a:latin typeface="Arial"/>
+            </a:endParaRPr>
+          </a:p>
+        </p:txBody>
+      </p:sp>
+    </p:spTree>
+  </p:cSld>
+  <p:timing>
+    <p:tnLst>
+      <p:par>
+        <p:cTn id="73" dur="indefinite" restart="never" nodeType="tmRoot">
+          <p:childTnLst>
+            <p:seq>
+              <p:cTn id="74" dur="indefinite" nodeType="mainSeq"/>
+              <p:prevCondLst>
+                <p:cond delay="0" evt="onPrev">
+                  <p:tgtEl>
+                    <p:sldTgt/>
+                  </p:tgtEl>
+                </p:cond>
+              </p:prevCondLst>
+              <p:nextCondLst>
+                <p:cond delay="0" evt="onNext">
+                  <p:tgtEl>
+                    <p:sldTgt/>
+                  </p:tgtEl>
+                </p:cond>
+              </p:nextCondLst>
+            </p:seq>
+          </p:childTnLst>
+        </p:cTn>
+      </p:par>
+    </p:tnLst>
+  </p:timing>
+</p:sld>
+</file>
+
+<file path=ppt/slides/slide38.xml><?xml version="1.0" encoding="utf-8"?>
+<p:sld xmlns:a="http://schemas.openxmlformats.org/drawingml/2006/main" xmlns:p="http://schemas.openxmlformats.org/presentationml/2006/main" xmlns:r="http://schemas.openxmlformats.org/officeDocument/2006/relationships" xmlns:p14="http://schemas.microsoft.com/office/powerpoint/2010/main" xmlns:p15="http://schemas.microsoft.com/office/powerpoint/2012/main" xmlns:mc="http://schemas.openxmlformats.org/markup-compatibility/2006">
+  <p:cSld>
+    <p:spTree>
+      <p:nvGrpSpPr>
+        <p:cNvPr id="1" name=""/>
+        <p:cNvGrpSpPr/>
+        <p:nvPr/>
+      </p:nvGrpSpPr>
+      <p:grpSpPr>
+        <a:xfrm>
+          <a:off x="0" y="0"/>
+          <a:ext cx="0" cy="0"/>
+          <a:chOff x="0" y="0"/>
+          <a:chExt cx="0" cy="0"/>
+        </a:xfrm>
+      </p:grpSpPr>
+      <p:sp>
+        <p:nvSpPr>
+          <p:cNvPr id="223" name="CustomShape 1"/>
+          <p:cNvSpPr/>
+          <p:nvPr/>
+        </p:nvSpPr>
+        <p:spPr>
+          <a:xfrm>
+            <a:off x="1561680" y="0"/>
+            <a:ext cx="9066600" cy="1257480"/>
+          </a:xfrm>
+          <a:prstGeom prst="rect">
+            <a:avLst/>
+          </a:prstGeom>
+          <a:noFill/>
+          <a:ln>
+            <a:noFill/>
+          </a:ln>
+        </p:spPr>
+        <p:style>
+          <a:lnRef idx="0"/>
+          <a:fillRef idx="0"/>
+          <a:effectRef idx="0"/>
+          <a:fontRef idx="minor"/>
+        </p:style>
+        <p:txBody>
+          <a:bodyPr lIns="0" rIns="0" tIns="0" bIns="0" anchor="ctr"/>
+          <a:p>
+            <a:pPr algn="ctr">
+              <a:lnSpc>
+                <a:spcPct val="100000"/>
+              </a:lnSpc>
+            </a:pPr>
+            <a:r>
+              <a:rPr b="1" lang="pl-PL" sz="4400" spc="-1" strike="noStrike">
+                <a:solidFill>
+                  <a:srgbClr val="ffffff"/>
+                </a:solidFill>
+                <a:latin typeface="Arial"/>
+                <a:ea typeface="DejaVu Sans"/>
+              </a:rPr>
+              <a:t>Kolekcje</a:t>
+            </a:r>
+            <a:endParaRPr b="0" lang="pl-PL" sz="4400" spc="-1" strike="noStrike">
+              <a:latin typeface="Arial"/>
+            </a:endParaRPr>
+          </a:p>
+        </p:txBody>
+      </p:sp>
+      <p:sp>
+        <p:nvSpPr>
+          <p:cNvPr id="224" name="CustomShape 2"/>
+          <p:cNvSpPr/>
+          <p:nvPr/>
+        </p:nvSpPr>
+        <p:spPr>
+          <a:xfrm>
+            <a:off x="1368000" y="1224000"/>
+            <a:ext cx="10296000" cy="4457880"/>
+          </a:xfrm>
+          <a:prstGeom prst="rect">
+            <a:avLst/>
+          </a:prstGeom>
+          <a:noFill/>
+          <a:ln>
+            <a:noFill/>
+          </a:ln>
+        </p:spPr>
+        <p:style>
+          <a:lnRef idx="0"/>
+          <a:fillRef idx="0"/>
+          <a:effectRef idx="0"/>
+          <a:fontRef idx="minor"/>
+        </p:style>
+        <p:txBody>
+          <a:bodyPr lIns="90000" rIns="90000" tIns="45000" bIns="45000"/>
+          <a:p>
+            <a:pPr>
+              <a:lnSpc>
+                <a:spcPct val="100000"/>
+              </a:lnSpc>
+            </a:pPr>
+            <a:r>
+              <a:rPr b="0" lang="pl-PL" sz="2200" spc="-1" strike="noStrike">
+                <a:solidFill>
+                  <a:srgbClr val="00a65d"/>
+                </a:solidFill>
+                <a:latin typeface="Arial"/>
+                <a:ea typeface="DejaVu Sans"/>
+              </a:rPr>
+              <a:t>Kolekcje</a:t>
+            </a:r>
+            <a:r>
+              <a:rPr b="0" lang="pl-PL" sz="2200" spc="-1" strike="noStrike">
+                <a:solidFill>
+                  <a:srgbClr val="ffffff"/>
+                </a:solidFill>
+                <a:latin typeface="Arial"/>
+                <a:ea typeface="DejaVu Sans"/>
+              </a:rPr>
+              <a:t> dają możliwość gromadzenia i przechowywania obiektów. Trzy najbardziej podstawowe typy kolekcji to Lista, Zbiór i Mapa. To jakiej z nich powinniśmy użyć, zależy od celu gromadzenia tych obiektów. Mamy do dyspozycji interfejsy: </a:t>
+            </a:r>
+            <a:r>
+              <a:rPr b="0" lang="pl-PL" sz="2200" spc="-1" strike="noStrike">
+                <a:solidFill>
+                  <a:srgbClr val="00a65d"/>
+                </a:solidFill>
+                <a:latin typeface="Arial"/>
+                <a:ea typeface="DejaVu Sans"/>
+              </a:rPr>
+              <a:t>List, Set, Map</a:t>
+            </a:r>
+            <a:r>
+              <a:rPr b="0" lang="pl-PL" sz="2200" spc="-1" strike="noStrike">
+                <a:solidFill>
+                  <a:srgbClr val="ffffff"/>
+                </a:solidFill>
+                <a:latin typeface="Arial"/>
+                <a:ea typeface="DejaVu Sans"/>
+              </a:rPr>
+              <a:t>, oraz ich podstawowe implementacje: </a:t>
+            </a:r>
+            <a:r>
+              <a:rPr b="0" lang="pl-PL" sz="2200" spc="-1" strike="noStrike">
+                <a:solidFill>
+                  <a:srgbClr val="00a65d"/>
+                </a:solidFill>
+                <a:latin typeface="Arial"/>
+                <a:ea typeface="DejaVu Sans"/>
+              </a:rPr>
+              <a:t>ArrayList, HashSet, HashMap</a:t>
+            </a:r>
+            <a:r>
+              <a:rPr b="0" lang="pl-PL" sz="2200" spc="-1" strike="noStrike">
+                <a:solidFill>
+                  <a:srgbClr val="ffffff"/>
+                </a:solidFill>
+                <a:latin typeface="Arial"/>
+                <a:ea typeface="DejaVu Sans"/>
+              </a:rPr>
+              <a:t>. </a:t>
+            </a:r>
+            <a:endParaRPr b="0" lang="pl-PL" sz="2200" spc="-1" strike="noStrike">
+              <a:latin typeface="Arial"/>
+            </a:endParaRPr>
+          </a:p>
+        </p:txBody>
+      </p:sp>
+      <p:sp>
+        <p:nvSpPr>
+          <p:cNvPr id="225" name="CustomShape 3"/>
+          <p:cNvSpPr/>
+          <p:nvPr/>
+        </p:nvSpPr>
+        <p:spPr>
+          <a:xfrm>
+            <a:off x="3024000" y="3153960"/>
+            <a:ext cx="2454840" cy="446040"/>
+          </a:xfrm>
+          <a:prstGeom prst="rect">
+            <a:avLst/>
+          </a:prstGeom>
+          <a:ln>
+            <a:round/>
+          </a:ln>
+        </p:spPr>
+        <p:style>
+          <a:lnRef idx="2">
+            <a:schemeClr val="accent1">
+              <a:shade val="50000"/>
+            </a:schemeClr>
+          </a:lnRef>
+          <a:fillRef idx="1">
+            <a:schemeClr val="accent1"/>
+          </a:fillRef>
+          <a:effectRef idx="0">
+            <a:schemeClr val="accent1"/>
+          </a:effectRef>
+          <a:fontRef idx="minor"/>
+        </p:style>
+        <p:txBody>
+          <a:bodyPr lIns="90000" rIns="90000" tIns="45000" bIns="45000" anchor="ctr"/>
+          <a:p>
+            <a:pPr algn="ctr">
+              <a:lnSpc>
+                <a:spcPct val="100000"/>
+              </a:lnSpc>
+            </a:pPr>
+            <a:r>
+              <a:rPr b="0" lang="pl-PL" sz="1800" spc="-1" strike="noStrike">
+                <a:solidFill>
+                  <a:srgbClr val="ffffff"/>
+                </a:solidFill>
+                <a:latin typeface="Arial"/>
+                <a:ea typeface="DejaVu Sans"/>
+              </a:rPr>
+              <a:t>Collection</a:t>
+            </a:r>
+            <a:endParaRPr b="0" lang="pl-PL" sz="1800" spc="-1" strike="noStrike">
+              <a:latin typeface="Arial"/>
+            </a:endParaRPr>
+          </a:p>
+        </p:txBody>
+      </p:sp>
+      <p:sp>
+        <p:nvSpPr>
+          <p:cNvPr id="226" name="CustomShape 4"/>
+          <p:cNvSpPr/>
+          <p:nvPr/>
+        </p:nvSpPr>
+        <p:spPr>
+          <a:xfrm>
+            <a:off x="7776000" y="3168000"/>
+            <a:ext cx="2454840" cy="446040"/>
+          </a:xfrm>
+          <a:prstGeom prst="rect">
+            <a:avLst/>
+          </a:prstGeom>
+          <a:ln>
+            <a:round/>
+          </a:ln>
+        </p:spPr>
+        <p:style>
+          <a:lnRef idx="2">
+            <a:schemeClr val="accent1">
+              <a:shade val="50000"/>
+            </a:schemeClr>
+          </a:lnRef>
+          <a:fillRef idx="1">
+            <a:schemeClr val="accent1"/>
+          </a:fillRef>
+          <a:effectRef idx="0">
+            <a:schemeClr val="accent1"/>
+          </a:effectRef>
+          <a:fontRef idx="minor"/>
+        </p:style>
+        <p:txBody>
+          <a:bodyPr lIns="90000" rIns="90000" tIns="45000" bIns="45000" anchor="ctr"/>
+          <a:p>
+            <a:pPr algn="ctr">
+              <a:lnSpc>
+                <a:spcPct val="100000"/>
+              </a:lnSpc>
+            </a:pPr>
+            <a:r>
+              <a:rPr b="0" lang="pl-PL" sz="1800" spc="-1" strike="noStrike">
+                <a:solidFill>
+                  <a:srgbClr val="ffffff"/>
+                </a:solidFill>
+                <a:latin typeface="Arial"/>
+                <a:ea typeface="DejaVu Sans"/>
+              </a:rPr>
+              <a:t>Map</a:t>
+            </a:r>
+            <a:endParaRPr b="0" lang="pl-PL" sz="1800" spc="-1" strike="noStrike">
+              <a:latin typeface="Arial"/>
+            </a:endParaRPr>
+          </a:p>
+        </p:txBody>
+      </p:sp>
+      <p:sp>
+        <p:nvSpPr>
+          <p:cNvPr id="227" name="CustomShape 5"/>
+          <p:cNvSpPr/>
+          <p:nvPr/>
+        </p:nvSpPr>
+        <p:spPr>
+          <a:xfrm>
+            <a:off x="1001160" y="4305960"/>
+            <a:ext cx="2454840" cy="446040"/>
+          </a:xfrm>
+          <a:prstGeom prst="rect">
+            <a:avLst/>
+          </a:prstGeom>
+          <a:ln>
+            <a:round/>
+          </a:ln>
+        </p:spPr>
+        <p:style>
+          <a:lnRef idx="2">
+            <a:schemeClr val="accent1">
+              <a:shade val="50000"/>
+            </a:schemeClr>
+          </a:lnRef>
+          <a:fillRef idx="1">
+            <a:schemeClr val="accent1"/>
+          </a:fillRef>
+          <a:effectRef idx="0">
+            <a:schemeClr val="accent1"/>
+          </a:effectRef>
+          <a:fontRef idx="minor"/>
+        </p:style>
+        <p:txBody>
+          <a:bodyPr lIns="90000" rIns="90000" tIns="45000" bIns="45000" anchor="ctr"/>
+          <a:p>
+            <a:pPr algn="ctr">
+              <a:lnSpc>
+                <a:spcPct val="100000"/>
+              </a:lnSpc>
+            </a:pPr>
+            <a:r>
+              <a:rPr b="0" lang="pl-PL" sz="1800" spc="-1" strike="noStrike">
+                <a:solidFill>
+                  <a:srgbClr val="ffffff"/>
+                </a:solidFill>
+                <a:latin typeface="Arial"/>
+                <a:ea typeface="DejaVu Sans"/>
+              </a:rPr>
+              <a:t>List</a:t>
+            </a:r>
+            <a:endParaRPr b="0" lang="pl-PL" sz="1800" spc="-1" strike="noStrike">
+              <a:latin typeface="Arial"/>
+            </a:endParaRPr>
+          </a:p>
+        </p:txBody>
+      </p:sp>
+      <p:sp>
+        <p:nvSpPr>
+          <p:cNvPr id="228" name="CustomShape 6"/>
+          <p:cNvSpPr/>
+          <p:nvPr/>
+        </p:nvSpPr>
+        <p:spPr>
+          <a:xfrm>
+            <a:off x="4522320" y="4305960"/>
+            <a:ext cx="2454840" cy="446040"/>
+          </a:xfrm>
+          <a:prstGeom prst="rect">
+            <a:avLst/>
+          </a:prstGeom>
+          <a:ln>
+            <a:round/>
+          </a:ln>
+        </p:spPr>
+        <p:style>
+          <a:lnRef idx="2">
+            <a:schemeClr val="accent1">
+              <a:shade val="50000"/>
+            </a:schemeClr>
+          </a:lnRef>
+          <a:fillRef idx="1">
+            <a:schemeClr val="accent1"/>
+          </a:fillRef>
+          <a:effectRef idx="0">
+            <a:schemeClr val="accent1"/>
+          </a:effectRef>
+          <a:fontRef idx="minor"/>
+        </p:style>
+        <p:txBody>
+          <a:bodyPr lIns="90000" rIns="90000" tIns="45000" bIns="45000" anchor="ctr"/>
+          <a:p>
+            <a:pPr algn="ctr">
+              <a:lnSpc>
+                <a:spcPct val="100000"/>
+              </a:lnSpc>
+            </a:pPr>
+            <a:r>
+              <a:rPr b="0" lang="pl-PL" sz="1800" spc="-1" strike="noStrike">
+                <a:solidFill>
+                  <a:srgbClr val="ffffff"/>
+                </a:solidFill>
+                <a:latin typeface="Arial"/>
+                <a:ea typeface="DejaVu Sans"/>
+              </a:rPr>
+              <a:t>Set</a:t>
+            </a:r>
+            <a:endParaRPr b="0" lang="pl-PL" sz="1800" spc="-1" strike="noStrike">
+              <a:latin typeface="Arial"/>
+            </a:endParaRPr>
+          </a:p>
+        </p:txBody>
+      </p:sp>
+      <p:sp>
+        <p:nvSpPr>
+          <p:cNvPr id="229" name="CustomShape 7"/>
+          <p:cNvSpPr/>
+          <p:nvPr/>
+        </p:nvSpPr>
+        <p:spPr>
+          <a:xfrm>
+            <a:off x="7769160" y="5385960"/>
+            <a:ext cx="2454840" cy="446040"/>
+          </a:xfrm>
+          <a:prstGeom prst="rect">
+            <a:avLst/>
+          </a:prstGeom>
+          <a:solidFill>
+            <a:srgbClr val="72bf44"/>
+          </a:solidFill>
+          <a:ln>
+            <a:round/>
+          </a:ln>
+        </p:spPr>
+        <p:style>
+          <a:lnRef idx="2">
+            <a:schemeClr val="accent1">
+              <a:shade val="50000"/>
+            </a:schemeClr>
+          </a:lnRef>
+          <a:fillRef idx="1">
+            <a:schemeClr val="accent1"/>
+          </a:fillRef>
+          <a:effectRef idx="0">
+            <a:schemeClr val="accent1"/>
+          </a:effectRef>
+          <a:fontRef idx="minor"/>
+        </p:style>
+        <p:txBody>
+          <a:bodyPr lIns="90000" rIns="90000" tIns="45000" bIns="45000" anchor="ctr"/>
+          <a:p>
+            <a:pPr algn="ctr">
+              <a:lnSpc>
+                <a:spcPct val="100000"/>
+              </a:lnSpc>
+            </a:pPr>
+            <a:r>
+              <a:rPr b="0" lang="pl-PL" sz="1800" spc="-1" strike="noStrike">
+                <a:solidFill>
+                  <a:srgbClr val="ffffff"/>
+                </a:solidFill>
+                <a:latin typeface="Arial"/>
+                <a:ea typeface="DejaVu Sans"/>
+              </a:rPr>
+              <a:t>HashMap</a:t>
+            </a:r>
+            <a:endParaRPr b="0" lang="pl-PL" sz="1800" spc="-1" strike="noStrike">
+              <a:latin typeface="Arial"/>
+            </a:endParaRPr>
+          </a:p>
+        </p:txBody>
+      </p:sp>
+      <p:sp>
+        <p:nvSpPr>
+          <p:cNvPr id="230" name="CustomShape 8"/>
+          <p:cNvSpPr/>
+          <p:nvPr/>
+        </p:nvSpPr>
+        <p:spPr>
+          <a:xfrm>
+            <a:off x="4529160" y="5400000"/>
+            <a:ext cx="2454840" cy="446040"/>
+          </a:xfrm>
+          <a:prstGeom prst="rect">
+            <a:avLst/>
+          </a:prstGeom>
+          <a:solidFill>
+            <a:srgbClr val="72bf44"/>
+          </a:solidFill>
+          <a:ln>
+            <a:round/>
+          </a:ln>
+        </p:spPr>
+        <p:style>
+          <a:lnRef idx="2">
+            <a:schemeClr val="accent1">
+              <a:shade val="50000"/>
+            </a:schemeClr>
+          </a:lnRef>
+          <a:fillRef idx="1">
+            <a:schemeClr val="accent1"/>
+          </a:fillRef>
+          <a:effectRef idx="0">
+            <a:schemeClr val="accent1"/>
+          </a:effectRef>
+          <a:fontRef idx="minor"/>
+        </p:style>
+        <p:txBody>
+          <a:bodyPr lIns="90000" rIns="90000" tIns="45000" bIns="45000" anchor="ctr"/>
+          <a:p>
+            <a:pPr algn="ctr">
+              <a:lnSpc>
+                <a:spcPct val="100000"/>
+              </a:lnSpc>
+            </a:pPr>
+            <a:r>
+              <a:rPr b="0" lang="pl-PL" sz="1800" spc="-1" strike="noStrike">
+                <a:solidFill>
+                  <a:srgbClr val="ffffff"/>
+                </a:solidFill>
+                <a:latin typeface="Arial"/>
+                <a:ea typeface="DejaVu Sans"/>
+              </a:rPr>
+              <a:t>HashSet</a:t>
+            </a:r>
+            <a:endParaRPr b="0" lang="pl-PL" sz="1800" spc="-1" strike="noStrike">
+              <a:latin typeface="Arial"/>
+            </a:endParaRPr>
+          </a:p>
+        </p:txBody>
+      </p:sp>
+      <p:sp>
+        <p:nvSpPr>
+          <p:cNvPr id="231" name="CustomShape 9"/>
+          <p:cNvSpPr/>
+          <p:nvPr/>
+        </p:nvSpPr>
+        <p:spPr>
+          <a:xfrm>
+            <a:off x="1008000" y="5457960"/>
+            <a:ext cx="2454840" cy="446040"/>
+          </a:xfrm>
+          <a:prstGeom prst="rect">
+            <a:avLst/>
+          </a:prstGeom>
+          <a:solidFill>
+            <a:srgbClr val="72bf44"/>
+          </a:solidFill>
+          <a:ln>
+            <a:round/>
+          </a:ln>
+        </p:spPr>
+        <p:style>
+          <a:lnRef idx="2">
+            <a:schemeClr val="accent1">
+              <a:shade val="50000"/>
+            </a:schemeClr>
+          </a:lnRef>
+          <a:fillRef idx="1">
+            <a:schemeClr val="accent1"/>
+          </a:fillRef>
+          <a:effectRef idx="0">
+            <a:schemeClr val="accent1"/>
+          </a:effectRef>
+          <a:fontRef idx="minor"/>
+        </p:style>
+        <p:txBody>
+          <a:bodyPr lIns="90000" rIns="90000" tIns="45000" bIns="45000" anchor="ctr"/>
+          <a:p>
+            <a:pPr algn="ctr">
+              <a:lnSpc>
+                <a:spcPct val="100000"/>
+              </a:lnSpc>
+            </a:pPr>
+            <a:r>
+              <a:rPr b="0" lang="pl-PL" sz="1800" spc="-1" strike="noStrike">
+                <a:solidFill>
+                  <a:srgbClr val="ffffff"/>
+                </a:solidFill>
+                <a:latin typeface="Arial"/>
+                <a:ea typeface="DejaVu Sans"/>
+              </a:rPr>
+              <a:t>ArrayList</a:t>
+            </a:r>
+            <a:endParaRPr b="0" lang="pl-PL" sz="1800" spc="-1" strike="noStrike">
+              <a:latin typeface="Arial"/>
+            </a:endParaRPr>
+          </a:p>
+        </p:txBody>
+      </p:sp>
+      <p:sp>
+        <p:nvSpPr>
+          <p:cNvPr id="232" name="CustomShape 10"/>
+          <p:cNvSpPr/>
+          <p:nvPr/>
+        </p:nvSpPr>
+        <p:spPr>
+          <a:xfrm flipH="1">
+            <a:off x="2232000" y="3600000"/>
+            <a:ext cx="1705680" cy="657360"/>
+          </a:xfrm>
+          <a:custGeom>
+            <a:avLst/>
+            <a:gdLst/>
+            <a:ahLst/>
+            <a:rect l="l" t="t" r="r" b="b"/>
+            <a:pathLst>
+              <a:path w="21600" h="21600">
+                <a:moveTo>
+                  <a:pt x="0" y="0"/>
+                </a:moveTo>
+                <a:lnTo>
+                  <a:pt x="21600" y="21600"/>
+                </a:lnTo>
+              </a:path>
+            </a:pathLst>
+          </a:custGeom>
+          <a:noFill/>
+          <a:ln>
+            <a:round/>
+            <a:tailEnd len="med" type="triangle" w="med"/>
+          </a:ln>
+          <a:effectLst>
+            <a:outerShdw blurRad="40000" dir="5400000" dist="20000" rotWithShape="0">
+              <a:srgbClr val="000000">
+                <a:alpha val="38000"/>
+              </a:srgbClr>
+            </a:outerShdw>
+          </a:effectLst>
+        </p:spPr>
+        <p:style>
+          <a:lnRef idx="2">
+            <a:schemeClr val="dk1"/>
+          </a:lnRef>
+          <a:fillRef idx="0">
+            <a:schemeClr val="dk1"/>
+          </a:fillRef>
+          <a:effectRef idx="1">
+            <a:schemeClr val="dk1"/>
+          </a:effectRef>
+          <a:fontRef idx="minor"/>
+        </p:style>
+      </p:sp>
+      <p:sp>
+        <p:nvSpPr>
+          <p:cNvPr id="233" name="CustomShape 11"/>
+          <p:cNvSpPr/>
+          <p:nvPr/>
+        </p:nvSpPr>
+        <p:spPr>
+          <a:xfrm>
+            <a:off x="4729680" y="3610440"/>
+            <a:ext cx="1102320" cy="695520"/>
+          </a:xfrm>
+          <a:custGeom>
+            <a:avLst/>
+            <a:gdLst/>
+            <a:ahLst/>
+            <a:rect l="l" t="t" r="r" b="b"/>
+            <a:pathLst>
+              <a:path w="21600" h="21600">
+                <a:moveTo>
+                  <a:pt x="0" y="0"/>
+                </a:moveTo>
+                <a:lnTo>
+                  <a:pt x="21600" y="21600"/>
+                </a:lnTo>
+              </a:path>
+            </a:pathLst>
+          </a:custGeom>
+          <a:noFill/>
+          <a:ln>
+            <a:round/>
+            <a:tailEnd len="med" type="triangle" w="med"/>
+          </a:ln>
+          <a:effectLst>
+            <a:outerShdw blurRad="40000" dir="5400000" dist="20000" rotWithShape="0">
+              <a:srgbClr val="000000">
+                <a:alpha val="38000"/>
+              </a:srgbClr>
+            </a:outerShdw>
+          </a:effectLst>
+        </p:spPr>
+        <p:style>
+          <a:lnRef idx="2">
+            <a:schemeClr val="dk1"/>
+          </a:lnRef>
+          <a:fillRef idx="0">
+            <a:schemeClr val="dk1"/>
+          </a:fillRef>
+          <a:effectRef idx="1">
+            <a:schemeClr val="dk1"/>
+          </a:effectRef>
+          <a:fontRef idx="minor"/>
+        </p:style>
+      </p:sp>
+      <p:sp>
+        <p:nvSpPr>
+          <p:cNvPr id="234" name="CustomShape 12"/>
+          <p:cNvSpPr/>
+          <p:nvPr/>
+        </p:nvSpPr>
+        <p:spPr>
+          <a:xfrm flipH="1">
+            <a:off x="2231640" y="4752000"/>
+            <a:ext cx="360" cy="648000"/>
+          </a:xfrm>
+          <a:custGeom>
+            <a:avLst/>
+            <a:gdLst/>
+            <a:ahLst/>
+            <a:rect l="l" t="t" r="r" b="b"/>
+            <a:pathLst>
+              <a:path w="21600" h="21600">
+                <a:moveTo>
+                  <a:pt x="0" y="0"/>
+                </a:moveTo>
+                <a:lnTo>
+                  <a:pt x="21600" y="21600"/>
+                </a:lnTo>
+              </a:path>
+            </a:pathLst>
+          </a:custGeom>
+          <a:noFill/>
+          <a:ln>
+            <a:round/>
+            <a:tailEnd len="med" type="triangle" w="med"/>
+          </a:ln>
+          <a:effectLst>
+            <a:outerShdw blurRad="40000" dir="5400000" dist="20000" rotWithShape="0">
+              <a:srgbClr val="000000">
+                <a:alpha val="38000"/>
+              </a:srgbClr>
+            </a:outerShdw>
+          </a:effectLst>
+        </p:spPr>
+        <p:style>
+          <a:lnRef idx="2">
+            <a:schemeClr val="dk1"/>
+          </a:lnRef>
+          <a:fillRef idx="0">
+            <a:schemeClr val="dk1"/>
+          </a:fillRef>
+          <a:effectRef idx="1">
+            <a:schemeClr val="dk1"/>
+          </a:effectRef>
+          <a:fontRef idx="minor"/>
+        </p:style>
+      </p:sp>
+      <p:sp>
+        <p:nvSpPr>
+          <p:cNvPr id="235" name="CustomShape 13"/>
+          <p:cNvSpPr/>
+          <p:nvPr/>
+        </p:nvSpPr>
+        <p:spPr>
+          <a:xfrm flipH="1">
+            <a:off x="5759640" y="4752000"/>
+            <a:ext cx="360" cy="648000"/>
+          </a:xfrm>
+          <a:custGeom>
+            <a:avLst/>
+            <a:gdLst/>
+            <a:ahLst/>
+            <a:rect l="l" t="t" r="r" b="b"/>
+            <a:pathLst>
+              <a:path w="21600" h="21600">
+                <a:moveTo>
+                  <a:pt x="0" y="0"/>
+                </a:moveTo>
+                <a:lnTo>
+                  <a:pt x="21600" y="21600"/>
+                </a:lnTo>
+              </a:path>
+            </a:pathLst>
+          </a:custGeom>
+          <a:noFill/>
+          <a:ln>
+            <a:round/>
+            <a:tailEnd len="med" type="triangle" w="med"/>
+          </a:ln>
+          <a:effectLst>
+            <a:outerShdw blurRad="40000" dir="5400000" dist="20000" rotWithShape="0">
+              <a:srgbClr val="000000">
+                <a:alpha val="38000"/>
+              </a:srgbClr>
+            </a:outerShdw>
+          </a:effectLst>
+        </p:spPr>
+        <p:style>
+          <a:lnRef idx="2">
+            <a:schemeClr val="dk1"/>
+          </a:lnRef>
+          <a:fillRef idx="0">
+            <a:schemeClr val="dk1"/>
+          </a:fillRef>
+          <a:effectRef idx="1">
+            <a:schemeClr val="dk1"/>
+          </a:effectRef>
+          <a:fontRef idx="minor"/>
+        </p:style>
+      </p:sp>
+      <p:sp>
+        <p:nvSpPr>
+          <p:cNvPr id="236" name="CustomShape 14"/>
+          <p:cNvSpPr/>
+          <p:nvPr/>
+        </p:nvSpPr>
+        <p:spPr>
+          <a:xfrm flipH="1">
+            <a:off x="8999640" y="3614040"/>
+            <a:ext cx="360" cy="1771920"/>
+          </a:xfrm>
+          <a:custGeom>
+            <a:avLst/>
+            <a:gdLst/>
+            <a:ahLst/>
+            <a:rect l="l" t="t" r="r" b="b"/>
+            <a:pathLst>
+              <a:path w="21600" h="21600">
+                <a:moveTo>
+                  <a:pt x="0" y="0"/>
+                </a:moveTo>
+                <a:lnTo>
+                  <a:pt x="21600" y="21600"/>
+                </a:lnTo>
+              </a:path>
+            </a:pathLst>
+          </a:custGeom>
+          <a:noFill/>
+          <a:ln>
+            <a:round/>
+            <a:tailEnd len="med" type="triangle" w="med"/>
+          </a:ln>
+          <a:effectLst>
+            <a:outerShdw blurRad="40000" dir="5400000" dist="20000" rotWithShape="0">
+              <a:srgbClr val="000000">
+                <a:alpha val="38000"/>
+              </a:srgbClr>
+            </a:outerShdw>
+          </a:effectLst>
+        </p:spPr>
+        <p:style>
+          <a:lnRef idx="2">
+            <a:schemeClr val="dk1"/>
+          </a:lnRef>
+          <a:fillRef idx="0">
+            <a:schemeClr val="dk1"/>
+          </a:fillRef>
+          <a:effectRef idx="1">
+            <a:schemeClr val="dk1"/>
+          </a:effectRef>
+          <a:fontRef idx="minor"/>
+        </p:style>
+      </p:sp>
+    </p:spTree>
+  </p:cSld>
+  <p:timing>
+    <p:tnLst>
+      <p:par>
+        <p:cTn id="75" dur="indefinite" restart="never" nodeType="tmRoot">
+          <p:childTnLst>
+            <p:seq>
+              <p:cTn id="76" dur="indefinite" nodeType="mainSeq"/>
+              <p:prevCondLst>
+                <p:cond delay="0" evt="onPrev">
+                  <p:tgtEl>
+                    <p:sldTgt/>
+                  </p:tgtEl>
+                </p:cond>
+              </p:prevCondLst>
+              <p:nextCondLst>
+                <p:cond delay="0" evt="onNext">
+                  <p:tgtEl>
+                    <p:sldTgt/>
+                  </p:tgtEl>
+                </p:cond>
+              </p:nextCondLst>
+            </p:seq>
+          </p:childTnLst>
+        </p:cTn>
+      </p:par>
+    </p:tnLst>
+  </p:timing>
+</p:sld>
+</file>
+
+<file path=ppt/slides/slide39.xml><?xml version="1.0" encoding="utf-8"?>
+<p:sld xmlns:a="http://schemas.openxmlformats.org/drawingml/2006/main" xmlns:p="http://schemas.openxmlformats.org/presentationml/2006/main" xmlns:r="http://schemas.openxmlformats.org/officeDocument/2006/relationships" xmlns:p14="http://schemas.microsoft.com/office/powerpoint/2010/main" xmlns:p15="http://schemas.microsoft.com/office/powerpoint/2012/main" xmlns:mc="http://schemas.openxmlformats.org/markup-compatibility/2006">
+  <p:cSld>
+    <p:spTree>
+      <p:nvGrpSpPr>
+        <p:cNvPr id="1" name=""/>
+        <p:cNvGrpSpPr/>
+        <p:nvPr/>
+      </p:nvGrpSpPr>
+      <p:grpSpPr>
+        <a:xfrm>
+          <a:off x="0" y="0"/>
+          <a:ext cx="0" cy="0"/>
+          <a:chOff x="0" y="0"/>
+          <a:chExt cx="0" cy="0"/>
+        </a:xfrm>
+      </p:grpSpPr>
+      <p:sp>
+        <p:nvSpPr>
+          <p:cNvPr id="237" name="CustomShape 1"/>
+          <p:cNvSpPr/>
+          <p:nvPr/>
+        </p:nvSpPr>
+        <p:spPr>
+          <a:xfrm>
+            <a:off x="1561680" y="0"/>
+            <a:ext cx="9066600" cy="1257480"/>
+          </a:xfrm>
+          <a:prstGeom prst="rect">
+            <a:avLst/>
+          </a:prstGeom>
+          <a:noFill/>
+          <a:ln>
+            <a:noFill/>
+          </a:ln>
+        </p:spPr>
+        <p:style>
+          <a:lnRef idx="0"/>
+          <a:fillRef idx="0"/>
+          <a:effectRef idx="0"/>
+          <a:fontRef idx="minor"/>
+        </p:style>
+        <p:txBody>
+          <a:bodyPr lIns="0" rIns="0" tIns="0" bIns="0" anchor="ctr"/>
+          <a:p>
+            <a:pPr algn="ctr">
+              <a:lnSpc>
+                <a:spcPct val="100000"/>
+              </a:lnSpc>
+            </a:pPr>
+            <a:r>
+              <a:rPr b="1" lang="pl-PL" sz="4400" spc="-1" strike="noStrike">
+                <a:solidFill>
+                  <a:srgbClr val="ffffff"/>
+                </a:solidFill>
+                <a:latin typeface="Arial"/>
+                <a:ea typeface="DejaVu Sans"/>
+              </a:rPr>
+              <a:t>Kolekcje - List</a:t>
+            </a:r>
+            <a:endParaRPr b="0" lang="pl-PL" sz="4400" spc="-1" strike="noStrike">
+              <a:latin typeface="Arial"/>
+            </a:endParaRPr>
+          </a:p>
+        </p:txBody>
+      </p:sp>
+      <p:sp>
+        <p:nvSpPr>
+          <p:cNvPr id="238" name="CustomShape 2"/>
+          <p:cNvSpPr/>
+          <p:nvPr/>
+        </p:nvSpPr>
+        <p:spPr>
+          <a:xfrm>
+            <a:off x="1368000" y="1224000"/>
+            <a:ext cx="4608000" cy="5328000"/>
+          </a:xfrm>
+          <a:prstGeom prst="rect">
+            <a:avLst/>
+          </a:prstGeom>
+          <a:noFill/>
+          <a:ln>
+            <a:noFill/>
+          </a:ln>
+        </p:spPr>
+        <p:style>
+          <a:lnRef idx="0"/>
+          <a:fillRef idx="0"/>
+          <a:effectRef idx="0"/>
+          <a:fontRef idx="minor"/>
+        </p:style>
+        <p:txBody>
+          <a:bodyPr lIns="90000" rIns="90000" tIns="45000" bIns="45000"/>
+          <a:p>
+            <a:pPr>
+              <a:lnSpc>
+                <a:spcPct val="100000"/>
+              </a:lnSpc>
+            </a:pPr>
+            <a:r>
+              <a:rPr b="0" lang="pl-PL" sz="2200" spc="-1" strike="noStrike">
+                <a:solidFill>
+                  <a:srgbClr val="00a65d"/>
+                </a:solidFill>
+                <a:latin typeface="Arial"/>
+                <a:ea typeface="DejaVu Sans"/>
+              </a:rPr>
+              <a:t>Listy</a:t>
+            </a:r>
+            <a:r>
+              <a:rPr b="0" lang="pl-PL" sz="2200" spc="-1" strike="noStrike">
+                <a:solidFill>
+                  <a:srgbClr val="ffffff"/>
+                </a:solidFill>
+                <a:latin typeface="Arial"/>
+                <a:ea typeface="DejaVu Sans"/>
+              </a:rPr>
+              <a:t> służą do przechowywania elementów w ustalonej kolejności. Każdy element listy posiada swój indeks. Listy są dynamicznie alokowane, znaczy to, że mogą zmieniać swój rozmiar (ilość elementów), co nie było możliwe w tablicach, w których podawało się rozmiar podczas ich tworzenia, bez możliwości późniejszej jego zmiany. Podstawową implementacją listy jest </a:t>
+            </a:r>
+            <a:r>
+              <a:rPr b="0" lang="pl-PL" sz="2200" spc="-1" strike="noStrike">
+                <a:solidFill>
+                  <a:srgbClr val="00a65d"/>
+                </a:solidFill>
+                <a:latin typeface="Arial"/>
+                <a:ea typeface="DejaVu Sans"/>
+              </a:rPr>
+              <a:t>ArrayList</a:t>
+            </a:r>
+            <a:r>
+              <a:rPr b="0" lang="pl-PL" sz="2200" spc="-1" strike="noStrike">
+                <a:solidFill>
+                  <a:srgbClr val="ffffff"/>
+                </a:solidFill>
+                <a:latin typeface="Arial"/>
+                <a:ea typeface="DejaVu Sans"/>
+              </a:rPr>
+              <a:t>.</a:t>
+            </a:r>
+            <a:endParaRPr b="0" lang="pl-PL" sz="2200" spc="-1" strike="noStrike">
+              <a:latin typeface="Arial"/>
+            </a:endParaRPr>
+          </a:p>
+        </p:txBody>
+      </p:sp>
+      <p:sp>
+        <p:nvSpPr>
+          <p:cNvPr id="239" name="TextShape 3"/>
           <p:cNvSpPr txBox="1"/>
           <p:nvPr/>
         </p:nvSpPr>
         <p:spPr>
           <a:xfrm>
-            <a:off x="504000" y="5400000"/>
-            <a:ext cx="5616000" cy="1224000"/>
+            <a:off x="6264000" y="1080000"/>
+            <a:ext cx="5760000" cy="5473440"/>
           </a:xfrm>
           <a:prstGeom prst="rect">
             <a:avLst/>
@@ -24884,27 +25993,202 @@
           <a:bodyPr lIns="90000" rIns="90000" tIns="45000" bIns="45000"/>
           <a:p>
             <a:r>
-              <a:rPr b="0" lang="pl-PL" sz="1800" spc="-1" strike="noStrike">
+              <a:rPr b="0" lang="pl-PL" sz="2000" spc="-1" strike="noStrike">
                 <a:solidFill>
                   <a:srgbClr val="ffffff"/>
                 </a:solidFill>
                 <a:latin typeface="Arial"/>
                 <a:ea typeface="Courier New"/>
               </a:rPr>
-              <a:t>Pudelko&lt;String&gt; p = new Pudelko&lt;String&gt;();</a:t>
+              <a:t>List&lt;Osoba&gt; osoby = new ArrayList();</a:t>
             </a:r>
             <a:br/>
             <a:r>
-              <a:rPr b="0" lang="pl-PL" sz="1800" spc="-1" strike="noStrike">
+              <a:rPr b="0" lang="pl-PL" sz="2000" spc="-1" strike="noStrike">
                 <a:solidFill>
                   <a:srgbClr val="ffffff"/>
                 </a:solidFill>
                 <a:latin typeface="Arial"/>
                 <a:ea typeface="Courier New"/>
               </a:rPr>
-              <a:t>p.setPrzedmiot("Przedmiot Stringowy");</a:t>
-            </a:r>
-            <a:endParaRPr b="0" lang="pl-PL" sz="1800" spc="-1" strike="noStrike">
+              <a:t>osoby.add(new Osoba("Piotr","Krajnik"));</a:t>
+            </a:r>
+            <a:br/>
+            <a:r>
+              <a:rPr b="0" lang="pl-PL" sz="2000" spc="-1" strike="noStrike">
+                <a:solidFill>
+                  <a:srgbClr val="ffffff"/>
+                </a:solidFill>
+                <a:latin typeface="Arial"/>
+                <a:ea typeface="Courier New"/>
+              </a:rPr>
+              <a:t>osoby.add(new Osoba("Adam","Kowalski"));</a:t>
+            </a:r>
+            <a:br/>
+            <a:r>
+              <a:rPr b="0" lang="pl-PL" sz="2000" spc="-1" strike="noStrike">
+                <a:solidFill>
+                  <a:srgbClr val="ffffff"/>
+                </a:solidFill>
+                <a:latin typeface="Arial"/>
+                <a:ea typeface="Courier New"/>
+              </a:rPr>
+              <a:t>osoby.add(new Osoba("Aleksandra","Nowak"));</a:t>
+            </a:r>
+            <a:br/>
+            <a:r>
+              <a:rPr b="0" lang="pl-PL" sz="2000" spc="-1" strike="noStrike">
+                <a:solidFill>
+                  <a:srgbClr val="ffffff"/>
+                </a:solidFill>
+                <a:latin typeface="Arial"/>
+                <a:ea typeface="Courier New"/>
+              </a:rPr>
+              <a:t>Osoba patryk = new Osoba("Patryk","Nowak");</a:t>
+            </a:r>
+            <a:br/>
+            <a:r>
+              <a:rPr b="0" lang="pl-PL" sz="2000" spc="-1" strike="noStrike">
+                <a:solidFill>
+                  <a:srgbClr val="ffffff"/>
+                </a:solidFill>
+                <a:latin typeface="Arial"/>
+                <a:ea typeface="Courier New"/>
+              </a:rPr>
+              <a:t>osoby.add(patryk);</a:t>
+            </a:r>
+            <a:br/>
+            <a:br/>
+            <a:r>
+              <a:rPr b="0" lang="pl-PL" sz="2000" spc="-1" strike="noStrike">
+                <a:solidFill>
+                  <a:srgbClr val="ffffff"/>
+                </a:solidFill>
+                <a:latin typeface="Arial"/>
+                <a:ea typeface="Courier New"/>
+              </a:rPr>
+              <a:t>for(Osoba osoba: osoby){</a:t>
+            </a:r>
+            <a:br/>
+            <a:r>
+              <a:rPr b="0" lang="pl-PL" sz="2000" spc="-1" strike="noStrike">
+                <a:solidFill>
+                  <a:srgbClr val="ffffff"/>
+                </a:solidFill>
+                <a:latin typeface="Arial"/>
+                <a:ea typeface="Courier New"/>
+              </a:rPr>
+              <a:t>    System.</a:t>
+            </a:r>
+            <a:r>
+              <a:rPr b="0" i="1" lang="pl-PL" sz="2000" spc="-1" strike="noStrike">
+                <a:solidFill>
+                  <a:srgbClr val="ffffff"/>
+                </a:solidFill>
+                <a:latin typeface="Arial"/>
+                <a:ea typeface="Courier New"/>
+              </a:rPr>
+              <a:t>out</a:t>
+            </a:r>
+            <a:r>
+              <a:rPr b="0" lang="pl-PL" sz="2000" spc="-1" strike="noStrike">
+                <a:solidFill>
+                  <a:srgbClr val="ffffff"/>
+                </a:solidFill>
+                <a:latin typeface="Arial"/>
+                <a:ea typeface="Courier New"/>
+              </a:rPr>
+              <a:t>.println(osoba);</a:t>
+            </a:r>
+            <a:br/>
+            <a:r>
+              <a:rPr b="0" lang="pl-PL" sz="2000" spc="-1" strike="noStrike">
+                <a:solidFill>
+                  <a:srgbClr val="ffffff"/>
+                </a:solidFill>
+                <a:latin typeface="Arial"/>
+                <a:ea typeface="Courier New"/>
+              </a:rPr>
+              <a:t>}</a:t>
+            </a:r>
+            <a:br/>
+            <a:br/>
+            <a:r>
+              <a:rPr b="0" lang="pl-PL" sz="2000" spc="-1" strike="noStrike">
+                <a:solidFill>
+                  <a:srgbClr val="ffffff"/>
+                </a:solidFill>
+                <a:latin typeface="Arial"/>
+                <a:ea typeface="Courier New"/>
+              </a:rPr>
+              <a:t>osoby.remove(0);</a:t>
+            </a:r>
+            <a:br/>
+            <a:r>
+              <a:rPr b="0" lang="pl-PL" sz="2000" spc="-1" strike="noStrike">
+                <a:solidFill>
+                  <a:srgbClr val="ffffff"/>
+                </a:solidFill>
+                <a:latin typeface="Arial"/>
+                <a:ea typeface="Courier New"/>
+              </a:rPr>
+              <a:t>osoby.remove(patryk);</a:t>
+            </a:r>
+            <a:br/>
+            <a:br/>
+            <a:r>
+              <a:rPr b="0" lang="pl-PL" sz="2000" spc="-1" strike="noStrike">
+                <a:solidFill>
+                  <a:srgbClr val="ffffff"/>
+                </a:solidFill>
+                <a:latin typeface="Arial"/>
+                <a:ea typeface="Courier New"/>
+              </a:rPr>
+              <a:t>for(Osoba osoba: osoby){</a:t>
+            </a:r>
+            <a:br/>
+            <a:r>
+              <a:rPr b="0" lang="pl-PL" sz="2000" spc="-1" strike="noStrike">
+                <a:solidFill>
+                  <a:srgbClr val="ffffff"/>
+                </a:solidFill>
+                <a:latin typeface="Arial"/>
+                <a:ea typeface="Courier New"/>
+              </a:rPr>
+              <a:t>    System.</a:t>
+            </a:r>
+            <a:r>
+              <a:rPr b="0" i="1" lang="pl-PL" sz="2000" spc="-1" strike="noStrike">
+                <a:solidFill>
+                  <a:srgbClr val="ffffff"/>
+                </a:solidFill>
+                <a:latin typeface="Arial"/>
+                <a:ea typeface="Courier New"/>
+              </a:rPr>
+              <a:t>out</a:t>
+            </a:r>
+            <a:r>
+              <a:rPr b="0" lang="pl-PL" sz="2000" spc="-1" strike="noStrike">
+                <a:solidFill>
+                  <a:srgbClr val="ffffff"/>
+                </a:solidFill>
+                <a:latin typeface="Arial"/>
+                <a:ea typeface="Courier New"/>
+              </a:rPr>
+              <a:t>.println(osoba);</a:t>
+            </a:r>
+            <a:br/>
+            <a:r>
+              <a:rPr b="0" lang="pl-PL" sz="2000" spc="-1" strike="noStrike">
+                <a:solidFill>
+                  <a:srgbClr val="ffffff"/>
+                </a:solidFill>
+                <a:latin typeface="Arial"/>
+                <a:ea typeface="Courier New"/>
+              </a:rPr>
+              <a:t>}</a:t>
+            </a:r>
+            <a:endParaRPr b="0" lang="pl-PL" sz="2000" spc="-1" strike="noStrike">
               <a:solidFill>
                 <a:srgbClr val="ffffff"/>
               </a:solidFill>
@@ -24918,10 +26202,10 @@
   <p:timing>
     <p:tnLst>
       <p:par>
-        <p:cTn id="73" dur="indefinite" restart="never" nodeType="tmRoot">
+        <p:cTn id="77" dur="indefinite" restart="never" nodeType="tmRoot">
           <p:childTnLst>
             <p:seq>
-              <p:cTn id="74" dur="indefinite" nodeType="mainSeq"/>
+              <p:cTn id="78" dur="indefinite" nodeType="mainSeq"/>
               <p:prevCondLst>
                 <p:cond delay="0" evt="onPrev">
                   <p:tgtEl>
@@ -24971,7 +26255,7 @@
         <p:spPr>
           <a:xfrm>
             <a:off x="1561680" y="0"/>
-            <a:ext cx="9066960" cy="1257840"/>
+            <a:ext cx="9066600" cy="1257480"/>
           </a:xfrm>
           <a:prstGeom prst="rect">
             <a:avLst/>
@@ -25020,7 +26304,7 @@
         <p:spPr>
           <a:xfrm>
             <a:off x="861840" y="1728360"/>
-            <a:ext cx="5399280" cy="4964760"/>
+            <a:ext cx="5398920" cy="4964400"/>
           </a:xfrm>
           <a:prstGeom prst="rect">
             <a:avLst/>
@@ -25069,7 +26353,7 @@
         <p:spPr>
           <a:xfrm>
             <a:off x="1703520" y="1728360"/>
-            <a:ext cx="8783280" cy="4964760"/>
+            <a:ext cx="8782920" cy="4964400"/>
           </a:xfrm>
           <a:prstGeom prst="rect">
             <a:avLst/>
@@ -25288,6 +26572,831 @@
           <p:childTnLst>
             <p:seq>
               <p:cTn id="8" dur="indefinite" nodeType="mainSeq"/>
+              <p:prevCondLst>
+                <p:cond delay="0" evt="onPrev">
+                  <p:tgtEl>
+                    <p:sldTgt/>
+                  </p:tgtEl>
+                </p:cond>
+              </p:prevCondLst>
+              <p:nextCondLst>
+                <p:cond delay="0" evt="onNext">
+                  <p:tgtEl>
+                    <p:sldTgt/>
+                  </p:tgtEl>
+                </p:cond>
+              </p:nextCondLst>
+            </p:seq>
+          </p:childTnLst>
+        </p:cTn>
+      </p:par>
+    </p:tnLst>
+  </p:timing>
+</p:sld>
+</file>
+
+<file path=ppt/slides/slide40.xml><?xml version="1.0" encoding="utf-8"?>
+<p:sld xmlns:a="http://schemas.openxmlformats.org/drawingml/2006/main" xmlns:p="http://schemas.openxmlformats.org/presentationml/2006/main" xmlns:r="http://schemas.openxmlformats.org/officeDocument/2006/relationships" xmlns:p14="http://schemas.microsoft.com/office/powerpoint/2010/main" xmlns:p15="http://schemas.microsoft.com/office/powerpoint/2012/main" xmlns:mc="http://schemas.openxmlformats.org/markup-compatibility/2006">
+  <p:cSld>
+    <p:spTree>
+      <p:nvGrpSpPr>
+        <p:cNvPr id="1" name=""/>
+        <p:cNvGrpSpPr/>
+        <p:nvPr/>
+      </p:nvGrpSpPr>
+      <p:grpSpPr>
+        <a:xfrm>
+          <a:off x="0" y="0"/>
+          <a:ext cx="0" cy="0"/>
+          <a:chOff x="0" y="0"/>
+          <a:chExt cx="0" cy="0"/>
+        </a:xfrm>
+      </p:grpSpPr>
+      <p:sp>
+        <p:nvSpPr>
+          <p:cNvPr id="240" name="CustomShape 1"/>
+          <p:cNvSpPr/>
+          <p:nvPr/>
+        </p:nvSpPr>
+        <p:spPr>
+          <a:xfrm>
+            <a:off x="1561680" y="0"/>
+            <a:ext cx="9066600" cy="1257480"/>
+          </a:xfrm>
+          <a:prstGeom prst="rect">
+            <a:avLst/>
+          </a:prstGeom>
+          <a:noFill/>
+          <a:ln>
+            <a:noFill/>
+          </a:ln>
+        </p:spPr>
+        <p:style>
+          <a:lnRef idx="0"/>
+          <a:fillRef idx="0"/>
+          <a:effectRef idx="0"/>
+          <a:fontRef idx="minor"/>
+        </p:style>
+        <p:txBody>
+          <a:bodyPr lIns="0" rIns="0" tIns="0" bIns="0" anchor="ctr"/>
+          <a:p>
+            <a:pPr algn="ctr">
+              <a:lnSpc>
+                <a:spcPct val="100000"/>
+              </a:lnSpc>
+            </a:pPr>
+            <a:r>
+              <a:rPr b="1" lang="pl-PL" sz="4400" spc="-1" strike="noStrike">
+                <a:solidFill>
+                  <a:srgbClr val="ffffff"/>
+                </a:solidFill>
+                <a:latin typeface="Arial"/>
+                <a:ea typeface="DejaVu Sans"/>
+              </a:rPr>
+              <a:t>Kolekcje - Set</a:t>
+            </a:r>
+            <a:endParaRPr b="0" lang="pl-PL" sz="4400" spc="-1" strike="noStrike">
+              <a:latin typeface="Arial"/>
+            </a:endParaRPr>
+          </a:p>
+        </p:txBody>
+      </p:sp>
+      <p:sp>
+        <p:nvSpPr>
+          <p:cNvPr id="241" name="CustomShape 2"/>
+          <p:cNvSpPr/>
+          <p:nvPr/>
+        </p:nvSpPr>
+        <p:spPr>
+          <a:xfrm>
+            <a:off x="1368000" y="1224000"/>
+            <a:ext cx="4752000" cy="5328000"/>
+          </a:xfrm>
+          <a:prstGeom prst="rect">
+            <a:avLst/>
+          </a:prstGeom>
+          <a:noFill/>
+          <a:ln>
+            <a:noFill/>
+          </a:ln>
+        </p:spPr>
+        <p:style>
+          <a:lnRef idx="0"/>
+          <a:fillRef idx="0"/>
+          <a:effectRef idx="0"/>
+          <a:fontRef idx="minor"/>
+        </p:style>
+        <p:txBody>
+          <a:bodyPr lIns="90000" rIns="90000" tIns="45000" bIns="45000"/>
+          <a:p>
+            <a:pPr>
+              <a:lnSpc>
+                <a:spcPct val="100000"/>
+              </a:lnSpc>
+            </a:pPr>
+            <a:r>
+              <a:rPr b="0" lang="pl-PL" sz="2200" spc="-1" strike="noStrike">
+                <a:solidFill>
+                  <a:srgbClr val="00a65d"/>
+                </a:solidFill>
+                <a:latin typeface="Arial"/>
+                <a:ea typeface="DejaVu Sans"/>
+              </a:rPr>
+              <a:t>Zbiory</a:t>
+            </a:r>
+            <a:r>
+              <a:rPr b="0" lang="pl-PL" sz="2200" spc="-1" strike="noStrike">
+                <a:solidFill>
+                  <a:srgbClr val="ffffff"/>
+                </a:solidFill>
+                <a:latin typeface="Arial"/>
+                <a:ea typeface="DejaVu Sans"/>
+              </a:rPr>
+              <a:t> służą do przechowywania unikalnych elementów. Interfejs </a:t>
+            </a:r>
+            <a:r>
+              <a:rPr b="0" lang="pl-PL" sz="2200" spc="-1" strike="noStrike">
+                <a:solidFill>
+                  <a:srgbClr val="00a65d"/>
+                </a:solidFill>
+                <a:latin typeface="Arial"/>
+                <a:ea typeface="DejaVu Sans"/>
+              </a:rPr>
+              <a:t>Set</a:t>
+            </a:r>
+            <a:r>
+              <a:rPr b="0" lang="pl-PL" sz="2200" spc="-1" strike="noStrike">
+                <a:solidFill>
+                  <a:srgbClr val="ffffff"/>
+                </a:solidFill>
+                <a:latin typeface="Arial"/>
+                <a:ea typeface="DejaVu Sans"/>
+              </a:rPr>
+              <a:t> nic nie mówi o kolejności tych elementów (kolejność elementów nie jest zapewniona tak jak w listach, nie ma tu indeksów). W jednym zbiorze nie mogą znaleźć się dwa takie same elementy, to znaczy takie, że:</a:t>
+            </a:r>
+            <a:endParaRPr b="0" lang="pl-PL" sz="2200" spc="-1" strike="noStrike">
+              <a:latin typeface="Arial"/>
+            </a:endParaRPr>
+          </a:p>
+          <a:p>
+            <a:pPr>
+              <a:lnSpc>
+                <a:spcPct val="100000"/>
+              </a:lnSpc>
+            </a:pPr>
+            <a:endParaRPr b="0" lang="pl-PL" sz="2200" spc="-1" strike="noStrike">
+              <a:latin typeface="Arial"/>
+            </a:endParaRPr>
+          </a:p>
+          <a:p>
+            <a:pPr>
+              <a:lnSpc>
+                <a:spcPct val="100000"/>
+              </a:lnSpc>
+            </a:pPr>
+            <a:r>
+              <a:rPr b="0" lang="pl-PL" sz="2200" spc="-1" strike="noStrike">
+                <a:solidFill>
+                  <a:srgbClr val="ffffff"/>
+                </a:solidFill>
+                <a:latin typeface="Arial"/>
+                <a:ea typeface="DejaVu Sans"/>
+              </a:rPr>
+              <a:t>object1.equals(object2) == true</a:t>
+            </a:r>
+            <a:endParaRPr b="0" lang="pl-PL" sz="2200" spc="-1" strike="noStrike">
+              <a:latin typeface="Arial"/>
+            </a:endParaRPr>
+          </a:p>
+          <a:p>
+            <a:pPr>
+              <a:lnSpc>
+                <a:spcPct val="100000"/>
+              </a:lnSpc>
+            </a:pPr>
+            <a:endParaRPr b="0" lang="pl-PL" sz="2200" spc="-1" strike="noStrike">
+              <a:latin typeface="Arial"/>
+            </a:endParaRPr>
+          </a:p>
+          <a:p>
+            <a:pPr>
+              <a:lnSpc>
+                <a:spcPct val="100000"/>
+              </a:lnSpc>
+            </a:pPr>
+            <a:r>
+              <a:rPr b="0" lang="pl-PL" sz="2200" spc="-1" strike="noStrike">
+                <a:solidFill>
+                  <a:srgbClr val="ffffff"/>
+                </a:solidFill>
+                <a:latin typeface="Arial"/>
+                <a:ea typeface="DejaVu Sans"/>
+              </a:rPr>
+              <a:t>Podstawową implementacją zbioru jest </a:t>
+            </a:r>
+            <a:r>
+              <a:rPr b="0" lang="pl-PL" sz="2200" spc="-1" strike="noStrike">
+                <a:solidFill>
+                  <a:srgbClr val="00a65d"/>
+                </a:solidFill>
+                <a:latin typeface="Arial"/>
+                <a:ea typeface="DejaVu Sans"/>
+              </a:rPr>
+              <a:t>HashSet</a:t>
+            </a:r>
+            <a:r>
+              <a:rPr b="0" lang="pl-PL" sz="2200" spc="-1" strike="noStrike">
+                <a:solidFill>
+                  <a:srgbClr val="ffffff"/>
+                </a:solidFill>
+                <a:latin typeface="Arial"/>
+                <a:ea typeface="DejaVu Sans"/>
+              </a:rPr>
+              <a:t>. W obiektach, które wkładamy do zbioru powinny być zdefiniowane metody </a:t>
+            </a:r>
+            <a:r>
+              <a:rPr b="0" lang="pl-PL" sz="2200" spc="-1" strike="noStrike">
+                <a:solidFill>
+                  <a:srgbClr val="00a65d"/>
+                </a:solidFill>
+                <a:latin typeface="Arial"/>
+                <a:ea typeface="DejaVu Sans"/>
+              </a:rPr>
+              <a:t>hashCode()</a:t>
+            </a:r>
+            <a:r>
+              <a:rPr b="0" lang="pl-PL" sz="2200" spc="-1" strike="noStrike">
+                <a:solidFill>
+                  <a:srgbClr val="ffffff"/>
+                </a:solidFill>
+                <a:latin typeface="Arial"/>
+                <a:ea typeface="DejaVu Sans"/>
+              </a:rPr>
+              <a:t> i </a:t>
+            </a:r>
+            <a:r>
+              <a:rPr b="0" lang="pl-PL" sz="2200" spc="-1" strike="noStrike">
+                <a:solidFill>
+                  <a:srgbClr val="00a65d"/>
+                </a:solidFill>
+                <a:latin typeface="Arial"/>
+                <a:ea typeface="DejaVu Sans"/>
+              </a:rPr>
+              <a:t>equals()</a:t>
+            </a:r>
+            <a:endParaRPr b="0" lang="pl-PL" sz="2200" spc="-1" strike="noStrike">
+              <a:latin typeface="Arial"/>
+            </a:endParaRPr>
+          </a:p>
+        </p:txBody>
+      </p:sp>
+      <p:sp>
+        <p:nvSpPr>
+          <p:cNvPr id="242" name="TextShape 3"/>
+          <p:cNvSpPr txBox="1"/>
+          <p:nvPr/>
+        </p:nvSpPr>
+        <p:spPr>
+          <a:xfrm>
+            <a:off x="6264000" y="2376000"/>
+            <a:ext cx="5760000" cy="2448000"/>
+          </a:xfrm>
+          <a:prstGeom prst="rect">
+            <a:avLst/>
+          </a:prstGeom>
+          <a:noFill/>
+          <a:ln>
+            <a:noFill/>
+          </a:ln>
+        </p:spPr>
+        <p:txBody>
+          <a:bodyPr lIns="90000" rIns="90000" tIns="45000" bIns="45000"/>
+          <a:p>
+            <a:r>
+              <a:rPr b="0" lang="pl-PL" sz="2000" spc="-1" strike="noStrike">
+                <a:solidFill>
+                  <a:srgbClr val="ffffff"/>
+                </a:solidFill>
+                <a:latin typeface="Arial"/>
+                <a:ea typeface="Courier New"/>
+              </a:rPr>
+              <a:t>Set&lt;Osoba&gt; osoby = new HashSet();</a:t>
+            </a:r>
+            <a:br/>
+            <a:r>
+              <a:rPr b="0" lang="pl-PL" sz="2000" spc="-1" strike="noStrike">
+                <a:solidFill>
+                  <a:srgbClr val="ffffff"/>
+                </a:solidFill>
+                <a:latin typeface="Arial"/>
+                <a:ea typeface="Courier New"/>
+              </a:rPr>
+              <a:t>osoby.add(new Osoba("Piotr","Krajnik"));</a:t>
+            </a:r>
+            <a:br/>
+            <a:r>
+              <a:rPr b="0" lang="pl-PL" sz="2000" spc="-1" strike="noStrike">
+                <a:solidFill>
+                  <a:srgbClr val="ffffff"/>
+                </a:solidFill>
+                <a:latin typeface="Arial"/>
+                <a:ea typeface="Courier New"/>
+              </a:rPr>
+              <a:t>osoby.add(new Osoba("Adam","Kowalski"));</a:t>
+            </a:r>
+            <a:br/>
+            <a:r>
+              <a:rPr b="0" lang="pl-PL" sz="2000" spc="-1" strike="noStrike">
+                <a:solidFill>
+                  <a:srgbClr val="ffffff"/>
+                </a:solidFill>
+                <a:latin typeface="Arial"/>
+                <a:ea typeface="Courier New"/>
+              </a:rPr>
+              <a:t>osoby.add(new Osoba("Adam","Kowalski"));</a:t>
+            </a:r>
+            <a:br/>
+            <a:br/>
+            <a:r>
+              <a:rPr b="0" lang="pl-PL" sz="2000" spc="-1" strike="noStrike">
+                <a:solidFill>
+                  <a:srgbClr val="ffffff"/>
+                </a:solidFill>
+                <a:latin typeface="Arial"/>
+                <a:ea typeface="Courier New"/>
+              </a:rPr>
+              <a:t>for(Osoba osoba: osoby){</a:t>
+            </a:r>
+            <a:br/>
+            <a:r>
+              <a:rPr b="0" lang="pl-PL" sz="2000" spc="-1" strike="noStrike">
+                <a:solidFill>
+                  <a:srgbClr val="ffffff"/>
+                </a:solidFill>
+                <a:latin typeface="Arial"/>
+                <a:ea typeface="Courier New"/>
+              </a:rPr>
+              <a:t>    System.</a:t>
+            </a:r>
+            <a:r>
+              <a:rPr b="0" i="1" lang="pl-PL" sz="2000" spc="-1" strike="noStrike">
+                <a:solidFill>
+                  <a:srgbClr val="ffffff"/>
+                </a:solidFill>
+                <a:latin typeface="Arial"/>
+                <a:ea typeface="Courier New"/>
+              </a:rPr>
+              <a:t>out</a:t>
+            </a:r>
+            <a:r>
+              <a:rPr b="0" lang="pl-PL" sz="2000" spc="-1" strike="noStrike">
+                <a:solidFill>
+                  <a:srgbClr val="ffffff"/>
+                </a:solidFill>
+                <a:latin typeface="Arial"/>
+                <a:ea typeface="Courier New"/>
+              </a:rPr>
+              <a:t>.println(osoba);</a:t>
+            </a:r>
+            <a:br/>
+            <a:r>
+              <a:rPr b="0" lang="pl-PL" sz="2000" spc="-1" strike="noStrike">
+                <a:solidFill>
+                  <a:srgbClr val="ffffff"/>
+                </a:solidFill>
+                <a:latin typeface="Arial"/>
+                <a:ea typeface="Courier New"/>
+              </a:rPr>
+              <a:t>}</a:t>
+            </a:r>
+            <a:endParaRPr b="0" lang="pl-PL" sz="2000" spc="-1" strike="noStrike">
+              <a:solidFill>
+                <a:srgbClr val="ffffff"/>
+              </a:solidFill>
+              <a:latin typeface="Arial"/>
+            </a:endParaRPr>
+          </a:p>
+        </p:txBody>
+      </p:sp>
+    </p:spTree>
+  </p:cSld>
+  <p:timing>
+    <p:tnLst>
+      <p:par>
+        <p:cTn id="79" dur="indefinite" restart="never" nodeType="tmRoot">
+          <p:childTnLst>
+            <p:seq>
+              <p:cTn id="80" dur="indefinite" nodeType="mainSeq"/>
+              <p:prevCondLst>
+                <p:cond delay="0" evt="onPrev">
+                  <p:tgtEl>
+                    <p:sldTgt/>
+                  </p:tgtEl>
+                </p:cond>
+              </p:prevCondLst>
+              <p:nextCondLst>
+                <p:cond delay="0" evt="onNext">
+                  <p:tgtEl>
+                    <p:sldTgt/>
+                  </p:tgtEl>
+                </p:cond>
+              </p:nextCondLst>
+            </p:seq>
+          </p:childTnLst>
+        </p:cTn>
+      </p:par>
+    </p:tnLst>
+  </p:timing>
+</p:sld>
+</file>
+
+<file path=ppt/slides/slide41.xml><?xml version="1.0" encoding="utf-8"?>
+<p:sld xmlns:a="http://schemas.openxmlformats.org/drawingml/2006/main" xmlns:p="http://schemas.openxmlformats.org/presentationml/2006/main" xmlns:r="http://schemas.openxmlformats.org/officeDocument/2006/relationships" xmlns:p14="http://schemas.microsoft.com/office/powerpoint/2010/main" xmlns:p15="http://schemas.microsoft.com/office/powerpoint/2012/main" xmlns:mc="http://schemas.openxmlformats.org/markup-compatibility/2006">
+  <p:cSld>
+    <p:spTree>
+      <p:nvGrpSpPr>
+        <p:cNvPr id="1" name=""/>
+        <p:cNvGrpSpPr/>
+        <p:nvPr/>
+      </p:nvGrpSpPr>
+      <p:grpSpPr>
+        <a:xfrm>
+          <a:off x="0" y="0"/>
+          <a:ext cx="0" cy="0"/>
+          <a:chOff x="0" y="0"/>
+          <a:chExt cx="0" cy="0"/>
+        </a:xfrm>
+      </p:grpSpPr>
+      <p:sp>
+        <p:nvSpPr>
+          <p:cNvPr id="243" name="CustomShape 1"/>
+          <p:cNvSpPr/>
+          <p:nvPr/>
+        </p:nvSpPr>
+        <p:spPr>
+          <a:xfrm>
+            <a:off x="1561680" y="0"/>
+            <a:ext cx="9066600" cy="1257480"/>
+          </a:xfrm>
+          <a:prstGeom prst="rect">
+            <a:avLst/>
+          </a:prstGeom>
+          <a:noFill/>
+          <a:ln>
+            <a:noFill/>
+          </a:ln>
+        </p:spPr>
+        <p:style>
+          <a:lnRef idx="0"/>
+          <a:fillRef idx="0"/>
+          <a:effectRef idx="0"/>
+          <a:fontRef idx="minor"/>
+        </p:style>
+        <p:txBody>
+          <a:bodyPr lIns="0" rIns="0" tIns="0" bIns="0" anchor="ctr"/>
+          <a:p>
+            <a:pPr algn="ctr">
+              <a:lnSpc>
+                <a:spcPct val="100000"/>
+              </a:lnSpc>
+            </a:pPr>
+            <a:r>
+              <a:rPr b="1" lang="pl-PL" sz="4400" spc="-1" strike="noStrike">
+                <a:solidFill>
+                  <a:srgbClr val="ffffff"/>
+                </a:solidFill>
+                <a:latin typeface="Arial"/>
+                <a:ea typeface="DejaVu Sans"/>
+              </a:rPr>
+              <a:t>Kolekcje - Map</a:t>
+            </a:r>
+            <a:endParaRPr b="0" lang="pl-PL" sz="4400" spc="-1" strike="noStrike">
+              <a:latin typeface="Arial"/>
+            </a:endParaRPr>
+          </a:p>
+        </p:txBody>
+      </p:sp>
+      <p:sp>
+        <p:nvSpPr>
+          <p:cNvPr id="244" name="CustomShape 2"/>
+          <p:cNvSpPr/>
+          <p:nvPr/>
+        </p:nvSpPr>
+        <p:spPr>
+          <a:xfrm>
+            <a:off x="1368000" y="1224000"/>
+            <a:ext cx="4608000" cy="5328000"/>
+          </a:xfrm>
+          <a:prstGeom prst="rect">
+            <a:avLst/>
+          </a:prstGeom>
+          <a:noFill/>
+          <a:ln>
+            <a:noFill/>
+          </a:ln>
+        </p:spPr>
+        <p:style>
+          <a:lnRef idx="0"/>
+          <a:fillRef idx="0"/>
+          <a:effectRef idx="0"/>
+          <a:fontRef idx="minor"/>
+        </p:style>
+        <p:txBody>
+          <a:bodyPr lIns="90000" rIns="90000" tIns="45000" bIns="45000"/>
+          <a:p>
+            <a:pPr>
+              <a:lnSpc>
+                <a:spcPct val="100000"/>
+              </a:lnSpc>
+            </a:pPr>
+            <a:r>
+              <a:rPr b="0" lang="pl-PL" sz="2200" spc="-1" strike="noStrike">
+                <a:solidFill>
+                  <a:srgbClr val="00a65d"/>
+                </a:solidFill>
+                <a:latin typeface="Arial"/>
+                <a:ea typeface="DejaVu Sans"/>
+              </a:rPr>
+              <a:t>Mapy </a:t>
+            </a:r>
+            <a:r>
+              <a:rPr b="0" lang="pl-PL" sz="2200" spc="-1" strike="noStrike">
+                <a:solidFill>
+                  <a:srgbClr val="ffffff"/>
+                </a:solidFill>
+                <a:latin typeface="Arial"/>
+                <a:ea typeface="DejaVu Sans"/>
+              </a:rPr>
+              <a:t>służą do przechowywania kolekcji par klucz – wartość. Mapy tak jak zbiory nie gwarantują kolejności przechowywania elementów. Klucze w mapach są unikalne. Jeśli dodamy wartość z istniejącym już kluczem, zostanie ona nadpisana. Do kolekcji można włożyć jedną wartość z kluczem null. Najczęściej używaną implementacją jest </a:t>
+            </a:r>
+            <a:r>
+              <a:rPr b="0" lang="pl-PL" sz="2200" spc="-1" strike="noStrike">
+                <a:solidFill>
+                  <a:srgbClr val="00a65d"/>
+                </a:solidFill>
+                <a:latin typeface="Arial"/>
+                <a:ea typeface="DejaVu Sans"/>
+              </a:rPr>
+              <a:t>HashMap</a:t>
+            </a:r>
+            <a:r>
+              <a:rPr b="0" lang="pl-PL" sz="2200" spc="-1" strike="noStrike">
+                <a:solidFill>
+                  <a:srgbClr val="ffffff"/>
+                </a:solidFill>
+                <a:latin typeface="Arial"/>
+                <a:ea typeface="DejaVu Sans"/>
+              </a:rPr>
+              <a:t>.</a:t>
+            </a:r>
+            <a:endParaRPr b="0" lang="pl-PL" sz="2200" spc="-1" strike="noStrike">
+              <a:latin typeface="Arial"/>
+            </a:endParaRPr>
+          </a:p>
+          <a:p>
+            <a:pPr>
+              <a:lnSpc>
+                <a:spcPct val="100000"/>
+              </a:lnSpc>
+            </a:pPr>
+            <a:endParaRPr b="0" lang="pl-PL" sz="2200" spc="-1" strike="noStrike">
+              <a:latin typeface="Arial"/>
+            </a:endParaRPr>
+          </a:p>
+          <a:p>
+            <a:pPr>
+              <a:lnSpc>
+                <a:spcPct val="100000"/>
+              </a:lnSpc>
+            </a:pPr>
+            <a:r>
+              <a:rPr b="0" lang="pl-PL" sz="2200" spc="-1" strike="noStrike">
+                <a:solidFill>
+                  <a:srgbClr val="ffffff"/>
+                </a:solidFill>
+                <a:latin typeface="Arial"/>
+                <a:ea typeface="DejaVu Sans"/>
+              </a:rPr>
+              <a:t>W obiektach, które wkładamy do mapy powinny być zdefiniowane metody </a:t>
+            </a:r>
+            <a:r>
+              <a:rPr b="0" lang="pl-PL" sz="2200" spc="-1" strike="noStrike">
+                <a:solidFill>
+                  <a:srgbClr val="00a65d"/>
+                </a:solidFill>
+                <a:latin typeface="Arial"/>
+                <a:ea typeface="DejaVu Sans"/>
+              </a:rPr>
+              <a:t>hashCode()</a:t>
+            </a:r>
+            <a:r>
+              <a:rPr b="0" lang="pl-PL" sz="2200" spc="-1" strike="noStrike">
+                <a:solidFill>
+                  <a:srgbClr val="ffffff"/>
+                </a:solidFill>
+                <a:latin typeface="Arial"/>
+                <a:ea typeface="DejaVu Sans"/>
+              </a:rPr>
+              <a:t> i </a:t>
+            </a:r>
+            <a:r>
+              <a:rPr b="0" lang="pl-PL" sz="2200" spc="-1" strike="noStrike">
+                <a:solidFill>
+                  <a:srgbClr val="00a65d"/>
+                </a:solidFill>
+                <a:latin typeface="Arial"/>
+                <a:ea typeface="DejaVu Sans"/>
+              </a:rPr>
+              <a:t>equals()</a:t>
+            </a:r>
+            <a:endParaRPr b="0" lang="pl-PL" sz="2200" spc="-1" strike="noStrike">
+              <a:latin typeface="Arial"/>
+            </a:endParaRPr>
+          </a:p>
+          <a:p>
+            <a:pPr>
+              <a:lnSpc>
+                <a:spcPct val="100000"/>
+              </a:lnSpc>
+            </a:pPr>
+            <a:endParaRPr b="0" lang="pl-PL" sz="2200" spc="-1" strike="noStrike">
+              <a:latin typeface="Arial"/>
+            </a:endParaRPr>
+          </a:p>
+        </p:txBody>
+      </p:sp>
+      <p:sp>
+        <p:nvSpPr>
+          <p:cNvPr id="245" name="TextShape 3"/>
+          <p:cNvSpPr txBox="1"/>
+          <p:nvPr/>
+        </p:nvSpPr>
+        <p:spPr>
+          <a:xfrm>
+            <a:off x="5976000" y="1944000"/>
+            <a:ext cx="5760000" cy="3567240"/>
+          </a:xfrm>
+          <a:prstGeom prst="rect">
+            <a:avLst/>
+          </a:prstGeom>
+          <a:noFill/>
+          <a:ln>
+            <a:noFill/>
+          </a:ln>
+        </p:spPr>
+        <p:txBody>
+          <a:bodyPr lIns="90000" rIns="90000" tIns="45000" bIns="45000"/>
+          <a:p>
+            <a:r>
+              <a:rPr b="0" lang="pl-PL" sz="1800" spc="-1" strike="noStrike">
+                <a:solidFill>
+                  <a:srgbClr val="ffffff"/>
+                </a:solidFill>
+                <a:latin typeface="Arial"/>
+                <a:ea typeface="Courier New"/>
+              </a:rPr>
+              <a:t>Map&lt;String, Osoba&gt; osoby = new HashMap&lt;&gt;();</a:t>
+            </a:r>
+            <a:br/>
+            <a:r>
+              <a:rPr b="0" lang="pl-PL" sz="1800" spc="-1" strike="noStrike">
+                <a:solidFill>
+                  <a:srgbClr val="ffffff"/>
+                </a:solidFill>
+                <a:latin typeface="Arial"/>
+                <a:ea typeface="Courier New"/>
+              </a:rPr>
+              <a:t>osoby.put("Ja",new Osoba("Piotr","Krajnik"));</a:t>
+            </a:r>
+            <a:br/>
+            <a:r>
+              <a:rPr b="0" lang="pl-PL" sz="1800" spc="-1" strike="noStrike">
+                <a:solidFill>
+                  <a:srgbClr val="ffffff"/>
+                </a:solidFill>
+                <a:latin typeface="Arial"/>
+                <a:ea typeface="Courier New"/>
+              </a:rPr>
+              <a:t>osoby.put("Kolega1",new Osoba("Adam","Kowalski"));</a:t>
+            </a:r>
+            <a:br/>
+            <a:r>
+              <a:rPr b="0" lang="pl-PL" sz="1800" spc="-1" strike="noStrike">
+                <a:solidFill>
+                  <a:srgbClr val="ffffff"/>
+                </a:solidFill>
+                <a:latin typeface="Arial"/>
+                <a:ea typeface="Courier New"/>
+              </a:rPr>
+              <a:t>osoby.put("Kolega2",new Osoba("Adam","Kowalski"));</a:t>
+            </a:r>
+            <a:br/>
+            <a:r>
+              <a:rPr b="0" lang="pl-PL" sz="1800" spc="-1" strike="noStrike">
+                <a:solidFill>
+                  <a:srgbClr val="ffffff"/>
+                </a:solidFill>
+                <a:latin typeface="Arial"/>
+                <a:ea typeface="Courier New"/>
+              </a:rPr>
+              <a:t>osoby.put("Kolega3",new Osoba("Adrain","Kowalski"));</a:t>
+            </a:r>
+            <a:br/>
+            <a:r>
+              <a:rPr b="0" lang="pl-PL" sz="1800" spc="-1" strike="noStrike">
+                <a:solidFill>
+                  <a:srgbClr val="ffffff"/>
+                </a:solidFill>
+                <a:latin typeface="Arial"/>
+                <a:ea typeface="Courier New"/>
+              </a:rPr>
+              <a:t>osoby.remove("Kolega3");</a:t>
+            </a:r>
+            <a:br/>
+            <a:r>
+              <a:rPr b="0" lang="pl-PL" sz="1800" spc="-1" strike="noStrike">
+                <a:solidFill>
+                  <a:srgbClr val="ffffff"/>
+                </a:solidFill>
+                <a:latin typeface="Arial"/>
+                <a:ea typeface="Courier New"/>
+              </a:rPr>
+              <a:t>osoby.put(null,new Osoba("Alina","Rozwadowska"));</a:t>
+            </a:r>
+            <a:endParaRPr b="0" lang="pl-PL" sz="1800" spc="-1" strike="noStrike">
+              <a:latin typeface="Arial"/>
+            </a:endParaRPr>
+          </a:p>
+          <a:p>
+            <a:br/>
+            <a:r>
+              <a:rPr b="0" lang="pl-PL" sz="1800" spc="-1" strike="noStrike">
+                <a:solidFill>
+                  <a:srgbClr val="ffffff"/>
+                </a:solidFill>
+                <a:latin typeface="Arial"/>
+                <a:ea typeface="Courier New"/>
+              </a:rPr>
+              <a:t>for(Map.Entry&lt;String,Osoba&gt; osoba: osoby.entrySet()){</a:t>
+            </a:r>
+            <a:br/>
+            <a:r>
+              <a:rPr b="0" lang="pl-PL" sz="1800" spc="-1" strike="noStrike">
+                <a:solidFill>
+                  <a:srgbClr val="ffffff"/>
+                </a:solidFill>
+                <a:latin typeface="Arial"/>
+                <a:ea typeface="Courier New"/>
+              </a:rPr>
+              <a:t>    System.</a:t>
+            </a:r>
+            <a:r>
+              <a:rPr b="0" i="1" lang="pl-PL" sz="1800" spc="-1" strike="noStrike">
+                <a:solidFill>
+                  <a:srgbClr val="ffffff"/>
+                </a:solidFill>
+                <a:latin typeface="Arial"/>
+                <a:ea typeface="Courier New"/>
+              </a:rPr>
+              <a:t>out</a:t>
+            </a:r>
+            <a:r>
+              <a:rPr b="0" lang="pl-PL" sz="1800" spc="-1" strike="noStrike">
+                <a:solidFill>
+                  <a:srgbClr val="ffffff"/>
+                </a:solidFill>
+                <a:latin typeface="Arial"/>
+                <a:ea typeface="Courier New"/>
+              </a:rPr>
+              <a:t>.println("Rola: "+osoba.getKey()+" "+osoba.getValue());</a:t>
+            </a:r>
+            <a:br/>
+            <a:r>
+              <a:rPr b="0" lang="pl-PL" sz="1800" spc="-1" strike="noStrike">
+                <a:solidFill>
+                  <a:srgbClr val="ffffff"/>
+                </a:solidFill>
+                <a:latin typeface="Arial"/>
+                <a:ea typeface="Courier New"/>
+              </a:rPr>
+              <a:t>}</a:t>
+            </a:r>
+            <a:br/>
+            <a:endParaRPr b="0" lang="pl-PL" sz="1800" spc="-1" strike="noStrike">
+              <a:latin typeface="Arial"/>
+            </a:endParaRPr>
+          </a:p>
+        </p:txBody>
+      </p:sp>
+    </p:spTree>
+  </p:cSld>
+  <p:timing>
+    <p:tnLst>
+      <p:par>
+        <p:cTn id="81" dur="indefinite" restart="never" nodeType="tmRoot">
+          <p:childTnLst>
+            <p:seq>
+              <p:cTn id="82" dur="indefinite" nodeType="mainSeq"/>
               <p:prevCondLst>
                 <p:cond delay="0" evt="onPrev">
                   <p:tgtEl>
@@ -25337,7 +27446,7 @@
         <p:spPr>
           <a:xfrm>
             <a:off x="1561680" y="0"/>
-            <a:ext cx="9066960" cy="1257840"/>
+            <a:ext cx="9066600" cy="1257480"/>
           </a:xfrm>
           <a:prstGeom prst="rect">
             <a:avLst/>
@@ -25386,7 +27495,7 @@
         <p:spPr>
           <a:xfrm>
             <a:off x="861480" y="1728360"/>
-            <a:ext cx="5399280" cy="4964760"/>
+            <a:ext cx="5398920" cy="4964400"/>
           </a:xfrm>
           <a:prstGeom prst="rect">
             <a:avLst/>
@@ -25434,8 +27543,8 @@
         </p:nvSpPr>
         <p:spPr>
           <a:xfrm rot="21553200">
-            <a:off x="2466000" y="2637000"/>
-            <a:ext cx="1583280" cy="2673360"/>
+            <a:off x="2466000" y="2636640"/>
+            <a:ext cx="1582920" cy="2673000"/>
           </a:xfrm>
           <a:prstGeom prst="rect">
             <a:avLst/>
@@ -25537,8 +27646,8 @@
         </p:nvSpPr>
         <p:spPr>
           <a:xfrm rot="21553200">
-            <a:off x="5418000" y="2637000"/>
-            <a:ext cx="1583280" cy="2673360"/>
+            <a:off x="5418000" y="2636640"/>
+            <a:ext cx="1582920" cy="2673000"/>
           </a:xfrm>
           <a:prstGeom prst="rect">
             <a:avLst/>
@@ -25709,7 +27818,7 @@
         <p:spPr>
           <a:xfrm>
             <a:off x="8354160" y="1728000"/>
-            <a:ext cx="1725120" cy="1221120"/>
+            <a:ext cx="1724760" cy="1220760"/>
           </a:xfrm>
           <a:prstGeom prst="rect">
             <a:avLst/>
@@ -25812,7 +27921,7 @@
         <p:spPr>
           <a:xfrm>
             <a:off x="8282160" y="4895640"/>
-            <a:ext cx="1725120" cy="1221120"/>
+            <a:ext cx="1724760" cy="1220760"/>
           </a:xfrm>
           <a:prstGeom prst="rect">
             <a:avLst/>
@@ -25915,7 +28024,7 @@
         <p:spPr>
           <a:xfrm>
             <a:off x="4320000" y="3383640"/>
-            <a:ext cx="1077120" cy="343440"/>
+            <a:ext cx="1076760" cy="343080"/>
           </a:xfrm>
           <a:prstGeom prst="rect">
             <a:avLst/>
@@ -26020,7 +28129,7 @@
         <p:spPr>
           <a:xfrm>
             <a:off x="7058160" y="3685320"/>
-            <a:ext cx="1077120" cy="599400"/>
+            <a:ext cx="1076760" cy="599040"/>
           </a:xfrm>
           <a:prstGeom prst="rect">
             <a:avLst/>
@@ -26128,7 +28237,7 @@
         <p:spPr>
           <a:xfrm>
             <a:off x="1561680" y="720"/>
-            <a:ext cx="9066960" cy="1257840"/>
+            <a:ext cx="9066600" cy="1257480"/>
           </a:xfrm>
           <a:prstGeom prst="rect">
             <a:avLst/>
@@ -28366,7 +30475,7 @@
         <p:spPr>
           <a:xfrm>
             <a:off x="1561680" y="0"/>
-            <a:ext cx="9066960" cy="1257840"/>
+            <a:ext cx="9066600" cy="1257480"/>
           </a:xfrm>
           <a:prstGeom prst="rect">
             <a:avLst/>
@@ -28415,7 +30524,7 @@
         <p:spPr>
           <a:xfrm>
             <a:off x="1998720" y="863640"/>
-            <a:ext cx="8419320" cy="4656600"/>
+            <a:ext cx="8418960" cy="4656240"/>
           </a:xfrm>
           <a:prstGeom prst="rect">
             <a:avLst/>
@@ -28741,7 +30850,7 @@
         <p:spPr>
           <a:xfrm>
             <a:off x="1561680" y="0"/>
-            <a:ext cx="9066960" cy="1257840"/>
+            <a:ext cx="9066600" cy="1257480"/>
           </a:xfrm>
           <a:prstGeom prst="rect">
             <a:avLst/>
@@ -28790,7 +30899,7 @@
         <p:spPr>
           <a:xfrm>
             <a:off x="1633320" y="1087560"/>
-            <a:ext cx="8923320" cy="6358680"/>
+            <a:ext cx="8922960" cy="6358320"/>
           </a:xfrm>
           <a:prstGeom prst="rect">
             <a:avLst/>
@@ -29168,7 +31277,7 @@
         <p:spPr>
           <a:xfrm>
             <a:off x="1561680" y="360"/>
-            <a:ext cx="9066960" cy="1257840"/>
+            <a:ext cx="9066600" cy="1257480"/>
           </a:xfrm>
           <a:prstGeom prst="rect">
             <a:avLst/>

--- a/WprowadzenieDoJezykaJAVA_v2_PiotrKrajnik.pptx
+++ b/WprowadzenieDoJezykaJAVA_v2_PiotrKrajnik.pptx
@@ -47,6 +47,7 @@
     <p:sldId id="294" r:id="rId42"/>
     <p:sldId id="295" r:id="rId43"/>
     <p:sldId id="296" r:id="rId44"/>
+    <p:sldId id="297" r:id="rId45"/>
   </p:sldIdLst>
   <p:sldSz cx="12192000" cy="6858000"/>
   <p:notesSz cx="7559675" cy="10691812"/>
@@ -2753,7 +2754,7 @@
         <p:spPr>
           <a:xfrm rot="5400000">
             <a:off x="0" y="0"/>
-            <a:ext cx="2497320" cy="2497320"/>
+            <a:ext cx="2496960" cy="2496960"/>
           </a:xfrm>
           <a:prstGeom prst="rtTriangle">
             <a:avLst/>
@@ -2793,7 +2794,7 @@
         <p:spPr>
           <a:xfrm>
             <a:off x="0" y="0"/>
-            <a:ext cx="2750400" cy="1294200"/>
+            <a:ext cx="2750040" cy="1293840"/>
           </a:xfrm>
           <a:prstGeom prst="rect">
             <a:avLst/>
@@ -3073,7 +3074,7 @@
         <p:spPr>
           <a:xfrm rot="5400000">
             <a:off x="0" y="0"/>
-            <a:ext cx="2497320" cy="2497320"/>
+            <a:ext cx="2496960" cy="2496960"/>
           </a:xfrm>
           <a:prstGeom prst="rtTriangle">
             <a:avLst/>
@@ -3113,7 +3114,7 @@
         <p:spPr>
           <a:xfrm>
             <a:off x="0" y="0"/>
-            <a:ext cx="2750400" cy="1294200"/>
+            <a:ext cx="2750040" cy="1293840"/>
           </a:xfrm>
           <a:prstGeom prst="rect">
             <a:avLst/>
@@ -3383,7 +3384,7 @@
         <p:spPr>
           <a:xfrm>
             <a:off x="1561680" y="1905480"/>
-            <a:ext cx="9066600" cy="1257480"/>
+            <a:ext cx="9066240" cy="1257120"/>
           </a:xfrm>
           <a:prstGeom prst="rect">
             <a:avLst/>
@@ -3432,7 +3433,7 @@
         <p:spPr>
           <a:xfrm>
             <a:off x="1561680" y="3456000"/>
-            <a:ext cx="9066600" cy="2692080"/>
+            <a:ext cx="9066240" cy="2691720"/>
           </a:xfrm>
           <a:prstGeom prst="rect">
             <a:avLst/>
@@ -3540,7 +3541,7 @@
         <p:spPr>
           <a:xfrm>
             <a:off x="1561680" y="0"/>
-            <a:ext cx="9066600" cy="1257480"/>
+            <a:ext cx="9066240" cy="1257120"/>
           </a:xfrm>
           <a:prstGeom prst="rect">
             <a:avLst/>
@@ -3589,7 +3590,7 @@
         <p:spPr>
           <a:xfrm>
             <a:off x="1584000" y="1175040"/>
-            <a:ext cx="3238560" cy="5639760"/>
+            <a:ext cx="3238200" cy="5639400"/>
           </a:xfrm>
           <a:prstGeom prst="rect">
             <a:avLst/>
@@ -3948,7 +3949,7 @@
         <p:spPr>
           <a:xfrm>
             <a:off x="5324040" y="1262520"/>
-            <a:ext cx="5398920" cy="695520"/>
+            <a:ext cx="5398560" cy="695160"/>
           </a:xfrm>
           <a:prstGeom prst="rect">
             <a:avLst/>
@@ -3997,7 +3998,7 @@
         <p:spPr>
           <a:xfrm>
             <a:off x="5215680" y="3780000"/>
-            <a:ext cx="5398920" cy="1915200"/>
+            <a:ext cx="5398560" cy="1914840"/>
           </a:xfrm>
           <a:prstGeom prst="rect">
             <a:avLst/>
@@ -4115,7 +4116,7 @@
         <p:spPr>
           <a:xfrm>
             <a:off x="1561680" y="0"/>
-            <a:ext cx="9066600" cy="1257480"/>
+            <a:ext cx="9066240" cy="1257120"/>
           </a:xfrm>
           <a:prstGeom prst="rect">
             <a:avLst/>
@@ -4164,7 +4165,7 @@
         <p:spPr>
           <a:xfrm>
             <a:off x="1440000" y="1152000"/>
-            <a:ext cx="3238560" cy="5639760"/>
+            <a:ext cx="3238200" cy="5639400"/>
           </a:xfrm>
           <a:prstGeom prst="rect">
             <a:avLst/>
@@ -4623,7 +4624,7 @@
         <p:spPr>
           <a:xfrm>
             <a:off x="5180040" y="1239480"/>
-            <a:ext cx="5398920" cy="4964400"/>
+            <a:ext cx="5398560" cy="4964040"/>
           </a:xfrm>
           <a:prstGeom prst="rect">
             <a:avLst/>
@@ -4811,7 +4812,7 @@
         <p:spPr>
           <a:xfrm>
             <a:off x="1561680" y="15480"/>
-            <a:ext cx="9066600" cy="1257480"/>
+            <a:ext cx="9066240" cy="1257120"/>
           </a:xfrm>
           <a:prstGeom prst="rect">
             <a:avLst/>
@@ -4860,7 +4861,7 @@
         <p:spPr>
           <a:xfrm>
             <a:off x="1924920" y="1275840"/>
-            <a:ext cx="3238560" cy="2401200"/>
+            <a:ext cx="3238200" cy="2400840"/>
           </a:xfrm>
           <a:prstGeom prst="rect">
             <a:avLst/>
@@ -5059,7 +5060,7 @@
         <p:spPr>
           <a:xfrm>
             <a:off x="1924920" y="4079160"/>
-            <a:ext cx="3515760" cy="2401200"/>
+            <a:ext cx="3515400" cy="2400840"/>
           </a:xfrm>
           <a:prstGeom prst="rect">
             <a:avLst/>
@@ -5258,7 +5259,7 @@
         <p:spPr>
           <a:xfrm>
             <a:off x="7087320" y="1275840"/>
-            <a:ext cx="3238560" cy="2401200"/>
+            <a:ext cx="3238200" cy="2400840"/>
           </a:xfrm>
           <a:prstGeom prst="rect">
             <a:avLst/>
@@ -5457,7 +5458,7 @@
         <p:spPr>
           <a:xfrm>
             <a:off x="7087320" y="4079160"/>
-            <a:ext cx="3238560" cy="2401200"/>
+            <a:ext cx="3238200" cy="2400840"/>
           </a:xfrm>
           <a:prstGeom prst="rect">
             <a:avLst/>
@@ -5705,7 +5706,7 @@
         <p:spPr>
           <a:xfrm>
             <a:off x="1561680" y="-75600"/>
-            <a:ext cx="9066600" cy="1257480"/>
+            <a:ext cx="9066240" cy="1257120"/>
           </a:xfrm>
           <a:prstGeom prst="rect">
             <a:avLst/>
@@ -5754,7 +5755,7 @@
         <p:spPr>
           <a:xfrm>
             <a:off x="1001160" y="1286280"/>
-            <a:ext cx="5224320" cy="6488280"/>
+            <a:ext cx="5223960" cy="6487920"/>
           </a:xfrm>
           <a:prstGeom prst="rect">
             <a:avLst/>
@@ -5973,7 +5974,7 @@
         <p:spPr>
           <a:xfrm>
             <a:off x="6531120" y="1286280"/>
-            <a:ext cx="4300200" cy="5574240"/>
+            <a:ext cx="4299840" cy="5573880"/>
           </a:xfrm>
           <a:prstGeom prst="rect">
             <a:avLst/>
@@ -6361,7 +6362,7 @@
         <p:spPr>
           <a:xfrm>
             <a:off x="1561680" y="0"/>
-            <a:ext cx="9066600" cy="1257480"/>
+            <a:ext cx="9066240" cy="1257120"/>
           </a:xfrm>
           <a:prstGeom prst="rect">
             <a:avLst/>
@@ -6410,7 +6411,7 @@
         <p:spPr>
           <a:xfrm>
             <a:off x="1800000" y="1086120"/>
-            <a:ext cx="5224320" cy="3744720"/>
+            <a:ext cx="5223960" cy="3744360"/>
           </a:xfrm>
           <a:prstGeom prst="rect">
             <a:avLst/>
@@ -6549,7 +6550,7 @@
         <p:spPr>
           <a:xfrm>
             <a:off x="7486560" y="1086120"/>
-            <a:ext cx="3328560" cy="5846400"/>
+            <a:ext cx="3328200" cy="5846040"/>
           </a:xfrm>
           <a:prstGeom prst="rect">
             <a:avLst/>
@@ -7062,7 +7063,7 @@
         <p:spPr>
           <a:xfrm>
             <a:off x="2639880" y="4608000"/>
-            <a:ext cx="1430280" cy="1430280"/>
+            <a:ext cx="1429920" cy="1429920"/>
           </a:xfrm>
           <a:prstGeom prst="rect">
             <a:avLst/>
@@ -7085,7 +7086,7 @@
         <p:spPr>
           <a:xfrm>
             <a:off x="5157360" y="5808240"/>
-            <a:ext cx="1430280" cy="1430280"/>
+            <a:ext cx="1429920" cy="1429920"/>
           </a:xfrm>
           <a:prstGeom prst="rect">
             <a:avLst/>
@@ -7104,7 +7105,7 @@
         <p:spPr>
           <a:xfrm>
             <a:off x="2560680" y="5608800"/>
-            <a:ext cx="2045160" cy="1182960"/>
+            <a:ext cx="2044800" cy="1182600"/>
           </a:xfrm>
           <a:prstGeom prst="rect">
             <a:avLst/>
@@ -7213,7 +7214,7 @@
         <p:spPr>
           <a:xfrm>
             <a:off x="4876560" y="4968000"/>
-            <a:ext cx="2145240" cy="1182960"/>
+            <a:ext cx="2144880" cy="1182600"/>
           </a:xfrm>
           <a:prstGeom prst="rect">
             <a:avLst/>
@@ -7371,7 +7372,7 @@
         <p:spPr>
           <a:xfrm>
             <a:off x="1561680" y="0"/>
-            <a:ext cx="9066600" cy="1257480"/>
+            <a:ext cx="9066240" cy="1257120"/>
           </a:xfrm>
           <a:prstGeom prst="rect">
             <a:avLst/>
@@ -7420,7 +7421,7 @@
         <p:spPr>
           <a:xfrm>
             <a:off x="6078240" y="936000"/>
-            <a:ext cx="3328560" cy="5846400"/>
+            <a:ext cx="3328200" cy="5846040"/>
           </a:xfrm>
           <a:prstGeom prst="rect">
             <a:avLst/>
@@ -7929,7 +7930,7 @@
         <p:spPr>
           <a:xfrm>
             <a:off x="4032000" y="936000"/>
-            <a:ext cx="1995120" cy="360000"/>
+            <a:ext cx="1994760" cy="359640"/>
           </a:xfrm>
           <a:prstGeom prst="rect">
             <a:avLst/>
@@ -7978,7 +7979,7 @@
         <p:spPr>
           <a:xfrm>
             <a:off x="4608000" y="1593360"/>
-            <a:ext cx="1309320" cy="360000"/>
+            <a:ext cx="1308960" cy="359640"/>
           </a:xfrm>
           <a:prstGeom prst="rect">
             <a:avLst/>
@@ -8027,7 +8028,7 @@
         <p:spPr>
           <a:xfrm>
             <a:off x="4266000" y="2958480"/>
-            <a:ext cx="1995120" cy="360000"/>
+            <a:ext cx="1994760" cy="359640"/>
           </a:xfrm>
           <a:prstGeom prst="rect">
             <a:avLst/>
@@ -8125,7 +8126,7 @@
         <p:spPr>
           <a:xfrm>
             <a:off x="1561680" y="0"/>
-            <a:ext cx="9066600" cy="1257480"/>
+            <a:ext cx="9066240" cy="1257120"/>
           </a:xfrm>
           <a:prstGeom prst="rect">
             <a:avLst/>
@@ -8174,7 +8175,7 @@
         <p:spPr>
           <a:xfrm>
             <a:off x="1656000" y="1440000"/>
-            <a:ext cx="5224320" cy="4354560"/>
+            <a:ext cx="5223960" cy="4354200"/>
           </a:xfrm>
           <a:prstGeom prst="rect">
             <a:avLst/>
@@ -8303,7 +8304,7 @@
         <p:spPr>
           <a:xfrm>
             <a:off x="7650720" y="2049840"/>
-            <a:ext cx="3328560" cy="2554560"/>
+            <a:ext cx="3328200" cy="2554200"/>
           </a:xfrm>
           <a:prstGeom prst="rect">
             <a:avLst/>
@@ -8571,7 +8572,7 @@
         <p:spPr>
           <a:xfrm>
             <a:off x="1561680" y="0"/>
-            <a:ext cx="9066600" cy="1257480"/>
+            <a:ext cx="9066240" cy="1257120"/>
           </a:xfrm>
           <a:prstGeom prst="rect">
             <a:avLst/>
@@ -8620,7 +8621,7 @@
         <p:spPr>
           <a:xfrm>
             <a:off x="1699920" y="936000"/>
-            <a:ext cx="5224320" cy="6841080"/>
+            <a:ext cx="5223960" cy="6840720"/>
           </a:xfrm>
           <a:prstGeom prst="rect">
             <a:avLst/>
@@ -8879,7 +8880,7 @@
         <p:spPr>
           <a:xfrm>
             <a:off x="7536600" y="1512000"/>
-            <a:ext cx="4485240" cy="4196160"/>
+            <a:ext cx="4484880" cy="4195800"/>
           </a:xfrm>
           <a:prstGeom prst="rect">
             <a:avLst/>
@@ -9477,7 +9478,7 @@
         <p:spPr>
           <a:xfrm>
             <a:off x="1561680" y="0"/>
-            <a:ext cx="9066600" cy="1257480"/>
+            <a:ext cx="9066240" cy="1257120"/>
           </a:xfrm>
           <a:prstGeom prst="rect">
             <a:avLst/>
@@ -9526,7 +9527,7 @@
         <p:spPr>
           <a:xfrm>
             <a:off x="1296000" y="1259640"/>
-            <a:ext cx="4067640" cy="6183360"/>
+            <a:ext cx="4067280" cy="6183000"/>
           </a:xfrm>
           <a:prstGeom prst="rect">
             <a:avLst/>
@@ -9684,8 +9685,8 @@
         </p:nvSpPr>
         <p:spPr>
           <a:xfrm rot="9000">
-            <a:off x="6049800" y="1415520"/>
-            <a:ext cx="5683320" cy="3101400"/>
+            <a:off x="6049440" y="1415160"/>
+            <a:ext cx="5682960" cy="3101040"/>
           </a:xfrm>
           <a:prstGeom prst="rect">
             <a:avLst/>
@@ -9913,8 +9914,8 @@
         </p:nvSpPr>
         <p:spPr>
           <a:xfrm rot="9000">
-            <a:off x="6190200" y="4901040"/>
-            <a:ext cx="5683320" cy="1426320"/>
+            <a:off x="6189840" y="4900680"/>
+            <a:ext cx="5682960" cy="1425960"/>
           </a:xfrm>
           <a:prstGeom prst="rect">
             <a:avLst/>
@@ -10112,7 +10113,7 @@
         <p:spPr>
           <a:xfrm>
             <a:off x="1561680" y="0"/>
-            <a:ext cx="9066600" cy="1257480"/>
+            <a:ext cx="9066240" cy="1257120"/>
           </a:xfrm>
           <a:prstGeom prst="rect">
             <a:avLst/>
@@ -10161,7 +10162,7 @@
         <p:spPr>
           <a:xfrm>
             <a:off x="1618560" y="1194480"/>
-            <a:ext cx="6371280" cy="6668640"/>
+            <a:ext cx="6370920" cy="6668280"/>
           </a:xfrm>
           <a:prstGeom prst="rect">
             <a:avLst/>
@@ -10440,7 +10441,7 @@
         <p:spPr>
           <a:xfrm>
             <a:off x="8832600" y="1259640"/>
-            <a:ext cx="3837240" cy="5322240"/>
+            <a:ext cx="3836880" cy="5321880"/>
           </a:xfrm>
           <a:prstGeom prst="rect">
             <a:avLst/>
@@ -11176,7 +11177,7 @@
         <p:spPr>
           <a:xfrm>
             <a:off x="1561680" y="0"/>
-            <a:ext cx="9066600" cy="1257480"/>
+            <a:ext cx="9066240" cy="1257120"/>
           </a:xfrm>
           <a:prstGeom prst="rect">
             <a:avLst/>
@@ -11225,7 +11226,7 @@
         <p:spPr>
           <a:xfrm>
             <a:off x="1668600" y="1584000"/>
-            <a:ext cx="8852760" cy="4964400"/>
+            <a:ext cx="8852400" cy="4964040"/>
           </a:xfrm>
           <a:prstGeom prst="rect">
             <a:avLst/>
@@ -11463,7 +11464,7 @@
         <p:spPr>
           <a:xfrm>
             <a:off x="1561680" y="0"/>
-            <a:ext cx="9066600" cy="1257480"/>
+            <a:ext cx="9066240" cy="1257120"/>
           </a:xfrm>
           <a:prstGeom prst="rect">
             <a:avLst/>
@@ -11512,7 +11513,7 @@
         <p:spPr>
           <a:xfrm>
             <a:off x="1472760" y="1082880"/>
-            <a:ext cx="5291640" cy="6114960"/>
+            <a:ext cx="5291280" cy="6114600"/>
           </a:xfrm>
           <a:prstGeom prst="rect">
             <a:avLst/>
@@ -11801,7 +11802,7 @@
         <p:spPr>
           <a:xfrm>
             <a:off x="7176600" y="1193040"/>
-            <a:ext cx="3837240" cy="5322240"/>
+            <a:ext cx="3836880" cy="5321880"/>
           </a:xfrm>
           <a:prstGeom prst="rect">
             <a:avLst/>
@@ -12399,7 +12400,7 @@
         <p:spPr>
           <a:xfrm>
             <a:off x="1561680" y="27720"/>
-            <a:ext cx="9066600" cy="1257480"/>
+            <a:ext cx="9066240" cy="1257120"/>
           </a:xfrm>
           <a:prstGeom prst="rect">
             <a:avLst/>
@@ -12448,7 +12449,7 @@
         <p:spPr>
           <a:xfrm>
             <a:off x="1440000" y="1080000"/>
-            <a:ext cx="5731920" cy="5990400"/>
+            <a:ext cx="5731560" cy="5990040"/>
           </a:xfrm>
           <a:prstGeom prst="rect">
             <a:avLst/>
@@ -12707,7 +12708,7 @@
         <p:spPr>
           <a:xfrm>
             <a:off x="7536600" y="1856520"/>
-            <a:ext cx="3837240" cy="5213880"/>
+            <a:ext cx="3836880" cy="5213520"/>
           </a:xfrm>
           <a:prstGeom prst="rect">
             <a:avLst/>
@@ -13045,7 +13046,7 @@
         <p:spPr>
           <a:xfrm>
             <a:off x="1561680" y="0"/>
-            <a:ext cx="9066600" cy="1257480"/>
+            <a:ext cx="9066240" cy="1257120"/>
           </a:xfrm>
           <a:prstGeom prst="rect">
             <a:avLst/>
@@ -13094,7 +13095,7 @@
         <p:spPr>
           <a:xfrm>
             <a:off x="1224000" y="1010880"/>
-            <a:ext cx="5629320" cy="6114960"/>
+            <a:ext cx="5628960" cy="6114600"/>
           </a:xfrm>
           <a:prstGeom prst="rect">
             <a:avLst/>
@@ -13383,7 +13384,7 @@
         <p:spPr>
           <a:xfrm>
             <a:off x="7416000" y="1155600"/>
-            <a:ext cx="4408560" cy="5322240"/>
+            <a:ext cx="4408200" cy="5321880"/>
           </a:xfrm>
           <a:prstGeom prst="rect">
             <a:avLst/>
@@ -13861,7 +13862,7 @@
         <p:spPr>
           <a:xfrm>
             <a:off x="1561680" y="0"/>
-            <a:ext cx="9066600" cy="1257480"/>
+            <a:ext cx="9066240" cy="1257120"/>
           </a:xfrm>
           <a:prstGeom prst="rect">
             <a:avLst/>
@@ -13910,7 +13911,7 @@
         <p:spPr>
           <a:xfrm>
             <a:off x="1561680" y="1010880"/>
-            <a:ext cx="4068360" cy="6114960"/>
+            <a:ext cx="4068000" cy="6114600"/>
           </a:xfrm>
           <a:prstGeom prst="rect">
             <a:avLst/>
@@ -14099,7 +14100,7 @@
         <p:spPr>
           <a:xfrm>
             <a:off x="8256600" y="1152000"/>
-            <a:ext cx="3837240" cy="2732040"/>
+            <a:ext cx="3836880" cy="2731680"/>
           </a:xfrm>
           <a:prstGeom prst="rect">
             <a:avLst/>
@@ -14288,7 +14289,7 @@
         <p:spPr>
           <a:xfrm>
             <a:off x="5736600" y="2665800"/>
-            <a:ext cx="3837240" cy="2732040"/>
+            <a:ext cx="3836880" cy="2731680"/>
           </a:xfrm>
           <a:prstGeom prst="rect">
             <a:avLst/>
@@ -14896,7 +14897,7 @@
         <p:spPr>
           <a:xfrm>
             <a:off x="1561680" y="0"/>
-            <a:ext cx="9066600" cy="1257480"/>
+            <a:ext cx="9066240" cy="1257120"/>
           </a:xfrm>
           <a:prstGeom prst="rect">
             <a:avLst/>
@@ -14945,7 +14946,7 @@
         <p:spPr>
           <a:xfrm>
             <a:off x="1512000" y="1008000"/>
-            <a:ext cx="5325840" cy="6114960"/>
+            <a:ext cx="5325480" cy="6114600"/>
           </a:xfrm>
           <a:prstGeom prst="rect">
             <a:avLst/>
@@ -15124,7 +15125,7 @@
         <p:spPr>
           <a:xfrm>
             <a:off x="7344000" y="1259640"/>
-            <a:ext cx="4701240" cy="5322240"/>
+            <a:ext cx="4700880" cy="5321880"/>
           </a:xfrm>
           <a:prstGeom prst="rect">
             <a:avLst/>
@@ -15512,7 +15513,7 @@
         <p:spPr>
           <a:xfrm>
             <a:off x="1561680" y="0"/>
-            <a:ext cx="9066600" cy="1257480"/>
+            <a:ext cx="9066240" cy="1257120"/>
           </a:xfrm>
           <a:prstGeom prst="rect">
             <a:avLst/>
@@ -15561,7 +15562,7 @@
         <p:spPr>
           <a:xfrm>
             <a:off x="936000" y="1560960"/>
-            <a:ext cx="5508360" cy="6212880"/>
+            <a:ext cx="5508000" cy="6212520"/>
           </a:xfrm>
           <a:prstGeom prst="rect">
             <a:avLst/>
@@ -15830,7 +15831,7 @@
         <p:spPr>
           <a:xfrm>
             <a:off x="6984000" y="1443600"/>
-            <a:ext cx="4701240" cy="5322240"/>
+            <a:ext cx="4700880" cy="5321880"/>
           </a:xfrm>
           <a:prstGeom prst="rect">
             <a:avLst/>
@@ -16438,7 +16439,7 @@
         <p:spPr>
           <a:xfrm>
             <a:off x="1561680" y="0"/>
-            <a:ext cx="9066600" cy="1257480"/>
+            <a:ext cx="9066240" cy="1257120"/>
           </a:xfrm>
           <a:prstGeom prst="rect">
             <a:avLst/>
@@ -16487,7 +16488,7 @@
         <p:spPr>
           <a:xfrm>
             <a:off x="1440000" y="1152000"/>
-            <a:ext cx="5829840" cy="6114960"/>
+            <a:ext cx="5829480" cy="6114600"/>
           </a:xfrm>
           <a:prstGeom prst="rect">
             <a:avLst/>
@@ -16696,7 +16697,7 @@
         <p:spPr>
           <a:xfrm>
             <a:off x="7848000" y="1368000"/>
-            <a:ext cx="4244040" cy="4658760"/>
+            <a:ext cx="4243680" cy="4658400"/>
           </a:xfrm>
           <a:prstGeom prst="rect">
             <a:avLst/>
@@ -17094,7 +17095,7 @@
         <p:spPr>
           <a:xfrm>
             <a:off x="1561680" y="0"/>
-            <a:ext cx="9066600" cy="1257480"/>
+            <a:ext cx="9066240" cy="1257120"/>
           </a:xfrm>
           <a:prstGeom prst="rect">
             <a:avLst/>
@@ -17143,7 +17144,7 @@
         <p:spPr>
           <a:xfrm>
             <a:off x="1152000" y="1514880"/>
-            <a:ext cx="5469840" cy="6114960"/>
+            <a:ext cx="5469480" cy="6114600"/>
           </a:xfrm>
           <a:prstGeom prst="rect">
             <a:avLst/>
@@ -17352,7 +17353,7 @@
         <p:spPr>
           <a:xfrm>
             <a:off x="7560000" y="1387080"/>
-            <a:ext cx="4244040" cy="4658760"/>
+            <a:ext cx="4243680" cy="4658400"/>
           </a:xfrm>
           <a:prstGeom prst="rect">
             <a:avLst/>
@@ -17840,7 +17841,7 @@
         <p:spPr>
           <a:xfrm>
             <a:off x="1561680" y="0"/>
-            <a:ext cx="9066600" cy="1257480"/>
+            <a:ext cx="9066240" cy="1257120"/>
           </a:xfrm>
           <a:prstGeom prst="rect">
             <a:avLst/>
@@ -17889,7 +17890,7 @@
         <p:spPr>
           <a:xfrm>
             <a:off x="1545480" y="1080000"/>
-            <a:ext cx="5364360" cy="6114960"/>
+            <a:ext cx="5364000" cy="6114600"/>
           </a:xfrm>
           <a:prstGeom prst="rect">
             <a:avLst/>
@@ -18138,7 +18139,7 @@
         <p:spPr>
           <a:xfrm>
             <a:off x="7704000" y="1008000"/>
-            <a:ext cx="4244040" cy="4658760"/>
+            <a:ext cx="4243680" cy="4658400"/>
           </a:xfrm>
           <a:prstGeom prst="rect">
             <a:avLst/>
@@ -18896,7 +18897,7 @@
         <p:spPr>
           <a:xfrm>
             <a:off x="1561680" y="0"/>
-            <a:ext cx="9066600" cy="1257480"/>
+            <a:ext cx="9066240" cy="1257120"/>
           </a:xfrm>
           <a:prstGeom prst="rect">
             <a:avLst/>
@@ -18945,7 +18946,7 @@
         <p:spPr>
           <a:xfrm>
             <a:off x="1368000" y="1010880"/>
-            <a:ext cx="5541840" cy="6114960"/>
+            <a:ext cx="5541480" cy="6114600"/>
           </a:xfrm>
           <a:prstGeom prst="rect">
             <a:avLst/>
@@ -19174,7 +19175,7 @@
         <p:spPr>
           <a:xfrm>
             <a:off x="7848000" y="1148400"/>
-            <a:ext cx="3558960" cy="5707440"/>
+            <a:ext cx="3558600" cy="5707080"/>
           </a:xfrm>
           <a:prstGeom prst="rect">
             <a:avLst/>
@@ -19702,7 +19703,7 @@
         <p:spPr>
           <a:xfrm>
             <a:off x="1561680" y="0"/>
-            <a:ext cx="9066600" cy="1257480"/>
+            <a:ext cx="9066240" cy="1257120"/>
           </a:xfrm>
           <a:prstGeom prst="rect">
             <a:avLst/>
@@ -19751,7 +19752,7 @@
         <p:spPr>
           <a:xfrm>
             <a:off x="4337640" y="1440000"/>
-            <a:ext cx="3514320" cy="4964400"/>
+            <a:ext cx="3513960" cy="4964040"/>
           </a:xfrm>
           <a:prstGeom prst="rect">
             <a:avLst/>
@@ -20109,7 +20110,7 @@
         <p:spPr>
           <a:xfrm>
             <a:off x="1561680" y="0"/>
-            <a:ext cx="9066600" cy="1257480"/>
+            <a:ext cx="9066240" cy="1257120"/>
           </a:xfrm>
           <a:prstGeom prst="rect">
             <a:avLst/>
@@ -20158,7 +20159,7 @@
         <p:spPr>
           <a:xfrm>
             <a:off x="1368000" y="1010880"/>
-            <a:ext cx="5541840" cy="6114960"/>
+            <a:ext cx="5541480" cy="6114600"/>
           </a:xfrm>
           <a:prstGeom prst="rect">
             <a:avLst/>
@@ -20207,7 +20208,7 @@
             </a:endParaRPr>
           </a:p>
           <a:p>
-            <a:pPr marL="285840" indent="-284760">
+            <a:pPr marL="285840" indent="-284400">
               <a:lnSpc>
                 <a:spcPct val="100000"/>
               </a:lnSpc>
@@ -20232,7 +20233,7 @@
             </a:endParaRPr>
           </a:p>
           <a:p>
-            <a:pPr marL="285840" indent="-284760">
+            <a:pPr marL="285840" indent="-284400">
               <a:lnSpc>
                 <a:spcPct val="100000"/>
               </a:lnSpc>
@@ -20257,7 +20258,7 @@
             </a:endParaRPr>
           </a:p>
           <a:p>
-            <a:pPr marL="285840" indent="-284760">
+            <a:pPr marL="285840" indent="-284400">
               <a:lnSpc>
                 <a:spcPct val="100000"/>
               </a:lnSpc>
@@ -20492,7 +20493,7 @@
         <p:spPr>
           <a:xfrm>
             <a:off x="6910920" y="1538640"/>
-            <a:ext cx="5203800" cy="5748120"/>
+            <a:ext cx="5203440" cy="5747760"/>
           </a:xfrm>
           <a:prstGeom prst="rect">
             <a:avLst/>
@@ -20920,7 +20921,7 @@
         <p:spPr>
           <a:xfrm>
             <a:off x="1561680" y="0"/>
-            <a:ext cx="9066600" cy="1257480"/>
+            <a:ext cx="9066240" cy="1257120"/>
           </a:xfrm>
           <a:prstGeom prst="rect">
             <a:avLst/>
@@ -20969,7 +20970,7 @@
         <p:spPr>
           <a:xfrm>
             <a:off x="4396320" y="1170720"/>
-            <a:ext cx="2454840" cy="446040"/>
+            <a:ext cx="2454480" cy="445680"/>
           </a:xfrm>
           <a:prstGeom prst="rect">
             <a:avLst/>
@@ -21025,7 +21026,7 @@
         <p:spPr>
           <a:xfrm>
             <a:off x="741600" y="2052720"/>
-            <a:ext cx="2454840" cy="446040"/>
+            <a:ext cx="2454480" cy="445680"/>
           </a:xfrm>
           <a:prstGeom prst="rect">
             <a:avLst/>
@@ -21081,7 +21082,7 @@
         <p:spPr>
           <a:xfrm>
             <a:off x="7658280" y="2052720"/>
-            <a:ext cx="2454840" cy="446040"/>
+            <a:ext cx="2454480" cy="445680"/>
           </a:xfrm>
           <a:prstGeom prst="rect">
             <a:avLst/>
@@ -21137,7 +21138,7 @@
         <p:spPr>
           <a:xfrm>
             <a:off x="5624280" y="3070440"/>
-            <a:ext cx="2454840" cy="446040"/>
+            <a:ext cx="2454480" cy="445680"/>
           </a:xfrm>
           <a:prstGeom prst="rect">
             <a:avLst/>
@@ -21192,8 +21193,8 @@
         </p:nvSpPr>
         <p:spPr>
           <a:xfrm flipH="1">
-            <a:off x="1968840" y="1394280"/>
-            <a:ext cx="2425680" cy="657360"/>
+            <a:off x="1968120" y="1394280"/>
+            <a:ext cx="2425320" cy="657000"/>
           </a:xfrm>
           <a:custGeom>
             <a:avLst/>
@@ -21246,7 +21247,7 @@
         <p:spPr>
           <a:xfrm>
             <a:off x="6852240" y="1394280"/>
-            <a:ext cx="2032920" cy="657360"/>
+            <a:ext cx="2032560" cy="657000"/>
           </a:xfrm>
           <a:custGeom>
             <a:avLst/>
@@ -21299,7 +21300,7 @@
         <p:spPr>
           <a:xfrm flipH="1">
             <a:off x="6850800" y="2499840"/>
-            <a:ext cx="2032920" cy="569520"/>
+            <a:ext cx="2032560" cy="569160"/>
           </a:xfrm>
           <a:custGeom>
             <a:avLst/>
@@ -21352,7 +21353,7 @@
         <p:spPr>
           <a:xfrm>
             <a:off x="6095520" y="3952800"/>
-            <a:ext cx="2454840" cy="446040"/>
+            <a:ext cx="2454480" cy="445680"/>
           </a:xfrm>
           <a:prstGeom prst="rect">
             <a:avLst/>
@@ -21408,7 +21409,7 @@
         <p:spPr>
           <a:xfrm>
             <a:off x="6095520" y="4746960"/>
-            <a:ext cx="2454840" cy="446040"/>
+            <a:ext cx="2454480" cy="445680"/>
           </a:xfrm>
           <a:prstGeom prst="rect">
             <a:avLst/>
@@ -21495,7 +21496,7 @@
         <p:spPr>
           <a:xfrm>
             <a:off x="5794200" y="4176360"/>
-            <a:ext cx="300240" cy="360"/>
+            <a:ext cx="299880" cy="360"/>
           </a:xfrm>
           <a:custGeom>
             <a:avLst/>
@@ -21548,7 +21549,7 @@
         <p:spPr>
           <a:xfrm>
             <a:off x="5794200" y="4973400"/>
-            <a:ext cx="300240" cy="360"/>
+            <a:ext cx="299880" cy="360"/>
           </a:xfrm>
           <a:custGeom>
             <a:avLst/>
@@ -21601,7 +21602,7 @@
         <p:spPr>
           <a:xfrm>
             <a:off x="6095520" y="5467680"/>
-            <a:ext cx="2454840" cy="446040"/>
+            <a:ext cx="2454480" cy="445680"/>
           </a:xfrm>
           <a:prstGeom prst="rect">
             <a:avLst/>
@@ -21657,7 +21658,7 @@
         <p:spPr>
           <a:xfrm>
             <a:off x="5794200" y="5691240"/>
-            <a:ext cx="300240" cy="360"/>
+            <a:ext cx="299880" cy="360"/>
           </a:xfrm>
           <a:custGeom>
             <a:avLst/>
@@ -21710,7 +21711,7 @@
         <p:spPr>
           <a:xfrm>
             <a:off x="9560160" y="3205440"/>
-            <a:ext cx="2454840" cy="446040"/>
+            <a:ext cx="2454480" cy="445680"/>
           </a:xfrm>
           <a:prstGeom prst="rect">
             <a:avLst/>
@@ -21766,7 +21767,7 @@
         <p:spPr>
           <a:xfrm>
             <a:off x="9560160" y="3952800"/>
-            <a:ext cx="2454840" cy="446040"/>
+            <a:ext cx="2454480" cy="445680"/>
           </a:xfrm>
           <a:prstGeom prst="rect">
             <a:avLst/>
@@ -21853,7 +21854,7 @@
         <p:spPr>
           <a:xfrm>
             <a:off x="9155880" y="3423240"/>
-            <a:ext cx="403200" cy="4680"/>
+            <a:ext cx="402840" cy="4320"/>
           </a:xfrm>
           <a:custGeom>
             <a:avLst/>
@@ -21905,8 +21906,8 @@
         </p:nvSpPr>
         <p:spPr>
           <a:xfrm flipV="1">
-            <a:off x="9155880" y="4156200"/>
-            <a:ext cx="403200" cy="4320"/>
+            <a:off x="9155880" y="4151520"/>
+            <a:ext cx="402840" cy="3960"/>
           </a:xfrm>
           <a:custGeom>
             <a:avLst/>
@@ -21959,7 +21960,7 @@
         <p:spPr>
           <a:xfrm>
             <a:off x="9560160" y="4870800"/>
-            <a:ext cx="2454840" cy="446040"/>
+            <a:ext cx="2454480" cy="445680"/>
           </a:xfrm>
           <a:prstGeom prst="rect">
             <a:avLst/>
@@ -22014,8 +22015,8 @@
         </p:nvSpPr>
         <p:spPr>
           <a:xfrm flipV="1">
-            <a:off x="9155880" y="5074200"/>
-            <a:ext cx="403200" cy="4320"/>
+            <a:off x="9155880" y="5069520"/>
+            <a:ext cx="402840" cy="3960"/>
           </a:xfrm>
           <a:custGeom>
             <a:avLst/>
@@ -22068,7 +22069,7 @@
         <p:spPr>
           <a:xfrm>
             <a:off x="234360" y="3342240"/>
-            <a:ext cx="4603320" cy="2009880"/>
+            <a:ext cx="4602960" cy="2009520"/>
           </a:xfrm>
           <a:prstGeom prst="rect">
             <a:avLst/>
@@ -22196,7 +22197,7 @@
         <p:spPr>
           <a:xfrm>
             <a:off x="1561680" y="0"/>
-            <a:ext cx="9066600" cy="1257480"/>
+            <a:ext cx="9066240" cy="1257120"/>
           </a:xfrm>
           <a:prstGeom prst="rect">
             <a:avLst/>
@@ -22245,7 +22246,7 @@
         <p:spPr>
           <a:xfrm>
             <a:off x="1368000" y="1010880"/>
-            <a:ext cx="10496520" cy="6114960"/>
+            <a:ext cx="10496160" cy="6114600"/>
           </a:xfrm>
           <a:prstGeom prst="rect">
             <a:avLst/>
@@ -22583,7 +22584,7 @@
         <p:spPr>
           <a:xfrm>
             <a:off x="1561680" y="0"/>
-            <a:ext cx="9066600" cy="1257480"/>
+            <a:ext cx="9066240" cy="1257120"/>
           </a:xfrm>
           <a:prstGeom prst="rect">
             <a:avLst/>
@@ -22632,7 +22633,7 @@
         <p:spPr>
           <a:xfrm>
             <a:off x="1368000" y="1010880"/>
-            <a:ext cx="10496520" cy="6114960"/>
+            <a:ext cx="10496160" cy="6114600"/>
           </a:xfrm>
           <a:prstGeom prst="rect">
             <a:avLst/>
@@ -22950,7 +22951,7 @@
         <p:spPr>
           <a:xfrm>
             <a:off x="1561680" y="0"/>
-            <a:ext cx="9066600" cy="1257480"/>
+            <a:ext cx="9066240" cy="1257120"/>
           </a:xfrm>
           <a:prstGeom prst="rect">
             <a:avLst/>
@@ -22999,7 +23000,7 @@
         <p:spPr>
           <a:xfrm>
             <a:off x="587880" y="1946880"/>
-            <a:ext cx="6410520" cy="5105880"/>
+            <a:ext cx="6410160" cy="5105520"/>
           </a:xfrm>
           <a:prstGeom prst="rect">
             <a:avLst/>
@@ -23268,7 +23269,7 @@
         <p:spPr>
           <a:xfrm>
             <a:off x="6999480" y="867600"/>
-            <a:ext cx="4690800" cy="6124680"/>
+            <a:ext cx="4690440" cy="6124320"/>
           </a:xfrm>
           <a:prstGeom prst="rect">
             <a:avLst/>
@@ -23766,7 +23767,7 @@
         <p:spPr>
           <a:xfrm>
             <a:off x="1561680" y="0"/>
-            <a:ext cx="9066600" cy="1257480"/>
+            <a:ext cx="9066240" cy="1257120"/>
           </a:xfrm>
           <a:prstGeom prst="rect">
             <a:avLst/>
@@ -23815,7 +23816,7 @@
         <p:spPr>
           <a:xfrm>
             <a:off x="587880" y="1946880"/>
-            <a:ext cx="6410520" cy="5105880"/>
+            <a:ext cx="6410160" cy="5105520"/>
           </a:xfrm>
           <a:prstGeom prst="rect">
             <a:avLst/>
@@ -23923,7 +23924,7 @@
         <p:spPr>
           <a:xfrm>
             <a:off x="1561680" y="0"/>
-            <a:ext cx="9066600" cy="1257480"/>
+            <a:ext cx="9066240" cy="1257120"/>
           </a:xfrm>
           <a:prstGeom prst="rect">
             <a:avLst/>
@@ -23972,7 +23973,7 @@
         <p:spPr>
           <a:xfrm>
             <a:off x="1368000" y="1224000"/>
-            <a:ext cx="5111280" cy="4457880"/>
+            <a:ext cx="5110920" cy="4457520"/>
           </a:xfrm>
           <a:prstGeom prst="rect">
             <a:avLst/>
@@ -24111,7 +24112,7 @@
         <p:spPr>
           <a:xfrm>
             <a:off x="6864120" y="1800000"/>
-            <a:ext cx="5327280" cy="5748120"/>
+            <a:ext cx="5326920" cy="5747760"/>
           </a:xfrm>
           <a:prstGeom prst="rect">
             <a:avLst/>
@@ -24456,7 +24457,7 @@
         <p:spPr>
           <a:xfrm>
             <a:off x="1561680" y="0"/>
-            <a:ext cx="9066600" cy="1257480"/>
+            <a:ext cx="9066240" cy="1257120"/>
           </a:xfrm>
           <a:prstGeom prst="rect">
             <a:avLst/>
@@ -24505,7 +24506,7 @@
         <p:spPr>
           <a:xfrm>
             <a:off x="1368000" y="1224000"/>
-            <a:ext cx="4751640" cy="4457880"/>
+            <a:ext cx="4751280" cy="4457520"/>
           </a:xfrm>
           <a:prstGeom prst="rect">
             <a:avLst/>
@@ -24564,7 +24565,7 @@
         <p:spPr>
           <a:xfrm>
             <a:off x="6120000" y="1152000"/>
-            <a:ext cx="6119280" cy="5748120"/>
+            <a:ext cx="6118920" cy="5747760"/>
           </a:xfrm>
           <a:prstGeom prst="rect">
             <a:avLst/>
@@ -24879,7 +24880,7 @@
         <p:spPr>
           <a:xfrm>
             <a:off x="504000" y="5400000"/>
-            <a:ext cx="5615640" cy="1223640"/>
+            <a:ext cx="5615280" cy="1223280"/>
           </a:xfrm>
           <a:prstGeom prst="rect">
             <a:avLst/>
@@ -24988,7 +24989,7 @@
         <p:spPr>
           <a:xfrm>
             <a:off x="1561680" y="0"/>
-            <a:ext cx="9066600" cy="1257480"/>
+            <a:ext cx="9066240" cy="1257120"/>
           </a:xfrm>
           <a:prstGeom prst="rect">
             <a:avLst/>
@@ -25037,7 +25038,7 @@
         <p:spPr>
           <a:xfrm>
             <a:off x="1368000" y="1224000"/>
-            <a:ext cx="10296000" cy="4457880"/>
+            <a:ext cx="10295640" cy="4457520"/>
           </a:xfrm>
           <a:prstGeom prst="rect">
             <a:avLst/>
@@ -25136,7 +25137,7 @@
         <p:spPr>
           <a:xfrm>
             <a:off x="3024000" y="3153960"/>
-            <a:ext cx="2454840" cy="446040"/>
+            <a:ext cx="2454480" cy="445680"/>
           </a:xfrm>
           <a:prstGeom prst="rect">
             <a:avLst/>
@@ -25192,7 +25193,7 @@
         <p:spPr>
           <a:xfrm>
             <a:off x="7776000" y="3168000"/>
-            <a:ext cx="2454840" cy="446040"/>
+            <a:ext cx="2454480" cy="445680"/>
           </a:xfrm>
           <a:prstGeom prst="rect">
             <a:avLst/>
@@ -25248,7 +25249,7 @@
         <p:spPr>
           <a:xfrm>
             <a:off x="1001160" y="4305960"/>
-            <a:ext cx="2454840" cy="446040"/>
+            <a:ext cx="2454480" cy="445680"/>
           </a:xfrm>
           <a:prstGeom prst="rect">
             <a:avLst/>
@@ -25304,7 +25305,7 @@
         <p:spPr>
           <a:xfrm>
             <a:off x="4522320" y="4305960"/>
-            <a:ext cx="2454840" cy="446040"/>
+            <a:ext cx="2454480" cy="445680"/>
           </a:xfrm>
           <a:prstGeom prst="rect">
             <a:avLst/>
@@ -25360,7 +25361,7 @@
         <p:spPr>
           <a:xfrm>
             <a:off x="7769160" y="5385960"/>
-            <a:ext cx="2454840" cy="446040"/>
+            <a:ext cx="2454480" cy="445680"/>
           </a:xfrm>
           <a:prstGeom prst="rect">
             <a:avLst/>
@@ -25419,7 +25420,7 @@
         <p:spPr>
           <a:xfrm>
             <a:off x="4529160" y="5400000"/>
-            <a:ext cx="2454840" cy="446040"/>
+            <a:ext cx="2454480" cy="445680"/>
           </a:xfrm>
           <a:prstGeom prst="rect">
             <a:avLst/>
@@ -25478,7 +25479,7 @@
         <p:spPr>
           <a:xfrm>
             <a:off x="1008000" y="5457960"/>
-            <a:ext cx="2454840" cy="446040"/>
+            <a:ext cx="2454480" cy="445680"/>
           </a:xfrm>
           <a:prstGeom prst="rect">
             <a:avLst/>
@@ -25536,8 +25537,8 @@
         </p:nvSpPr>
         <p:spPr>
           <a:xfrm flipH="1">
-            <a:off x="2232000" y="3600000"/>
-            <a:ext cx="1705680" cy="657360"/>
+            <a:off x="2231280" y="3600000"/>
+            <a:ext cx="1705320" cy="657000"/>
           </a:xfrm>
           <a:custGeom>
             <a:avLst/>
@@ -25590,7 +25591,7 @@
         <p:spPr>
           <a:xfrm>
             <a:off x="4729680" y="3610440"/>
-            <a:ext cx="1102320" cy="695520"/>
+            <a:ext cx="1101960" cy="695160"/>
           </a:xfrm>
           <a:custGeom>
             <a:avLst/>
@@ -25642,8 +25643,8 @@
         </p:nvSpPr>
         <p:spPr>
           <a:xfrm flipH="1">
-            <a:off x="2231640" y="4752000"/>
-            <a:ext cx="360" cy="648000"/>
+            <a:off x="2230920" y="4752000"/>
+            <a:ext cx="360" cy="647640"/>
           </a:xfrm>
           <a:custGeom>
             <a:avLst/>
@@ -25695,8 +25696,8 @@
         </p:nvSpPr>
         <p:spPr>
           <a:xfrm flipH="1">
-            <a:off x="5759640" y="4752000"/>
-            <a:ext cx="360" cy="648000"/>
+            <a:off x="5758920" y="4752000"/>
+            <a:ext cx="360" cy="647640"/>
           </a:xfrm>
           <a:custGeom>
             <a:avLst/>
@@ -25748,8 +25749,8 @@
         </p:nvSpPr>
         <p:spPr>
           <a:xfrm flipH="1">
-            <a:off x="8999640" y="3614040"/>
-            <a:ext cx="360" cy="1771920"/>
+            <a:off x="8998920" y="3614040"/>
+            <a:ext cx="360" cy="1771560"/>
           </a:xfrm>
           <a:custGeom>
             <a:avLst/>
@@ -25851,7 +25852,7 @@
         <p:spPr>
           <a:xfrm>
             <a:off x="1561680" y="0"/>
-            <a:ext cx="9066600" cy="1257480"/>
+            <a:ext cx="9066240" cy="1257120"/>
           </a:xfrm>
           <a:prstGeom prst="rect">
             <a:avLst/>
@@ -25900,7 +25901,7 @@
         <p:spPr>
           <a:xfrm>
             <a:off x="1368000" y="1224000"/>
-            <a:ext cx="4608000" cy="5328000"/>
+            <a:ext cx="4607640" cy="5327640"/>
           </a:xfrm>
           <a:prstGeom prst="rect">
             <a:avLst/>
@@ -25972,14 +25973,14 @@
       </p:sp>
       <p:sp>
         <p:nvSpPr>
-          <p:cNvPr id="239" name="TextShape 3"/>
-          <p:cNvSpPr txBox="1"/>
+          <p:cNvPr id="239" name="CustomShape 3"/>
+          <p:cNvSpPr/>
           <p:nvPr/>
         </p:nvSpPr>
         <p:spPr>
           <a:xfrm>
             <a:off x="6264000" y="1080000"/>
-            <a:ext cx="5760000" cy="5473440"/>
+            <a:ext cx="5759640" cy="5473080"/>
           </a:xfrm>
           <a:prstGeom prst="rect">
             <a:avLst/>
@@ -25989,9 +25990,20 @@
             <a:noFill/>
           </a:ln>
         </p:spPr>
+        <p:style>
+          <a:lnRef idx="0"/>
+          <a:fillRef idx="0"/>
+          <a:effectRef idx="0"/>
+          <a:fontRef idx="minor"/>
+        </p:style>
         <p:txBody>
           <a:bodyPr lIns="90000" rIns="90000" tIns="45000" bIns="45000"/>
           <a:p>
+            <a:pPr>
+              <a:lnSpc>
+                <a:spcPct val="100000"/>
+              </a:lnSpc>
+            </a:pPr>
             <a:r>
               <a:rPr b="0" lang="pl-PL" sz="2000" spc="-1" strike="noStrike">
                 <a:solidFill>
@@ -26189,9 +26201,6 @@
               <a:t>}</a:t>
             </a:r>
             <a:endParaRPr b="0" lang="pl-PL" sz="2000" spc="-1" strike="noStrike">
-              <a:solidFill>
-                <a:srgbClr val="ffffff"/>
-              </a:solidFill>
               <a:latin typeface="Arial"/>
             </a:endParaRPr>
           </a:p>
@@ -26255,7 +26264,7 @@
         <p:spPr>
           <a:xfrm>
             <a:off x="1561680" y="0"/>
-            <a:ext cx="9066600" cy="1257480"/>
+            <a:ext cx="9066240" cy="1257120"/>
           </a:xfrm>
           <a:prstGeom prst="rect">
             <a:avLst/>
@@ -26304,7 +26313,7 @@
         <p:spPr>
           <a:xfrm>
             <a:off x="861840" y="1728360"/>
-            <a:ext cx="5398920" cy="4964400"/>
+            <a:ext cx="5398560" cy="4964040"/>
           </a:xfrm>
           <a:prstGeom prst="rect">
             <a:avLst/>
@@ -26353,7 +26362,7 @@
         <p:spPr>
           <a:xfrm>
             <a:off x="1703520" y="1728360"/>
-            <a:ext cx="8782920" cy="4964400"/>
+            <a:ext cx="8782560" cy="4964040"/>
           </a:xfrm>
           <a:prstGeom prst="rect">
             <a:avLst/>
@@ -26621,7 +26630,7 @@
         <p:spPr>
           <a:xfrm>
             <a:off x="1561680" y="0"/>
-            <a:ext cx="9066600" cy="1257480"/>
+            <a:ext cx="9066240" cy="1257120"/>
           </a:xfrm>
           <a:prstGeom prst="rect">
             <a:avLst/>
@@ -26670,7 +26679,7 @@
         <p:spPr>
           <a:xfrm>
             <a:off x="1368000" y="1224000"/>
-            <a:ext cx="4752000" cy="5328000"/>
+            <a:ext cx="4751640" cy="5327640"/>
           </a:xfrm>
           <a:prstGeom prst="rect">
             <a:avLst/>
@@ -26852,14 +26861,14 @@
       </p:sp>
       <p:sp>
         <p:nvSpPr>
-          <p:cNvPr id="242" name="TextShape 3"/>
-          <p:cNvSpPr txBox="1"/>
+          <p:cNvPr id="242" name="CustomShape 3"/>
+          <p:cNvSpPr/>
           <p:nvPr/>
         </p:nvSpPr>
         <p:spPr>
           <a:xfrm>
             <a:off x="6264000" y="2376000"/>
-            <a:ext cx="5760000" cy="2448000"/>
+            <a:ext cx="5759640" cy="2447640"/>
           </a:xfrm>
           <a:prstGeom prst="rect">
             <a:avLst/>
@@ -26869,9 +26878,20 @@
             <a:noFill/>
           </a:ln>
         </p:spPr>
+        <p:style>
+          <a:lnRef idx="0"/>
+          <a:fillRef idx="0"/>
+          <a:effectRef idx="0"/>
+          <a:fontRef idx="minor"/>
+        </p:style>
         <p:txBody>
           <a:bodyPr lIns="90000" rIns="90000" tIns="45000" bIns="45000"/>
           <a:p>
+            <a:pPr>
+              <a:lnSpc>
+                <a:spcPct val="100000"/>
+              </a:lnSpc>
+            </a:pPr>
             <a:r>
               <a:rPr b="0" lang="pl-PL" sz="2000" spc="-1" strike="noStrike">
                 <a:solidFill>
@@ -26970,9 +26990,6 @@
               <a:t>}</a:t>
             </a:r>
             <a:endParaRPr b="0" lang="pl-PL" sz="2000" spc="-1" strike="noStrike">
-              <a:solidFill>
-                <a:srgbClr val="ffffff"/>
-              </a:solidFill>
               <a:latin typeface="Arial"/>
             </a:endParaRPr>
           </a:p>
@@ -27036,7 +27053,7 @@
         <p:spPr>
           <a:xfrm>
             <a:off x="1561680" y="0"/>
-            <a:ext cx="9066600" cy="1257480"/>
+            <a:ext cx="9066240" cy="1257120"/>
           </a:xfrm>
           <a:prstGeom prst="rect">
             <a:avLst/>
@@ -27085,7 +27102,7 @@
         <p:spPr>
           <a:xfrm>
             <a:off x="1368000" y="1224000"/>
-            <a:ext cx="4608000" cy="5328000"/>
+            <a:ext cx="4607640" cy="5327640"/>
           </a:xfrm>
           <a:prstGeom prst="rect">
             <a:avLst/>
@@ -27227,14 +27244,14 @@
       </p:sp>
       <p:sp>
         <p:nvSpPr>
-          <p:cNvPr id="245" name="TextShape 3"/>
-          <p:cNvSpPr txBox="1"/>
+          <p:cNvPr id="245" name="CustomShape 3"/>
+          <p:cNvSpPr/>
           <p:nvPr/>
         </p:nvSpPr>
         <p:spPr>
           <a:xfrm>
             <a:off x="5976000" y="1944000"/>
-            <a:ext cx="5760000" cy="3567240"/>
+            <a:ext cx="5759640" cy="3566880"/>
           </a:xfrm>
           <a:prstGeom prst="rect">
             <a:avLst/>
@@ -27244,9 +27261,20 @@
             <a:noFill/>
           </a:ln>
         </p:spPr>
+        <p:style>
+          <a:lnRef idx="0"/>
+          <a:fillRef idx="0"/>
+          <a:effectRef idx="0"/>
+          <a:fontRef idx="minor"/>
+        </p:style>
         <p:txBody>
           <a:bodyPr lIns="90000" rIns="90000" tIns="45000" bIns="45000"/>
           <a:p>
+            <a:pPr>
+              <a:lnSpc>
+                <a:spcPct val="100000"/>
+              </a:lnSpc>
+            </a:pPr>
             <a:r>
               <a:rPr b="0" lang="pl-PL" sz="1800" spc="-1" strike="noStrike">
                 <a:solidFill>
@@ -27328,6 +27356,11 @@
             </a:endParaRPr>
           </a:p>
           <a:p>
+            <a:pPr>
+              <a:lnSpc>
+                <a:spcPct val="100000"/>
+              </a:lnSpc>
+            </a:pPr>
             <a:br/>
             <a:r>
               <a:rPr b="0" lang="pl-PL" sz="1800" spc="-1" strike="noStrike">
@@ -27397,6 +27430,353 @@
           <p:childTnLst>
             <p:seq>
               <p:cTn id="82" dur="indefinite" nodeType="mainSeq"/>
+              <p:prevCondLst>
+                <p:cond delay="0" evt="onPrev">
+                  <p:tgtEl>
+                    <p:sldTgt/>
+                  </p:tgtEl>
+                </p:cond>
+              </p:prevCondLst>
+              <p:nextCondLst>
+                <p:cond delay="0" evt="onNext">
+                  <p:tgtEl>
+                    <p:sldTgt/>
+                  </p:tgtEl>
+                </p:cond>
+              </p:nextCondLst>
+            </p:seq>
+          </p:childTnLst>
+        </p:cTn>
+      </p:par>
+    </p:tnLst>
+  </p:timing>
+</p:sld>
+</file>
+
+<file path=ppt/slides/slide42.xml><?xml version="1.0" encoding="utf-8"?>
+<p:sld xmlns:a="http://schemas.openxmlformats.org/drawingml/2006/main" xmlns:p="http://schemas.openxmlformats.org/presentationml/2006/main" xmlns:r="http://schemas.openxmlformats.org/officeDocument/2006/relationships" xmlns:p14="http://schemas.microsoft.com/office/powerpoint/2010/main" xmlns:p15="http://schemas.microsoft.com/office/powerpoint/2012/main" xmlns:mc="http://schemas.openxmlformats.org/markup-compatibility/2006">
+  <p:cSld>
+    <p:spTree>
+      <p:nvGrpSpPr>
+        <p:cNvPr id="1" name=""/>
+        <p:cNvGrpSpPr/>
+        <p:nvPr/>
+      </p:nvGrpSpPr>
+      <p:grpSpPr>
+        <a:xfrm>
+          <a:off x="0" y="0"/>
+          <a:ext cx="0" cy="0"/>
+          <a:chOff x="0" y="0"/>
+          <a:chExt cx="0" cy="0"/>
+        </a:xfrm>
+      </p:grpSpPr>
+      <p:sp>
+        <p:nvSpPr>
+          <p:cNvPr id="246" name="CustomShape 1"/>
+          <p:cNvSpPr/>
+          <p:nvPr/>
+        </p:nvSpPr>
+        <p:spPr>
+          <a:xfrm>
+            <a:off x="1561680" y="0"/>
+            <a:ext cx="9066240" cy="1257120"/>
+          </a:xfrm>
+          <a:prstGeom prst="rect">
+            <a:avLst/>
+          </a:prstGeom>
+          <a:noFill/>
+          <a:ln>
+            <a:noFill/>
+          </a:ln>
+        </p:spPr>
+        <p:style>
+          <a:lnRef idx="0"/>
+          <a:fillRef idx="0"/>
+          <a:effectRef idx="0"/>
+          <a:fontRef idx="minor"/>
+        </p:style>
+        <p:txBody>
+          <a:bodyPr lIns="0" rIns="0" tIns="0" bIns="0" anchor="ctr"/>
+          <a:p>
+            <a:pPr algn="ctr">
+              <a:lnSpc>
+                <a:spcPct val="100000"/>
+              </a:lnSpc>
+            </a:pPr>
+            <a:r>
+              <a:rPr b="1" lang="pl-PL" sz="4400" spc="-1" strike="noStrike">
+                <a:solidFill>
+                  <a:srgbClr val="ffffff"/>
+                </a:solidFill>
+                <a:latin typeface="Arial"/>
+                <a:ea typeface="DejaVu Sans"/>
+              </a:rPr>
+              <a:t>I/O oraz new I/O </a:t>
+            </a:r>
+            <a:endParaRPr b="0" lang="pl-PL" sz="4400" spc="-1" strike="noStrike">
+              <a:latin typeface="Arial"/>
+            </a:endParaRPr>
+          </a:p>
+        </p:txBody>
+      </p:sp>
+      <p:sp>
+        <p:nvSpPr>
+          <p:cNvPr id="247" name="CustomShape 2"/>
+          <p:cNvSpPr/>
+          <p:nvPr/>
+        </p:nvSpPr>
+        <p:spPr>
+          <a:xfrm>
+            <a:off x="1080000" y="1224000"/>
+            <a:ext cx="10944000" cy="5327640"/>
+          </a:xfrm>
+          <a:prstGeom prst="rect">
+            <a:avLst/>
+          </a:prstGeom>
+          <a:noFill/>
+          <a:ln>
+            <a:noFill/>
+          </a:ln>
+        </p:spPr>
+        <p:style>
+          <a:lnRef idx="0"/>
+          <a:fillRef idx="0"/>
+          <a:effectRef idx="0"/>
+          <a:fontRef idx="minor"/>
+        </p:style>
+        <p:txBody>
+          <a:bodyPr lIns="90000" rIns="90000" tIns="45000" bIns="45000"/>
+          <a:p>
+            <a:pPr>
+              <a:lnSpc>
+                <a:spcPct val="100000"/>
+              </a:lnSpc>
+            </a:pPr>
+            <a:r>
+              <a:rPr b="0" lang="pl-PL" sz="1900" spc="-1" strike="noStrike">
+                <a:solidFill>
+                  <a:srgbClr val="00a65d"/>
+                </a:solidFill>
+                <a:latin typeface="Arial"/>
+                <a:ea typeface="DejaVu Sans"/>
+              </a:rPr>
+              <a:t>Operacje wejścia/wyjścia (input/output)</a:t>
+            </a:r>
+            <a:r>
+              <a:rPr b="0" lang="pl-PL" sz="1900" spc="-1" strike="noStrike">
+                <a:solidFill>
+                  <a:srgbClr val="ffffff"/>
+                </a:solidFill>
+                <a:latin typeface="Arial"/>
+                <a:ea typeface="DejaVu Sans"/>
+              </a:rPr>
+              <a:t>, np.: odczyt i zapis pliku realizowane są w Javie za pomocą strumieni (</a:t>
+            </a:r>
+            <a:r>
+              <a:rPr b="0" lang="pl-PL" sz="1900" spc="-1" strike="noStrike">
+                <a:solidFill>
+                  <a:srgbClr val="00a65d"/>
+                </a:solidFill>
+                <a:latin typeface="Arial"/>
+                <a:ea typeface="DejaVu Sans"/>
+              </a:rPr>
+              <a:t>I/O</a:t>
+            </a:r>
+            <a:r>
+              <a:rPr b="0" lang="pl-PL" sz="1900" spc="-1" strike="noStrike">
+                <a:solidFill>
+                  <a:srgbClr val="ffffff"/>
+                </a:solidFill>
+                <a:latin typeface="Arial"/>
+                <a:ea typeface="DejaVu Sans"/>
+              </a:rPr>
+              <a:t>) lub buforów (</a:t>
+            </a:r>
+            <a:r>
+              <a:rPr b="0" lang="pl-PL" sz="1900" spc="-1" strike="noStrike">
+                <a:solidFill>
+                  <a:srgbClr val="00a65d"/>
+                </a:solidFill>
+                <a:latin typeface="Arial"/>
+                <a:ea typeface="DejaVu Sans"/>
+              </a:rPr>
+              <a:t>new I/O</a:t>
+            </a:r>
+            <a:r>
+              <a:rPr b="0" lang="pl-PL" sz="1900" spc="-1" strike="noStrike">
+                <a:solidFill>
+                  <a:srgbClr val="ffffff"/>
+                </a:solidFill>
+                <a:latin typeface="Arial"/>
+                <a:ea typeface="DejaVu Sans"/>
+              </a:rPr>
+              <a:t>).</a:t>
+            </a:r>
+            <a:endParaRPr b="0" lang="pl-PL" sz="1900" spc="-1" strike="noStrike">
+              <a:latin typeface="Arial"/>
+            </a:endParaRPr>
+          </a:p>
+          <a:p>
+            <a:pPr>
+              <a:lnSpc>
+                <a:spcPct val="100000"/>
+              </a:lnSpc>
+            </a:pPr>
+            <a:endParaRPr b="0" lang="pl-PL" sz="1900" spc="-1" strike="noStrike">
+              <a:latin typeface="Arial"/>
+            </a:endParaRPr>
+          </a:p>
+          <a:p>
+            <a:pPr>
+              <a:lnSpc>
+                <a:spcPct val="100000"/>
+              </a:lnSpc>
+            </a:pPr>
+            <a:r>
+              <a:rPr b="0" lang="pl-PL" sz="1900" spc="-1" strike="noStrike">
+                <a:solidFill>
+                  <a:srgbClr val="ffffff"/>
+                </a:solidFill>
+                <a:latin typeface="Arial"/>
+                <a:ea typeface="DejaVu Sans"/>
+              </a:rPr>
+              <a:t>Strumień to ciągły przepływ danych, który zwykle ma źródło, np.: plik, połączenie sieciowe. W podejściu strumieniowym nie można się przesuwać w tył lub naprzód wśród danych, można procesować to co aktualnie podaje strumień.</a:t>
+            </a:r>
+            <a:endParaRPr b="0" lang="pl-PL" sz="1900" spc="-1" strike="noStrike">
+              <a:latin typeface="Arial"/>
+            </a:endParaRPr>
+          </a:p>
+          <a:p>
+            <a:pPr>
+              <a:lnSpc>
+                <a:spcPct val="100000"/>
+              </a:lnSpc>
+            </a:pPr>
+            <a:r>
+              <a:rPr b="0" lang="pl-PL" sz="1900" spc="-1" strike="noStrike">
+                <a:solidFill>
+                  <a:srgbClr val="ffffff"/>
+                </a:solidFill>
+                <a:latin typeface="Arial"/>
+                <a:ea typeface="DejaVu Sans"/>
+              </a:rPr>
+              <a:t>Podejście buforowe jest bardziej elastyczne, ponieważ istnieje możliwość przesuwania się w tył lub naprzód wśród znajdujących się w buforze danych.</a:t>
+            </a:r>
+            <a:endParaRPr b="0" lang="pl-PL" sz="1900" spc="-1" strike="noStrike">
+              <a:latin typeface="Arial"/>
+            </a:endParaRPr>
+          </a:p>
+          <a:p>
+            <a:pPr>
+              <a:lnSpc>
+                <a:spcPct val="100000"/>
+              </a:lnSpc>
+            </a:pPr>
+            <a:endParaRPr b="0" lang="pl-PL" sz="1900" spc="-1" strike="noStrike">
+              <a:latin typeface="Arial"/>
+            </a:endParaRPr>
+          </a:p>
+          <a:p>
+            <a:pPr>
+              <a:lnSpc>
+                <a:spcPct val="100000"/>
+              </a:lnSpc>
+            </a:pPr>
+            <a:r>
+              <a:rPr b="0" lang="pl-PL" sz="1900" spc="-1" strike="noStrike">
+                <a:solidFill>
+                  <a:srgbClr val="ffffff"/>
+                </a:solidFill>
+                <a:latin typeface="Arial"/>
+                <a:ea typeface="DejaVu Sans"/>
+              </a:rPr>
+              <a:t>Operacje na strumieniach są blokujące, tzn., że jeżeli wątek zacznie czytać lub zapisywać dane, jest zablokowany dopóki nie pojawią się jakieś dane do czytania, lub nie skończy się zapis danych. W tym czasie wątek ten nie może robić nic innego. Operacje z wykorzystaniem buforów nie są blokujące</a:t>
+            </a:r>
+            <a:endParaRPr b="0" lang="pl-PL" sz="1900" spc="-1" strike="noStrike">
+              <a:latin typeface="Arial"/>
+            </a:endParaRPr>
+          </a:p>
+          <a:p>
+            <a:pPr>
+              <a:lnSpc>
+                <a:spcPct val="100000"/>
+              </a:lnSpc>
+            </a:pPr>
+            <a:endParaRPr b="0" lang="pl-PL" sz="1900" spc="-1" strike="noStrike">
+              <a:latin typeface="Arial"/>
+            </a:endParaRPr>
+          </a:p>
+          <a:p>
+            <a:pPr>
+              <a:lnSpc>
+                <a:spcPct val="100000"/>
+              </a:lnSpc>
+            </a:pPr>
+            <a:r>
+              <a:rPr b="0" lang="pl-PL" sz="1900" spc="-1" strike="noStrike">
+                <a:solidFill>
+                  <a:srgbClr val="ffffff"/>
+                </a:solidFill>
+                <a:latin typeface="Arial"/>
+                <a:ea typeface="DejaVu Sans"/>
+              </a:rPr>
+              <a:t>W new I/O mamy do czynienia z selektorami, które pozwalają monitorować wiele wejść przez pojedynczy wątek.</a:t>
+            </a:r>
+            <a:endParaRPr b="0" lang="pl-PL" sz="1900" spc="-1" strike="noStrike">
+              <a:latin typeface="Arial"/>
+            </a:endParaRPr>
+          </a:p>
+          <a:p>
+            <a:pPr>
+              <a:lnSpc>
+                <a:spcPct val="100000"/>
+              </a:lnSpc>
+            </a:pPr>
+            <a:endParaRPr b="0" lang="pl-PL" sz="1900" spc="-1" strike="noStrike">
+              <a:latin typeface="Arial"/>
+            </a:endParaRPr>
+          </a:p>
+          <a:p>
+            <a:pPr>
+              <a:lnSpc>
+                <a:spcPct val="100000"/>
+              </a:lnSpc>
+            </a:pPr>
+            <a:r>
+              <a:rPr b="0" lang="pl-PL" sz="1900" spc="-1" strike="noStrike">
+                <a:solidFill>
+                  <a:srgbClr val="ffffff"/>
+                </a:solidFill>
+                <a:latin typeface="Arial"/>
+                <a:ea typeface="DejaVu Sans"/>
+              </a:rPr>
+              <a:t>Strumienie (I/O) są łatwiejsze w użyciu, natomiast bufory (new I/O) są bardziej wydajne (brak blokowania). Do standardowych rozwiązań wystarczy podejście strumieniowe (I/O).</a:t>
+            </a:r>
+            <a:endParaRPr b="0" lang="pl-PL" sz="1900" spc="-1" strike="noStrike">
+              <a:latin typeface="Arial"/>
+            </a:endParaRPr>
+          </a:p>
+          <a:p>
+            <a:pPr>
+              <a:lnSpc>
+                <a:spcPct val="100000"/>
+              </a:lnSpc>
+            </a:pPr>
+            <a:endParaRPr b="0" lang="pl-PL" sz="1900" spc="-1" strike="noStrike">
+              <a:latin typeface="Arial"/>
+            </a:endParaRPr>
+          </a:p>
+        </p:txBody>
+      </p:sp>
+    </p:spTree>
+  </p:cSld>
+  <p:timing>
+    <p:tnLst>
+      <p:par>
+        <p:cTn id="83" dur="indefinite" restart="never" nodeType="tmRoot">
+          <p:childTnLst>
+            <p:seq>
+              <p:cTn id="84" dur="indefinite" nodeType="mainSeq"/>
               <p:prevCondLst>
                 <p:cond delay="0" evt="onPrev">
                   <p:tgtEl>
@@ -27446,7 +27826,7 @@
         <p:spPr>
           <a:xfrm>
             <a:off x="1561680" y="0"/>
-            <a:ext cx="9066600" cy="1257480"/>
+            <a:ext cx="9066240" cy="1257120"/>
           </a:xfrm>
           <a:prstGeom prst="rect">
             <a:avLst/>
@@ -27495,7 +27875,7 @@
         <p:spPr>
           <a:xfrm>
             <a:off x="861480" y="1728360"/>
-            <a:ext cx="5398920" cy="4964400"/>
+            <a:ext cx="5398560" cy="4964040"/>
           </a:xfrm>
           <a:prstGeom prst="rect">
             <a:avLst/>
@@ -27543,8 +27923,8 @@
         </p:nvSpPr>
         <p:spPr>
           <a:xfrm rot="21553200">
-            <a:off x="2466000" y="2636640"/>
-            <a:ext cx="1582920" cy="2673000"/>
+            <a:off x="2466000" y="2636280"/>
+            <a:ext cx="1582560" cy="2672640"/>
           </a:xfrm>
           <a:prstGeom prst="rect">
             <a:avLst/>
@@ -27646,8 +28026,8 @@
         </p:nvSpPr>
         <p:spPr>
           <a:xfrm rot="21553200">
-            <a:off x="5418000" y="2636640"/>
-            <a:ext cx="1582920" cy="2673000"/>
+            <a:off x="5418000" y="2636280"/>
+            <a:ext cx="1582560" cy="2672640"/>
           </a:xfrm>
           <a:prstGeom prst="rect">
             <a:avLst/>
@@ -27818,7 +28198,7 @@
         <p:spPr>
           <a:xfrm>
             <a:off x="8354160" y="1728000"/>
-            <a:ext cx="1724760" cy="1220760"/>
+            <a:ext cx="1724400" cy="1220400"/>
           </a:xfrm>
           <a:prstGeom prst="rect">
             <a:avLst/>
@@ -27921,7 +28301,7 @@
         <p:spPr>
           <a:xfrm>
             <a:off x="8282160" y="4895640"/>
-            <a:ext cx="1724760" cy="1220760"/>
+            <a:ext cx="1724400" cy="1220400"/>
           </a:xfrm>
           <a:prstGeom prst="rect">
             <a:avLst/>
@@ -28024,7 +28404,7 @@
         <p:spPr>
           <a:xfrm>
             <a:off x="4320000" y="3383640"/>
-            <a:ext cx="1076760" cy="343080"/>
+            <a:ext cx="1076400" cy="342720"/>
           </a:xfrm>
           <a:prstGeom prst="rect">
             <a:avLst/>
@@ -28129,7 +28509,7 @@
         <p:spPr>
           <a:xfrm>
             <a:off x="7058160" y="3685320"/>
-            <a:ext cx="1076760" cy="599040"/>
+            <a:ext cx="1076400" cy="598680"/>
           </a:xfrm>
           <a:prstGeom prst="rect">
             <a:avLst/>
@@ -28237,7 +28617,7 @@
         <p:spPr>
           <a:xfrm>
             <a:off x="1561680" y="720"/>
-            <a:ext cx="9066600" cy="1257480"/>
+            <a:ext cx="9066240" cy="1257120"/>
           </a:xfrm>
           <a:prstGeom prst="rect">
             <a:avLst/>
@@ -30475,7 +30855,7 @@
         <p:spPr>
           <a:xfrm>
             <a:off x="1561680" y="0"/>
-            <a:ext cx="9066600" cy="1257480"/>
+            <a:ext cx="9066240" cy="1257120"/>
           </a:xfrm>
           <a:prstGeom prst="rect">
             <a:avLst/>
@@ -30524,7 +30904,7 @@
         <p:spPr>
           <a:xfrm>
             <a:off x="1998720" y="863640"/>
-            <a:ext cx="8418960" cy="4656240"/>
+            <a:ext cx="8418600" cy="4655880"/>
           </a:xfrm>
           <a:prstGeom prst="rect">
             <a:avLst/>
@@ -30850,7 +31230,7 @@
         <p:spPr>
           <a:xfrm>
             <a:off x="1561680" y="0"/>
-            <a:ext cx="9066600" cy="1257480"/>
+            <a:ext cx="9066240" cy="1257120"/>
           </a:xfrm>
           <a:prstGeom prst="rect">
             <a:avLst/>
@@ -30899,7 +31279,7 @@
         <p:spPr>
           <a:xfrm>
             <a:off x="1633320" y="1087560"/>
-            <a:ext cx="8922960" cy="6358320"/>
+            <a:ext cx="8922600" cy="6357960"/>
           </a:xfrm>
           <a:prstGeom prst="rect">
             <a:avLst/>
@@ -31277,7 +31657,7 @@
         <p:spPr>
           <a:xfrm>
             <a:off x="1561680" y="360"/>
-            <a:ext cx="9066600" cy="1257480"/>
+            <a:ext cx="9066240" cy="1257120"/>
           </a:xfrm>
           <a:prstGeom prst="rect">
             <a:avLst/>

--- a/WprowadzenieDoJezykaJAVA_v2_PiotrKrajnik.pptx
+++ b/WprowadzenieDoJezykaJAVA_v2_PiotrKrajnik.pptx
@@ -48,6 +48,10 @@
     <p:sldId id="295" r:id="rId43"/>
     <p:sldId id="296" r:id="rId44"/>
     <p:sldId id="297" r:id="rId45"/>
+    <p:sldId id="298" r:id="rId46"/>
+    <p:sldId id="299" r:id="rId47"/>
+    <p:sldId id="300" r:id="rId48"/>
+    <p:sldId id="301" r:id="rId49"/>
   </p:sldIdLst>
   <p:sldSz cx="12192000" cy="6858000"/>
   <p:notesSz cx="7559675" cy="10691812"/>
@@ -2754,7 +2758,7 @@
         <p:spPr>
           <a:xfrm rot="5400000">
             <a:off x="0" y="0"/>
-            <a:ext cx="2496960" cy="2496960"/>
+            <a:ext cx="2496600" cy="2496600"/>
           </a:xfrm>
           <a:prstGeom prst="rtTriangle">
             <a:avLst/>
@@ -2794,7 +2798,7 @@
         <p:spPr>
           <a:xfrm>
             <a:off x="0" y="0"/>
-            <a:ext cx="2750040" cy="1293840"/>
+            <a:ext cx="2749680" cy="1293480"/>
           </a:xfrm>
           <a:prstGeom prst="rect">
             <a:avLst/>
@@ -3074,7 +3078,7 @@
         <p:spPr>
           <a:xfrm rot="5400000">
             <a:off x="0" y="0"/>
-            <a:ext cx="2496960" cy="2496960"/>
+            <a:ext cx="2496600" cy="2496600"/>
           </a:xfrm>
           <a:prstGeom prst="rtTriangle">
             <a:avLst/>
@@ -3114,7 +3118,7 @@
         <p:spPr>
           <a:xfrm>
             <a:off x="0" y="0"/>
-            <a:ext cx="2750040" cy="1293840"/>
+            <a:ext cx="2749680" cy="1293480"/>
           </a:xfrm>
           <a:prstGeom prst="rect">
             <a:avLst/>
@@ -3384,7 +3388,7 @@
         <p:spPr>
           <a:xfrm>
             <a:off x="1561680" y="1905480"/>
-            <a:ext cx="9066240" cy="1257120"/>
+            <a:ext cx="9065880" cy="1256760"/>
           </a:xfrm>
           <a:prstGeom prst="rect">
             <a:avLst/>
@@ -3433,7 +3437,7 @@
         <p:spPr>
           <a:xfrm>
             <a:off x="1561680" y="3456000"/>
-            <a:ext cx="9066240" cy="2691720"/>
+            <a:ext cx="9065880" cy="2691360"/>
           </a:xfrm>
           <a:prstGeom prst="rect">
             <a:avLst/>
@@ -3541,7 +3545,7 @@
         <p:spPr>
           <a:xfrm>
             <a:off x="1561680" y="0"/>
-            <a:ext cx="9066240" cy="1257120"/>
+            <a:ext cx="9065880" cy="1256760"/>
           </a:xfrm>
           <a:prstGeom prst="rect">
             <a:avLst/>
@@ -3590,7 +3594,7 @@
         <p:spPr>
           <a:xfrm>
             <a:off x="1584000" y="1175040"/>
-            <a:ext cx="3238200" cy="5639400"/>
+            <a:ext cx="3237840" cy="5639040"/>
           </a:xfrm>
           <a:prstGeom prst="rect">
             <a:avLst/>
@@ -3949,7 +3953,7 @@
         <p:spPr>
           <a:xfrm>
             <a:off x="5324040" y="1262520"/>
-            <a:ext cx="5398560" cy="695160"/>
+            <a:ext cx="5398200" cy="694800"/>
           </a:xfrm>
           <a:prstGeom prst="rect">
             <a:avLst/>
@@ -3998,7 +4002,7 @@
         <p:spPr>
           <a:xfrm>
             <a:off x="5215680" y="3780000"/>
-            <a:ext cx="5398560" cy="1914840"/>
+            <a:ext cx="5398200" cy="1914480"/>
           </a:xfrm>
           <a:prstGeom prst="rect">
             <a:avLst/>
@@ -4116,7 +4120,7 @@
         <p:spPr>
           <a:xfrm>
             <a:off x="1561680" y="0"/>
-            <a:ext cx="9066240" cy="1257120"/>
+            <a:ext cx="9065880" cy="1256760"/>
           </a:xfrm>
           <a:prstGeom prst="rect">
             <a:avLst/>
@@ -4165,7 +4169,7 @@
         <p:spPr>
           <a:xfrm>
             <a:off x="1440000" y="1152000"/>
-            <a:ext cx="3238200" cy="5639400"/>
+            <a:ext cx="3237840" cy="5639040"/>
           </a:xfrm>
           <a:prstGeom prst="rect">
             <a:avLst/>
@@ -4624,7 +4628,7 @@
         <p:spPr>
           <a:xfrm>
             <a:off x="5180040" y="1239480"/>
-            <a:ext cx="5398560" cy="4964040"/>
+            <a:ext cx="5398200" cy="4963680"/>
           </a:xfrm>
           <a:prstGeom prst="rect">
             <a:avLst/>
@@ -4812,7 +4816,7 @@
         <p:spPr>
           <a:xfrm>
             <a:off x="1561680" y="15480"/>
-            <a:ext cx="9066240" cy="1257120"/>
+            <a:ext cx="9065880" cy="1256760"/>
           </a:xfrm>
           <a:prstGeom prst="rect">
             <a:avLst/>
@@ -4861,7 +4865,7 @@
         <p:spPr>
           <a:xfrm>
             <a:off x="1924920" y="1275840"/>
-            <a:ext cx="3238200" cy="2400840"/>
+            <a:ext cx="3237840" cy="2400480"/>
           </a:xfrm>
           <a:prstGeom prst="rect">
             <a:avLst/>
@@ -5060,7 +5064,7 @@
         <p:spPr>
           <a:xfrm>
             <a:off x="1924920" y="4079160"/>
-            <a:ext cx="3515400" cy="2400840"/>
+            <a:ext cx="3515040" cy="2400480"/>
           </a:xfrm>
           <a:prstGeom prst="rect">
             <a:avLst/>
@@ -5259,7 +5263,7 @@
         <p:spPr>
           <a:xfrm>
             <a:off x="7087320" y="1275840"/>
-            <a:ext cx="3238200" cy="2400840"/>
+            <a:ext cx="3237840" cy="2400480"/>
           </a:xfrm>
           <a:prstGeom prst="rect">
             <a:avLst/>
@@ -5458,7 +5462,7 @@
         <p:spPr>
           <a:xfrm>
             <a:off x="7087320" y="4079160"/>
-            <a:ext cx="3238200" cy="2400840"/>
+            <a:ext cx="3237840" cy="2400480"/>
           </a:xfrm>
           <a:prstGeom prst="rect">
             <a:avLst/>
@@ -5706,7 +5710,7 @@
         <p:spPr>
           <a:xfrm>
             <a:off x="1561680" y="-75600"/>
-            <a:ext cx="9066240" cy="1257120"/>
+            <a:ext cx="9065880" cy="1256760"/>
           </a:xfrm>
           <a:prstGeom prst="rect">
             <a:avLst/>
@@ -5755,7 +5759,7 @@
         <p:spPr>
           <a:xfrm>
             <a:off x="1001160" y="1286280"/>
-            <a:ext cx="5223960" cy="6487920"/>
+            <a:ext cx="5223600" cy="6487560"/>
           </a:xfrm>
           <a:prstGeom prst="rect">
             <a:avLst/>
@@ -5974,7 +5978,7 @@
         <p:spPr>
           <a:xfrm>
             <a:off x="6531120" y="1286280"/>
-            <a:ext cx="4299840" cy="5573880"/>
+            <a:ext cx="4299480" cy="5573520"/>
           </a:xfrm>
           <a:prstGeom prst="rect">
             <a:avLst/>
@@ -6362,7 +6366,7 @@
         <p:spPr>
           <a:xfrm>
             <a:off x="1561680" y="0"/>
-            <a:ext cx="9066240" cy="1257120"/>
+            <a:ext cx="9065880" cy="1256760"/>
           </a:xfrm>
           <a:prstGeom prst="rect">
             <a:avLst/>
@@ -6411,7 +6415,7 @@
         <p:spPr>
           <a:xfrm>
             <a:off x="1800000" y="1086120"/>
-            <a:ext cx="5223960" cy="3744360"/>
+            <a:ext cx="5223600" cy="3744000"/>
           </a:xfrm>
           <a:prstGeom prst="rect">
             <a:avLst/>
@@ -6550,7 +6554,7 @@
         <p:spPr>
           <a:xfrm>
             <a:off x="7486560" y="1086120"/>
-            <a:ext cx="3328200" cy="5846040"/>
+            <a:ext cx="3327840" cy="5845680"/>
           </a:xfrm>
           <a:prstGeom prst="rect">
             <a:avLst/>
@@ -7063,7 +7067,7 @@
         <p:spPr>
           <a:xfrm>
             <a:off x="2639880" y="4608000"/>
-            <a:ext cx="1429920" cy="1429920"/>
+            <a:ext cx="1429560" cy="1429560"/>
           </a:xfrm>
           <a:prstGeom prst="rect">
             <a:avLst/>
@@ -7086,7 +7090,7 @@
         <p:spPr>
           <a:xfrm>
             <a:off x="5157360" y="5808240"/>
-            <a:ext cx="1429920" cy="1429920"/>
+            <a:ext cx="1429560" cy="1429560"/>
           </a:xfrm>
           <a:prstGeom prst="rect">
             <a:avLst/>
@@ -7105,7 +7109,7 @@
         <p:spPr>
           <a:xfrm>
             <a:off x="2560680" y="5608800"/>
-            <a:ext cx="2044800" cy="1182600"/>
+            <a:ext cx="2044440" cy="1182240"/>
           </a:xfrm>
           <a:prstGeom prst="rect">
             <a:avLst/>
@@ -7214,7 +7218,7 @@
         <p:spPr>
           <a:xfrm>
             <a:off x="4876560" y="4968000"/>
-            <a:ext cx="2144880" cy="1182600"/>
+            <a:ext cx="2144520" cy="1182240"/>
           </a:xfrm>
           <a:prstGeom prst="rect">
             <a:avLst/>
@@ -7372,7 +7376,7 @@
         <p:spPr>
           <a:xfrm>
             <a:off x="1561680" y="0"/>
-            <a:ext cx="9066240" cy="1257120"/>
+            <a:ext cx="9065880" cy="1256760"/>
           </a:xfrm>
           <a:prstGeom prst="rect">
             <a:avLst/>
@@ -7421,7 +7425,7 @@
         <p:spPr>
           <a:xfrm>
             <a:off x="6078240" y="936000"/>
-            <a:ext cx="3328200" cy="5846040"/>
+            <a:ext cx="3327840" cy="5845680"/>
           </a:xfrm>
           <a:prstGeom prst="rect">
             <a:avLst/>
@@ -7930,7 +7934,7 @@
         <p:spPr>
           <a:xfrm>
             <a:off x="4032000" y="936000"/>
-            <a:ext cx="1994760" cy="359640"/>
+            <a:ext cx="1994400" cy="359280"/>
           </a:xfrm>
           <a:prstGeom prst="rect">
             <a:avLst/>
@@ -7979,7 +7983,7 @@
         <p:spPr>
           <a:xfrm>
             <a:off x="4608000" y="1593360"/>
-            <a:ext cx="1308960" cy="359640"/>
+            <a:ext cx="1308600" cy="359280"/>
           </a:xfrm>
           <a:prstGeom prst="rect">
             <a:avLst/>
@@ -8028,7 +8032,7 @@
         <p:spPr>
           <a:xfrm>
             <a:off x="4266000" y="2958480"/>
-            <a:ext cx="1994760" cy="359640"/>
+            <a:ext cx="1994400" cy="359280"/>
           </a:xfrm>
           <a:prstGeom prst="rect">
             <a:avLst/>
@@ -8126,7 +8130,7 @@
         <p:spPr>
           <a:xfrm>
             <a:off x="1561680" y="0"/>
-            <a:ext cx="9066240" cy="1257120"/>
+            <a:ext cx="9065880" cy="1256760"/>
           </a:xfrm>
           <a:prstGeom prst="rect">
             <a:avLst/>
@@ -8175,7 +8179,7 @@
         <p:spPr>
           <a:xfrm>
             <a:off x="1656000" y="1440000"/>
-            <a:ext cx="5223960" cy="4354200"/>
+            <a:ext cx="5223600" cy="4353840"/>
           </a:xfrm>
           <a:prstGeom prst="rect">
             <a:avLst/>
@@ -8304,7 +8308,7 @@
         <p:spPr>
           <a:xfrm>
             <a:off x="7650720" y="2049840"/>
-            <a:ext cx="3328200" cy="2554200"/>
+            <a:ext cx="3327840" cy="2553840"/>
           </a:xfrm>
           <a:prstGeom prst="rect">
             <a:avLst/>
@@ -8572,7 +8576,7 @@
         <p:spPr>
           <a:xfrm>
             <a:off x="1561680" y="0"/>
-            <a:ext cx="9066240" cy="1257120"/>
+            <a:ext cx="9065880" cy="1256760"/>
           </a:xfrm>
           <a:prstGeom prst="rect">
             <a:avLst/>
@@ -8621,7 +8625,7 @@
         <p:spPr>
           <a:xfrm>
             <a:off x="1699920" y="936000"/>
-            <a:ext cx="5223960" cy="6840720"/>
+            <a:ext cx="5223600" cy="6840360"/>
           </a:xfrm>
           <a:prstGeom prst="rect">
             <a:avLst/>
@@ -8880,7 +8884,7 @@
         <p:spPr>
           <a:xfrm>
             <a:off x="7536600" y="1512000"/>
-            <a:ext cx="4484880" cy="4195800"/>
+            <a:ext cx="4484520" cy="4195440"/>
           </a:xfrm>
           <a:prstGeom prst="rect">
             <a:avLst/>
@@ -9478,7 +9482,7 @@
         <p:spPr>
           <a:xfrm>
             <a:off x="1561680" y="0"/>
-            <a:ext cx="9066240" cy="1257120"/>
+            <a:ext cx="9065880" cy="1256760"/>
           </a:xfrm>
           <a:prstGeom prst="rect">
             <a:avLst/>
@@ -9527,7 +9531,7 @@
         <p:spPr>
           <a:xfrm>
             <a:off x="1296000" y="1259640"/>
-            <a:ext cx="4067280" cy="6183000"/>
+            <a:ext cx="4066920" cy="6182640"/>
           </a:xfrm>
           <a:prstGeom prst="rect">
             <a:avLst/>
@@ -9685,8 +9689,8 @@
         </p:nvSpPr>
         <p:spPr>
           <a:xfrm rot="9000">
-            <a:off x="6049440" y="1415160"/>
-            <a:ext cx="5682960" cy="3101040"/>
+            <a:off x="6049080" y="1414800"/>
+            <a:ext cx="5682600" cy="3100680"/>
           </a:xfrm>
           <a:prstGeom prst="rect">
             <a:avLst/>
@@ -9914,8 +9918,8 @@
         </p:nvSpPr>
         <p:spPr>
           <a:xfrm rot="9000">
-            <a:off x="6189840" y="4900680"/>
-            <a:ext cx="5682960" cy="1425960"/>
+            <a:off x="6189480" y="4900320"/>
+            <a:ext cx="5682600" cy="1425600"/>
           </a:xfrm>
           <a:prstGeom prst="rect">
             <a:avLst/>
@@ -10113,7 +10117,7 @@
         <p:spPr>
           <a:xfrm>
             <a:off x="1561680" y="0"/>
-            <a:ext cx="9066240" cy="1257120"/>
+            <a:ext cx="9065880" cy="1256760"/>
           </a:xfrm>
           <a:prstGeom prst="rect">
             <a:avLst/>
@@ -10162,7 +10166,7 @@
         <p:spPr>
           <a:xfrm>
             <a:off x="1618560" y="1194480"/>
-            <a:ext cx="6370920" cy="6668280"/>
+            <a:ext cx="6370560" cy="6667920"/>
           </a:xfrm>
           <a:prstGeom prst="rect">
             <a:avLst/>
@@ -10441,7 +10445,7 @@
         <p:spPr>
           <a:xfrm>
             <a:off x="8832600" y="1259640"/>
-            <a:ext cx="3836880" cy="5321880"/>
+            <a:ext cx="3836520" cy="5321520"/>
           </a:xfrm>
           <a:prstGeom prst="rect">
             <a:avLst/>
@@ -11177,7 +11181,7 @@
         <p:spPr>
           <a:xfrm>
             <a:off x="1561680" y="0"/>
-            <a:ext cx="9066240" cy="1257120"/>
+            <a:ext cx="9065880" cy="1256760"/>
           </a:xfrm>
           <a:prstGeom prst="rect">
             <a:avLst/>
@@ -11226,7 +11230,7 @@
         <p:spPr>
           <a:xfrm>
             <a:off x="1668600" y="1584000"/>
-            <a:ext cx="8852400" cy="4964040"/>
+            <a:ext cx="8852040" cy="4963680"/>
           </a:xfrm>
           <a:prstGeom prst="rect">
             <a:avLst/>
@@ -11464,7 +11468,7 @@
         <p:spPr>
           <a:xfrm>
             <a:off x="1561680" y="0"/>
-            <a:ext cx="9066240" cy="1257120"/>
+            <a:ext cx="9065880" cy="1256760"/>
           </a:xfrm>
           <a:prstGeom prst="rect">
             <a:avLst/>
@@ -11513,7 +11517,7 @@
         <p:spPr>
           <a:xfrm>
             <a:off x="1472760" y="1082880"/>
-            <a:ext cx="5291280" cy="6114600"/>
+            <a:ext cx="5290920" cy="6114240"/>
           </a:xfrm>
           <a:prstGeom prst="rect">
             <a:avLst/>
@@ -11802,7 +11806,7 @@
         <p:spPr>
           <a:xfrm>
             <a:off x="7176600" y="1193040"/>
-            <a:ext cx="3836880" cy="5321880"/>
+            <a:ext cx="3836520" cy="5321520"/>
           </a:xfrm>
           <a:prstGeom prst="rect">
             <a:avLst/>
@@ -12400,7 +12404,7 @@
         <p:spPr>
           <a:xfrm>
             <a:off x="1561680" y="27720"/>
-            <a:ext cx="9066240" cy="1257120"/>
+            <a:ext cx="9065880" cy="1256760"/>
           </a:xfrm>
           <a:prstGeom prst="rect">
             <a:avLst/>
@@ -12449,7 +12453,7 @@
         <p:spPr>
           <a:xfrm>
             <a:off x="1440000" y="1080000"/>
-            <a:ext cx="5731560" cy="5990040"/>
+            <a:ext cx="5731200" cy="5989680"/>
           </a:xfrm>
           <a:prstGeom prst="rect">
             <a:avLst/>
@@ -12708,7 +12712,7 @@
         <p:spPr>
           <a:xfrm>
             <a:off x="7536600" y="1856520"/>
-            <a:ext cx="3836880" cy="5213520"/>
+            <a:ext cx="3836520" cy="5213160"/>
           </a:xfrm>
           <a:prstGeom prst="rect">
             <a:avLst/>
@@ -13046,7 +13050,7 @@
         <p:spPr>
           <a:xfrm>
             <a:off x="1561680" y="0"/>
-            <a:ext cx="9066240" cy="1257120"/>
+            <a:ext cx="9065880" cy="1256760"/>
           </a:xfrm>
           <a:prstGeom prst="rect">
             <a:avLst/>
@@ -13095,7 +13099,7 @@
         <p:spPr>
           <a:xfrm>
             <a:off x="1224000" y="1010880"/>
-            <a:ext cx="5628960" cy="6114600"/>
+            <a:ext cx="5628600" cy="6114240"/>
           </a:xfrm>
           <a:prstGeom prst="rect">
             <a:avLst/>
@@ -13384,7 +13388,7 @@
         <p:spPr>
           <a:xfrm>
             <a:off x="7416000" y="1155600"/>
-            <a:ext cx="4408200" cy="5321880"/>
+            <a:ext cx="4407840" cy="5321520"/>
           </a:xfrm>
           <a:prstGeom prst="rect">
             <a:avLst/>
@@ -13862,7 +13866,7 @@
         <p:spPr>
           <a:xfrm>
             <a:off x="1561680" y="0"/>
-            <a:ext cx="9066240" cy="1257120"/>
+            <a:ext cx="9065880" cy="1256760"/>
           </a:xfrm>
           <a:prstGeom prst="rect">
             <a:avLst/>
@@ -13911,7 +13915,7 @@
         <p:spPr>
           <a:xfrm>
             <a:off x="1561680" y="1010880"/>
-            <a:ext cx="4068000" cy="6114600"/>
+            <a:ext cx="4067640" cy="6114240"/>
           </a:xfrm>
           <a:prstGeom prst="rect">
             <a:avLst/>
@@ -14100,7 +14104,7 @@
         <p:spPr>
           <a:xfrm>
             <a:off x="8256600" y="1152000"/>
-            <a:ext cx="3836880" cy="2731680"/>
+            <a:ext cx="3836520" cy="2731320"/>
           </a:xfrm>
           <a:prstGeom prst="rect">
             <a:avLst/>
@@ -14289,7 +14293,7 @@
         <p:spPr>
           <a:xfrm>
             <a:off x="5736600" y="2665800"/>
-            <a:ext cx="3836880" cy="2731680"/>
+            <a:ext cx="3836520" cy="2731320"/>
           </a:xfrm>
           <a:prstGeom prst="rect">
             <a:avLst/>
@@ -14897,7 +14901,7 @@
         <p:spPr>
           <a:xfrm>
             <a:off x="1561680" y="0"/>
-            <a:ext cx="9066240" cy="1257120"/>
+            <a:ext cx="9065880" cy="1256760"/>
           </a:xfrm>
           <a:prstGeom prst="rect">
             <a:avLst/>
@@ -14946,7 +14950,7 @@
         <p:spPr>
           <a:xfrm>
             <a:off x="1512000" y="1008000"/>
-            <a:ext cx="5325480" cy="6114600"/>
+            <a:ext cx="5325120" cy="6114240"/>
           </a:xfrm>
           <a:prstGeom prst="rect">
             <a:avLst/>
@@ -15125,7 +15129,7 @@
         <p:spPr>
           <a:xfrm>
             <a:off x="7344000" y="1259640"/>
-            <a:ext cx="4700880" cy="5321880"/>
+            <a:ext cx="4700520" cy="5321520"/>
           </a:xfrm>
           <a:prstGeom prst="rect">
             <a:avLst/>
@@ -15513,7 +15517,7 @@
         <p:spPr>
           <a:xfrm>
             <a:off x="1561680" y="0"/>
-            <a:ext cx="9066240" cy="1257120"/>
+            <a:ext cx="9065880" cy="1256760"/>
           </a:xfrm>
           <a:prstGeom prst="rect">
             <a:avLst/>
@@ -15562,7 +15566,7 @@
         <p:spPr>
           <a:xfrm>
             <a:off x="936000" y="1560960"/>
-            <a:ext cx="5508000" cy="6212520"/>
+            <a:ext cx="5507640" cy="6212160"/>
           </a:xfrm>
           <a:prstGeom prst="rect">
             <a:avLst/>
@@ -15831,7 +15835,7 @@
         <p:spPr>
           <a:xfrm>
             <a:off x="6984000" y="1443600"/>
-            <a:ext cx="4700880" cy="5321880"/>
+            <a:ext cx="4700520" cy="5321520"/>
           </a:xfrm>
           <a:prstGeom prst="rect">
             <a:avLst/>
@@ -16439,7 +16443,7 @@
         <p:spPr>
           <a:xfrm>
             <a:off x="1561680" y="0"/>
-            <a:ext cx="9066240" cy="1257120"/>
+            <a:ext cx="9065880" cy="1256760"/>
           </a:xfrm>
           <a:prstGeom prst="rect">
             <a:avLst/>
@@ -16488,7 +16492,7 @@
         <p:spPr>
           <a:xfrm>
             <a:off x="1440000" y="1152000"/>
-            <a:ext cx="5829480" cy="6114600"/>
+            <a:ext cx="5829120" cy="6114240"/>
           </a:xfrm>
           <a:prstGeom prst="rect">
             <a:avLst/>
@@ -16697,7 +16701,7 @@
         <p:spPr>
           <a:xfrm>
             <a:off x="7848000" y="1368000"/>
-            <a:ext cx="4243680" cy="4658400"/>
+            <a:ext cx="4243320" cy="4658040"/>
           </a:xfrm>
           <a:prstGeom prst="rect">
             <a:avLst/>
@@ -17095,7 +17099,7 @@
         <p:spPr>
           <a:xfrm>
             <a:off x="1561680" y="0"/>
-            <a:ext cx="9066240" cy="1257120"/>
+            <a:ext cx="9065880" cy="1256760"/>
           </a:xfrm>
           <a:prstGeom prst="rect">
             <a:avLst/>
@@ -17144,7 +17148,7 @@
         <p:spPr>
           <a:xfrm>
             <a:off x="1152000" y="1514880"/>
-            <a:ext cx="5469480" cy="6114600"/>
+            <a:ext cx="5469120" cy="6114240"/>
           </a:xfrm>
           <a:prstGeom prst="rect">
             <a:avLst/>
@@ -17353,7 +17357,7 @@
         <p:spPr>
           <a:xfrm>
             <a:off x="7560000" y="1387080"/>
-            <a:ext cx="4243680" cy="4658400"/>
+            <a:ext cx="4243320" cy="4658040"/>
           </a:xfrm>
           <a:prstGeom prst="rect">
             <a:avLst/>
@@ -17841,7 +17845,7 @@
         <p:spPr>
           <a:xfrm>
             <a:off x="1561680" y="0"/>
-            <a:ext cx="9066240" cy="1257120"/>
+            <a:ext cx="9065880" cy="1256760"/>
           </a:xfrm>
           <a:prstGeom prst="rect">
             <a:avLst/>
@@ -17890,7 +17894,7 @@
         <p:spPr>
           <a:xfrm>
             <a:off x="1545480" y="1080000"/>
-            <a:ext cx="5364000" cy="6114600"/>
+            <a:ext cx="5363640" cy="6114240"/>
           </a:xfrm>
           <a:prstGeom prst="rect">
             <a:avLst/>
@@ -18139,7 +18143,7 @@
         <p:spPr>
           <a:xfrm>
             <a:off x="7704000" y="1008000"/>
-            <a:ext cx="4243680" cy="4658400"/>
+            <a:ext cx="4243320" cy="4658040"/>
           </a:xfrm>
           <a:prstGeom prst="rect">
             <a:avLst/>
@@ -18897,7 +18901,7 @@
         <p:spPr>
           <a:xfrm>
             <a:off x="1561680" y="0"/>
-            <a:ext cx="9066240" cy="1257120"/>
+            <a:ext cx="9065880" cy="1256760"/>
           </a:xfrm>
           <a:prstGeom prst="rect">
             <a:avLst/>
@@ -18946,7 +18950,7 @@
         <p:spPr>
           <a:xfrm>
             <a:off x="1368000" y="1010880"/>
-            <a:ext cx="5541480" cy="6114600"/>
+            <a:ext cx="5541120" cy="6114240"/>
           </a:xfrm>
           <a:prstGeom prst="rect">
             <a:avLst/>
@@ -19175,7 +19179,7 @@
         <p:spPr>
           <a:xfrm>
             <a:off x="7848000" y="1148400"/>
-            <a:ext cx="3558600" cy="5707080"/>
+            <a:ext cx="3558240" cy="5706720"/>
           </a:xfrm>
           <a:prstGeom prst="rect">
             <a:avLst/>
@@ -19703,7 +19707,7 @@
         <p:spPr>
           <a:xfrm>
             <a:off x="1561680" y="0"/>
-            <a:ext cx="9066240" cy="1257120"/>
+            <a:ext cx="9065880" cy="1256760"/>
           </a:xfrm>
           <a:prstGeom prst="rect">
             <a:avLst/>
@@ -19752,7 +19756,7 @@
         <p:spPr>
           <a:xfrm>
             <a:off x="4337640" y="1440000"/>
-            <a:ext cx="3513960" cy="4964040"/>
+            <a:ext cx="3513600" cy="4963680"/>
           </a:xfrm>
           <a:prstGeom prst="rect">
             <a:avLst/>
@@ -20110,7 +20114,7 @@
         <p:spPr>
           <a:xfrm>
             <a:off x="1561680" y="0"/>
-            <a:ext cx="9066240" cy="1257120"/>
+            <a:ext cx="9065880" cy="1256760"/>
           </a:xfrm>
           <a:prstGeom prst="rect">
             <a:avLst/>
@@ -20159,7 +20163,7 @@
         <p:spPr>
           <a:xfrm>
             <a:off x="1368000" y="1010880"/>
-            <a:ext cx="5541480" cy="6114600"/>
+            <a:ext cx="5541120" cy="6114240"/>
           </a:xfrm>
           <a:prstGeom prst="rect">
             <a:avLst/>
@@ -20208,7 +20212,7 @@
             </a:endParaRPr>
           </a:p>
           <a:p>
-            <a:pPr marL="285840" indent="-284400">
+            <a:pPr marL="285840" indent="-284040">
               <a:lnSpc>
                 <a:spcPct val="100000"/>
               </a:lnSpc>
@@ -20233,7 +20237,7 @@
             </a:endParaRPr>
           </a:p>
           <a:p>
-            <a:pPr marL="285840" indent="-284400">
+            <a:pPr marL="285840" indent="-284040">
               <a:lnSpc>
                 <a:spcPct val="100000"/>
               </a:lnSpc>
@@ -20258,7 +20262,7 @@
             </a:endParaRPr>
           </a:p>
           <a:p>
-            <a:pPr marL="285840" indent="-284400">
+            <a:pPr marL="285840" indent="-284040">
               <a:lnSpc>
                 <a:spcPct val="100000"/>
               </a:lnSpc>
@@ -20493,7 +20497,7 @@
         <p:spPr>
           <a:xfrm>
             <a:off x="6910920" y="1538640"/>
-            <a:ext cx="5203440" cy="5747760"/>
+            <a:ext cx="5203080" cy="5747400"/>
           </a:xfrm>
           <a:prstGeom prst="rect">
             <a:avLst/>
@@ -20921,7 +20925,7 @@
         <p:spPr>
           <a:xfrm>
             <a:off x="1561680" y="0"/>
-            <a:ext cx="9066240" cy="1257120"/>
+            <a:ext cx="9065880" cy="1256760"/>
           </a:xfrm>
           <a:prstGeom prst="rect">
             <a:avLst/>
@@ -20970,7 +20974,7 @@
         <p:spPr>
           <a:xfrm>
             <a:off x="4396320" y="1170720"/>
-            <a:ext cx="2454480" cy="445680"/>
+            <a:ext cx="2454120" cy="445320"/>
           </a:xfrm>
           <a:prstGeom prst="rect">
             <a:avLst/>
@@ -21026,7 +21030,7 @@
         <p:spPr>
           <a:xfrm>
             <a:off x="741600" y="2052720"/>
-            <a:ext cx="2454480" cy="445680"/>
+            <a:ext cx="2454120" cy="445320"/>
           </a:xfrm>
           <a:prstGeom prst="rect">
             <a:avLst/>
@@ -21082,7 +21086,7 @@
         <p:spPr>
           <a:xfrm>
             <a:off x="7658280" y="2052720"/>
-            <a:ext cx="2454480" cy="445680"/>
+            <a:ext cx="2454120" cy="445320"/>
           </a:xfrm>
           <a:prstGeom prst="rect">
             <a:avLst/>
@@ -21138,7 +21142,7 @@
         <p:spPr>
           <a:xfrm>
             <a:off x="5624280" y="3070440"/>
-            <a:ext cx="2454480" cy="445680"/>
+            <a:ext cx="2454120" cy="445320"/>
           </a:xfrm>
           <a:prstGeom prst="rect">
             <a:avLst/>
@@ -21194,7 +21198,7 @@
         <p:spPr>
           <a:xfrm flipH="1">
             <a:off x="1968120" y="1394280"/>
-            <a:ext cx="2425320" cy="657000"/>
+            <a:ext cx="2424960" cy="656640"/>
           </a:xfrm>
           <a:custGeom>
             <a:avLst/>
@@ -21247,7 +21251,7 @@
         <p:spPr>
           <a:xfrm>
             <a:off x="6852240" y="1394280"/>
-            <a:ext cx="2032560" cy="657000"/>
+            <a:ext cx="2032200" cy="656640"/>
           </a:xfrm>
           <a:custGeom>
             <a:avLst/>
@@ -21299,8 +21303,8 @@
         </p:nvSpPr>
         <p:spPr>
           <a:xfrm flipH="1">
-            <a:off x="6850800" y="2499840"/>
-            <a:ext cx="2032560" cy="569160"/>
+            <a:off x="6850080" y="2499840"/>
+            <a:ext cx="2032200" cy="568800"/>
           </a:xfrm>
           <a:custGeom>
             <a:avLst/>
@@ -21353,7 +21357,7 @@
         <p:spPr>
           <a:xfrm>
             <a:off x="6095520" y="3952800"/>
-            <a:ext cx="2454480" cy="445680"/>
+            <a:ext cx="2454120" cy="445320"/>
           </a:xfrm>
           <a:prstGeom prst="rect">
             <a:avLst/>
@@ -21409,7 +21413,7 @@
         <p:spPr>
           <a:xfrm>
             <a:off x="6095520" y="4746960"/>
-            <a:ext cx="2454480" cy="445680"/>
+            <a:ext cx="2454120" cy="445320"/>
           </a:xfrm>
           <a:prstGeom prst="rect">
             <a:avLst/>
@@ -21496,7 +21500,7 @@
         <p:spPr>
           <a:xfrm>
             <a:off x="5794200" y="4176360"/>
-            <a:ext cx="299880" cy="360"/>
+            <a:ext cx="299520" cy="360"/>
           </a:xfrm>
           <a:custGeom>
             <a:avLst/>
@@ -21549,7 +21553,7 @@
         <p:spPr>
           <a:xfrm>
             <a:off x="5794200" y="4973400"/>
-            <a:ext cx="299880" cy="360"/>
+            <a:ext cx="299520" cy="360"/>
           </a:xfrm>
           <a:custGeom>
             <a:avLst/>
@@ -21602,7 +21606,7 @@
         <p:spPr>
           <a:xfrm>
             <a:off x="6095520" y="5467680"/>
-            <a:ext cx="2454480" cy="445680"/>
+            <a:ext cx="2454120" cy="445320"/>
           </a:xfrm>
           <a:prstGeom prst="rect">
             <a:avLst/>
@@ -21658,7 +21662,7 @@
         <p:spPr>
           <a:xfrm>
             <a:off x="5794200" y="5691240"/>
-            <a:ext cx="299880" cy="360"/>
+            <a:ext cx="299520" cy="360"/>
           </a:xfrm>
           <a:custGeom>
             <a:avLst/>
@@ -21711,7 +21715,7 @@
         <p:spPr>
           <a:xfrm>
             <a:off x="9560160" y="3205440"/>
-            <a:ext cx="2454480" cy="445680"/>
+            <a:ext cx="2454120" cy="445320"/>
           </a:xfrm>
           <a:prstGeom prst="rect">
             <a:avLst/>
@@ -21767,7 +21771,7 @@
         <p:spPr>
           <a:xfrm>
             <a:off x="9560160" y="3952800"/>
-            <a:ext cx="2454480" cy="445680"/>
+            <a:ext cx="2454120" cy="445320"/>
           </a:xfrm>
           <a:prstGeom prst="rect">
             <a:avLst/>
@@ -21854,7 +21858,7 @@
         <p:spPr>
           <a:xfrm>
             <a:off x="9155880" y="3423240"/>
-            <a:ext cx="402840" cy="4320"/>
+            <a:ext cx="402480" cy="3960"/>
           </a:xfrm>
           <a:custGeom>
             <a:avLst/>
@@ -21906,8 +21910,8 @@
         </p:nvSpPr>
         <p:spPr>
           <a:xfrm flipV="1">
-            <a:off x="9155880" y="4151520"/>
-            <a:ext cx="402840" cy="3960"/>
+            <a:off x="9155880" y="4147920"/>
+            <a:ext cx="402480" cy="3600"/>
           </a:xfrm>
           <a:custGeom>
             <a:avLst/>
@@ -21960,7 +21964,7 @@
         <p:spPr>
           <a:xfrm>
             <a:off x="9560160" y="4870800"/>
-            <a:ext cx="2454480" cy="445680"/>
+            <a:ext cx="2454120" cy="445320"/>
           </a:xfrm>
           <a:prstGeom prst="rect">
             <a:avLst/>
@@ -22015,8 +22019,8 @@
         </p:nvSpPr>
         <p:spPr>
           <a:xfrm flipV="1">
-            <a:off x="9155880" y="5069520"/>
-            <a:ext cx="402840" cy="3960"/>
+            <a:off x="9155880" y="5065920"/>
+            <a:ext cx="402480" cy="3600"/>
           </a:xfrm>
           <a:custGeom>
             <a:avLst/>
@@ -22069,7 +22073,7 @@
         <p:spPr>
           <a:xfrm>
             <a:off x="234360" y="3342240"/>
-            <a:ext cx="4602960" cy="2009520"/>
+            <a:ext cx="4602600" cy="2009160"/>
           </a:xfrm>
           <a:prstGeom prst="rect">
             <a:avLst/>
@@ -22197,7 +22201,7 @@
         <p:spPr>
           <a:xfrm>
             <a:off x="1561680" y="0"/>
-            <a:ext cx="9066240" cy="1257120"/>
+            <a:ext cx="9065880" cy="1256760"/>
           </a:xfrm>
           <a:prstGeom prst="rect">
             <a:avLst/>
@@ -22246,7 +22250,7 @@
         <p:spPr>
           <a:xfrm>
             <a:off x="1368000" y="1010880"/>
-            <a:ext cx="10496160" cy="6114600"/>
+            <a:ext cx="10495800" cy="6114240"/>
           </a:xfrm>
           <a:prstGeom prst="rect">
             <a:avLst/>
@@ -22584,7 +22588,7 @@
         <p:spPr>
           <a:xfrm>
             <a:off x="1561680" y="0"/>
-            <a:ext cx="9066240" cy="1257120"/>
+            <a:ext cx="9065880" cy="1256760"/>
           </a:xfrm>
           <a:prstGeom prst="rect">
             <a:avLst/>
@@ -22633,7 +22637,7 @@
         <p:spPr>
           <a:xfrm>
             <a:off x="1368000" y="1010880"/>
-            <a:ext cx="10496160" cy="6114600"/>
+            <a:ext cx="10495800" cy="6114240"/>
           </a:xfrm>
           <a:prstGeom prst="rect">
             <a:avLst/>
@@ -22951,7 +22955,7 @@
         <p:spPr>
           <a:xfrm>
             <a:off x="1561680" y="0"/>
-            <a:ext cx="9066240" cy="1257120"/>
+            <a:ext cx="9065880" cy="1256760"/>
           </a:xfrm>
           <a:prstGeom prst="rect">
             <a:avLst/>
@@ -23000,7 +23004,7 @@
         <p:spPr>
           <a:xfrm>
             <a:off x="587880" y="1946880"/>
-            <a:ext cx="6410160" cy="5105520"/>
+            <a:ext cx="6409800" cy="5105160"/>
           </a:xfrm>
           <a:prstGeom prst="rect">
             <a:avLst/>
@@ -23269,7 +23273,7 @@
         <p:spPr>
           <a:xfrm>
             <a:off x="6999480" y="867600"/>
-            <a:ext cx="4690440" cy="6124320"/>
+            <a:ext cx="4690080" cy="6123960"/>
           </a:xfrm>
           <a:prstGeom prst="rect">
             <a:avLst/>
@@ -23767,7 +23771,7 @@
         <p:spPr>
           <a:xfrm>
             <a:off x="1561680" y="0"/>
-            <a:ext cx="9066240" cy="1257120"/>
+            <a:ext cx="9065880" cy="1256760"/>
           </a:xfrm>
           <a:prstGeom prst="rect">
             <a:avLst/>
@@ -23816,7 +23820,7 @@
         <p:spPr>
           <a:xfrm>
             <a:off x="587880" y="1946880"/>
-            <a:ext cx="6410160" cy="5105520"/>
+            <a:ext cx="6409800" cy="5105160"/>
           </a:xfrm>
           <a:prstGeom prst="rect">
             <a:avLst/>
@@ -23924,7 +23928,7 @@
         <p:spPr>
           <a:xfrm>
             <a:off x="1561680" y="0"/>
-            <a:ext cx="9066240" cy="1257120"/>
+            <a:ext cx="9065880" cy="1256760"/>
           </a:xfrm>
           <a:prstGeom prst="rect">
             <a:avLst/>
@@ -23973,7 +23977,7 @@
         <p:spPr>
           <a:xfrm>
             <a:off x="1368000" y="1224000"/>
-            <a:ext cx="5110920" cy="4457520"/>
+            <a:ext cx="5110560" cy="4457160"/>
           </a:xfrm>
           <a:prstGeom prst="rect">
             <a:avLst/>
@@ -24112,7 +24116,7 @@
         <p:spPr>
           <a:xfrm>
             <a:off x="6864120" y="1800000"/>
-            <a:ext cx="5326920" cy="5747760"/>
+            <a:ext cx="5326560" cy="5747400"/>
           </a:xfrm>
           <a:prstGeom prst="rect">
             <a:avLst/>
@@ -24457,7 +24461,7 @@
         <p:spPr>
           <a:xfrm>
             <a:off x="1561680" y="0"/>
-            <a:ext cx="9066240" cy="1257120"/>
+            <a:ext cx="9065880" cy="1256760"/>
           </a:xfrm>
           <a:prstGeom prst="rect">
             <a:avLst/>
@@ -24506,7 +24510,7 @@
         <p:spPr>
           <a:xfrm>
             <a:off x="1368000" y="1224000"/>
-            <a:ext cx="4751280" cy="4457520"/>
+            <a:ext cx="4750920" cy="4457160"/>
           </a:xfrm>
           <a:prstGeom prst="rect">
             <a:avLst/>
@@ -24565,7 +24569,7 @@
         <p:spPr>
           <a:xfrm>
             <a:off x="6120000" y="1152000"/>
-            <a:ext cx="6118920" cy="5747760"/>
+            <a:ext cx="6118560" cy="5747400"/>
           </a:xfrm>
           <a:prstGeom prst="rect">
             <a:avLst/>
@@ -24880,7 +24884,7 @@
         <p:spPr>
           <a:xfrm>
             <a:off x="504000" y="5400000"/>
-            <a:ext cx="5615280" cy="1223280"/>
+            <a:ext cx="5614920" cy="1222920"/>
           </a:xfrm>
           <a:prstGeom prst="rect">
             <a:avLst/>
@@ -24989,7 +24993,7 @@
         <p:spPr>
           <a:xfrm>
             <a:off x="1561680" y="0"/>
-            <a:ext cx="9066240" cy="1257120"/>
+            <a:ext cx="9065880" cy="1256760"/>
           </a:xfrm>
           <a:prstGeom prst="rect">
             <a:avLst/>
@@ -25038,7 +25042,7 @@
         <p:spPr>
           <a:xfrm>
             <a:off x="1368000" y="1224000"/>
-            <a:ext cx="10295640" cy="4457520"/>
+            <a:ext cx="10295280" cy="4457160"/>
           </a:xfrm>
           <a:prstGeom prst="rect">
             <a:avLst/>
@@ -25137,7 +25141,7 @@
         <p:spPr>
           <a:xfrm>
             <a:off x="3024000" y="3153960"/>
-            <a:ext cx="2454480" cy="445680"/>
+            <a:ext cx="2454120" cy="445320"/>
           </a:xfrm>
           <a:prstGeom prst="rect">
             <a:avLst/>
@@ -25193,7 +25197,7 @@
         <p:spPr>
           <a:xfrm>
             <a:off x="7776000" y="3168000"/>
-            <a:ext cx="2454480" cy="445680"/>
+            <a:ext cx="2454120" cy="445320"/>
           </a:xfrm>
           <a:prstGeom prst="rect">
             <a:avLst/>
@@ -25249,7 +25253,7 @@
         <p:spPr>
           <a:xfrm>
             <a:off x="1001160" y="4305960"/>
-            <a:ext cx="2454480" cy="445680"/>
+            <a:ext cx="2454120" cy="445320"/>
           </a:xfrm>
           <a:prstGeom prst="rect">
             <a:avLst/>
@@ -25305,7 +25309,7 @@
         <p:spPr>
           <a:xfrm>
             <a:off x="4522320" y="4305960"/>
-            <a:ext cx="2454480" cy="445680"/>
+            <a:ext cx="2454120" cy="445320"/>
           </a:xfrm>
           <a:prstGeom prst="rect">
             <a:avLst/>
@@ -25361,7 +25365,7 @@
         <p:spPr>
           <a:xfrm>
             <a:off x="7769160" y="5385960"/>
-            <a:ext cx="2454480" cy="445680"/>
+            <a:ext cx="2454120" cy="445320"/>
           </a:xfrm>
           <a:prstGeom prst="rect">
             <a:avLst/>
@@ -25420,7 +25424,7 @@
         <p:spPr>
           <a:xfrm>
             <a:off x="4529160" y="5400000"/>
-            <a:ext cx="2454480" cy="445680"/>
+            <a:ext cx="2454120" cy="445320"/>
           </a:xfrm>
           <a:prstGeom prst="rect">
             <a:avLst/>
@@ -25479,7 +25483,7 @@
         <p:spPr>
           <a:xfrm>
             <a:off x="1008000" y="5457960"/>
-            <a:ext cx="2454480" cy="445680"/>
+            <a:ext cx="2454120" cy="445320"/>
           </a:xfrm>
           <a:prstGeom prst="rect">
             <a:avLst/>
@@ -25538,7 +25542,7 @@
         <p:spPr>
           <a:xfrm flipH="1">
             <a:off x="2231280" y="3600000"/>
-            <a:ext cx="1705320" cy="657000"/>
+            <a:ext cx="1704960" cy="656640"/>
           </a:xfrm>
           <a:custGeom>
             <a:avLst/>
@@ -25591,7 +25595,7 @@
         <p:spPr>
           <a:xfrm>
             <a:off x="4729680" y="3610440"/>
-            <a:ext cx="1101960" cy="695160"/>
+            <a:ext cx="1101600" cy="694800"/>
           </a:xfrm>
           <a:custGeom>
             <a:avLst/>
@@ -25643,8 +25647,8 @@
         </p:nvSpPr>
         <p:spPr>
           <a:xfrm flipH="1">
-            <a:off x="2230920" y="4752000"/>
-            <a:ext cx="360" cy="647640"/>
+            <a:off x="2230200" y="4752000"/>
+            <a:ext cx="360" cy="647280"/>
           </a:xfrm>
           <a:custGeom>
             <a:avLst/>
@@ -25696,8 +25700,8 @@
         </p:nvSpPr>
         <p:spPr>
           <a:xfrm flipH="1">
-            <a:off x="5758920" y="4752000"/>
-            <a:ext cx="360" cy="647640"/>
+            <a:off x="5758200" y="4752000"/>
+            <a:ext cx="360" cy="647280"/>
           </a:xfrm>
           <a:custGeom>
             <a:avLst/>
@@ -25749,8 +25753,8 @@
         </p:nvSpPr>
         <p:spPr>
           <a:xfrm flipH="1">
-            <a:off x="8998920" y="3614040"/>
-            <a:ext cx="360" cy="1771560"/>
+            <a:off x="8998200" y="3614040"/>
+            <a:ext cx="360" cy="1771200"/>
           </a:xfrm>
           <a:custGeom>
             <a:avLst/>
@@ -25852,7 +25856,7 @@
         <p:spPr>
           <a:xfrm>
             <a:off x="1561680" y="0"/>
-            <a:ext cx="9066240" cy="1257120"/>
+            <a:ext cx="9065880" cy="1256760"/>
           </a:xfrm>
           <a:prstGeom prst="rect">
             <a:avLst/>
@@ -25901,7 +25905,7 @@
         <p:spPr>
           <a:xfrm>
             <a:off x="1368000" y="1224000"/>
-            <a:ext cx="4607640" cy="5327640"/>
+            <a:ext cx="4607280" cy="5327280"/>
           </a:xfrm>
           <a:prstGeom prst="rect">
             <a:avLst/>
@@ -25980,7 +25984,7 @@
         <p:spPr>
           <a:xfrm>
             <a:off x="6264000" y="1080000"/>
-            <a:ext cx="5759640" cy="5473080"/>
+            <a:ext cx="5759280" cy="5472720"/>
           </a:xfrm>
           <a:prstGeom prst="rect">
             <a:avLst/>
@@ -26264,7 +26268,7 @@
         <p:spPr>
           <a:xfrm>
             <a:off x="1561680" y="0"/>
-            <a:ext cx="9066240" cy="1257120"/>
+            <a:ext cx="9065880" cy="1256760"/>
           </a:xfrm>
           <a:prstGeom prst="rect">
             <a:avLst/>
@@ -26313,7 +26317,7 @@
         <p:spPr>
           <a:xfrm>
             <a:off x="861840" y="1728360"/>
-            <a:ext cx="5398560" cy="4964040"/>
+            <a:ext cx="5398200" cy="4963680"/>
           </a:xfrm>
           <a:prstGeom prst="rect">
             <a:avLst/>
@@ -26362,7 +26366,7 @@
         <p:spPr>
           <a:xfrm>
             <a:off x="1703520" y="1728360"/>
-            <a:ext cx="8782560" cy="4964040"/>
+            <a:ext cx="8782200" cy="4963680"/>
           </a:xfrm>
           <a:prstGeom prst="rect">
             <a:avLst/>
@@ -26630,7 +26634,7 @@
         <p:spPr>
           <a:xfrm>
             <a:off x="1561680" y="0"/>
-            <a:ext cx="9066240" cy="1257120"/>
+            <a:ext cx="9065880" cy="1256760"/>
           </a:xfrm>
           <a:prstGeom prst="rect">
             <a:avLst/>
@@ -26679,7 +26683,7 @@
         <p:spPr>
           <a:xfrm>
             <a:off x="1368000" y="1224000"/>
-            <a:ext cx="4751640" cy="5327640"/>
+            <a:ext cx="4751280" cy="5327280"/>
           </a:xfrm>
           <a:prstGeom prst="rect">
             <a:avLst/>
@@ -26868,7 +26872,7 @@
         <p:spPr>
           <a:xfrm>
             <a:off x="6264000" y="2376000"/>
-            <a:ext cx="5759640" cy="2447640"/>
+            <a:ext cx="5759280" cy="2447280"/>
           </a:xfrm>
           <a:prstGeom prst="rect">
             <a:avLst/>
@@ -27053,7 +27057,7 @@
         <p:spPr>
           <a:xfrm>
             <a:off x="1561680" y="0"/>
-            <a:ext cx="9066240" cy="1257120"/>
+            <a:ext cx="9065880" cy="1256760"/>
           </a:xfrm>
           <a:prstGeom prst="rect">
             <a:avLst/>
@@ -27102,7 +27106,7 @@
         <p:spPr>
           <a:xfrm>
             <a:off x="1368000" y="1224000"/>
-            <a:ext cx="4607640" cy="5327640"/>
+            <a:ext cx="4607280" cy="5327280"/>
           </a:xfrm>
           <a:prstGeom prst="rect">
             <a:avLst/>
@@ -27251,7 +27255,7 @@
         <p:spPr>
           <a:xfrm>
             <a:off x="5976000" y="1944000"/>
-            <a:ext cx="5759640" cy="3566880"/>
+            <a:ext cx="5759280" cy="3566520"/>
           </a:xfrm>
           <a:prstGeom prst="rect">
             <a:avLst/>
@@ -27479,7 +27483,7 @@
         <p:spPr>
           <a:xfrm>
             <a:off x="1561680" y="0"/>
-            <a:ext cx="9066240" cy="1257120"/>
+            <a:ext cx="9065880" cy="1256760"/>
           </a:xfrm>
           <a:prstGeom prst="rect">
             <a:avLst/>
@@ -27528,7 +27532,7 @@
         <p:spPr>
           <a:xfrm>
             <a:off x="1080000" y="1224000"/>
-            <a:ext cx="10944000" cy="5327640"/>
+            <a:ext cx="10943640" cy="5327280"/>
           </a:xfrm>
           <a:prstGeom prst="rect">
             <a:avLst/>
@@ -27777,6 +27781,1576 @@
           <p:childTnLst>
             <p:seq>
               <p:cTn id="84" dur="indefinite" nodeType="mainSeq"/>
+              <p:prevCondLst>
+                <p:cond delay="0" evt="onPrev">
+                  <p:tgtEl>
+                    <p:sldTgt/>
+                  </p:tgtEl>
+                </p:cond>
+              </p:prevCondLst>
+              <p:nextCondLst>
+                <p:cond delay="0" evt="onNext">
+                  <p:tgtEl>
+                    <p:sldTgt/>
+                  </p:tgtEl>
+                </p:cond>
+              </p:nextCondLst>
+            </p:seq>
+          </p:childTnLst>
+        </p:cTn>
+      </p:par>
+    </p:tnLst>
+  </p:timing>
+</p:sld>
+</file>
+
+<file path=ppt/slides/slide43.xml><?xml version="1.0" encoding="utf-8"?>
+<p:sld xmlns:a="http://schemas.openxmlformats.org/drawingml/2006/main" xmlns:p="http://schemas.openxmlformats.org/presentationml/2006/main" xmlns:r="http://schemas.openxmlformats.org/officeDocument/2006/relationships" xmlns:p14="http://schemas.microsoft.com/office/powerpoint/2010/main" xmlns:p15="http://schemas.microsoft.com/office/powerpoint/2012/main" xmlns:mc="http://schemas.openxmlformats.org/markup-compatibility/2006">
+  <p:cSld>
+    <p:spTree>
+      <p:nvGrpSpPr>
+        <p:cNvPr id="1" name=""/>
+        <p:cNvGrpSpPr/>
+        <p:nvPr/>
+      </p:nvGrpSpPr>
+      <p:grpSpPr>
+        <a:xfrm>
+          <a:off x="0" y="0"/>
+          <a:ext cx="0" cy="0"/>
+          <a:chOff x="0" y="0"/>
+          <a:chExt cx="0" cy="0"/>
+        </a:xfrm>
+      </p:grpSpPr>
+      <p:sp>
+        <p:nvSpPr>
+          <p:cNvPr id="248" name="CustomShape 1"/>
+          <p:cNvSpPr/>
+          <p:nvPr/>
+        </p:nvSpPr>
+        <p:spPr>
+          <a:xfrm>
+            <a:off x="1561680" y="0"/>
+            <a:ext cx="9065880" cy="1256760"/>
+          </a:xfrm>
+          <a:prstGeom prst="rect">
+            <a:avLst/>
+          </a:prstGeom>
+          <a:noFill/>
+          <a:ln>
+            <a:noFill/>
+          </a:ln>
+        </p:spPr>
+        <p:style>
+          <a:lnRef idx="0"/>
+          <a:fillRef idx="0"/>
+          <a:effectRef idx="0"/>
+          <a:fontRef idx="minor"/>
+        </p:style>
+        <p:txBody>
+          <a:bodyPr lIns="0" rIns="0" tIns="0" bIns="0" anchor="ctr"/>
+          <a:p>
+            <a:pPr algn="ctr">
+              <a:lnSpc>
+                <a:spcPct val="100000"/>
+              </a:lnSpc>
+            </a:pPr>
+            <a:r>
+              <a:rPr b="1" lang="pl-PL" sz="4400" spc="-1" strike="noStrike">
+                <a:solidFill>
+                  <a:srgbClr val="ffffff"/>
+                </a:solidFill>
+                <a:latin typeface="Arial"/>
+                <a:ea typeface="DejaVu Sans"/>
+              </a:rPr>
+              <a:t>Przetwarzanie Współbieżne </a:t>
+            </a:r>
+            <a:endParaRPr b="0" lang="pl-PL" sz="4400" spc="-1" strike="noStrike">
+              <a:latin typeface="Arial"/>
+            </a:endParaRPr>
+          </a:p>
+        </p:txBody>
+      </p:sp>
+      <p:sp>
+        <p:nvSpPr>
+          <p:cNvPr id="249" name="CustomShape 2"/>
+          <p:cNvSpPr/>
+          <p:nvPr/>
+        </p:nvSpPr>
+        <p:spPr>
+          <a:xfrm>
+            <a:off x="1137960" y="1050840"/>
+            <a:ext cx="10943640" cy="5327280"/>
+          </a:xfrm>
+          <a:prstGeom prst="rect">
+            <a:avLst/>
+          </a:prstGeom>
+          <a:noFill/>
+          <a:ln>
+            <a:noFill/>
+          </a:ln>
+        </p:spPr>
+        <p:style>
+          <a:lnRef idx="0"/>
+          <a:fillRef idx="0"/>
+          <a:effectRef idx="0"/>
+          <a:fontRef idx="minor"/>
+        </p:style>
+        <p:txBody>
+          <a:bodyPr lIns="90000" rIns="90000" tIns="45000" bIns="45000"/>
+          <a:p>
+            <a:pPr>
+              <a:lnSpc>
+                <a:spcPct val="100000"/>
+              </a:lnSpc>
+            </a:pPr>
+            <a:r>
+              <a:rPr b="0" lang="pl-PL" sz="2000" spc="-1" strike="noStrike">
+                <a:solidFill>
+                  <a:srgbClr val="00a65d"/>
+                </a:solidFill>
+                <a:latin typeface="Arial"/>
+                <a:ea typeface="DejaVu Sans"/>
+              </a:rPr>
+              <a:t>Współbieżność </a:t>
+            </a:r>
+            <a:r>
+              <a:rPr b="0" lang="pl-PL" sz="2000" spc="-1" strike="noStrike">
+                <a:solidFill>
+                  <a:srgbClr val="ffffff"/>
+                </a:solidFill>
+                <a:latin typeface="Arial"/>
+                <a:ea typeface="DejaVu Sans"/>
+              </a:rPr>
+              <a:t>to przetwarzanie oparte na istnieniu wielu wątków. Jeżeli wątki uruchamiane są na maszynie jedno procesorowej, są one przełączane w krótkich przedziałach czasu (co powoduje wrażenie, że są one wykonywane równolegle (w tym samym czasie).</a:t>
+            </a:r>
+            <a:endParaRPr b="0" lang="pl-PL" sz="2000" spc="-1" strike="noStrike">
+              <a:latin typeface="Arial"/>
+            </a:endParaRPr>
+          </a:p>
+          <a:p>
+            <a:pPr>
+              <a:lnSpc>
+                <a:spcPct val="100000"/>
+              </a:lnSpc>
+            </a:pPr>
+            <a:endParaRPr b="0" lang="pl-PL" sz="2000" spc="-1" strike="noStrike">
+              <a:latin typeface="Arial"/>
+            </a:endParaRPr>
+          </a:p>
+          <a:p>
+            <a:pPr>
+              <a:lnSpc>
+                <a:spcPct val="100000"/>
+              </a:lnSpc>
+            </a:pPr>
+            <a:r>
+              <a:rPr b="0" lang="pl-PL" sz="2000" spc="-1" strike="noStrike">
+                <a:solidFill>
+                  <a:srgbClr val="ffffff"/>
+                </a:solidFill>
+                <a:latin typeface="Arial"/>
+                <a:ea typeface="DejaVu Sans"/>
+              </a:rPr>
+              <a:t>Prawdziwe przetwarzanie równoległe możliwe jest na maszynach wielo procesorowych. To czy do obsługi naszych wątków zostanie użyty jeden czy też więcej procesorów zależy od JVM i systemu operacyjnego. Zazwyczaj, kiedy istnieje taka możliwość, przetwarzanie równoległe jest używane.</a:t>
+            </a:r>
+            <a:endParaRPr b="0" lang="pl-PL" sz="2000" spc="-1" strike="noStrike">
+              <a:latin typeface="Arial"/>
+            </a:endParaRPr>
+          </a:p>
+          <a:p>
+            <a:pPr>
+              <a:lnSpc>
+                <a:spcPct val="100000"/>
+              </a:lnSpc>
+            </a:pPr>
+            <a:endParaRPr b="0" lang="pl-PL" sz="2000" spc="-1" strike="noStrike">
+              <a:latin typeface="Arial"/>
+            </a:endParaRPr>
+          </a:p>
+          <a:p>
+            <a:pPr>
+              <a:lnSpc>
+                <a:spcPct val="100000"/>
+              </a:lnSpc>
+            </a:pPr>
+            <a:r>
+              <a:rPr b="0" lang="pl-PL" sz="2000" spc="-1" strike="noStrike">
+                <a:solidFill>
+                  <a:srgbClr val="ffffff"/>
+                </a:solidFill>
+                <a:latin typeface="Arial"/>
+                <a:ea typeface="DejaVu Sans"/>
+              </a:rPr>
+              <a:t>Napisany przez nas kod uruchamiany jest domyślnie w jednym wątku głównym. Współbieżność w Javie można zrealizować za pomocą rozszerzenia naszej klasy z klasy </a:t>
+            </a:r>
+            <a:r>
+              <a:rPr b="0" lang="pl-PL" sz="2000" spc="-1" strike="noStrike">
+                <a:solidFill>
+                  <a:srgbClr val="00a65d"/>
+                </a:solidFill>
+                <a:latin typeface="Arial"/>
+                <a:ea typeface="DejaVu Sans"/>
+              </a:rPr>
+              <a:t>Thread</a:t>
+            </a:r>
+            <a:r>
+              <a:rPr b="0" lang="pl-PL" sz="2000" spc="-1" strike="noStrike">
+                <a:solidFill>
+                  <a:srgbClr val="ffffff"/>
+                </a:solidFill>
+                <a:latin typeface="Arial"/>
+                <a:ea typeface="DejaVu Sans"/>
+              </a:rPr>
+              <a:t>, lub implementacji interfejsów </a:t>
+            </a:r>
+            <a:r>
+              <a:rPr b="0" lang="pl-PL" sz="2000" spc="-1" strike="noStrike">
+                <a:solidFill>
+                  <a:srgbClr val="00a65d"/>
+                </a:solidFill>
+                <a:latin typeface="Arial"/>
+                <a:ea typeface="DejaVu Sans"/>
+              </a:rPr>
+              <a:t>Runnable</a:t>
+            </a:r>
+            <a:r>
+              <a:rPr b="0" lang="pl-PL" sz="2000" spc="-1" strike="noStrike">
+                <a:solidFill>
+                  <a:srgbClr val="ffffff"/>
+                </a:solidFill>
+                <a:latin typeface="Arial"/>
+                <a:ea typeface="DejaVu Sans"/>
+              </a:rPr>
+              <a:t> bądź </a:t>
+            </a:r>
+            <a:r>
+              <a:rPr b="0" lang="pl-PL" sz="2000" spc="-1" strike="noStrike">
+                <a:solidFill>
+                  <a:srgbClr val="00a65d"/>
+                </a:solidFill>
+                <a:latin typeface="Arial"/>
+                <a:ea typeface="DejaVu Sans"/>
+              </a:rPr>
+              <a:t>Callable</a:t>
+            </a:r>
+            <a:r>
+              <a:rPr b="0" lang="pl-PL" sz="2000" spc="-1" strike="noStrike">
+                <a:solidFill>
+                  <a:srgbClr val="ffffff"/>
+                </a:solidFill>
+                <a:latin typeface="Arial"/>
+                <a:ea typeface="DejaVu Sans"/>
+              </a:rPr>
+              <a:t>. W przeciwieństwie do Runnable, Callable ma mechanizm zwracania wartości poprzez </a:t>
+            </a:r>
+            <a:r>
+              <a:rPr b="0" lang="pl-PL" sz="2000" spc="-1" strike="noStrike">
+                <a:solidFill>
+                  <a:srgbClr val="00a65d"/>
+                </a:solidFill>
+                <a:latin typeface="Arial"/>
+                <a:ea typeface="DejaVu Sans"/>
+              </a:rPr>
+              <a:t>Future</a:t>
+            </a:r>
+            <a:r>
+              <a:rPr b="0" lang="pl-PL" sz="2000" spc="-1" strike="noStrike">
+                <a:solidFill>
+                  <a:srgbClr val="ffffff"/>
+                </a:solidFill>
+                <a:latin typeface="Arial"/>
+                <a:ea typeface="DejaVu Sans"/>
+              </a:rPr>
+              <a:t>, który reprezentuje przyszły wynik obliczeń.</a:t>
+            </a:r>
+            <a:endParaRPr b="0" lang="pl-PL" sz="2000" spc="-1" strike="noStrike">
+              <a:latin typeface="Arial"/>
+            </a:endParaRPr>
+          </a:p>
+          <a:p>
+            <a:pPr>
+              <a:lnSpc>
+                <a:spcPct val="100000"/>
+              </a:lnSpc>
+            </a:pPr>
+            <a:endParaRPr b="0" lang="pl-PL" sz="2000" spc="-1" strike="noStrike">
+              <a:latin typeface="Arial"/>
+            </a:endParaRPr>
+          </a:p>
+          <a:p>
+            <a:pPr>
+              <a:lnSpc>
+                <a:spcPct val="100000"/>
+              </a:lnSpc>
+            </a:pPr>
+            <a:r>
+              <a:rPr b="0" lang="pl-PL" sz="2000" spc="-1" strike="noStrike">
+                <a:solidFill>
+                  <a:srgbClr val="ffffff"/>
+                </a:solidFill>
+                <a:latin typeface="Arial"/>
+                <a:ea typeface="DejaVu Sans"/>
+              </a:rPr>
+              <a:t>Preferowane jest używanie interfejsów, ponieważ rozszerzając klasę Thread, tracimy możliwość rozszerzenia innej klasy, natomiast co do interfejsów, to możemy implementować dowolną ich ilość.</a:t>
+            </a:r>
+            <a:endParaRPr b="0" lang="pl-PL" sz="2000" spc="-1" strike="noStrike">
+              <a:latin typeface="Arial"/>
+            </a:endParaRPr>
+          </a:p>
+          <a:p>
+            <a:pPr>
+              <a:lnSpc>
+                <a:spcPct val="100000"/>
+              </a:lnSpc>
+            </a:pPr>
+            <a:endParaRPr b="0" lang="pl-PL" sz="2000" spc="-1" strike="noStrike">
+              <a:latin typeface="Arial"/>
+            </a:endParaRPr>
+          </a:p>
+          <a:p>
+            <a:pPr>
+              <a:lnSpc>
+                <a:spcPct val="100000"/>
+              </a:lnSpc>
+            </a:pPr>
+            <a:endParaRPr b="0" lang="pl-PL" sz="2000" spc="-1" strike="noStrike">
+              <a:latin typeface="Arial"/>
+            </a:endParaRPr>
+          </a:p>
+          <a:p>
+            <a:pPr>
+              <a:lnSpc>
+                <a:spcPct val="100000"/>
+              </a:lnSpc>
+            </a:pPr>
+            <a:endParaRPr b="0" lang="pl-PL" sz="2000" spc="-1" strike="noStrike">
+              <a:latin typeface="Arial"/>
+            </a:endParaRPr>
+          </a:p>
+          <a:p>
+            <a:pPr>
+              <a:lnSpc>
+                <a:spcPct val="100000"/>
+              </a:lnSpc>
+            </a:pPr>
+            <a:endParaRPr b="0" lang="pl-PL" sz="2000" spc="-1" strike="noStrike">
+              <a:latin typeface="Arial"/>
+            </a:endParaRPr>
+          </a:p>
+          <a:p>
+            <a:pPr>
+              <a:lnSpc>
+                <a:spcPct val="100000"/>
+              </a:lnSpc>
+            </a:pPr>
+            <a:endParaRPr b="0" lang="pl-PL" sz="2000" spc="-1" strike="noStrike">
+              <a:latin typeface="Arial"/>
+            </a:endParaRPr>
+          </a:p>
+        </p:txBody>
+      </p:sp>
+    </p:spTree>
+  </p:cSld>
+  <p:timing>
+    <p:tnLst>
+      <p:par>
+        <p:cTn id="85" dur="indefinite" restart="never" nodeType="tmRoot">
+          <p:childTnLst>
+            <p:seq>
+              <p:cTn id="86" dur="indefinite" nodeType="mainSeq"/>
+              <p:prevCondLst>
+                <p:cond delay="0" evt="onPrev">
+                  <p:tgtEl>
+                    <p:sldTgt/>
+                  </p:tgtEl>
+                </p:cond>
+              </p:prevCondLst>
+              <p:nextCondLst>
+                <p:cond delay="0" evt="onNext">
+                  <p:tgtEl>
+                    <p:sldTgt/>
+                  </p:tgtEl>
+                </p:cond>
+              </p:nextCondLst>
+            </p:seq>
+          </p:childTnLst>
+        </p:cTn>
+      </p:par>
+    </p:tnLst>
+  </p:timing>
+</p:sld>
+</file>
+
+<file path=ppt/slides/slide44.xml><?xml version="1.0" encoding="utf-8"?>
+<p:sld xmlns:a="http://schemas.openxmlformats.org/drawingml/2006/main" xmlns:p="http://schemas.openxmlformats.org/presentationml/2006/main" xmlns:r="http://schemas.openxmlformats.org/officeDocument/2006/relationships" xmlns:p14="http://schemas.microsoft.com/office/powerpoint/2010/main" xmlns:p15="http://schemas.microsoft.com/office/powerpoint/2012/main" xmlns:mc="http://schemas.openxmlformats.org/markup-compatibility/2006">
+  <p:cSld>
+    <p:spTree>
+      <p:nvGrpSpPr>
+        <p:cNvPr id="1" name=""/>
+        <p:cNvGrpSpPr/>
+        <p:nvPr/>
+      </p:nvGrpSpPr>
+      <p:grpSpPr>
+        <a:xfrm>
+          <a:off x="0" y="0"/>
+          <a:ext cx="0" cy="0"/>
+          <a:chOff x="0" y="0"/>
+          <a:chExt cx="0" cy="0"/>
+        </a:xfrm>
+      </p:grpSpPr>
+      <p:sp>
+        <p:nvSpPr>
+          <p:cNvPr id="250" name="CustomShape 1"/>
+          <p:cNvSpPr/>
+          <p:nvPr/>
+        </p:nvSpPr>
+        <p:spPr>
+          <a:xfrm>
+            <a:off x="1561680" y="0"/>
+            <a:ext cx="9065880" cy="1256760"/>
+          </a:xfrm>
+          <a:prstGeom prst="rect">
+            <a:avLst/>
+          </a:prstGeom>
+          <a:noFill/>
+          <a:ln>
+            <a:noFill/>
+          </a:ln>
+        </p:spPr>
+        <p:style>
+          <a:lnRef idx="0"/>
+          <a:fillRef idx="0"/>
+          <a:effectRef idx="0"/>
+          <a:fontRef idx="minor"/>
+        </p:style>
+        <p:txBody>
+          <a:bodyPr lIns="0" rIns="0" tIns="0" bIns="0" anchor="ctr"/>
+          <a:p>
+            <a:pPr algn="ctr">
+              <a:lnSpc>
+                <a:spcPct val="100000"/>
+              </a:lnSpc>
+            </a:pPr>
+            <a:r>
+              <a:rPr b="1" lang="pl-PL" sz="4400" spc="-1" strike="noStrike">
+                <a:solidFill>
+                  <a:srgbClr val="ffffff"/>
+                </a:solidFill>
+                <a:latin typeface="Arial"/>
+                <a:ea typeface="DejaVu Sans"/>
+              </a:rPr>
+              <a:t>Przetwarzanie Współbieżne – klasa Thread </a:t>
+            </a:r>
+            <a:endParaRPr b="0" lang="pl-PL" sz="4400" spc="-1" strike="noStrike">
+              <a:latin typeface="Arial"/>
+            </a:endParaRPr>
+          </a:p>
+        </p:txBody>
+      </p:sp>
+      <p:sp>
+        <p:nvSpPr>
+          <p:cNvPr id="251" name="TextShape 2"/>
+          <p:cNvSpPr txBox="1"/>
+          <p:nvPr/>
+        </p:nvSpPr>
+        <p:spPr>
+          <a:xfrm>
+            <a:off x="720000" y="1728000"/>
+            <a:ext cx="9864000" cy="4340160"/>
+          </a:xfrm>
+          <a:prstGeom prst="rect">
+            <a:avLst/>
+          </a:prstGeom>
+          <a:noFill/>
+          <a:ln>
+            <a:noFill/>
+          </a:ln>
+        </p:spPr>
+        <p:txBody>
+          <a:bodyPr lIns="90000" rIns="90000" tIns="45000" bIns="45000"/>
+          <a:p>
+            <a:r>
+              <a:rPr b="0" lang="pl-PL" sz="2000" spc="-1" strike="noStrike">
+                <a:solidFill>
+                  <a:srgbClr val="ffffff"/>
+                </a:solidFill>
+                <a:latin typeface="Arial"/>
+                <a:ea typeface="Courier New"/>
+              </a:rPr>
+              <a:t>public class MyThread extends Thread {</a:t>
+            </a:r>
+            <a:br/>
+            <a:br/>
+            <a:r>
+              <a:rPr b="0" lang="pl-PL" sz="2000" spc="-1" strike="noStrike">
+                <a:solidFill>
+                  <a:srgbClr val="ffffff"/>
+                </a:solidFill>
+                <a:latin typeface="Arial"/>
+                <a:ea typeface="Courier New"/>
+              </a:rPr>
+              <a:t>    @Override</a:t>
+            </a:r>
+            <a:br/>
+            <a:r>
+              <a:rPr b="0" lang="pl-PL" sz="2000" spc="-1" strike="noStrike">
+                <a:solidFill>
+                  <a:srgbClr val="ffffff"/>
+                </a:solidFill>
+                <a:latin typeface="Arial"/>
+                <a:ea typeface="Courier New"/>
+              </a:rPr>
+              <a:t>    public void run(){</a:t>
+            </a:r>
+            <a:br/>
+            <a:r>
+              <a:rPr b="0" lang="pl-PL" sz="2000" spc="-1" strike="noStrike">
+                <a:solidFill>
+                  <a:srgbClr val="ffffff"/>
+                </a:solidFill>
+                <a:latin typeface="Arial"/>
+                <a:ea typeface="Courier New"/>
+              </a:rPr>
+              <a:t>        System.</a:t>
+            </a:r>
+            <a:r>
+              <a:rPr b="0" i="1" lang="pl-PL" sz="2000" spc="-1" strike="noStrike">
+                <a:solidFill>
+                  <a:srgbClr val="ffffff"/>
+                </a:solidFill>
+                <a:latin typeface="Arial"/>
+                <a:ea typeface="Courier New"/>
+              </a:rPr>
+              <a:t>out</a:t>
+            </a:r>
+            <a:r>
+              <a:rPr b="0" lang="pl-PL" sz="2000" spc="-1" strike="noStrike">
+                <a:solidFill>
+                  <a:srgbClr val="ffffff"/>
+                </a:solidFill>
+                <a:latin typeface="Arial"/>
+                <a:ea typeface="Courier New"/>
+              </a:rPr>
+              <a:t>.println("Pracuje w watku: "+Thread.</a:t>
+            </a:r>
+            <a:r>
+              <a:rPr b="0" i="1" lang="pl-PL" sz="2000" spc="-1" strike="noStrike">
+                <a:solidFill>
+                  <a:srgbClr val="ffffff"/>
+                </a:solidFill>
+                <a:latin typeface="Arial"/>
+                <a:ea typeface="Courier New"/>
+              </a:rPr>
+              <a:t>currentThread</a:t>
+            </a:r>
+            <a:r>
+              <a:rPr b="0" lang="pl-PL" sz="2000" spc="-1" strike="noStrike">
+                <a:solidFill>
+                  <a:srgbClr val="ffffff"/>
+                </a:solidFill>
+                <a:latin typeface="Arial"/>
+                <a:ea typeface="Courier New"/>
+              </a:rPr>
+              <a:t>().getId());</a:t>
+            </a:r>
+            <a:br/>
+            <a:r>
+              <a:rPr b="0" lang="pl-PL" sz="2000" spc="-1" strike="noStrike">
+                <a:solidFill>
+                  <a:srgbClr val="ffffff"/>
+                </a:solidFill>
+                <a:latin typeface="Arial"/>
+                <a:ea typeface="Courier New"/>
+              </a:rPr>
+              <a:t>    }</a:t>
+            </a:r>
+            <a:br/>
+            <a:r>
+              <a:rPr b="0" lang="pl-PL" sz="2000" spc="-1" strike="noStrike">
+                <a:solidFill>
+                  <a:srgbClr val="ffffff"/>
+                </a:solidFill>
+                <a:latin typeface="Arial"/>
+                <a:ea typeface="Courier New"/>
+              </a:rPr>
+              <a:t>}</a:t>
+            </a:r>
+            <a:endParaRPr b="0" lang="pl-PL" sz="2000" spc="-1" strike="noStrike">
+              <a:solidFill>
+                <a:srgbClr val="ffffff"/>
+              </a:solidFill>
+              <a:latin typeface="Arial"/>
+            </a:endParaRPr>
+          </a:p>
+          <a:p>
+            <a:endParaRPr b="0" lang="pl-PL" sz="2000" spc="-1" strike="noStrike">
+              <a:solidFill>
+                <a:srgbClr val="ffffff"/>
+              </a:solidFill>
+              <a:latin typeface="Arial"/>
+            </a:endParaRPr>
+          </a:p>
+          <a:p>
+            <a:endParaRPr b="0" lang="pl-PL" sz="2000" spc="-1" strike="noStrike">
+              <a:solidFill>
+                <a:srgbClr val="ffffff"/>
+              </a:solidFill>
+              <a:latin typeface="Arial"/>
+            </a:endParaRPr>
+          </a:p>
+          <a:p>
+            <a:r>
+              <a:rPr b="0" lang="pl-PL" sz="2000" spc="-1" strike="noStrike">
+                <a:solidFill>
+                  <a:srgbClr val="ffffff"/>
+                </a:solidFill>
+                <a:latin typeface="Arial"/>
+                <a:ea typeface="Courier New"/>
+              </a:rPr>
+              <a:t>MyThread myThread1 = new MyThread();</a:t>
+            </a:r>
+            <a:br/>
+            <a:r>
+              <a:rPr b="0" lang="pl-PL" sz="2000" spc="-1" strike="noStrike">
+                <a:solidFill>
+                  <a:srgbClr val="ffffff"/>
+                </a:solidFill>
+                <a:latin typeface="Arial"/>
+                <a:ea typeface="Courier New"/>
+              </a:rPr>
+              <a:t>MyThread myThread2 = new MyThread();</a:t>
+            </a:r>
+            <a:br/>
+            <a:r>
+              <a:rPr b="0" lang="pl-PL" sz="2000" spc="-1" strike="noStrike">
+                <a:solidFill>
+                  <a:srgbClr val="ffffff"/>
+                </a:solidFill>
+                <a:latin typeface="Arial"/>
+                <a:ea typeface="Courier New"/>
+              </a:rPr>
+              <a:t>MyThread myThread3 = new MyThread();</a:t>
+            </a:r>
+            <a:br/>
+            <a:r>
+              <a:rPr b="0" lang="pl-PL" sz="2000" spc="-1" strike="noStrike">
+                <a:solidFill>
+                  <a:srgbClr val="ffffff"/>
+                </a:solidFill>
+                <a:latin typeface="Arial"/>
+                <a:ea typeface="Courier New"/>
+              </a:rPr>
+              <a:t>myThread1.start(); //UWAGA! Należy użyć metody start, użycie run</a:t>
+            </a:r>
+            <a:br/>
+            <a:r>
+              <a:rPr b="0" lang="pl-PL" sz="2000" spc="-1" strike="noStrike">
+                <a:solidFill>
+                  <a:srgbClr val="ffffff"/>
+                </a:solidFill>
+                <a:latin typeface="Arial"/>
+                <a:ea typeface="Courier New"/>
+              </a:rPr>
+              <a:t>myThread2.start(); //spowoduje po prostu odpalenie kodu metody run</a:t>
+            </a:r>
+            <a:br/>
+            <a:r>
+              <a:rPr b="0" lang="pl-PL" sz="2000" spc="-1" strike="noStrike">
+                <a:solidFill>
+                  <a:srgbClr val="ffffff"/>
+                </a:solidFill>
+                <a:latin typeface="Arial"/>
+                <a:ea typeface="Courier New"/>
+              </a:rPr>
+              <a:t>myThread3.start(); //nie w nowym wątku!</a:t>
+            </a:r>
+            <a:endParaRPr b="0" lang="pl-PL" sz="2000" spc="-1" strike="noStrike">
+              <a:latin typeface="Arial"/>
+            </a:endParaRPr>
+          </a:p>
+        </p:txBody>
+      </p:sp>
+    </p:spTree>
+  </p:cSld>
+  <p:timing>
+    <p:tnLst>
+      <p:par>
+        <p:cTn id="87" dur="indefinite" restart="never" nodeType="tmRoot">
+          <p:childTnLst>
+            <p:seq>
+              <p:cTn id="88" dur="indefinite" nodeType="mainSeq"/>
+              <p:prevCondLst>
+                <p:cond delay="0" evt="onPrev">
+                  <p:tgtEl>
+                    <p:sldTgt/>
+                  </p:tgtEl>
+                </p:cond>
+              </p:prevCondLst>
+              <p:nextCondLst>
+                <p:cond delay="0" evt="onNext">
+                  <p:tgtEl>
+                    <p:sldTgt/>
+                  </p:tgtEl>
+                </p:cond>
+              </p:nextCondLst>
+            </p:seq>
+          </p:childTnLst>
+        </p:cTn>
+      </p:par>
+    </p:tnLst>
+  </p:timing>
+</p:sld>
+</file>
+
+<file path=ppt/slides/slide45.xml><?xml version="1.0" encoding="utf-8"?>
+<p:sld xmlns:a="http://schemas.openxmlformats.org/drawingml/2006/main" xmlns:p="http://schemas.openxmlformats.org/presentationml/2006/main" xmlns:r="http://schemas.openxmlformats.org/officeDocument/2006/relationships" xmlns:p14="http://schemas.microsoft.com/office/powerpoint/2010/main" xmlns:p15="http://schemas.microsoft.com/office/powerpoint/2012/main" xmlns:mc="http://schemas.openxmlformats.org/markup-compatibility/2006">
+  <p:cSld>
+    <p:spTree>
+      <p:nvGrpSpPr>
+        <p:cNvPr id="1" name=""/>
+        <p:cNvGrpSpPr/>
+        <p:nvPr/>
+      </p:nvGrpSpPr>
+      <p:grpSpPr>
+        <a:xfrm>
+          <a:off x="0" y="0"/>
+          <a:ext cx="0" cy="0"/>
+          <a:chOff x="0" y="0"/>
+          <a:chExt cx="0" cy="0"/>
+        </a:xfrm>
+      </p:grpSpPr>
+      <p:sp>
+        <p:nvSpPr>
+          <p:cNvPr id="252" name="CustomShape 1"/>
+          <p:cNvSpPr/>
+          <p:nvPr/>
+        </p:nvSpPr>
+        <p:spPr>
+          <a:xfrm>
+            <a:off x="1561680" y="0"/>
+            <a:ext cx="9065880" cy="1256760"/>
+          </a:xfrm>
+          <a:prstGeom prst="rect">
+            <a:avLst/>
+          </a:prstGeom>
+          <a:noFill/>
+          <a:ln>
+            <a:noFill/>
+          </a:ln>
+        </p:spPr>
+        <p:style>
+          <a:lnRef idx="0"/>
+          <a:fillRef idx="0"/>
+          <a:effectRef idx="0"/>
+          <a:fontRef idx="minor"/>
+        </p:style>
+        <p:txBody>
+          <a:bodyPr lIns="0" rIns="0" tIns="0" bIns="0" anchor="ctr"/>
+          <a:p>
+            <a:pPr algn="ctr">
+              <a:lnSpc>
+                <a:spcPct val="100000"/>
+              </a:lnSpc>
+            </a:pPr>
+            <a:r>
+              <a:rPr b="1" lang="pl-PL" sz="4400" spc="-1" strike="noStrike">
+                <a:solidFill>
+                  <a:srgbClr val="ffffff"/>
+                </a:solidFill>
+                <a:latin typeface="Arial"/>
+                <a:ea typeface="DejaVu Sans"/>
+              </a:rPr>
+              <a:t>Przetwarzanie Współbieżne – interfejs Runnable </a:t>
+            </a:r>
+            <a:endParaRPr b="0" lang="pl-PL" sz="4400" spc="-1" strike="noStrike">
+              <a:latin typeface="Arial"/>
+            </a:endParaRPr>
+          </a:p>
+        </p:txBody>
+      </p:sp>
+      <p:sp>
+        <p:nvSpPr>
+          <p:cNvPr id="253" name="TextShape 2"/>
+          <p:cNvSpPr txBox="1"/>
+          <p:nvPr/>
+        </p:nvSpPr>
+        <p:spPr>
+          <a:xfrm>
+            <a:off x="720000" y="1728000"/>
+            <a:ext cx="9864000" cy="4623480"/>
+          </a:xfrm>
+          <a:prstGeom prst="rect">
+            <a:avLst/>
+          </a:prstGeom>
+          <a:noFill/>
+          <a:ln>
+            <a:noFill/>
+          </a:ln>
+        </p:spPr>
+        <p:txBody>
+          <a:bodyPr lIns="90000" rIns="90000" tIns="45000" bIns="45000"/>
+          <a:p>
+            <a:r>
+              <a:rPr b="0" lang="pl-PL" sz="2000" spc="-1" strike="noStrike">
+                <a:solidFill>
+                  <a:srgbClr val="ffffff"/>
+                </a:solidFill>
+                <a:latin typeface="Arial"/>
+                <a:ea typeface="Courier New"/>
+              </a:rPr>
+              <a:t>public class MyThread implements Runnable {</a:t>
+            </a:r>
+            <a:br/>
+            <a:br/>
+            <a:r>
+              <a:rPr b="0" lang="pl-PL" sz="2000" spc="-1" strike="noStrike">
+                <a:solidFill>
+                  <a:srgbClr val="ffffff"/>
+                </a:solidFill>
+                <a:latin typeface="Arial"/>
+                <a:ea typeface="Courier New"/>
+              </a:rPr>
+              <a:t>    @Override</a:t>
+            </a:r>
+            <a:br/>
+            <a:r>
+              <a:rPr b="0" lang="pl-PL" sz="2000" spc="-1" strike="noStrike">
+                <a:solidFill>
+                  <a:srgbClr val="ffffff"/>
+                </a:solidFill>
+                <a:latin typeface="Arial"/>
+                <a:ea typeface="Courier New"/>
+              </a:rPr>
+              <a:t>    public void run(){</a:t>
+            </a:r>
+            <a:br/>
+            <a:r>
+              <a:rPr b="0" lang="pl-PL" sz="2000" spc="-1" strike="noStrike">
+                <a:solidFill>
+                  <a:srgbClr val="ffffff"/>
+                </a:solidFill>
+                <a:latin typeface="Arial"/>
+                <a:ea typeface="Courier New"/>
+              </a:rPr>
+              <a:t>        System.</a:t>
+            </a:r>
+            <a:r>
+              <a:rPr b="0" i="1" lang="pl-PL" sz="2000" spc="-1" strike="noStrike">
+                <a:solidFill>
+                  <a:srgbClr val="ffffff"/>
+                </a:solidFill>
+                <a:latin typeface="Arial"/>
+                <a:ea typeface="Courier New"/>
+              </a:rPr>
+              <a:t>out</a:t>
+            </a:r>
+            <a:r>
+              <a:rPr b="0" lang="pl-PL" sz="2000" spc="-1" strike="noStrike">
+                <a:solidFill>
+                  <a:srgbClr val="ffffff"/>
+                </a:solidFill>
+                <a:latin typeface="Arial"/>
+                <a:ea typeface="Courier New"/>
+              </a:rPr>
+              <a:t>.println("Pracuje w watku: "+Thread.</a:t>
+            </a:r>
+            <a:r>
+              <a:rPr b="0" i="1" lang="pl-PL" sz="2000" spc="-1" strike="noStrike">
+                <a:solidFill>
+                  <a:srgbClr val="ffffff"/>
+                </a:solidFill>
+                <a:latin typeface="Arial"/>
+                <a:ea typeface="Courier New"/>
+              </a:rPr>
+              <a:t>currentThread</a:t>
+            </a:r>
+            <a:r>
+              <a:rPr b="0" lang="pl-PL" sz="2000" spc="-1" strike="noStrike">
+                <a:solidFill>
+                  <a:srgbClr val="ffffff"/>
+                </a:solidFill>
+                <a:latin typeface="Arial"/>
+                <a:ea typeface="Courier New"/>
+              </a:rPr>
+              <a:t>().getId());</a:t>
+            </a:r>
+            <a:br/>
+            <a:r>
+              <a:rPr b="0" lang="pl-PL" sz="2000" spc="-1" strike="noStrike">
+                <a:solidFill>
+                  <a:srgbClr val="ffffff"/>
+                </a:solidFill>
+                <a:latin typeface="Arial"/>
+                <a:ea typeface="Courier New"/>
+              </a:rPr>
+              <a:t>    }</a:t>
+            </a:r>
+            <a:br/>
+            <a:r>
+              <a:rPr b="0" lang="pl-PL" sz="2000" spc="-1" strike="noStrike">
+                <a:solidFill>
+                  <a:srgbClr val="ffffff"/>
+                </a:solidFill>
+                <a:latin typeface="Arial"/>
+                <a:ea typeface="Courier New"/>
+              </a:rPr>
+              <a:t>}</a:t>
+            </a:r>
+            <a:endParaRPr b="0" lang="pl-PL" sz="2000" spc="-1" strike="noStrike">
+              <a:solidFill>
+                <a:srgbClr val="ffffff"/>
+              </a:solidFill>
+              <a:latin typeface="Arial"/>
+            </a:endParaRPr>
+          </a:p>
+          <a:p>
+            <a:endParaRPr b="0" lang="pl-PL" sz="2000" spc="-1" strike="noStrike">
+              <a:solidFill>
+                <a:srgbClr val="ffffff"/>
+              </a:solidFill>
+              <a:latin typeface="Arial"/>
+            </a:endParaRPr>
+          </a:p>
+          <a:p>
+            <a:endParaRPr b="0" lang="pl-PL" sz="2000" spc="-1" strike="noStrike">
+              <a:solidFill>
+                <a:srgbClr val="ffffff"/>
+              </a:solidFill>
+              <a:latin typeface="Arial"/>
+            </a:endParaRPr>
+          </a:p>
+          <a:p>
+            <a:r>
+              <a:rPr b="0" lang="pl-PL" sz="2000" spc="-1" strike="noStrike">
+                <a:solidFill>
+                  <a:srgbClr val="ffffff"/>
+                </a:solidFill>
+                <a:latin typeface="Arial"/>
+                <a:ea typeface="Courier New"/>
+              </a:rPr>
+              <a:t>MyThread myThread = new MyThread();</a:t>
+            </a:r>
+            <a:br/>
+            <a:r>
+              <a:rPr b="0" lang="pl-PL" sz="2000" spc="-1" strike="noStrike">
+                <a:solidFill>
+                  <a:srgbClr val="ffffff"/>
+                </a:solidFill>
+                <a:latin typeface="Arial"/>
+                <a:ea typeface="Courier New"/>
+              </a:rPr>
+              <a:t>Thread thread1 = new Thread(myThread);</a:t>
+            </a:r>
+            <a:br/>
+            <a:r>
+              <a:rPr b="0" lang="pl-PL" sz="2000" spc="-1" strike="noStrike">
+                <a:solidFill>
+                  <a:srgbClr val="ffffff"/>
+                </a:solidFill>
+                <a:latin typeface="Arial"/>
+                <a:ea typeface="Courier New"/>
+              </a:rPr>
+              <a:t>Thread thread2 = new Thread(myThread);</a:t>
+            </a:r>
+            <a:br/>
+            <a:r>
+              <a:rPr b="0" lang="pl-PL" sz="2000" spc="-1" strike="noStrike">
+                <a:solidFill>
+                  <a:srgbClr val="ffffff"/>
+                </a:solidFill>
+                <a:latin typeface="Arial"/>
+                <a:ea typeface="Courier New"/>
+              </a:rPr>
+              <a:t>Thread thread3 = new Thread(myThread);</a:t>
+            </a:r>
+            <a:br/>
+            <a:r>
+              <a:rPr b="0" lang="pl-PL" sz="2000" spc="-1" strike="noStrike">
+                <a:solidFill>
+                  <a:srgbClr val="ffffff"/>
+                </a:solidFill>
+                <a:latin typeface="Arial"/>
+                <a:ea typeface="Courier New"/>
+              </a:rPr>
+              <a:t>thread1.start();</a:t>
+            </a:r>
+            <a:br/>
+            <a:r>
+              <a:rPr b="0" lang="pl-PL" sz="2000" spc="-1" strike="noStrike">
+                <a:solidFill>
+                  <a:srgbClr val="ffffff"/>
+                </a:solidFill>
+                <a:latin typeface="Arial"/>
+                <a:ea typeface="Courier New"/>
+              </a:rPr>
+              <a:t>thread2.start();</a:t>
+            </a:r>
+            <a:br/>
+            <a:r>
+              <a:rPr b="0" lang="pl-PL" sz="2000" spc="-1" strike="noStrike">
+                <a:solidFill>
+                  <a:srgbClr val="ffffff"/>
+                </a:solidFill>
+                <a:latin typeface="Arial"/>
+                <a:ea typeface="Courier New"/>
+              </a:rPr>
+              <a:t>thread3.start();</a:t>
+            </a:r>
+            <a:endParaRPr b="0" lang="pl-PL" sz="2000" spc="-1" strike="noStrike">
+              <a:latin typeface="Arial"/>
+            </a:endParaRPr>
+          </a:p>
+        </p:txBody>
+      </p:sp>
+    </p:spTree>
+  </p:cSld>
+  <p:timing>
+    <p:tnLst>
+      <p:par>
+        <p:cTn id="89" dur="indefinite" restart="never" nodeType="tmRoot">
+          <p:childTnLst>
+            <p:seq>
+              <p:cTn id="90" dur="indefinite" nodeType="mainSeq"/>
+              <p:prevCondLst>
+                <p:cond delay="0" evt="onPrev">
+                  <p:tgtEl>
+                    <p:sldTgt/>
+                  </p:tgtEl>
+                </p:cond>
+              </p:prevCondLst>
+              <p:nextCondLst>
+                <p:cond delay="0" evt="onNext">
+                  <p:tgtEl>
+                    <p:sldTgt/>
+                  </p:tgtEl>
+                </p:cond>
+              </p:nextCondLst>
+            </p:seq>
+          </p:childTnLst>
+        </p:cTn>
+      </p:par>
+    </p:tnLst>
+  </p:timing>
+</p:sld>
+</file>
+
+<file path=ppt/slides/slide46.xml><?xml version="1.0" encoding="utf-8"?>
+<p:sld xmlns:a="http://schemas.openxmlformats.org/drawingml/2006/main" xmlns:p="http://schemas.openxmlformats.org/presentationml/2006/main" xmlns:r="http://schemas.openxmlformats.org/officeDocument/2006/relationships" xmlns:p14="http://schemas.microsoft.com/office/powerpoint/2010/main" xmlns:p15="http://schemas.microsoft.com/office/powerpoint/2012/main" xmlns:mc="http://schemas.openxmlformats.org/markup-compatibility/2006">
+  <p:cSld>
+    <p:spTree>
+      <p:nvGrpSpPr>
+        <p:cNvPr id="1" name=""/>
+        <p:cNvGrpSpPr/>
+        <p:nvPr/>
+      </p:nvGrpSpPr>
+      <p:grpSpPr>
+        <a:xfrm>
+          <a:off x="0" y="0"/>
+          <a:ext cx="0" cy="0"/>
+          <a:chOff x="0" y="0"/>
+          <a:chExt cx="0" cy="0"/>
+        </a:xfrm>
+      </p:grpSpPr>
+      <p:sp>
+        <p:nvSpPr>
+          <p:cNvPr id="254" name="CustomShape 1"/>
+          <p:cNvSpPr/>
+          <p:nvPr/>
+        </p:nvSpPr>
+        <p:spPr>
+          <a:xfrm>
+            <a:off x="1561680" y="0"/>
+            <a:ext cx="9065880" cy="1256760"/>
+          </a:xfrm>
+          <a:prstGeom prst="rect">
+            <a:avLst/>
+          </a:prstGeom>
+          <a:noFill/>
+          <a:ln>
+            <a:noFill/>
+          </a:ln>
+        </p:spPr>
+        <p:style>
+          <a:lnRef idx="0"/>
+          <a:fillRef idx="0"/>
+          <a:effectRef idx="0"/>
+          <a:fontRef idx="minor"/>
+        </p:style>
+        <p:txBody>
+          <a:bodyPr lIns="0" rIns="0" tIns="0" bIns="0" anchor="ctr"/>
+          <a:p>
+            <a:pPr algn="ctr">
+              <a:lnSpc>
+                <a:spcPct val="100000"/>
+              </a:lnSpc>
+            </a:pPr>
+            <a:r>
+              <a:rPr b="1" lang="pl-PL" sz="4400" spc="-1" strike="noStrike">
+                <a:solidFill>
+                  <a:srgbClr val="ffffff"/>
+                </a:solidFill>
+                <a:latin typeface="Arial"/>
+                <a:ea typeface="DejaVu Sans"/>
+              </a:rPr>
+              <a:t>Przetwarzanie Współbieżne – interfejs Callable </a:t>
+            </a:r>
+            <a:endParaRPr b="0" lang="pl-PL" sz="4400" spc="-1" strike="noStrike">
+              <a:latin typeface="Arial"/>
+            </a:endParaRPr>
+          </a:p>
+        </p:txBody>
+      </p:sp>
+      <p:sp>
+        <p:nvSpPr>
+          <p:cNvPr id="255" name="TextShape 2"/>
+          <p:cNvSpPr txBox="1"/>
+          <p:nvPr/>
+        </p:nvSpPr>
+        <p:spPr>
+          <a:xfrm>
+            <a:off x="864000" y="1655640"/>
+            <a:ext cx="5256000" cy="4752360"/>
+          </a:xfrm>
+          <a:prstGeom prst="rect">
+            <a:avLst/>
+          </a:prstGeom>
+          <a:noFill/>
+          <a:ln>
+            <a:noFill/>
+          </a:ln>
+        </p:spPr>
+        <p:txBody>
+          <a:bodyPr lIns="90000" rIns="90000" tIns="45000" bIns="45000"/>
+          <a:p>
+            <a:r>
+              <a:rPr b="0" lang="pl-PL" sz="1800" spc="-1" strike="noStrike">
+                <a:solidFill>
+                  <a:srgbClr val="ffffff"/>
+                </a:solidFill>
+                <a:latin typeface="Arial"/>
+                <a:ea typeface="Courier New"/>
+              </a:rPr>
+              <a:t>public class MyThread implements Callable&lt;String&gt; {</a:t>
+            </a:r>
+            <a:br/>
+            <a:br/>
+            <a:r>
+              <a:rPr b="0" lang="pl-PL" sz="1800" spc="-1" strike="noStrike">
+                <a:solidFill>
+                  <a:srgbClr val="ffffff"/>
+                </a:solidFill>
+                <a:latin typeface="Arial"/>
+                <a:ea typeface="Courier New"/>
+              </a:rPr>
+              <a:t>    private int number;</a:t>
+            </a:r>
+            <a:br/>
+            <a:br/>
+            <a:r>
+              <a:rPr b="0" lang="pl-PL" sz="1800" spc="-1" strike="noStrike">
+                <a:solidFill>
+                  <a:srgbClr val="ffffff"/>
+                </a:solidFill>
+                <a:latin typeface="Arial"/>
+                <a:ea typeface="Courier New"/>
+              </a:rPr>
+              <a:t>    public MyThread(int number) {</a:t>
+            </a:r>
+            <a:br/>
+            <a:r>
+              <a:rPr b="0" lang="pl-PL" sz="1800" spc="-1" strike="noStrike">
+                <a:solidFill>
+                  <a:srgbClr val="ffffff"/>
+                </a:solidFill>
+                <a:latin typeface="Arial"/>
+                <a:ea typeface="Courier New"/>
+              </a:rPr>
+              <a:t>        this.number = number;</a:t>
+            </a:r>
+            <a:br/>
+            <a:r>
+              <a:rPr b="0" lang="pl-PL" sz="1800" spc="-1" strike="noStrike">
+                <a:solidFill>
+                  <a:srgbClr val="ffffff"/>
+                </a:solidFill>
+                <a:latin typeface="Arial"/>
+                <a:ea typeface="Courier New"/>
+              </a:rPr>
+              <a:t>    }</a:t>
+            </a:r>
+            <a:br/>
+            <a:br/>
+            <a:r>
+              <a:rPr b="0" lang="pl-PL" sz="1800" spc="-1" strike="noStrike">
+                <a:solidFill>
+                  <a:srgbClr val="ffffff"/>
+                </a:solidFill>
+                <a:latin typeface="Arial"/>
+                <a:ea typeface="Courier New"/>
+              </a:rPr>
+              <a:t>    @Override</a:t>
+            </a:r>
+            <a:br/>
+            <a:r>
+              <a:rPr b="0" lang="pl-PL" sz="1800" spc="-1" strike="noStrike">
+                <a:solidFill>
+                  <a:srgbClr val="ffffff"/>
+                </a:solidFill>
+                <a:latin typeface="Arial"/>
+                <a:ea typeface="Courier New"/>
+              </a:rPr>
+              <a:t>    public String call() {</a:t>
+            </a:r>
+            <a:br/>
+            <a:r>
+              <a:rPr b="0" lang="pl-PL" sz="1800" spc="-1" strike="noStrike">
+                <a:solidFill>
+                  <a:srgbClr val="ffffff"/>
+                </a:solidFill>
+                <a:latin typeface="Arial"/>
+                <a:ea typeface="Courier New"/>
+              </a:rPr>
+              <a:t>        return "Number: " + number + " Pracuje w watku: "</a:t>
+            </a:r>
+            <a:endParaRPr b="0" lang="pl-PL" sz="1800" spc="-1" strike="noStrike">
+              <a:latin typeface="Arial"/>
+            </a:endParaRPr>
+          </a:p>
+          <a:p>
+            <a:r>
+              <a:rPr b="0" lang="pl-PL" sz="1800" spc="-1" strike="noStrike">
+                <a:solidFill>
+                  <a:srgbClr val="ffffff"/>
+                </a:solidFill>
+                <a:latin typeface="Arial"/>
+                <a:ea typeface="Courier New"/>
+              </a:rPr>
+              <a:t>      </a:t>
+            </a:r>
+            <a:r>
+              <a:rPr b="0" lang="pl-PL" sz="1800" spc="-1" strike="noStrike">
+                <a:solidFill>
+                  <a:srgbClr val="ffffff"/>
+                </a:solidFill>
+                <a:latin typeface="Arial"/>
+                <a:ea typeface="Courier New"/>
+              </a:rPr>
+              <a:t>+ Thread.</a:t>
+            </a:r>
+            <a:r>
+              <a:rPr b="0" i="1" lang="pl-PL" sz="1800" spc="-1" strike="noStrike">
+                <a:solidFill>
+                  <a:srgbClr val="ffffff"/>
+                </a:solidFill>
+                <a:latin typeface="Arial"/>
+                <a:ea typeface="Courier New"/>
+              </a:rPr>
+              <a:t>currentThread</a:t>
+            </a:r>
+            <a:r>
+              <a:rPr b="0" lang="pl-PL" sz="1800" spc="-1" strike="noStrike">
+                <a:solidFill>
+                  <a:srgbClr val="ffffff"/>
+                </a:solidFill>
+                <a:latin typeface="Arial"/>
+                <a:ea typeface="Courier New"/>
+              </a:rPr>
+              <a:t>().getId();</a:t>
+            </a:r>
+            <a:br/>
+            <a:r>
+              <a:rPr b="0" lang="pl-PL" sz="1800" spc="-1" strike="noStrike">
+                <a:solidFill>
+                  <a:srgbClr val="ffffff"/>
+                </a:solidFill>
+                <a:latin typeface="Arial"/>
+                <a:ea typeface="Courier New"/>
+              </a:rPr>
+              <a:t>    }</a:t>
+            </a:r>
+            <a:br/>
+            <a:r>
+              <a:rPr b="0" lang="pl-PL" sz="1800" spc="-1" strike="noStrike">
+                <a:solidFill>
+                  <a:srgbClr val="ffffff"/>
+                </a:solidFill>
+                <a:latin typeface="Arial"/>
+                <a:ea typeface="Courier New"/>
+              </a:rPr>
+              <a:t>}</a:t>
+            </a:r>
+            <a:endParaRPr b="0" lang="pl-PL" sz="1800" spc="-1" strike="noStrike">
+              <a:latin typeface="Arial"/>
+            </a:endParaRPr>
+          </a:p>
+          <a:p>
+            <a:endParaRPr b="0" lang="pl-PL" sz="1800" spc="-1" strike="noStrike">
+              <a:solidFill>
+                <a:srgbClr val="ffffff"/>
+              </a:solidFill>
+              <a:latin typeface="Arial"/>
+            </a:endParaRPr>
+          </a:p>
+          <a:p>
+            <a:endParaRPr b="0" lang="pl-PL" sz="1800" spc="-1" strike="noStrike">
+              <a:latin typeface="Arial"/>
+            </a:endParaRPr>
+          </a:p>
+        </p:txBody>
+      </p:sp>
+      <p:sp>
+        <p:nvSpPr>
+          <p:cNvPr id="256" name="TextShape 3"/>
+          <p:cNvSpPr txBox="1"/>
+          <p:nvPr/>
+        </p:nvSpPr>
+        <p:spPr>
+          <a:xfrm>
+            <a:off x="6264000" y="1368000"/>
+            <a:ext cx="5472000" cy="5465520"/>
+          </a:xfrm>
+          <a:prstGeom prst="rect">
+            <a:avLst/>
+          </a:prstGeom>
+          <a:noFill/>
+          <a:ln>
+            <a:noFill/>
+          </a:ln>
+        </p:spPr>
+        <p:txBody>
+          <a:bodyPr lIns="90000" rIns="90000" tIns="45000" bIns="45000"/>
+          <a:p>
+            <a:r>
+              <a:rPr b="0" lang="pl-PL" sz="1800" spc="-1" strike="noStrike">
+                <a:solidFill>
+                  <a:srgbClr val="ffffff"/>
+                </a:solidFill>
+                <a:latin typeface="Arial"/>
+                <a:ea typeface="Courier New"/>
+              </a:rPr>
+              <a:t>ExecutorService executor = Executors.</a:t>
+            </a:r>
+            <a:r>
+              <a:rPr b="0" i="1" lang="pl-PL" sz="1800" spc="-1" strike="noStrike">
+                <a:solidFill>
+                  <a:srgbClr val="ffffff"/>
+                </a:solidFill>
+                <a:latin typeface="Arial"/>
+                <a:ea typeface="Courier New"/>
+              </a:rPr>
+              <a:t>newFixedThreadPool</a:t>
+            </a:r>
+            <a:r>
+              <a:rPr b="0" lang="pl-PL" sz="1800" spc="-1" strike="noStrike">
+                <a:solidFill>
+                  <a:srgbClr val="ffffff"/>
+                </a:solidFill>
+                <a:latin typeface="Arial"/>
+                <a:ea typeface="Courier New"/>
+              </a:rPr>
+              <a:t>(10);</a:t>
+            </a:r>
+            <a:br/>
+            <a:r>
+              <a:rPr b="0" lang="pl-PL" sz="1800" spc="-1" strike="noStrike">
+                <a:solidFill>
+                  <a:srgbClr val="ffffff"/>
+                </a:solidFill>
+                <a:latin typeface="Arial"/>
+                <a:ea typeface="Courier New"/>
+              </a:rPr>
+              <a:t>List&lt;Future&lt;String&gt;&gt; list = new ArrayList&lt;&gt;();</a:t>
+            </a:r>
+            <a:br/>
+            <a:br/>
+            <a:r>
+              <a:rPr b="0" lang="pl-PL" sz="1800" spc="-1" strike="noStrike">
+                <a:solidFill>
+                  <a:srgbClr val="ffffff"/>
+                </a:solidFill>
+                <a:latin typeface="Arial"/>
+                <a:ea typeface="Courier New"/>
+              </a:rPr>
+              <a:t>for(int i=0; i&lt; 100; i++){</a:t>
+            </a:r>
+            <a:br/>
+            <a:r>
+              <a:rPr b="0" lang="pl-PL" sz="1800" spc="-1" strike="noStrike">
+                <a:solidFill>
+                  <a:srgbClr val="ffffff"/>
+                </a:solidFill>
+                <a:latin typeface="Arial"/>
+                <a:ea typeface="Courier New"/>
+              </a:rPr>
+              <a:t>    Callable&lt;String&gt; callable = new MyThread (i);</a:t>
+            </a:r>
+            <a:br/>
+            <a:r>
+              <a:rPr b="0" lang="pl-PL" sz="1800" spc="-1" strike="noStrike">
+                <a:solidFill>
+                  <a:srgbClr val="ffffff"/>
+                </a:solidFill>
+                <a:latin typeface="Arial"/>
+                <a:ea typeface="Courier New"/>
+              </a:rPr>
+              <a:t>    Future&lt;String&gt; future = executor.submit(callable);</a:t>
+            </a:r>
+            <a:br/>
+            <a:r>
+              <a:rPr b="0" lang="pl-PL" sz="1800" spc="-1" strike="noStrike">
+                <a:solidFill>
+                  <a:srgbClr val="ffffff"/>
+                </a:solidFill>
+                <a:latin typeface="Arial"/>
+                <a:ea typeface="Courier New"/>
+              </a:rPr>
+              <a:t>    list.add(future);</a:t>
+            </a:r>
+            <a:br/>
+            <a:r>
+              <a:rPr b="0" lang="pl-PL" sz="1800" spc="-1" strike="noStrike">
+                <a:solidFill>
+                  <a:srgbClr val="ffffff"/>
+                </a:solidFill>
+                <a:latin typeface="Arial"/>
+                <a:ea typeface="Courier New"/>
+              </a:rPr>
+              <a:t>}</a:t>
+            </a:r>
+            <a:endParaRPr b="0" lang="pl-PL" sz="1800" spc="-1" strike="noStrike">
+              <a:solidFill>
+                <a:srgbClr val="ffffff"/>
+              </a:solidFill>
+              <a:latin typeface="Arial"/>
+            </a:endParaRPr>
+          </a:p>
+          <a:p>
+            <a:br/>
+            <a:r>
+              <a:rPr b="0" lang="pl-PL" sz="1800" spc="-1" strike="noStrike">
+                <a:solidFill>
+                  <a:srgbClr val="ffffff"/>
+                </a:solidFill>
+                <a:latin typeface="Arial"/>
+                <a:ea typeface="Courier New"/>
+              </a:rPr>
+              <a:t>for(Future&lt;String&gt; fut : list){</a:t>
+            </a:r>
+            <a:br/>
+            <a:r>
+              <a:rPr b="0" lang="pl-PL" sz="1800" spc="-1" strike="noStrike">
+                <a:solidFill>
+                  <a:srgbClr val="ffffff"/>
+                </a:solidFill>
+                <a:latin typeface="Arial"/>
+                <a:ea typeface="Courier New"/>
+              </a:rPr>
+              <a:t>    try {</a:t>
+            </a:r>
+            <a:br/>
+            <a:r>
+              <a:rPr b="0" lang="pl-PL" sz="1800" spc="-1" strike="noStrike">
+                <a:solidFill>
+                  <a:srgbClr val="ffffff"/>
+                </a:solidFill>
+                <a:latin typeface="Arial"/>
+                <a:ea typeface="Courier New"/>
+              </a:rPr>
+              <a:t>        System.</a:t>
+            </a:r>
+            <a:r>
+              <a:rPr b="0" i="1" lang="pl-PL" sz="1800" spc="-1" strike="noStrike">
+                <a:solidFill>
+                  <a:srgbClr val="ffffff"/>
+                </a:solidFill>
+                <a:latin typeface="Arial"/>
+                <a:ea typeface="Courier New"/>
+              </a:rPr>
+              <a:t>out</a:t>
+            </a:r>
+            <a:r>
+              <a:rPr b="0" lang="pl-PL" sz="1800" spc="-1" strike="noStrike">
+                <a:solidFill>
+                  <a:srgbClr val="ffffff"/>
+                </a:solidFill>
+                <a:latin typeface="Arial"/>
+                <a:ea typeface="Courier New"/>
+              </a:rPr>
+              <a:t>.println(new Date()+ "-"+fut.get());</a:t>
+            </a:r>
+            <a:br/>
+            <a:r>
+              <a:rPr b="0" lang="pl-PL" sz="1800" spc="-1" strike="noStrike">
+                <a:solidFill>
+                  <a:srgbClr val="ffffff"/>
+                </a:solidFill>
+                <a:latin typeface="Arial"/>
+                <a:ea typeface="Courier New"/>
+              </a:rPr>
+              <a:t>    } catch (InterruptedException | ExecutionException e) {</a:t>
+            </a:r>
+            <a:br/>
+            <a:r>
+              <a:rPr b="0" lang="pl-PL" sz="1800" spc="-1" strike="noStrike">
+                <a:solidFill>
+                  <a:srgbClr val="ffffff"/>
+                </a:solidFill>
+                <a:latin typeface="Arial"/>
+                <a:ea typeface="Courier New"/>
+              </a:rPr>
+              <a:t>        e.printStackTrace();</a:t>
+            </a:r>
+            <a:br/>
+            <a:r>
+              <a:rPr b="0" lang="pl-PL" sz="1800" spc="-1" strike="noStrike">
+                <a:solidFill>
+                  <a:srgbClr val="ffffff"/>
+                </a:solidFill>
+                <a:latin typeface="Arial"/>
+                <a:ea typeface="Courier New"/>
+              </a:rPr>
+              <a:t>    }</a:t>
+            </a:r>
+            <a:br/>
+            <a:r>
+              <a:rPr b="0" lang="pl-PL" sz="1800" spc="-1" strike="noStrike">
+                <a:solidFill>
+                  <a:srgbClr val="ffffff"/>
+                </a:solidFill>
+                <a:latin typeface="Arial"/>
+                <a:ea typeface="Courier New"/>
+              </a:rPr>
+              <a:t>}</a:t>
+            </a:r>
+            <a:br/>
+            <a:r>
+              <a:rPr b="0" lang="pl-PL" sz="1800" spc="-1" strike="noStrike">
+                <a:solidFill>
+                  <a:srgbClr val="ffffff"/>
+                </a:solidFill>
+                <a:latin typeface="Arial"/>
+                <a:ea typeface="Courier New"/>
+              </a:rPr>
+              <a:t>executor.shutdown();</a:t>
+            </a:r>
+            <a:endParaRPr b="0" lang="pl-PL" sz="1800" spc="-1" strike="noStrike">
+              <a:solidFill>
+                <a:srgbClr val="ffffff"/>
+              </a:solidFill>
+              <a:latin typeface="Arial"/>
+            </a:endParaRPr>
+          </a:p>
+        </p:txBody>
+      </p:sp>
+    </p:spTree>
+  </p:cSld>
+  <p:timing>
+    <p:tnLst>
+      <p:par>
+        <p:cTn id="91" dur="indefinite" restart="never" nodeType="tmRoot">
+          <p:childTnLst>
+            <p:seq>
+              <p:cTn id="92" dur="indefinite" nodeType="mainSeq"/>
               <p:prevCondLst>
                 <p:cond delay="0" evt="onPrev">
                   <p:tgtEl>
@@ -27826,7 +29400,7 @@
         <p:spPr>
           <a:xfrm>
             <a:off x="1561680" y="0"/>
-            <a:ext cx="9066240" cy="1257120"/>
+            <a:ext cx="9065880" cy="1256760"/>
           </a:xfrm>
           <a:prstGeom prst="rect">
             <a:avLst/>
@@ -27875,7 +29449,7 @@
         <p:spPr>
           <a:xfrm>
             <a:off x="861480" y="1728360"/>
-            <a:ext cx="5398560" cy="4964040"/>
+            <a:ext cx="5398200" cy="4963680"/>
           </a:xfrm>
           <a:prstGeom prst="rect">
             <a:avLst/>
@@ -27923,8 +29497,8 @@
         </p:nvSpPr>
         <p:spPr>
           <a:xfrm rot="21553200">
-            <a:off x="2466000" y="2636280"/>
-            <a:ext cx="1582560" cy="2672640"/>
+            <a:off x="2466000" y="2635920"/>
+            <a:ext cx="1582200" cy="2672280"/>
           </a:xfrm>
           <a:prstGeom prst="rect">
             <a:avLst/>
@@ -28026,8 +29600,8 @@
         </p:nvSpPr>
         <p:spPr>
           <a:xfrm rot="21553200">
-            <a:off x="5418000" y="2636280"/>
-            <a:ext cx="1582560" cy="2672640"/>
+            <a:off x="5418000" y="2635920"/>
+            <a:ext cx="1582200" cy="2672280"/>
           </a:xfrm>
           <a:prstGeom prst="rect">
             <a:avLst/>
@@ -28198,7 +29772,7 @@
         <p:spPr>
           <a:xfrm>
             <a:off x="8354160" y="1728000"/>
-            <a:ext cx="1724400" cy="1220400"/>
+            <a:ext cx="1724040" cy="1220040"/>
           </a:xfrm>
           <a:prstGeom prst="rect">
             <a:avLst/>
@@ -28301,7 +29875,7 @@
         <p:spPr>
           <a:xfrm>
             <a:off x="8282160" y="4895640"/>
-            <a:ext cx="1724400" cy="1220400"/>
+            <a:ext cx="1724040" cy="1220040"/>
           </a:xfrm>
           <a:prstGeom prst="rect">
             <a:avLst/>
@@ -28404,7 +29978,7 @@
         <p:spPr>
           <a:xfrm>
             <a:off x="4320000" y="3383640"/>
-            <a:ext cx="1076400" cy="342720"/>
+            <a:ext cx="1076040" cy="342360"/>
           </a:xfrm>
           <a:prstGeom prst="rect">
             <a:avLst/>
@@ -28509,7 +30083,7 @@
         <p:spPr>
           <a:xfrm>
             <a:off x="7058160" y="3685320"/>
-            <a:ext cx="1076400" cy="598680"/>
+            <a:ext cx="1076040" cy="598320"/>
           </a:xfrm>
           <a:prstGeom prst="rect">
             <a:avLst/>
@@ -28617,7 +30191,7 @@
         <p:spPr>
           <a:xfrm>
             <a:off x="1561680" y="720"/>
-            <a:ext cx="9066240" cy="1257120"/>
+            <a:ext cx="9065880" cy="1256760"/>
           </a:xfrm>
           <a:prstGeom prst="rect">
             <a:avLst/>
@@ -30855,7 +32429,7 @@
         <p:spPr>
           <a:xfrm>
             <a:off x="1561680" y="0"/>
-            <a:ext cx="9066240" cy="1257120"/>
+            <a:ext cx="9065880" cy="1256760"/>
           </a:xfrm>
           <a:prstGeom prst="rect">
             <a:avLst/>
@@ -30904,7 +32478,7 @@
         <p:spPr>
           <a:xfrm>
             <a:off x="1998720" y="863640"/>
-            <a:ext cx="8418600" cy="4655880"/>
+            <a:ext cx="8418240" cy="4655520"/>
           </a:xfrm>
           <a:prstGeom prst="rect">
             <a:avLst/>
@@ -31230,7 +32804,7 @@
         <p:spPr>
           <a:xfrm>
             <a:off x="1561680" y="0"/>
-            <a:ext cx="9066240" cy="1257120"/>
+            <a:ext cx="9065880" cy="1256760"/>
           </a:xfrm>
           <a:prstGeom prst="rect">
             <a:avLst/>
@@ -31279,7 +32853,7 @@
         <p:spPr>
           <a:xfrm>
             <a:off x="1633320" y="1087560"/>
-            <a:ext cx="8922600" cy="6357960"/>
+            <a:ext cx="8922240" cy="6357600"/>
           </a:xfrm>
           <a:prstGeom prst="rect">
             <a:avLst/>
@@ -31657,7 +33231,7 @@
         <p:spPr>
           <a:xfrm>
             <a:off x="1561680" y="360"/>
-            <a:ext cx="9066240" cy="1257120"/>
+            <a:ext cx="9065880" cy="1256760"/>
           </a:xfrm>
           <a:prstGeom prst="rect">
             <a:avLst/>

--- a/WprowadzenieDoJezykaJAVA_v2_PiotrKrajnik.pptx
+++ b/WprowadzenieDoJezykaJAVA_v2_PiotrKrajnik.pptx
@@ -52,6 +52,10 @@
     <p:sldId id="299" r:id="rId47"/>
     <p:sldId id="300" r:id="rId48"/>
     <p:sldId id="301" r:id="rId49"/>
+    <p:sldId id="302" r:id="rId50"/>
+    <p:sldId id="303" r:id="rId51"/>
+    <p:sldId id="304" r:id="rId52"/>
+    <p:sldId id="305" r:id="rId53"/>
   </p:sldIdLst>
   <p:sldSz cx="12192000" cy="6858000"/>
   <p:notesSz cx="7559675" cy="10691812"/>
@@ -2758,7 +2762,7 @@
         <p:spPr>
           <a:xfrm rot="5400000">
             <a:off x="0" y="0"/>
-            <a:ext cx="2496600" cy="2496600"/>
+            <a:ext cx="2496240" cy="2496240"/>
           </a:xfrm>
           <a:prstGeom prst="rtTriangle">
             <a:avLst/>
@@ -2798,7 +2802,7 @@
         <p:spPr>
           <a:xfrm>
             <a:off x="0" y="0"/>
-            <a:ext cx="2749680" cy="1293480"/>
+            <a:ext cx="2749320" cy="1293120"/>
           </a:xfrm>
           <a:prstGeom prst="rect">
             <a:avLst/>
@@ -3078,7 +3082,7 @@
         <p:spPr>
           <a:xfrm rot="5400000">
             <a:off x="0" y="0"/>
-            <a:ext cx="2496600" cy="2496600"/>
+            <a:ext cx="2496240" cy="2496240"/>
           </a:xfrm>
           <a:prstGeom prst="rtTriangle">
             <a:avLst/>
@@ -3118,7 +3122,7 @@
         <p:spPr>
           <a:xfrm>
             <a:off x="0" y="0"/>
-            <a:ext cx="2749680" cy="1293480"/>
+            <a:ext cx="2749320" cy="1293120"/>
           </a:xfrm>
           <a:prstGeom prst="rect">
             <a:avLst/>
@@ -3388,7 +3392,7 @@
         <p:spPr>
           <a:xfrm>
             <a:off x="1561680" y="1905480"/>
-            <a:ext cx="9065880" cy="1256760"/>
+            <a:ext cx="9065520" cy="1256400"/>
           </a:xfrm>
           <a:prstGeom prst="rect">
             <a:avLst/>
@@ -3437,7 +3441,7 @@
         <p:spPr>
           <a:xfrm>
             <a:off x="1561680" y="3456000"/>
-            <a:ext cx="9065880" cy="2691360"/>
+            <a:ext cx="9065520" cy="2691000"/>
           </a:xfrm>
           <a:prstGeom prst="rect">
             <a:avLst/>
@@ -3545,7 +3549,7 @@
         <p:spPr>
           <a:xfrm>
             <a:off x="1561680" y="0"/>
-            <a:ext cx="9065880" cy="1256760"/>
+            <a:ext cx="9065520" cy="1256400"/>
           </a:xfrm>
           <a:prstGeom prst="rect">
             <a:avLst/>
@@ -3594,7 +3598,7 @@
         <p:spPr>
           <a:xfrm>
             <a:off x="1584000" y="1175040"/>
-            <a:ext cx="3237840" cy="5639040"/>
+            <a:ext cx="3237480" cy="5638680"/>
           </a:xfrm>
           <a:prstGeom prst="rect">
             <a:avLst/>
@@ -3953,7 +3957,7 @@
         <p:spPr>
           <a:xfrm>
             <a:off x="5324040" y="1262520"/>
-            <a:ext cx="5398200" cy="694800"/>
+            <a:ext cx="5397840" cy="694440"/>
           </a:xfrm>
           <a:prstGeom prst="rect">
             <a:avLst/>
@@ -4002,7 +4006,7 @@
         <p:spPr>
           <a:xfrm>
             <a:off x="5215680" y="3780000"/>
-            <a:ext cx="5398200" cy="1914480"/>
+            <a:ext cx="5397840" cy="1914120"/>
           </a:xfrm>
           <a:prstGeom prst="rect">
             <a:avLst/>
@@ -4120,7 +4124,7 @@
         <p:spPr>
           <a:xfrm>
             <a:off x="1561680" y="0"/>
-            <a:ext cx="9065880" cy="1256760"/>
+            <a:ext cx="9065520" cy="1256400"/>
           </a:xfrm>
           <a:prstGeom prst="rect">
             <a:avLst/>
@@ -4169,7 +4173,7 @@
         <p:spPr>
           <a:xfrm>
             <a:off x="1440000" y="1152000"/>
-            <a:ext cx="3237840" cy="5639040"/>
+            <a:ext cx="3237480" cy="5638680"/>
           </a:xfrm>
           <a:prstGeom prst="rect">
             <a:avLst/>
@@ -4628,7 +4632,7 @@
         <p:spPr>
           <a:xfrm>
             <a:off x="5180040" y="1239480"/>
-            <a:ext cx="5398200" cy="4963680"/>
+            <a:ext cx="5397840" cy="4963320"/>
           </a:xfrm>
           <a:prstGeom prst="rect">
             <a:avLst/>
@@ -4816,7 +4820,7 @@
         <p:spPr>
           <a:xfrm>
             <a:off x="1561680" y="15480"/>
-            <a:ext cx="9065880" cy="1256760"/>
+            <a:ext cx="9065520" cy="1256400"/>
           </a:xfrm>
           <a:prstGeom prst="rect">
             <a:avLst/>
@@ -4865,7 +4869,7 @@
         <p:spPr>
           <a:xfrm>
             <a:off x="1924920" y="1275840"/>
-            <a:ext cx="3237840" cy="2400480"/>
+            <a:ext cx="3237480" cy="2400120"/>
           </a:xfrm>
           <a:prstGeom prst="rect">
             <a:avLst/>
@@ -5064,7 +5068,7 @@
         <p:spPr>
           <a:xfrm>
             <a:off x="1924920" y="4079160"/>
-            <a:ext cx="3515040" cy="2400480"/>
+            <a:ext cx="3514680" cy="2400120"/>
           </a:xfrm>
           <a:prstGeom prst="rect">
             <a:avLst/>
@@ -5263,7 +5267,7 @@
         <p:spPr>
           <a:xfrm>
             <a:off x="7087320" y="1275840"/>
-            <a:ext cx="3237840" cy="2400480"/>
+            <a:ext cx="3237480" cy="2400120"/>
           </a:xfrm>
           <a:prstGeom prst="rect">
             <a:avLst/>
@@ -5462,7 +5466,7 @@
         <p:spPr>
           <a:xfrm>
             <a:off x="7087320" y="4079160"/>
-            <a:ext cx="3237840" cy="2400480"/>
+            <a:ext cx="3237480" cy="2400120"/>
           </a:xfrm>
           <a:prstGeom prst="rect">
             <a:avLst/>
@@ -5710,7 +5714,7 @@
         <p:spPr>
           <a:xfrm>
             <a:off x="1561680" y="-75600"/>
-            <a:ext cx="9065880" cy="1256760"/>
+            <a:ext cx="9065520" cy="1256400"/>
           </a:xfrm>
           <a:prstGeom prst="rect">
             <a:avLst/>
@@ -5759,7 +5763,7 @@
         <p:spPr>
           <a:xfrm>
             <a:off x="1001160" y="1286280"/>
-            <a:ext cx="5223600" cy="6487560"/>
+            <a:ext cx="5223240" cy="6487200"/>
           </a:xfrm>
           <a:prstGeom prst="rect">
             <a:avLst/>
@@ -5978,7 +5982,7 @@
         <p:spPr>
           <a:xfrm>
             <a:off x="6531120" y="1286280"/>
-            <a:ext cx="4299480" cy="5573520"/>
+            <a:ext cx="4299120" cy="5573160"/>
           </a:xfrm>
           <a:prstGeom prst="rect">
             <a:avLst/>
@@ -6366,7 +6370,7 @@
         <p:spPr>
           <a:xfrm>
             <a:off x="1561680" y="0"/>
-            <a:ext cx="9065880" cy="1256760"/>
+            <a:ext cx="9065520" cy="1256400"/>
           </a:xfrm>
           <a:prstGeom prst="rect">
             <a:avLst/>
@@ -6415,7 +6419,7 @@
         <p:spPr>
           <a:xfrm>
             <a:off x="1800000" y="1086120"/>
-            <a:ext cx="5223600" cy="3744000"/>
+            <a:ext cx="5223240" cy="3743640"/>
           </a:xfrm>
           <a:prstGeom prst="rect">
             <a:avLst/>
@@ -6554,7 +6558,7 @@
         <p:spPr>
           <a:xfrm>
             <a:off x="7486560" y="1086120"/>
-            <a:ext cx="3327840" cy="5845680"/>
+            <a:ext cx="3327480" cy="5845320"/>
           </a:xfrm>
           <a:prstGeom prst="rect">
             <a:avLst/>
@@ -7067,7 +7071,7 @@
         <p:spPr>
           <a:xfrm>
             <a:off x="2639880" y="4608000"/>
-            <a:ext cx="1429560" cy="1429560"/>
+            <a:ext cx="1429200" cy="1429200"/>
           </a:xfrm>
           <a:prstGeom prst="rect">
             <a:avLst/>
@@ -7090,7 +7094,7 @@
         <p:spPr>
           <a:xfrm>
             <a:off x="5157360" y="5808240"/>
-            <a:ext cx="1429560" cy="1429560"/>
+            <a:ext cx="1429200" cy="1429200"/>
           </a:xfrm>
           <a:prstGeom prst="rect">
             <a:avLst/>
@@ -7109,7 +7113,7 @@
         <p:spPr>
           <a:xfrm>
             <a:off x="2560680" y="5608800"/>
-            <a:ext cx="2044440" cy="1182240"/>
+            <a:ext cx="2044080" cy="1181880"/>
           </a:xfrm>
           <a:prstGeom prst="rect">
             <a:avLst/>
@@ -7218,7 +7222,7 @@
         <p:spPr>
           <a:xfrm>
             <a:off x="4876560" y="4968000"/>
-            <a:ext cx="2144520" cy="1182240"/>
+            <a:ext cx="2144160" cy="1181880"/>
           </a:xfrm>
           <a:prstGeom prst="rect">
             <a:avLst/>
@@ -7376,7 +7380,7 @@
         <p:spPr>
           <a:xfrm>
             <a:off x="1561680" y="0"/>
-            <a:ext cx="9065880" cy="1256760"/>
+            <a:ext cx="9065520" cy="1256400"/>
           </a:xfrm>
           <a:prstGeom prst="rect">
             <a:avLst/>
@@ -7425,7 +7429,7 @@
         <p:spPr>
           <a:xfrm>
             <a:off x="6078240" y="936000"/>
-            <a:ext cx="3327840" cy="5845680"/>
+            <a:ext cx="3327480" cy="5845320"/>
           </a:xfrm>
           <a:prstGeom prst="rect">
             <a:avLst/>
@@ -7934,7 +7938,7 @@
         <p:spPr>
           <a:xfrm>
             <a:off x="4032000" y="936000"/>
-            <a:ext cx="1994400" cy="359280"/>
+            <a:ext cx="1994040" cy="358920"/>
           </a:xfrm>
           <a:prstGeom prst="rect">
             <a:avLst/>
@@ -7983,7 +7987,7 @@
         <p:spPr>
           <a:xfrm>
             <a:off x="4608000" y="1593360"/>
-            <a:ext cx="1308600" cy="359280"/>
+            <a:ext cx="1308240" cy="358920"/>
           </a:xfrm>
           <a:prstGeom prst="rect">
             <a:avLst/>
@@ -8032,7 +8036,7 @@
         <p:spPr>
           <a:xfrm>
             <a:off x="4266000" y="2958480"/>
-            <a:ext cx="1994400" cy="359280"/>
+            <a:ext cx="1994040" cy="358920"/>
           </a:xfrm>
           <a:prstGeom prst="rect">
             <a:avLst/>
@@ -8130,7 +8134,7 @@
         <p:spPr>
           <a:xfrm>
             <a:off x="1561680" y="0"/>
-            <a:ext cx="9065880" cy="1256760"/>
+            <a:ext cx="9065520" cy="1256400"/>
           </a:xfrm>
           <a:prstGeom prst="rect">
             <a:avLst/>
@@ -8179,7 +8183,7 @@
         <p:spPr>
           <a:xfrm>
             <a:off x="1656000" y="1440000"/>
-            <a:ext cx="5223600" cy="4353840"/>
+            <a:ext cx="5223240" cy="4353480"/>
           </a:xfrm>
           <a:prstGeom prst="rect">
             <a:avLst/>
@@ -8308,7 +8312,7 @@
         <p:spPr>
           <a:xfrm>
             <a:off x="7650720" y="2049840"/>
-            <a:ext cx="3327840" cy="2553840"/>
+            <a:ext cx="3327480" cy="2553480"/>
           </a:xfrm>
           <a:prstGeom prst="rect">
             <a:avLst/>
@@ -8576,7 +8580,7 @@
         <p:spPr>
           <a:xfrm>
             <a:off x="1561680" y="0"/>
-            <a:ext cx="9065880" cy="1256760"/>
+            <a:ext cx="9065520" cy="1256400"/>
           </a:xfrm>
           <a:prstGeom prst="rect">
             <a:avLst/>
@@ -8625,7 +8629,7 @@
         <p:spPr>
           <a:xfrm>
             <a:off x="1699920" y="936000"/>
-            <a:ext cx="5223600" cy="6840360"/>
+            <a:ext cx="5223240" cy="6840000"/>
           </a:xfrm>
           <a:prstGeom prst="rect">
             <a:avLst/>
@@ -8884,7 +8888,7 @@
         <p:spPr>
           <a:xfrm>
             <a:off x="7536600" y="1512000"/>
-            <a:ext cx="4484520" cy="4195440"/>
+            <a:ext cx="4484160" cy="4195080"/>
           </a:xfrm>
           <a:prstGeom prst="rect">
             <a:avLst/>
@@ -9482,7 +9486,7 @@
         <p:spPr>
           <a:xfrm>
             <a:off x="1561680" y="0"/>
-            <a:ext cx="9065880" cy="1256760"/>
+            <a:ext cx="9065520" cy="1256400"/>
           </a:xfrm>
           <a:prstGeom prst="rect">
             <a:avLst/>
@@ -9531,7 +9535,7 @@
         <p:spPr>
           <a:xfrm>
             <a:off x="1296000" y="1259640"/>
-            <a:ext cx="4066920" cy="6182640"/>
+            <a:ext cx="4066560" cy="6182280"/>
           </a:xfrm>
           <a:prstGeom prst="rect">
             <a:avLst/>
@@ -9689,8 +9693,8 @@
         </p:nvSpPr>
         <p:spPr>
           <a:xfrm rot="9000">
-            <a:off x="6049080" y="1414800"/>
-            <a:ext cx="5682600" cy="3100680"/>
+            <a:off x="6048720" y="1414440"/>
+            <a:ext cx="5682240" cy="3100320"/>
           </a:xfrm>
           <a:prstGeom prst="rect">
             <a:avLst/>
@@ -9918,8 +9922,8 @@
         </p:nvSpPr>
         <p:spPr>
           <a:xfrm rot="9000">
-            <a:off x="6189480" y="4900320"/>
-            <a:ext cx="5682600" cy="1425600"/>
+            <a:off x="6189120" y="4899960"/>
+            <a:ext cx="5682240" cy="1425240"/>
           </a:xfrm>
           <a:prstGeom prst="rect">
             <a:avLst/>
@@ -10117,7 +10121,7 @@
         <p:spPr>
           <a:xfrm>
             <a:off x="1561680" y="0"/>
-            <a:ext cx="9065880" cy="1256760"/>
+            <a:ext cx="9065520" cy="1256400"/>
           </a:xfrm>
           <a:prstGeom prst="rect">
             <a:avLst/>
@@ -10166,7 +10170,7 @@
         <p:spPr>
           <a:xfrm>
             <a:off x="1618560" y="1194480"/>
-            <a:ext cx="6370560" cy="6667920"/>
+            <a:ext cx="6370200" cy="6667560"/>
           </a:xfrm>
           <a:prstGeom prst="rect">
             <a:avLst/>
@@ -10445,7 +10449,7 @@
         <p:spPr>
           <a:xfrm>
             <a:off x="8832600" y="1259640"/>
-            <a:ext cx="3836520" cy="5321520"/>
+            <a:ext cx="3836160" cy="5321160"/>
           </a:xfrm>
           <a:prstGeom prst="rect">
             <a:avLst/>
@@ -11181,7 +11185,7 @@
         <p:spPr>
           <a:xfrm>
             <a:off x="1561680" y="0"/>
-            <a:ext cx="9065880" cy="1256760"/>
+            <a:ext cx="9065520" cy="1256400"/>
           </a:xfrm>
           <a:prstGeom prst="rect">
             <a:avLst/>
@@ -11230,7 +11234,7 @@
         <p:spPr>
           <a:xfrm>
             <a:off x="1668600" y="1584000"/>
-            <a:ext cx="8852040" cy="4963680"/>
+            <a:ext cx="8851680" cy="4963320"/>
           </a:xfrm>
           <a:prstGeom prst="rect">
             <a:avLst/>
@@ -11468,7 +11472,7 @@
         <p:spPr>
           <a:xfrm>
             <a:off x="1561680" y="0"/>
-            <a:ext cx="9065880" cy="1256760"/>
+            <a:ext cx="9065520" cy="1256400"/>
           </a:xfrm>
           <a:prstGeom prst="rect">
             <a:avLst/>
@@ -11517,7 +11521,7 @@
         <p:spPr>
           <a:xfrm>
             <a:off x="1472760" y="1082880"/>
-            <a:ext cx="5290920" cy="6114240"/>
+            <a:ext cx="5290560" cy="6113880"/>
           </a:xfrm>
           <a:prstGeom prst="rect">
             <a:avLst/>
@@ -11806,7 +11810,7 @@
         <p:spPr>
           <a:xfrm>
             <a:off x="7176600" y="1193040"/>
-            <a:ext cx="3836520" cy="5321520"/>
+            <a:ext cx="3836160" cy="5321160"/>
           </a:xfrm>
           <a:prstGeom prst="rect">
             <a:avLst/>
@@ -12404,7 +12408,7 @@
         <p:spPr>
           <a:xfrm>
             <a:off x="1561680" y="27720"/>
-            <a:ext cx="9065880" cy="1256760"/>
+            <a:ext cx="9065520" cy="1256400"/>
           </a:xfrm>
           <a:prstGeom prst="rect">
             <a:avLst/>
@@ -12453,7 +12457,7 @@
         <p:spPr>
           <a:xfrm>
             <a:off x="1440000" y="1080000"/>
-            <a:ext cx="5731200" cy="5989680"/>
+            <a:ext cx="5730840" cy="5989320"/>
           </a:xfrm>
           <a:prstGeom prst="rect">
             <a:avLst/>
@@ -12712,7 +12716,7 @@
         <p:spPr>
           <a:xfrm>
             <a:off x="7536600" y="1856520"/>
-            <a:ext cx="3836520" cy="5213160"/>
+            <a:ext cx="3836160" cy="5212800"/>
           </a:xfrm>
           <a:prstGeom prst="rect">
             <a:avLst/>
@@ -13050,7 +13054,7 @@
         <p:spPr>
           <a:xfrm>
             <a:off x="1561680" y="0"/>
-            <a:ext cx="9065880" cy="1256760"/>
+            <a:ext cx="9065520" cy="1256400"/>
           </a:xfrm>
           <a:prstGeom prst="rect">
             <a:avLst/>
@@ -13099,7 +13103,7 @@
         <p:spPr>
           <a:xfrm>
             <a:off x="1224000" y="1010880"/>
-            <a:ext cx="5628600" cy="6114240"/>
+            <a:ext cx="5628240" cy="6113880"/>
           </a:xfrm>
           <a:prstGeom prst="rect">
             <a:avLst/>
@@ -13388,7 +13392,7 @@
         <p:spPr>
           <a:xfrm>
             <a:off x="7416000" y="1155600"/>
-            <a:ext cx="4407840" cy="5321520"/>
+            <a:ext cx="4407480" cy="5321160"/>
           </a:xfrm>
           <a:prstGeom prst="rect">
             <a:avLst/>
@@ -13866,7 +13870,7 @@
         <p:spPr>
           <a:xfrm>
             <a:off x="1561680" y="0"/>
-            <a:ext cx="9065880" cy="1256760"/>
+            <a:ext cx="9065520" cy="1256400"/>
           </a:xfrm>
           <a:prstGeom prst="rect">
             <a:avLst/>
@@ -13915,7 +13919,7 @@
         <p:spPr>
           <a:xfrm>
             <a:off x="1561680" y="1010880"/>
-            <a:ext cx="4067640" cy="6114240"/>
+            <a:ext cx="4067280" cy="6113880"/>
           </a:xfrm>
           <a:prstGeom prst="rect">
             <a:avLst/>
@@ -14104,7 +14108,7 @@
         <p:spPr>
           <a:xfrm>
             <a:off x="8256600" y="1152000"/>
-            <a:ext cx="3836520" cy="2731320"/>
+            <a:ext cx="3836160" cy="2730960"/>
           </a:xfrm>
           <a:prstGeom prst="rect">
             <a:avLst/>
@@ -14293,7 +14297,7 @@
         <p:spPr>
           <a:xfrm>
             <a:off x="5736600" y="2665800"/>
-            <a:ext cx="3836520" cy="2731320"/>
+            <a:ext cx="3836160" cy="2730960"/>
           </a:xfrm>
           <a:prstGeom prst="rect">
             <a:avLst/>
@@ -14901,7 +14905,7 @@
         <p:spPr>
           <a:xfrm>
             <a:off x="1561680" y="0"/>
-            <a:ext cx="9065880" cy="1256760"/>
+            <a:ext cx="9065520" cy="1256400"/>
           </a:xfrm>
           <a:prstGeom prst="rect">
             <a:avLst/>
@@ -14950,7 +14954,7 @@
         <p:spPr>
           <a:xfrm>
             <a:off x="1512000" y="1008000"/>
-            <a:ext cx="5325120" cy="6114240"/>
+            <a:ext cx="5324760" cy="6113880"/>
           </a:xfrm>
           <a:prstGeom prst="rect">
             <a:avLst/>
@@ -15129,7 +15133,7 @@
         <p:spPr>
           <a:xfrm>
             <a:off x="7344000" y="1259640"/>
-            <a:ext cx="4700520" cy="5321520"/>
+            <a:ext cx="4700160" cy="5321160"/>
           </a:xfrm>
           <a:prstGeom prst="rect">
             <a:avLst/>
@@ -15517,7 +15521,7 @@
         <p:spPr>
           <a:xfrm>
             <a:off x="1561680" y="0"/>
-            <a:ext cx="9065880" cy="1256760"/>
+            <a:ext cx="9065520" cy="1256400"/>
           </a:xfrm>
           <a:prstGeom prst="rect">
             <a:avLst/>
@@ -15566,7 +15570,7 @@
         <p:spPr>
           <a:xfrm>
             <a:off x="936000" y="1560960"/>
-            <a:ext cx="5507640" cy="6212160"/>
+            <a:ext cx="5507280" cy="6211800"/>
           </a:xfrm>
           <a:prstGeom prst="rect">
             <a:avLst/>
@@ -15835,7 +15839,7 @@
         <p:spPr>
           <a:xfrm>
             <a:off x="6984000" y="1443600"/>
-            <a:ext cx="4700520" cy="5321520"/>
+            <a:ext cx="4700160" cy="5321160"/>
           </a:xfrm>
           <a:prstGeom prst="rect">
             <a:avLst/>
@@ -16443,7 +16447,7 @@
         <p:spPr>
           <a:xfrm>
             <a:off x="1561680" y="0"/>
-            <a:ext cx="9065880" cy="1256760"/>
+            <a:ext cx="9065520" cy="1256400"/>
           </a:xfrm>
           <a:prstGeom prst="rect">
             <a:avLst/>
@@ -16492,7 +16496,7 @@
         <p:spPr>
           <a:xfrm>
             <a:off x="1440000" y="1152000"/>
-            <a:ext cx="5829120" cy="6114240"/>
+            <a:ext cx="5828760" cy="6113880"/>
           </a:xfrm>
           <a:prstGeom prst="rect">
             <a:avLst/>
@@ -16701,7 +16705,7 @@
         <p:spPr>
           <a:xfrm>
             <a:off x="7848000" y="1368000"/>
-            <a:ext cx="4243320" cy="4658040"/>
+            <a:ext cx="4242960" cy="4657680"/>
           </a:xfrm>
           <a:prstGeom prst="rect">
             <a:avLst/>
@@ -17099,7 +17103,7 @@
         <p:spPr>
           <a:xfrm>
             <a:off x="1561680" y="0"/>
-            <a:ext cx="9065880" cy="1256760"/>
+            <a:ext cx="9065520" cy="1256400"/>
           </a:xfrm>
           <a:prstGeom prst="rect">
             <a:avLst/>
@@ -17148,7 +17152,7 @@
         <p:spPr>
           <a:xfrm>
             <a:off x="1152000" y="1514880"/>
-            <a:ext cx="5469120" cy="6114240"/>
+            <a:ext cx="5468760" cy="6113880"/>
           </a:xfrm>
           <a:prstGeom prst="rect">
             <a:avLst/>
@@ -17357,7 +17361,7 @@
         <p:spPr>
           <a:xfrm>
             <a:off x="7560000" y="1387080"/>
-            <a:ext cx="4243320" cy="4658040"/>
+            <a:ext cx="4242960" cy="4657680"/>
           </a:xfrm>
           <a:prstGeom prst="rect">
             <a:avLst/>
@@ -17845,7 +17849,7 @@
         <p:spPr>
           <a:xfrm>
             <a:off x="1561680" y="0"/>
-            <a:ext cx="9065880" cy="1256760"/>
+            <a:ext cx="9065520" cy="1256400"/>
           </a:xfrm>
           <a:prstGeom prst="rect">
             <a:avLst/>
@@ -17894,7 +17898,7 @@
         <p:spPr>
           <a:xfrm>
             <a:off x="1545480" y="1080000"/>
-            <a:ext cx="5363640" cy="6114240"/>
+            <a:ext cx="5363280" cy="6113880"/>
           </a:xfrm>
           <a:prstGeom prst="rect">
             <a:avLst/>
@@ -18143,7 +18147,7 @@
         <p:spPr>
           <a:xfrm>
             <a:off x="7704000" y="1008000"/>
-            <a:ext cx="4243320" cy="4658040"/>
+            <a:ext cx="4242960" cy="4657680"/>
           </a:xfrm>
           <a:prstGeom prst="rect">
             <a:avLst/>
@@ -18901,7 +18905,7 @@
         <p:spPr>
           <a:xfrm>
             <a:off x="1561680" y="0"/>
-            <a:ext cx="9065880" cy="1256760"/>
+            <a:ext cx="9065520" cy="1256400"/>
           </a:xfrm>
           <a:prstGeom prst="rect">
             <a:avLst/>
@@ -18950,7 +18954,7 @@
         <p:spPr>
           <a:xfrm>
             <a:off x="1368000" y="1010880"/>
-            <a:ext cx="5541120" cy="6114240"/>
+            <a:ext cx="5540760" cy="6113880"/>
           </a:xfrm>
           <a:prstGeom prst="rect">
             <a:avLst/>
@@ -19179,7 +19183,7 @@
         <p:spPr>
           <a:xfrm>
             <a:off x="7848000" y="1148400"/>
-            <a:ext cx="3558240" cy="5706720"/>
+            <a:ext cx="3557880" cy="5706360"/>
           </a:xfrm>
           <a:prstGeom prst="rect">
             <a:avLst/>
@@ -19707,7 +19711,7 @@
         <p:spPr>
           <a:xfrm>
             <a:off x="1561680" y="0"/>
-            <a:ext cx="9065880" cy="1256760"/>
+            <a:ext cx="9065520" cy="1256400"/>
           </a:xfrm>
           <a:prstGeom prst="rect">
             <a:avLst/>
@@ -19756,7 +19760,7 @@
         <p:spPr>
           <a:xfrm>
             <a:off x="4337640" y="1440000"/>
-            <a:ext cx="3513600" cy="4963680"/>
+            <a:ext cx="3513240" cy="4963320"/>
           </a:xfrm>
           <a:prstGeom prst="rect">
             <a:avLst/>
@@ -20114,7 +20118,7 @@
         <p:spPr>
           <a:xfrm>
             <a:off x="1561680" y="0"/>
-            <a:ext cx="9065880" cy="1256760"/>
+            <a:ext cx="9065520" cy="1256400"/>
           </a:xfrm>
           <a:prstGeom prst="rect">
             <a:avLst/>
@@ -20163,7 +20167,7 @@
         <p:spPr>
           <a:xfrm>
             <a:off x="1368000" y="1010880"/>
-            <a:ext cx="5541120" cy="6114240"/>
+            <a:ext cx="5540760" cy="6113880"/>
           </a:xfrm>
           <a:prstGeom prst="rect">
             <a:avLst/>
@@ -20212,7 +20216,7 @@
             </a:endParaRPr>
           </a:p>
           <a:p>
-            <a:pPr marL="285840" indent="-284040">
+            <a:pPr marL="285840" indent="-283680">
               <a:lnSpc>
                 <a:spcPct val="100000"/>
               </a:lnSpc>
@@ -20237,7 +20241,7 @@
             </a:endParaRPr>
           </a:p>
           <a:p>
-            <a:pPr marL="285840" indent="-284040">
+            <a:pPr marL="285840" indent="-283680">
               <a:lnSpc>
                 <a:spcPct val="100000"/>
               </a:lnSpc>
@@ -20262,7 +20266,7 @@
             </a:endParaRPr>
           </a:p>
           <a:p>
-            <a:pPr marL="285840" indent="-284040">
+            <a:pPr marL="285840" indent="-283680">
               <a:lnSpc>
                 <a:spcPct val="100000"/>
               </a:lnSpc>
@@ -20497,7 +20501,7 @@
         <p:spPr>
           <a:xfrm>
             <a:off x="6910920" y="1538640"/>
-            <a:ext cx="5203080" cy="5747400"/>
+            <a:ext cx="5202720" cy="5747040"/>
           </a:xfrm>
           <a:prstGeom prst="rect">
             <a:avLst/>
@@ -20925,7 +20929,7 @@
         <p:spPr>
           <a:xfrm>
             <a:off x="1561680" y="0"/>
-            <a:ext cx="9065880" cy="1256760"/>
+            <a:ext cx="9065520" cy="1256400"/>
           </a:xfrm>
           <a:prstGeom prst="rect">
             <a:avLst/>
@@ -20974,7 +20978,7 @@
         <p:spPr>
           <a:xfrm>
             <a:off x="4396320" y="1170720"/>
-            <a:ext cx="2454120" cy="445320"/>
+            <a:ext cx="2453760" cy="444960"/>
           </a:xfrm>
           <a:prstGeom prst="rect">
             <a:avLst/>
@@ -21030,7 +21034,7 @@
         <p:spPr>
           <a:xfrm>
             <a:off x="741600" y="2052720"/>
-            <a:ext cx="2454120" cy="445320"/>
+            <a:ext cx="2453760" cy="444960"/>
           </a:xfrm>
           <a:prstGeom prst="rect">
             <a:avLst/>
@@ -21086,7 +21090,7 @@
         <p:spPr>
           <a:xfrm>
             <a:off x="7658280" y="2052720"/>
-            <a:ext cx="2454120" cy="445320"/>
+            <a:ext cx="2453760" cy="444960"/>
           </a:xfrm>
           <a:prstGeom prst="rect">
             <a:avLst/>
@@ -21142,7 +21146,7 @@
         <p:spPr>
           <a:xfrm>
             <a:off x="5624280" y="3070440"/>
-            <a:ext cx="2454120" cy="445320"/>
+            <a:ext cx="2453760" cy="444960"/>
           </a:xfrm>
           <a:prstGeom prst="rect">
             <a:avLst/>
@@ -21197,8 +21201,8 @@
         </p:nvSpPr>
         <p:spPr>
           <a:xfrm flipH="1">
-            <a:off x="1968120" y="1394280"/>
-            <a:ext cx="2424960" cy="656640"/>
+            <a:off x="1967400" y="1394280"/>
+            <a:ext cx="2424600" cy="656280"/>
           </a:xfrm>
           <a:custGeom>
             <a:avLst/>
@@ -21251,7 +21255,7 @@
         <p:spPr>
           <a:xfrm>
             <a:off x="6852240" y="1394280"/>
-            <a:ext cx="2032200" cy="656640"/>
+            <a:ext cx="2031840" cy="656280"/>
           </a:xfrm>
           <a:custGeom>
             <a:avLst/>
@@ -21304,7 +21308,7 @@
         <p:spPr>
           <a:xfrm flipH="1">
             <a:off x="6850080" y="2499840"/>
-            <a:ext cx="2032200" cy="568800"/>
+            <a:ext cx="2031840" cy="568440"/>
           </a:xfrm>
           <a:custGeom>
             <a:avLst/>
@@ -21357,7 +21361,7 @@
         <p:spPr>
           <a:xfrm>
             <a:off x="6095520" y="3952800"/>
-            <a:ext cx="2454120" cy="445320"/>
+            <a:ext cx="2453760" cy="444960"/>
           </a:xfrm>
           <a:prstGeom prst="rect">
             <a:avLst/>
@@ -21413,7 +21417,7 @@
         <p:spPr>
           <a:xfrm>
             <a:off x="6095520" y="4746960"/>
-            <a:ext cx="2454120" cy="445320"/>
+            <a:ext cx="2453760" cy="444960"/>
           </a:xfrm>
           <a:prstGeom prst="rect">
             <a:avLst/>
@@ -21500,7 +21504,7 @@
         <p:spPr>
           <a:xfrm>
             <a:off x="5794200" y="4176360"/>
-            <a:ext cx="299520" cy="360"/>
+            <a:ext cx="299160" cy="360"/>
           </a:xfrm>
           <a:custGeom>
             <a:avLst/>
@@ -21553,7 +21557,7 @@
         <p:spPr>
           <a:xfrm>
             <a:off x="5794200" y="4973400"/>
-            <a:ext cx="299520" cy="360"/>
+            <a:ext cx="299160" cy="360"/>
           </a:xfrm>
           <a:custGeom>
             <a:avLst/>
@@ -21606,7 +21610,7 @@
         <p:spPr>
           <a:xfrm>
             <a:off x="6095520" y="5467680"/>
-            <a:ext cx="2454120" cy="445320"/>
+            <a:ext cx="2453760" cy="444960"/>
           </a:xfrm>
           <a:prstGeom prst="rect">
             <a:avLst/>
@@ -21662,7 +21666,7 @@
         <p:spPr>
           <a:xfrm>
             <a:off x="5794200" y="5691240"/>
-            <a:ext cx="299520" cy="360"/>
+            <a:ext cx="299160" cy="360"/>
           </a:xfrm>
           <a:custGeom>
             <a:avLst/>
@@ -21715,7 +21719,7 @@
         <p:spPr>
           <a:xfrm>
             <a:off x="9560160" y="3205440"/>
-            <a:ext cx="2454120" cy="445320"/>
+            <a:ext cx="2453760" cy="444960"/>
           </a:xfrm>
           <a:prstGeom prst="rect">
             <a:avLst/>
@@ -21771,7 +21775,7 @@
         <p:spPr>
           <a:xfrm>
             <a:off x="9560160" y="3952800"/>
-            <a:ext cx="2454120" cy="445320"/>
+            <a:ext cx="2453760" cy="444960"/>
           </a:xfrm>
           <a:prstGeom prst="rect">
             <a:avLst/>
@@ -21858,7 +21862,7 @@
         <p:spPr>
           <a:xfrm>
             <a:off x="9155880" y="3423240"/>
-            <a:ext cx="402480" cy="3960"/>
+            <a:ext cx="402120" cy="3600"/>
           </a:xfrm>
           <a:custGeom>
             <a:avLst/>
@@ -21910,8 +21914,8 @@
         </p:nvSpPr>
         <p:spPr>
           <a:xfrm flipV="1">
-            <a:off x="9155880" y="4147920"/>
-            <a:ext cx="402480" cy="3600"/>
+            <a:off x="9155880" y="4143960"/>
+            <a:ext cx="402120" cy="3240"/>
           </a:xfrm>
           <a:custGeom>
             <a:avLst/>
@@ -21964,7 +21968,7 @@
         <p:spPr>
           <a:xfrm>
             <a:off x="9560160" y="4870800"/>
-            <a:ext cx="2454120" cy="445320"/>
+            <a:ext cx="2453760" cy="444960"/>
           </a:xfrm>
           <a:prstGeom prst="rect">
             <a:avLst/>
@@ -22019,8 +22023,8 @@
         </p:nvSpPr>
         <p:spPr>
           <a:xfrm flipV="1">
-            <a:off x="9155880" y="5065920"/>
-            <a:ext cx="402480" cy="3600"/>
+            <a:off x="9155880" y="5061960"/>
+            <a:ext cx="402120" cy="3240"/>
           </a:xfrm>
           <a:custGeom>
             <a:avLst/>
@@ -22073,7 +22077,7 @@
         <p:spPr>
           <a:xfrm>
             <a:off x="234360" y="3342240"/>
-            <a:ext cx="4602600" cy="2009160"/>
+            <a:ext cx="4602240" cy="2008800"/>
           </a:xfrm>
           <a:prstGeom prst="rect">
             <a:avLst/>
@@ -22201,7 +22205,7 @@
         <p:spPr>
           <a:xfrm>
             <a:off x="1561680" y="0"/>
-            <a:ext cx="9065880" cy="1256760"/>
+            <a:ext cx="9065520" cy="1256400"/>
           </a:xfrm>
           <a:prstGeom prst="rect">
             <a:avLst/>
@@ -22250,7 +22254,7 @@
         <p:spPr>
           <a:xfrm>
             <a:off x="1368000" y="1010880"/>
-            <a:ext cx="10495800" cy="6114240"/>
+            <a:ext cx="10495440" cy="6113880"/>
           </a:xfrm>
           <a:prstGeom prst="rect">
             <a:avLst/>
@@ -22588,7 +22592,7 @@
         <p:spPr>
           <a:xfrm>
             <a:off x="1561680" y="0"/>
-            <a:ext cx="9065880" cy="1256760"/>
+            <a:ext cx="9065520" cy="1256400"/>
           </a:xfrm>
           <a:prstGeom prst="rect">
             <a:avLst/>
@@ -22637,7 +22641,7 @@
         <p:spPr>
           <a:xfrm>
             <a:off x="1368000" y="1010880"/>
-            <a:ext cx="10495800" cy="6114240"/>
+            <a:ext cx="10495440" cy="6113880"/>
           </a:xfrm>
           <a:prstGeom prst="rect">
             <a:avLst/>
@@ -22955,7 +22959,7 @@
         <p:spPr>
           <a:xfrm>
             <a:off x="1561680" y="0"/>
-            <a:ext cx="9065880" cy="1256760"/>
+            <a:ext cx="9065520" cy="1256400"/>
           </a:xfrm>
           <a:prstGeom prst="rect">
             <a:avLst/>
@@ -23004,7 +23008,7 @@
         <p:spPr>
           <a:xfrm>
             <a:off x="587880" y="1946880"/>
-            <a:ext cx="6409800" cy="5105160"/>
+            <a:ext cx="6409440" cy="5104800"/>
           </a:xfrm>
           <a:prstGeom prst="rect">
             <a:avLst/>
@@ -23273,7 +23277,7 @@
         <p:spPr>
           <a:xfrm>
             <a:off x="6999480" y="867600"/>
-            <a:ext cx="4690080" cy="6123960"/>
+            <a:ext cx="4689720" cy="6123600"/>
           </a:xfrm>
           <a:prstGeom prst="rect">
             <a:avLst/>
@@ -23771,7 +23775,7 @@
         <p:spPr>
           <a:xfrm>
             <a:off x="1561680" y="0"/>
-            <a:ext cx="9065880" cy="1256760"/>
+            <a:ext cx="9065520" cy="1256400"/>
           </a:xfrm>
           <a:prstGeom prst="rect">
             <a:avLst/>
@@ -23820,7 +23824,7 @@
         <p:spPr>
           <a:xfrm>
             <a:off x="587880" y="1946880"/>
-            <a:ext cx="6409800" cy="5105160"/>
+            <a:ext cx="6409440" cy="5104800"/>
           </a:xfrm>
           <a:prstGeom prst="rect">
             <a:avLst/>
@@ -23928,7 +23932,7 @@
         <p:spPr>
           <a:xfrm>
             <a:off x="1561680" y="0"/>
-            <a:ext cx="9065880" cy="1256760"/>
+            <a:ext cx="9065520" cy="1256400"/>
           </a:xfrm>
           <a:prstGeom prst="rect">
             <a:avLst/>
@@ -23977,7 +23981,7 @@
         <p:spPr>
           <a:xfrm>
             <a:off x="1368000" y="1224000"/>
-            <a:ext cx="5110560" cy="4457160"/>
+            <a:ext cx="5110200" cy="4456800"/>
           </a:xfrm>
           <a:prstGeom prst="rect">
             <a:avLst/>
@@ -24116,7 +24120,7 @@
         <p:spPr>
           <a:xfrm>
             <a:off x="6864120" y="1800000"/>
-            <a:ext cx="5326560" cy="5747400"/>
+            <a:ext cx="5326200" cy="5747040"/>
           </a:xfrm>
           <a:prstGeom prst="rect">
             <a:avLst/>
@@ -24461,7 +24465,7 @@
         <p:spPr>
           <a:xfrm>
             <a:off x="1561680" y="0"/>
-            <a:ext cx="9065880" cy="1256760"/>
+            <a:ext cx="9065520" cy="1256400"/>
           </a:xfrm>
           <a:prstGeom prst="rect">
             <a:avLst/>
@@ -24510,7 +24514,7 @@
         <p:spPr>
           <a:xfrm>
             <a:off x="1368000" y="1224000"/>
-            <a:ext cx="4750920" cy="4457160"/>
+            <a:ext cx="4750560" cy="4456800"/>
           </a:xfrm>
           <a:prstGeom prst="rect">
             <a:avLst/>
@@ -24569,7 +24573,7 @@
         <p:spPr>
           <a:xfrm>
             <a:off x="6120000" y="1152000"/>
-            <a:ext cx="6118560" cy="5747400"/>
+            <a:ext cx="6118200" cy="5747040"/>
           </a:xfrm>
           <a:prstGeom prst="rect">
             <a:avLst/>
@@ -24884,7 +24888,7 @@
         <p:spPr>
           <a:xfrm>
             <a:off x="504000" y="5400000"/>
-            <a:ext cx="5614920" cy="1222920"/>
+            <a:ext cx="5614560" cy="1222560"/>
           </a:xfrm>
           <a:prstGeom prst="rect">
             <a:avLst/>
@@ -24993,7 +24997,7 @@
         <p:spPr>
           <a:xfrm>
             <a:off x="1561680" y="0"/>
-            <a:ext cx="9065880" cy="1256760"/>
+            <a:ext cx="9065520" cy="1256400"/>
           </a:xfrm>
           <a:prstGeom prst="rect">
             <a:avLst/>
@@ -25042,7 +25046,7 @@
         <p:spPr>
           <a:xfrm>
             <a:off x="1368000" y="1224000"/>
-            <a:ext cx="10295280" cy="4457160"/>
+            <a:ext cx="10294920" cy="4456800"/>
           </a:xfrm>
           <a:prstGeom prst="rect">
             <a:avLst/>
@@ -25141,7 +25145,7 @@
         <p:spPr>
           <a:xfrm>
             <a:off x="3024000" y="3153960"/>
-            <a:ext cx="2454120" cy="445320"/>
+            <a:ext cx="2453760" cy="444960"/>
           </a:xfrm>
           <a:prstGeom prst="rect">
             <a:avLst/>
@@ -25197,7 +25201,7 @@
         <p:spPr>
           <a:xfrm>
             <a:off x="7776000" y="3168000"/>
-            <a:ext cx="2454120" cy="445320"/>
+            <a:ext cx="2453760" cy="444960"/>
           </a:xfrm>
           <a:prstGeom prst="rect">
             <a:avLst/>
@@ -25253,7 +25257,7 @@
         <p:spPr>
           <a:xfrm>
             <a:off x="1001160" y="4305960"/>
-            <a:ext cx="2454120" cy="445320"/>
+            <a:ext cx="2453760" cy="444960"/>
           </a:xfrm>
           <a:prstGeom prst="rect">
             <a:avLst/>
@@ -25309,7 +25313,7 @@
         <p:spPr>
           <a:xfrm>
             <a:off x="4522320" y="4305960"/>
-            <a:ext cx="2454120" cy="445320"/>
+            <a:ext cx="2453760" cy="444960"/>
           </a:xfrm>
           <a:prstGeom prst="rect">
             <a:avLst/>
@@ -25365,7 +25369,7 @@
         <p:spPr>
           <a:xfrm>
             <a:off x="7769160" y="5385960"/>
-            <a:ext cx="2454120" cy="445320"/>
+            <a:ext cx="2453760" cy="444960"/>
           </a:xfrm>
           <a:prstGeom prst="rect">
             <a:avLst/>
@@ -25424,7 +25428,7 @@
         <p:spPr>
           <a:xfrm>
             <a:off x="4529160" y="5400000"/>
-            <a:ext cx="2454120" cy="445320"/>
+            <a:ext cx="2453760" cy="444960"/>
           </a:xfrm>
           <a:prstGeom prst="rect">
             <a:avLst/>
@@ -25483,7 +25487,7 @@
         <p:spPr>
           <a:xfrm>
             <a:off x="1008000" y="5457960"/>
-            <a:ext cx="2454120" cy="445320"/>
+            <a:ext cx="2453760" cy="444960"/>
           </a:xfrm>
           <a:prstGeom prst="rect">
             <a:avLst/>
@@ -25541,8 +25545,8 @@
         </p:nvSpPr>
         <p:spPr>
           <a:xfrm flipH="1">
-            <a:off x="2231280" y="3600000"/>
-            <a:ext cx="1704960" cy="656640"/>
+            <a:off x="2230560" y="3600000"/>
+            <a:ext cx="1704600" cy="656280"/>
           </a:xfrm>
           <a:custGeom>
             <a:avLst/>
@@ -25595,7 +25599,7 @@
         <p:spPr>
           <a:xfrm>
             <a:off x="4729680" y="3610440"/>
-            <a:ext cx="1101600" cy="694800"/>
+            <a:ext cx="1101240" cy="694440"/>
           </a:xfrm>
           <a:custGeom>
             <a:avLst/>
@@ -25647,8 +25651,8 @@
         </p:nvSpPr>
         <p:spPr>
           <a:xfrm flipH="1">
-            <a:off x="2230200" y="4752000"/>
-            <a:ext cx="360" cy="647280"/>
+            <a:off x="2229480" y="4752000"/>
+            <a:ext cx="360" cy="646920"/>
           </a:xfrm>
           <a:custGeom>
             <a:avLst/>
@@ -25700,8 +25704,8 @@
         </p:nvSpPr>
         <p:spPr>
           <a:xfrm flipH="1">
-            <a:off x="5758200" y="4752000"/>
-            <a:ext cx="360" cy="647280"/>
+            <a:off x="5757480" y="4752000"/>
+            <a:ext cx="360" cy="646920"/>
           </a:xfrm>
           <a:custGeom>
             <a:avLst/>
@@ -25753,8 +25757,8 @@
         </p:nvSpPr>
         <p:spPr>
           <a:xfrm flipH="1">
-            <a:off x="8998200" y="3614040"/>
-            <a:ext cx="360" cy="1771200"/>
+            <a:off x="8997480" y="3614040"/>
+            <a:ext cx="360" cy="1770840"/>
           </a:xfrm>
           <a:custGeom>
             <a:avLst/>
@@ -25856,7 +25860,7 @@
         <p:spPr>
           <a:xfrm>
             <a:off x="1561680" y="0"/>
-            <a:ext cx="9065880" cy="1256760"/>
+            <a:ext cx="9065520" cy="1256400"/>
           </a:xfrm>
           <a:prstGeom prst="rect">
             <a:avLst/>
@@ -25905,7 +25909,7 @@
         <p:spPr>
           <a:xfrm>
             <a:off x="1368000" y="1224000"/>
-            <a:ext cx="4607280" cy="5327280"/>
+            <a:ext cx="4606920" cy="5326920"/>
           </a:xfrm>
           <a:prstGeom prst="rect">
             <a:avLst/>
@@ -25984,7 +25988,7 @@
         <p:spPr>
           <a:xfrm>
             <a:off x="6264000" y="1080000"/>
-            <a:ext cx="5759280" cy="5472720"/>
+            <a:ext cx="5758920" cy="5472360"/>
           </a:xfrm>
           <a:prstGeom prst="rect">
             <a:avLst/>
@@ -26268,7 +26272,7 @@
         <p:spPr>
           <a:xfrm>
             <a:off x="1561680" y="0"/>
-            <a:ext cx="9065880" cy="1256760"/>
+            <a:ext cx="9065520" cy="1256400"/>
           </a:xfrm>
           <a:prstGeom prst="rect">
             <a:avLst/>
@@ -26317,7 +26321,7 @@
         <p:spPr>
           <a:xfrm>
             <a:off x="861840" y="1728360"/>
-            <a:ext cx="5398200" cy="4963680"/>
+            <a:ext cx="5397840" cy="4963320"/>
           </a:xfrm>
           <a:prstGeom prst="rect">
             <a:avLst/>
@@ -26366,7 +26370,7 @@
         <p:spPr>
           <a:xfrm>
             <a:off x="1703520" y="1728360"/>
-            <a:ext cx="8782200" cy="4963680"/>
+            <a:ext cx="8781840" cy="4963320"/>
           </a:xfrm>
           <a:prstGeom prst="rect">
             <a:avLst/>
@@ -26634,7 +26638,7 @@
         <p:spPr>
           <a:xfrm>
             <a:off x="1561680" y="0"/>
-            <a:ext cx="9065880" cy="1256760"/>
+            <a:ext cx="9065520" cy="1256400"/>
           </a:xfrm>
           <a:prstGeom prst="rect">
             <a:avLst/>
@@ -26683,7 +26687,7 @@
         <p:spPr>
           <a:xfrm>
             <a:off x="1368000" y="1224000"/>
-            <a:ext cx="4751280" cy="5327280"/>
+            <a:ext cx="4750920" cy="5326920"/>
           </a:xfrm>
           <a:prstGeom prst="rect">
             <a:avLst/>
@@ -26872,7 +26876,7 @@
         <p:spPr>
           <a:xfrm>
             <a:off x="6264000" y="2376000"/>
-            <a:ext cx="5759280" cy="2447280"/>
+            <a:ext cx="5758920" cy="2446920"/>
           </a:xfrm>
           <a:prstGeom prst="rect">
             <a:avLst/>
@@ -27057,7 +27061,7 @@
         <p:spPr>
           <a:xfrm>
             <a:off x="1561680" y="0"/>
-            <a:ext cx="9065880" cy="1256760"/>
+            <a:ext cx="9065520" cy="1256400"/>
           </a:xfrm>
           <a:prstGeom prst="rect">
             <a:avLst/>
@@ -27106,7 +27110,7 @@
         <p:spPr>
           <a:xfrm>
             <a:off x="1368000" y="1224000"/>
-            <a:ext cx="4607280" cy="5327280"/>
+            <a:ext cx="4606920" cy="5326920"/>
           </a:xfrm>
           <a:prstGeom prst="rect">
             <a:avLst/>
@@ -27255,7 +27259,7 @@
         <p:spPr>
           <a:xfrm>
             <a:off x="5976000" y="1944000"/>
-            <a:ext cx="5759280" cy="3566520"/>
+            <a:ext cx="5758920" cy="3566160"/>
           </a:xfrm>
           <a:prstGeom prst="rect">
             <a:avLst/>
@@ -27483,7 +27487,7 @@
         <p:spPr>
           <a:xfrm>
             <a:off x="1561680" y="0"/>
-            <a:ext cx="9065880" cy="1256760"/>
+            <a:ext cx="9065520" cy="1256400"/>
           </a:xfrm>
           <a:prstGeom prst="rect">
             <a:avLst/>
@@ -27532,7 +27536,7 @@
         <p:spPr>
           <a:xfrm>
             <a:off x="1080000" y="1224000"/>
-            <a:ext cx="10943640" cy="5327280"/>
+            <a:ext cx="10943280" cy="5326920"/>
           </a:xfrm>
           <a:prstGeom prst="rect">
             <a:avLst/>
@@ -27830,7 +27834,7 @@
         <p:spPr>
           <a:xfrm>
             <a:off x="1561680" y="0"/>
-            <a:ext cx="9065880" cy="1256760"/>
+            <a:ext cx="9065520" cy="1256400"/>
           </a:xfrm>
           <a:prstGeom prst="rect">
             <a:avLst/>
@@ -27879,7 +27883,7 @@
         <p:spPr>
           <a:xfrm>
             <a:off x="1137960" y="1050840"/>
-            <a:ext cx="10943640" cy="5327280"/>
+            <a:ext cx="10943280" cy="5326920"/>
           </a:xfrm>
           <a:prstGeom prst="rect">
             <a:avLst/>
@@ -28207,7 +28211,7 @@
         <p:spPr>
           <a:xfrm>
             <a:off x="1561680" y="0"/>
-            <a:ext cx="9065880" cy="1256760"/>
+            <a:ext cx="9065520" cy="1256400"/>
           </a:xfrm>
           <a:prstGeom prst="rect">
             <a:avLst/>
@@ -28249,14 +28253,14 @@
       </p:sp>
       <p:sp>
         <p:nvSpPr>
-          <p:cNvPr id="251" name="TextShape 2"/>
-          <p:cNvSpPr txBox="1"/>
+          <p:cNvPr id="251" name="CustomShape 2"/>
+          <p:cNvSpPr/>
           <p:nvPr/>
         </p:nvSpPr>
         <p:spPr>
           <a:xfrm>
             <a:off x="720000" y="1728000"/>
-            <a:ext cx="9864000" cy="4340160"/>
+            <a:ext cx="9863640" cy="4339800"/>
           </a:xfrm>
           <a:prstGeom prst="rect">
             <a:avLst/>
@@ -28266,9 +28270,20 @@
             <a:noFill/>
           </a:ln>
         </p:spPr>
+        <p:style>
+          <a:lnRef idx="0"/>
+          <a:fillRef idx="0"/>
+          <a:effectRef idx="0"/>
+          <a:fontRef idx="minor"/>
+        </p:style>
         <p:txBody>
           <a:bodyPr lIns="90000" rIns="90000" tIns="45000" bIns="45000"/>
           <a:p>
+            <a:pPr>
+              <a:lnSpc>
+                <a:spcPct val="100000"/>
+              </a:lnSpc>
+            </a:pPr>
             <a:r>
               <a:rPr b="0" lang="pl-PL" sz="2000" spc="-1" strike="noStrike">
                 <a:solidFill>
@@ -28376,29 +28391,35 @@
               <a:t>}</a:t>
             </a:r>
             <a:endParaRPr b="0" lang="pl-PL" sz="2000" spc="-1" strike="noStrike">
-              <a:solidFill>
-                <a:srgbClr val="ffffff"/>
-              </a:solidFill>
-              <a:latin typeface="Arial"/>
-            </a:endParaRPr>
-          </a:p>
-          <a:p>
+              <a:latin typeface="Arial"/>
+            </a:endParaRPr>
+          </a:p>
+          <a:p>
+            <a:pPr>
+              <a:lnSpc>
+                <a:spcPct val="100000"/>
+              </a:lnSpc>
+            </a:pPr>
             <a:endParaRPr b="0" lang="pl-PL" sz="2000" spc="-1" strike="noStrike">
-              <a:solidFill>
-                <a:srgbClr val="ffffff"/>
-              </a:solidFill>
-              <a:latin typeface="Arial"/>
-            </a:endParaRPr>
-          </a:p>
-          <a:p>
+              <a:latin typeface="Arial"/>
+            </a:endParaRPr>
+          </a:p>
+          <a:p>
+            <a:pPr>
+              <a:lnSpc>
+                <a:spcPct val="100000"/>
+              </a:lnSpc>
+            </a:pPr>
             <a:endParaRPr b="0" lang="pl-PL" sz="2000" spc="-1" strike="noStrike">
-              <a:solidFill>
-                <a:srgbClr val="ffffff"/>
-              </a:solidFill>
-              <a:latin typeface="Arial"/>
-            </a:endParaRPr>
-          </a:p>
-          <a:p>
+              <a:latin typeface="Arial"/>
+            </a:endParaRPr>
+          </a:p>
+          <a:p>
+            <a:pPr>
+              <a:lnSpc>
+                <a:spcPct val="100000"/>
+              </a:lnSpc>
+            </a:pPr>
             <a:r>
               <a:rPr b="0" lang="pl-PL" sz="2000" spc="-1" strike="noStrike">
                 <a:solidFill>
@@ -28528,7 +28549,7 @@
         <p:spPr>
           <a:xfrm>
             <a:off x="1561680" y="0"/>
-            <a:ext cx="9065880" cy="1256760"/>
+            <a:ext cx="9065520" cy="1256400"/>
           </a:xfrm>
           <a:prstGeom prst="rect">
             <a:avLst/>
@@ -28570,14 +28591,14 @@
       </p:sp>
       <p:sp>
         <p:nvSpPr>
-          <p:cNvPr id="253" name="TextShape 2"/>
-          <p:cNvSpPr txBox="1"/>
+          <p:cNvPr id="253" name="CustomShape 2"/>
+          <p:cNvSpPr/>
           <p:nvPr/>
         </p:nvSpPr>
         <p:spPr>
           <a:xfrm>
             <a:off x="720000" y="1728000"/>
-            <a:ext cx="9864000" cy="4623480"/>
+            <a:ext cx="9863640" cy="4623120"/>
           </a:xfrm>
           <a:prstGeom prst="rect">
             <a:avLst/>
@@ -28587,9 +28608,20 @@
             <a:noFill/>
           </a:ln>
         </p:spPr>
+        <p:style>
+          <a:lnRef idx="0"/>
+          <a:fillRef idx="0"/>
+          <a:effectRef idx="0"/>
+          <a:fontRef idx="minor"/>
+        </p:style>
         <p:txBody>
           <a:bodyPr lIns="90000" rIns="90000" tIns="45000" bIns="45000"/>
           <a:p>
+            <a:pPr>
+              <a:lnSpc>
+                <a:spcPct val="100000"/>
+              </a:lnSpc>
+            </a:pPr>
             <a:r>
               <a:rPr b="0" lang="pl-PL" sz="2000" spc="-1" strike="noStrike">
                 <a:solidFill>
@@ -28697,29 +28729,35 @@
               <a:t>}</a:t>
             </a:r>
             <a:endParaRPr b="0" lang="pl-PL" sz="2000" spc="-1" strike="noStrike">
-              <a:solidFill>
-                <a:srgbClr val="ffffff"/>
-              </a:solidFill>
-              <a:latin typeface="Arial"/>
-            </a:endParaRPr>
-          </a:p>
-          <a:p>
+              <a:latin typeface="Arial"/>
+            </a:endParaRPr>
+          </a:p>
+          <a:p>
+            <a:pPr>
+              <a:lnSpc>
+                <a:spcPct val="100000"/>
+              </a:lnSpc>
+            </a:pPr>
             <a:endParaRPr b="0" lang="pl-PL" sz="2000" spc="-1" strike="noStrike">
-              <a:solidFill>
-                <a:srgbClr val="ffffff"/>
-              </a:solidFill>
-              <a:latin typeface="Arial"/>
-            </a:endParaRPr>
-          </a:p>
-          <a:p>
+              <a:latin typeface="Arial"/>
+            </a:endParaRPr>
+          </a:p>
+          <a:p>
+            <a:pPr>
+              <a:lnSpc>
+                <a:spcPct val="100000"/>
+              </a:lnSpc>
+            </a:pPr>
             <a:endParaRPr b="0" lang="pl-PL" sz="2000" spc="-1" strike="noStrike">
-              <a:solidFill>
-                <a:srgbClr val="ffffff"/>
-              </a:solidFill>
-              <a:latin typeface="Arial"/>
-            </a:endParaRPr>
-          </a:p>
-          <a:p>
+              <a:latin typeface="Arial"/>
+            </a:endParaRPr>
+          </a:p>
+          <a:p>
+            <a:pPr>
+              <a:lnSpc>
+                <a:spcPct val="100000"/>
+              </a:lnSpc>
+            </a:pPr>
             <a:r>
               <a:rPr b="0" lang="pl-PL" sz="2000" spc="-1" strike="noStrike">
                 <a:solidFill>
@@ -28860,7 +28898,7 @@
         <p:spPr>
           <a:xfrm>
             <a:off x="1561680" y="0"/>
-            <a:ext cx="9065880" cy="1256760"/>
+            <a:ext cx="9065520" cy="1256400"/>
           </a:xfrm>
           <a:prstGeom prst="rect">
             <a:avLst/>
@@ -28902,14 +28940,1596 @@
       </p:sp>
       <p:sp>
         <p:nvSpPr>
-          <p:cNvPr id="255" name="TextShape 2"/>
+          <p:cNvPr id="255" name="CustomShape 2"/>
+          <p:cNvSpPr/>
+          <p:nvPr/>
+        </p:nvSpPr>
+        <p:spPr>
+          <a:xfrm>
+            <a:off x="864000" y="1655640"/>
+            <a:ext cx="5255640" cy="4752000"/>
+          </a:xfrm>
+          <a:prstGeom prst="rect">
+            <a:avLst/>
+          </a:prstGeom>
+          <a:noFill/>
+          <a:ln>
+            <a:noFill/>
+          </a:ln>
+        </p:spPr>
+        <p:style>
+          <a:lnRef idx="0"/>
+          <a:fillRef idx="0"/>
+          <a:effectRef idx="0"/>
+          <a:fontRef idx="minor"/>
+        </p:style>
+        <p:txBody>
+          <a:bodyPr lIns="90000" rIns="90000" tIns="45000" bIns="45000"/>
+          <a:p>
+            <a:pPr>
+              <a:lnSpc>
+                <a:spcPct val="100000"/>
+              </a:lnSpc>
+            </a:pPr>
+            <a:r>
+              <a:rPr b="0" lang="pl-PL" sz="1800" spc="-1" strike="noStrike">
+                <a:solidFill>
+                  <a:srgbClr val="ffffff"/>
+                </a:solidFill>
+                <a:latin typeface="Arial"/>
+                <a:ea typeface="Courier New"/>
+              </a:rPr>
+              <a:t>public class MyThread implements Callable&lt;String&gt; {</a:t>
+            </a:r>
+            <a:br/>
+            <a:br/>
+            <a:r>
+              <a:rPr b="0" lang="pl-PL" sz="1800" spc="-1" strike="noStrike">
+                <a:solidFill>
+                  <a:srgbClr val="ffffff"/>
+                </a:solidFill>
+                <a:latin typeface="Arial"/>
+                <a:ea typeface="Courier New"/>
+              </a:rPr>
+              <a:t>    private int number;</a:t>
+            </a:r>
+            <a:br/>
+            <a:br/>
+            <a:r>
+              <a:rPr b="0" lang="pl-PL" sz="1800" spc="-1" strike="noStrike">
+                <a:solidFill>
+                  <a:srgbClr val="ffffff"/>
+                </a:solidFill>
+                <a:latin typeface="Arial"/>
+                <a:ea typeface="Courier New"/>
+              </a:rPr>
+              <a:t>    public MyThread(int number) {</a:t>
+            </a:r>
+            <a:br/>
+            <a:r>
+              <a:rPr b="0" lang="pl-PL" sz="1800" spc="-1" strike="noStrike">
+                <a:solidFill>
+                  <a:srgbClr val="ffffff"/>
+                </a:solidFill>
+                <a:latin typeface="Arial"/>
+                <a:ea typeface="Courier New"/>
+              </a:rPr>
+              <a:t>        this.number = number;</a:t>
+            </a:r>
+            <a:br/>
+            <a:r>
+              <a:rPr b="0" lang="pl-PL" sz="1800" spc="-1" strike="noStrike">
+                <a:solidFill>
+                  <a:srgbClr val="ffffff"/>
+                </a:solidFill>
+                <a:latin typeface="Arial"/>
+                <a:ea typeface="Courier New"/>
+              </a:rPr>
+              <a:t>    }</a:t>
+            </a:r>
+            <a:br/>
+            <a:br/>
+            <a:r>
+              <a:rPr b="0" lang="pl-PL" sz="1800" spc="-1" strike="noStrike">
+                <a:solidFill>
+                  <a:srgbClr val="ffffff"/>
+                </a:solidFill>
+                <a:latin typeface="Arial"/>
+                <a:ea typeface="Courier New"/>
+              </a:rPr>
+              <a:t>    @Override</a:t>
+            </a:r>
+            <a:br/>
+            <a:r>
+              <a:rPr b="0" lang="pl-PL" sz="1800" spc="-1" strike="noStrike">
+                <a:solidFill>
+                  <a:srgbClr val="ffffff"/>
+                </a:solidFill>
+                <a:latin typeface="Arial"/>
+                <a:ea typeface="Courier New"/>
+              </a:rPr>
+              <a:t>    public String call() {</a:t>
+            </a:r>
+            <a:br/>
+            <a:r>
+              <a:rPr b="0" lang="pl-PL" sz="1800" spc="-1" strike="noStrike">
+                <a:solidFill>
+                  <a:srgbClr val="ffffff"/>
+                </a:solidFill>
+                <a:latin typeface="Arial"/>
+                <a:ea typeface="Courier New"/>
+              </a:rPr>
+              <a:t>        return "Number: " + number + " Pracuje w watku: "</a:t>
+            </a:r>
+            <a:endParaRPr b="0" lang="pl-PL" sz="1800" spc="-1" strike="noStrike">
+              <a:latin typeface="Arial"/>
+            </a:endParaRPr>
+          </a:p>
+          <a:p>
+            <a:pPr>
+              <a:lnSpc>
+                <a:spcPct val="100000"/>
+              </a:lnSpc>
+            </a:pPr>
+            <a:r>
+              <a:rPr b="0" lang="pl-PL" sz="1800" spc="-1" strike="noStrike">
+                <a:solidFill>
+                  <a:srgbClr val="ffffff"/>
+                </a:solidFill>
+                <a:latin typeface="Arial"/>
+                <a:ea typeface="Courier New"/>
+              </a:rPr>
+              <a:t>      </a:t>
+            </a:r>
+            <a:r>
+              <a:rPr b="0" lang="pl-PL" sz="1800" spc="-1" strike="noStrike">
+                <a:solidFill>
+                  <a:srgbClr val="ffffff"/>
+                </a:solidFill>
+                <a:latin typeface="Arial"/>
+                <a:ea typeface="Courier New"/>
+              </a:rPr>
+              <a:t>+ Thread.</a:t>
+            </a:r>
+            <a:r>
+              <a:rPr b="0" i="1" lang="pl-PL" sz="1800" spc="-1" strike="noStrike">
+                <a:solidFill>
+                  <a:srgbClr val="ffffff"/>
+                </a:solidFill>
+                <a:latin typeface="Arial"/>
+                <a:ea typeface="Courier New"/>
+              </a:rPr>
+              <a:t>currentThread</a:t>
+            </a:r>
+            <a:r>
+              <a:rPr b="0" lang="pl-PL" sz="1800" spc="-1" strike="noStrike">
+                <a:solidFill>
+                  <a:srgbClr val="ffffff"/>
+                </a:solidFill>
+                <a:latin typeface="Arial"/>
+                <a:ea typeface="Courier New"/>
+              </a:rPr>
+              <a:t>().getId();</a:t>
+            </a:r>
+            <a:br/>
+            <a:r>
+              <a:rPr b="0" lang="pl-PL" sz="1800" spc="-1" strike="noStrike">
+                <a:solidFill>
+                  <a:srgbClr val="ffffff"/>
+                </a:solidFill>
+                <a:latin typeface="Arial"/>
+                <a:ea typeface="Courier New"/>
+              </a:rPr>
+              <a:t>    }</a:t>
+            </a:r>
+            <a:br/>
+            <a:r>
+              <a:rPr b="0" lang="pl-PL" sz="1800" spc="-1" strike="noStrike">
+                <a:solidFill>
+                  <a:srgbClr val="ffffff"/>
+                </a:solidFill>
+                <a:latin typeface="Arial"/>
+                <a:ea typeface="Courier New"/>
+              </a:rPr>
+              <a:t>}</a:t>
+            </a:r>
+            <a:endParaRPr b="0" lang="pl-PL" sz="1800" spc="-1" strike="noStrike">
+              <a:latin typeface="Arial"/>
+            </a:endParaRPr>
+          </a:p>
+          <a:p>
+            <a:pPr>
+              <a:lnSpc>
+                <a:spcPct val="100000"/>
+              </a:lnSpc>
+            </a:pPr>
+            <a:endParaRPr b="0" lang="pl-PL" sz="1800" spc="-1" strike="noStrike">
+              <a:latin typeface="Arial"/>
+            </a:endParaRPr>
+          </a:p>
+          <a:p>
+            <a:pPr>
+              <a:lnSpc>
+                <a:spcPct val="100000"/>
+              </a:lnSpc>
+            </a:pPr>
+            <a:endParaRPr b="0" lang="pl-PL" sz="1800" spc="-1" strike="noStrike">
+              <a:latin typeface="Arial"/>
+            </a:endParaRPr>
+          </a:p>
+        </p:txBody>
+      </p:sp>
+      <p:sp>
+        <p:nvSpPr>
+          <p:cNvPr id="256" name="CustomShape 3"/>
+          <p:cNvSpPr/>
+          <p:nvPr/>
+        </p:nvSpPr>
+        <p:spPr>
+          <a:xfrm>
+            <a:off x="6264000" y="1368000"/>
+            <a:ext cx="5471640" cy="5465160"/>
+          </a:xfrm>
+          <a:prstGeom prst="rect">
+            <a:avLst/>
+          </a:prstGeom>
+          <a:noFill/>
+          <a:ln>
+            <a:noFill/>
+          </a:ln>
+        </p:spPr>
+        <p:style>
+          <a:lnRef idx="0"/>
+          <a:fillRef idx="0"/>
+          <a:effectRef idx="0"/>
+          <a:fontRef idx="minor"/>
+        </p:style>
+        <p:txBody>
+          <a:bodyPr lIns="90000" rIns="90000" tIns="45000" bIns="45000"/>
+          <a:p>
+            <a:pPr>
+              <a:lnSpc>
+                <a:spcPct val="100000"/>
+              </a:lnSpc>
+            </a:pPr>
+            <a:r>
+              <a:rPr b="0" lang="pl-PL" sz="1800" spc="-1" strike="noStrike">
+                <a:solidFill>
+                  <a:srgbClr val="ffffff"/>
+                </a:solidFill>
+                <a:latin typeface="Arial"/>
+                <a:ea typeface="Courier New"/>
+              </a:rPr>
+              <a:t>ExecutorService executor = Executors.</a:t>
+            </a:r>
+            <a:r>
+              <a:rPr b="0" i="1" lang="pl-PL" sz="1800" spc="-1" strike="noStrike">
+                <a:solidFill>
+                  <a:srgbClr val="ffffff"/>
+                </a:solidFill>
+                <a:latin typeface="Arial"/>
+                <a:ea typeface="Courier New"/>
+              </a:rPr>
+              <a:t>newFixedThreadPool</a:t>
+            </a:r>
+            <a:r>
+              <a:rPr b="0" lang="pl-PL" sz="1800" spc="-1" strike="noStrike">
+                <a:solidFill>
+                  <a:srgbClr val="ffffff"/>
+                </a:solidFill>
+                <a:latin typeface="Arial"/>
+                <a:ea typeface="Courier New"/>
+              </a:rPr>
+              <a:t>(10);</a:t>
+            </a:r>
+            <a:br/>
+            <a:r>
+              <a:rPr b="0" lang="pl-PL" sz="1800" spc="-1" strike="noStrike">
+                <a:solidFill>
+                  <a:srgbClr val="ffffff"/>
+                </a:solidFill>
+                <a:latin typeface="Arial"/>
+                <a:ea typeface="Courier New"/>
+              </a:rPr>
+              <a:t>List&lt;Future&lt;String&gt;&gt; list = new ArrayList&lt;&gt;();</a:t>
+            </a:r>
+            <a:br/>
+            <a:br/>
+            <a:r>
+              <a:rPr b="0" lang="pl-PL" sz="1800" spc="-1" strike="noStrike">
+                <a:solidFill>
+                  <a:srgbClr val="ffffff"/>
+                </a:solidFill>
+                <a:latin typeface="Arial"/>
+                <a:ea typeface="Courier New"/>
+              </a:rPr>
+              <a:t>for(int i=0; i&lt; 100; i++){</a:t>
+            </a:r>
+            <a:br/>
+            <a:r>
+              <a:rPr b="0" lang="pl-PL" sz="1800" spc="-1" strike="noStrike">
+                <a:solidFill>
+                  <a:srgbClr val="ffffff"/>
+                </a:solidFill>
+                <a:latin typeface="Arial"/>
+                <a:ea typeface="Courier New"/>
+              </a:rPr>
+              <a:t>    Callable&lt;String&gt; callable = new MyThread (i);</a:t>
+            </a:r>
+            <a:br/>
+            <a:r>
+              <a:rPr b="0" lang="pl-PL" sz="1800" spc="-1" strike="noStrike">
+                <a:solidFill>
+                  <a:srgbClr val="ffffff"/>
+                </a:solidFill>
+                <a:latin typeface="Arial"/>
+                <a:ea typeface="Courier New"/>
+              </a:rPr>
+              <a:t>    Future&lt;String&gt; future = executor.submit(callable);</a:t>
+            </a:r>
+            <a:br/>
+            <a:r>
+              <a:rPr b="0" lang="pl-PL" sz="1800" spc="-1" strike="noStrike">
+                <a:solidFill>
+                  <a:srgbClr val="ffffff"/>
+                </a:solidFill>
+                <a:latin typeface="Arial"/>
+                <a:ea typeface="Courier New"/>
+              </a:rPr>
+              <a:t>    list.add(future);</a:t>
+            </a:r>
+            <a:br/>
+            <a:r>
+              <a:rPr b="0" lang="pl-PL" sz="1800" spc="-1" strike="noStrike">
+                <a:solidFill>
+                  <a:srgbClr val="ffffff"/>
+                </a:solidFill>
+                <a:latin typeface="Arial"/>
+                <a:ea typeface="Courier New"/>
+              </a:rPr>
+              <a:t>}</a:t>
+            </a:r>
+            <a:endParaRPr b="0" lang="pl-PL" sz="1800" spc="-1" strike="noStrike">
+              <a:latin typeface="Arial"/>
+            </a:endParaRPr>
+          </a:p>
+          <a:p>
+            <a:pPr>
+              <a:lnSpc>
+                <a:spcPct val="100000"/>
+              </a:lnSpc>
+            </a:pPr>
+            <a:br/>
+            <a:r>
+              <a:rPr b="0" lang="pl-PL" sz="1800" spc="-1" strike="noStrike">
+                <a:solidFill>
+                  <a:srgbClr val="ffffff"/>
+                </a:solidFill>
+                <a:latin typeface="Arial"/>
+                <a:ea typeface="Courier New"/>
+              </a:rPr>
+              <a:t>for(Future&lt;String&gt; fut : list){</a:t>
+            </a:r>
+            <a:br/>
+            <a:r>
+              <a:rPr b="0" lang="pl-PL" sz="1800" spc="-1" strike="noStrike">
+                <a:solidFill>
+                  <a:srgbClr val="ffffff"/>
+                </a:solidFill>
+                <a:latin typeface="Arial"/>
+                <a:ea typeface="Courier New"/>
+              </a:rPr>
+              <a:t>    try {</a:t>
+            </a:r>
+            <a:br/>
+            <a:r>
+              <a:rPr b="0" lang="pl-PL" sz="1800" spc="-1" strike="noStrike">
+                <a:solidFill>
+                  <a:srgbClr val="ffffff"/>
+                </a:solidFill>
+                <a:latin typeface="Arial"/>
+                <a:ea typeface="Courier New"/>
+              </a:rPr>
+              <a:t>        System.</a:t>
+            </a:r>
+            <a:r>
+              <a:rPr b="0" i="1" lang="pl-PL" sz="1800" spc="-1" strike="noStrike">
+                <a:solidFill>
+                  <a:srgbClr val="ffffff"/>
+                </a:solidFill>
+                <a:latin typeface="Arial"/>
+                <a:ea typeface="Courier New"/>
+              </a:rPr>
+              <a:t>out</a:t>
+            </a:r>
+            <a:r>
+              <a:rPr b="0" lang="pl-PL" sz="1800" spc="-1" strike="noStrike">
+                <a:solidFill>
+                  <a:srgbClr val="ffffff"/>
+                </a:solidFill>
+                <a:latin typeface="Arial"/>
+                <a:ea typeface="Courier New"/>
+              </a:rPr>
+              <a:t>.println(new Date()+ "-"+fut.get());</a:t>
+            </a:r>
+            <a:br/>
+            <a:r>
+              <a:rPr b="0" lang="pl-PL" sz="1800" spc="-1" strike="noStrike">
+                <a:solidFill>
+                  <a:srgbClr val="ffffff"/>
+                </a:solidFill>
+                <a:latin typeface="Arial"/>
+                <a:ea typeface="Courier New"/>
+              </a:rPr>
+              <a:t>    } catch (InterruptedException | ExecutionException e) {</a:t>
+            </a:r>
+            <a:br/>
+            <a:r>
+              <a:rPr b="0" lang="pl-PL" sz="1800" spc="-1" strike="noStrike">
+                <a:solidFill>
+                  <a:srgbClr val="ffffff"/>
+                </a:solidFill>
+                <a:latin typeface="Arial"/>
+                <a:ea typeface="Courier New"/>
+              </a:rPr>
+              <a:t>        e.printStackTrace();</a:t>
+            </a:r>
+            <a:br/>
+            <a:r>
+              <a:rPr b="0" lang="pl-PL" sz="1800" spc="-1" strike="noStrike">
+                <a:solidFill>
+                  <a:srgbClr val="ffffff"/>
+                </a:solidFill>
+                <a:latin typeface="Arial"/>
+                <a:ea typeface="Courier New"/>
+              </a:rPr>
+              <a:t>    }</a:t>
+            </a:r>
+            <a:br/>
+            <a:r>
+              <a:rPr b="0" lang="pl-PL" sz="1800" spc="-1" strike="noStrike">
+                <a:solidFill>
+                  <a:srgbClr val="ffffff"/>
+                </a:solidFill>
+                <a:latin typeface="Arial"/>
+                <a:ea typeface="Courier New"/>
+              </a:rPr>
+              <a:t>}</a:t>
+            </a:r>
+            <a:br/>
+            <a:r>
+              <a:rPr b="0" lang="pl-PL" sz="1800" spc="-1" strike="noStrike">
+                <a:solidFill>
+                  <a:srgbClr val="ffffff"/>
+                </a:solidFill>
+                <a:latin typeface="Arial"/>
+                <a:ea typeface="Courier New"/>
+              </a:rPr>
+              <a:t>executor.shutdown();</a:t>
+            </a:r>
+            <a:endParaRPr b="0" lang="pl-PL" sz="1800" spc="-1" strike="noStrike">
+              <a:latin typeface="Arial"/>
+            </a:endParaRPr>
+          </a:p>
+        </p:txBody>
+      </p:sp>
+    </p:spTree>
+  </p:cSld>
+  <p:timing>
+    <p:tnLst>
+      <p:par>
+        <p:cTn id="91" dur="indefinite" restart="never" nodeType="tmRoot">
+          <p:childTnLst>
+            <p:seq>
+              <p:cTn id="92" dur="indefinite" nodeType="mainSeq"/>
+              <p:prevCondLst>
+                <p:cond delay="0" evt="onPrev">
+                  <p:tgtEl>
+                    <p:sldTgt/>
+                  </p:tgtEl>
+                </p:cond>
+              </p:prevCondLst>
+              <p:nextCondLst>
+                <p:cond delay="0" evt="onNext">
+                  <p:tgtEl>
+                    <p:sldTgt/>
+                  </p:tgtEl>
+                </p:cond>
+              </p:nextCondLst>
+            </p:seq>
+          </p:childTnLst>
+        </p:cTn>
+      </p:par>
+    </p:tnLst>
+  </p:timing>
+</p:sld>
+</file>
+
+<file path=ppt/slides/slide47.xml><?xml version="1.0" encoding="utf-8"?>
+<p:sld xmlns:a="http://schemas.openxmlformats.org/drawingml/2006/main" xmlns:p="http://schemas.openxmlformats.org/presentationml/2006/main" xmlns:r="http://schemas.openxmlformats.org/officeDocument/2006/relationships" xmlns:p14="http://schemas.microsoft.com/office/powerpoint/2010/main" xmlns:p15="http://schemas.microsoft.com/office/powerpoint/2012/main" xmlns:mc="http://schemas.openxmlformats.org/markup-compatibility/2006">
+  <p:cSld>
+    <p:spTree>
+      <p:nvGrpSpPr>
+        <p:cNvPr id="1" name=""/>
+        <p:cNvGrpSpPr/>
+        <p:nvPr/>
+      </p:nvGrpSpPr>
+      <p:grpSpPr>
+        <a:xfrm>
+          <a:off x="0" y="0"/>
+          <a:ext cx="0" cy="0"/>
+          <a:chOff x="0" y="0"/>
+          <a:chExt cx="0" cy="0"/>
+        </a:xfrm>
+      </p:grpSpPr>
+      <p:sp>
+        <p:nvSpPr>
+          <p:cNvPr id="257" name="CustomShape 1"/>
+          <p:cNvSpPr/>
+          <p:nvPr/>
+        </p:nvSpPr>
+        <p:spPr>
+          <a:xfrm>
+            <a:off x="1561680" y="0"/>
+            <a:ext cx="9065520" cy="1256400"/>
+          </a:xfrm>
+          <a:prstGeom prst="rect">
+            <a:avLst/>
+          </a:prstGeom>
+          <a:noFill/>
+          <a:ln>
+            <a:noFill/>
+          </a:ln>
+        </p:spPr>
+        <p:style>
+          <a:lnRef idx="0"/>
+          <a:fillRef idx="0"/>
+          <a:effectRef idx="0"/>
+          <a:fontRef idx="minor"/>
+        </p:style>
+        <p:txBody>
+          <a:bodyPr lIns="0" rIns="0" tIns="0" bIns="0" anchor="ctr"/>
+          <a:p>
+            <a:pPr algn="ctr">
+              <a:lnSpc>
+                <a:spcPct val="100000"/>
+              </a:lnSpc>
+            </a:pPr>
+            <a:r>
+              <a:rPr b="1" lang="pl-PL" sz="4400" spc="-1" strike="noStrike">
+                <a:solidFill>
+                  <a:srgbClr val="ffffff"/>
+                </a:solidFill>
+                <a:latin typeface="Arial"/>
+                <a:ea typeface="DejaVu Sans"/>
+              </a:rPr>
+              <a:t>Programowanie funkcyjne </a:t>
+            </a:r>
+            <a:endParaRPr b="0" lang="pl-PL" sz="4400" spc="-1" strike="noStrike">
+              <a:latin typeface="Arial"/>
+            </a:endParaRPr>
+          </a:p>
+        </p:txBody>
+      </p:sp>
+      <p:sp>
+        <p:nvSpPr>
+          <p:cNvPr id="258" name="CustomShape 2"/>
+          <p:cNvSpPr/>
+          <p:nvPr/>
+        </p:nvSpPr>
+        <p:spPr>
+          <a:xfrm>
+            <a:off x="2952000" y="1944000"/>
+            <a:ext cx="6710040" cy="5326920"/>
+          </a:xfrm>
+          <a:prstGeom prst="rect">
+            <a:avLst/>
+          </a:prstGeom>
+          <a:noFill/>
+          <a:ln>
+            <a:noFill/>
+          </a:ln>
+        </p:spPr>
+        <p:style>
+          <a:lnRef idx="0"/>
+          <a:fillRef idx="0"/>
+          <a:effectRef idx="0"/>
+          <a:fontRef idx="minor"/>
+        </p:style>
+        <p:txBody>
+          <a:bodyPr lIns="90000" rIns="90000" tIns="45000" bIns="45000"/>
+          <a:p>
+            <a:pPr>
+              <a:lnSpc>
+                <a:spcPct val="100000"/>
+              </a:lnSpc>
+            </a:pPr>
+            <a:r>
+              <a:rPr b="0" lang="pl-PL" sz="2400" spc="-1" strike="noStrike">
+                <a:solidFill>
+                  <a:srgbClr val="ffffff"/>
+                </a:solidFill>
+                <a:latin typeface="Arial"/>
+                <a:ea typeface="DejaVu Sans"/>
+              </a:rPr>
+              <a:t>W Javie od wersji 8 istnieje kilka elementów języków funkcyjnych, między innymi:</a:t>
+            </a:r>
+            <a:endParaRPr b="0" lang="pl-PL" sz="2400" spc="-1" strike="noStrike">
+              <a:latin typeface="Arial"/>
+            </a:endParaRPr>
+          </a:p>
+          <a:p>
+            <a:pPr>
+              <a:lnSpc>
+                <a:spcPct val="100000"/>
+              </a:lnSpc>
+            </a:pPr>
+            <a:endParaRPr b="0" lang="pl-PL" sz="2400" spc="-1" strike="noStrike">
+              <a:latin typeface="Arial"/>
+            </a:endParaRPr>
+          </a:p>
+          <a:p>
+            <a:pPr>
+              <a:lnSpc>
+                <a:spcPct val="100000"/>
+              </a:lnSpc>
+            </a:pPr>
+            <a:r>
+              <a:rPr b="0" lang="pl-PL" sz="2400" spc="-1" strike="noStrike">
+                <a:solidFill>
+                  <a:srgbClr val="00a65d"/>
+                </a:solidFill>
+                <a:latin typeface="Arial"/>
+                <a:ea typeface="DejaVu Sans"/>
+              </a:rPr>
+              <a:t>Stream</a:t>
+            </a:r>
+            <a:endParaRPr b="0" lang="pl-PL" sz="2400" spc="-1" strike="noStrike">
+              <a:latin typeface="Arial"/>
+            </a:endParaRPr>
+          </a:p>
+          <a:p>
+            <a:pPr>
+              <a:lnSpc>
+                <a:spcPct val="100000"/>
+              </a:lnSpc>
+            </a:pPr>
+            <a:endParaRPr b="0" lang="pl-PL" sz="2400" spc="-1" strike="noStrike">
+              <a:latin typeface="Arial"/>
+            </a:endParaRPr>
+          </a:p>
+          <a:p>
+            <a:pPr>
+              <a:lnSpc>
+                <a:spcPct val="100000"/>
+              </a:lnSpc>
+            </a:pPr>
+            <a:r>
+              <a:rPr b="0" lang="pl-PL" sz="2400" spc="-1" strike="noStrike">
+                <a:solidFill>
+                  <a:srgbClr val="00a65d"/>
+                </a:solidFill>
+                <a:latin typeface="Arial"/>
+                <a:ea typeface="DejaVu Sans"/>
+              </a:rPr>
+              <a:t>Lambda expression</a:t>
+            </a:r>
+            <a:endParaRPr b="0" lang="pl-PL" sz="2400" spc="-1" strike="noStrike">
+              <a:latin typeface="Arial"/>
+            </a:endParaRPr>
+          </a:p>
+          <a:p>
+            <a:pPr>
+              <a:lnSpc>
+                <a:spcPct val="100000"/>
+              </a:lnSpc>
+            </a:pPr>
+            <a:endParaRPr b="0" lang="pl-PL" sz="2400" spc="-1" strike="noStrike">
+              <a:latin typeface="Arial"/>
+            </a:endParaRPr>
+          </a:p>
+          <a:p>
+            <a:pPr>
+              <a:lnSpc>
+                <a:spcPct val="100000"/>
+              </a:lnSpc>
+            </a:pPr>
+            <a:r>
+              <a:rPr b="0" lang="pl-PL" sz="2400" spc="-1" strike="noStrike">
+                <a:solidFill>
+                  <a:srgbClr val="00a65d"/>
+                </a:solidFill>
+                <a:latin typeface="Arial"/>
+                <a:ea typeface="DejaVu Sans"/>
+              </a:rPr>
+              <a:t>Optional</a:t>
+            </a:r>
+            <a:endParaRPr b="0" lang="pl-PL" sz="2400" spc="-1" strike="noStrike">
+              <a:latin typeface="Arial"/>
+            </a:endParaRPr>
+          </a:p>
+          <a:p>
+            <a:pPr>
+              <a:lnSpc>
+                <a:spcPct val="100000"/>
+              </a:lnSpc>
+            </a:pPr>
+            <a:endParaRPr b="0" lang="pl-PL" sz="2400" spc="-1" strike="noStrike">
+              <a:latin typeface="Arial"/>
+            </a:endParaRPr>
+          </a:p>
+          <a:p>
+            <a:pPr>
+              <a:lnSpc>
+                <a:spcPct val="100000"/>
+              </a:lnSpc>
+            </a:pPr>
+            <a:endParaRPr b="0" lang="pl-PL" sz="2400" spc="-1" strike="noStrike">
+              <a:latin typeface="Arial"/>
+            </a:endParaRPr>
+          </a:p>
+          <a:p>
+            <a:pPr>
+              <a:lnSpc>
+                <a:spcPct val="100000"/>
+              </a:lnSpc>
+            </a:pPr>
+            <a:endParaRPr b="0" lang="pl-PL" sz="2400" spc="-1" strike="noStrike">
+              <a:latin typeface="Arial"/>
+            </a:endParaRPr>
+          </a:p>
+          <a:p>
+            <a:pPr>
+              <a:lnSpc>
+                <a:spcPct val="100000"/>
+              </a:lnSpc>
+            </a:pPr>
+            <a:endParaRPr b="0" lang="pl-PL" sz="2400" spc="-1" strike="noStrike">
+              <a:latin typeface="Arial"/>
+            </a:endParaRPr>
+          </a:p>
+          <a:p>
+            <a:pPr>
+              <a:lnSpc>
+                <a:spcPct val="100000"/>
+              </a:lnSpc>
+            </a:pPr>
+            <a:endParaRPr b="0" lang="pl-PL" sz="2400" spc="-1" strike="noStrike">
+              <a:latin typeface="Arial"/>
+            </a:endParaRPr>
+          </a:p>
+          <a:p>
+            <a:pPr>
+              <a:lnSpc>
+                <a:spcPct val="100000"/>
+              </a:lnSpc>
+            </a:pPr>
+            <a:endParaRPr b="0" lang="pl-PL" sz="2400" spc="-1" strike="noStrike">
+              <a:latin typeface="Arial"/>
+            </a:endParaRPr>
+          </a:p>
+          <a:p>
+            <a:pPr>
+              <a:lnSpc>
+                <a:spcPct val="100000"/>
+              </a:lnSpc>
+            </a:pPr>
+            <a:endParaRPr b="0" lang="pl-PL" sz="2400" spc="-1" strike="noStrike">
+              <a:latin typeface="Arial"/>
+            </a:endParaRPr>
+          </a:p>
+        </p:txBody>
+      </p:sp>
+    </p:spTree>
+  </p:cSld>
+  <p:timing>
+    <p:tnLst>
+      <p:par>
+        <p:cTn id="93" dur="indefinite" restart="never" nodeType="tmRoot">
+          <p:childTnLst>
+            <p:seq>
+              <p:cTn id="94" dur="indefinite" nodeType="mainSeq"/>
+              <p:prevCondLst>
+                <p:cond delay="0" evt="onPrev">
+                  <p:tgtEl>
+                    <p:sldTgt/>
+                  </p:tgtEl>
+                </p:cond>
+              </p:prevCondLst>
+              <p:nextCondLst>
+                <p:cond delay="0" evt="onNext">
+                  <p:tgtEl>
+                    <p:sldTgt/>
+                  </p:tgtEl>
+                </p:cond>
+              </p:nextCondLst>
+            </p:seq>
+          </p:childTnLst>
+        </p:cTn>
+      </p:par>
+    </p:tnLst>
+  </p:timing>
+</p:sld>
+</file>
+
+<file path=ppt/slides/slide48.xml><?xml version="1.0" encoding="utf-8"?>
+<p:sld xmlns:a="http://schemas.openxmlformats.org/drawingml/2006/main" xmlns:p="http://schemas.openxmlformats.org/presentationml/2006/main" xmlns:r="http://schemas.openxmlformats.org/officeDocument/2006/relationships" xmlns:p14="http://schemas.microsoft.com/office/powerpoint/2010/main" xmlns:p15="http://schemas.microsoft.com/office/powerpoint/2012/main" xmlns:mc="http://schemas.openxmlformats.org/markup-compatibility/2006">
+  <p:cSld>
+    <p:spTree>
+      <p:nvGrpSpPr>
+        <p:cNvPr id="1" name=""/>
+        <p:cNvGrpSpPr/>
+        <p:nvPr/>
+      </p:nvGrpSpPr>
+      <p:grpSpPr>
+        <a:xfrm>
+          <a:off x="0" y="0"/>
+          <a:ext cx="0" cy="0"/>
+          <a:chOff x="0" y="0"/>
+          <a:chExt cx="0" cy="0"/>
+        </a:xfrm>
+      </p:grpSpPr>
+      <p:sp>
+        <p:nvSpPr>
+          <p:cNvPr id="259" name="CustomShape 1"/>
+          <p:cNvSpPr/>
+          <p:nvPr/>
+        </p:nvSpPr>
+        <p:spPr>
+          <a:xfrm>
+            <a:off x="1561680" y="0"/>
+            <a:ext cx="9065520" cy="1256400"/>
+          </a:xfrm>
+          <a:prstGeom prst="rect">
+            <a:avLst/>
+          </a:prstGeom>
+          <a:noFill/>
+          <a:ln>
+            <a:noFill/>
+          </a:ln>
+        </p:spPr>
+        <p:style>
+          <a:lnRef idx="0"/>
+          <a:fillRef idx="0"/>
+          <a:effectRef idx="0"/>
+          <a:fontRef idx="minor"/>
+        </p:style>
+        <p:txBody>
+          <a:bodyPr lIns="0" rIns="0" tIns="0" bIns="0" anchor="ctr"/>
+          <a:p>
+            <a:pPr algn="ctr">
+              <a:lnSpc>
+                <a:spcPct val="100000"/>
+              </a:lnSpc>
+            </a:pPr>
+            <a:r>
+              <a:rPr b="1" lang="pl-PL" sz="4400" spc="-1" strike="noStrike">
+                <a:solidFill>
+                  <a:srgbClr val="ffffff"/>
+                </a:solidFill>
+                <a:latin typeface="Arial"/>
+                <a:ea typeface="DejaVu Sans"/>
+              </a:rPr>
+              <a:t>Programowanie funkcyjne - Stream </a:t>
+            </a:r>
+            <a:endParaRPr b="0" lang="pl-PL" sz="4400" spc="-1" strike="noStrike">
+              <a:latin typeface="Arial"/>
+            </a:endParaRPr>
+          </a:p>
+        </p:txBody>
+      </p:sp>
+      <p:sp>
+        <p:nvSpPr>
+          <p:cNvPr id="260" name="CustomShape 2"/>
+          <p:cNvSpPr/>
+          <p:nvPr/>
+        </p:nvSpPr>
+        <p:spPr>
+          <a:xfrm>
+            <a:off x="936000" y="1369080"/>
+            <a:ext cx="6120000" cy="5326920"/>
+          </a:xfrm>
+          <a:prstGeom prst="rect">
+            <a:avLst/>
+          </a:prstGeom>
+          <a:noFill/>
+          <a:ln>
+            <a:noFill/>
+          </a:ln>
+        </p:spPr>
+        <p:style>
+          <a:lnRef idx="0"/>
+          <a:fillRef idx="0"/>
+          <a:effectRef idx="0"/>
+          <a:fontRef idx="minor"/>
+        </p:style>
+        <p:txBody>
+          <a:bodyPr lIns="90000" rIns="90000" tIns="45000" bIns="45000"/>
+          <a:p>
+            <a:pPr>
+              <a:lnSpc>
+                <a:spcPct val="100000"/>
+              </a:lnSpc>
+            </a:pPr>
+            <a:r>
+              <a:rPr b="0" lang="pl-PL" sz="1800" spc="-1" strike="noStrike">
+                <a:solidFill>
+                  <a:srgbClr val="00a65d"/>
+                </a:solidFill>
+                <a:latin typeface="Arial"/>
+                <a:ea typeface="DejaVu Sans"/>
+              </a:rPr>
+              <a:t>Stream (strumień)</a:t>
+            </a:r>
+            <a:r>
+              <a:rPr b="0" lang="pl-PL" sz="1800" spc="-1" strike="noStrike">
+                <a:solidFill>
+                  <a:srgbClr val="ffffff"/>
+                </a:solidFill>
+                <a:latin typeface="Arial"/>
+                <a:ea typeface="DejaVu Sans"/>
+              </a:rPr>
+              <a:t> w javie nie jest strukturą, lecz sekwencją obiektów, wspierającą różne metody, które mogą być łączone w sposób łańcuchowy (</a:t>
+            </a:r>
+            <a:r>
+              <a:rPr b="0" lang="pl-PL" sz="1800" spc="-1" strike="noStrike">
+                <a:solidFill>
+                  <a:srgbClr val="00a65d"/>
+                </a:solidFill>
+                <a:latin typeface="Arial"/>
+                <a:ea typeface="DejaVu Sans"/>
+              </a:rPr>
+              <a:t>fluent interface</a:t>
+            </a:r>
+            <a:r>
+              <a:rPr b="0" lang="pl-PL" sz="1800" spc="-1" strike="noStrike">
+                <a:solidFill>
+                  <a:srgbClr val="ffffff"/>
+                </a:solidFill>
+                <a:latin typeface="Arial"/>
+                <a:ea typeface="DejaVu Sans"/>
+              </a:rPr>
+              <a:t>). Stream jest tworzony z kolekcji lub tablicy. Stream nie zmienia oryginalnej kolekcji. Dwa rodzaje operacji: </a:t>
+            </a:r>
+            <a:r>
+              <a:rPr b="0" lang="pl-PL" sz="1800" spc="-1" strike="noStrike">
+                <a:solidFill>
+                  <a:srgbClr val="00a65d"/>
+                </a:solidFill>
+                <a:latin typeface="Arial"/>
+                <a:ea typeface="DejaVu Sans"/>
+              </a:rPr>
+              <a:t>intermediate</a:t>
+            </a:r>
+            <a:r>
+              <a:rPr b="0" lang="pl-PL" sz="1800" spc="-1" strike="noStrike">
+                <a:solidFill>
+                  <a:srgbClr val="ffffff"/>
+                </a:solidFill>
+                <a:latin typeface="Arial"/>
+                <a:ea typeface="DejaVu Sans"/>
+              </a:rPr>
+              <a:t> (tworzą kolejne streamy, np.: map, filter, sorted), </a:t>
+            </a:r>
+            <a:r>
+              <a:rPr b="0" lang="pl-PL" sz="1800" spc="-1" strike="noStrike">
+                <a:solidFill>
+                  <a:srgbClr val="00a65d"/>
+                </a:solidFill>
+                <a:latin typeface="Arial"/>
+                <a:ea typeface="DejaVu Sans"/>
+              </a:rPr>
+              <a:t>terminate</a:t>
+            </a:r>
+            <a:r>
+              <a:rPr b="0" lang="pl-PL" sz="1800" spc="-1" strike="noStrike">
+                <a:solidFill>
+                  <a:srgbClr val="ffffff"/>
+                </a:solidFill>
+                <a:latin typeface="Arial"/>
+                <a:ea typeface="DejaVu Sans"/>
+              </a:rPr>
+              <a:t> (kończą stream i zwracają rezultat, np.: collect, forEach, reduce). Referencja streama może być używana, dopóki nie została wywołana metoda terminalna.</a:t>
+            </a:r>
+            <a:endParaRPr b="0" lang="pl-PL" sz="1800" spc="-1" strike="noStrike">
+              <a:latin typeface="Arial"/>
+            </a:endParaRPr>
+          </a:p>
+          <a:p>
+            <a:pPr>
+              <a:lnSpc>
+                <a:spcPct val="100000"/>
+              </a:lnSpc>
+            </a:pPr>
+            <a:r>
+              <a:rPr b="0" lang="pl-PL" sz="1800" spc="-1" strike="noStrike">
+                <a:solidFill>
+                  <a:srgbClr val="00a65d"/>
+                </a:solidFill>
+                <a:latin typeface="Arial"/>
+                <a:ea typeface="DejaVu Sans"/>
+              </a:rPr>
+              <a:t>map</a:t>
+            </a:r>
+            <a:r>
+              <a:rPr b="0" lang="pl-PL" sz="1800" spc="-1" strike="noStrike">
+                <a:solidFill>
+                  <a:srgbClr val="ffffff"/>
+                </a:solidFill>
+                <a:latin typeface="Arial"/>
+                <a:ea typeface="DejaVu Sans"/>
+              </a:rPr>
+              <a:t> – wykonuje operację na każdym elemencie strumienia, w wyniku czego otrzymujemy strumień innych elementów</a:t>
+            </a:r>
+            <a:endParaRPr b="0" lang="pl-PL" sz="1800" spc="-1" strike="noStrike">
+              <a:latin typeface="Arial"/>
+            </a:endParaRPr>
+          </a:p>
+          <a:p>
+            <a:pPr>
+              <a:lnSpc>
+                <a:spcPct val="100000"/>
+              </a:lnSpc>
+            </a:pPr>
+            <a:r>
+              <a:rPr b="0" lang="pl-PL" sz="1800" spc="-1" strike="noStrike">
+                <a:solidFill>
+                  <a:srgbClr val="00a65d"/>
+                </a:solidFill>
+                <a:latin typeface="Arial"/>
+                <a:ea typeface="DejaVu Sans"/>
+              </a:rPr>
+              <a:t>filter</a:t>
+            </a:r>
+            <a:r>
+              <a:rPr b="0" lang="pl-PL" sz="1800" spc="-1" strike="noStrike">
+                <a:solidFill>
+                  <a:srgbClr val="ffffff"/>
+                </a:solidFill>
+                <a:latin typeface="Arial"/>
+                <a:ea typeface="DejaVu Sans"/>
+              </a:rPr>
+              <a:t> – dla każdego elementu sprawdza warunek, jeśli nie jest spełniony, wyrzuca element ze strumienia</a:t>
+            </a:r>
+            <a:endParaRPr b="0" lang="pl-PL" sz="1800" spc="-1" strike="noStrike">
+              <a:latin typeface="Arial"/>
+            </a:endParaRPr>
+          </a:p>
+          <a:p>
+            <a:pPr>
+              <a:lnSpc>
+                <a:spcPct val="100000"/>
+              </a:lnSpc>
+            </a:pPr>
+            <a:r>
+              <a:rPr b="0" lang="pl-PL" sz="1800" spc="-1" strike="noStrike">
+                <a:solidFill>
+                  <a:srgbClr val="00a65d"/>
+                </a:solidFill>
+                <a:latin typeface="Arial"/>
+                <a:ea typeface="DejaVu Sans"/>
+              </a:rPr>
+              <a:t>reduce</a:t>
+            </a:r>
+            <a:r>
+              <a:rPr b="0" lang="pl-PL" sz="1800" spc="-1" strike="noStrike">
+                <a:solidFill>
+                  <a:srgbClr val="ffffff"/>
+                </a:solidFill>
+                <a:latin typeface="Arial"/>
+                <a:ea typeface="DejaVu Sans"/>
+              </a:rPr>
+              <a:t> – weź pierwszy i drugi element strumienia, wykonaj na nich operację,  następnie poddaj tej samej operacji wynik i trzeci element strumienia, itd..</a:t>
+            </a:r>
+            <a:endParaRPr b="0" lang="pl-PL" sz="1800" spc="-1" strike="noStrike">
+              <a:latin typeface="Arial"/>
+            </a:endParaRPr>
+          </a:p>
+          <a:p>
+            <a:pPr>
+              <a:lnSpc>
+                <a:spcPct val="100000"/>
+              </a:lnSpc>
+            </a:pPr>
+            <a:r>
+              <a:rPr b="0" lang="pl-PL" sz="2000" spc="-1" strike="noStrike">
+                <a:solidFill>
+                  <a:srgbClr val="ffffff"/>
+                </a:solidFill>
+                <a:latin typeface="Arial"/>
+                <a:ea typeface="DejaVu Sans"/>
+              </a:rPr>
+              <a:t> </a:t>
+            </a:r>
+            <a:endParaRPr b="0" lang="pl-PL" sz="2000" spc="-1" strike="noStrike">
+              <a:latin typeface="Arial"/>
+            </a:endParaRPr>
+          </a:p>
+          <a:p>
+            <a:pPr>
+              <a:lnSpc>
+                <a:spcPct val="100000"/>
+              </a:lnSpc>
+            </a:pPr>
+            <a:endParaRPr b="0" lang="pl-PL" sz="2000" spc="-1" strike="noStrike">
+              <a:latin typeface="Arial"/>
+            </a:endParaRPr>
+          </a:p>
+          <a:p>
+            <a:pPr>
+              <a:lnSpc>
+                <a:spcPct val="100000"/>
+              </a:lnSpc>
+            </a:pPr>
+            <a:endParaRPr b="0" lang="pl-PL" sz="2000" spc="-1" strike="noStrike">
+              <a:latin typeface="Arial"/>
+            </a:endParaRPr>
+          </a:p>
+          <a:p>
+            <a:pPr>
+              <a:lnSpc>
+                <a:spcPct val="100000"/>
+              </a:lnSpc>
+            </a:pPr>
+            <a:endParaRPr b="0" lang="pl-PL" sz="2000" spc="-1" strike="noStrike">
+              <a:latin typeface="Arial"/>
+            </a:endParaRPr>
+          </a:p>
+          <a:p>
+            <a:pPr>
+              <a:lnSpc>
+                <a:spcPct val="100000"/>
+              </a:lnSpc>
+            </a:pPr>
+            <a:endParaRPr b="0" lang="pl-PL" sz="2000" spc="-1" strike="noStrike">
+              <a:latin typeface="Arial"/>
+            </a:endParaRPr>
+          </a:p>
+          <a:p>
+            <a:pPr>
+              <a:lnSpc>
+                <a:spcPct val="100000"/>
+              </a:lnSpc>
+            </a:pPr>
+            <a:endParaRPr b="0" lang="pl-PL" sz="2000" spc="-1" strike="noStrike">
+              <a:latin typeface="Arial"/>
+            </a:endParaRPr>
+          </a:p>
+          <a:p>
+            <a:pPr>
+              <a:lnSpc>
+                <a:spcPct val="100000"/>
+              </a:lnSpc>
+            </a:pPr>
+            <a:endParaRPr b="0" lang="pl-PL" sz="2000" spc="-1" strike="noStrike">
+              <a:latin typeface="Arial"/>
+            </a:endParaRPr>
+          </a:p>
+          <a:p>
+            <a:pPr>
+              <a:lnSpc>
+                <a:spcPct val="100000"/>
+              </a:lnSpc>
+            </a:pPr>
+            <a:endParaRPr b="0" lang="pl-PL" sz="2000" spc="-1" strike="noStrike">
+              <a:latin typeface="Arial"/>
+            </a:endParaRPr>
+          </a:p>
+          <a:p>
+            <a:pPr>
+              <a:lnSpc>
+                <a:spcPct val="100000"/>
+              </a:lnSpc>
+            </a:pPr>
+            <a:endParaRPr b="0" lang="pl-PL" sz="2000" spc="-1" strike="noStrike">
+              <a:latin typeface="Arial"/>
+            </a:endParaRPr>
+          </a:p>
+        </p:txBody>
+      </p:sp>
+      <p:sp>
+        <p:nvSpPr>
+          <p:cNvPr id="261" name="CustomShape 3"/>
+          <p:cNvSpPr/>
+          <p:nvPr/>
+        </p:nvSpPr>
+        <p:spPr>
+          <a:xfrm>
+            <a:off x="138240" y="6192000"/>
+            <a:ext cx="1373760" cy="444960"/>
+          </a:xfrm>
+          <a:prstGeom prst="rect">
+            <a:avLst/>
+          </a:prstGeom>
+          <a:ln>
+            <a:round/>
+          </a:ln>
+        </p:spPr>
+        <p:style>
+          <a:lnRef idx="2">
+            <a:schemeClr val="accent1">
+              <a:shade val="50000"/>
+            </a:schemeClr>
+          </a:lnRef>
+          <a:fillRef idx="1">
+            <a:schemeClr val="accent1"/>
+          </a:fillRef>
+          <a:effectRef idx="0">
+            <a:schemeClr val="accent1"/>
+          </a:effectRef>
+          <a:fontRef idx="minor"/>
+        </p:style>
+        <p:txBody>
+          <a:bodyPr lIns="90000" rIns="90000" tIns="45000" bIns="45000" anchor="ctr"/>
+          <a:p>
+            <a:pPr algn="ctr">
+              <a:lnSpc>
+                <a:spcPct val="100000"/>
+              </a:lnSpc>
+            </a:pPr>
+            <a:r>
+              <a:rPr b="0" lang="pl-PL" sz="1800" spc="-1" strike="noStrike">
+                <a:solidFill>
+                  <a:srgbClr val="ffffff"/>
+                </a:solidFill>
+                <a:latin typeface="Arial"/>
+                <a:ea typeface="DejaVu Sans"/>
+              </a:rPr>
+              <a:t>Stream</a:t>
+            </a:r>
+            <a:endParaRPr b="0" lang="pl-PL" sz="1800" spc="-1" strike="noStrike">
+              <a:latin typeface="Arial"/>
+            </a:endParaRPr>
+          </a:p>
+        </p:txBody>
+      </p:sp>
+      <p:sp>
+        <p:nvSpPr>
+          <p:cNvPr id="262" name="CustomShape 4"/>
+          <p:cNvSpPr/>
+          <p:nvPr/>
+        </p:nvSpPr>
+        <p:spPr>
+          <a:xfrm>
+            <a:off x="2376000" y="6192000"/>
+            <a:ext cx="1656000" cy="444960"/>
+          </a:xfrm>
+          <a:prstGeom prst="rect">
+            <a:avLst/>
+          </a:prstGeom>
+          <a:ln>
+            <a:round/>
+          </a:ln>
+        </p:spPr>
+        <p:style>
+          <a:lnRef idx="2">
+            <a:schemeClr val="accent1">
+              <a:shade val="50000"/>
+            </a:schemeClr>
+          </a:lnRef>
+          <a:fillRef idx="1">
+            <a:schemeClr val="accent1"/>
+          </a:fillRef>
+          <a:effectRef idx="0">
+            <a:schemeClr val="accent1"/>
+          </a:effectRef>
+          <a:fontRef idx="minor"/>
+        </p:style>
+        <p:txBody>
+          <a:bodyPr lIns="90000" rIns="90000" tIns="45000" bIns="45000" anchor="ctr"/>
+          <a:p>
+            <a:pPr algn="ctr">
+              <a:lnSpc>
+                <a:spcPct val="100000"/>
+              </a:lnSpc>
+            </a:pPr>
+            <a:r>
+              <a:rPr b="0" lang="pl-PL" sz="1800" spc="-1" strike="noStrike">
+                <a:solidFill>
+                  <a:srgbClr val="ffffff"/>
+                </a:solidFill>
+                <a:latin typeface="Arial"/>
+                <a:ea typeface="DejaVu Sans"/>
+              </a:rPr>
+              <a:t>Intermediate 1</a:t>
+            </a:r>
+            <a:endParaRPr b="0" lang="pl-PL" sz="1800" spc="-1" strike="noStrike">
+              <a:latin typeface="Arial"/>
+            </a:endParaRPr>
+          </a:p>
+        </p:txBody>
+      </p:sp>
+      <p:sp>
+        <p:nvSpPr>
+          <p:cNvPr id="263" name="CustomShape 5"/>
+          <p:cNvSpPr/>
+          <p:nvPr/>
+        </p:nvSpPr>
+        <p:spPr>
+          <a:xfrm>
+            <a:off x="4968000" y="6179040"/>
+            <a:ext cx="1656000" cy="444960"/>
+          </a:xfrm>
+          <a:prstGeom prst="rect">
+            <a:avLst/>
+          </a:prstGeom>
+          <a:ln>
+            <a:round/>
+          </a:ln>
+        </p:spPr>
+        <p:style>
+          <a:lnRef idx="2">
+            <a:schemeClr val="accent1">
+              <a:shade val="50000"/>
+            </a:schemeClr>
+          </a:lnRef>
+          <a:fillRef idx="1">
+            <a:schemeClr val="accent1"/>
+          </a:fillRef>
+          <a:effectRef idx="0">
+            <a:schemeClr val="accent1"/>
+          </a:effectRef>
+          <a:fontRef idx="minor"/>
+        </p:style>
+        <p:txBody>
+          <a:bodyPr lIns="90000" rIns="90000" tIns="45000" bIns="45000" anchor="ctr"/>
+          <a:p>
+            <a:pPr algn="ctr">
+              <a:lnSpc>
+                <a:spcPct val="100000"/>
+              </a:lnSpc>
+            </a:pPr>
+            <a:r>
+              <a:rPr b="0" lang="pl-PL" sz="1800" spc="-1" strike="noStrike">
+                <a:solidFill>
+                  <a:srgbClr val="ffffff"/>
+                </a:solidFill>
+                <a:latin typeface="Arial"/>
+                <a:ea typeface="DejaVu Sans"/>
+              </a:rPr>
+              <a:t>Intermediate 2</a:t>
+            </a:r>
+            <a:endParaRPr b="0" lang="pl-PL" sz="1800" spc="-1" strike="noStrike">
+              <a:latin typeface="Arial"/>
+            </a:endParaRPr>
+          </a:p>
+        </p:txBody>
+      </p:sp>
+      <p:sp>
+        <p:nvSpPr>
+          <p:cNvPr id="264" name="CustomShape 6"/>
+          <p:cNvSpPr/>
+          <p:nvPr/>
+        </p:nvSpPr>
+        <p:spPr>
+          <a:xfrm>
+            <a:off x="7488000" y="6192000"/>
+            <a:ext cx="1656000" cy="444960"/>
+          </a:xfrm>
+          <a:prstGeom prst="rect">
+            <a:avLst/>
+          </a:prstGeom>
+          <a:ln>
+            <a:round/>
+          </a:ln>
+        </p:spPr>
+        <p:style>
+          <a:lnRef idx="2">
+            <a:schemeClr val="accent1">
+              <a:shade val="50000"/>
+            </a:schemeClr>
+          </a:lnRef>
+          <a:fillRef idx="1">
+            <a:schemeClr val="accent1"/>
+          </a:fillRef>
+          <a:effectRef idx="0">
+            <a:schemeClr val="accent1"/>
+          </a:effectRef>
+          <a:fontRef idx="minor"/>
+        </p:style>
+        <p:txBody>
+          <a:bodyPr lIns="90000" rIns="90000" tIns="45000" bIns="45000" anchor="ctr"/>
+          <a:p>
+            <a:pPr algn="ctr">
+              <a:lnSpc>
+                <a:spcPct val="100000"/>
+              </a:lnSpc>
+            </a:pPr>
+            <a:r>
+              <a:rPr b="0" lang="pl-PL" sz="1800" spc="-1" strike="noStrike">
+                <a:solidFill>
+                  <a:srgbClr val="ffffff"/>
+                </a:solidFill>
+                <a:latin typeface="Arial"/>
+                <a:ea typeface="DejaVu Sans"/>
+              </a:rPr>
+              <a:t>Intermediate n</a:t>
+            </a:r>
+            <a:endParaRPr b="0" lang="pl-PL" sz="1800" spc="-1" strike="noStrike">
+              <a:latin typeface="Arial"/>
+            </a:endParaRPr>
+          </a:p>
+        </p:txBody>
+      </p:sp>
+      <p:sp>
+        <p:nvSpPr>
+          <p:cNvPr id="265" name="CustomShape 7"/>
+          <p:cNvSpPr/>
+          <p:nvPr/>
+        </p:nvSpPr>
+        <p:spPr>
+          <a:xfrm>
+            <a:off x="10080000" y="6194160"/>
+            <a:ext cx="1656000" cy="444960"/>
+          </a:xfrm>
+          <a:prstGeom prst="rect">
+            <a:avLst/>
+          </a:prstGeom>
+          <a:ln>
+            <a:round/>
+          </a:ln>
+        </p:spPr>
+        <p:style>
+          <a:lnRef idx="2">
+            <a:schemeClr val="accent1">
+              <a:shade val="50000"/>
+            </a:schemeClr>
+          </a:lnRef>
+          <a:fillRef idx="1">
+            <a:schemeClr val="accent1"/>
+          </a:fillRef>
+          <a:effectRef idx="0">
+            <a:schemeClr val="accent1"/>
+          </a:effectRef>
+          <a:fontRef idx="minor"/>
+        </p:style>
+        <p:txBody>
+          <a:bodyPr lIns="90000" rIns="90000" tIns="45000" bIns="45000" anchor="ctr"/>
+          <a:p>
+            <a:pPr algn="ctr">
+              <a:lnSpc>
+                <a:spcPct val="100000"/>
+              </a:lnSpc>
+            </a:pPr>
+            <a:r>
+              <a:rPr b="0" lang="pl-PL" sz="1800" spc="-1" strike="noStrike">
+                <a:solidFill>
+                  <a:srgbClr val="ffffff"/>
+                </a:solidFill>
+                <a:latin typeface="Arial"/>
+                <a:ea typeface="DejaVu Sans"/>
+              </a:rPr>
+              <a:t>Terminate</a:t>
+            </a:r>
+            <a:endParaRPr b="0" lang="pl-PL" sz="1800" spc="-1" strike="noStrike">
+              <a:latin typeface="Arial"/>
+            </a:endParaRPr>
+          </a:p>
+        </p:txBody>
+      </p:sp>
+      <p:sp>
+        <p:nvSpPr>
+          <p:cNvPr id="266" name="Line 8"/>
+          <p:cNvSpPr/>
+          <p:nvPr/>
+        </p:nvSpPr>
+        <p:spPr>
+          <a:xfrm>
+            <a:off x="1512000" y="6408000"/>
+            <a:ext cx="864000" cy="0"/>
+          </a:xfrm>
+          <a:prstGeom prst="line">
+            <a:avLst/>
+          </a:prstGeom>
+          <a:ln>
+            <a:solidFill>
+              <a:srgbClr val="000000"/>
+            </a:solidFill>
+            <a:tailEnd len="med" type="triangle" w="med"/>
+          </a:ln>
+        </p:spPr>
+        <p:style>
+          <a:lnRef idx="0"/>
+          <a:fillRef idx="0"/>
+          <a:effectRef idx="0"/>
+          <a:fontRef idx="minor"/>
+        </p:style>
+      </p:sp>
+      <p:sp>
+        <p:nvSpPr>
+          <p:cNvPr id="267" name="Line 9"/>
+          <p:cNvSpPr/>
+          <p:nvPr/>
+        </p:nvSpPr>
+        <p:spPr>
+          <a:xfrm>
+            <a:off x="4032000" y="6408000"/>
+            <a:ext cx="936000" cy="0"/>
+          </a:xfrm>
+          <a:prstGeom prst="line">
+            <a:avLst/>
+          </a:prstGeom>
+          <a:ln>
+            <a:solidFill>
+              <a:srgbClr val="000000"/>
+            </a:solidFill>
+            <a:tailEnd len="med" type="triangle" w="med"/>
+          </a:ln>
+        </p:spPr>
+        <p:style>
+          <a:lnRef idx="0"/>
+          <a:fillRef idx="0"/>
+          <a:effectRef idx="0"/>
+          <a:fontRef idx="minor"/>
+        </p:style>
+      </p:sp>
+      <p:sp>
+        <p:nvSpPr>
+          <p:cNvPr id="268" name="Line 10"/>
+          <p:cNvSpPr/>
+          <p:nvPr/>
+        </p:nvSpPr>
+        <p:spPr>
+          <a:xfrm>
+            <a:off x="6624000" y="6408000"/>
+            <a:ext cx="864000" cy="0"/>
+          </a:xfrm>
+          <a:prstGeom prst="line">
+            <a:avLst/>
+          </a:prstGeom>
+          <a:ln>
+            <a:solidFill>
+              <a:srgbClr val="000000"/>
+            </a:solidFill>
+            <a:custDash/>
+            <a:tailEnd len="med" type="triangle" w="med"/>
+          </a:ln>
+        </p:spPr>
+        <p:style>
+          <a:lnRef idx="0"/>
+          <a:fillRef idx="0"/>
+          <a:effectRef idx="0"/>
+          <a:fontRef idx="minor"/>
+        </p:style>
+      </p:sp>
+      <p:sp>
+        <p:nvSpPr>
+          <p:cNvPr id="269" name="Line 11"/>
+          <p:cNvSpPr/>
+          <p:nvPr/>
+        </p:nvSpPr>
+        <p:spPr>
+          <a:xfrm>
+            <a:off x="9144000" y="6408000"/>
+            <a:ext cx="936000" cy="0"/>
+          </a:xfrm>
+          <a:prstGeom prst="line">
+            <a:avLst/>
+          </a:prstGeom>
+          <a:ln>
+            <a:solidFill>
+              <a:srgbClr val="000000"/>
+            </a:solidFill>
+            <a:tailEnd len="med" type="triangle" w="med"/>
+          </a:ln>
+        </p:spPr>
+        <p:style>
+          <a:lnRef idx="0"/>
+          <a:fillRef idx="0"/>
+          <a:effectRef idx="0"/>
+          <a:fontRef idx="minor"/>
+        </p:style>
+      </p:sp>
+      <p:sp>
+        <p:nvSpPr>
+          <p:cNvPr id="270" name="TextShape 12"/>
           <p:cNvSpPr txBox="1"/>
           <p:nvPr/>
         </p:nvSpPr>
         <p:spPr>
           <a:xfrm>
-            <a:off x="864000" y="1655640"/>
-            <a:ext cx="5256000" cy="4752360"/>
+            <a:off x="7167960" y="1512000"/>
+            <a:ext cx="5216040" cy="4392000"/>
           </a:xfrm>
           <a:prstGeom prst="rect">
             <a:avLst/>
@@ -28923,6 +30543,316 @@
           <a:bodyPr lIns="90000" rIns="90000" tIns="45000" bIns="45000"/>
           <a:p>
             <a:r>
+              <a:rPr b="0" lang="pl-PL" sz="1600" spc="-1" strike="noStrike">
+                <a:solidFill>
+                  <a:srgbClr val="ffffff"/>
+                </a:solidFill>
+                <a:latin typeface="Arial"/>
+                <a:ea typeface="Courier New"/>
+              </a:rPr>
+              <a:t>List&lt;String&gt; imiona = Arrays.</a:t>
+            </a:r>
+            <a:r>
+              <a:rPr b="0" i="1" lang="pl-PL" sz="1600" spc="-1" strike="noStrike">
+                <a:solidFill>
+                  <a:srgbClr val="ffffff"/>
+                </a:solidFill>
+                <a:latin typeface="Arial"/>
+                <a:ea typeface="Courier New"/>
+              </a:rPr>
+              <a:t>asList</a:t>
+            </a:r>
+            <a:r>
+              <a:rPr b="0" lang="pl-PL" sz="1600" spc="-1" strike="noStrike">
+                <a:solidFill>
+                  <a:srgbClr val="ffffff"/>
+                </a:solidFill>
+                <a:latin typeface="Arial"/>
+                <a:ea typeface="Courier New"/>
+              </a:rPr>
+              <a:t>("agnieszka", "jan", "dionizy", "grzegorz","olka");</a:t>
+            </a:r>
+            <a:endParaRPr b="0" lang="pl-PL" sz="1600" spc="-1" strike="noStrike">
+              <a:solidFill>
+                <a:srgbClr val="ffffff"/>
+              </a:solidFill>
+              <a:latin typeface="Arial"/>
+            </a:endParaRPr>
+          </a:p>
+          <a:p>
+            <a:br/>
+            <a:r>
+              <a:rPr b="0" lang="pl-PL" sz="1600" spc="-1" strike="noStrike">
+                <a:solidFill>
+                  <a:srgbClr val="ffffff"/>
+                </a:solidFill>
+                <a:latin typeface="Arial"/>
+                <a:ea typeface="Courier New"/>
+              </a:rPr>
+              <a:t>List&lt;String&gt; imionaWielkaLitera = imiona.stream()</a:t>
+            </a:r>
+            <a:endParaRPr b="0" lang="pl-PL" sz="1600" spc="-1" strike="noStrike">
+              <a:solidFill>
+                <a:srgbClr val="ffffff"/>
+              </a:solidFill>
+              <a:latin typeface="Arial"/>
+            </a:endParaRPr>
+          </a:p>
+          <a:p>
+            <a:r>
+              <a:rPr b="0" lang="pl-PL" sz="1600" spc="-1" strike="noStrike">
+                <a:solidFill>
+                  <a:srgbClr val="ffffff"/>
+                </a:solidFill>
+                <a:latin typeface="Arial"/>
+                <a:ea typeface="Courier New"/>
+              </a:rPr>
+              <a:t>.map(String::toUpperCase)</a:t>
+            </a:r>
+            <a:endParaRPr b="0" lang="pl-PL" sz="1600" spc="-1" strike="noStrike">
+              <a:solidFill>
+                <a:srgbClr val="ffffff"/>
+              </a:solidFill>
+              <a:latin typeface="Arial"/>
+            </a:endParaRPr>
+          </a:p>
+          <a:p>
+            <a:r>
+              <a:rPr b="0" lang="pl-PL" sz="1600" spc="-1" strike="noStrike">
+                <a:solidFill>
+                  <a:srgbClr val="ffffff"/>
+                </a:solidFill>
+                <a:latin typeface="Arial"/>
+                <a:ea typeface="Courier New"/>
+              </a:rPr>
+              <a:t>.collect(Collectors.</a:t>
+            </a:r>
+            <a:r>
+              <a:rPr b="0" i="1" lang="pl-PL" sz="1600" spc="-1" strike="noStrike">
+                <a:solidFill>
+                  <a:srgbClr val="ffffff"/>
+                </a:solidFill>
+                <a:latin typeface="Arial"/>
+                <a:ea typeface="Courier New"/>
+              </a:rPr>
+              <a:t>toList</a:t>
+            </a:r>
+            <a:r>
+              <a:rPr b="0" lang="pl-PL" sz="1600" spc="-1" strike="noStrike">
+                <a:solidFill>
+                  <a:srgbClr val="ffffff"/>
+                </a:solidFill>
+                <a:latin typeface="Arial"/>
+                <a:ea typeface="Courier New"/>
+              </a:rPr>
+              <a:t>());</a:t>
+            </a:r>
+            <a:br/>
+            <a:r>
+              <a:rPr b="0" lang="pl-PL" sz="1600" spc="-1" strike="noStrike">
+                <a:solidFill>
+                  <a:srgbClr val="ffffff"/>
+                </a:solidFill>
+                <a:latin typeface="Arial"/>
+                <a:ea typeface="Courier New"/>
+              </a:rPr>
+              <a:t>System.</a:t>
+            </a:r>
+            <a:r>
+              <a:rPr b="0" i="1" lang="pl-PL" sz="1600" spc="-1" strike="noStrike">
+                <a:solidFill>
+                  <a:srgbClr val="ffffff"/>
+                </a:solidFill>
+                <a:latin typeface="Arial"/>
+                <a:ea typeface="Courier New"/>
+              </a:rPr>
+              <a:t>out</a:t>
+            </a:r>
+            <a:r>
+              <a:rPr b="0" lang="pl-PL" sz="1600" spc="-1" strike="noStrike">
+                <a:solidFill>
+                  <a:srgbClr val="ffffff"/>
+                </a:solidFill>
+                <a:latin typeface="Arial"/>
+                <a:ea typeface="Courier New"/>
+              </a:rPr>
+              <a:t>.println(imionaWielkaLitera);</a:t>
+            </a:r>
+            <a:br/>
+            <a:endParaRPr b="0" lang="pl-PL" sz="1600" spc="-1" strike="noStrike">
+              <a:solidFill>
+                <a:srgbClr val="ffffff"/>
+              </a:solidFill>
+              <a:latin typeface="Arial"/>
+            </a:endParaRPr>
+          </a:p>
+          <a:p>
+            <a:r>
+              <a:rPr b="0" lang="pl-PL" sz="1600" spc="-1" strike="noStrike">
+                <a:solidFill>
+                  <a:srgbClr val="ffffff"/>
+                </a:solidFill>
+                <a:latin typeface="Arial"/>
+                <a:ea typeface="Courier New"/>
+              </a:rPr>
+              <a:t>List&lt;String&gt; konczaceKa = imiona.stream()</a:t>
+            </a:r>
+            <a:endParaRPr b="0" lang="pl-PL" sz="1600" spc="-1" strike="noStrike">
+              <a:solidFill>
+                <a:srgbClr val="ffffff"/>
+              </a:solidFill>
+              <a:latin typeface="Arial"/>
+            </a:endParaRPr>
+          </a:p>
+          <a:p>
+            <a:r>
+              <a:rPr b="0" lang="pl-PL" sz="1600" spc="-1" strike="noStrike">
+                <a:solidFill>
+                  <a:srgbClr val="ffffff"/>
+                </a:solidFill>
+                <a:latin typeface="Arial"/>
+                <a:ea typeface="Courier New"/>
+              </a:rPr>
+              <a:t>.filter(name -&gt; name.endsWith("ad"))</a:t>
+            </a:r>
+            <a:endParaRPr b="0" lang="pl-PL" sz="1600" spc="-1" strike="noStrike">
+              <a:solidFill>
+                <a:srgbClr val="ffffff"/>
+              </a:solidFill>
+              <a:latin typeface="Arial"/>
+            </a:endParaRPr>
+          </a:p>
+          <a:p>
+            <a:r>
+              <a:rPr b="0" lang="pl-PL" sz="1600" spc="-1" strike="noStrike">
+                <a:solidFill>
+                  <a:srgbClr val="ffffff"/>
+                </a:solidFill>
+                <a:latin typeface="Arial"/>
+                <a:ea typeface="Courier New"/>
+              </a:rPr>
+              <a:t>.collect(Collectors.</a:t>
+            </a:r>
+            <a:r>
+              <a:rPr b="0" i="1" lang="pl-PL" sz="1600" spc="-1" strike="noStrike">
+                <a:solidFill>
+                  <a:srgbClr val="ffffff"/>
+                </a:solidFill>
+                <a:latin typeface="Arial"/>
+                <a:ea typeface="Courier New"/>
+              </a:rPr>
+              <a:t>toList</a:t>
+            </a:r>
+            <a:r>
+              <a:rPr b="0" lang="pl-PL" sz="1600" spc="-1" strike="noStrike">
+                <a:solidFill>
+                  <a:srgbClr val="ffffff"/>
+                </a:solidFill>
+                <a:latin typeface="Arial"/>
+                <a:ea typeface="Courier New"/>
+              </a:rPr>
+              <a:t>());</a:t>
+            </a:r>
+            <a:br/>
+            <a:r>
+              <a:rPr b="0" lang="pl-PL" sz="1600" spc="-1" strike="noStrike">
+                <a:solidFill>
+                  <a:srgbClr val="ffffff"/>
+                </a:solidFill>
+                <a:latin typeface="Arial"/>
+                <a:ea typeface="Courier New"/>
+              </a:rPr>
+              <a:t>System.</a:t>
+            </a:r>
+            <a:r>
+              <a:rPr b="0" i="1" lang="pl-PL" sz="1600" spc="-1" strike="noStrike">
+                <a:solidFill>
+                  <a:srgbClr val="ffffff"/>
+                </a:solidFill>
+                <a:latin typeface="Arial"/>
+                <a:ea typeface="Courier New"/>
+              </a:rPr>
+              <a:t>out</a:t>
+            </a:r>
+            <a:r>
+              <a:rPr b="0" lang="pl-PL" sz="1600" spc="-1" strike="noStrike">
+                <a:solidFill>
+                  <a:srgbClr val="ffffff"/>
+                </a:solidFill>
+                <a:latin typeface="Arial"/>
+                <a:ea typeface="Courier New"/>
+              </a:rPr>
+              <a:t>.println(konczaceKa);</a:t>
+            </a:r>
+            <a:br/>
+            <a:endParaRPr b="0" lang="pl-PL" sz="1600" spc="-1" strike="noStrike">
+              <a:solidFill>
+                <a:srgbClr val="ffffff"/>
+              </a:solidFill>
+              <a:latin typeface="Arial"/>
+            </a:endParaRPr>
+          </a:p>
+          <a:p>
+            <a:r>
+              <a:rPr b="0" lang="pl-PL" sz="1600" spc="-1" strike="noStrike">
+                <a:solidFill>
+                  <a:srgbClr val="ffffff"/>
+                </a:solidFill>
+                <a:latin typeface="Arial"/>
+                <a:ea typeface="Courier New"/>
+              </a:rPr>
+              <a:t>String zlepione = imiona.stream()</a:t>
+            </a:r>
+            <a:endParaRPr b="0" lang="pl-PL" sz="1600" spc="-1" strike="noStrike">
+              <a:solidFill>
+                <a:srgbClr val="ffffff"/>
+              </a:solidFill>
+              <a:latin typeface="Arial"/>
+            </a:endParaRPr>
+          </a:p>
+          <a:p>
+            <a:r>
+              <a:rPr b="0" lang="pl-PL" sz="1600" spc="-1" strike="noStrike">
+                <a:solidFill>
+                  <a:srgbClr val="ffffff"/>
+                </a:solidFill>
+                <a:latin typeface="Arial"/>
+                <a:ea typeface="Courier New"/>
+              </a:rPr>
+              <a:t>.reduce("", (str1, str2) -&gt; str1 + str2);</a:t>
+            </a:r>
+            <a:br/>
+            <a:r>
+              <a:rPr b="0" lang="pl-PL" sz="1600" spc="-1" strike="noStrike">
+                <a:solidFill>
+                  <a:srgbClr val="ffffff"/>
+                </a:solidFill>
+                <a:latin typeface="Arial"/>
+                <a:ea typeface="Courier New"/>
+              </a:rPr>
+              <a:t>System.</a:t>
+            </a:r>
+            <a:r>
+              <a:rPr b="0" i="1" lang="pl-PL" sz="1600" spc="-1" strike="noStrike">
+                <a:solidFill>
+                  <a:srgbClr val="ffffff"/>
+                </a:solidFill>
+                <a:latin typeface="Arial"/>
+                <a:ea typeface="Courier New"/>
+              </a:rPr>
+              <a:t>out</a:t>
+            </a:r>
+            <a:r>
+              <a:rPr b="0" lang="pl-PL" sz="1600" spc="-1" strike="noStrike">
+                <a:solidFill>
+                  <a:srgbClr val="ffffff"/>
+                </a:solidFill>
+                <a:latin typeface="Arial"/>
+                <a:ea typeface="Courier New"/>
+              </a:rPr>
+              <a:t>.println(zlepione)</a:t>
+            </a:r>
+            <a:r>
               <a:rPr b="0" lang="pl-PL" sz="1800" spc="-1" strike="noStrike">
                 <a:solidFill>
                   <a:srgbClr val="ffffff"/>
@@ -28930,160 +30860,8 @@
                 <a:latin typeface="Arial"/>
                 <a:ea typeface="Courier New"/>
               </a:rPr>
-              <a:t>public class MyThread implements Callable&lt;String&gt; {</a:t>
-            </a:r>
-            <a:br/>
-            <a:br/>
-            <a:r>
-              <a:rPr b="0" lang="pl-PL" sz="1800" spc="-1" strike="noStrike">
-                <a:solidFill>
-                  <a:srgbClr val="ffffff"/>
-                </a:solidFill>
-                <a:latin typeface="Arial"/>
-                <a:ea typeface="Courier New"/>
-              </a:rPr>
-              <a:t>    private int number;</a:t>
-            </a:r>
-            <a:br/>
-            <a:br/>
-            <a:r>
-              <a:rPr b="0" lang="pl-PL" sz="1800" spc="-1" strike="noStrike">
-                <a:solidFill>
-                  <a:srgbClr val="ffffff"/>
-                </a:solidFill>
-                <a:latin typeface="Arial"/>
-                <a:ea typeface="Courier New"/>
-              </a:rPr>
-              <a:t>    public MyThread(int number) {</a:t>
-            </a:r>
-            <a:br/>
-            <a:r>
-              <a:rPr b="0" lang="pl-PL" sz="1800" spc="-1" strike="noStrike">
-                <a:solidFill>
-                  <a:srgbClr val="ffffff"/>
-                </a:solidFill>
-                <a:latin typeface="Arial"/>
-                <a:ea typeface="Courier New"/>
-              </a:rPr>
-              <a:t>        this.number = number;</a:t>
-            </a:r>
-            <a:br/>
-            <a:r>
-              <a:rPr b="0" lang="pl-PL" sz="1800" spc="-1" strike="noStrike">
-                <a:solidFill>
-                  <a:srgbClr val="ffffff"/>
-                </a:solidFill>
-                <a:latin typeface="Arial"/>
-                <a:ea typeface="Courier New"/>
-              </a:rPr>
-              <a:t>    }</a:t>
-            </a:r>
-            <a:br/>
-            <a:br/>
-            <a:r>
-              <a:rPr b="0" lang="pl-PL" sz="1800" spc="-1" strike="noStrike">
-                <a:solidFill>
-                  <a:srgbClr val="ffffff"/>
-                </a:solidFill>
-                <a:latin typeface="Arial"/>
-                <a:ea typeface="Courier New"/>
-              </a:rPr>
-              <a:t>    @Override</a:t>
-            </a:r>
-            <a:br/>
-            <a:r>
-              <a:rPr b="0" lang="pl-PL" sz="1800" spc="-1" strike="noStrike">
-                <a:solidFill>
-                  <a:srgbClr val="ffffff"/>
-                </a:solidFill>
-                <a:latin typeface="Arial"/>
-                <a:ea typeface="Courier New"/>
-              </a:rPr>
-              <a:t>    public String call() {</a:t>
-            </a:r>
-            <a:br/>
-            <a:r>
-              <a:rPr b="0" lang="pl-PL" sz="1800" spc="-1" strike="noStrike">
-                <a:solidFill>
-                  <a:srgbClr val="ffffff"/>
-                </a:solidFill>
-                <a:latin typeface="Arial"/>
-                <a:ea typeface="Courier New"/>
-              </a:rPr>
-              <a:t>        return "Number: " + number + " Pracuje w watku: "</a:t>
-            </a:r>
-            <a:endParaRPr b="0" lang="pl-PL" sz="1800" spc="-1" strike="noStrike">
-              <a:latin typeface="Arial"/>
-            </a:endParaRPr>
-          </a:p>
-          <a:p>
-            <a:r>
-              <a:rPr b="0" lang="pl-PL" sz="1800" spc="-1" strike="noStrike">
-                <a:solidFill>
-                  <a:srgbClr val="ffffff"/>
-                </a:solidFill>
-                <a:latin typeface="Arial"/>
-                <a:ea typeface="Courier New"/>
-              </a:rPr>
-              <a:t>      </a:t>
-            </a:r>
-            <a:r>
-              <a:rPr b="0" lang="pl-PL" sz="1800" spc="-1" strike="noStrike">
-                <a:solidFill>
-                  <a:srgbClr val="ffffff"/>
-                </a:solidFill>
-                <a:latin typeface="Arial"/>
-                <a:ea typeface="Courier New"/>
-              </a:rPr>
-              <a:t>+ Thread.</a:t>
-            </a:r>
-            <a:r>
-              <a:rPr b="0" i="1" lang="pl-PL" sz="1800" spc="-1" strike="noStrike">
-                <a:solidFill>
-                  <a:srgbClr val="ffffff"/>
-                </a:solidFill>
-                <a:latin typeface="Arial"/>
-                <a:ea typeface="Courier New"/>
-              </a:rPr>
-              <a:t>currentThread</a:t>
-            </a:r>
-            <a:r>
-              <a:rPr b="0" lang="pl-PL" sz="1800" spc="-1" strike="noStrike">
-                <a:solidFill>
-                  <a:srgbClr val="ffffff"/>
-                </a:solidFill>
-                <a:latin typeface="Arial"/>
-                <a:ea typeface="Courier New"/>
-              </a:rPr>
-              <a:t>().getId();</a:t>
-            </a:r>
-            <a:br/>
-            <a:r>
-              <a:rPr b="0" lang="pl-PL" sz="1800" spc="-1" strike="noStrike">
-                <a:solidFill>
-                  <a:srgbClr val="ffffff"/>
-                </a:solidFill>
-                <a:latin typeface="Arial"/>
-                <a:ea typeface="Courier New"/>
-              </a:rPr>
-              <a:t>    }</a:t>
-            </a:r>
-            <a:br/>
-            <a:r>
-              <a:rPr b="0" lang="pl-PL" sz="1800" spc="-1" strike="noStrike">
-                <a:solidFill>
-                  <a:srgbClr val="ffffff"/>
-                </a:solidFill>
-                <a:latin typeface="Arial"/>
-                <a:ea typeface="Courier New"/>
-              </a:rPr>
-              <a:t>}</a:t>
-            </a:r>
-            <a:endParaRPr b="0" lang="pl-PL" sz="1800" spc="-1" strike="noStrike">
-              <a:latin typeface="Arial"/>
-            </a:endParaRPr>
-          </a:p>
-          <a:p>
+              <a:t>;</a:t>
+            </a:r>
             <a:endParaRPr b="0" lang="pl-PL" sz="1800" spc="-1" strike="noStrike">
               <a:solidFill>
                 <a:srgbClr val="ffffff"/>
@@ -29091,8 +30869,101 @@
               <a:latin typeface="Arial"/>
             </a:endParaRPr>
           </a:p>
-          <a:p>
-            <a:endParaRPr b="0" lang="pl-PL" sz="1800" spc="-1" strike="noStrike">
+        </p:txBody>
+      </p:sp>
+    </p:spTree>
+  </p:cSld>
+  <p:timing>
+    <p:tnLst>
+      <p:par>
+        <p:cTn id="95" dur="indefinite" restart="never" nodeType="tmRoot">
+          <p:childTnLst>
+            <p:seq>
+              <p:cTn id="96" dur="indefinite" nodeType="mainSeq"/>
+              <p:prevCondLst>
+                <p:cond delay="0" evt="onPrev">
+                  <p:tgtEl>
+                    <p:sldTgt/>
+                  </p:tgtEl>
+                </p:cond>
+              </p:prevCondLst>
+              <p:nextCondLst>
+                <p:cond delay="0" evt="onNext">
+                  <p:tgtEl>
+                    <p:sldTgt/>
+                  </p:tgtEl>
+                </p:cond>
+              </p:nextCondLst>
+            </p:seq>
+          </p:childTnLst>
+        </p:cTn>
+      </p:par>
+    </p:tnLst>
+  </p:timing>
+</p:sld>
+</file>
+
+<file path=ppt/slides/slide49.xml><?xml version="1.0" encoding="utf-8"?>
+<p:sld xmlns:a="http://schemas.openxmlformats.org/drawingml/2006/main" xmlns:p="http://schemas.openxmlformats.org/presentationml/2006/main" xmlns:r="http://schemas.openxmlformats.org/officeDocument/2006/relationships" xmlns:p14="http://schemas.microsoft.com/office/powerpoint/2010/main" xmlns:p15="http://schemas.microsoft.com/office/powerpoint/2012/main" xmlns:mc="http://schemas.openxmlformats.org/markup-compatibility/2006">
+  <p:cSld>
+    <p:spTree>
+      <p:nvGrpSpPr>
+        <p:cNvPr id="1" name=""/>
+        <p:cNvGrpSpPr/>
+        <p:nvPr/>
+      </p:nvGrpSpPr>
+      <p:grpSpPr>
+        <a:xfrm>
+          <a:off x="0" y="0"/>
+          <a:ext cx="0" cy="0"/>
+          <a:chOff x="0" y="0"/>
+          <a:chExt cx="0" cy="0"/>
+        </a:xfrm>
+      </p:grpSpPr>
+      <p:sp>
+        <p:nvSpPr>
+          <p:cNvPr id="271" name="CustomShape 1"/>
+          <p:cNvSpPr/>
+          <p:nvPr/>
+        </p:nvSpPr>
+        <p:spPr>
+          <a:xfrm>
+            <a:off x="1561680" y="0"/>
+            <a:ext cx="9065520" cy="1256400"/>
+          </a:xfrm>
+          <a:prstGeom prst="rect">
+            <a:avLst/>
+          </a:prstGeom>
+          <a:noFill/>
+          <a:ln>
+            <a:noFill/>
+          </a:ln>
+        </p:spPr>
+        <p:style>
+          <a:lnRef idx="0"/>
+          <a:fillRef idx="0"/>
+          <a:effectRef idx="0"/>
+          <a:fontRef idx="minor"/>
+        </p:style>
+        <p:txBody>
+          <a:bodyPr lIns="0" rIns="0" tIns="0" bIns="0" anchor="ctr"/>
+          <a:p>
+            <a:pPr algn="ctr">
+              <a:lnSpc>
+                <a:spcPct val="100000"/>
+              </a:lnSpc>
+            </a:pPr>
+            <a:r>
+              <a:rPr b="1" lang="pl-PL" sz="4400" spc="-1" strike="noStrike">
+                <a:solidFill>
+                  <a:srgbClr val="ffffff"/>
+                </a:solidFill>
+                <a:latin typeface="Arial"/>
+                <a:ea typeface="DejaVu Sans"/>
+              </a:rPr>
+              <a:t>Programowanie funkcyjne - Lambda </a:t>
+            </a:r>
+            <a:endParaRPr b="0" lang="pl-PL" sz="4400" spc="-1" strike="noStrike">
               <a:latin typeface="Arial"/>
             </a:endParaRPr>
           </a:p>
@@ -29100,14 +30971,363 @@
       </p:sp>
       <p:sp>
         <p:nvSpPr>
-          <p:cNvPr id="256" name="TextShape 3"/>
+          <p:cNvPr id="272" name="CustomShape 2"/>
+          <p:cNvSpPr/>
+          <p:nvPr/>
+        </p:nvSpPr>
+        <p:spPr>
+          <a:xfrm>
+            <a:off x="936000" y="1369080"/>
+            <a:ext cx="6120000" cy="5326920"/>
+          </a:xfrm>
+          <a:prstGeom prst="rect">
+            <a:avLst/>
+          </a:prstGeom>
+          <a:noFill/>
+          <a:ln>
+            <a:noFill/>
+          </a:ln>
+        </p:spPr>
+        <p:style>
+          <a:lnRef idx="0"/>
+          <a:fillRef idx="0"/>
+          <a:effectRef idx="0"/>
+          <a:fontRef idx="minor"/>
+        </p:style>
+        <p:txBody>
+          <a:bodyPr lIns="90000" rIns="90000" tIns="45000" bIns="45000"/>
+          <a:p>
+            <a:pPr>
+              <a:lnSpc>
+                <a:spcPct val="100000"/>
+              </a:lnSpc>
+            </a:pPr>
+            <a:r>
+              <a:rPr b="0" lang="pl-PL" sz="2000" spc="-1" strike="noStrike">
+                <a:solidFill>
+                  <a:srgbClr val="00a65d"/>
+                </a:solidFill>
+                <a:latin typeface="Arial"/>
+                <a:ea typeface="DejaVu Sans"/>
+              </a:rPr>
+              <a:t>Lambda expression </a:t>
+            </a:r>
+            <a:r>
+              <a:rPr b="0" lang="pl-PL" sz="2000" spc="-1" strike="noStrike">
+                <a:solidFill>
+                  <a:srgbClr val="ffffff"/>
+                </a:solidFill>
+                <a:latin typeface="Arial"/>
+                <a:ea typeface="DejaVu Sans"/>
+              </a:rPr>
+              <a:t>w javie to tak naprawdę pojedyncza metoda opakowana w klasę. Ułatwiają one pisanie kodu, szczególnie w połączeniu ze strumieniami. Lambda jest zdefiniowana:</a:t>
+            </a:r>
+            <a:endParaRPr b="0" lang="pl-PL" sz="2000" spc="-1" strike="noStrike">
+              <a:latin typeface="Arial"/>
+            </a:endParaRPr>
+          </a:p>
+          <a:p>
+            <a:pPr>
+              <a:lnSpc>
+                <a:spcPct val="100000"/>
+              </a:lnSpc>
+            </a:pPr>
+            <a:endParaRPr b="0" lang="pl-PL" sz="2000" spc="-1" strike="noStrike">
+              <a:latin typeface="Arial"/>
+            </a:endParaRPr>
+          </a:p>
+          <a:p>
+            <a:pPr>
+              <a:lnSpc>
+                <a:spcPct val="100000"/>
+              </a:lnSpc>
+            </a:pPr>
+            <a:r>
+              <a:rPr b="0" lang="pl-PL" sz="2000" spc="-1" strike="noStrike">
+                <a:solidFill>
+                  <a:srgbClr val="ffffff"/>
+                </a:solidFill>
+                <a:latin typeface="Arial"/>
+                <a:ea typeface="DejaVu Sans"/>
+              </a:rPr>
+              <a:t>(argumenty lambdy) → (ciało funkcji lambdy)</a:t>
+            </a:r>
+            <a:endParaRPr b="0" lang="pl-PL" sz="2000" spc="-1" strike="noStrike">
+              <a:latin typeface="Arial"/>
+            </a:endParaRPr>
+          </a:p>
+          <a:p>
+            <a:pPr>
+              <a:lnSpc>
+                <a:spcPct val="100000"/>
+              </a:lnSpc>
+            </a:pPr>
+            <a:endParaRPr b="0" lang="pl-PL" sz="2000" spc="-1" strike="noStrike">
+              <a:latin typeface="Arial"/>
+            </a:endParaRPr>
+          </a:p>
+          <a:p>
+            <a:pPr>
+              <a:lnSpc>
+                <a:spcPct val="100000"/>
+              </a:lnSpc>
+            </a:pPr>
+            <a:r>
+              <a:rPr b="0" lang="pl-PL" sz="2000" spc="-1" strike="noStrike">
+                <a:solidFill>
+                  <a:srgbClr val="ffffff"/>
+                </a:solidFill>
+                <a:latin typeface="Arial"/>
+                <a:ea typeface="DejaVu Sans"/>
+              </a:rPr>
+              <a:t>x -&gt; x.toUpperCase</a:t>
+            </a:r>
+            <a:endParaRPr b="0" lang="pl-PL" sz="2000" spc="-1" strike="noStrike">
+              <a:latin typeface="Arial"/>
+            </a:endParaRPr>
+          </a:p>
+          <a:p>
+            <a:pPr>
+              <a:lnSpc>
+                <a:spcPct val="100000"/>
+              </a:lnSpc>
+            </a:pPr>
+            <a:endParaRPr b="0" lang="pl-PL" sz="2000" spc="-1" strike="noStrike">
+              <a:latin typeface="Arial"/>
+            </a:endParaRPr>
+          </a:p>
+          <a:p>
+            <a:pPr>
+              <a:lnSpc>
+                <a:spcPct val="100000"/>
+              </a:lnSpc>
+            </a:pPr>
+            <a:r>
+              <a:rPr b="0" lang="pl-PL" sz="2000" spc="-1" strike="noStrike">
+                <a:solidFill>
+                  <a:srgbClr val="ffffff"/>
+                </a:solidFill>
+                <a:latin typeface="Arial"/>
+                <a:ea typeface="DejaVu Sans"/>
+              </a:rPr>
+              <a:t>y -&gt; y*y</a:t>
+            </a:r>
+            <a:endParaRPr b="0" lang="pl-PL" sz="2000" spc="-1" strike="noStrike">
+              <a:latin typeface="Arial"/>
+            </a:endParaRPr>
+          </a:p>
+          <a:p>
+            <a:pPr>
+              <a:lnSpc>
+                <a:spcPct val="100000"/>
+              </a:lnSpc>
+            </a:pPr>
+            <a:endParaRPr b="0" lang="pl-PL" sz="2000" spc="-1" strike="noStrike">
+              <a:latin typeface="Arial"/>
+            </a:endParaRPr>
+          </a:p>
+          <a:p>
+            <a:pPr>
+              <a:lnSpc>
+                <a:spcPct val="100000"/>
+              </a:lnSpc>
+            </a:pPr>
+            <a:r>
+              <a:rPr b="0" lang="pl-PL" sz="2000" spc="-1" strike="noStrike">
+                <a:solidFill>
+                  <a:srgbClr val="ffffff"/>
+                </a:solidFill>
+                <a:latin typeface="Arial"/>
+                <a:ea typeface="DejaVu Sans"/>
+              </a:rPr>
+              <a:t>v -&gt; new Osoba(v.getImie())</a:t>
+            </a:r>
+            <a:endParaRPr b="0" lang="pl-PL" sz="2000" spc="-1" strike="noStrike">
+              <a:latin typeface="Arial"/>
+            </a:endParaRPr>
+          </a:p>
+          <a:p>
+            <a:pPr>
+              <a:lnSpc>
+                <a:spcPct val="100000"/>
+              </a:lnSpc>
+            </a:pPr>
+            <a:endParaRPr b="0" lang="pl-PL" sz="2000" spc="-1" strike="noStrike">
+              <a:latin typeface="Arial"/>
+            </a:endParaRPr>
+          </a:p>
+          <a:p>
+            <a:pPr>
+              <a:lnSpc>
+                <a:spcPct val="100000"/>
+              </a:lnSpc>
+            </a:pPr>
+            <a:r>
+              <a:rPr b="0" lang="pl-PL" sz="2000" spc="-1" strike="noStrike">
+                <a:solidFill>
+                  <a:srgbClr val="ffffff"/>
+                </a:solidFill>
+                <a:latin typeface="Arial"/>
+                <a:ea typeface="DejaVu Sans"/>
+              </a:rPr>
+              <a:t>Można zastosować wersję skrótową podawania argumentów, np:</a:t>
+            </a:r>
+            <a:endParaRPr b="0" lang="pl-PL" sz="2000" spc="-1" strike="noStrike">
+              <a:latin typeface="Arial"/>
+            </a:endParaRPr>
+          </a:p>
+          <a:p>
+            <a:pPr>
+              <a:lnSpc>
+                <a:spcPct val="100000"/>
+              </a:lnSpc>
+            </a:pPr>
+            <a:endParaRPr b="0" lang="pl-PL" sz="2000" spc="-1" strike="noStrike">
+              <a:latin typeface="Arial"/>
+            </a:endParaRPr>
+          </a:p>
+          <a:p>
+            <a:pPr>
+              <a:lnSpc>
+                <a:spcPct val="100000"/>
+              </a:lnSpc>
+            </a:pPr>
+            <a:r>
+              <a:rPr b="0" lang="pl-PL" sz="2000" spc="-1" strike="noStrike">
+                <a:solidFill>
+                  <a:srgbClr val="ffffff"/>
+                </a:solidFill>
+                <a:latin typeface="Arial"/>
+                <a:ea typeface="DejaVu Sans"/>
+              </a:rPr>
+              <a:t>String::toUpperCase</a:t>
+            </a:r>
+            <a:endParaRPr b="0" lang="pl-PL" sz="2000" spc="-1" strike="noStrike">
+              <a:latin typeface="Arial"/>
+            </a:endParaRPr>
+          </a:p>
+          <a:p>
+            <a:pPr>
+              <a:lnSpc>
+                <a:spcPct val="100000"/>
+              </a:lnSpc>
+            </a:pPr>
+            <a:r>
+              <a:rPr b="0" lang="pl-PL" sz="2000" spc="-1" strike="noStrike">
+                <a:solidFill>
+                  <a:srgbClr val="ffffff"/>
+                </a:solidFill>
+                <a:latin typeface="Arial"/>
+                <a:ea typeface="DejaVu Sans"/>
+              </a:rPr>
+              <a:t> </a:t>
+            </a:r>
+            <a:endParaRPr b="0" lang="pl-PL" sz="2000" spc="-1" strike="noStrike">
+              <a:latin typeface="Arial"/>
+            </a:endParaRPr>
+          </a:p>
+          <a:p>
+            <a:pPr>
+              <a:lnSpc>
+                <a:spcPct val="100000"/>
+              </a:lnSpc>
+            </a:pPr>
+            <a:endParaRPr b="0" lang="pl-PL" sz="2000" spc="-1" strike="noStrike">
+              <a:latin typeface="Arial"/>
+            </a:endParaRPr>
+          </a:p>
+          <a:p>
+            <a:pPr>
+              <a:lnSpc>
+                <a:spcPct val="100000"/>
+              </a:lnSpc>
+            </a:pPr>
+            <a:endParaRPr b="0" lang="pl-PL" sz="2000" spc="-1" strike="noStrike">
+              <a:latin typeface="Arial"/>
+            </a:endParaRPr>
+          </a:p>
+          <a:p>
+            <a:pPr>
+              <a:lnSpc>
+                <a:spcPct val="100000"/>
+              </a:lnSpc>
+            </a:pPr>
+            <a:endParaRPr b="0" lang="pl-PL" sz="2000" spc="-1" strike="noStrike">
+              <a:latin typeface="Arial"/>
+            </a:endParaRPr>
+          </a:p>
+          <a:p>
+            <a:pPr>
+              <a:lnSpc>
+                <a:spcPct val="100000"/>
+              </a:lnSpc>
+            </a:pPr>
+            <a:endParaRPr b="0" lang="pl-PL" sz="2000" spc="-1" strike="noStrike">
+              <a:latin typeface="Arial"/>
+            </a:endParaRPr>
+          </a:p>
+          <a:p>
+            <a:pPr>
+              <a:lnSpc>
+                <a:spcPct val="100000"/>
+              </a:lnSpc>
+            </a:pPr>
+            <a:endParaRPr b="0" lang="pl-PL" sz="2000" spc="-1" strike="noStrike">
+              <a:latin typeface="Arial"/>
+            </a:endParaRPr>
+          </a:p>
+          <a:p>
+            <a:pPr>
+              <a:lnSpc>
+                <a:spcPct val="100000"/>
+              </a:lnSpc>
+            </a:pPr>
+            <a:endParaRPr b="0" lang="pl-PL" sz="2000" spc="-1" strike="noStrike">
+              <a:latin typeface="Arial"/>
+            </a:endParaRPr>
+          </a:p>
+          <a:p>
+            <a:pPr>
+              <a:lnSpc>
+                <a:spcPct val="100000"/>
+              </a:lnSpc>
+            </a:pPr>
+            <a:endParaRPr b="0" lang="pl-PL" sz="2000" spc="-1" strike="noStrike">
+              <a:latin typeface="Arial"/>
+            </a:endParaRPr>
+          </a:p>
+          <a:p>
+            <a:pPr>
+              <a:lnSpc>
+                <a:spcPct val="100000"/>
+              </a:lnSpc>
+            </a:pPr>
+            <a:endParaRPr b="0" lang="pl-PL" sz="2000" spc="-1" strike="noStrike">
+              <a:latin typeface="Arial"/>
+            </a:endParaRPr>
+          </a:p>
+          <a:p>
+            <a:pPr>
+              <a:lnSpc>
+                <a:spcPct val="100000"/>
+              </a:lnSpc>
+            </a:pPr>
+            <a:endParaRPr b="0" lang="pl-PL" sz="2000" spc="-1" strike="noStrike">
+              <a:latin typeface="Arial"/>
+            </a:endParaRPr>
+          </a:p>
+        </p:txBody>
+      </p:sp>
+      <p:sp>
+        <p:nvSpPr>
+          <p:cNvPr id="273" name="TextShape 3"/>
           <p:cNvSpPr txBox="1"/>
           <p:nvPr/>
         </p:nvSpPr>
         <p:spPr>
           <a:xfrm>
-            <a:off x="6264000" y="1368000"/>
-            <a:ext cx="5472000" cy="5465520"/>
+            <a:off x="6879960" y="2376000"/>
+            <a:ext cx="5216040" cy="3384000"/>
           </a:xfrm>
           <a:prstGeom prst="rect">
             <a:avLst/>
@@ -29121,103 +31341,37 @@
           <a:bodyPr lIns="90000" rIns="90000" tIns="45000" bIns="45000"/>
           <a:p>
             <a:r>
-              <a:rPr b="0" lang="pl-PL" sz="1800" spc="-1" strike="noStrike">
+              <a:rPr b="0" lang="pl-PL" sz="2000" spc="-1" strike="noStrike">
                 <a:solidFill>
                   <a:srgbClr val="ffffff"/>
                 </a:solidFill>
                 <a:latin typeface="Arial"/>
                 <a:ea typeface="Courier New"/>
               </a:rPr>
-              <a:t>ExecutorService executor = Executors.</a:t>
-            </a:r>
-            <a:r>
-              <a:rPr b="0" i="1" lang="pl-PL" sz="1800" spc="-1" strike="noStrike">
+              <a:t>List&lt;String&gt; imiona = Arrays.</a:t>
+            </a:r>
+            <a:r>
+              <a:rPr b="0" i="1" lang="pl-PL" sz="2000" spc="-1" strike="noStrike">
                 <a:solidFill>
                   <a:srgbClr val="ffffff"/>
                 </a:solidFill>
                 <a:latin typeface="Arial"/>
                 <a:ea typeface="Courier New"/>
               </a:rPr>
-              <a:t>newFixedThreadPool</a:t>
-            </a:r>
-            <a:r>
-              <a:rPr b="0" lang="pl-PL" sz="1800" spc="-1" strike="noStrike">
+              <a:t>asList</a:t>
+            </a:r>
+            <a:r>
+              <a:rPr b="0" lang="pl-PL" sz="2000" spc="-1" strike="noStrike">
                 <a:solidFill>
                   <a:srgbClr val="ffffff"/>
                 </a:solidFill>
                 <a:latin typeface="Arial"/>
                 <a:ea typeface="Courier New"/>
               </a:rPr>
-              <a:t>(10);</a:t>
+              <a:t>("anna", "weronika", "anastazja", "marek");</a:t>
             </a:r>
             <a:br/>
-            <a:r>
-              <a:rPr b="0" lang="pl-PL" sz="1800" spc="-1" strike="noStrike">
-                <a:solidFill>
-                  <a:srgbClr val="ffffff"/>
-                </a:solidFill>
-                <a:latin typeface="Arial"/>
-                <a:ea typeface="Courier New"/>
-              </a:rPr>
-              <a:t>List&lt;Future&lt;String&gt;&gt; list = new ArrayList&lt;&gt;();</a:t>
-            </a:r>
-            <a:br/>
-            <a:br/>
-            <a:r>
-              <a:rPr b="0" lang="pl-PL" sz="1800" spc="-1" strike="noStrike">
-                <a:solidFill>
-                  <a:srgbClr val="ffffff"/>
-                </a:solidFill>
-                <a:latin typeface="Arial"/>
-                <a:ea typeface="Courier New"/>
-              </a:rPr>
-              <a:t>for(int i=0; i&lt; 100; i++){</a:t>
-            </a:r>
-            <a:br/>
-            <a:r>
-              <a:rPr b="0" lang="pl-PL" sz="1800" spc="-1" strike="noStrike">
-                <a:solidFill>
-                  <a:srgbClr val="ffffff"/>
-                </a:solidFill>
-                <a:latin typeface="Arial"/>
-                <a:ea typeface="Courier New"/>
-              </a:rPr>
-              <a:t>    Callable&lt;String&gt; callable = new MyThread (i);</a:t>
-            </a:r>
-            <a:br/>
-            <a:r>
-              <a:rPr b="0" lang="pl-PL" sz="1800" spc="-1" strike="noStrike">
-                <a:solidFill>
-                  <a:srgbClr val="ffffff"/>
-                </a:solidFill>
-                <a:latin typeface="Arial"/>
-                <a:ea typeface="Courier New"/>
-              </a:rPr>
-              <a:t>    Future&lt;String&gt; future = executor.submit(callable);</a:t>
-            </a:r>
-            <a:br/>
-            <a:r>
-              <a:rPr b="0" lang="pl-PL" sz="1800" spc="-1" strike="noStrike">
-                <a:solidFill>
-                  <a:srgbClr val="ffffff"/>
-                </a:solidFill>
-                <a:latin typeface="Arial"/>
-                <a:ea typeface="Courier New"/>
-              </a:rPr>
-              <a:t>    list.add(future);</a:t>
-            </a:r>
-            <a:br/>
-            <a:r>
-              <a:rPr b="0" lang="pl-PL" sz="1800" spc="-1" strike="noStrike">
-                <a:solidFill>
-                  <a:srgbClr val="ffffff"/>
-                </a:solidFill>
-                <a:latin typeface="Arial"/>
-                <a:ea typeface="Courier New"/>
-              </a:rPr>
-              <a:t>}</a:t>
-            </a:r>
-            <a:endParaRPr b="0" lang="pl-PL" sz="1800" spc="-1" strike="noStrike">
+            <a:endParaRPr b="0" lang="pl-PL" sz="2000" spc="-1" strike="noStrike">
               <a:solidFill>
                 <a:srgbClr val="ffffff"/>
               </a:solidFill>
@@ -29225,115 +31379,89 @@
             </a:endParaRPr>
           </a:p>
           <a:p>
+            <a:r>
+              <a:rPr b="0" lang="pl-PL" sz="2000" spc="-1" strike="noStrike">
+                <a:solidFill>
+                  <a:srgbClr val="ffffff"/>
+                </a:solidFill>
+                <a:latin typeface="Arial"/>
+                <a:ea typeface="Courier New"/>
+              </a:rPr>
+              <a:t>String concat = imiona.stream()</a:t>
+            </a:r>
             <a:br/>
             <a:r>
-              <a:rPr b="0" lang="pl-PL" sz="1800" spc="-1" strike="noStrike">
+              <a:rPr b="0" lang="pl-PL" sz="2000" spc="-1" strike="noStrike">
                 <a:solidFill>
                   <a:srgbClr val="ffffff"/>
                 </a:solidFill>
                 <a:latin typeface="Arial"/>
                 <a:ea typeface="Courier New"/>
               </a:rPr>
-              <a:t>for(Future&lt;String&gt; fut : list){</a:t>
+              <a:t>        .map(String::toUpperCase)</a:t>
             </a:r>
             <a:br/>
             <a:r>
-              <a:rPr b="0" lang="pl-PL" sz="1800" spc="-1" strike="noStrike">
+              <a:rPr b="0" lang="pl-PL" sz="2000" spc="-1" strike="noStrike">
                 <a:solidFill>
                   <a:srgbClr val="ffffff"/>
                 </a:solidFill>
                 <a:latin typeface="Arial"/>
                 <a:ea typeface="Courier New"/>
               </a:rPr>
-              <a:t>    try {</a:t>
+              <a:t>        .filter(name -&gt; name.startsWith("AN"))</a:t>
             </a:r>
             <a:br/>
             <a:r>
-              <a:rPr b="0" lang="pl-PL" sz="1800" spc="-1" strike="noStrike">
+              <a:rPr b="0" lang="pl-PL" sz="2000" spc="-1" strike="noStrike">
                 <a:solidFill>
                   <a:srgbClr val="ffffff"/>
                 </a:solidFill>
                 <a:latin typeface="Arial"/>
                 <a:ea typeface="Courier New"/>
               </a:rPr>
-              <a:t>        System.</a:t>
-            </a:r>
-            <a:r>
-              <a:rPr b="0" i="1" lang="pl-PL" sz="1800" spc="-1" strike="noStrike">
+              <a:t>        .reduce("", (str1, str2) -&gt; str1 + str2);</a:t>
+            </a:r>
+            <a:br/>
+            <a:endParaRPr b="0" lang="pl-PL" sz="2000" spc="-1" strike="noStrike">
+              <a:solidFill>
+                <a:srgbClr val="ffffff"/>
+              </a:solidFill>
+              <a:latin typeface="Arial"/>
+            </a:endParaRPr>
+          </a:p>
+          <a:p>
+            <a:r>
+              <a:rPr b="0" lang="pl-PL" sz="2000" spc="-1" strike="noStrike">
                 <a:solidFill>
                   <a:srgbClr val="ffffff"/>
                 </a:solidFill>
                 <a:latin typeface="Arial"/>
                 <a:ea typeface="Courier New"/>
               </a:rPr>
+              <a:t>System.</a:t>
+            </a:r>
+            <a:r>
+              <a:rPr b="0" i="1" lang="pl-PL" sz="2000" spc="-1" strike="noStrike">
+                <a:solidFill>
+                  <a:srgbClr val="ffffff"/>
+                </a:solidFill>
+                <a:latin typeface="Arial"/>
+                <a:ea typeface="Courier New"/>
+              </a:rPr>
               <a:t>out</a:t>
             </a:r>
             <a:r>
-              <a:rPr b="0" lang="pl-PL" sz="1800" spc="-1" strike="noStrike">
+              <a:rPr b="0" lang="pl-PL" sz="2000" spc="-1" strike="noStrike">
                 <a:solidFill>
                   <a:srgbClr val="ffffff"/>
                 </a:solidFill>
                 <a:latin typeface="Arial"/>
                 <a:ea typeface="Courier New"/>
               </a:rPr>
-              <a:t>.println(new Date()+ "-"+fut.get());</a:t>
-            </a:r>
-            <a:br/>
-            <a:r>
-              <a:rPr b="0" lang="pl-PL" sz="1800" spc="-1" strike="noStrike">
-                <a:solidFill>
-                  <a:srgbClr val="ffffff"/>
-                </a:solidFill>
-                <a:latin typeface="Arial"/>
-                <a:ea typeface="Courier New"/>
-              </a:rPr>
-              <a:t>    } catch (InterruptedException | ExecutionException e) {</a:t>
-            </a:r>
-            <a:br/>
-            <a:r>
-              <a:rPr b="0" lang="pl-PL" sz="1800" spc="-1" strike="noStrike">
-                <a:solidFill>
-                  <a:srgbClr val="ffffff"/>
-                </a:solidFill>
-                <a:latin typeface="Arial"/>
-                <a:ea typeface="Courier New"/>
-              </a:rPr>
-              <a:t>        e.printStackTrace();</a:t>
-            </a:r>
-            <a:br/>
-            <a:r>
-              <a:rPr b="0" lang="pl-PL" sz="1800" spc="-1" strike="noStrike">
-                <a:solidFill>
-                  <a:srgbClr val="ffffff"/>
-                </a:solidFill>
-                <a:latin typeface="Arial"/>
-                <a:ea typeface="Courier New"/>
-              </a:rPr>
-              <a:t>    }</a:t>
-            </a:r>
-            <a:br/>
-            <a:r>
-              <a:rPr b="0" lang="pl-PL" sz="1800" spc="-1" strike="noStrike">
-                <a:solidFill>
-                  <a:srgbClr val="ffffff"/>
-                </a:solidFill>
-                <a:latin typeface="Arial"/>
-                <a:ea typeface="Courier New"/>
-              </a:rPr>
-              <a:t>}</a:t>
-            </a:r>
-            <a:br/>
-            <a:r>
-              <a:rPr b="0" lang="pl-PL" sz="1800" spc="-1" strike="noStrike">
-                <a:solidFill>
-                  <a:srgbClr val="ffffff"/>
-                </a:solidFill>
-                <a:latin typeface="Arial"/>
-                <a:ea typeface="Courier New"/>
-              </a:rPr>
-              <a:t>executor.shutdown();</a:t>
-            </a:r>
-            <a:endParaRPr b="0" lang="pl-PL" sz="1800" spc="-1" strike="noStrike">
+              <a:t>.println(concat);</a:t>
+            </a:r>
+            <a:endParaRPr b="0" lang="pl-PL" sz="2000" spc="-1" strike="noStrike">
               <a:solidFill>
                 <a:srgbClr val="ffffff"/>
               </a:solidFill>
@@ -29347,10 +31475,10 @@
   <p:timing>
     <p:tnLst>
       <p:par>
-        <p:cTn id="91" dur="indefinite" restart="never" nodeType="tmRoot">
+        <p:cTn id="97" dur="indefinite" restart="never" nodeType="tmRoot">
           <p:childTnLst>
             <p:seq>
-              <p:cTn id="92" dur="indefinite" nodeType="mainSeq"/>
+              <p:cTn id="98" dur="indefinite" nodeType="mainSeq"/>
               <p:prevCondLst>
                 <p:cond delay="0" evt="onPrev">
                   <p:tgtEl>
@@ -29400,7 +31528,7 @@
         <p:spPr>
           <a:xfrm>
             <a:off x="1561680" y="0"/>
-            <a:ext cx="9065880" cy="1256760"/>
+            <a:ext cx="9065520" cy="1256400"/>
           </a:xfrm>
           <a:prstGeom prst="rect">
             <a:avLst/>
@@ -29449,7 +31577,7 @@
         <p:spPr>
           <a:xfrm>
             <a:off x="861480" y="1728360"/>
-            <a:ext cx="5398200" cy="4963680"/>
+            <a:ext cx="5397840" cy="4963320"/>
           </a:xfrm>
           <a:prstGeom prst="rect">
             <a:avLst/>
@@ -29497,8 +31625,8 @@
         </p:nvSpPr>
         <p:spPr>
           <a:xfrm rot="21553200">
-            <a:off x="2466000" y="2635920"/>
-            <a:ext cx="1582200" cy="2672280"/>
+            <a:off x="2466000" y="2635560"/>
+            <a:ext cx="1581840" cy="2671920"/>
           </a:xfrm>
           <a:prstGeom prst="rect">
             <a:avLst/>
@@ -29600,8 +31728,8 @@
         </p:nvSpPr>
         <p:spPr>
           <a:xfrm rot="21553200">
-            <a:off x="5418000" y="2635920"/>
-            <a:ext cx="1582200" cy="2672280"/>
+            <a:off x="5418000" y="2635560"/>
+            <a:ext cx="1581840" cy="2671920"/>
           </a:xfrm>
           <a:prstGeom prst="rect">
             <a:avLst/>
@@ -29772,7 +31900,7 @@
         <p:spPr>
           <a:xfrm>
             <a:off x="8354160" y="1728000"/>
-            <a:ext cx="1724040" cy="1220040"/>
+            <a:ext cx="1723680" cy="1219680"/>
           </a:xfrm>
           <a:prstGeom prst="rect">
             <a:avLst/>
@@ -29875,7 +32003,7 @@
         <p:spPr>
           <a:xfrm>
             <a:off x="8282160" y="4895640"/>
-            <a:ext cx="1724040" cy="1220040"/>
+            <a:ext cx="1723680" cy="1219680"/>
           </a:xfrm>
           <a:prstGeom prst="rect">
             <a:avLst/>
@@ -29978,7 +32106,7 @@
         <p:spPr>
           <a:xfrm>
             <a:off x="4320000" y="3383640"/>
-            <a:ext cx="1076040" cy="342360"/>
+            <a:ext cx="1075680" cy="342000"/>
           </a:xfrm>
           <a:prstGeom prst="rect">
             <a:avLst/>
@@ -30083,7 +32211,7 @@
         <p:spPr>
           <a:xfrm>
             <a:off x="7058160" y="3685320"/>
-            <a:ext cx="1076040" cy="598320"/>
+            <a:ext cx="1075680" cy="597960"/>
           </a:xfrm>
           <a:prstGeom prst="rect">
             <a:avLst/>
@@ -30142,6 +32270,588 @@
           <p:childTnLst>
             <p:seq>
               <p:cTn id="10" dur="indefinite" nodeType="mainSeq"/>
+              <p:prevCondLst>
+                <p:cond delay="0" evt="onPrev">
+                  <p:tgtEl>
+                    <p:sldTgt/>
+                  </p:tgtEl>
+                </p:cond>
+              </p:prevCondLst>
+              <p:nextCondLst>
+                <p:cond delay="0" evt="onNext">
+                  <p:tgtEl>
+                    <p:sldTgt/>
+                  </p:tgtEl>
+                </p:cond>
+              </p:nextCondLst>
+            </p:seq>
+          </p:childTnLst>
+        </p:cTn>
+      </p:par>
+    </p:tnLst>
+  </p:timing>
+</p:sld>
+</file>
+
+<file path=ppt/slides/slide50.xml><?xml version="1.0" encoding="utf-8"?>
+<p:sld xmlns:a="http://schemas.openxmlformats.org/drawingml/2006/main" xmlns:p="http://schemas.openxmlformats.org/presentationml/2006/main" xmlns:r="http://schemas.openxmlformats.org/officeDocument/2006/relationships" xmlns:p14="http://schemas.microsoft.com/office/powerpoint/2010/main" xmlns:p15="http://schemas.microsoft.com/office/powerpoint/2012/main" xmlns:mc="http://schemas.openxmlformats.org/markup-compatibility/2006">
+  <p:cSld>
+    <p:spTree>
+      <p:nvGrpSpPr>
+        <p:cNvPr id="1" name=""/>
+        <p:cNvGrpSpPr/>
+        <p:nvPr/>
+      </p:nvGrpSpPr>
+      <p:grpSpPr>
+        <a:xfrm>
+          <a:off x="0" y="0"/>
+          <a:ext cx="0" cy="0"/>
+          <a:chOff x="0" y="0"/>
+          <a:chExt cx="0" cy="0"/>
+        </a:xfrm>
+      </p:grpSpPr>
+      <p:sp>
+        <p:nvSpPr>
+          <p:cNvPr id="274" name="CustomShape 1"/>
+          <p:cNvSpPr/>
+          <p:nvPr/>
+        </p:nvSpPr>
+        <p:spPr>
+          <a:xfrm>
+            <a:off x="1561680" y="0"/>
+            <a:ext cx="9065520" cy="1256400"/>
+          </a:xfrm>
+          <a:prstGeom prst="rect">
+            <a:avLst/>
+          </a:prstGeom>
+          <a:noFill/>
+          <a:ln>
+            <a:noFill/>
+          </a:ln>
+        </p:spPr>
+        <p:style>
+          <a:lnRef idx="0"/>
+          <a:fillRef idx="0"/>
+          <a:effectRef idx="0"/>
+          <a:fontRef idx="minor"/>
+        </p:style>
+        <p:txBody>
+          <a:bodyPr lIns="0" rIns="0" tIns="0" bIns="0" anchor="ctr"/>
+          <a:p>
+            <a:pPr algn="ctr">
+              <a:lnSpc>
+                <a:spcPct val="100000"/>
+              </a:lnSpc>
+            </a:pPr>
+            <a:r>
+              <a:rPr b="1" lang="pl-PL" sz="4400" spc="-1" strike="noStrike">
+                <a:solidFill>
+                  <a:srgbClr val="ffffff"/>
+                </a:solidFill>
+                <a:latin typeface="Arial"/>
+                <a:ea typeface="DejaVu Sans"/>
+              </a:rPr>
+              <a:t>Programowanie funkcyjne - Optional </a:t>
+            </a:r>
+            <a:endParaRPr b="0" lang="pl-PL" sz="4400" spc="-1" strike="noStrike">
+              <a:latin typeface="Arial"/>
+            </a:endParaRPr>
+          </a:p>
+        </p:txBody>
+      </p:sp>
+      <p:sp>
+        <p:nvSpPr>
+          <p:cNvPr id="275" name="CustomShape 2"/>
+          <p:cNvSpPr/>
+          <p:nvPr/>
+        </p:nvSpPr>
+        <p:spPr>
+          <a:xfrm>
+            <a:off x="1008000" y="1872000"/>
+            <a:ext cx="5328000" cy="5326920"/>
+          </a:xfrm>
+          <a:prstGeom prst="rect">
+            <a:avLst/>
+          </a:prstGeom>
+          <a:noFill/>
+          <a:ln>
+            <a:noFill/>
+          </a:ln>
+        </p:spPr>
+        <p:style>
+          <a:lnRef idx="0"/>
+          <a:fillRef idx="0"/>
+          <a:effectRef idx="0"/>
+          <a:fontRef idx="minor"/>
+        </p:style>
+        <p:txBody>
+          <a:bodyPr lIns="90000" rIns="90000" tIns="45000" bIns="45000"/>
+          <a:p>
+            <a:pPr>
+              <a:lnSpc>
+                <a:spcPct val="100000"/>
+              </a:lnSpc>
+            </a:pPr>
+            <a:r>
+              <a:rPr b="0" lang="pl-PL" sz="2200" spc="-1" strike="noStrike">
+                <a:solidFill>
+                  <a:srgbClr val="00a65d"/>
+                </a:solidFill>
+                <a:latin typeface="Arial"/>
+                <a:ea typeface="DejaVu Sans"/>
+              </a:rPr>
+              <a:t>Optional </a:t>
+            </a:r>
+            <a:r>
+              <a:rPr b="0" lang="pl-PL" sz="2200" spc="-1" strike="noStrike">
+                <a:solidFill>
+                  <a:srgbClr val="ffffff"/>
+                </a:solidFill>
+                <a:latin typeface="Arial"/>
+                <a:ea typeface="DejaVu Sans"/>
+              </a:rPr>
+              <a:t>w javie to obiekt, który opakowuje inne obiekty w celu dostarczenia funkconalności uniknięcia wyjątku NullPointerException</a:t>
+            </a:r>
+            <a:endParaRPr b="0" lang="pl-PL" sz="2200" spc="-1" strike="noStrike">
+              <a:latin typeface="Arial"/>
+            </a:endParaRPr>
+          </a:p>
+          <a:p>
+            <a:pPr>
+              <a:lnSpc>
+                <a:spcPct val="100000"/>
+              </a:lnSpc>
+            </a:pPr>
+            <a:r>
+              <a:rPr b="0" lang="pl-PL" sz="2200" spc="-1" strike="noStrike">
+                <a:solidFill>
+                  <a:srgbClr val="ffffff"/>
+                </a:solidFill>
+                <a:latin typeface="Arial"/>
+                <a:ea typeface="DejaVu Sans"/>
+              </a:rPr>
+              <a:t>Na optionalach można bezpiecznie wykonywać operacje strumieniowe, np.: map, filter, bądź reduce, nawet jeśli ich zawartość jest nullem (w takim wypadku operacje nie zostaną wykonane, programista może w dowolny sposób obsłużyć pusty optional)</a:t>
+            </a:r>
+            <a:endParaRPr b="0" lang="pl-PL" sz="2200" spc="-1" strike="noStrike">
+              <a:latin typeface="Arial"/>
+            </a:endParaRPr>
+          </a:p>
+          <a:p>
+            <a:pPr>
+              <a:lnSpc>
+                <a:spcPct val="100000"/>
+              </a:lnSpc>
+            </a:pPr>
+            <a:endParaRPr b="0" lang="pl-PL" sz="2200" spc="-1" strike="noStrike">
+              <a:latin typeface="Arial"/>
+            </a:endParaRPr>
+          </a:p>
+          <a:p>
+            <a:pPr>
+              <a:lnSpc>
+                <a:spcPct val="100000"/>
+              </a:lnSpc>
+            </a:pPr>
+            <a:endParaRPr b="0" lang="pl-PL" sz="2200" spc="-1" strike="noStrike">
+              <a:latin typeface="Arial"/>
+            </a:endParaRPr>
+          </a:p>
+          <a:p>
+            <a:pPr>
+              <a:lnSpc>
+                <a:spcPct val="100000"/>
+              </a:lnSpc>
+            </a:pPr>
+            <a:r>
+              <a:rPr b="0" lang="pl-PL" sz="2000" spc="-1" strike="noStrike">
+                <a:solidFill>
+                  <a:srgbClr val="ffffff"/>
+                </a:solidFill>
+                <a:latin typeface="Arial"/>
+                <a:ea typeface="DejaVu Sans"/>
+              </a:rPr>
+              <a:t> </a:t>
+            </a:r>
+            <a:endParaRPr b="0" lang="pl-PL" sz="2000" spc="-1" strike="noStrike">
+              <a:latin typeface="Arial"/>
+            </a:endParaRPr>
+          </a:p>
+          <a:p>
+            <a:pPr>
+              <a:lnSpc>
+                <a:spcPct val="100000"/>
+              </a:lnSpc>
+            </a:pPr>
+            <a:endParaRPr b="0" lang="pl-PL" sz="2000" spc="-1" strike="noStrike">
+              <a:latin typeface="Arial"/>
+            </a:endParaRPr>
+          </a:p>
+          <a:p>
+            <a:pPr>
+              <a:lnSpc>
+                <a:spcPct val="100000"/>
+              </a:lnSpc>
+            </a:pPr>
+            <a:endParaRPr b="0" lang="pl-PL" sz="2000" spc="-1" strike="noStrike">
+              <a:latin typeface="Arial"/>
+            </a:endParaRPr>
+          </a:p>
+          <a:p>
+            <a:pPr>
+              <a:lnSpc>
+                <a:spcPct val="100000"/>
+              </a:lnSpc>
+            </a:pPr>
+            <a:endParaRPr b="0" lang="pl-PL" sz="2000" spc="-1" strike="noStrike">
+              <a:latin typeface="Arial"/>
+            </a:endParaRPr>
+          </a:p>
+          <a:p>
+            <a:pPr>
+              <a:lnSpc>
+                <a:spcPct val="100000"/>
+              </a:lnSpc>
+            </a:pPr>
+            <a:endParaRPr b="0" lang="pl-PL" sz="2000" spc="-1" strike="noStrike">
+              <a:latin typeface="Arial"/>
+            </a:endParaRPr>
+          </a:p>
+          <a:p>
+            <a:pPr>
+              <a:lnSpc>
+                <a:spcPct val="100000"/>
+              </a:lnSpc>
+            </a:pPr>
+            <a:endParaRPr b="0" lang="pl-PL" sz="2000" spc="-1" strike="noStrike">
+              <a:latin typeface="Arial"/>
+            </a:endParaRPr>
+          </a:p>
+          <a:p>
+            <a:pPr>
+              <a:lnSpc>
+                <a:spcPct val="100000"/>
+              </a:lnSpc>
+            </a:pPr>
+            <a:endParaRPr b="0" lang="pl-PL" sz="2000" spc="-1" strike="noStrike">
+              <a:latin typeface="Arial"/>
+            </a:endParaRPr>
+          </a:p>
+          <a:p>
+            <a:pPr>
+              <a:lnSpc>
+                <a:spcPct val="100000"/>
+              </a:lnSpc>
+            </a:pPr>
+            <a:endParaRPr b="0" lang="pl-PL" sz="2000" spc="-1" strike="noStrike">
+              <a:latin typeface="Arial"/>
+            </a:endParaRPr>
+          </a:p>
+          <a:p>
+            <a:pPr>
+              <a:lnSpc>
+                <a:spcPct val="100000"/>
+              </a:lnSpc>
+            </a:pPr>
+            <a:endParaRPr b="0" lang="pl-PL" sz="2000" spc="-1" strike="noStrike">
+              <a:latin typeface="Arial"/>
+            </a:endParaRPr>
+          </a:p>
+          <a:p>
+            <a:pPr>
+              <a:lnSpc>
+                <a:spcPct val="100000"/>
+              </a:lnSpc>
+            </a:pPr>
+            <a:endParaRPr b="0" lang="pl-PL" sz="2000" spc="-1" strike="noStrike">
+              <a:latin typeface="Arial"/>
+            </a:endParaRPr>
+          </a:p>
+        </p:txBody>
+      </p:sp>
+      <p:sp>
+        <p:nvSpPr>
+          <p:cNvPr id="276" name="TextShape 3"/>
+          <p:cNvSpPr txBox="1"/>
+          <p:nvPr/>
+        </p:nvSpPr>
+        <p:spPr>
+          <a:xfrm>
+            <a:off x="6480000" y="1980720"/>
+            <a:ext cx="5616000" cy="3851280"/>
+          </a:xfrm>
+          <a:prstGeom prst="rect">
+            <a:avLst/>
+          </a:prstGeom>
+          <a:noFill/>
+          <a:ln>
+            <a:noFill/>
+          </a:ln>
+        </p:spPr>
+        <p:txBody>
+          <a:bodyPr lIns="90000" rIns="90000" tIns="45000" bIns="45000"/>
+          <a:p>
+            <a:r>
+              <a:rPr b="0" lang="pl-PL" sz="1600" spc="-1" strike="noStrike">
+                <a:solidFill>
+                  <a:srgbClr val="ffffff"/>
+                </a:solidFill>
+                <a:latin typeface="Arial"/>
+                <a:ea typeface="Courier New"/>
+              </a:rPr>
+              <a:t>Optional someString = Optional.</a:t>
+            </a:r>
+            <a:r>
+              <a:rPr b="0" i="1" lang="pl-PL" sz="1600" spc="-1" strike="noStrike">
+                <a:solidFill>
+                  <a:srgbClr val="ffffff"/>
+                </a:solidFill>
+                <a:latin typeface="Arial"/>
+                <a:ea typeface="Courier New"/>
+              </a:rPr>
+              <a:t>of</a:t>
+            </a:r>
+            <a:r>
+              <a:rPr b="0" lang="pl-PL" sz="1600" spc="-1" strike="noStrike">
+                <a:solidFill>
+                  <a:srgbClr val="ffffff"/>
+                </a:solidFill>
+                <a:latin typeface="Arial"/>
+                <a:ea typeface="Courier New"/>
+              </a:rPr>
+              <a:t>( "I am not a null" );</a:t>
+            </a:r>
+            <a:br/>
+            <a:r>
+              <a:rPr b="0" lang="pl-PL" sz="1600" spc="-1" strike="noStrike">
+                <a:solidFill>
+                  <a:srgbClr val="ffffff"/>
+                </a:solidFill>
+                <a:latin typeface="Arial"/>
+                <a:ea typeface="Courier New"/>
+              </a:rPr>
+              <a:t>if( someString.isPresent() )</a:t>
+            </a:r>
+            <a:br/>
+            <a:r>
+              <a:rPr b="0" lang="pl-PL" sz="1600" spc="-1" strike="noStrike">
+                <a:solidFill>
+                  <a:srgbClr val="ffffff"/>
+                </a:solidFill>
+                <a:latin typeface="Arial"/>
+                <a:ea typeface="Courier New"/>
+              </a:rPr>
+              <a:t>{</a:t>
+            </a:r>
+            <a:br/>
+            <a:r>
+              <a:rPr b="0" lang="pl-PL" sz="1600" spc="-1" strike="noStrike">
+                <a:solidFill>
+                  <a:srgbClr val="ffffff"/>
+                </a:solidFill>
+                <a:latin typeface="Arial"/>
+                <a:ea typeface="Courier New"/>
+              </a:rPr>
+              <a:t>    System.</a:t>
+            </a:r>
+            <a:r>
+              <a:rPr b="0" i="1" lang="pl-PL" sz="1600" spc="-1" strike="noStrike">
+                <a:solidFill>
+                  <a:srgbClr val="ffffff"/>
+                </a:solidFill>
+                <a:latin typeface="Arial"/>
+                <a:ea typeface="Courier New"/>
+              </a:rPr>
+              <a:t>out</a:t>
+            </a:r>
+            <a:r>
+              <a:rPr b="0" lang="pl-PL" sz="1600" spc="-1" strike="noStrike">
+                <a:solidFill>
+                  <a:srgbClr val="ffffff"/>
+                </a:solidFill>
+                <a:latin typeface="Arial"/>
+                <a:ea typeface="Courier New"/>
+              </a:rPr>
+              <a:t>.println( someString.get() );</a:t>
+            </a:r>
+            <a:br/>
+            <a:r>
+              <a:rPr b="0" lang="pl-PL" sz="1600" spc="-1" strike="noStrike">
+                <a:solidFill>
+                  <a:srgbClr val="ffffff"/>
+                </a:solidFill>
+                <a:latin typeface="Arial"/>
+                <a:ea typeface="Courier New"/>
+              </a:rPr>
+              <a:t>}</a:t>
+            </a:r>
+            <a:br/>
+            <a:r>
+              <a:rPr b="0" lang="pl-PL" sz="1600" spc="-1" strike="noStrike">
+                <a:solidFill>
+                  <a:srgbClr val="ffffff"/>
+                </a:solidFill>
+                <a:latin typeface="Arial"/>
+                <a:ea typeface="Courier New"/>
+              </a:rPr>
+              <a:t>someString.ifPresent( System.</a:t>
+            </a:r>
+            <a:r>
+              <a:rPr b="0" i="1" lang="pl-PL" sz="1600" spc="-1" strike="noStrike">
+                <a:solidFill>
+                  <a:srgbClr val="ffffff"/>
+                </a:solidFill>
+                <a:latin typeface="Arial"/>
+                <a:ea typeface="Courier New"/>
+              </a:rPr>
+              <a:t>out</a:t>
+            </a:r>
+            <a:r>
+              <a:rPr b="0" lang="pl-PL" sz="1600" spc="-1" strike="noStrike">
+                <a:solidFill>
+                  <a:srgbClr val="ffffff"/>
+                </a:solidFill>
+                <a:latin typeface="Arial"/>
+                <a:ea typeface="Courier New"/>
+              </a:rPr>
+              <a:t>::println );</a:t>
+            </a:r>
+            <a:br/>
+            <a:br/>
+            <a:r>
+              <a:rPr b="0" lang="pl-PL" sz="1600" spc="-1" strike="noStrike">
+                <a:solidFill>
+                  <a:srgbClr val="ffffff"/>
+                </a:solidFill>
+                <a:latin typeface="Arial"/>
+                <a:ea typeface="Courier New"/>
+              </a:rPr>
+              <a:t>Optional&lt;String&gt; someStringNull = Optional.</a:t>
+            </a:r>
+            <a:r>
+              <a:rPr b="0" i="1" lang="pl-PL" sz="1600" spc="-1" strike="noStrike">
+                <a:solidFill>
+                  <a:srgbClr val="ffffff"/>
+                </a:solidFill>
+                <a:latin typeface="Arial"/>
+                <a:ea typeface="Courier New"/>
+              </a:rPr>
+              <a:t>ofNullable</a:t>
+            </a:r>
+            <a:r>
+              <a:rPr b="0" lang="pl-PL" sz="1600" spc="-1" strike="noStrike">
+                <a:solidFill>
+                  <a:srgbClr val="ffffff"/>
+                </a:solidFill>
+                <a:latin typeface="Arial"/>
+                <a:ea typeface="Courier New"/>
+              </a:rPr>
+              <a:t>(null);</a:t>
+            </a:r>
+            <a:br/>
+            <a:r>
+              <a:rPr b="0" lang="pl-PL" sz="1600" spc="-1" strike="noStrike">
+                <a:solidFill>
+                  <a:srgbClr val="ffffff"/>
+                </a:solidFill>
+                <a:latin typeface="Arial"/>
+                <a:ea typeface="Courier New"/>
+              </a:rPr>
+              <a:t>Optional someStringSizeNull = someStringNull</a:t>
+            </a:r>
+            <a:endParaRPr b="0" lang="pl-PL" sz="1600" spc="-1" strike="noStrike">
+              <a:latin typeface="Arial"/>
+            </a:endParaRPr>
+          </a:p>
+          <a:p>
+            <a:r>
+              <a:rPr b="0" lang="pl-PL" sz="1600" spc="-1" strike="noStrike">
+                <a:solidFill>
+                  <a:srgbClr val="ffffff"/>
+                </a:solidFill>
+                <a:latin typeface="Arial"/>
+                <a:ea typeface="Courier New"/>
+              </a:rPr>
+              <a:t>.map( x -&gt; x.toString().length());</a:t>
+            </a:r>
+            <a:br/>
+            <a:endParaRPr b="0" lang="pl-PL" sz="1600" spc="-1" strike="noStrike">
+              <a:latin typeface="Arial"/>
+            </a:endParaRPr>
+          </a:p>
+          <a:p>
+            <a:r>
+              <a:rPr b="0" lang="pl-PL" sz="1600" spc="-1" strike="noStrike">
+                <a:solidFill>
+                  <a:srgbClr val="ffffff"/>
+                </a:solidFill>
+                <a:latin typeface="Arial"/>
+                <a:ea typeface="Courier New"/>
+              </a:rPr>
+              <a:t>System.</a:t>
+            </a:r>
+            <a:r>
+              <a:rPr b="0" i="1" lang="pl-PL" sz="1600" spc="-1" strike="noStrike">
+                <a:solidFill>
+                  <a:srgbClr val="ffffff"/>
+                </a:solidFill>
+                <a:latin typeface="Arial"/>
+                <a:ea typeface="Courier New"/>
+              </a:rPr>
+              <a:t>out</a:t>
+            </a:r>
+            <a:r>
+              <a:rPr b="0" lang="pl-PL" sz="1600" spc="-1" strike="noStrike">
+                <a:solidFill>
+                  <a:srgbClr val="ffffff"/>
+                </a:solidFill>
+                <a:latin typeface="Arial"/>
+                <a:ea typeface="Courier New"/>
+              </a:rPr>
+              <a:t>.println( "Size of someString" + someStringSizeNull.orElse( 0 ));</a:t>
+            </a:r>
+            <a:br/>
+            <a:br/>
+            <a:r>
+              <a:rPr b="0" lang="pl-PL" sz="1600" spc="-1" strike="noStrike">
+                <a:solidFill>
+                  <a:srgbClr val="ffffff"/>
+                </a:solidFill>
+                <a:latin typeface="Arial"/>
+                <a:ea typeface="Courier New"/>
+              </a:rPr>
+              <a:t>String name = someStringNull</a:t>
+            </a:r>
+            <a:endParaRPr b="0" lang="pl-PL" sz="1600" spc="-1" strike="noStrike">
+              <a:latin typeface="Arial"/>
+            </a:endParaRPr>
+          </a:p>
+          <a:p>
+            <a:r>
+              <a:rPr b="0" lang="pl-PL" sz="1600" spc="-1" strike="noStrike">
+                <a:solidFill>
+                  <a:srgbClr val="ffffff"/>
+                </a:solidFill>
+                <a:latin typeface="Arial"/>
+                <a:ea typeface="Courier New"/>
+              </a:rPr>
+              <a:t>.orElseThrow(IllegalArgumentException::new);</a:t>
+            </a:r>
+            <a:br/>
+            <a:endParaRPr b="0" lang="pl-PL" sz="1600" spc="-1" strike="noStrike">
+              <a:latin typeface="Arial"/>
+            </a:endParaRPr>
+          </a:p>
+        </p:txBody>
+      </p:sp>
+    </p:spTree>
+  </p:cSld>
+  <p:timing>
+    <p:tnLst>
+      <p:par>
+        <p:cTn id="99" dur="indefinite" restart="never" nodeType="tmRoot">
+          <p:childTnLst>
+            <p:seq>
+              <p:cTn id="100" dur="indefinite" nodeType="mainSeq"/>
               <p:prevCondLst>
                 <p:cond delay="0" evt="onPrev">
                   <p:tgtEl>
@@ -30191,7 +32901,7 @@
         <p:spPr>
           <a:xfrm>
             <a:off x="1561680" y="720"/>
-            <a:ext cx="9065880" cy="1256760"/>
+            <a:ext cx="9065520" cy="1256400"/>
           </a:xfrm>
           <a:prstGeom prst="rect">
             <a:avLst/>
@@ -32429,7 +35139,7 @@
         <p:spPr>
           <a:xfrm>
             <a:off x="1561680" y="0"/>
-            <a:ext cx="9065880" cy="1256760"/>
+            <a:ext cx="9065520" cy="1256400"/>
           </a:xfrm>
           <a:prstGeom prst="rect">
             <a:avLst/>
@@ -32478,7 +35188,7 @@
         <p:spPr>
           <a:xfrm>
             <a:off x="1998720" y="863640"/>
-            <a:ext cx="8418240" cy="4655520"/>
+            <a:ext cx="8417880" cy="4655160"/>
           </a:xfrm>
           <a:prstGeom prst="rect">
             <a:avLst/>
@@ -32804,7 +35514,7 @@
         <p:spPr>
           <a:xfrm>
             <a:off x="1561680" y="0"/>
-            <a:ext cx="9065880" cy="1256760"/>
+            <a:ext cx="9065520" cy="1256400"/>
           </a:xfrm>
           <a:prstGeom prst="rect">
             <a:avLst/>
@@ -32853,7 +35563,7 @@
         <p:spPr>
           <a:xfrm>
             <a:off x="1633320" y="1087560"/>
-            <a:ext cx="8922240" cy="6357600"/>
+            <a:ext cx="8921880" cy="6357240"/>
           </a:xfrm>
           <a:prstGeom prst="rect">
             <a:avLst/>
@@ -33231,7 +35941,7 @@
         <p:spPr>
           <a:xfrm>
             <a:off x="1561680" y="360"/>
-            <a:ext cx="9065880" cy="1256760"/>
+            <a:ext cx="9065520" cy="1256400"/>
           </a:xfrm>
           <a:prstGeom prst="rect">
             <a:avLst/>

--- a/WprowadzenieDoJezykaJAVA_v2_PiotrKrajnik.pptx
+++ b/WprowadzenieDoJezykaJAVA_v2_PiotrKrajnik.pptx
@@ -2762,7 +2762,7 @@
         <p:spPr>
           <a:xfrm rot="5400000">
             <a:off x="0" y="0"/>
-            <a:ext cx="2496240" cy="2496240"/>
+            <a:ext cx="2495880" cy="2495880"/>
           </a:xfrm>
           <a:prstGeom prst="rtTriangle">
             <a:avLst/>
@@ -2802,7 +2802,7 @@
         <p:spPr>
           <a:xfrm>
             <a:off x="0" y="0"/>
-            <a:ext cx="2749320" cy="1293120"/>
+            <a:ext cx="2748960" cy="1292760"/>
           </a:xfrm>
           <a:prstGeom prst="rect">
             <a:avLst/>
@@ -3082,7 +3082,7 @@
         <p:spPr>
           <a:xfrm rot="5400000">
             <a:off x="0" y="0"/>
-            <a:ext cx="2496240" cy="2496240"/>
+            <a:ext cx="2495880" cy="2495880"/>
           </a:xfrm>
           <a:prstGeom prst="rtTriangle">
             <a:avLst/>
@@ -3122,7 +3122,7 @@
         <p:spPr>
           <a:xfrm>
             <a:off x="0" y="0"/>
-            <a:ext cx="2749320" cy="1293120"/>
+            <a:ext cx="2748960" cy="1292760"/>
           </a:xfrm>
           <a:prstGeom prst="rect">
             <a:avLst/>
@@ -3392,7 +3392,7 @@
         <p:spPr>
           <a:xfrm>
             <a:off x="1561680" y="1905480"/>
-            <a:ext cx="9065520" cy="1256400"/>
+            <a:ext cx="9065160" cy="1256040"/>
           </a:xfrm>
           <a:prstGeom prst="rect">
             <a:avLst/>
@@ -3441,7 +3441,7 @@
         <p:spPr>
           <a:xfrm>
             <a:off x="1561680" y="3456000"/>
-            <a:ext cx="9065520" cy="2691000"/>
+            <a:ext cx="9065160" cy="2690640"/>
           </a:xfrm>
           <a:prstGeom prst="rect">
             <a:avLst/>
@@ -3549,7 +3549,7 @@
         <p:spPr>
           <a:xfrm>
             <a:off x="1561680" y="0"/>
-            <a:ext cx="9065520" cy="1256400"/>
+            <a:ext cx="9065160" cy="1256040"/>
           </a:xfrm>
           <a:prstGeom prst="rect">
             <a:avLst/>
@@ -3598,7 +3598,7 @@
         <p:spPr>
           <a:xfrm>
             <a:off x="1584000" y="1175040"/>
-            <a:ext cx="3237480" cy="5638680"/>
+            <a:ext cx="3237120" cy="5638320"/>
           </a:xfrm>
           <a:prstGeom prst="rect">
             <a:avLst/>
@@ -3957,7 +3957,7 @@
         <p:spPr>
           <a:xfrm>
             <a:off x="5324040" y="1262520"/>
-            <a:ext cx="5397840" cy="694440"/>
+            <a:ext cx="5397480" cy="694080"/>
           </a:xfrm>
           <a:prstGeom prst="rect">
             <a:avLst/>
@@ -4006,7 +4006,7 @@
         <p:spPr>
           <a:xfrm>
             <a:off x="5215680" y="3780000"/>
-            <a:ext cx="5397840" cy="1914120"/>
+            <a:ext cx="5397480" cy="1913760"/>
           </a:xfrm>
           <a:prstGeom prst="rect">
             <a:avLst/>
@@ -4124,7 +4124,7 @@
         <p:spPr>
           <a:xfrm>
             <a:off x="1561680" y="0"/>
-            <a:ext cx="9065520" cy="1256400"/>
+            <a:ext cx="9065160" cy="1256040"/>
           </a:xfrm>
           <a:prstGeom prst="rect">
             <a:avLst/>
@@ -4173,7 +4173,7 @@
         <p:spPr>
           <a:xfrm>
             <a:off x="1440000" y="1152000"/>
-            <a:ext cx="3237480" cy="5638680"/>
+            <a:ext cx="3237120" cy="5638320"/>
           </a:xfrm>
           <a:prstGeom prst="rect">
             <a:avLst/>
@@ -4632,7 +4632,7 @@
         <p:spPr>
           <a:xfrm>
             <a:off x="5180040" y="1239480"/>
-            <a:ext cx="5397840" cy="4963320"/>
+            <a:ext cx="5397480" cy="4962960"/>
           </a:xfrm>
           <a:prstGeom prst="rect">
             <a:avLst/>
@@ -4820,7 +4820,7 @@
         <p:spPr>
           <a:xfrm>
             <a:off x="1561680" y="15480"/>
-            <a:ext cx="9065520" cy="1256400"/>
+            <a:ext cx="9065160" cy="1256040"/>
           </a:xfrm>
           <a:prstGeom prst="rect">
             <a:avLst/>
@@ -4869,7 +4869,7 @@
         <p:spPr>
           <a:xfrm>
             <a:off x="1924920" y="1275840"/>
-            <a:ext cx="3237480" cy="2400120"/>
+            <a:ext cx="3237120" cy="2399760"/>
           </a:xfrm>
           <a:prstGeom prst="rect">
             <a:avLst/>
@@ -5068,7 +5068,7 @@
         <p:spPr>
           <a:xfrm>
             <a:off x="1924920" y="4079160"/>
-            <a:ext cx="3514680" cy="2400120"/>
+            <a:ext cx="3514320" cy="2399760"/>
           </a:xfrm>
           <a:prstGeom prst="rect">
             <a:avLst/>
@@ -5267,7 +5267,7 @@
         <p:spPr>
           <a:xfrm>
             <a:off x="7087320" y="1275840"/>
-            <a:ext cx="3237480" cy="2400120"/>
+            <a:ext cx="3237120" cy="2399760"/>
           </a:xfrm>
           <a:prstGeom prst="rect">
             <a:avLst/>
@@ -5466,7 +5466,7 @@
         <p:spPr>
           <a:xfrm>
             <a:off x="7087320" y="4079160"/>
-            <a:ext cx="3237480" cy="2400120"/>
+            <a:ext cx="3237120" cy="2399760"/>
           </a:xfrm>
           <a:prstGeom prst="rect">
             <a:avLst/>
@@ -5714,7 +5714,7 @@
         <p:spPr>
           <a:xfrm>
             <a:off x="1561680" y="-75600"/>
-            <a:ext cx="9065520" cy="1256400"/>
+            <a:ext cx="9065160" cy="1256040"/>
           </a:xfrm>
           <a:prstGeom prst="rect">
             <a:avLst/>
@@ -5763,7 +5763,7 @@
         <p:spPr>
           <a:xfrm>
             <a:off x="1001160" y="1286280"/>
-            <a:ext cx="5223240" cy="6487200"/>
+            <a:ext cx="5222880" cy="6486840"/>
           </a:xfrm>
           <a:prstGeom prst="rect">
             <a:avLst/>
@@ -5982,7 +5982,7 @@
         <p:spPr>
           <a:xfrm>
             <a:off x="6531120" y="1286280"/>
-            <a:ext cx="4299120" cy="5573160"/>
+            <a:ext cx="4298760" cy="5572800"/>
           </a:xfrm>
           <a:prstGeom prst="rect">
             <a:avLst/>
@@ -6370,7 +6370,7 @@
         <p:spPr>
           <a:xfrm>
             <a:off x="1561680" y="0"/>
-            <a:ext cx="9065520" cy="1256400"/>
+            <a:ext cx="9065160" cy="1256040"/>
           </a:xfrm>
           <a:prstGeom prst="rect">
             <a:avLst/>
@@ -6419,7 +6419,7 @@
         <p:spPr>
           <a:xfrm>
             <a:off x="1800000" y="1086120"/>
-            <a:ext cx="5223240" cy="3743640"/>
+            <a:ext cx="5222880" cy="3743280"/>
           </a:xfrm>
           <a:prstGeom prst="rect">
             <a:avLst/>
@@ -6558,7 +6558,7 @@
         <p:spPr>
           <a:xfrm>
             <a:off x="7486560" y="1086120"/>
-            <a:ext cx="3327480" cy="5845320"/>
+            <a:ext cx="3327120" cy="5844960"/>
           </a:xfrm>
           <a:prstGeom prst="rect">
             <a:avLst/>
@@ -7071,7 +7071,7 @@
         <p:spPr>
           <a:xfrm>
             <a:off x="2639880" y="4608000"/>
-            <a:ext cx="1429200" cy="1429200"/>
+            <a:ext cx="1428840" cy="1428840"/>
           </a:xfrm>
           <a:prstGeom prst="rect">
             <a:avLst/>
@@ -7094,7 +7094,7 @@
         <p:spPr>
           <a:xfrm>
             <a:off x="5157360" y="5808240"/>
-            <a:ext cx="1429200" cy="1429200"/>
+            <a:ext cx="1428840" cy="1428840"/>
           </a:xfrm>
           <a:prstGeom prst="rect">
             <a:avLst/>
@@ -7113,7 +7113,7 @@
         <p:spPr>
           <a:xfrm>
             <a:off x="2560680" y="5608800"/>
-            <a:ext cx="2044080" cy="1181880"/>
+            <a:ext cx="2043720" cy="1181520"/>
           </a:xfrm>
           <a:prstGeom prst="rect">
             <a:avLst/>
@@ -7222,7 +7222,7 @@
         <p:spPr>
           <a:xfrm>
             <a:off x="4876560" y="4968000"/>
-            <a:ext cx="2144160" cy="1181880"/>
+            <a:ext cx="2143800" cy="1181520"/>
           </a:xfrm>
           <a:prstGeom prst="rect">
             <a:avLst/>
@@ -7380,7 +7380,7 @@
         <p:spPr>
           <a:xfrm>
             <a:off x="1561680" y="0"/>
-            <a:ext cx="9065520" cy="1256400"/>
+            <a:ext cx="9065160" cy="1256040"/>
           </a:xfrm>
           <a:prstGeom prst="rect">
             <a:avLst/>
@@ -7429,7 +7429,7 @@
         <p:spPr>
           <a:xfrm>
             <a:off x="6078240" y="936000"/>
-            <a:ext cx="3327480" cy="5845320"/>
+            <a:ext cx="3327120" cy="5844960"/>
           </a:xfrm>
           <a:prstGeom prst="rect">
             <a:avLst/>
@@ -7938,7 +7938,7 @@
         <p:spPr>
           <a:xfrm>
             <a:off x="4032000" y="936000"/>
-            <a:ext cx="1994040" cy="358920"/>
+            <a:ext cx="1993680" cy="358560"/>
           </a:xfrm>
           <a:prstGeom prst="rect">
             <a:avLst/>
@@ -7987,7 +7987,7 @@
         <p:spPr>
           <a:xfrm>
             <a:off x="4608000" y="1593360"/>
-            <a:ext cx="1308240" cy="358920"/>
+            <a:ext cx="1307880" cy="358560"/>
           </a:xfrm>
           <a:prstGeom prst="rect">
             <a:avLst/>
@@ -8036,7 +8036,7 @@
         <p:spPr>
           <a:xfrm>
             <a:off x="4266000" y="2958480"/>
-            <a:ext cx="1994040" cy="358920"/>
+            <a:ext cx="1993680" cy="358560"/>
           </a:xfrm>
           <a:prstGeom prst="rect">
             <a:avLst/>
@@ -8134,7 +8134,7 @@
         <p:spPr>
           <a:xfrm>
             <a:off x="1561680" y="0"/>
-            <a:ext cx="9065520" cy="1256400"/>
+            <a:ext cx="9065160" cy="1256040"/>
           </a:xfrm>
           <a:prstGeom prst="rect">
             <a:avLst/>
@@ -8183,7 +8183,7 @@
         <p:spPr>
           <a:xfrm>
             <a:off x="1656000" y="1440000"/>
-            <a:ext cx="5223240" cy="4353480"/>
+            <a:ext cx="5222880" cy="4353120"/>
           </a:xfrm>
           <a:prstGeom prst="rect">
             <a:avLst/>
@@ -8312,7 +8312,7 @@
         <p:spPr>
           <a:xfrm>
             <a:off x="7650720" y="2049840"/>
-            <a:ext cx="3327480" cy="2553480"/>
+            <a:ext cx="3327120" cy="2553120"/>
           </a:xfrm>
           <a:prstGeom prst="rect">
             <a:avLst/>
@@ -8424,7 +8424,7 @@
                 <a:latin typeface="Arial"/>
                 <a:ea typeface="DejaVu Sans"/>
               </a:rPr>
-              <a:t>private String age;</a:t>
+              <a:t>private int age;</a:t>
             </a:r>
             <a:endParaRPr b="0" lang="pl-PL" sz="1800" spc="-1" strike="noStrike">
               <a:latin typeface="Arial"/>
@@ -8580,7 +8580,7 @@
         <p:spPr>
           <a:xfrm>
             <a:off x="1561680" y="0"/>
-            <a:ext cx="9065520" cy="1256400"/>
+            <a:ext cx="9065160" cy="1256040"/>
           </a:xfrm>
           <a:prstGeom prst="rect">
             <a:avLst/>
@@ -8629,7 +8629,7 @@
         <p:spPr>
           <a:xfrm>
             <a:off x="1699920" y="936000"/>
-            <a:ext cx="5223240" cy="6840000"/>
+            <a:ext cx="5222880" cy="6839640"/>
           </a:xfrm>
           <a:prstGeom prst="rect">
             <a:avLst/>
@@ -8888,7 +8888,7 @@
         <p:spPr>
           <a:xfrm>
             <a:off x="7536600" y="1512000"/>
-            <a:ext cx="4484160" cy="4195080"/>
+            <a:ext cx="4483800" cy="4194720"/>
           </a:xfrm>
           <a:prstGeom prst="rect">
             <a:avLst/>
@@ -9486,7 +9486,7 @@
         <p:spPr>
           <a:xfrm>
             <a:off x="1561680" y="0"/>
-            <a:ext cx="9065520" cy="1256400"/>
+            <a:ext cx="9065160" cy="1256040"/>
           </a:xfrm>
           <a:prstGeom prst="rect">
             <a:avLst/>
@@ -9535,7 +9535,7 @@
         <p:spPr>
           <a:xfrm>
             <a:off x="1296000" y="1259640"/>
-            <a:ext cx="4066560" cy="6182280"/>
+            <a:ext cx="4066200" cy="6181920"/>
           </a:xfrm>
           <a:prstGeom prst="rect">
             <a:avLst/>
@@ -9693,8 +9693,8 @@
         </p:nvSpPr>
         <p:spPr>
           <a:xfrm rot="9000">
-            <a:off x="6048720" y="1414440"/>
-            <a:ext cx="5682240" cy="3100320"/>
+            <a:off x="6048360" y="1414080"/>
+            <a:ext cx="5681880" cy="3099960"/>
           </a:xfrm>
           <a:prstGeom prst="rect">
             <a:avLst/>
@@ -9922,8 +9922,8 @@
         </p:nvSpPr>
         <p:spPr>
           <a:xfrm rot="9000">
-            <a:off x="6189120" y="4899960"/>
-            <a:ext cx="5682240" cy="1425240"/>
+            <a:off x="6188760" y="4899600"/>
+            <a:ext cx="5681880" cy="1424880"/>
           </a:xfrm>
           <a:prstGeom prst="rect">
             <a:avLst/>
@@ -10121,7 +10121,7 @@
         <p:spPr>
           <a:xfrm>
             <a:off x="1561680" y="0"/>
-            <a:ext cx="9065520" cy="1256400"/>
+            <a:ext cx="9065160" cy="1256040"/>
           </a:xfrm>
           <a:prstGeom prst="rect">
             <a:avLst/>
@@ -10170,7 +10170,7 @@
         <p:spPr>
           <a:xfrm>
             <a:off x="1618560" y="1194480"/>
-            <a:ext cx="6370200" cy="6667560"/>
+            <a:ext cx="6369840" cy="6667200"/>
           </a:xfrm>
           <a:prstGeom prst="rect">
             <a:avLst/>
@@ -10449,7 +10449,7 @@
         <p:spPr>
           <a:xfrm>
             <a:off x="8832600" y="1259640"/>
-            <a:ext cx="3836160" cy="5321160"/>
+            <a:ext cx="3835800" cy="5320800"/>
           </a:xfrm>
           <a:prstGeom prst="rect">
             <a:avLst/>
@@ -11185,7 +11185,7 @@
         <p:spPr>
           <a:xfrm>
             <a:off x="1561680" y="0"/>
-            <a:ext cx="9065520" cy="1256400"/>
+            <a:ext cx="9065160" cy="1256040"/>
           </a:xfrm>
           <a:prstGeom prst="rect">
             <a:avLst/>
@@ -11234,7 +11234,7 @@
         <p:spPr>
           <a:xfrm>
             <a:off x="1668600" y="1584000"/>
-            <a:ext cx="8851680" cy="4963320"/>
+            <a:ext cx="8851320" cy="4962960"/>
           </a:xfrm>
           <a:prstGeom prst="rect">
             <a:avLst/>
@@ -11472,7 +11472,7 @@
         <p:spPr>
           <a:xfrm>
             <a:off x="1561680" y="0"/>
-            <a:ext cx="9065520" cy="1256400"/>
+            <a:ext cx="9065160" cy="1256040"/>
           </a:xfrm>
           <a:prstGeom prst="rect">
             <a:avLst/>
@@ -11521,7 +11521,7 @@
         <p:spPr>
           <a:xfrm>
             <a:off x="1472760" y="1082880"/>
-            <a:ext cx="5290560" cy="6113880"/>
+            <a:ext cx="5290200" cy="6113520"/>
           </a:xfrm>
           <a:prstGeom prst="rect">
             <a:avLst/>
@@ -11810,7 +11810,7 @@
         <p:spPr>
           <a:xfrm>
             <a:off x="7176600" y="1193040"/>
-            <a:ext cx="3836160" cy="5321160"/>
+            <a:ext cx="3835800" cy="5320800"/>
           </a:xfrm>
           <a:prstGeom prst="rect">
             <a:avLst/>
@@ -12408,7 +12408,7 @@
         <p:spPr>
           <a:xfrm>
             <a:off x="1561680" y="27720"/>
-            <a:ext cx="9065520" cy="1256400"/>
+            <a:ext cx="9065160" cy="1256040"/>
           </a:xfrm>
           <a:prstGeom prst="rect">
             <a:avLst/>
@@ -12457,7 +12457,7 @@
         <p:spPr>
           <a:xfrm>
             <a:off x="1440000" y="1080000"/>
-            <a:ext cx="5730840" cy="5989320"/>
+            <a:ext cx="5730480" cy="5988960"/>
           </a:xfrm>
           <a:prstGeom prst="rect">
             <a:avLst/>
@@ -12716,7 +12716,7 @@
         <p:spPr>
           <a:xfrm>
             <a:off x="7536600" y="1856520"/>
-            <a:ext cx="3836160" cy="5212800"/>
+            <a:ext cx="3835800" cy="5212440"/>
           </a:xfrm>
           <a:prstGeom prst="rect">
             <a:avLst/>
@@ -13054,7 +13054,7 @@
         <p:spPr>
           <a:xfrm>
             <a:off x="1561680" y="0"/>
-            <a:ext cx="9065520" cy="1256400"/>
+            <a:ext cx="9065160" cy="1256040"/>
           </a:xfrm>
           <a:prstGeom prst="rect">
             <a:avLst/>
@@ -13103,7 +13103,7 @@
         <p:spPr>
           <a:xfrm>
             <a:off x="1224000" y="1010880"/>
-            <a:ext cx="5628240" cy="6113880"/>
+            <a:ext cx="5627880" cy="6113520"/>
           </a:xfrm>
           <a:prstGeom prst="rect">
             <a:avLst/>
@@ -13392,7 +13392,7 @@
         <p:spPr>
           <a:xfrm>
             <a:off x="7416000" y="1155600"/>
-            <a:ext cx="4407480" cy="5321160"/>
+            <a:ext cx="4407120" cy="5320800"/>
           </a:xfrm>
           <a:prstGeom prst="rect">
             <a:avLst/>
@@ -13870,7 +13870,7 @@
         <p:spPr>
           <a:xfrm>
             <a:off x="1561680" y="0"/>
-            <a:ext cx="9065520" cy="1256400"/>
+            <a:ext cx="9065160" cy="1256040"/>
           </a:xfrm>
           <a:prstGeom prst="rect">
             <a:avLst/>
@@ -13919,7 +13919,7 @@
         <p:spPr>
           <a:xfrm>
             <a:off x="1561680" y="1010880"/>
-            <a:ext cx="4067280" cy="6113880"/>
+            <a:ext cx="4066920" cy="6113520"/>
           </a:xfrm>
           <a:prstGeom prst="rect">
             <a:avLst/>
@@ -14108,7 +14108,7 @@
         <p:spPr>
           <a:xfrm>
             <a:off x="8256600" y="1152000"/>
-            <a:ext cx="3836160" cy="2730960"/>
+            <a:ext cx="3835800" cy="2730600"/>
           </a:xfrm>
           <a:prstGeom prst="rect">
             <a:avLst/>
@@ -14297,7 +14297,7 @@
         <p:spPr>
           <a:xfrm>
             <a:off x="5736600" y="2665800"/>
-            <a:ext cx="3836160" cy="2730960"/>
+            <a:ext cx="3835800" cy="2730600"/>
           </a:xfrm>
           <a:prstGeom prst="rect">
             <a:avLst/>
@@ -14905,7 +14905,7 @@
         <p:spPr>
           <a:xfrm>
             <a:off x="1561680" y="0"/>
-            <a:ext cx="9065520" cy="1256400"/>
+            <a:ext cx="9065160" cy="1256040"/>
           </a:xfrm>
           <a:prstGeom prst="rect">
             <a:avLst/>
@@ -14954,7 +14954,7 @@
         <p:spPr>
           <a:xfrm>
             <a:off x="1512000" y="1008000"/>
-            <a:ext cx="5324760" cy="6113880"/>
+            <a:ext cx="5324400" cy="6113520"/>
           </a:xfrm>
           <a:prstGeom prst="rect">
             <a:avLst/>
@@ -15133,7 +15133,7 @@
         <p:spPr>
           <a:xfrm>
             <a:off x="7344000" y="1259640"/>
-            <a:ext cx="4700160" cy="5321160"/>
+            <a:ext cx="4699800" cy="5320800"/>
           </a:xfrm>
           <a:prstGeom prst="rect">
             <a:avLst/>
@@ -15521,7 +15521,7 @@
         <p:spPr>
           <a:xfrm>
             <a:off x="1561680" y="0"/>
-            <a:ext cx="9065520" cy="1256400"/>
+            <a:ext cx="9065160" cy="1256040"/>
           </a:xfrm>
           <a:prstGeom prst="rect">
             <a:avLst/>
@@ -15570,7 +15570,7 @@
         <p:spPr>
           <a:xfrm>
             <a:off x="936000" y="1560960"/>
-            <a:ext cx="5507280" cy="6211800"/>
+            <a:ext cx="5506920" cy="6211440"/>
           </a:xfrm>
           <a:prstGeom prst="rect">
             <a:avLst/>
@@ -15839,7 +15839,7 @@
         <p:spPr>
           <a:xfrm>
             <a:off x="6984000" y="1443600"/>
-            <a:ext cx="4700160" cy="5321160"/>
+            <a:ext cx="4699800" cy="5320800"/>
           </a:xfrm>
           <a:prstGeom prst="rect">
             <a:avLst/>
@@ -16447,7 +16447,7 @@
         <p:spPr>
           <a:xfrm>
             <a:off x="1561680" y="0"/>
-            <a:ext cx="9065520" cy="1256400"/>
+            <a:ext cx="9065160" cy="1256040"/>
           </a:xfrm>
           <a:prstGeom prst="rect">
             <a:avLst/>
@@ -16496,7 +16496,7 @@
         <p:spPr>
           <a:xfrm>
             <a:off x="1440000" y="1152000"/>
-            <a:ext cx="5828760" cy="6113880"/>
+            <a:ext cx="5828400" cy="6113520"/>
           </a:xfrm>
           <a:prstGeom prst="rect">
             <a:avLst/>
@@ -16705,7 +16705,7 @@
         <p:spPr>
           <a:xfrm>
             <a:off x="7848000" y="1368000"/>
-            <a:ext cx="4242960" cy="4657680"/>
+            <a:ext cx="4242600" cy="4657320"/>
           </a:xfrm>
           <a:prstGeom prst="rect">
             <a:avLst/>
@@ -17103,7 +17103,7 @@
         <p:spPr>
           <a:xfrm>
             <a:off x="1561680" y="0"/>
-            <a:ext cx="9065520" cy="1256400"/>
+            <a:ext cx="9065160" cy="1256040"/>
           </a:xfrm>
           <a:prstGeom prst="rect">
             <a:avLst/>
@@ -17152,7 +17152,7 @@
         <p:spPr>
           <a:xfrm>
             <a:off x="1152000" y="1514880"/>
-            <a:ext cx="5468760" cy="6113880"/>
+            <a:ext cx="5468400" cy="6113520"/>
           </a:xfrm>
           <a:prstGeom prst="rect">
             <a:avLst/>
@@ -17361,7 +17361,7 @@
         <p:spPr>
           <a:xfrm>
             <a:off x="7560000" y="1387080"/>
-            <a:ext cx="4242960" cy="4657680"/>
+            <a:ext cx="4242600" cy="4657320"/>
           </a:xfrm>
           <a:prstGeom prst="rect">
             <a:avLst/>
@@ -17849,7 +17849,7 @@
         <p:spPr>
           <a:xfrm>
             <a:off x="1561680" y="0"/>
-            <a:ext cx="9065520" cy="1256400"/>
+            <a:ext cx="9065160" cy="1256040"/>
           </a:xfrm>
           <a:prstGeom prst="rect">
             <a:avLst/>
@@ -17898,7 +17898,7 @@
         <p:spPr>
           <a:xfrm>
             <a:off x="1545480" y="1080000"/>
-            <a:ext cx="5363280" cy="6113880"/>
+            <a:ext cx="5362920" cy="6113520"/>
           </a:xfrm>
           <a:prstGeom prst="rect">
             <a:avLst/>
@@ -18147,7 +18147,7 @@
         <p:spPr>
           <a:xfrm>
             <a:off x="7704000" y="1008000"/>
-            <a:ext cx="4242960" cy="4657680"/>
+            <a:ext cx="4242600" cy="4657320"/>
           </a:xfrm>
           <a:prstGeom prst="rect">
             <a:avLst/>
@@ -18905,7 +18905,7 @@
         <p:spPr>
           <a:xfrm>
             <a:off x="1561680" y="0"/>
-            <a:ext cx="9065520" cy="1256400"/>
+            <a:ext cx="9065160" cy="1256040"/>
           </a:xfrm>
           <a:prstGeom prst="rect">
             <a:avLst/>
@@ -18954,7 +18954,7 @@
         <p:spPr>
           <a:xfrm>
             <a:off x="1368000" y="1010880"/>
-            <a:ext cx="5540760" cy="6113880"/>
+            <a:ext cx="5540400" cy="6113520"/>
           </a:xfrm>
           <a:prstGeom prst="rect">
             <a:avLst/>
@@ -19183,7 +19183,7 @@
         <p:spPr>
           <a:xfrm>
             <a:off x="7848000" y="1148400"/>
-            <a:ext cx="3557880" cy="5706360"/>
+            <a:ext cx="3557520" cy="5706000"/>
           </a:xfrm>
           <a:prstGeom prst="rect">
             <a:avLst/>
@@ -19711,7 +19711,7 @@
         <p:spPr>
           <a:xfrm>
             <a:off x="1561680" y="0"/>
-            <a:ext cx="9065520" cy="1256400"/>
+            <a:ext cx="9065160" cy="1256040"/>
           </a:xfrm>
           <a:prstGeom prst="rect">
             <a:avLst/>
@@ -19760,7 +19760,7 @@
         <p:spPr>
           <a:xfrm>
             <a:off x="4337640" y="1440000"/>
-            <a:ext cx="3513240" cy="4963320"/>
+            <a:ext cx="3512880" cy="4962960"/>
           </a:xfrm>
           <a:prstGeom prst="rect">
             <a:avLst/>
@@ -20118,7 +20118,7 @@
         <p:spPr>
           <a:xfrm>
             <a:off x="1561680" y="0"/>
-            <a:ext cx="9065520" cy="1256400"/>
+            <a:ext cx="9065160" cy="1256040"/>
           </a:xfrm>
           <a:prstGeom prst="rect">
             <a:avLst/>
@@ -20167,7 +20167,7 @@
         <p:spPr>
           <a:xfrm>
             <a:off x="1368000" y="1010880"/>
-            <a:ext cx="5540760" cy="6113880"/>
+            <a:ext cx="5540400" cy="6113520"/>
           </a:xfrm>
           <a:prstGeom prst="rect">
             <a:avLst/>
@@ -20216,7 +20216,7 @@
             </a:endParaRPr>
           </a:p>
           <a:p>
-            <a:pPr marL="285840" indent="-283680">
+            <a:pPr marL="285840" indent="-283320">
               <a:lnSpc>
                 <a:spcPct val="100000"/>
               </a:lnSpc>
@@ -20241,7 +20241,7 @@
             </a:endParaRPr>
           </a:p>
           <a:p>
-            <a:pPr marL="285840" indent="-283680">
+            <a:pPr marL="285840" indent="-283320">
               <a:lnSpc>
                 <a:spcPct val="100000"/>
               </a:lnSpc>
@@ -20266,7 +20266,7 @@
             </a:endParaRPr>
           </a:p>
           <a:p>
-            <a:pPr marL="285840" indent="-283680">
+            <a:pPr marL="285840" indent="-283320">
               <a:lnSpc>
                 <a:spcPct val="100000"/>
               </a:lnSpc>
@@ -20394,7 +20394,7 @@
                 <a:latin typeface="Arial"/>
                 <a:ea typeface="DejaVu Sans"/>
               </a:rPr>
-              <a:t>throw-catch-finally </a:t>
+              <a:t>try-catch-finally </a:t>
             </a:r>
             <a:r>
               <a:rPr b="0" lang="pl-PL" sz="2000" spc="-1" strike="noStrike">
@@ -20501,7 +20501,7 @@
         <p:spPr>
           <a:xfrm>
             <a:off x="6910920" y="1538640"/>
-            <a:ext cx="5202720" cy="5747040"/>
+            <a:ext cx="5202360" cy="5746680"/>
           </a:xfrm>
           <a:prstGeom prst="rect">
             <a:avLst/>
@@ -20929,7 +20929,7 @@
         <p:spPr>
           <a:xfrm>
             <a:off x="1561680" y="0"/>
-            <a:ext cx="9065520" cy="1256400"/>
+            <a:ext cx="9065160" cy="1256040"/>
           </a:xfrm>
           <a:prstGeom prst="rect">
             <a:avLst/>
@@ -20978,7 +20978,7 @@
         <p:spPr>
           <a:xfrm>
             <a:off x="4396320" y="1170720"/>
-            <a:ext cx="2453760" cy="444960"/>
+            <a:ext cx="2453400" cy="444600"/>
           </a:xfrm>
           <a:prstGeom prst="rect">
             <a:avLst/>
@@ -21034,7 +21034,7 @@
         <p:spPr>
           <a:xfrm>
             <a:off x="741600" y="2052720"/>
-            <a:ext cx="2453760" cy="444960"/>
+            <a:ext cx="2453400" cy="444600"/>
           </a:xfrm>
           <a:prstGeom prst="rect">
             <a:avLst/>
@@ -21090,7 +21090,7 @@
         <p:spPr>
           <a:xfrm>
             <a:off x="7658280" y="2052720"/>
-            <a:ext cx="2453760" cy="444960"/>
+            <a:ext cx="2453400" cy="444600"/>
           </a:xfrm>
           <a:prstGeom prst="rect">
             <a:avLst/>
@@ -21145,8 +21145,8 @@
         </p:nvSpPr>
         <p:spPr>
           <a:xfrm>
-            <a:off x="5624280" y="3070440"/>
-            <a:ext cx="2453760" cy="444960"/>
+            <a:off x="4680000" y="3096000"/>
+            <a:ext cx="2453400" cy="444600"/>
           </a:xfrm>
           <a:prstGeom prst="rect">
             <a:avLst/>
@@ -21202,7 +21202,7 @@
         <p:spPr>
           <a:xfrm flipH="1">
             <a:off x="1967400" y="1394280"/>
-            <a:ext cx="2424600" cy="656280"/>
+            <a:ext cx="2424240" cy="655920"/>
           </a:xfrm>
           <a:custGeom>
             <a:avLst/>
@@ -21255,7 +21255,7 @@
         <p:spPr>
           <a:xfrm>
             <a:off x="6852240" y="1394280"/>
-            <a:ext cx="2031840" cy="656280"/>
+            <a:ext cx="2031480" cy="655920"/>
           </a:xfrm>
           <a:custGeom>
             <a:avLst/>
@@ -21307,8 +21307,8 @@
         </p:nvSpPr>
         <p:spPr>
           <a:xfrm flipH="1">
-            <a:off x="6850080" y="2499840"/>
-            <a:ext cx="2031840" cy="568440"/>
+            <a:off x="5904000" y="2499840"/>
+            <a:ext cx="2977200" cy="596160"/>
           </a:xfrm>
           <a:custGeom>
             <a:avLst/>
@@ -21360,8 +21360,8 @@
         </p:nvSpPr>
         <p:spPr>
           <a:xfrm>
-            <a:off x="6095520" y="3952800"/>
-            <a:ext cx="2453760" cy="444960"/>
+            <a:off x="5151240" y="3978360"/>
+            <a:ext cx="2453400" cy="444600"/>
           </a:xfrm>
           <a:prstGeom prst="rect">
             <a:avLst/>
@@ -21416,8 +21416,8 @@
         </p:nvSpPr>
         <p:spPr>
           <a:xfrm>
-            <a:off x="6095520" y="4746960"/>
-            <a:ext cx="2453760" cy="444960"/>
+            <a:off x="5151240" y="4772520"/>
+            <a:ext cx="3344760" cy="444600"/>
           </a:xfrm>
           <a:prstGeom prst="rect">
             <a:avLst/>
@@ -21456,7 +21456,7 @@
                 <a:latin typeface="Arial"/>
                 <a:ea typeface="DejaVu Sans"/>
               </a:rPr>
-              <a:t>ArithmeticException</a:t>
+              <a:t>IndexOutOfBoundException</a:t>
             </a:r>
             <a:endParaRPr b="0" lang="pl-PL" sz="1800" spc="-1" strike="noStrike">
               <a:latin typeface="Arial"/>
@@ -21472,7 +21472,7 @@
         </p:nvSpPr>
         <p:spPr>
           <a:xfrm>
-            <a:off x="5793840" y="3517560"/>
+            <a:off x="4849560" y="3543120"/>
             <a:ext cx="360" cy="2173320"/>
           </a:xfrm>
           <a:prstGeom prst="line">
@@ -21503,8 +21503,8 @@
         </p:nvSpPr>
         <p:spPr>
           <a:xfrm>
-            <a:off x="5794200" y="4176360"/>
-            <a:ext cx="299160" cy="360"/>
+            <a:off x="4849920" y="4201920"/>
+            <a:ext cx="298800" cy="360"/>
           </a:xfrm>
           <a:custGeom>
             <a:avLst/>
@@ -21556,8 +21556,8 @@
         </p:nvSpPr>
         <p:spPr>
           <a:xfrm>
-            <a:off x="5794200" y="4973400"/>
-            <a:ext cx="299160" cy="360"/>
+            <a:off x="4849920" y="4998960"/>
+            <a:ext cx="298800" cy="360"/>
           </a:xfrm>
           <a:custGeom>
             <a:avLst/>
@@ -21609,8 +21609,8 @@
         </p:nvSpPr>
         <p:spPr>
           <a:xfrm>
-            <a:off x="6095520" y="5467680"/>
-            <a:ext cx="2453760" cy="444960"/>
+            <a:off x="5151240" y="5493240"/>
+            <a:ext cx="2453400" cy="444600"/>
           </a:xfrm>
           <a:prstGeom prst="rect">
             <a:avLst/>
@@ -21665,8 +21665,8 @@
         </p:nvSpPr>
         <p:spPr>
           <a:xfrm>
-            <a:off x="5794200" y="5691240"/>
-            <a:ext cx="299160" cy="360"/>
+            <a:off x="4849920" y="5716800"/>
+            <a:ext cx="298800" cy="360"/>
           </a:xfrm>
           <a:custGeom>
             <a:avLst/>
@@ -21719,7 +21719,7 @@
         <p:spPr>
           <a:xfrm>
             <a:off x="9560160" y="3205440"/>
-            <a:ext cx="2453760" cy="444960"/>
+            <a:ext cx="2453400" cy="444600"/>
           </a:xfrm>
           <a:prstGeom prst="rect">
             <a:avLst/>
@@ -21775,7 +21775,7 @@
         <p:spPr>
           <a:xfrm>
             <a:off x="9560160" y="3952800"/>
-            <a:ext cx="2453760" cy="444960"/>
+            <a:ext cx="2453400" cy="444600"/>
           </a:xfrm>
           <a:prstGeom prst="rect">
             <a:avLst/>
@@ -21862,7 +21862,7 @@
         <p:spPr>
           <a:xfrm>
             <a:off x="9155880" y="3423240"/>
-            <a:ext cx="402120" cy="3600"/>
+            <a:ext cx="401760" cy="3240"/>
           </a:xfrm>
           <a:custGeom>
             <a:avLst/>
@@ -21914,8 +21914,8 @@
         </p:nvSpPr>
         <p:spPr>
           <a:xfrm flipV="1">
-            <a:off x="9155880" y="4143960"/>
-            <a:ext cx="402120" cy="3240"/>
+            <a:off x="9155880" y="4141080"/>
+            <a:ext cx="401760" cy="2880"/>
           </a:xfrm>
           <a:custGeom>
             <a:avLst/>
@@ -21968,7 +21968,7 @@
         <p:spPr>
           <a:xfrm>
             <a:off x="9560160" y="4870800"/>
-            <a:ext cx="2453760" cy="444960"/>
+            <a:ext cx="2453400" cy="444600"/>
           </a:xfrm>
           <a:prstGeom prst="rect">
             <a:avLst/>
@@ -22023,8 +22023,8 @@
         </p:nvSpPr>
         <p:spPr>
           <a:xfrm flipV="1">
-            <a:off x="9155880" y="5061960"/>
-            <a:ext cx="402120" cy="3240"/>
+            <a:off x="9155880" y="5059080"/>
+            <a:ext cx="401760" cy="2880"/>
           </a:xfrm>
           <a:custGeom>
             <a:avLst/>
@@ -22077,7 +22077,7 @@
         <p:spPr>
           <a:xfrm>
             <a:off x="234360" y="3342240"/>
-            <a:ext cx="4602240" cy="2008800"/>
+            <a:ext cx="4601880" cy="2008440"/>
           </a:xfrm>
           <a:prstGeom prst="rect">
             <a:avLst/>
@@ -22205,7 +22205,7 @@
         <p:spPr>
           <a:xfrm>
             <a:off x="1561680" y="0"/>
-            <a:ext cx="9065520" cy="1256400"/>
+            <a:ext cx="9065160" cy="1256040"/>
           </a:xfrm>
           <a:prstGeom prst="rect">
             <a:avLst/>
@@ -22254,7 +22254,7 @@
         <p:spPr>
           <a:xfrm>
             <a:off x="1368000" y="1010880"/>
-            <a:ext cx="10495440" cy="6113880"/>
+            <a:ext cx="10495080" cy="6113520"/>
           </a:xfrm>
           <a:prstGeom prst="rect">
             <a:avLst/>
@@ -22592,7 +22592,7 @@
         <p:spPr>
           <a:xfrm>
             <a:off x="1561680" y="0"/>
-            <a:ext cx="9065520" cy="1256400"/>
+            <a:ext cx="9065160" cy="1256040"/>
           </a:xfrm>
           <a:prstGeom prst="rect">
             <a:avLst/>
@@ -22641,7 +22641,7 @@
         <p:spPr>
           <a:xfrm>
             <a:off x="1368000" y="1010880"/>
-            <a:ext cx="10495440" cy="6113880"/>
+            <a:ext cx="10495080" cy="6113520"/>
           </a:xfrm>
           <a:prstGeom prst="rect">
             <a:avLst/>
@@ -22959,7 +22959,7 @@
         <p:spPr>
           <a:xfrm>
             <a:off x="1561680" y="0"/>
-            <a:ext cx="9065520" cy="1256400"/>
+            <a:ext cx="9065160" cy="1256040"/>
           </a:xfrm>
           <a:prstGeom prst="rect">
             <a:avLst/>
@@ -23008,7 +23008,7 @@
         <p:spPr>
           <a:xfrm>
             <a:off x="587880" y="1946880"/>
-            <a:ext cx="6409440" cy="5104800"/>
+            <a:ext cx="6409080" cy="5104440"/>
           </a:xfrm>
           <a:prstGeom prst="rect">
             <a:avLst/>
@@ -23277,7 +23277,7 @@
         <p:spPr>
           <a:xfrm>
             <a:off x="6999480" y="867600"/>
-            <a:ext cx="4689720" cy="6123600"/>
+            <a:ext cx="4689360" cy="6123240"/>
           </a:xfrm>
           <a:prstGeom prst="rect">
             <a:avLst/>
@@ -23775,7 +23775,7 @@
         <p:spPr>
           <a:xfrm>
             <a:off x="1561680" y="0"/>
-            <a:ext cx="9065520" cy="1256400"/>
+            <a:ext cx="9065160" cy="1256040"/>
           </a:xfrm>
           <a:prstGeom prst="rect">
             <a:avLst/>
@@ -23824,7 +23824,7 @@
         <p:spPr>
           <a:xfrm>
             <a:off x="587880" y="1946880"/>
-            <a:ext cx="6409440" cy="5104800"/>
+            <a:ext cx="6409080" cy="5104440"/>
           </a:xfrm>
           <a:prstGeom prst="rect">
             <a:avLst/>
@@ -23932,7 +23932,7 @@
         <p:spPr>
           <a:xfrm>
             <a:off x="1561680" y="0"/>
-            <a:ext cx="9065520" cy="1256400"/>
+            <a:ext cx="9065160" cy="1256040"/>
           </a:xfrm>
           <a:prstGeom prst="rect">
             <a:avLst/>
@@ -23981,7 +23981,7 @@
         <p:spPr>
           <a:xfrm>
             <a:off x="1368000" y="1224000"/>
-            <a:ext cx="5110200" cy="4456800"/>
+            <a:ext cx="5109840" cy="4456440"/>
           </a:xfrm>
           <a:prstGeom prst="rect">
             <a:avLst/>
@@ -24120,7 +24120,7 @@
         <p:spPr>
           <a:xfrm>
             <a:off x="6864120" y="1800000"/>
-            <a:ext cx="5326200" cy="5747040"/>
+            <a:ext cx="5325840" cy="5746680"/>
           </a:xfrm>
           <a:prstGeom prst="rect">
             <a:avLst/>
@@ -24465,7 +24465,7 @@
         <p:spPr>
           <a:xfrm>
             <a:off x="1561680" y="0"/>
-            <a:ext cx="9065520" cy="1256400"/>
+            <a:ext cx="9065160" cy="1256040"/>
           </a:xfrm>
           <a:prstGeom prst="rect">
             <a:avLst/>
@@ -24514,7 +24514,7 @@
         <p:spPr>
           <a:xfrm>
             <a:off x="1368000" y="1224000"/>
-            <a:ext cx="4750560" cy="4456800"/>
+            <a:ext cx="4750200" cy="4456440"/>
           </a:xfrm>
           <a:prstGeom prst="rect">
             <a:avLst/>
@@ -24573,7 +24573,7 @@
         <p:spPr>
           <a:xfrm>
             <a:off x="6120000" y="1152000"/>
-            <a:ext cx="6118200" cy="5747040"/>
+            <a:ext cx="6117840" cy="5746680"/>
           </a:xfrm>
           <a:prstGeom prst="rect">
             <a:avLst/>
@@ -24888,7 +24888,7 @@
         <p:spPr>
           <a:xfrm>
             <a:off x="504000" y="5400000"/>
-            <a:ext cx="5614560" cy="1222560"/>
+            <a:ext cx="5614200" cy="1222200"/>
           </a:xfrm>
           <a:prstGeom prst="rect">
             <a:avLst/>
@@ -24997,7 +24997,7 @@
         <p:spPr>
           <a:xfrm>
             <a:off x="1561680" y="0"/>
-            <a:ext cx="9065520" cy="1256400"/>
+            <a:ext cx="9065160" cy="1256040"/>
           </a:xfrm>
           <a:prstGeom prst="rect">
             <a:avLst/>
@@ -25046,7 +25046,7 @@
         <p:spPr>
           <a:xfrm>
             <a:off x="1368000" y="1224000"/>
-            <a:ext cx="10294920" cy="4456800"/>
+            <a:ext cx="10294560" cy="4456440"/>
           </a:xfrm>
           <a:prstGeom prst="rect">
             <a:avLst/>
@@ -25145,7 +25145,7 @@
         <p:spPr>
           <a:xfrm>
             <a:off x="3024000" y="3153960"/>
-            <a:ext cx="2453760" cy="444960"/>
+            <a:ext cx="2453400" cy="444600"/>
           </a:xfrm>
           <a:prstGeom prst="rect">
             <a:avLst/>
@@ -25201,7 +25201,7 @@
         <p:spPr>
           <a:xfrm>
             <a:off x="7776000" y="3168000"/>
-            <a:ext cx="2453760" cy="444960"/>
+            <a:ext cx="2453400" cy="444600"/>
           </a:xfrm>
           <a:prstGeom prst="rect">
             <a:avLst/>
@@ -25257,7 +25257,7 @@
         <p:spPr>
           <a:xfrm>
             <a:off x="1001160" y="4305960"/>
-            <a:ext cx="2453760" cy="444960"/>
+            <a:ext cx="2453400" cy="444600"/>
           </a:xfrm>
           <a:prstGeom prst="rect">
             <a:avLst/>
@@ -25313,7 +25313,7 @@
         <p:spPr>
           <a:xfrm>
             <a:off x="4522320" y="4305960"/>
-            <a:ext cx="2453760" cy="444960"/>
+            <a:ext cx="2453400" cy="444600"/>
           </a:xfrm>
           <a:prstGeom prst="rect">
             <a:avLst/>
@@ -25369,7 +25369,7 @@
         <p:spPr>
           <a:xfrm>
             <a:off x="7769160" y="5385960"/>
-            <a:ext cx="2453760" cy="444960"/>
+            <a:ext cx="2453400" cy="444600"/>
           </a:xfrm>
           <a:prstGeom prst="rect">
             <a:avLst/>
@@ -25428,7 +25428,7 @@
         <p:spPr>
           <a:xfrm>
             <a:off x="4529160" y="5400000"/>
-            <a:ext cx="2453760" cy="444960"/>
+            <a:ext cx="2453400" cy="444600"/>
           </a:xfrm>
           <a:prstGeom prst="rect">
             <a:avLst/>
@@ -25487,7 +25487,7 @@
         <p:spPr>
           <a:xfrm>
             <a:off x="1008000" y="5457960"/>
-            <a:ext cx="2453760" cy="444960"/>
+            <a:ext cx="2453400" cy="444600"/>
           </a:xfrm>
           <a:prstGeom prst="rect">
             <a:avLst/>
@@ -25546,7 +25546,7 @@
         <p:spPr>
           <a:xfrm flipH="1">
             <a:off x="2230560" y="3600000"/>
-            <a:ext cx="1704600" cy="656280"/>
+            <a:ext cx="1704240" cy="655920"/>
           </a:xfrm>
           <a:custGeom>
             <a:avLst/>
@@ -25599,7 +25599,7 @@
         <p:spPr>
           <a:xfrm>
             <a:off x="4729680" y="3610440"/>
-            <a:ext cx="1101240" cy="694440"/>
+            <a:ext cx="1100880" cy="694080"/>
           </a:xfrm>
           <a:custGeom>
             <a:avLst/>
@@ -25651,8 +25651,8 @@
         </p:nvSpPr>
         <p:spPr>
           <a:xfrm flipH="1">
-            <a:off x="2229480" y="4752000"/>
-            <a:ext cx="360" cy="646920"/>
+            <a:off x="2228760" y="4752000"/>
+            <a:ext cx="360" cy="646560"/>
           </a:xfrm>
           <a:custGeom>
             <a:avLst/>
@@ -25704,8 +25704,8 @@
         </p:nvSpPr>
         <p:spPr>
           <a:xfrm flipH="1">
-            <a:off x="5757480" y="4752000"/>
-            <a:ext cx="360" cy="646920"/>
+            <a:off x="5756760" y="4752000"/>
+            <a:ext cx="360" cy="646560"/>
           </a:xfrm>
           <a:custGeom>
             <a:avLst/>
@@ -25757,8 +25757,8 @@
         </p:nvSpPr>
         <p:spPr>
           <a:xfrm flipH="1">
-            <a:off x="8997480" y="3614040"/>
-            <a:ext cx="360" cy="1770840"/>
+            <a:off x="8996760" y="3614040"/>
+            <a:ext cx="360" cy="1770480"/>
           </a:xfrm>
           <a:custGeom>
             <a:avLst/>
@@ -25860,7 +25860,7 @@
         <p:spPr>
           <a:xfrm>
             <a:off x="1561680" y="0"/>
-            <a:ext cx="9065520" cy="1256400"/>
+            <a:ext cx="9065160" cy="1256040"/>
           </a:xfrm>
           <a:prstGeom prst="rect">
             <a:avLst/>
@@ -25909,7 +25909,7 @@
         <p:spPr>
           <a:xfrm>
             <a:off x="1368000" y="1224000"/>
-            <a:ext cx="4606920" cy="5326920"/>
+            <a:ext cx="4606560" cy="5326560"/>
           </a:xfrm>
           <a:prstGeom prst="rect">
             <a:avLst/>
@@ -25988,7 +25988,7 @@
         <p:spPr>
           <a:xfrm>
             <a:off x="6264000" y="1080000"/>
-            <a:ext cx="5758920" cy="5472360"/>
+            <a:ext cx="5758560" cy="5472000"/>
           </a:xfrm>
           <a:prstGeom prst="rect">
             <a:avLst/>
@@ -26272,7 +26272,7 @@
         <p:spPr>
           <a:xfrm>
             <a:off x="1561680" y="0"/>
-            <a:ext cx="9065520" cy="1256400"/>
+            <a:ext cx="9065160" cy="1256040"/>
           </a:xfrm>
           <a:prstGeom prst="rect">
             <a:avLst/>
@@ -26321,7 +26321,7 @@
         <p:spPr>
           <a:xfrm>
             <a:off x="861840" y="1728360"/>
-            <a:ext cx="5397840" cy="4963320"/>
+            <a:ext cx="5397480" cy="4962960"/>
           </a:xfrm>
           <a:prstGeom prst="rect">
             <a:avLst/>
@@ -26370,7 +26370,7 @@
         <p:spPr>
           <a:xfrm>
             <a:off x="1703520" y="1728360"/>
-            <a:ext cx="8781840" cy="4963320"/>
+            <a:ext cx="8781480" cy="4962960"/>
           </a:xfrm>
           <a:prstGeom prst="rect">
             <a:avLst/>
@@ -26638,7 +26638,7 @@
         <p:spPr>
           <a:xfrm>
             <a:off x="1561680" y="0"/>
-            <a:ext cx="9065520" cy="1256400"/>
+            <a:ext cx="9065160" cy="1256040"/>
           </a:xfrm>
           <a:prstGeom prst="rect">
             <a:avLst/>
@@ -26687,7 +26687,7 @@
         <p:spPr>
           <a:xfrm>
             <a:off x="1368000" y="1224000"/>
-            <a:ext cx="4750920" cy="5326920"/>
+            <a:ext cx="4750560" cy="5326560"/>
           </a:xfrm>
           <a:prstGeom prst="rect">
             <a:avLst/>
@@ -26876,7 +26876,7 @@
         <p:spPr>
           <a:xfrm>
             <a:off x="6264000" y="2376000"/>
-            <a:ext cx="5758920" cy="2446920"/>
+            <a:ext cx="5758560" cy="2446560"/>
           </a:xfrm>
           <a:prstGeom prst="rect">
             <a:avLst/>
@@ -27061,7 +27061,7 @@
         <p:spPr>
           <a:xfrm>
             <a:off x="1561680" y="0"/>
-            <a:ext cx="9065520" cy="1256400"/>
+            <a:ext cx="9065160" cy="1256040"/>
           </a:xfrm>
           <a:prstGeom prst="rect">
             <a:avLst/>
@@ -27110,7 +27110,7 @@
         <p:spPr>
           <a:xfrm>
             <a:off x="1368000" y="1224000"/>
-            <a:ext cx="4606920" cy="5326920"/>
+            <a:ext cx="4606560" cy="5326560"/>
           </a:xfrm>
           <a:prstGeom prst="rect">
             <a:avLst/>
@@ -27259,7 +27259,7 @@
         <p:spPr>
           <a:xfrm>
             <a:off x="5976000" y="1944000"/>
-            <a:ext cx="5758920" cy="3566160"/>
+            <a:ext cx="5758560" cy="3565800"/>
           </a:xfrm>
           <a:prstGeom prst="rect">
             <a:avLst/>
@@ -27487,7 +27487,7 @@
         <p:spPr>
           <a:xfrm>
             <a:off x="1561680" y="0"/>
-            <a:ext cx="9065520" cy="1256400"/>
+            <a:ext cx="9065160" cy="1256040"/>
           </a:xfrm>
           <a:prstGeom prst="rect">
             <a:avLst/>
@@ -27536,7 +27536,7 @@
         <p:spPr>
           <a:xfrm>
             <a:off x="1080000" y="1224000"/>
-            <a:ext cx="10943280" cy="5326920"/>
+            <a:ext cx="10942920" cy="5326560"/>
           </a:xfrm>
           <a:prstGeom prst="rect">
             <a:avLst/>
@@ -27834,7 +27834,7 @@
         <p:spPr>
           <a:xfrm>
             <a:off x="1561680" y="0"/>
-            <a:ext cx="9065520" cy="1256400"/>
+            <a:ext cx="9065160" cy="1256040"/>
           </a:xfrm>
           <a:prstGeom prst="rect">
             <a:avLst/>
@@ -27883,7 +27883,7 @@
         <p:spPr>
           <a:xfrm>
             <a:off x="1137960" y="1050840"/>
-            <a:ext cx="10943280" cy="5326920"/>
+            <a:ext cx="10942920" cy="5326560"/>
           </a:xfrm>
           <a:prstGeom prst="rect">
             <a:avLst/>
@@ -28211,7 +28211,7 @@
         <p:spPr>
           <a:xfrm>
             <a:off x="1561680" y="0"/>
-            <a:ext cx="9065520" cy="1256400"/>
+            <a:ext cx="9065160" cy="1256040"/>
           </a:xfrm>
           <a:prstGeom prst="rect">
             <a:avLst/>
@@ -28260,7 +28260,7 @@
         <p:spPr>
           <a:xfrm>
             <a:off x="720000" y="1728000"/>
-            <a:ext cx="9863640" cy="4339800"/>
+            <a:ext cx="9863280" cy="4339440"/>
           </a:xfrm>
           <a:prstGeom prst="rect">
             <a:avLst/>
@@ -28549,7 +28549,7 @@
         <p:spPr>
           <a:xfrm>
             <a:off x="1561680" y="0"/>
-            <a:ext cx="9065520" cy="1256400"/>
+            <a:ext cx="9065160" cy="1256040"/>
           </a:xfrm>
           <a:prstGeom prst="rect">
             <a:avLst/>
@@ -28598,7 +28598,7 @@
         <p:spPr>
           <a:xfrm>
             <a:off x="720000" y="1728000"/>
-            <a:ext cx="9863640" cy="4623120"/>
+            <a:ext cx="9863280" cy="4622760"/>
           </a:xfrm>
           <a:prstGeom prst="rect">
             <a:avLst/>
@@ -28898,7 +28898,7 @@
         <p:spPr>
           <a:xfrm>
             <a:off x="1561680" y="0"/>
-            <a:ext cx="9065520" cy="1256400"/>
+            <a:ext cx="9065160" cy="1256040"/>
           </a:xfrm>
           <a:prstGeom prst="rect">
             <a:avLst/>
@@ -28947,7 +28947,7 @@
         <p:spPr>
           <a:xfrm>
             <a:off x="864000" y="1655640"/>
-            <a:ext cx="5255640" cy="4752000"/>
+            <a:ext cx="5255280" cy="4751640"/>
           </a:xfrm>
           <a:prstGeom prst="rect">
             <a:avLst/>
@@ -29168,7 +29168,7 @@
         <p:spPr>
           <a:xfrm>
             <a:off x="6264000" y="1368000"/>
-            <a:ext cx="5471640" cy="5465160"/>
+            <a:ext cx="5471280" cy="5464800"/>
           </a:xfrm>
           <a:prstGeom prst="rect">
             <a:avLst/>
@@ -29471,7 +29471,7 @@
         <p:spPr>
           <a:xfrm>
             <a:off x="1561680" y="0"/>
-            <a:ext cx="9065520" cy="1256400"/>
+            <a:ext cx="9065160" cy="1256040"/>
           </a:xfrm>
           <a:prstGeom prst="rect">
             <a:avLst/>
@@ -29520,7 +29520,7 @@
         <p:spPr>
           <a:xfrm>
             <a:off x="2952000" y="1944000"/>
-            <a:ext cx="6710040" cy="5326920"/>
+            <a:ext cx="6709680" cy="5326560"/>
           </a:xfrm>
           <a:prstGeom prst="rect">
             <a:avLst/>
@@ -29778,7 +29778,7 @@
         <p:spPr>
           <a:xfrm>
             <a:off x="1561680" y="0"/>
-            <a:ext cx="9065520" cy="1256400"/>
+            <a:ext cx="9065160" cy="1256040"/>
           </a:xfrm>
           <a:prstGeom prst="rect">
             <a:avLst/>
@@ -29827,7 +29827,7 @@
         <p:spPr>
           <a:xfrm>
             <a:off x="936000" y="1369080"/>
-            <a:ext cx="6120000" cy="5326920"/>
+            <a:ext cx="6119640" cy="5326560"/>
           </a:xfrm>
           <a:prstGeom prst="rect">
             <a:avLst/>
@@ -30136,7 +30136,7 @@
         <p:spPr>
           <a:xfrm>
             <a:off x="138240" y="6192000"/>
-            <a:ext cx="1373760" cy="444960"/>
+            <a:ext cx="1373400" cy="444600"/>
           </a:xfrm>
           <a:prstGeom prst="rect">
             <a:avLst/>
@@ -30192,7 +30192,7 @@
         <p:spPr>
           <a:xfrm>
             <a:off x="2376000" y="6192000"/>
-            <a:ext cx="1656000" cy="444960"/>
+            <a:ext cx="1655640" cy="444600"/>
           </a:xfrm>
           <a:prstGeom prst="rect">
             <a:avLst/>
@@ -30248,7 +30248,7 @@
         <p:spPr>
           <a:xfrm>
             <a:off x="4968000" y="6179040"/>
-            <a:ext cx="1656000" cy="444960"/>
+            <a:ext cx="1655640" cy="444600"/>
           </a:xfrm>
           <a:prstGeom prst="rect">
             <a:avLst/>
@@ -30304,7 +30304,7 @@
         <p:spPr>
           <a:xfrm>
             <a:off x="7488000" y="6192000"/>
-            <a:ext cx="1656000" cy="444960"/>
+            <a:ext cx="1655640" cy="444600"/>
           </a:xfrm>
           <a:prstGeom prst="rect">
             <a:avLst/>
@@ -30360,7 +30360,7 @@
         <p:spPr>
           <a:xfrm>
             <a:off x="10080000" y="6194160"/>
-            <a:ext cx="1656000" cy="444960"/>
+            <a:ext cx="1655640" cy="444600"/>
           </a:xfrm>
           <a:prstGeom prst="rect">
             <a:avLst/>
@@ -30416,7 +30416,7 @@
         <p:spPr>
           <a:xfrm>
             <a:off x="1512000" y="6408000"/>
-            <a:ext cx="864000" cy="0"/>
+            <a:ext cx="864000" cy="360"/>
           </a:xfrm>
           <a:prstGeom prst="line">
             <a:avLst/>
@@ -30444,7 +30444,7 @@
         <p:spPr>
           <a:xfrm>
             <a:off x="4032000" y="6408000"/>
-            <a:ext cx="936000" cy="0"/>
+            <a:ext cx="936000" cy="360"/>
           </a:xfrm>
           <a:prstGeom prst="line">
             <a:avLst/>
@@ -30472,36 +30472,7 @@
         <p:spPr>
           <a:xfrm>
             <a:off x="6624000" y="6408000"/>
-            <a:ext cx="864000" cy="0"/>
-          </a:xfrm>
-          <a:prstGeom prst="line">
-            <a:avLst/>
-          </a:prstGeom>
-          <a:ln>
-            <a:solidFill>
-              <a:srgbClr val="000000"/>
-            </a:solidFill>
-            <a:custDash/>
-            <a:tailEnd len="med" type="triangle" w="med"/>
-          </a:ln>
-        </p:spPr>
-        <p:style>
-          <a:lnRef idx="0"/>
-          <a:fillRef idx="0"/>
-          <a:effectRef idx="0"/>
-          <a:fontRef idx="minor"/>
-        </p:style>
-      </p:sp>
-      <p:sp>
-        <p:nvSpPr>
-          <p:cNvPr id="269" name="Line 11"/>
-          <p:cNvSpPr/>
-          <p:nvPr/>
-        </p:nvSpPr>
-        <p:spPr>
-          <a:xfrm>
-            <a:off x="9144000" y="6408000"/>
-            <a:ext cx="936000" cy="0"/>
+            <a:ext cx="864000" cy="360"/>
           </a:xfrm>
           <a:prstGeom prst="line">
             <a:avLst/>
@@ -30522,14 +30493,42 @@
       </p:sp>
       <p:sp>
         <p:nvSpPr>
-          <p:cNvPr id="270" name="TextShape 12"/>
-          <p:cNvSpPr txBox="1"/>
+          <p:cNvPr id="269" name="Line 11"/>
+          <p:cNvSpPr/>
+          <p:nvPr/>
+        </p:nvSpPr>
+        <p:spPr>
+          <a:xfrm>
+            <a:off x="9144000" y="6408000"/>
+            <a:ext cx="936000" cy="360"/>
+          </a:xfrm>
+          <a:prstGeom prst="line">
+            <a:avLst/>
+          </a:prstGeom>
+          <a:ln>
+            <a:solidFill>
+              <a:srgbClr val="000000"/>
+            </a:solidFill>
+            <a:tailEnd len="med" type="triangle" w="med"/>
+          </a:ln>
+        </p:spPr>
+        <p:style>
+          <a:lnRef idx="0"/>
+          <a:fillRef idx="0"/>
+          <a:effectRef idx="0"/>
+          <a:fontRef idx="minor"/>
+        </p:style>
+      </p:sp>
+      <p:sp>
+        <p:nvSpPr>
+          <p:cNvPr id="270" name="CustomShape 12"/>
+          <p:cNvSpPr/>
           <p:nvPr/>
         </p:nvSpPr>
         <p:spPr>
           <a:xfrm>
             <a:off x="7167960" y="1512000"/>
-            <a:ext cx="5216040" cy="4392000"/>
+            <a:ext cx="5215680" cy="4391640"/>
           </a:xfrm>
           <a:prstGeom prst="rect">
             <a:avLst/>
@@ -30539,9 +30538,20 @@
             <a:noFill/>
           </a:ln>
         </p:spPr>
+        <p:style>
+          <a:lnRef idx="0"/>
+          <a:fillRef idx="0"/>
+          <a:effectRef idx="0"/>
+          <a:fontRef idx="minor"/>
+        </p:style>
         <p:txBody>
           <a:bodyPr lIns="90000" rIns="90000" tIns="45000" bIns="45000"/>
           <a:p>
+            <a:pPr>
+              <a:lnSpc>
+                <a:spcPct val="100000"/>
+              </a:lnSpc>
+            </a:pPr>
             <a:r>
               <a:rPr b="0" lang="pl-PL" sz="1600" spc="-1" strike="noStrike">
                 <a:solidFill>
@@ -30573,13 +30583,15 @@
               <a:t>("agnieszka", "jan", "dionizy", "grzegorz","olka");</a:t>
             </a:r>
             <a:endParaRPr b="0" lang="pl-PL" sz="1600" spc="-1" strike="noStrike">
-              <a:solidFill>
-                <a:srgbClr val="ffffff"/>
-              </a:solidFill>
-              <a:latin typeface="Arial"/>
-            </a:endParaRPr>
-          </a:p>
-          <a:p>
+              <a:latin typeface="Arial"/>
+            </a:endParaRPr>
+          </a:p>
+          <a:p>
+            <a:pPr>
+              <a:lnSpc>
+                <a:spcPct val="100000"/>
+              </a:lnSpc>
+            </a:pPr>
             <a:br/>
             <a:r>
               <a:rPr b="0" lang="pl-PL" sz="1600" spc="-1" strike="noStrike">
@@ -30592,13 +30604,15 @@
               <a:t>List&lt;String&gt; imionaWielkaLitera = imiona.stream()</a:t>
             </a:r>
             <a:endParaRPr b="0" lang="pl-PL" sz="1600" spc="-1" strike="noStrike">
-              <a:solidFill>
-                <a:srgbClr val="ffffff"/>
-              </a:solidFill>
-              <a:latin typeface="Arial"/>
-            </a:endParaRPr>
-          </a:p>
-          <a:p>
+              <a:latin typeface="Arial"/>
+            </a:endParaRPr>
+          </a:p>
+          <a:p>
+            <a:pPr>
+              <a:lnSpc>
+                <a:spcPct val="100000"/>
+              </a:lnSpc>
+            </a:pPr>
             <a:r>
               <a:rPr b="0" lang="pl-PL" sz="1600" spc="-1" strike="noStrike">
                 <a:solidFill>
@@ -30610,13 +30624,15 @@
               <a:t>.map(String::toUpperCase)</a:t>
             </a:r>
             <a:endParaRPr b="0" lang="pl-PL" sz="1600" spc="-1" strike="noStrike">
-              <a:solidFill>
-                <a:srgbClr val="ffffff"/>
-              </a:solidFill>
-              <a:latin typeface="Arial"/>
-            </a:endParaRPr>
-          </a:p>
-          <a:p>
+              <a:latin typeface="Arial"/>
+            </a:endParaRPr>
+          </a:p>
+          <a:p>
+            <a:pPr>
+              <a:lnSpc>
+                <a:spcPct val="100000"/>
+              </a:lnSpc>
+            </a:pPr>
             <a:r>
               <a:rPr b="0" lang="pl-PL" sz="1600" spc="-1" strike="noStrike">
                 <a:solidFill>
@@ -30680,13 +30696,15 @@
             </a:r>
             <a:br/>
             <a:endParaRPr b="0" lang="pl-PL" sz="1600" spc="-1" strike="noStrike">
-              <a:solidFill>
-                <a:srgbClr val="ffffff"/>
-              </a:solidFill>
-              <a:latin typeface="Arial"/>
-            </a:endParaRPr>
-          </a:p>
-          <a:p>
+              <a:latin typeface="Arial"/>
+            </a:endParaRPr>
+          </a:p>
+          <a:p>
+            <a:pPr>
+              <a:lnSpc>
+                <a:spcPct val="100000"/>
+              </a:lnSpc>
+            </a:pPr>
             <a:r>
               <a:rPr b="0" lang="pl-PL" sz="1600" spc="-1" strike="noStrike">
                 <a:solidFill>
@@ -30698,13 +30716,15 @@
               <a:t>List&lt;String&gt; konczaceKa = imiona.stream()</a:t>
             </a:r>
             <a:endParaRPr b="0" lang="pl-PL" sz="1600" spc="-1" strike="noStrike">
-              <a:solidFill>
-                <a:srgbClr val="ffffff"/>
-              </a:solidFill>
-              <a:latin typeface="Arial"/>
-            </a:endParaRPr>
-          </a:p>
-          <a:p>
+              <a:latin typeface="Arial"/>
+            </a:endParaRPr>
+          </a:p>
+          <a:p>
+            <a:pPr>
+              <a:lnSpc>
+                <a:spcPct val="100000"/>
+              </a:lnSpc>
+            </a:pPr>
             <a:r>
               <a:rPr b="0" lang="pl-PL" sz="1600" spc="-1" strike="noStrike">
                 <a:solidFill>
@@ -30716,13 +30736,15 @@
               <a:t>.filter(name -&gt; name.endsWith("ad"))</a:t>
             </a:r>
             <a:endParaRPr b="0" lang="pl-PL" sz="1600" spc="-1" strike="noStrike">
-              <a:solidFill>
-                <a:srgbClr val="ffffff"/>
-              </a:solidFill>
-              <a:latin typeface="Arial"/>
-            </a:endParaRPr>
-          </a:p>
-          <a:p>
+              <a:latin typeface="Arial"/>
+            </a:endParaRPr>
+          </a:p>
+          <a:p>
+            <a:pPr>
+              <a:lnSpc>
+                <a:spcPct val="100000"/>
+              </a:lnSpc>
+            </a:pPr>
             <a:r>
               <a:rPr b="0" lang="pl-PL" sz="1600" spc="-1" strike="noStrike">
                 <a:solidFill>
@@ -30786,13 +30808,15 @@
             </a:r>
             <a:br/>
             <a:endParaRPr b="0" lang="pl-PL" sz="1600" spc="-1" strike="noStrike">
-              <a:solidFill>
-                <a:srgbClr val="ffffff"/>
-              </a:solidFill>
-              <a:latin typeface="Arial"/>
-            </a:endParaRPr>
-          </a:p>
-          <a:p>
+              <a:latin typeface="Arial"/>
+            </a:endParaRPr>
+          </a:p>
+          <a:p>
+            <a:pPr>
+              <a:lnSpc>
+                <a:spcPct val="100000"/>
+              </a:lnSpc>
+            </a:pPr>
             <a:r>
               <a:rPr b="0" lang="pl-PL" sz="1600" spc="-1" strike="noStrike">
                 <a:solidFill>
@@ -30804,13 +30828,15 @@
               <a:t>String zlepione = imiona.stream()</a:t>
             </a:r>
             <a:endParaRPr b="0" lang="pl-PL" sz="1600" spc="-1" strike="noStrike">
-              <a:solidFill>
-                <a:srgbClr val="ffffff"/>
-              </a:solidFill>
-              <a:latin typeface="Arial"/>
-            </a:endParaRPr>
-          </a:p>
-          <a:p>
+              <a:latin typeface="Arial"/>
+            </a:endParaRPr>
+          </a:p>
+          <a:p>
+            <a:pPr>
+              <a:lnSpc>
+                <a:spcPct val="100000"/>
+              </a:lnSpc>
+            </a:pPr>
             <a:r>
               <a:rPr b="0" lang="pl-PL" sz="1600" spc="-1" strike="noStrike">
                 <a:solidFill>
@@ -30863,9 +30889,6 @@
               <a:t>;</a:t>
             </a:r>
             <a:endParaRPr b="0" lang="pl-PL" sz="1800" spc="-1" strike="noStrike">
-              <a:solidFill>
-                <a:srgbClr val="ffffff"/>
-              </a:solidFill>
               <a:latin typeface="Arial"/>
             </a:endParaRPr>
           </a:p>
@@ -30929,7 +30952,7 @@
         <p:spPr>
           <a:xfrm>
             <a:off x="1561680" y="0"/>
-            <a:ext cx="9065520" cy="1256400"/>
+            <a:ext cx="9065160" cy="1256040"/>
           </a:xfrm>
           <a:prstGeom prst="rect">
             <a:avLst/>
@@ -30978,7 +31001,7 @@
         <p:spPr>
           <a:xfrm>
             <a:off x="936000" y="1369080"/>
-            <a:ext cx="6120000" cy="5326920"/>
+            <a:ext cx="6119640" cy="5326560"/>
           </a:xfrm>
           <a:prstGeom prst="rect">
             <a:avLst/>
@@ -31320,14 +31343,14 @@
       </p:sp>
       <p:sp>
         <p:nvSpPr>
-          <p:cNvPr id="273" name="TextShape 3"/>
-          <p:cNvSpPr txBox="1"/>
+          <p:cNvPr id="273" name="CustomShape 3"/>
+          <p:cNvSpPr/>
           <p:nvPr/>
         </p:nvSpPr>
         <p:spPr>
           <a:xfrm>
             <a:off x="6879960" y="2376000"/>
-            <a:ext cx="5216040" cy="3384000"/>
+            <a:ext cx="5215680" cy="3383640"/>
           </a:xfrm>
           <a:prstGeom prst="rect">
             <a:avLst/>
@@ -31337,9 +31360,20 @@
             <a:noFill/>
           </a:ln>
         </p:spPr>
+        <p:style>
+          <a:lnRef idx="0"/>
+          <a:fillRef idx="0"/>
+          <a:effectRef idx="0"/>
+          <a:fontRef idx="minor"/>
+        </p:style>
         <p:txBody>
           <a:bodyPr lIns="90000" rIns="90000" tIns="45000" bIns="45000"/>
           <a:p>
+            <a:pPr>
+              <a:lnSpc>
+                <a:spcPct val="100000"/>
+              </a:lnSpc>
+            </a:pPr>
             <a:r>
               <a:rPr b="0" lang="pl-PL" sz="2000" spc="-1" strike="noStrike">
                 <a:solidFill>
@@ -31372,13 +31406,15 @@
             </a:r>
             <a:br/>
             <a:endParaRPr b="0" lang="pl-PL" sz="2000" spc="-1" strike="noStrike">
-              <a:solidFill>
-                <a:srgbClr val="ffffff"/>
-              </a:solidFill>
-              <a:latin typeface="Arial"/>
-            </a:endParaRPr>
-          </a:p>
-          <a:p>
+              <a:latin typeface="Arial"/>
+            </a:endParaRPr>
+          </a:p>
+          <a:p>
+            <a:pPr>
+              <a:lnSpc>
+                <a:spcPct val="100000"/>
+              </a:lnSpc>
+            </a:pPr>
             <a:r>
               <a:rPr b="0" lang="pl-PL" sz="2000" spc="-1" strike="noStrike">
                 <a:solidFill>
@@ -31424,13 +31460,15 @@
             </a:r>
             <a:br/>
             <a:endParaRPr b="0" lang="pl-PL" sz="2000" spc="-1" strike="noStrike">
-              <a:solidFill>
-                <a:srgbClr val="ffffff"/>
-              </a:solidFill>
-              <a:latin typeface="Arial"/>
-            </a:endParaRPr>
-          </a:p>
-          <a:p>
+              <a:latin typeface="Arial"/>
+            </a:endParaRPr>
+          </a:p>
+          <a:p>
+            <a:pPr>
+              <a:lnSpc>
+                <a:spcPct val="100000"/>
+              </a:lnSpc>
+            </a:pPr>
             <a:r>
               <a:rPr b="0" lang="pl-PL" sz="2000" spc="-1" strike="noStrike">
                 <a:solidFill>
@@ -31462,9 +31500,6 @@
               <a:t>.println(concat);</a:t>
             </a:r>
             <a:endParaRPr b="0" lang="pl-PL" sz="2000" spc="-1" strike="noStrike">
-              <a:solidFill>
-                <a:srgbClr val="ffffff"/>
-              </a:solidFill>
               <a:latin typeface="Arial"/>
             </a:endParaRPr>
           </a:p>
@@ -31528,7 +31563,7 @@
         <p:spPr>
           <a:xfrm>
             <a:off x="1561680" y="0"/>
-            <a:ext cx="9065520" cy="1256400"/>
+            <a:ext cx="9065160" cy="1256040"/>
           </a:xfrm>
           <a:prstGeom prst="rect">
             <a:avLst/>
@@ -31577,7 +31612,7 @@
         <p:spPr>
           <a:xfrm>
             <a:off x="861480" y="1728360"/>
-            <a:ext cx="5397840" cy="4963320"/>
+            <a:ext cx="5397480" cy="4962960"/>
           </a:xfrm>
           <a:prstGeom prst="rect">
             <a:avLst/>
@@ -31625,8 +31660,8 @@
         </p:nvSpPr>
         <p:spPr>
           <a:xfrm rot="21553200">
-            <a:off x="2466000" y="2635560"/>
-            <a:ext cx="1581840" cy="2671920"/>
+            <a:off x="2466000" y="2635200"/>
+            <a:ext cx="1581480" cy="2671560"/>
           </a:xfrm>
           <a:prstGeom prst="rect">
             <a:avLst/>
@@ -31728,8 +31763,8 @@
         </p:nvSpPr>
         <p:spPr>
           <a:xfrm rot="21553200">
-            <a:off x="5418000" y="2635560"/>
-            <a:ext cx="1581840" cy="2671920"/>
+            <a:off x="5418000" y="2635200"/>
+            <a:ext cx="1581480" cy="2671560"/>
           </a:xfrm>
           <a:prstGeom prst="rect">
             <a:avLst/>
@@ -31900,7 +31935,7 @@
         <p:spPr>
           <a:xfrm>
             <a:off x="8354160" y="1728000"/>
-            <a:ext cx="1723680" cy="1219680"/>
+            <a:ext cx="1723320" cy="1219320"/>
           </a:xfrm>
           <a:prstGeom prst="rect">
             <a:avLst/>
@@ -32003,7 +32038,7 @@
         <p:spPr>
           <a:xfrm>
             <a:off x="8282160" y="4895640"/>
-            <a:ext cx="1723680" cy="1219680"/>
+            <a:ext cx="1723320" cy="1219320"/>
           </a:xfrm>
           <a:prstGeom prst="rect">
             <a:avLst/>
@@ -32106,7 +32141,7 @@
         <p:spPr>
           <a:xfrm>
             <a:off x="4320000" y="3383640"/>
-            <a:ext cx="1075680" cy="342000"/>
+            <a:ext cx="1075320" cy="341640"/>
           </a:xfrm>
           <a:prstGeom prst="rect">
             <a:avLst/>
@@ -32211,7 +32246,7 @@
         <p:spPr>
           <a:xfrm>
             <a:off x="7058160" y="3685320"/>
-            <a:ext cx="1075680" cy="597960"/>
+            <a:ext cx="1075320" cy="597600"/>
           </a:xfrm>
           <a:prstGeom prst="rect">
             <a:avLst/>
@@ -32319,7 +32354,7 @@
         <p:spPr>
           <a:xfrm>
             <a:off x="1561680" y="0"/>
-            <a:ext cx="9065520" cy="1256400"/>
+            <a:ext cx="9065160" cy="1256040"/>
           </a:xfrm>
           <a:prstGeom prst="rect">
             <a:avLst/>
@@ -32368,7 +32403,7 @@
         <p:spPr>
           <a:xfrm>
             <a:off x="1008000" y="1872000"/>
-            <a:ext cx="5328000" cy="5326920"/>
+            <a:ext cx="5327640" cy="5326560"/>
           </a:xfrm>
           <a:prstGeom prst="rect">
             <a:avLst/>
@@ -32570,14 +32605,14 @@
       </p:sp>
       <p:sp>
         <p:nvSpPr>
-          <p:cNvPr id="276" name="TextShape 3"/>
-          <p:cNvSpPr txBox="1"/>
+          <p:cNvPr id="276" name="CustomShape 3"/>
+          <p:cNvSpPr/>
           <p:nvPr/>
         </p:nvSpPr>
         <p:spPr>
           <a:xfrm>
             <a:off x="6480000" y="1980720"/>
-            <a:ext cx="5616000" cy="3851280"/>
+            <a:ext cx="5615640" cy="3850920"/>
           </a:xfrm>
           <a:prstGeom prst="rect">
             <a:avLst/>
@@ -32587,9 +32622,20 @@
             <a:noFill/>
           </a:ln>
         </p:spPr>
+        <p:style>
+          <a:lnRef idx="0"/>
+          <a:fillRef idx="0"/>
+          <a:effectRef idx="0"/>
+          <a:fontRef idx="minor"/>
+        </p:style>
         <p:txBody>
           <a:bodyPr lIns="90000" rIns="90000" tIns="45000" bIns="45000"/>
           <a:p>
+            <a:pPr>
+              <a:lnSpc>
+                <a:spcPct val="100000"/>
+              </a:lnSpc>
+            </a:pPr>
             <a:r>
               <a:rPr b="0" lang="pl-PL" sz="1600" spc="-1" strike="noStrike">
                 <a:solidFill>
@@ -32763,6 +32809,11 @@
             </a:endParaRPr>
           </a:p>
           <a:p>
+            <a:pPr>
+              <a:lnSpc>
+                <a:spcPct val="100000"/>
+              </a:lnSpc>
+            </a:pPr>
             <a:r>
               <a:rPr b="0" lang="pl-PL" sz="1600" spc="-1" strike="noStrike">
                 <a:solidFill>
@@ -32779,6 +32830,11 @@
             </a:endParaRPr>
           </a:p>
           <a:p>
+            <a:pPr>
+              <a:lnSpc>
+                <a:spcPct val="100000"/>
+              </a:lnSpc>
+            </a:pPr>
             <a:r>
               <a:rPr b="0" lang="pl-PL" sz="1600" spc="-1" strike="noStrike">
                 <a:solidFill>
@@ -32826,6 +32882,11 @@
             </a:endParaRPr>
           </a:p>
           <a:p>
+            <a:pPr>
+              <a:lnSpc>
+                <a:spcPct val="100000"/>
+              </a:lnSpc>
+            </a:pPr>
             <a:r>
               <a:rPr b="0" lang="pl-PL" sz="1600" spc="-1" strike="noStrike">
                 <a:solidFill>
@@ -32901,7 +32962,7 @@
         <p:spPr>
           <a:xfrm>
             <a:off x="1561680" y="720"/>
-            <a:ext cx="9065520" cy="1256400"/>
+            <a:ext cx="9065160" cy="1256040"/>
           </a:xfrm>
           <a:prstGeom prst="rect">
             <a:avLst/>
@@ -35139,7 +35200,7 @@
         <p:spPr>
           <a:xfrm>
             <a:off x="1561680" y="0"/>
-            <a:ext cx="9065520" cy="1256400"/>
+            <a:ext cx="9065160" cy="1256040"/>
           </a:xfrm>
           <a:prstGeom prst="rect">
             <a:avLst/>
@@ -35188,7 +35249,7 @@
         <p:spPr>
           <a:xfrm>
             <a:off x="1998720" y="863640"/>
-            <a:ext cx="8417880" cy="4655160"/>
+            <a:ext cx="8417520" cy="4654800"/>
           </a:xfrm>
           <a:prstGeom prst="rect">
             <a:avLst/>
@@ -35514,7 +35575,7 @@
         <p:spPr>
           <a:xfrm>
             <a:off x="1561680" y="0"/>
-            <a:ext cx="9065520" cy="1256400"/>
+            <a:ext cx="9065160" cy="1256040"/>
           </a:xfrm>
           <a:prstGeom prst="rect">
             <a:avLst/>
@@ -35563,7 +35624,7 @@
         <p:spPr>
           <a:xfrm>
             <a:off x="1633320" y="1087560"/>
-            <a:ext cx="8921880" cy="6357240"/>
+            <a:ext cx="8921520" cy="6356880"/>
           </a:xfrm>
           <a:prstGeom prst="rect">
             <a:avLst/>
@@ -35941,7 +36002,7 @@
         <p:spPr>
           <a:xfrm>
             <a:off x="1561680" y="360"/>
-            <a:ext cx="9065520" cy="1256400"/>
+            <a:ext cx="9065160" cy="1256040"/>
           </a:xfrm>
           <a:prstGeom prst="rect">
             <a:avLst/>
@@ -36475,7 +36536,7 @@
                           <a:latin typeface="Arial"/>
                           <a:ea typeface="DejaVu Sans"/>
                         </a:rPr>
-                        <a:t>&amp;,|,~,^,!,&lt;&lt;,&gt;&gt;,&gt;&gt;&gt;</a:t>
+                        <a:t>&amp;,|,~,^,&lt;&lt;,&gt;&gt;,&gt;&gt;&gt;</a:t>
                       </a:r>
                       <a:endParaRPr b="0" lang="pl-PL" sz="2600" spc="-1" strike="noStrike">
                         <a:latin typeface="Arial"/>

--- a/WprowadzenieDoJezykaJAVA_v2_PiotrKrajnik.pptx
+++ b/WprowadzenieDoJezykaJAVA_v2_PiotrKrajnik.pptx
@@ -2761,7 +2761,7 @@
         <p:spPr>
           <a:xfrm rot="5400000">
             <a:off x="0" y="0"/>
-            <a:ext cx="2495520" cy="2495520"/>
+            <a:ext cx="2495160" cy="2495160"/>
           </a:xfrm>
           <a:prstGeom prst="rtTriangle">
             <a:avLst/>
@@ -2801,7 +2801,7 @@
         <p:spPr>
           <a:xfrm>
             <a:off x="0" y="0"/>
-            <a:ext cx="2748600" cy="1292400"/>
+            <a:ext cx="2748240" cy="1292040"/>
           </a:xfrm>
           <a:prstGeom prst="rect">
             <a:avLst/>
@@ -3081,7 +3081,7 @@
         <p:spPr>
           <a:xfrm rot="5400000">
             <a:off x="0" y="0"/>
-            <a:ext cx="2495520" cy="2495520"/>
+            <a:ext cx="2495160" cy="2495160"/>
           </a:xfrm>
           <a:prstGeom prst="rtTriangle">
             <a:avLst/>
@@ -3121,7 +3121,7 @@
         <p:spPr>
           <a:xfrm>
             <a:off x="0" y="0"/>
-            <a:ext cx="2748600" cy="1292400"/>
+            <a:ext cx="2748240" cy="1292040"/>
           </a:xfrm>
           <a:prstGeom prst="rect">
             <a:avLst/>
@@ -3391,7 +3391,7 @@
         <p:spPr>
           <a:xfrm>
             <a:off x="1561680" y="1905480"/>
-            <a:ext cx="9064800" cy="1255680"/>
+            <a:ext cx="9064440" cy="1255320"/>
           </a:xfrm>
           <a:prstGeom prst="rect">
             <a:avLst/>
@@ -3440,7 +3440,7 @@
         <p:spPr>
           <a:xfrm>
             <a:off x="1561680" y="3456000"/>
-            <a:ext cx="9064800" cy="2690280"/>
+            <a:ext cx="9064440" cy="2689920"/>
           </a:xfrm>
           <a:prstGeom prst="rect">
             <a:avLst/>
@@ -3548,7 +3548,7 @@
         <p:spPr>
           <a:xfrm>
             <a:off x="1561680" y="0"/>
-            <a:ext cx="9064800" cy="1255680"/>
+            <a:ext cx="9064440" cy="1255320"/>
           </a:xfrm>
           <a:prstGeom prst="rect">
             <a:avLst/>
@@ -3597,7 +3597,7 @@
         <p:spPr>
           <a:xfrm>
             <a:off x="1584000" y="1175040"/>
-            <a:ext cx="3236760" cy="5637960"/>
+            <a:ext cx="3236400" cy="5637600"/>
           </a:xfrm>
           <a:prstGeom prst="rect">
             <a:avLst/>
@@ -3956,7 +3956,7 @@
         <p:spPr>
           <a:xfrm>
             <a:off x="5324040" y="1262520"/>
-            <a:ext cx="5397120" cy="693720"/>
+            <a:ext cx="5396760" cy="693360"/>
           </a:xfrm>
           <a:prstGeom prst="rect">
             <a:avLst/>
@@ -4005,7 +4005,7 @@
         <p:spPr>
           <a:xfrm>
             <a:off x="5215680" y="3780000"/>
-            <a:ext cx="5397120" cy="1913400"/>
+            <a:ext cx="5396760" cy="1913040"/>
           </a:xfrm>
           <a:prstGeom prst="rect">
             <a:avLst/>
@@ -4123,7 +4123,7 @@
         <p:spPr>
           <a:xfrm>
             <a:off x="1561680" y="0"/>
-            <a:ext cx="9064800" cy="1255680"/>
+            <a:ext cx="9064440" cy="1255320"/>
           </a:xfrm>
           <a:prstGeom prst="rect">
             <a:avLst/>
@@ -4172,7 +4172,7 @@
         <p:spPr>
           <a:xfrm>
             <a:off x="1440000" y="1152000"/>
-            <a:ext cx="3236760" cy="5637960"/>
+            <a:ext cx="3236400" cy="5637600"/>
           </a:xfrm>
           <a:prstGeom prst="rect">
             <a:avLst/>
@@ -4631,7 +4631,7 @@
         <p:spPr>
           <a:xfrm>
             <a:off x="5180040" y="1239480"/>
-            <a:ext cx="5397120" cy="4962600"/>
+            <a:ext cx="5396760" cy="4962240"/>
           </a:xfrm>
           <a:prstGeom prst="rect">
             <a:avLst/>
@@ -4819,7 +4819,7 @@
         <p:spPr>
           <a:xfrm>
             <a:off x="1561680" y="15480"/>
-            <a:ext cx="9064800" cy="1255680"/>
+            <a:ext cx="9064440" cy="1255320"/>
           </a:xfrm>
           <a:prstGeom prst="rect">
             <a:avLst/>
@@ -4868,7 +4868,7 @@
         <p:spPr>
           <a:xfrm>
             <a:off x="1924920" y="1275840"/>
-            <a:ext cx="3236760" cy="2399400"/>
+            <a:ext cx="3236400" cy="2399040"/>
           </a:xfrm>
           <a:prstGeom prst="rect">
             <a:avLst/>
@@ -5067,7 +5067,7 @@
         <p:spPr>
           <a:xfrm>
             <a:off x="1924920" y="4079160"/>
-            <a:ext cx="3513960" cy="2399400"/>
+            <a:ext cx="3513600" cy="2399040"/>
           </a:xfrm>
           <a:prstGeom prst="rect">
             <a:avLst/>
@@ -5266,7 +5266,7 @@
         <p:spPr>
           <a:xfrm>
             <a:off x="7087320" y="1275840"/>
-            <a:ext cx="3236760" cy="2399400"/>
+            <a:ext cx="3236400" cy="2399040"/>
           </a:xfrm>
           <a:prstGeom prst="rect">
             <a:avLst/>
@@ -5465,7 +5465,7 @@
         <p:spPr>
           <a:xfrm>
             <a:off x="7087320" y="4079160"/>
-            <a:ext cx="3236760" cy="2399400"/>
+            <a:ext cx="3236400" cy="2399040"/>
           </a:xfrm>
           <a:prstGeom prst="rect">
             <a:avLst/>
@@ -5713,7 +5713,7 @@
         <p:spPr>
           <a:xfrm>
             <a:off x="1561680" y="-75600"/>
-            <a:ext cx="9064800" cy="1255680"/>
+            <a:ext cx="9064440" cy="1255320"/>
           </a:xfrm>
           <a:prstGeom prst="rect">
             <a:avLst/>
@@ -5762,7 +5762,7 @@
         <p:spPr>
           <a:xfrm>
             <a:off x="1001160" y="1286280"/>
-            <a:ext cx="5222520" cy="6486480"/>
+            <a:ext cx="5222160" cy="6486120"/>
           </a:xfrm>
           <a:prstGeom prst="rect">
             <a:avLst/>
@@ -5981,7 +5981,7 @@
         <p:spPr>
           <a:xfrm>
             <a:off x="6531120" y="1286280"/>
-            <a:ext cx="4298400" cy="5572440"/>
+            <a:ext cx="4298040" cy="5572080"/>
           </a:xfrm>
           <a:prstGeom prst="rect">
             <a:avLst/>
@@ -6369,7 +6369,7 @@
         <p:spPr>
           <a:xfrm>
             <a:off x="1561680" y="0"/>
-            <a:ext cx="9064800" cy="1255680"/>
+            <a:ext cx="9064440" cy="1255320"/>
           </a:xfrm>
           <a:prstGeom prst="rect">
             <a:avLst/>
@@ -6418,7 +6418,7 @@
         <p:spPr>
           <a:xfrm>
             <a:off x="1800000" y="1086120"/>
-            <a:ext cx="5222520" cy="3742920"/>
+            <a:ext cx="5222160" cy="3742560"/>
           </a:xfrm>
           <a:prstGeom prst="rect">
             <a:avLst/>
@@ -6557,7 +6557,7 @@
         <p:spPr>
           <a:xfrm>
             <a:off x="7486560" y="1086120"/>
-            <a:ext cx="3326760" cy="5844600"/>
+            <a:ext cx="3326400" cy="5844240"/>
           </a:xfrm>
           <a:prstGeom prst="rect">
             <a:avLst/>
@@ -7070,7 +7070,7 @@
         <p:spPr>
           <a:xfrm>
             <a:off x="2639880" y="4608000"/>
-            <a:ext cx="1428480" cy="1428480"/>
+            <a:ext cx="1428120" cy="1428120"/>
           </a:xfrm>
           <a:prstGeom prst="rect">
             <a:avLst/>
@@ -7093,7 +7093,7 @@
         <p:spPr>
           <a:xfrm>
             <a:off x="5157360" y="5808240"/>
-            <a:ext cx="1428480" cy="1428480"/>
+            <a:ext cx="1428120" cy="1428120"/>
           </a:xfrm>
           <a:prstGeom prst="rect">
             <a:avLst/>
@@ -7112,7 +7112,7 @@
         <p:spPr>
           <a:xfrm>
             <a:off x="2560680" y="5608800"/>
-            <a:ext cx="2043360" cy="1181160"/>
+            <a:ext cx="2043000" cy="1180800"/>
           </a:xfrm>
           <a:prstGeom prst="rect">
             <a:avLst/>
@@ -7221,7 +7221,7 @@
         <p:spPr>
           <a:xfrm>
             <a:off x="4876560" y="4968000"/>
-            <a:ext cx="2143440" cy="1181160"/>
+            <a:ext cx="2143080" cy="1180800"/>
           </a:xfrm>
           <a:prstGeom prst="rect">
             <a:avLst/>
@@ -7379,7 +7379,7 @@
         <p:spPr>
           <a:xfrm>
             <a:off x="1561680" y="0"/>
-            <a:ext cx="9064800" cy="1255680"/>
+            <a:ext cx="9064440" cy="1255320"/>
           </a:xfrm>
           <a:prstGeom prst="rect">
             <a:avLst/>
@@ -7428,7 +7428,7 @@
         <p:spPr>
           <a:xfrm>
             <a:off x="6078240" y="936000"/>
-            <a:ext cx="3326760" cy="5844600"/>
+            <a:ext cx="3326400" cy="5844240"/>
           </a:xfrm>
           <a:prstGeom prst="rect">
             <a:avLst/>
@@ -7937,7 +7937,7 @@
         <p:spPr>
           <a:xfrm>
             <a:off x="4032000" y="936000"/>
-            <a:ext cx="1993320" cy="358200"/>
+            <a:ext cx="1992960" cy="357840"/>
           </a:xfrm>
           <a:prstGeom prst="rect">
             <a:avLst/>
@@ -7986,7 +7986,7 @@
         <p:spPr>
           <a:xfrm>
             <a:off x="4608000" y="1593360"/>
-            <a:ext cx="1307520" cy="358200"/>
+            <a:ext cx="1307160" cy="357840"/>
           </a:xfrm>
           <a:prstGeom prst="rect">
             <a:avLst/>
@@ -8035,7 +8035,7 @@
         <p:spPr>
           <a:xfrm>
             <a:off x="4266000" y="2958480"/>
-            <a:ext cx="1993320" cy="358200"/>
+            <a:ext cx="1992960" cy="357840"/>
           </a:xfrm>
           <a:prstGeom prst="rect">
             <a:avLst/>
@@ -8133,7 +8133,7 @@
         <p:spPr>
           <a:xfrm>
             <a:off x="1561680" y="0"/>
-            <a:ext cx="9064800" cy="1255680"/>
+            <a:ext cx="9064440" cy="1255320"/>
           </a:xfrm>
           <a:prstGeom prst="rect">
             <a:avLst/>
@@ -8182,7 +8182,7 @@
         <p:spPr>
           <a:xfrm>
             <a:off x="1656000" y="1440000"/>
-            <a:ext cx="5222520" cy="4352760"/>
+            <a:ext cx="5222160" cy="4352400"/>
           </a:xfrm>
           <a:prstGeom prst="rect">
             <a:avLst/>
@@ -8311,7 +8311,7 @@
         <p:spPr>
           <a:xfrm>
             <a:off x="7650720" y="2049840"/>
-            <a:ext cx="3326760" cy="2552760"/>
+            <a:ext cx="3326400" cy="2552400"/>
           </a:xfrm>
           <a:prstGeom prst="rect">
             <a:avLst/>
@@ -8579,7 +8579,7 @@
         <p:spPr>
           <a:xfrm>
             <a:off x="1561680" y="0"/>
-            <a:ext cx="9064800" cy="1255680"/>
+            <a:ext cx="9064440" cy="1255320"/>
           </a:xfrm>
           <a:prstGeom prst="rect">
             <a:avLst/>
@@ -8628,7 +8628,7 @@
         <p:spPr>
           <a:xfrm>
             <a:off x="1699920" y="936000"/>
-            <a:ext cx="5222520" cy="6839280"/>
+            <a:ext cx="5222160" cy="6838920"/>
           </a:xfrm>
           <a:prstGeom prst="rect">
             <a:avLst/>
@@ -8887,7 +8887,7 @@
         <p:spPr>
           <a:xfrm>
             <a:off x="7536600" y="1512000"/>
-            <a:ext cx="4483440" cy="4194360"/>
+            <a:ext cx="4483080" cy="4194000"/>
           </a:xfrm>
           <a:prstGeom prst="rect">
             <a:avLst/>
@@ -9485,7 +9485,7 @@
         <p:spPr>
           <a:xfrm>
             <a:off x="1561680" y="0"/>
-            <a:ext cx="9064800" cy="1255680"/>
+            <a:ext cx="9064440" cy="1255320"/>
           </a:xfrm>
           <a:prstGeom prst="rect">
             <a:avLst/>
@@ -9534,7 +9534,7 @@
         <p:spPr>
           <a:xfrm>
             <a:off x="1296000" y="1259640"/>
-            <a:ext cx="4065840" cy="6181560"/>
+            <a:ext cx="4065480" cy="6181200"/>
           </a:xfrm>
           <a:prstGeom prst="rect">
             <a:avLst/>
@@ -9692,8 +9692,8 @@
         </p:nvSpPr>
         <p:spPr>
           <a:xfrm rot="9000">
-            <a:off x="6048000" y="1413720"/>
-            <a:ext cx="5681520" cy="3099600"/>
+            <a:off x="6047640" y="1413360"/>
+            <a:ext cx="5681160" cy="3099240"/>
           </a:xfrm>
           <a:prstGeom prst="rect">
             <a:avLst/>
@@ -9921,8 +9921,8 @@
         </p:nvSpPr>
         <p:spPr>
           <a:xfrm rot="9000">
-            <a:off x="6188400" y="4899240"/>
-            <a:ext cx="5681520" cy="1424520"/>
+            <a:off x="6188040" y="4898880"/>
+            <a:ext cx="5681160" cy="1424160"/>
           </a:xfrm>
           <a:prstGeom prst="rect">
             <a:avLst/>
@@ -10120,7 +10120,7 @@
         <p:spPr>
           <a:xfrm>
             <a:off x="1561680" y="0"/>
-            <a:ext cx="9064800" cy="1255680"/>
+            <a:ext cx="9064440" cy="1255320"/>
           </a:xfrm>
           <a:prstGeom prst="rect">
             <a:avLst/>
@@ -10169,7 +10169,7 @@
         <p:spPr>
           <a:xfrm>
             <a:off x="1618560" y="1194480"/>
-            <a:ext cx="6369480" cy="6666840"/>
+            <a:ext cx="6369120" cy="6666480"/>
           </a:xfrm>
           <a:prstGeom prst="rect">
             <a:avLst/>
@@ -10448,7 +10448,7 @@
         <p:spPr>
           <a:xfrm>
             <a:off x="8832600" y="1259640"/>
-            <a:ext cx="3835440" cy="5320440"/>
+            <a:ext cx="3835080" cy="5320080"/>
           </a:xfrm>
           <a:prstGeom prst="rect">
             <a:avLst/>
@@ -11184,7 +11184,7 @@
         <p:spPr>
           <a:xfrm>
             <a:off x="1561680" y="0"/>
-            <a:ext cx="9064800" cy="1255680"/>
+            <a:ext cx="9064440" cy="1255320"/>
           </a:xfrm>
           <a:prstGeom prst="rect">
             <a:avLst/>
@@ -11233,7 +11233,7 @@
         <p:spPr>
           <a:xfrm>
             <a:off x="1668600" y="1584000"/>
-            <a:ext cx="8850960" cy="4962600"/>
+            <a:ext cx="8850600" cy="4962240"/>
           </a:xfrm>
           <a:prstGeom prst="rect">
             <a:avLst/>
@@ -11471,7 +11471,7 @@
         <p:spPr>
           <a:xfrm>
             <a:off x="1561680" y="0"/>
-            <a:ext cx="9064800" cy="1255680"/>
+            <a:ext cx="9064440" cy="1255320"/>
           </a:xfrm>
           <a:prstGeom prst="rect">
             <a:avLst/>
@@ -11520,7 +11520,7 @@
         <p:spPr>
           <a:xfrm>
             <a:off x="1472760" y="1082880"/>
-            <a:ext cx="5289840" cy="6113160"/>
+            <a:ext cx="5289480" cy="6112800"/>
           </a:xfrm>
           <a:prstGeom prst="rect">
             <a:avLst/>
@@ -11809,7 +11809,7 @@
         <p:spPr>
           <a:xfrm>
             <a:off x="7176600" y="1193040"/>
-            <a:ext cx="3835440" cy="5320440"/>
+            <a:ext cx="3835080" cy="5320080"/>
           </a:xfrm>
           <a:prstGeom prst="rect">
             <a:avLst/>
@@ -12407,7 +12407,7 @@
         <p:spPr>
           <a:xfrm>
             <a:off x="1561680" y="27720"/>
-            <a:ext cx="9064800" cy="1255680"/>
+            <a:ext cx="9064440" cy="1255320"/>
           </a:xfrm>
           <a:prstGeom prst="rect">
             <a:avLst/>
@@ -12456,7 +12456,7 @@
         <p:spPr>
           <a:xfrm>
             <a:off x="1440000" y="1080000"/>
-            <a:ext cx="5730120" cy="5988600"/>
+            <a:ext cx="5729760" cy="5988240"/>
           </a:xfrm>
           <a:prstGeom prst="rect">
             <a:avLst/>
@@ -12715,7 +12715,7 @@
         <p:spPr>
           <a:xfrm>
             <a:off x="7536600" y="1856520"/>
-            <a:ext cx="3835440" cy="5212080"/>
+            <a:ext cx="3835080" cy="5211720"/>
           </a:xfrm>
           <a:prstGeom prst="rect">
             <a:avLst/>
@@ -13053,7 +13053,7 @@
         <p:spPr>
           <a:xfrm>
             <a:off x="1561680" y="0"/>
-            <a:ext cx="9064800" cy="1255680"/>
+            <a:ext cx="9064440" cy="1255320"/>
           </a:xfrm>
           <a:prstGeom prst="rect">
             <a:avLst/>
@@ -13102,7 +13102,7 @@
         <p:spPr>
           <a:xfrm>
             <a:off x="1224000" y="1010880"/>
-            <a:ext cx="5627520" cy="6113160"/>
+            <a:ext cx="5627160" cy="6112800"/>
           </a:xfrm>
           <a:prstGeom prst="rect">
             <a:avLst/>
@@ -13391,7 +13391,7 @@
         <p:spPr>
           <a:xfrm>
             <a:off x="7416000" y="1155600"/>
-            <a:ext cx="4406760" cy="5320440"/>
+            <a:ext cx="4406400" cy="5320080"/>
           </a:xfrm>
           <a:prstGeom prst="rect">
             <a:avLst/>
@@ -13869,7 +13869,7 @@
         <p:spPr>
           <a:xfrm>
             <a:off x="1561680" y="0"/>
-            <a:ext cx="9064800" cy="1255680"/>
+            <a:ext cx="9064440" cy="1255320"/>
           </a:xfrm>
           <a:prstGeom prst="rect">
             <a:avLst/>
@@ -13918,7 +13918,7 @@
         <p:spPr>
           <a:xfrm>
             <a:off x="1561680" y="1010880"/>
-            <a:ext cx="4066560" cy="6113160"/>
+            <a:ext cx="4066200" cy="6112800"/>
           </a:xfrm>
           <a:prstGeom prst="rect">
             <a:avLst/>
@@ -14107,7 +14107,7 @@
         <p:spPr>
           <a:xfrm>
             <a:off x="8256600" y="1152000"/>
-            <a:ext cx="3835440" cy="2730240"/>
+            <a:ext cx="3835080" cy="2729880"/>
           </a:xfrm>
           <a:prstGeom prst="rect">
             <a:avLst/>
@@ -14296,7 +14296,7 @@
         <p:spPr>
           <a:xfrm>
             <a:off x="5736600" y="2665800"/>
-            <a:ext cx="3835440" cy="2730240"/>
+            <a:ext cx="3835080" cy="2729880"/>
           </a:xfrm>
           <a:prstGeom prst="rect">
             <a:avLst/>
@@ -14904,7 +14904,7 @@
         <p:spPr>
           <a:xfrm>
             <a:off x="1561680" y="0"/>
-            <a:ext cx="9064800" cy="1255680"/>
+            <a:ext cx="9064440" cy="1255320"/>
           </a:xfrm>
           <a:prstGeom prst="rect">
             <a:avLst/>
@@ -14953,7 +14953,7 @@
         <p:spPr>
           <a:xfrm>
             <a:off x="1512000" y="1008000"/>
-            <a:ext cx="5324040" cy="6113160"/>
+            <a:ext cx="5323680" cy="6112800"/>
           </a:xfrm>
           <a:prstGeom prst="rect">
             <a:avLst/>
@@ -15132,7 +15132,7 @@
         <p:spPr>
           <a:xfrm>
             <a:off x="7344000" y="1259640"/>
-            <a:ext cx="4699440" cy="5320440"/>
+            <a:ext cx="4699080" cy="5320080"/>
           </a:xfrm>
           <a:prstGeom prst="rect">
             <a:avLst/>
@@ -15520,7 +15520,7 @@
         <p:spPr>
           <a:xfrm>
             <a:off x="1561680" y="0"/>
-            <a:ext cx="9064800" cy="1255680"/>
+            <a:ext cx="9064440" cy="1255320"/>
           </a:xfrm>
           <a:prstGeom prst="rect">
             <a:avLst/>
@@ -15569,7 +15569,7 @@
         <p:spPr>
           <a:xfrm>
             <a:off x="936000" y="1560960"/>
-            <a:ext cx="5506560" cy="6211080"/>
+            <a:ext cx="5506200" cy="6210720"/>
           </a:xfrm>
           <a:prstGeom prst="rect">
             <a:avLst/>
@@ -15838,7 +15838,7 @@
         <p:spPr>
           <a:xfrm>
             <a:off x="6984000" y="1443600"/>
-            <a:ext cx="4699440" cy="5320440"/>
+            <a:ext cx="4699080" cy="5320080"/>
           </a:xfrm>
           <a:prstGeom prst="rect">
             <a:avLst/>
@@ -16446,7 +16446,7 @@
         <p:spPr>
           <a:xfrm>
             <a:off x="1561680" y="0"/>
-            <a:ext cx="9064800" cy="1255680"/>
+            <a:ext cx="9064440" cy="1255320"/>
           </a:xfrm>
           <a:prstGeom prst="rect">
             <a:avLst/>
@@ -16495,7 +16495,7 @@
         <p:spPr>
           <a:xfrm>
             <a:off x="1440000" y="1152000"/>
-            <a:ext cx="5828040" cy="6113160"/>
+            <a:ext cx="5827680" cy="6112800"/>
           </a:xfrm>
           <a:prstGeom prst="rect">
             <a:avLst/>
@@ -16704,7 +16704,7 @@
         <p:spPr>
           <a:xfrm>
             <a:off x="7848000" y="1368000"/>
-            <a:ext cx="4242240" cy="4656960"/>
+            <a:ext cx="4241880" cy="4656600"/>
           </a:xfrm>
           <a:prstGeom prst="rect">
             <a:avLst/>
@@ -17102,7 +17102,7 @@
         <p:spPr>
           <a:xfrm>
             <a:off x="1561680" y="0"/>
-            <a:ext cx="9064800" cy="1255680"/>
+            <a:ext cx="9064440" cy="1255320"/>
           </a:xfrm>
           <a:prstGeom prst="rect">
             <a:avLst/>
@@ -17151,7 +17151,7 @@
         <p:spPr>
           <a:xfrm>
             <a:off x="1152000" y="1514880"/>
-            <a:ext cx="5468040" cy="6113160"/>
+            <a:ext cx="5467680" cy="6112800"/>
           </a:xfrm>
           <a:prstGeom prst="rect">
             <a:avLst/>
@@ -17360,7 +17360,7 @@
         <p:spPr>
           <a:xfrm>
             <a:off x="7560000" y="1387080"/>
-            <a:ext cx="4242240" cy="4656960"/>
+            <a:ext cx="4241880" cy="4656600"/>
           </a:xfrm>
           <a:prstGeom prst="rect">
             <a:avLst/>
@@ -17848,7 +17848,7 @@
         <p:spPr>
           <a:xfrm>
             <a:off x="1561680" y="0"/>
-            <a:ext cx="9064800" cy="1255680"/>
+            <a:ext cx="9064440" cy="1255320"/>
           </a:xfrm>
           <a:prstGeom prst="rect">
             <a:avLst/>
@@ -17897,7 +17897,7 @@
         <p:spPr>
           <a:xfrm>
             <a:off x="1545480" y="1080000"/>
-            <a:ext cx="5362560" cy="6113160"/>
+            <a:ext cx="5362200" cy="6112800"/>
           </a:xfrm>
           <a:prstGeom prst="rect">
             <a:avLst/>
@@ -18146,7 +18146,7 @@
         <p:spPr>
           <a:xfrm>
             <a:off x="7704000" y="1008000"/>
-            <a:ext cx="4242240" cy="4656960"/>
+            <a:ext cx="4241880" cy="4656600"/>
           </a:xfrm>
           <a:prstGeom prst="rect">
             <a:avLst/>
@@ -18904,7 +18904,7 @@
         <p:spPr>
           <a:xfrm>
             <a:off x="1561680" y="0"/>
-            <a:ext cx="9064800" cy="1255680"/>
+            <a:ext cx="9064440" cy="1255320"/>
           </a:xfrm>
           <a:prstGeom prst="rect">
             <a:avLst/>
@@ -18953,7 +18953,7 @@
         <p:spPr>
           <a:xfrm>
             <a:off x="1368000" y="1010880"/>
-            <a:ext cx="5540040" cy="6113160"/>
+            <a:ext cx="5539680" cy="6112800"/>
           </a:xfrm>
           <a:prstGeom prst="rect">
             <a:avLst/>
@@ -19182,7 +19182,7 @@
         <p:spPr>
           <a:xfrm>
             <a:off x="7848000" y="1148400"/>
-            <a:ext cx="3557160" cy="5705640"/>
+            <a:ext cx="3556800" cy="5705280"/>
           </a:xfrm>
           <a:prstGeom prst="rect">
             <a:avLst/>
@@ -19710,7 +19710,7 @@
         <p:spPr>
           <a:xfrm>
             <a:off x="1561680" y="0"/>
-            <a:ext cx="9064800" cy="1255680"/>
+            <a:ext cx="9064440" cy="1255320"/>
           </a:xfrm>
           <a:prstGeom prst="rect">
             <a:avLst/>
@@ -19759,7 +19759,7 @@
         <p:spPr>
           <a:xfrm>
             <a:off x="4337640" y="1440000"/>
-            <a:ext cx="3512520" cy="4962600"/>
+            <a:ext cx="3512160" cy="4962240"/>
           </a:xfrm>
           <a:prstGeom prst="rect">
             <a:avLst/>
@@ -20117,7 +20117,7 @@
         <p:spPr>
           <a:xfrm>
             <a:off x="1561680" y="0"/>
-            <a:ext cx="9064800" cy="1255680"/>
+            <a:ext cx="9064440" cy="1255320"/>
           </a:xfrm>
           <a:prstGeom prst="rect">
             <a:avLst/>
@@ -20166,7 +20166,7 @@
         <p:spPr>
           <a:xfrm>
             <a:off x="1368000" y="1010880"/>
-            <a:ext cx="5540040" cy="6113160"/>
+            <a:ext cx="5539680" cy="6112800"/>
           </a:xfrm>
           <a:prstGeom prst="rect">
             <a:avLst/>
@@ -20215,7 +20215,7 @@
             </a:endParaRPr>
           </a:p>
           <a:p>
-            <a:pPr marL="285840" indent="-282960">
+            <a:pPr marL="285840" indent="-282600">
               <a:lnSpc>
                 <a:spcPct val="100000"/>
               </a:lnSpc>
@@ -20240,7 +20240,7 @@
             </a:endParaRPr>
           </a:p>
           <a:p>
-            <a:pPr marL="285840" indent="-282960">
+            <a:pPr marL="285840" indent="-282600">
               <a:lnSpc>
                 <a:spcPct val="100000"/>
               </a:lnSpc>
@@ -20265,7 +20265,7 @@
             </a:endParaRPr>
           </a:p>
           <a:p>
-            <a:pPr marL="285840" indent="-282960">
+            <a:pPr marL="285840" indent="-282600">
               <a:lnSpc>
                 <a:spcPct val="100000"/>
               </a:lnSpc>
@@ -20500,7 +20500,7 @@
         <p:spPr>
           <a:xfrm>
             <a:off x="6910920" y="1538640"/>
-            <a:ext cx="5202000" cy="5746320"/>
+            <a:ext cx="5201640" cy="5745960"/>
           </a:xfrm>
           <a:prstGeom prst="rect">
             <a:avLst/>
@@ -20928,7 +20928,7 @@
         <p:spPr>
           <a:xfrm>
             <a:off x="1561680" y="0"/>
-            <a:ext cx="9064800" cy="1255680"/>
+            <a:ext cx="9064440" cy="1255320"/>
           </a:xfrm>
           <a:prstGeom prst="rect">
             <a:avLst/>
@@ -20977,7 +20977,7 @@
         <p:spPr>
           <a:xfrm>
             <a:off x="4396320" y="1170720"/>
-            <a:ext cx="2453040" cy="444240"/>
+            <a:ext cx="2452680" cy="443880"/>
           </a:xfrm>
           <a:prstGeom prst="rect">
             <a:avLst/>
@@ -21033,7 +21033,7 @@
         <p:spPr>
           <a:xfrm>
             <a:off x="741600" y="2052720"/>
-            <a:ext cx="2453040" cy="444240"/>
+            <a:ext cx="2452680" cy="443880"/>
           </a:xfrm>
           <a:prstGeom prst="rect">
             <a:avLst/>
@@ -21089,7 +21089,7 @@
         <p:spPr>
           <a:xfrm>
             <a:off x="7658280" y="2052720"/>
-            <a:ext cx="2453040" cy="444240"/>
+            <a:ext cx="2452680" cy="443880"/>
           </a:xfrm>
           <a:prstGeom prst="rect">
             <a:avLst/>
@@ -21145,7 +21145,7 @@
         <p:spPr>
           <a:xfrm>
             <a:off x="4680000" y="3096000"/>
-            <a:ext cx="2453040" cy="444240"/>
+            <a:ext cx="2452680" cy="443880"/>
           </a:xfrm>
           <a:prstGeom prst="rect">
             <a:avLst/>
@@ -21201,7 +21201,7 @@
         <p:spPr>
           <a:xfrm flipH="1">
             <a:off x="1966680" y="1394280"/>
-            <a:ext cx="2423880" cy="655560"/>
+            <a:ext cx="2423520" cy="655200"/>
           </a:xfrm>
           <a:custGeom>
             <a:avLst/>
@@ -21254,7 +21254,7 @@
         <p:spPr>
           <a:xfrm>
             <a:off x="6852240" y="1394280"/>
-            <a:ext cx="2031120" cy="655560"/>
+            <a:ext cx="2030760" cy="655200"/>
           </a:xfrm>
           <a:custGeom>
             <a:avLst/>
@@ -21307,7 +21307,7 @@
         <p:spPr>
           <a:xfrm flipH="1">
             <a:off x="5903280" y="2499840"/>
-            <a:ext cx="2976840" cy="595800"/>
+            <a:ext cx="2976480" cy="595440"/>
           </a:xfrm>
           <a:custGeom>
             <a:avLst/>
@@ -21360,7 +21360,7 @@
         <p:spPr>
           <a:xfrm>
             <a:off x="5151240" y="3978360"/>
-            <a:ext cx="2453040" cy="444240"/>
+            <a:ext cx="2452680" cy="443880"/>
           </a:xfrm>
           <a:prstGeom prst="rect">
             <a:avLst/>
@@ -21416,7 +21416,7 @@
         <p:spPr>
           <a:xfrm>
             <a:off x="5151240" y="4772520"/>
-            <a:ext cx="3344400" cy="444240"/>
+            <a:ext cx="3344040" cy="443880"/>
           </a:xfrm>
           <a:prstGeom prst="rect">
             <a:avLst/>
@@ -21503,7 +21503,7 @@
         <p:spPr>
           <a:xfrm>
             <a:off x="4849920" y="4201920"/>
-            <a:ext cx="298440" cy="360"/>
+            <a:ext cx="298080" cy="360"/>
           </a:xfrm>
           <a:custGeom>
             <a:avLst/>
@@ -21556,7 +21556,7 @@
         <p:spPr>
           <a:xfrm>
             <a:off x="4849920" y="4998960"/>
-            <a:ext cx="298440" cy="360"/>
+            <a:ext cx="298080" cy="360"/>
           </a:xfrm>
           <a:custGeom>
             <a:avLst/>
@@ -21609,7 +21609,7 @@
         <p:spPr>
           <a:xfrm>
             <a:off x="5151240" y="5493240"/>
-            <a:ext cx="2453040" cy="444240"/>
+            <a:ext cx="2452680" cy="443880"/>
           </a:xfrm>
           <a:prstGeom prst="rect">
             <a:avLst/>
@@ -21665,7 +21665,7 @@
         <p:spPr>
           <a:xfrm>
             <a:off x="4849920" y="5716800"/>
-            <a:ext cx="298440" cy="360"/>
+            <a:ext cx="298080" cy="360"/>
           </a:xfrm>
           <a:custGeom>
             <a:avLst/>
@@ -21718,7 +21718,7 @@
         <p:spPr>
           <a:xfrm>
             <a:off x="9560160" y="3205440"/>
-            <a:ext cx="2453040" cy="444240"/>
+            <a:ext cx="2452680" cy="443880"/>
           </a:xfrm>
           <a:prstGeom prst="rect">
             <a:avLst/>
@@ -21774,7 +21774,7 @@
         <p:spPr>
           <a:xfrm>
             <a:off x="9560160" y="3952800"/>
-            <a:ext cx="2453040" cy="444240"/>
+            <a:ext cx="2452680" cy="443880"/>
           </a:xfrm>
           <a:prstGeom prst="rect">
             <a:avLst/>
@@ -21861,7 +21861,7 @@
         <p:spPr>
           <a:xfrm>
             <a:off x="9155880" y="3423240"/>
-            <a:ext cx="401400" cy="2880"/>
+            <a:ext cx="401040" cy="2520"/>
           </a:xfrm>
           <a:custGeom>
             <a:avLst/>
@@ -21913,8 +21913,8 @@
         </p:nvSpPr>
         <p:spPr>
           <a:xfrm flipV="1">
-            <a:off x="9155880" y="4137840"/>
-            <a:ext cx="401400" cy="2520"/>
+            <a:off x="9155880" y="4135680"/>
+            <a:ext cx="401040" cy="2160"/>
           </a:xfrm>
           <a:custGeom>
             <a:avLst/>
@@ -21967,7 +21967,7 @@
         <p:spPr>
           <a:xfrm>
             <a:off x="9560160" y="4870800"/>
-            <a:ext cx="2453040" cy="444240"/>
+            <a:ext cx="2452680" cy="443880"/>
           </a:xfrm>
           <a:prstGeom prst="rect">
             <a:avLst/>
@@ -22022,8 +22022,8 @@
         </p:nvSpPr>
         <p:spPr>
           <a:xfrm flipV="1">
-            <a:off x="9155880" y="5055840"/>
-            <a:ext cx="401400" cy="2520"/>
+            <a:off x="9155880" y="5053680"/>
+            <a:ext cx="401040" cy="2160"/>
           </a:xfrm>
           <a:custGeom>
             <a:avLst/>
@@ -22076,7 +22076,7 @@
         <p:spPr>
           <a:xfrm>
             <a:off x="234360" y="3342240"/>
-            <a:ext cx="4601520" cy="2008080"/>
+            <a:ext cx="4601160" cy="2007720"/>
           </a:xfrm>
           <a:prstGeom prst="rect">
             <a:avLst/>
@@ -22204,7 +22204,7 @@
         <p:spPr>
           <a:xfrm>
             <a:off x="1561680" y="0"/>
-            <a:ext cx="9064800" cy="1255680"/>
+            <a:ext cx="9064440" cy="1255320"/>
           </a:xfrm>
           <a:prstGeom prst="rect">
             <a:avLst/>
@@ -22253,7 +22253,7 @@
         <p:spPr>
           <a:xfrm>
             <a:off x="1368000" y="1010880"/>
-            <a:ext cx="10494720" cy="6113160"/>
+            <a:ext cx="10494360" cy="6112800"/>
           </a:xfrm>
           <a:prstGeom prst="rect">
             <a:avLst/>
@@ -22591,7 +22591,7 @@
         <p:spPr>
           <a:xfrm>
             <a:off x="1561680" y="0"/>
-            <a:ext cx="9064800" cy="1255680"/>
+            <a:ext cx="9064440" cy="1255320"/>
           </a:xfrm>
           <a:prstGeom prst="rect">
             <a:avLst/>
@@ -22640,7 +22640,7 @@
         <p:spPr>
           <a:xfrm>
             <a:off x="1368000" y="1010880"/>
-            <a:ext cx="10494720" cy="6113160"/>
+            <a:ext cx="10494360" cy="6112800"/>
           </a:xfrm>
           <a:prstGeom prst="rect">
             <a:avLst/>
@@ -22958,7 +22958,7 @@
         <p:spPr>
           <a:xfrm>
             <a:off x="1561680" y="0"/>
-            <a:ext cx="9064800" cy="1255680"/>
+            <a:ext cx="9064440" cy="1255320"/>
           </a:xfrm>
           <a:prstGeom prst="rect">
             <a:avLst/>
@@ -23007,7 +23007,7 @@
         <p:spPr>
           <a:xfrm>
             <a:off x="587880" y="1946880"/>
-            <a:ext cx="6408720" cy="5104080"/>
+            <a:ext cx="6408360" cy="5103720"/>
           </a:xfrm>
           <a:prstGeom prst="rect">
             <a:avLst/>
@@ -23276,7 +23276,7 @@
         <p:spPr>
           <a:xfrm>
             <a:off x="6999480" y="867600"/>
-            <a:ext cx="4689000" cy="6122880"/>
+            <a:ext cx="4688640" cy="6122520"/>
           </a:xfrm>
           <a:prstGeom prst="rect">
             <a:avLst/>
@@ -23774,7 +23774,7 @@
         <p:spPr>
           <a:xfrm>
             <a:off x="1561680" y="0"/>
-            <a:ext cx="9064800" cy="1255680"/>
+            <a:ext cx="9064440" cy="1255320"/>
           </a:xfrm>
           <a:prstGeom prst="rect">
             <a:avLst/>
@@ -23823,7 +23823,7 @@
         <p:spPr>
           <a:xfrm>
             <a:off x="1368000" y="1224000"/>
-            <a:ext cx="5109480" cy="4456080"/>
+            <a:ext cx="5109120" cy="4455720"/>
           </a:xfrm>
           <a:prstGeom prst="rect">
             <a:avLst/>
@@ -23962,7 +23962,7 @@
         <p:spPr>
           <a:xfrm>
             <a:off x="6864120" y="1800000"/>
-            <a:ext cx="5325480" cy="5746320"/>
+            <a:ext cx="5325120" cy="5745960"/>
           </a:xfrm>
           <a:prstGeom prst="rect">
             <a:avLst/>
@@ -24307,7 +24307,7 @@
         <p:spPr>
           <a:xfrm>
             <a:off x="1561680" y="0"/>
-            <a:ext cx="9064800" cy="1255680"/>
+            <a:ext cx="9064440" cy="1255320"/>
           </a:xfrm>
           <a:prstGeom prst="rect">
             <a:avLst/>
@@ -24356,7 +24356,7 @@
         <p:spPr>
           <a:xfrm>
             <a:off x="1368000" y="1224000"/>
-            <a:ext cx="4749840" cy="4456080"/>
+            <a:ext cx="4749480" cy="4455720"/>
           </a:xfrm>
           <a:prstGeom prst="rect">
             <a:avLst/>
@@ -24415,7 +24415,7 @@
         <p:spPr>
           <a:xfrm>
             <a:off x="6120000" y="1152000"/>
-            <a:ext cx="6117480" cy="5746320"/>
+            <a:ext cx="6117120" cy="5745960"/>
           </a:xfrm>
           <a:prstGeom prst="rect">
             <a:avLst/>
@@ -24730,7 +24730,7 @@
         <p:spPr>
           <a:xfrm>
             <a:off x="504000" y="5400000"/>
-            <a:ext cx="5613840" cy="1221840"/>
+            <a:ext cx="5613480" cy="1221480"/>
           </a:xfrm>
           <a:prstGeom prst="rect">
             <a:avLst/>
@@ -24839,7 +24839,7 @@
         <p:spPr>
           <a:xfrm>
             <a:off x="1561680" y="0"/>
-            <a:ext cx="9064800" cy="1255680"/>
+            <a:ext cx="9064440" cy="1255320"/>
           </a:xfrm>
           <a:prstGeom prst="rect">
             <a:avLst/>
@@ -24888,7 +24888,7 @@
         <p:spPr>
           <a:xfrm>
             <a:off x="1368000" y="1224000"/>
-            <a:ext cx="10294200" cy="4456080"/>
+            <a:ext cx="10293840" cy="4455720"/>
           </a:xfrm>
           <a:prstGeom prst="rect">
             <a:avLst/>
@@ -24987,7 +24987,7 @@
         <p:spPr>
           <a:xfrm>
             <a:off x="3024000" y="3153960"/>
-            <a:ext cx="2453040" cy="444240"/>
+            <a:ext cx="2452680" cy="443880"/>
           </a:xfrm>
           <a:prstGeom prst="rect">
             <a:avLst/>
@@ -25043,7 +25043,7 @@
         <p:spPr>
           <a:xfrm>
             <a:off x="7776000" y="3168000"/>
-            <a:ext cx="2453040" cy="444240"/>
+            <a:ext cx="2452680" cy="443880"/>
           </a:xfrm>
           <a:prstGeom prst="rect">
             <a:avLst/>
@@ -25099,7 +25099,7 @@
         <p:spPr>
           <a:xfrm>
             <a:off x="1001160" y="4305960"/>
-            <a:ext cx="2453040" cy="444240"/>
+            <a:ext cx="2452680" cy="443880"/>
           </a:xfrm>
           <a:prstGeom prst="rect">
             <a:avLst/>
@@ -25155,7 +25155,7 @@
         <p:spPr>
           <a:xfrm>
             <a:off x="4522320" y="4305960"/>
-            <a:ext cx="2453040" cy="444240"/>
+            <a:ext cx="2452680" cy="443880"/>
           </a:xfrm>
           <a:prstGeom prst="rect">
             <a:avLst/>
@@ -25211,7 +25211,7 @@
         <p:spPr>
           <a:xfrm>
             <a:off x="7769160" y="5385960"/>
-            <a:ext cx="2453040" cy="444240"/>
+            <a:ext cx="2452680" cy="443880"/>
           </a:xfrm>
           <a:prstGeom prst="rect">
             <a:avLst/>
@@ -25270,7 +25270,7 @@
         <p:spPr>
           <a:xfrm>
             <a:off x="4529160" y="5400000"/>
-            <a:ext cx="2453040" cy="444240"/>
+            <a:ext cx="2452680" cy="443880"/>
           </a:xfrm>
           <a:prstGeom prst="rect">
             <a:avLst/>
@@ -25329,7 +25329,7 @@
         <p:spPr>
           <a:xfrm>
             <a:off x="1008000" y="5457960"/>
-            <a:ext cx="2453040" cy="444240"/>
+            <a:ext cx="2452680" cy="443880"/>
           </a:xfrm>
           <a:prstGeom prst="rect">
             <a:avLst/>
@@ -25388,7 +25388,7 @@
         <p:spPr>
           <a:xfrm flipH="1">
             <a:off x="2229840" y="3600000"/>
-            <a:ext cx="1703880" cy="655560"/>
+            <a:ext cx="1703520" cy="655200"/>
           </a:xfrm>
           <a:custGeom>
             <a:avLst/>
@@ -25441,7 +25441,7 @@
         <p:spPr>
           <a:xfrm>
             <a:off x="4729680" y="3610440"/>
-            <a:ext cx="1100520" cy="693720"/>
+            <a:ext cx="1100160" cy="693360"/>
           </a:xfrm>
           <a:custGeom>
             <a:avLst/>
@@ -25493,8 +25493,8 @@
         </p:nvSpPr>
         <p:spPr>
           <a:xfrm flipH="1">
-            <a:off x="2228040" y="4752000"/>
-            <a:ext cx="360" cy="646200"/>
+            <a:off x="2227320" y="4752000"/>
+            <a:ext cx="360" cy="645840"/>
           </a:xfrm>
           <a:custGeom>
             <a:avLst/>
@@ -25546,8 +25546,8 @@
         </p:nvSpPr>
         <p:spPr>
           <a:xfrm flipH="1">
-            <a:off x="5756040" y="4752000"/>
-            <a:ext cx="360" cy="646200"/>
+            <a:off x="5755320" y="4752000"/>
+            <a:ext cx="360" cy="645840"/>
           </a:xfrm>
           <a:custGeom>
             <a:avLst/>
@@ -25599,8 +25599,8 @@
         </p:nvSpPr>
         <p:spPr>
           <a:xfrm flipH="1">
-            <a:off x="8996040" y="3614040"/>
-            <a:ext cx="360" cy="1770120"/>
+            <a:off x="8995320" y="3614040"/>
+            <a:ext cx="360" cy="1769760"/>
           </a:xfrm>
           <a:custGeom>
             <a:avLst/>
@@ -25702,7 +25702,7 @@
         <p:spPr>
           <a:xfrm>
             <a:off x="1561680" y="0"/>
-            <a:ext cx="9064800" cy="1255680"/>
+            <a:ext cx="9064440" cy="1255320"/>
           </a:xfrm>
           <a:prstGeom prst="rect">
             <a:avLst/>
@@ -25751,7 +25751,7 @@
         <p:spPr>
           <a:xfrm>
             <a:off x="1368000" y="1224000"/>
-            <a:ext cx="4606200" cy="5326200"/>
+            <a:ext cx="4605840" cy="5325840"/>
           </a:xfrm>
           <a:prstGeom prst="rect">
             <a:avLst/>
@@ -25830,7 +25830,7 @@
         <p:spPr>
           <a:xfrm>
             <a:off x="6264000" y="1080000"/>
-            <a:ext cx="5758200" cy="5471640"/>
+            <a:ext cx="5757840" cy="5471280"/>
           </a:xfrm>
           <a:prstGeom prst="rect">
             <a:avLst/>
@@ -26114,7 +26114,7 @@
         <p:spPr>
           <a:xfrm>
             <a:off x="1561680" y="0"/>
-            <a:ext cx="9064800" cy="1255680"/>
+            <a:ext cx="9064440" cy="1255320"/>
           </a:xfrm>
           <a:prstGeom prst="rect">
             <a:avLst/>
@@ -26163,7 +26163,7 @@
         <p:spPr>
           <a:xfrm>
             <a:off x="1369800" y="937800"/>
-            <a:ext cx="4750200" cy="5326200"/>
+            <a:ext cx="4749840" cy="5325840"/>
           </a:xfrm>
           <a:prstGeom prst="rect">
             <a:avLst/>
@@ -26352,7 +26352,7 @@
         <p:spPr>
           <a:xfrm>
             <a:off x="6264000" y="2376000"/>
-            <a:ext cx="5758200" cy="2446200"/>
+            <a:ext cx="5757840" cy="2445840"/>
           </a:xfrm>
           <a:prstGeom prst="rect">
             <a:avLst/>
@@ -26537,7 +26537,7 @@
         <p:spPr>
           <a:xfrm>
             <a:off x="1561680" y="0"/>
-            <a:ext cx="9064800" cy="1255680"/>
+            <a:ext cx="9064440" cy="1255320"/>
           </a:xfrm>
           <a:prstGeom prst="rect">
             <a:avLst/>
@@ -26586,7 +26586,7 @@
         <p:spPr>
           <a:xfrm>
             <a:off x="861840" y="1728360"/>
-            <a:ext cx="5397120" cy="4962600"/>
+            <a:ext cx="5396760" cy="4962240"/>
           </a:xfrm>
           <a:prstGeom prst="rect">
             <a:avLst/>
@@ -26635,7 +26635,7 @@
         <p:spPr>
           <a:xfrm>
             <a:off x="1703520" y="1728360"/>
-            <a:ext cx="8781120" cy="4962600"/>
+            <a:ext cx="8780760" cy="4962240"/>
           </a:xfrm>
           <a:prstGeom prst="rect">
             <a:avLst/>
@@ -26903,7 +26903,7 @@
         <p:spPr>
           <a:xfrm>
             <a:off x="1561680" y="0"/>
-            <a:ext cx="9064800" cy="1255680"/>
+            <a:ext cx="9064440" cy="1255320"/>
           </a:xfrm>
           <a:prstGeom prst="rect">
             <a:avLst/>
@@ -26952,7 +26952,7 @@
         <p:spPr>
           <a:xfrm>
             <a:off x="1368000" y="1224000"/>
-            <a:ext cx="4606200" cy="5326200"/>
+            <a:ext cx="4605840" cy="5325840"/>
           </a:xfrm>
           <a:prstGeom prst="rect">
             <a:avLst/>
@@ -27101,7 +27101,7 @@
         <p:spPr>
           <a:xfrm>
             <a:off x="5976000" y="1944000"/>
-            <a:ext cx="5758200" cy="3565440"/>
+            <a:ext cx="5757840" cy="3565080"/>
           </a:xfrm>
           <a:prstGeom prst="rect">
             <a:avLst/>
@@ -27329,7 +27329,7 @@
         <p:spPr>
           <a:xfrm>
             <a:off x="1561680" y="0"/>
-            <a:ext cx="9064800" cy="1255680"/>
+            <a:ext cx="9064440" cy="1255320"/>
           </a:xfrm>
           <a:prstGeom prst="rect">
             <a:avLst/>
@@ -27378,7 +27378,7 @@
         <p:spPr>
           <a:xfrm>
             <a:off x="1080000" y="1224000"/>
-            <a:ext cx="10942560" cy="5326200"/>
+            <a:ext cx="10942200" cy="5325840"/>
           </a:xfrm>
           <a:prstGeom prst="rect">
             <a:avLst/>
@@ -27676,7 +27676,7 @@
         <p:spPr>
           <a:xfrm>
             <a:off x="1561680" y="0"/>
-            <a:ext cx="9064800" cy="1255680"/>
+            <a:ext cx="9064440" cy="1255320"/>
           </a:xfrm>
           <a:prstGeom prst="rect">
             <a:avLst/>
@@ -27725,7 +27725,7 @@
         <p:spPr>
           <a:xfrm>
             <a:off x="1137960" y="1050840"/>
-            <a:ext cx="10942560" cy="5326200"/>
+            <a:ext cx="10942200" cy="5325840"/>
           </a:xfrm>
           <a:prstGeom prst="rect">
             <a:avLst/>
@@ -28053,7 +28053,7 @@
         <p:spPr>
           <a:xfrm>
             <a:off x="1561680" y="0"/>
-            <a:ext cx="9064800" cy="1255680"/>
+            <a:ext cx="9064440" cy="1255320"/>
           </a:xfrm>
           <a:prstGeom prst="rect">
             <a:avLst/>
@@ -28102,7 +28102,7 @@
         <p:spPr>
           <a:xfrm>
             <a:off x="720000" y="1728000"/>
-            <a:ext cx="9862920" cy="4339080"/>
+            <a:ext cx="9862560" cy="4338720"/>
           </a:xfrm>
           <a:prstGeom prst="rect">
             <a:avLst/>
@@ -28391,7 +28391,7 @@
         <p:spPr>
           <a:xfrm>
             <a:off x="1561680" y="0"/>
-            <a:ext cx="9064800" cy="1255680"/>
+            <a:ext cx="9064440" cy="1255320"/>
           </a:xfrm>
           <a:prstGeom prst="rect">
             <a:avLst/>
@@ -28440,7 +28440,7 @@
         <p:spPr>
           <a:xfrm>
             <a:off x="720000" y="1728000"/>
-            <a:ext cx="9862920" cy="4622400"/>
+            <a:ext cx="9862560" cy="4622040"/>
           </a:xfrm>
           <a:prstGeom prst="rect">
             <a:avLst/>
@@ -28740,7 +28740,7 @@
         <p:spPr>
           <a:xfrm>
             <a:off x="1561680" y="0"/>
-            <a:ext cx="9064800" cy="1255680"/>
+            <a:ext cx="9064440" cy="1255320"/>
           </a:xfrm>
           <a:prstGeom prst="rect">
             <a:avLst/>
@@ -28789,7 +28789,7 @@
         <p:spPr>
           <a:xfrm>
             <a:off x="864000" y="1655640"/>
-            <a:ext cx="5254920" cy="4751280"/>
+            <a:ext cx="5254560" cy="4750920"/>
           </a:xfrm>
           <a:prstGeom prst="rect">
             <a:avLst/>
@@ -29010,7 +29010,7 @@
         <p:spPr>
           <a:xfrm>
             <a:off x="6264000" y="1368000"/>
-            <a:ext cx="5470920" cy="5464440"/>
+            <a:ext cx="5470560" cy="5464080"/>
           </a:xfrm>
           <a:prstGeom prst="rect">
             <a:avLst/>
@@ -29313,7 +29313,7 @@
         <p:spPr>
           <a:xfrm>
             <a:off x="1561680" y="0"/>
-            <a:ext cx="9064800" cy="1255680"/>
+            <a:ext cx="9064440" cy="1255320"/>
           </a:xfrm>
           <a:prstGeom prst="rect">
             <a:avLst/>
@@ -29362,7 +29362,7 @@
         <p:spPr>
           <a:xfrm>
             <a:off x="2952000" y="1944000"/>
-            <a:ext cx="6709320" cy="5326200"/>
+            <a:ext cx="6708960" cy="5325840"/>
           </a:xfrm>
           <a:prstGeom prst="rect">
             <a:avLst/>
@@ -29620,7 +29620,7 @@
         <p:spPr>
           <a:xfrm>
             <a:off x="1561680" y="0"/>
-            <a:ext cx="9064800" cy="1255680"/>
+            <a:ext cx="9064440" cy="1255320"/>
           </a:xfrm>
           <a:prstGeom prst="rect">
             <a:avLst/>
@@ -29669,7 +29669,7 @@
         <p:spPr>
           <a:xfrm>
             <a:off x="936000" y="1369080"/>
-            <a:ext cx="6119280" cy="5326200"/>
+            <a:ext cx="6118920" cy="5325840"/>
           </a:xfrm>
           <a:prstGeom prst="rect">
             <a:avLst/>
@@ -29978,7 +29978,7 @@
         <p:spPr>
           <a:xfrm>
             <a:off x="138240" y="6192000"/>
-            <a:ext cx="1373040" cy="444240"/>
+            <a:ext cx="1372680" cy="443880"/>
           </a:xfrm>
           <a:prstGeom prst="rect">
             <a:avLst/>
@@ -30034,7 +30034,7 @@
         <p:spPr>
           <a:xfrm>
             <a:off x="2376000" y="6192000"/>
-            <a:ext cx="1655280" cy="444240"/>
+            <a:ext cx="1654920" cy="443880"/>
           </a:xfrm>
           <a:prstGeom prst="rect">
             <a:avLst/>
@@ -30090,7 +30090,7 @@
         <p:spPr>
           <a:xfrm>
             <a:off x="4968000" y="6179040"/>
-            <a:ext cx="1655280" cy="444240"/>
+            <a:ext cx="1654920" cy="443880"/>
           </a:xfrm>
           <a:prstGeom prst="rect">
             <a:avLst/>
@@ -30146,7 +30146,7 @@
         <p:spPr>
           <a:xfrm>
             <a:off x="7488000" y="6192000"/>
-            <a:ext cx="1655280" cy="444240"/>
+            <a:ext cx="1654920" cy="443880"/>
           </a:xfrm>
           <a:prstGeom prst="rect">
             <a:avLst/>
@@ -30202,7 +30202,7 @@
         <p:spPr>
           <a:xfrm>
             <a:off x="10080000" y="6194160"/>
-            <a:ext cx="1655280" cy="444240"/>
+            <a:ext cx="1654920" cy="443880"/>
           </a:xfrm>
           <a:prstGeom prst="rect">
             <a:avLst/>
@@ -30370,7 +30370,7 @@
         <p:spPr>
           <a:xfrm>
             <a:off x="7167960" y="1512000"/>
-            <a:ext cx="5215320" cy="4391280"/>
+            <a:ext cx="5214960" cy="4390920"/>
           </a:xfrm>
           <a:prstGeom prst="rect">
             <a:avLst/>
@@ -30794,7 +30794,7 @@
         <p:spPr>
           <a:xfrm>
             <a:off x="1561680" y="0"/>
-            <a:ext cx="9064800" cy="1255680"/>
+            <a:ext cx="9064440" cy="1255320"/>
           </a:xfrm>
           <a:prstGeom prst="rect">
             <a:avLst/>
@@ -30843,7 +30843,7 @@
         <p:spPr>
           <a:xfrm>
             <a:off x="936000" y="1369080"/>
-            <a:ext cx="6119280" cy="5326200"/>
+            <a:ext cx="6118920" cy="5325840"/>
           </a:xfrm>
           <a:prstGeom prst="rect">
             <a:avLst/>
@@ -31192,7 +31192,7 @@
         <p:spPr>
           <a:xfrm>
             <a:off x="6879960" y="2376000"/>
-            <a:ext cx="5215320" cy="3383280"/>
+            <a:ext cx="5214960" cy="3382920"/>
           </a:xfrm>
           <a:prstGeom prst="rect">
             <a:avLst/>
@@ -31405,7 +31405,7 @@
         <p:spPr>
           <a:xfrm>
             <a:off x="1561680" y="0"/>
-            <a:ext cx="9064800" cy="1255680"/>
+            <a:ext cx="9064440" cy="1255320"/>
           </a:xfrm>
           <a:prstGeom prst="rect">
             <a:avLst/>
@@ -31454,7 +31454,7 @@
         <p:spPr>
           <a:xfrm>
             <a:off x="1008000" y="1872000"/>
-            <a:ext cx="5327280" cy="5326200"/>
+            <a:ext cx="5326920" cy="5325840"/>
           </a:xfrm>
           <a:prstGeom prst="rect">
             <a:avLst/>
@@ -31663,7 +31663,7 @@
         <p:spPr>
           <a:xfrm>
             <a:off x="6480000" y="1980720"/>
-            <a:ext cx="5615280" cy="3850560"/>
+            <a:ext cx="5614920" cy="3850200"/>
           </a:xfrm>
           <a:prstGeom prst="rect">
             <a:avLst/>
@@ -32013,7 +32013,7 @@
         <p:spPr>
           <a:xfrm>
             <a:off x="1561680" y="0"/>
-            <a:ext cx="9064800" cy="1255680"/>
+            <a:ext cx="9064440" cy="1255320"/>
           </a:xfrm>
           <a:prstGeom prst="rect">
             <a:avLst/>
@@ -32062,7 +32062,7 @@
         <p:spPr>
           <a:xfrm>
             <a:off x="861480" y="1728360"/>
-            <a:ext cx="5397120" cy="4962600"/>
+            <a:ext cx="5396760" cy="4962240"/>
           </a:xfrm>
           <a:prstGeom prst="rect">
             <a:avLst/>
@@ -32110,8 +32110,8 @@
         </p:nvSpPr>
         <p:spPr>
           <a:xfrm rot="21553200">
-            <a:off x="2466000" y="2634840"/>
-            <a:ext cx="1581120" cy="2671200"/>
+            <a:off x="2466000" y="2634480"/>
+            <a:ext cx="1580760" cy="2670840"/>
           </a:xfrm>
           <a:prstGeom prst="rect">
             <a:avLst/>
@@ -32213,8 +32213,8 @@
         </p:nvSpPr>
         <p:spPr>
           <a:xfrm rot="21553200">
-            <a:off x="5418000" y="2634840"/>
-            <a:ext cx="1581120" cy="2671200"/>
+            <a:off x="5418000" y="2634480"/>
+            <a:ext cx="1580760" cy="2670840"/>
           </a:xfrm>
           <a:prstGeom prst="rect">
             <a:avLst/>
@@ -32385,7 +32385,7 @@
         <p:spPr>
           <a:xfrm>
             <a:off x="8354160" y="1728000"/>
-            <a:ext cx="1722960" cy="1218960"/>
+            <a:ext cx="1722600" cy="1218600"/>
           </a:xfrm>
           <a:prstGeom prst="rect">
             <a:avLst/>
@@ -32488,7 +32488,7 @@
         <p:spPr>
           <a:xfrm>
             <a:off x="8282160" y="4895640"/>
-            <a:ext cx="1722960" cy="1218960"/>
+            <a:ext cx="1722600" cy="1218600"/>
           </a:xfrm>
           <a:prstGeom prst="rect">
             <a:avLst/>
@@ -32591,7 +32591,7 @@
         <p:spPr>
           <a:xfrm>
             <a:off x="4320000" y="3383640"/>
-            <a:ext cx="1074960" cy="341280"/>
+            <a:ext cx="1074600" cy="340920"/>
           </a:xfrm>
           <a:prstGeom prst="rect">
             <a:avLst/>
@@ -32696,7 +32696,7 @@
         <p:spPr>
           <a:xfrm>
             <a:off x="7058160" y="3685320"/>
-            <a:ext cx="1074960" cy="597240"/>
+            <a:ext cx="1074600" cy="596880"/>
           </a:xfrm>
           <a:prstGeom prst="rect">
             <a:avLst/>
@@ -32804,7 +32804,7 @@
         <p:spPr>
           <a:xfrm>
             <a:off x="1561680" y="720"/>
-            <a:ext cx="9064800" cy="1255680"/>
+            <a:ext cx="9064440" cy="1255320"/>
           </a:xfrm>
           <a:prstGeom prst="rect">
             <a:avLst/>
@@ -35042,7 +35042,7 @@
         <p:spPr>
           <a:xfrm>
             <a:off x="1561680" y="0"/>
-            <a:ext cx="9064800" cy="1255680"/>
+            <a:ext cx="9064440" cy="1255320"/>
           </a:xfrm>
           <a:prstGeom prst="rect">
             <a:avLst/>
@@ -35091,7 +35091,7 @@
         <p:spPr>
           <a:xfrm>
             <a:off x="1998720" y="863640"/>
-            <a:ext cx="8417160" cy="4654440"/>
+            <a:ext cx="8416800" cy="4654080"/>
           </a:xfrm>
           <a:prstGeom prst="rect">
             <a:avLst/>
@@ -35417,7 +35417,7 @@
         <p:spPr>
           <a:xfrm>
             <a:off x="1561680" y="0"/>
-            <a:ext cx="9064800" cy="1255680"/>
+            <a:ext cx="9064440" cy="1255320"/>
           </a:xfrm>
           <a:prstGeom prst="rect">
             <a:avLst/>
@@ -35466,7 +35466,7 @@
         <p:spPr>
           <a:xfrm>
             <a:off x="1633320" y="1087560"/>
-            <a:ext cx="8921160" cy="6356520"/>
+            <a:ext cx="8920800" cy="6356160"/>
           </a:xfrm>
           <a:prstGeom prst="rect">
             <a:avLst/>
@@ -35844,7 +35844,7 @@
         <p:spPr>
           <a:xfrm>
             <a:off x="1561680" y="360"/>
-            <a:ext cx="9064800" cy="1255680"/>
+            <a:ext cx="9064440" cy="1255320"/>
           </a:xfrm>
           <a:prstGeom prst="rect">
             <a:avLst/>
@@ -36276,7 +36276,7 @@
                           <a:latin typeface="Arial"/>
                           <a:ea typeface="DejaVu Sans"/>
                         </a:rPr>
-                        <a:t>||,&amp;&amp;,|,&amp;,!</a:t>
+                        <a:t>||,&amp;&amp;,|,&amp;,^!</a:t>
                       </a:r>
                       <a:endParaRPr b="0" lang="pl-PL" sz="2600" spc="-1" strike="noStrike">
                         <a:latin typeface="Arial"/>

--- a/WprowadzenieDoJezykaJAVA_v2_PiotrKrajnik.pptx
+++ b/WprowadzenieDoJezykaJAVA_v2_PiotrKrajnik.pptx
@@ -2761,7 +2761,7 @@
         <p:spPr>
           <a:xfrm rot="5400000">
             <a:off x="0" y="0"/>
-            <a:ext cx="2495160" cy="2495160"/>
+            <a:ext cx="2494800" cy="2494800"/>
           </a:xfrm>
           <a:prstGeom prst="rtTriangle">
             <a:avLst/>
@@ -2801,7 +2801,7 @@
         <p:spPr>
           <a:xfrm>
             <a:off x="0" y="0"/>
-            <a:ext cx="2748240" cy="1292040"/>
+            <a:ext cx="2747880" cy="1291680"/>
           </a:xfrm>
           <a:prstGeom prst="rect">
             <a:avLst/>
@@ -3081,7 +3081,7 @@
         <p:spPr>
           <a:xfrm rot="5400000">
             <a:off x="0" y="0"/>
-            <a:ext cx="2495160" cy="2495160"/>
+            <a:ext cx="2494800" cy="2494800"/>
           </a:xfrm>
           <a:prstGeom prst="rtTriangle">
             <a:avLst/>
@@ -3121,7 +3121,7 @@
         <p:spPr>
           <a:xfrm>
             <a:off x="0" y="0"/>
-            <a:ext cx="2748240" cy="1292040"/>
+            <a:ext cx="2747880" cy="1291680"/>
           </a:xfrm>
           <a:prstGeom prst="rect">
             <a:avLst/>
@@ -3391,7 +3391,7 @@
         <p:spPr>
           <a:xfrm>
             <a:off x="1561680" y="1905480"/>
-            <a:ext cx="9064440" cy="1255320"/>
+            <a:ext cx="9064080" cy="1254960"/>
           </a:xfrm>
           <a:prstGeom prst="rect">
             <a:avLst/>
@@ -3440,7 +3440,7 @@
         <p:spPr>
           <a:xfrm>
             <a:off x="1561680" y="3456000"/>
-            <a:ext cx="9064440" cy="2689920"/>
+            <a:ext cx="9064080" cy="2689560"/>
           </a:xfrm>
           <a:prstGeom prst="rect">
             <a:avLst/>
@@ -3548,7 +3548,7 @@
         <p:spPr>
           <a:xfrm>
             <a:off x="1561680" y="0"/>
-            <a:ext cx="9064440" cy="1255320"/>
+            <a:ext cx="9064080" cy="1254960"/>
           </a:xfrm>
           <a:prstGeom prst="rect">
             <a:avLst/>
@@ -3597,7 +3597,7 @@
         <p:spPr>
           <a:xfrm>
             <a:off x="1584000" y="1175040"/>
-            <a:ext cx="3236400" cy="5637600"/>
+            <a:ext cx="3236040" cy="5637240"/>
           </a:xfrm>
           <a:prstGeom prst="rect">
             <a:avLst/>
@@ -3956,7 +3956,7 @@
         <p:spPr>
           <a:xfrm>
             <a:off x="5324040" y="1262520"/>
-            <a:ext cx="5396760" cy="693360"/>
+            <a:ext cx="5396400" cy="693000"/>
           </a:xfrm>
           <a:prstGeom prst="rect">
             <a:avLst/>
@@ -4005,7 +4005,7 @@
         <p:spPr>
           <a:xfrm>
             <a:off x="5215680" y="3780000"/>
-            <a:ext cx="5396760" cy="1913040"/>
+            <a:ext cx="5396400" cy="1912680"/>
           </a:xfrm>
           <a:prstGeom prst="rect">
             <a:avLst/>
@@ -4123,7 +4123,7 @@
         <p:spPr>
           <a:xfrm>
             <a:off x="1561680" y="0"/>
-            <a:ext cx="9064440" cy="1255320"/>
+            <a:ext cx="9064080" cy="1254960"/>
           </a:xfrm>
           <a:prstGeom prst="rect">
             <a:avLst/>
@@ -4172,7 +4172,7 @@
         <p:spPr>
           <a:xfrm>
             <a:off x="1440000" y="1152000"/>
-            <a:ext cx="3236400" cy="5637600"/>
+            <a:ext cx="3236040" cy="5637240"/>
           </a:xfrm>
           <a:prstGeom prst="rect">
             <a:avLst/>
@@ -4631,7 +4631,7 @@
         <p:spPr>
           <a:xfrm>
             <a:off x="5180040" y="1239480"/>
-            <a:ext cx="5396760" cy="4962240"/>
+            <a:ext cx="5396400" cy="4961880"/>
           </a:xfrm>
           <a:prstGeom prst="rect">
             <a:avLst/>
@@ -4819,7 +4819,7 @@
         <p:spPr>
           <a:xfrm>
             <a:off x="1561680" y="15480"/>
-            <a:ext cx="9064440" cy="1255320"/>
+            <a:ext cx="9064080" cy="1254960"/>
           </a:xfrm>
           <a:prstGeom prst="rect">
             <a:avLst/>
@@ -4868,7 +4868,7 @@
         <p:spPr>
           <a:xfrm>
             <a:off x="1924920" y="1275840"/>
-            <a:ext cx="3236400" cy="2399040"/>
+            <a:ext cx="3236040" cy="2398680"/>
           </a:xfrm>
           <a:prstGeom prst="rect">
             <a:avLst/>
@@ -5067,7 +5067,7 @@
         <p:spPr>
           <a:xfrm>
             <a:off x="1924920" y="4079160"/>
-            <a:ext cx="3513600" cy="2399040"/>
+            <a:ext cx="3513240" cy="2398680"/>
           </a:xfrm>
           <a:prstGeom prst="rect">
             <a:avLst/>
@@ -5266,7 +5266,7 @@
         <p:spPr>
           <a:xfrm>
             <a:off x="7087320" y="1275840"/>
-            <a:ext cx="3236400" cy="2399040"/>
+            <a:ext cx="3236040" cy="2398680"/>
           </a:xfrm>
           <a:prstGeom prst="rect">
             <a:avLst/>
@@ -5465,7 +5465,7 @@
         <p:spPr>
           <a:xfrm>
             <a:off x="7087320" y="4079160"/>
-            <a:ext cx="3236400" cy="2399040"/>
+            <a:ext cx="3236040" cy="2398680"/>
           </a:xfrm>
           <a:prstGeom prst="rect">
             <a:avLst/>
@@ -5713,7 +5713,7 @@
         <p:spPr>
           <a:xfrm>
             <a:off x="1561680" y="-75600"/>
-            <a:ext cx="9064440" cy="1255320"/>
+            <a:ext cx="9064080" cy="1254960"/>
           </a:xfrm>
           <a:prstGeom prst="rect">
             <a:avLst/>
@@ -5762,7 +5762,7 @@
         <p:spPr>
           <a:xfrm>
             <a:off x="1001160" y="1286280"/>
-            <a:ext cx="5222160" cy="6486120"/>
+            <a:ext cx="5221800" cy="6485760"/>
           </a:xfrm>
           <a:prstGeom prst="rect">
             <a:avLst/>
@@ -5981,7 +5981,7 @@
         <p:spPr>
           <a:xfrm>
             <a:off x="6531120" y="1286280"/>
-            <a:ext cx="4298040" cy="5572080"/>
+            <a:ext cx="4297680" cy="5571720"/>
           </a:xfrm>
           <a:prstGeom prst="rect">
             <a:avLst/>
@@ -6369,7 +6369,7 @@
         <p:spPr>
           <a:xfrm>
             <a:off x="1561680" y="0"/>
-            <a:ext cx="9064440" cy="1255320"/>
+            <a:ext cx="9064080" cy="1254960"/>
           </a:xfrm>
           <a:prstGeom prst="rect">
             <a:avLst/>
@@ -6418,7 +6418,7 @@
         <p:spPr>
           <a:xfrm>
             <a:off x="1800000" y="1086120"/>
-            <a:ext cx="5222160" cy="3742560"/>
+            <a:ext cx="5221800" cy="3742200"/>
           </a:xfrm>
           <a:prstGeom prst="rect">
             <a:avLst/>
@@ -6557,7 +6557,7 @@
         <p:spPr>
           <a:xfrm>
             <a:off x="7486560" y="1086120"/>
-            <a:ext cx="3326400" cy="5844240"/>
+            <a:ext cx="3326040" cy="5843880"/>
           </a:xfrm>
           <a:prstGeom prst="rect">
             <a:avLst/>
@@ -7070,7 +7070,7 @@
         <p:spPr>
           <a:xfrm>
             <a:off x="2639880" y="4608000"/>
-            <a:ext cx="1428120" cy="1428120"/>
+            <a:ext cx="1427760" cy="1427760"/>
           </a:xfrm>
           <a:prstGeom prst="rect">
             <a:avLst/>
@@ -7093,7 +7093,7 @@
         <p:spPr>
           <a:xfrm>
             <a:off x="5157360" y="5808240"/>
-            <a:ext cx="1428120" cy="1428120"/>
+            <a:ext cx="1427760" cy="1427760"/>
           </a:xfrm>
           <a:prstGeom prst="rect">
             <a:avLst/>
@@ -7112,7 +7112,7 @@
         <p:spPr>
           <a:xfrm>
             <a:off x="2560680" y="5608800"/>
-            <a:ext cx="2043000" cy="1180800"/>
+            <a:ext cx="2042640" cy="1180440"/>
           </a:xfrm>
           <a:prstGeom prst="rect">
             <a:avLst/>
@@ -7221,7 +7221,7 @@
         <p:spPr>
           <a:xfrm>
             <a:off x="4876560" y="4968000"/>
-            <a:ext cx="2143080" cy="1180800"/>
+            <a:ext cx="2142720" cy="1180440"/>
           </a:xfrm>
           <a:prstGeom prst="rect">
             <a:avLst/>
@@ -7379,7 +7379,7 @@
         <p:spPr>
           <a:xfrm>
             <a:off x="1561680" y="0"/>
-            <a:ext cx="9064440" cy="1255320"/>
+            <a:ext cx="9064080" cy="1254960"/>
           </a:xfrm>
           <a:prstGeom prst="rect">
             <a:avLst/>
@@ -7428,7 +7428,7 @@
         <p:spPr>
           <a:xfrm>
             <a:off x="6078240" y="936000"/>
-            <a:ext cx="3326400" cy="5844240"/>
+            <a:ext cx="3326040" cy="5843880"/>
           </a:xfrm>
           <a:prstGeom prst="rect">
             <a:avLst/>
@@ -7937,7 +7937,7 @@
         <p:spPr>
           <a:xfrm>
             <a:off x="4032000" y="936000"/>
-            <a:ext cx="1992960" cy="357840"/>
+            <a:ext cx="1992600" cy="357480"/>
           </a:xfrm>
           <a:prstGeom prst="rect">
             <a:avLst/>
@@ -7986,7 +7986,7 @@
         <p:spPr>
           <a:xfrm>
             <a:off x="4608000" y="1593360"/>
-            <a:ext cx="1307160" cy="357840"/>
+            <a:ext cx="1306800" cy="357480"/>
           </a:xfrm>
           <a:prstGeom prst="rect">
             <a:avLst/>
@@ -8035,7 +8035,7 @@
         <p:spPr>
           <a:xfrm>
             <a:off x="4266000" y="2958480"/>
-            <a:ext cx="1992960" cy="357840"/>
+            <a:ext cx="1992600" cy="357480"/>
           </a:xfrm>
           <a:prstGeom prst="rect">
             <a:avLst/>
@@ -8133,7 +8133,7 @@
         <p:spPr>
           <a:xfrm>
             <a:off x="1561680" y="0"/>
-            <a:ext cx="9064440" cy="1255320"/>
+            <a:ext cx="9064080" cy="1254960"/>
           </a:xfrm>
           <a:prstGeom prst="rect">
             <a:avLst/>
@@ -8182,7 +8182,7 @@
         <p:spPr>
           <a:xfrm>
             <a:off x="1656000" y="1440000"/>
-            <a:ext cx="5222160" cy="4352400"/>
+            <a:ext cx="5221800" cy="4352040"/>
           </a:xfrm>
           <a:prstGeom prst="rect">
             <a:avLst/>
@@ -8311,7 +8311,7 @@
         <p:spPr>
           <a:xfrm>
             <a:off x="7650720" y="2049840"/>
-            <a:ext cx="3326400" cy="2552400"/>
+            <a:ext cx="3326040" cy="2552040"/>
           </a:xfrm>
           <a:prstGeom prst="rect">
             <a:avLst/>
@@ -8579,7 +8579,7 @@
         <p:spPr>
           <a:xfrm>
             <a:off x="1561680" y="0"/>
-            <a:ext cx="9064440" cy="1255320"/>
+            <a:ext cx="9064080" cy="1254960"/>
           </a:xfrm>
           <a:prstGeom prst="rect">
             <a:avLst/>
@@ -8628,7 +8628,7 @@
         <p:spPr>
           <a:xfrm>
             <a:off x="1699920" y="936000"/>
-            <a:ext cx="5222160" cy="6838920"/>
+            <a:ext cx="5221800" cy="6838560"/>
           </a:xfrm>
           <a:prstGeom prst="rect">
             <a:avLst/>
@@ -8887,7 +8887,7 @@
         <p:spPr>
           <a:xfrm>
             <a:off x="7536600" y="1512000"/>
-            <a:ext cx="4483080" cy="4194000"/>
+            <a:ext cx="4482720" cy="4193640"/>
           </a:xfrm>
           <a:prstGeom prst="rect">
             <a:avLst/>
@@ -9485,7 +9485,7 @@
         <p:spPr>
           <a:xfrm>
             <a:off x="1561680" y="0"/>
-            <a:ext cx="9064440" cy="1255320"/>
+            <a:ext cx="9064080" cy="1254960"/>
           </a:xfrm>
           <a:prstGeom prst="rect">
             <a:avLst/>
@@ -9534,7 +9534,7 @@
         <p:spPr>
           <a:xfrm>
             <a:off x="1296000" y="1259640"/>
-            <a:ext cx="4065480" cy="6181200"/>
+            <a:ext cx="4065120" cy="6180840"/>
           </a:xfrm>
           <a:prstGeom prst="rect">
             <a:avLst/>
@@ -9692,8 +9692,8 @@
         </p:nvSpPr>
         <p:spPr>
           <a:xfrm rot="9000">
-            <a:off x="6047640" y="1413360"/>
-            <a:ext cx="5681160" cy="3099240"/>
+            <a:off x="6047280" y="1413000"/>
+            <a:ext cx="5680800" cy="3098880"/>
           </a:xfrm>
           <a:prstGeom prst="rect">
             <a:avLst/>
@@ -9921,8 +9921,8 @@
         </p:nvSpPr>
         <p:spPr>
           <a:xfrm rot="9000">
-            <a:off x="6188040" y="4898880"/>
-            <a:ext cx="5681160" cy="1424160"/>
+            <a:off x="6187680" y="4898520"/>
+            <a:ext cx="5680800" cy="1423800"/>
           </a:xfrm>
           <a:prstGeom prst="rect">
             <a:avLst/>
@@ -10120,7 +10120,7 @@
         <p:spPr>
           <a:xfrm>
             <a:off x="1561680" y="0"/>
-            <a:ext cx="9064440" cy="1255320"/>
+            <a:ext cx="9064080" cy="1254960"/>
           </a:xfrm>
           <a:prstGeom prst="rect">
             <a:avLst/>
@@ -10169,7 +10169,7 @@
         <p:spPr>
           <a:xfrm>
             <a:off x="1618560" y="1194480"/>
-            <a:ext cx="6369120" cy="6666480"/>
+            <a:ext cx="6368760" cy="6666120"/>
           </a:xfrm>
           <a:prstGeom prst="rect">
             <a:avLst/>
@@ -10448,7 +10448,7 @@
         <p:spPr>
           <a:xfrm>
             <a:off x="8832600" y="1259640"/>
-            <a:ext cx="3835080" cy="5320080"/>
+            <a:ext cx="3834720" cy="5319720"/>
           </a:xfrm>
           <a:prstGeom prst="rect">
             <a:avLst/>
@@ -11184,7 +11184,7 @@
         <p:spPr>
           <a:xfrm>
             <a:off x="1561680" y="0"/>
-            <a:ext cx="9064440" cy="1255320"/>
+            <a:ext cx="9064080" cy="1254960"/>
           </a:xfrm>
           <a:prstGeom prst="rect">
             <a:avLst/>
@@ -11233,7 +11233,7 @@
         <p:spPr>
           <a:xfrm>
             <a:off x="1668600" y="1584000"/>
-            <a:ext cx="8850600" cy="4962240"/>
+            <a:ext cx="8850240" cy="4961880"/>
           </a:xfrm>
           <a:prstGeom prst="rect">
             <a:avLst/>
@@ -11471,7 +11471,7 @@
         <p:spPr>
           <a:xfrm>
             <a:off x="1561680" y="0"/>
-            <a:ext cx="9064440" cy="1255320"/>
+            <a:ext cx="9064080" cy="1254960"/>
           </a:xfrm>
           <a:prstGeom prst="rect">
             <a:avLst/>
@@ -11520,7 +11520,7 @@
         <p:spPr>
           <a:xfrm>
             <a:off x="1472760" y="1082880"/>
-            <a:ext cx="5289480" cy="6112800"/>
+            <a:ext cx="5289120" cy="6112440"/>
           </a:xfrm>
           <a:prstGeom prst="rect">
             <a:avLst/>
@@ -11809,7 +11809,7 @@
         <p:spPr>
           <a:xfrm>
             <a:off x="7176600" y="1193040"/>
-            <a:ext cx="3835080" cy="5320080"/>
+            <a:ext cx="3834720" cy="5319720"/>
           </a:xfrm>
           <a:prstGeom prst="rect">
             <a:avLst/>
@@ -12407,7 +12407,7 @@
         <p:spPr>
           <a:xfrm>
             <a:off x="1561680" y="27720"/>
-            <a:ext cx="9064440" cy="1255320"/>
+            <a:ext cx="9064080" cy="1254960"/>
           </a:xfrm>
           <a:prstGeom prst="rect">
             <a:avLst/>
@@ -12456,7 +12456,7 @@
         <p:spPr>
           <a:xfrm>
             <a:off x="1440000" y="1080000"/>
-            <a:ext cx="5729760" cy="5988240"/>
+            <a:ext cx="5729400" cy="5987880"/>
           </a:xfrm>
           <a:prstGeom prst="rect">
             <a:avLst/>
@@ -12715,7 +12715,7 @@
         <p:spPr>
           <a:xfrm>
             <a:off x="7536600" y="1856520"/>
-            <a:ext cx="3835080" cy="5211720"/>
+            <a:ext cx="3834720" cy="5211360"/>
           </a:xfrm>
           <a:prstGeom prst="rect">
             <a:avLst/>
@@ -13053,7 +13053,7 @@
         <p:spPr>
           <a:xfrm>
             <a:off x="1561680" y="0"/>
-            <a:ext cx="9064440" cy="1255320"/>
+            <a:ext cx="9064080" cy="1254960"/>
           </a:xfrm>
           <a:prstGeom prst="rect">
             <a:avLst/>
@@ -13102,7 +13102,7 @@
         <p:spPr>
           <a:xfrm>
             <a:off x="1224000" y="1010880"/>
-            <a:ext cx="5627160" cy="6112800"/>
+            <a:ext cx="5626800" cy="6112440"/>
           </a:xfrm>
           <a:prstGeom prst="rect">
             <a:avLst/>
@@ -13391,7 +13391,7 @@
         <p:spPr>
           <a:xfrm>
             <a:off x="7416000" y="1155600"/>
-            <a:ext cx="4406400" cy="5320080"/>
+            <a:ext cx="4406040" cy="5319720"/>
           </a:xfrm>
           <a:prstGeom prst="rect">
             <a:avLst/>
@@ -13869,7 +13869,7 @@
         <p:spPr>
           <a:xfrm>
             <a:off x="1561680" y="0"/>
-            <a:ext cx="9064440" cy="1255320"/>
+            <a:ext cx="9064080" cy="1254960"/>
           </a:xfrm>
           <a:prstGeom prst="rect">
             <a:avLst/>
@@ -13918,7 +13918,7 @@
         <p:spPr>
           <a:xfrm>
             <a:off x="1561680" y="1010880"/>
-            <a:ext cx="4066200" cy="6112800"/>
+            <a:ext cx="4065840" cy="6112440"/>
           </a:xfrm>
           <a:prstGeom prst="rect">
             <a:avLst/>
@@ -14107,7 +14107,7 @@
         <p:spPr>
           <a:xfrm>
             <a:off x="8256600" y="1152000"/>
-            <a:ext cx="3835080" cy="2729880"/>
+            <a:ext cx="3834720" cy="2729520"/>
           </a:xfrm>
           <a:prstGeom prst="rect">
             <a:avLst/>
@@ -14296,7 +14296,7 @@
         <p:spPr>
           <a:xfrm>
             <a:off x="5736600" y="2665800"/>
-            <a:ext cx="3835080" cy="2729880"/>
+            <a:ext cx="3834720" cy="2729520"/>
           </a:xfrm>
           <a:prstGeom prst="rect">
             <a:avLst/>
@@ -14904,7 +14904,7 @@
         <p:spPr>
           <a:xfrm>
             <a:off x="1561680" y="0"/>
-            <a:ext cx="9064440" cy="1255320"/>
+            <a:ext cx="9064080" cy="1254960"/>
           </a:xfrm>
           <a:prstGeom prst="rect">
             <a:avLst/>
@@ -14953,7 +14953,7 @@
         <p:spPr>
           <a:xfrm>
             <a:off x="1512000" y="1008000"/>
-            <a:ext cx="5323680" cy="6112800"/>
+            <a:ext cx="5323320" cy="6112440"/>
           </a:xfrm>
           <a:prstGeom prst="rect">
             <a:avLst/>
@@ -15132,7 +15132,7 @@
         <p:spPr>
           <a:xfrm>
             <a:off x="7344000" y="1259640"/>
-            <a:ext cx="4699080" cy="5320080"/>
+            <a:ext cx="4698720" cy="5319720"/>
           </a:xfrm>
           <a:prstGeom prst="rect">
             <a:avLst/>
@@ -15520,7 +15520,7 @@
         <p:spPr>
           <a:xfrm>
             <a:off x="1561680" y="0"/>
-            <a:ext cx="9064440" cy="1255320"/>
+            <a:ext cx="9064080" cy="1254960"/>
           </a:xfrm>
           <a:prstGeom prst="rect">
             <a:avLst/>
@@ -15569,7 +15569,7 @@
         <p:spPr>
           <a:xfrm>
             <a:off x="936000" y="1560960"/>
-            <a:ext cx="5506200" cy="6210720"/>
+            <a:ext cx="5505840" cy="6210360"/>
           </a:xfrm>
           <a:prstGeom prst="rect">
             <a:avLst/>
@@ -15838,7 +15838,7 @@
         <p:spPr>
           <a:xfrm>
             <a:off x="6984000" y="1443600"/>
-            <a:ext cx="4699080" cy="5320080"/>
+            <a:ext cx="4698720" cy="5319720"/>
           </a:xfrm>
           <a:prstGeom prst="rect">
             <a:avLst/>
@@ -16446,7 +16446,7 @@
         <p:spPr>
           <a:xfrm>
             <a:off x="1561680" y="0"/>
-            <a:ext cx="9064440" cy="1255320"/>
+            <a:ext cx="9064080" cy="1254960"/>
           </a:xfrm>
           <a:prstGeom prst="rect">
             <a:avLst/>
@@ -16495,7 +16495,7 @@
         <p:spPr>
           <a:xfrm>
             <a:off x="1440000" y="1152000"/>
-            <a:ext cx="5827680" cy="6112800"/>
+            <a:ext cx="5827320" cy="6112440"/>
           </a:xfrm>
           <a:prstGeom prst="rect">
             <a:avLst/>
@@ -16704,7 +16704,7 @@
         <p:spPr>
           <a:xfrm>
             <a:off x="7848000" y="1368000"/>
-            <a:ext cx="4241880" cy="4656600"/>
+            <a:ext cx="4241520" cy="4656240"/>
           </a:xfrm>
           <a:prstGeom prst="rect">
             <a:avLst/>
@@ -17102,7 +17102,7 @@
         <p:spPr>
           <a:xfrm>
             <a:off x="1561680" y="0"/>
-            <a:ext cx="9064440" cy="1255320"/>
+            <a:ext cx="9064080" cy="1254960"/>
           </a:xfrm>
           <a:prstGeom prst="rect">
             <a:avLst/>
@@ -17151,7 +17151,7 @@
         <p:spPr>
           <a:xfrm>
             <a:off x="1152000" y="1514880"/>
-            <a:ext cx="5467680" cy="6112800"/>
+            <a:ext cx="5467320" cy="6112440"/>
           </a:xfrm>
           <a:prstGeom prst="rect">
             <a:avLst/>
@@ -17360,7 +17360,7 @@
         <p:spPr>
           <a:xfrm>
             <a:off x="7560000" y="1387080"/>
-            <a:ext cx="4241880" cy="4656600"/>
+            <a:ext cx="4241520" cy="4656240"/>
           </a:xfrm>
           <a:prstGeom prst="rect">
             <a:avLst/>
@@ -17848,7 +17848,7 @@
         <p:spPr>
           <a:xfrm>
             <a:off x="1561680" y="0"/>
-            <a:ext cx="9064440" cy="1255320"/>
+            <a:ext cx="9064080" cy="1254960"/>
           </a:xfrm>
           <a:prstGeom prst="rect">
             <a:avLst/>
@@ -17897,7 +17897,7 @@
         <p:spPr>
           <a:xfrm>
             <a:off x="1545480" y="1080000"/>
-            <a:ext cx="5362200" cy="6112800"/>
+            <a:ext cx="5361840" cy="6112440"/>
           </a:xfrm>
           <a:prstGeom prst="rect">
             <a:avLst/>
@@ -18146,7 +18146,7 @@
         <p:spPr>
           <a:xfrm>
             <a:off x="7704000" y="1008000"/>
-            <a:ext cx="4241880" cy="4656600"/>
+            <a:ext cx="4241520" cy="4656240"/>
           </a:xfrm>
           <a:prstGeom prst="rect">
             <a:avLst/>
@@ -18904,7 +18904,7 @@
         <p:spPr>
           <a:xfrm>
             <a:off x="1561680" y="0"/>
-            <a:ext cx="9064440" cy="1255320"/>
+            <a:ext cx="9064080" cy="1254960"/>
           </a:xfrm>
           <a:prstGeom prst="rect">
             <a:avLst/>
@@ -18953,7 +18953,7 @@
         <p:spPr>
           <a:xfrm>
             <a:off x="1368000" y="1010880"/>
-            <a:ext cx="5539680" cy="6112800"/>
+            <a:ext cx="5539320" cy="6112440"/>
           </a:xfrm>
           <a:prstGeom prst="rect">
             <a:avLst/>
@@ -19182,7 +19182,7 @@
         <p:spPr>
           <a:xfrm>
             <a:off x="7848000" y="1148400"/>
-            <a:ext cx="3556800" cy="5705280"/>
+            <a:ext cx="3556440" cy="5704920"/>
           </a:xfrm>
           <a:prstGeom prst="rect">
             <a:avLst/>
@@ -19710,7 +19710,7 @@
         <p:spPr>
           <a:xfrm>
             <a:off x="1561680" y="0"/>
-            <a:ext cx="9064440" cy="1255320"/>
+            <a:ext cx="9064080" cy="1254960"/>
           </a:xfrm>
           <a:prstGeom prst="rect">
             <a:avLst/>
@@ -19759,7 +19759,7 @@
         <p:spPr>
           <a:xfrm>
             <a:off x="4337640" y="1440000"/>
-            <a:ext cx="3512160" cy="4962240"/>
+            <a:ext cx="3511800" cy="4961880"/>
           </a:xfrm>
           <a:prstGeom prst="rect">
             <a:avLst/>
@@ -20117,7 +20117,7 @@
         <p:spPr>
           <a:xfrm>
             <a:off x="1561680" y="0"/>
-            <a:ext cx="9064440" cy="1255320"/>
+            <a:ext cx="9064080" cy="1254960"/>
           </a:xfrm>
           <a:prstGeom prst="rect">
             <a:avLst/>
@@ -20166,7 +20166,7 @@
         <p:spPr>
           <a:xfrm>
             <a:off x="1368000" y="1010880"/>
-            <a:ext cx="5539680" cy="6112800"/>
+            <a:ext cx="5539320" cy="6112440"/>
           </a:xfrm>
           <a:prstGeom prst="rect">
             <a:avLst/>
@@ -20215,7 +20215,7 @@
             </a:endParaRPr>
           </a:p>
           <a:p>
-            <a:pPr marL="285840" indent="-282600">
+            <a:pPr marL="285840" indent="-282240">
               <a:lnSpc>
                 <a:spcPct val="100000"/>
               </a:lnSpc>
@@ -20240,7 +20240,7 @@
             </a:endParaRPr>
           </a:p>
           <a:p>
-            <a:pPr marL="285840" indent="-282600">
+            <a:pPr marL="285840" indent="-282240">
               <a:lnSpc>
                 <a:spcPct val="100000"/>
               </a:lnSpc>
@@ -20265,7 +20265,7 @@
             </a:endParaRPr>
           </a:p>
           <a:p>
-            <a:pPr marL="285840" indent="-282600">
+            <a:pPr marL="285840" indent="-282240">
               <a:lnSpc>
                 <a:spcPct val="100000"/>
               </a:lnSpc>
@@ -20500,7 +20500,7 @@
         <p:spPr>
           <a:xfrm>
             <a:off x="6910920" y="1538640"/>
-            <a:ext cx="5201640" cy="5745960"/>
+            <a:ext cx="5201280" cy="5745600"/>
           </a:xfrm>
           <a:prstGeom prst="rect">
             <a:avLst/>
@@ -20928,7 +20928,7 @@
         <p:spPr>
           <a:xfrm>
             <a:off x="1561680" y="0"/>
-            <a:ext cx="9064440" cy="1255320"/>
+            <a:ext cx="9064080" cy="1254960"/>
           </a:xfrm>
           <a:prstGeom prst="rect">
             <a:avLst/>
@@ -20977,7 +20977,7 @@
         <p:spPr>
           <a:xfrm>
             <a:off x="4396320" y="1170720"/>
-            <a:ext cx="2452680" cy="443880"/>
+            <a:ext cx="2452320" cy="443520"/>
           </a:xfrm>
           <a:prstGeom prst="rect">
             <a:avLst/>
@@ -21033,7 +21033,7 @@
         <p:spPr>
           <a:xfrm>
             <a:off x="741600" y="2052720"/>
-            <a:ext cx="2452680" cy="443880"/>
+            <a:ext cx="2452320" cy="443520"/>
           </a:xfrm>
           <a:prstGeom prst="rect">
             <a:avLst/>
@@ -21089,7 +21089,7 @@
         <p:spPr>
           <a:xfrm>
             <a:off x="7658280" y="2052720"/>
-            <a:ext cx="2452680" cy="443880"/>
+            <a:ext cx="2452320" cy="443520"/>
           </a:xfrm>
           <a:prstGeom prst="rect">
             <a:avLst/>
@@ -21145,7 +21145,7 @@
         <p:spPr>
           <a:xfrm>
             <a:off x="4680000" y="3096000"/>
-            <a:ext cx="2452680" cy="443880"/>
+            <a:ext cx="2452320" cy="443520"/>
           </a:xfrm>
           <a:prstGeom prst="rect">
             <a:avLst/>
@@ -21200,8 +21200,8 @@
         </p:nvSpPr>
         <p:spPr>
           <a:xfrm flipH="1">
-            <a:off x="1966680" y="1394280"/>
-            <a:ext cx="2423520" cy="655200"/>
+            <a:off x="1965960" y="1394280"/>
+            <a:ext cx="2423160" cy="654840"/>
           </a:xfrm>
           <a:custGeom>
             <a:avLst/>
@@ -21254,7 +21254,7 @@
         <p:spPr>
           <a:xfrm>
             <a:off x="6852240" y="1394280"/>
-            <a:ext cx="2030760" cy="655200"/>
+            <a:ext cx="2030400" cy="654840"/>
           </a:xfrm>
           <a:custGeom>
             <a:avLst/>
@@ -21306,8 +21306,8 @@
         </p:nvSpPr>
         <p:spPr>
           <a:xfrm flipH="1">
-            <a:off x="5903280" y="2499840"/>
-            <a:ext cx="2976480" cy="595440"/>
+            <a:off x="5902560" y="2499840"/>
+            <a:ext cx="2976120" cy="595080"/>
           </a:xfrm>
           <a:custGeom>
             <a:avLst/>
@@ -21360,7 +21360,7 @@
         <p:spPr>
           <a:xfrm>
             <a:off x="5151240" y="3978360"/>
-            <a:ext cx="2452680" cy="443880"/>
+            <a:ext cx="2452320" cy="443520"/>
           </a:xfrm>
           <a:prstGeom prst="rect">
             <a:avLst/>
@@ -21416,7 +21416,7 @@
         <p:spPr>
           <a:xfrm>
             <a:off x="5151240" y="4772520"/>
-            <a:ext cx="3344040" cy="443880"/>
+            <a:ext cx="3343680" cy="443520"/>
           </a:xfrm>
           <a:prstGeom prst="rect">
             <a:avLst/>
@@ -21503,7 +21503,7 @@
         <p:spPr>
           <a:xfrm>
             <a:off x="4849920" y="4201920"/>
-            <a:ext cx="298080" cy="360"/>
+            <a:ext cx="297720" cy="360"/>
           </a:xfrm>
           <a:custGeom>
             <a:avLst/>
@@ -21556,7 +21556,7 @@
         <p:spPr>
           <a:xfrm>
             <a:off x="4849920" y="4998960"/>
-            <a:ext cx="298080" cy="360"/>
+            <a:ext cx="297720" cy="360"/>
           </a:xfrm>
           <a:custGeom>
             <a:avLst/>
@@ -21609,7 +21609,7 @@
         <p:spPr>
           <a:xfrm>
             <a:off x="5151240" y="5493240"/>
-            <a:ext cx="2452680" cy="443880"/>
+            <a:ext cx="2452320" cy="443520"/>
           </a:xfrm>
           <a:prstGeom prst="rect">
             <a:avLst/>
@@ -21665,7 +21665,7 @@
         <p:spPr>
           <a:xfrm>
             <a:off x="4849920" y="5716800"/>
-            <a:ext cx="298080" cy="360"/>
+            <a:ext cx="297720" cy="360"/>
           </a:xfrm>
           <a:custGeom>
             <a:avLst/>
@@ -21718,7 +21718,7 @@
         <p:spPr>
           <a:xfrm>
             <a:off x="9560160" y="3205440"/>
-            <a:ext cx="2452680" cy="443880"/>
+            <a:ext cx="2452320" cy="443520"/>
           </a:xfrm>
           <a:prstGeom prst="rect">
             <a:avLst/>
@@ -21774,7 +21774,7 @@
         <p:spPr>
           <a:xfrm>
             <a:off x="9560160" y="3952800"/>
-            <a:ext cx="2452680" cy="443880"/>
+            <a:ext cx="2452320" cy="443520"/>
           </a:xfrm>
           <a:prstGeom prst="rect">
             <a:avLst/>
@@ -21861,7 +21861,7 @@
         <p:spPr>
           <a:xfrm>
             <a:off x="9155880" y="3423240"/>
-            <a:ext cx="401040" cy="2520"/>
+            <a:ext cx="400680" cy="2160"/>
           </a:xfrm>
           <a:custGeom>
             <a:avLst/>
@@ -21913,8 +21913,8 @@
         </p:nvSpPr>
         <p:spPr>
           <a:xfrm flipV="1">
-            <a:off x="9155880" y="4135680"/>
-            <a:ext cx="401040" cy="2160"/>
+            <a:off x="9155880" y="4133160"/>
+            <a:ext cx="400680" cy="1800"/>
           </a:xfrm>
           <a:custGeom>
             <a:avLst/>
@@ -21967,7 +21967,7 @@
         <p:spPr>
           <a:xfrm>
             <a:off x="9560160" y="4870800"/>
-            <a:ext cx="2452680" cy="443880"/>
+            <a:ext cx="2452320" cy="443520"/>
           </a:xfrm>
           <a:prstGeom prst="rect">
             <a:avLst/>
@@ -22022,8 +22022,8 @@
         </p:nvSpPr>
         <p:spPr>
           <a:xfrm flipV="1">
-            <a:off x="9155880" y="5053680"/>
-            <a:ext cx="401040" cy="2160"/>
+            <a:off x="9155880" y="5051160"/>
+            <a:ext cx="400680" cy="1800"/>
           </a:xfrm>
           <a:custGeom>
             <a:avLst/>
@@ -22076,7 +22076,7 @@
         <p:spPr>
           <a:xfrm>
             <a:off x="234360" y="3342240"/>
-            <a:ext cx="4601160" cy="2007720"/>
+            <a:ext cx="4600800" cy="2007360"/>
           </a:xfrm>
           <a:prstGeom prst="rect">
             <a:avLst/>
@@ -22204,7 +22204,7 @@
         <p:spPr>
           <a:xfrm>
             <a:off x="1561680" y="0"/>
-            <a:ext cx="9064440" cy="1255320"/>
+            <a:ext cx="9064080" cy="1254960"/>
           </a:xfrm>
           <a:prstGeom prst="rect">
             <a:avLst/>
@@ -22253,7 +22253,7 @@
         <p:spPr>
           <a:xfrm>
             <a:off x="1368000" y="1010880"/>
-            <a:ext cx="10494360" cy="6112800"/>
+            <a:ext cx="10494000" cy="6112440"/>
           </a:xfrm>
           <a:prstGeom prst="rect">
             <a:avLst/>
@@ -22591,7 +22591,7 @@
         <p:spPr>
           <a:xfrm>
             <a:off x="1561680" y="0"/>
-            <a:ext cx="9064440" cy="1255320"/>
+            <a:ext cx="9064080" cy="1254960"/>
           </a:xfrm>
           <a:prstGeom prst="rect">
             <a:avLst/>
@@ -22640,7 +22640,7 @@
         <p:spPr>
           <a:xfrm>
             <a:off x="1368000" y="1010880"/>
-            <a:ext cx="10494360" cy="6112800"/>
+            <a:ext cx="10494000" cy="6112440"/>
           </a:xfrm>
           <a:prstGeom prst="rect">
             <a:avLst/>
@@ -22958,7 +22958,7 @@
         <p:spPr>
           <a:xfrm>
             <a:off x="1561680" y="0"/>
-            <a:ext cx="9064440" cy="1255320"/>
+            <a:ext cx="9064080" cy="1254960"/>
           </a:xfrm>
           <a:prstGeom prst="rect">
             <a:avLst/>
@@ -23007,7 +23007,7 @@
         <p:spPr>
           <a:xfrm>
             <a:off x="587880" y="1946880"/>
-            <a:ext cx="6408360" cy="5103720"/>
+            <a:ext cx="6408000" cy="5103360"/>
           </a:xfrm>
           <a:prstGeom prst="rect">
             <a:avLst/>
@@ -23276,7 +23276,7 @@
         <p:spPr>
           <a:xfrm>
             <a:off x="6999480" y="867600"/>
-            <a:ext cx="4688640" cy="6122520"/>
+            <a:ext cx="4688280" cy="6122160"/>
           </a:xfrm>
           <a:prstGeom prst="rect">
             <a:avLst/>
@@ -23774,7 +23774,7 @@
         <p:spPr>
           <a:xfrm>
             <a:off x="1561680" y="0"/>
-            <a:ext cx="9064440" cy="1255320"/>
+            <a:ext cx="9064080" cy="1254960"/>
           </a:xfrm>
           <a:prstGeom prst="rect">
             <a:avLst/>
@@ -23823,7 +23823,7 @@
         <p:spPr>
           <a:xfrm>
             <a:off x="1368000" y="1224000"/>
-            <a:ext cx="5109120" cy="4455720"/>
+            <a:ext cx="5108760" cy="4455360"/>
           </a:xfrm>
           <a:prstGeom prst="rect">
             <a:avLst/>
@@ -23962,7 +23962,7 @@
         <p:spPr>
           <a:xfrm>
             <a:off x="6864120" y="1800000"/>
-            <a:ext cx="5325120" cy="5745960"/>
+            <a:ext cx="5324760" cy="5745600"/>
           </a:xfrm>
           <a:prstGeom prst="rect">
             <a:avLst/>
@@ -24307,7 +24307,7 @@
         <p:spPr>
           <a:xfrm>
             <a:off x="1561680" y="0"/>
-            <a:ext cx="9064440" cy="1255320"/>
+            <a:ext cx="9064080" cy="1254960"/>
           </a:xfrm>
           <a:prstGeom prst="rect">
             <a:avLst/>
@@ -24356,7 +24356,7 @@
         <p:spPr>
           <a:xfrm>
             <a:off x="1368000" y="1224000"/>
-            <a:ext cx="4749480" cy="4455720"/>
+            <a:ext cx="4749120" cy="4455360"/>
           </a:xfrm>
           <a:prstGeom prst="rect">
             <a:avLst/>
@@ -24415,7 +24415,7 @@
         <p:spPr>
           <a:xfrm>
             <a:off x="6120000" y="1152000"/>
-            <a:ext cx="6117120" cy="5745960"/>
+            <a:ext cx="6116760" cy="5745600"/>
           </a:xfrm>
           <a:prstGeom prst="rect">
             <a:avLst/>
@@ -24730,7 +24730,7 @@
         <p:spPr>
           <a:xfrm>
             <a:off x="504000" y="5400000"/>
-            <a:ext cx="5613480" cy="1221480"/>
+            <a:ext cx="5613120" cy="1221120"/>
           </a:xfrm>
           <a:prstGeom prst="rect">
             <a:avLst/>
@@ -24839,7 +24839,7 @@
         <p:spPr>
           <a:xfrm>
             <a:off x="1561680" y="0"/>
-            <a:ext cx="9064440" cy="1255320"/>
+            <a:ext cx="9064080" cy="1254960"/>
           </a:xfrm>
           <a:prstGeom prst="rect">
             <a:avLst/>
@@ -24888,7 +24888,7 @@
         <p:spPr>
           <a:xfrm>
             <a:off x="1368000" y="1224000"/>
-            <a:ext cx="10293840" cy="4455720"/>
+            <a:ext cx="10293480" cy="4455360"/>
           </a:xfrm>
           <a:prstGeom prst="rect">
             <a:avLst/>
@@ -24987,7 +24987,7 @@
         <p:spPr>
           <a:xfrm>
             <a:off x="3024000" y="3153960"/>
-            <a:ext cx="2452680" cy="443880"/>
+            <a:ext cx="2452320" cy="443520"/>
           </a:xfrm>
           <a:prstGeom prst="rect">
             <a:avLst/>
@@ -25043,7 +25043,7 @@
         <p:spPr>
           <a:xfrm>
             <a:off x="7776000" y="3168000"/>
-            <a:ext cx="2452680" cy="443880"/>
+            <a:ext cx="2452320" cy="443520"/>
           </a:xfrm>
           <a:prstGeom prst="rect">
             <a:avLst/>
@@ -25099,7 +25099,7 @@
         <p:spPr>
           <a:xfrm>
             <a:off x="1001160" y="4305960"/>
-            <a:ext cx="2452680" cy="443880"/>
+            <a:ext cx="2452320" cy="443520"/>
           </a:xfrm>
           <a:prstGeom prst="rect">
             <a:avLst/>
@@ -25155,7 +25155,7 @@
         <p:spPr>
           <a:xfrm>
             <a:off x="4522320" y="4305960"/>
-            <a:ext cx="2452680" cy="443880"/>
+            <a:ext cx="2452320" cy="443520"/>
           </a:xfrm>
           <a:prstGeom prst="rect">
             <a:avLst/>
@@ -25211,7 +25211,7 @@
         <p:spPr>
           <a:xfrm>
             <a:off x="7769160" y="5385960"/>
-            <a:ext cx="2452680" cy="443880"/>
+            <a:ext cx="2452320" cy="443520"/>
           </a:xfrm>
           <a:prstGeom prst="rect">
             <a:avLst/>
@@ -25270,7 +25270,7 @@
         <p:spPr>
           <a:xfrm>
             <a:off x="4529160" y="5400000"/>
-            <a:ext cx="2452680" cy="443880"/>
+            <a:ext cx="2452320" cy="443520"/>
           </a:xfrm>
           <a:prstGeom prst="rect">
             <a:avLst/>
@@ -25329,7 +25329,7 @@
         <p:spPr>
           <a:xfrm>
             <a:off x="1008000" y="5457960"/>
-            <a:ext cx="2452680" cy="443880"/>
+            <a:ext cx="2452320" cy="443520"/>
           </a:xfrm>
           <a:prstGeom prst="rect">
             <a:avLst/>
@@ -25387,8 +25387,8 @@
         </p:nvSpPr>
         <p:spPr>
           <a:xfrm flipH="1">
-            <a:off x="2229840" y="3600000"/>
-            <a:ext cx="1703520" cy="655200"/>
+            <a:off x="2229120" y="3600000"/>
+            <a:ext cx="1703160" cy="654840"/>
           </a:xfrm>
           <a:custGeom>
             <a:avLst/>
@@ -25441,7 +25441,7 @@
         <p:spPr>
           <a:xfrm>
             <a:off x="4729680" y="3610440"/>
-            <a:ext cx="1100160" cy="693360"/>
+            <a:ext cx="1099800" cy="693000"/>
           </a:xfrm>
           <a:custGeom>
             <a:avLst/>
@@ -25493,8 +25493,8 @@
         </p:nvSpPr>
         <p:spPr>
           <a:xfrm flipH="1">
-            <a:off x="2227320" y="4752000"/>
-            <a:ext cx="360" cy="645840"/>
+            <a:off x="2226600" y="4752000"/>
+            <a:ext cx="360" cy="645480"/>
           </a:xfrm>
           <a:custGeom>
             <a:avLst/>
@@ -25546,8 +25546,8 @@
         </p:nvSpPr>
         <p:spPr>
           <a:xfrm flipH="1">
-            <a:off x="5755320" y="4752000"/>
-            <a:ext cx="360" cy="645840"/>
+            <a:off x="5754600" y="4752000"/>
+            <a:ext cx="360" cy="645480"/>
           </a:xfrm>
           <a:custGeom>
             <a:avLst/>
@@ -25599,8 +25599,8 @@
         </p:nvSpPr>
         <p:spPr>
           <a:xfrm flipH="1">
-            <a:off x="8995320" y="3614040"/>
-            <a:ext cx="360" cy="1769760"/>
+            <a:off x="8994600" y="3614040"/>
+            <a:ext cx="360" cy="1769400"/>
           </a:xfrm>
           <a:custGeom>
             <a:avLst/>
@@ -25702,7 +25702,7 @@
         <p:spPr>
           <a:xfrm>
             <a:off x="1561680" y="0"/>
-            <a:ext cx="9064440" cy="1255320"/>
+            <a:ext cx="9064080" cy="1254960"/>
           </a:xfrm>
           <a:prstGeom prst="rect">
             <a:avLst/>
@@ -25751,7 +25751,7 @@
         <p:spPr>
           <a:xfrm>
             <a:off x="1368000" y="1224000"/>
-            <a:ext cx="4605840" cy="5325840"/>
+            <a:ext cx="4605480" cy="5325480"/>
           </a:xfrm>
           <a:prstGeom prst="rect">
             <a:avLst/>
@@ -25830,7 +25830,7 @@
         <p:spPr>
           <a:xfrm>
             <a:off x="6264000" y="1080000"/>
-            <a:ext cx="5757840" cy="5471280"/>
+            <a:ext cx="5757480" cy="5470920"/>
           </a:xfrm>
           <a:prstGeom prst="rect">
             <a:avLst/>
@@ -26114,7 +26114,7 @@
         <p:spPr>
           <a:xfrm>
             <a:off x="1561680" y="0"/>
-            <a:ext cx="9064440" cy="1255320"/>
+            <a:ext cx="9064080" cy="1254960"/>
           </a:xfrm>
           <a:prstGeom prst="rect">
             <a:avLst/>
@@ -26163,7 +26163,7 @@
         <p:spPr>
           <a:xfrm>
             <a:off x="1369800" y="937800"/>
-            <a:ext cx="4749840" cy="5325840"/>
+            <a:ext cx="4749480" cy="5325480"/>
           </a:xfrm>
           <a:prstGeom prst="rect">
             <a:avLst/>
@@ -26352,7 +26352,7 @@
         <p:spPr>
           <a:xfrm>
             <a:off x="6264000" y="2376000"/>
-            <a:ext cx="5757840" cy="2445840"/>
+            <a:ext cx="5757480" cy="2445480"/>
           </a:xfrm>
           <a:prstGeom prst="rect">
             <a:avLst/>
@@ -26537,7 +26537,7 @@
         <p:spPr>
           <a:xfrm>
             <a:off x="1561680" y="0"/>
-            <a:ext cx="9064440" cy="1255320"/>
+            <a:ext cx="9064080" cy="1254960"/>
           </a:xfrm>
           <a:prstGeom prst="rect">
             <a:avLst/>
@@ -26586,7 +26586,7 @@
         <p:spPr>
           <a:xfrm>
             <a:off x="861840" y="1728360"/>
-            <a:ext cx="5396760" cy="4962240"/>
+            <a:ext cx="5396400" cy="4961880"/>
           </a:xfrm>
           <a:prstGeom prst="rect">
             <a:avLst/>
@@ -26635,7 +26635,7 @@
         <p:spPr>
           <a:xfrm>
             <a:off x="1703520" y="1728360"/>
-            <a:ext cx="8780760" cy="4962240"/>
+            <a:ext cx="8780400" cy="4961880"/>
           </a:xfrm>
           <a:prstGeom prst="rect">
             <a:avLst/>
@@ -26903,7 +26903,7 @@
         <p:spPr>
           <a:xfrm>
             <a:off x="1561680" y="0"/>
-            <a:ext cx="9064440" cy="1255320"/>
+            <a:ext cx="9064080" cy="1254960"/>
           </a:xfrm>
           <a:prstGeom prst="rect">
             <a:avLst/>
@@ -26952,7 +26952,7 @@
         <p:spPr>
           <a:xfrm>
             <a:off x="1368000" y="1224000"/>
-            <a:ext cx="4605840" cy="5325840"/>
+            <a:ext cx="4605480" cy="5325480"/>
           </a:xfrm>
           <a:prstGeom prst="rect">
             <a:avLst/>
@@ -27101,7 +27101,7 @@
         <p:spPr>
           <a:xfrm>
             <a:off x="5976000" y="1944000"/>
-            <a:ext cx="5757840" cy="3565080"/>
+            <a:ext cx="5757480" cy="3564720"/>
           </a:xfrm>
           <a:prstGeom prst="rect">
             <a:avLst/>
@@ -27329,7 +27329,7 @@
         <p:spPr>
           <a:xfrm>
             <a:off x="1561680" y="0"/>
-            <a:ext cx="9064440" cy="1255320"/>
+            <a:ext cx="9064080" cy="1254960"/>
           </a:xfrm>
           <a:prstGeom prst="rect">
             <a:avLst/>
@@ -27378,7 +27378,7 @@
         <p:spPr>
           <a:xfrm>
             <a:off x="1080000" y="1224000"/>
-            <a:ext cx="10942200" cy="5325840"/>
+            <a:ext cx="10941840" cy="5325480"/>
           </a:xfrm>
           <a:prstGeom prst="rect">
             <a:avLst/>
@@ -27676,7 +27676,7 @@
         <p:spPr>
           <a:xfrm>
             <a:off x="1561680" y="0"/>
-            <a:ext cx="9064440" cy="1255320"/>
+            <a:ext cx="9064080" cy="1254960"/>
           </a:xfrm>
           <a:prstGeom prst="rect">
             <a:avLst/>
@@ -27725,7 +27725,7 @@
         <p:spPr>
           <a:xfrm>
             <a:off x="1137960" y="1050840"/>
-            <a:ext cx="10942200" cy="5325840"/>
+            <a:ext cx="10941840" cy="5325480"/>
           </a:xfrm>
           <a:prstGeom prst="rect">
             <a:avLst/>
@@ -28053,7 +28053,7 @@
         <p:spPr>
           <a:xfrm>
             <a:off x="1561680" y="0"/>
-            <a:ext cx="9064440" cy="1255320"/>
+            <a:ext cx="9064080" cy="1254960"/>
           </a:xfrm>
           <a:prstGeom prst="rect">
             <a:avLst/>
@@ -28102,7 +28102,7 @@
         <p:spPr>
           <a:xfrm>
             <a:off x="720000" y="1728000"/>
-            <a:ext cx="9862560" cy="4338720"/>
+            <a:ext cx="9862200" cy="4338360"/>
           </a:xfrm>
           <a:prstGeom prst="rect">
             <a:avLst/>
@@ -28391,7 +28391,7 @@
         <p:spPr>
           <a:xfrm>
             <a:off x="1561680" y="0"/>
-            <a:ext cx="9064440" cy="1255320"/>
+            <a:ext cx="9064080" cy="1254960"/>
           </a:xfrm>
           <a:prstGeom prst="rect">
             <a:avLst/>
@@ -28440,7 +28440,7 @@
         <p:spPr>
           <a:xfrm>
             <a:off x="720000" y="1728000"/>
-            <a:ext cx="9862560" cy="4622040"/>
+            <a:ext cx="9862200" cy="4621680"/>
           </a:xfrm>
           <a:prstGeom prst="rect">
             <a:avLst/>
@@ -28740,7 +28740,7 @@
         <p:spPr>
           <a:xfrm>
             <a:off x="1561680" y="0"/>
-            <a:ext cx="9064440" cy="1255320"/>
+            <a:ext cx="9064080" cy="1254960"/>
           </a:xfrm>
           <a:prstGeom prst="rect">
             <a:avLst/>
@@ -28789,7 +28789,7 @@
         <p:spPr>
           <a:xfrm>
             <a:off x="864000" y="1655640"/>
-            <a:ext cx="5254560" cy="4750920"/>
+            <a:ext cx="5254200" cy="4750560"/>
           </a:xfrm>
           <a:prstGeom prst="rect">
             <a:avLst/>
@@ -29010,7 +29010,7 @@
         <p:spPr>
           <a:xfrm>
             <a:off x="6264000" y="1368000"/>
-            <a:ext cx="5470560" cy="5464080"/>
+            <a:ext cx="5470200" cy="5463720"/>
           </a:xfrm>
           <a:prstGeom prst="rect">
             <a:avLst/>
@@ -29313,7 +29313,7 @@
         <p:spPr>
           <a:xfrm>
             <a:off x="1561680" y="0"/>
-            <a:ext cx="9064440" cy="1255320"/>
+            <a:ext cx="9064080" cy="1254960"/>
           </a:xfrm>
           <a:prstGeom prst="rect">
             <a:avLst/>
@@ -29362,7 +29362,7 @@
         <p:spPr>
           <a:xfrm>
             <a:off x="2952000" y="1944000"/>
-            <a:ext cx="6708960" cy="5325840"/>
+            <a:ext cx="6708600" cy="5325480"/>
           </a:xfrm>
           <a:prstGeom prst="rect">
             <a:avLst/>
@@ -29620,7 +29620,7 @@
         <p:spPr>
           <a:xfrm>
             <a:off x="1561680" y="0"/>
-            <a:ext cx="9064440" cy="1255320"/>
+            <a:ext cx="9064080" cy="1254960"/>
           </a:xfrm>
           <a:prstGeom prst="rect">
             <a:avLst/>
@@ -29669,7 +29669,7 @@
         <p:spPr>
           <a:xfrm>
             <a:off x="936000" y="1369080"/>
-            <a:ext cx="6118920" cy="5325840"/>
+            <a:ext cx="6118560" cy="5325480"/>
           </a:xfrm>
           <a:prstGeom prst="rect">
             <a:avLst/>
@@ -29978,7 +29978,7 @@
         <p:spPr>
           <a:xfrm>
             <a:off x="138240" y="6192000"/>
-            <a:ext cx="1372680" cy="443880"/>
+            <a:ext cx="1372320" cy="443520"/>
           </a:xfrm>
           <a:prstGeom prst="rect">
             <a:avLst/>
@@ -30034,7 +30034,7 @@
         <p:spPr>
           <a:xfrm>
             <a:off x="2376000" y="6192000"/>
-            <a:ext cx="1654920" cy="443880"/>
+            <a:ext cx="1654560" cy="443520"/>
           </a:xfrm>
           <a:prstGeom prst="rect">
             <a:avLst/>
@@ -30090,7 +30090,7 @@
         <p:spPr>
           <a:xfrm>
             <a:off x="4968000" y="6179040"/>
-            <a:ext cx="1654920" cy="443880"/>
+            <a:ext cx="1654560" cy="443520"/>
           </a:xfrm>
           <a:prstGeom prst="rect">
             <a:avLst/>
@@ -30146,7 +30146,7 @@
         <p:spPr>
           <a:xfrm>
             <a:off x="7488000" y="6192000"/>
-            <a:ext cx="1654920" cy="443880"/>
+            <a:ext cx="1654560" cy="443520"/>
           </a:xfrm>
           <a:prstGeom prst="rect">
             <a:avLst/>
@@ -30202,7 +30202,7 @@
         <p:spPr>
           <a:xfrm>
             <a:off x="10080000" y="6194160"/>
-            <a:ext cx="1654920" cy="443880"/>
+            <a:ext cx="1654560" cy="443520"/>
           </a:xfrm>
           <a:prstGeom prst="rect">
             <a:avLst/>
@@ -30370,7 +30370,7 @@
         <p:spPr>
           <a:xfrm>
             <a:off x="7167960" y="1512000"/>
-            <a:ext cx="5214960" cy="4390920"/>
+            <a:ext cx="5214600" cy="4390560"/>
           </a:xfrm>
           <a:prstGeom prst="rect">
             <a:avLst/>
@@ -30794,7 +30794,7 @@
         <p:spPr>
           <a:xfrm>
             <a:off x="1561680" y="0"/>
-            <a:ext cx="9064440" cy="1255320"/>
+            <a:ext cx="9064080" cy="1254960"/>
           </a:xfrm>
           <a:prstGeom prst="rect">
             <a:avLst/>
@@ -30843,7 +30843,7 @@
         <p:spPr>
           <a:xfrm>
             <a:off x="936000" y="1369080"/>
-            <a:ext cx="6118920" cy="5325840"/>
+            <a:ext cx="6118560" cy="5325480"/>
           </a:xfrm>
           <a:prstGeom prst="rect">
             <a:avLst/>
@@ -31192,7 +31192,7 @@
         <p:spPr>
           <a:xfrm>
             <a:off x="6879960" y="2376000"/>
-            <a:ext cx="5214960" cy="3382920"/>
+            <a:ext cx="5214600" cy="3382560"/>
           </a:xfrm>
           <a:prstGeom prst="rect">
             <a:avLst/>
@@ -31405,7 +31405,7 @@
         <p:spPr>
           <a:xfrm>
             <a:off x="1561680" y="0"/>
-            <a:ext cx="9064440" cy="1255320"/>
+            <a:ext cx="9064080" cy="1254960"/>
           </a:xfrm>
           <a:prstGeom prst="rect">
             <a:avLst/>
@@ -31454,7 +31454,7 @@
         <p:spPr>
           <a:xfrm>
             <a:off x="1008000" y="1872000"/>
-            <a:ext cx="5326920" cy="5325840"/>
+            <a:ext cx="5326560" cy="5325480"/>
           </a:xfrm>
           <a:prstGeom prst="rect">
             <a:avLst/>
@@ -31663,7 +31663,7 @@
         <p:spPr>
           <a:xfrm>
             <a:off x="6480000" y="1980720"/>
-            <a:ext cx="5614920" cy="3850200"/>
+            <a:ext cx="5614560" cy="3849840"/>
           </a:xfrm>
           <a:prstGeom prst="rect">
             <a:avLst/>
@@ -32013,7 +32013,7 @@
         <p:spPr>
           <a:xfrm>
             <a:off x="1561680" y="0"/>
-            <a:ext cx="9064440" cy="1255320"/>
+            <a:ext cx="9064080" cy="1254960"/>
           </a:xfrm>
           <a:prstGeom prst="rect">
             <a:avLst/>
@@ -32062,7 +32062,7 @@
         <p:spPr>
           <a:xfrm>
             <a:off x="861480" y="1728360"/>
-            <a:ext cx="5396760" cy="4962240"/>
+            <a:ext cx="5396400" cy="4961880"/>
           </a:xfrm>
           <a:prstGeom prst="rect">
             <a:avLst/>
@@ -32110,8 +32110,8 @@
         </p:nvSpPr>
         <p:spPr>
           <a:xfrm rot="21553200">
-            <a:off x="2466000" y="2634480"/>
-            <a:ext cx="1580760" cy="2670840"/>
+            <a:off x="2466000" y="2634120"/>
+            <a:ext cx="1580400" cy="2670480"/>
           </a:xfrm>
           <a:prstGeom prst="rect">
             <a:avLst/>
@@ -32213,8 +32213,8 @@
         </p:nvSpPr>
         <p:spPr>
           <a:xfrm rot="21553200">
-            <a:off x="5418000" y="2634480"/>
-            <a:ext cx="1580760" cy="2670840"/>
+            <a:off x="5418000" y="2634120"/>
+            <a:ext cx="1580400" cy="2670480"/>
           </a:xfrm>
           <a:prstGeom prst="rect">
             <a:avLst/>
@@ -32385,7 +32385,7 @@
         <p:spPr>
           <a:xfrm>
             <a:off x="8354160" y="1728000"/>
-            <a:ext cx="1722600" cy="1218600"/>
+            <a:ext cx="1722240" cy="1218240"/>
           </a:xfrm>
           <a:prstGeom prst="rect">
             <a:avLst/>
@@ -32488,7 +32488,7 @@
         <p:spPr>
           <a:xfrm>
             <a:off x="8282160" y="4895640"/>
-            <a:ext cx="1722600" cy="1218600"/>
+            <a:ext cx="1722240" cy="1218240"/>
           </a:xfrm>
           <a:prstGeom prst="rect">
             <a:avLst/>
@@ -32591,7 +32591,7 @@
         <p:spPr>
           <a:xfrm>
             <a:off x="4320000" y="3383640"/>
-            <a:ext cx="1074600" cy="340920"/>
+            <a:ext cx="1074240" cy="340560"/>
           </a:xfrm>
           <a:prstGeom prst="rect">
             <a:avLst/>
@@ -32696,7 +32696,7 @@
         <p:spPr>
           <a:xfrm>
             <a:off x="7058160" y="3685320"/>
-            <a:ext cx="1074600" cy="596880"/>
+            <a:ext cx="1074240" cy="596520"/>
           </a:xfrm>
           <a:prstGeom prst="rect">
             <a:avLst/>
@@ -32804,7 +32804,7 @@
         <p:spPr>
           <a:xfrm>
             <a:off x="1561680" y="720"/>
-            <a:ext cx="9064440" cy="1255320"/>
+            <a:ext cx="9064080" cy="1254960"/>
           </a:xfrm>
           <a:prstGeom prst="rect">
             <a:avLst/>
@@ -35042,7 +35042,7 @@
         <p:spPr>
           <a:xfrm>
             <a:off x="1561680" y="0"/>
-            <a:ext cx="9064440" cy="1255320"/>
+            <a:ext cx="9064080" cy="1254960"/>
           </a:xfrm>
           <a:prstGeom prst="rect">
             <a:avLst/>
@@ -35091,7 +35091,7 @@
         <p:spPr>
           <a:xfrm>
             <a:off x="1998720" y="863640"/>
-            <a:ext cx="8416800" cy="4654080"/>
+            <a:ext cx="8416440" cy="4653720"/>
           </a:xfrm>
           <a:prstGeom prst="rect">
             <a:avLst/>
@@ -35417,7 +35417,7 @@
         <p:spPr>
           <a:xfrm>
             <a:off x="1561680" y="0"/>
-            <a:ext cx="9064440" cy="1255320"/>
+            <a:ext cx="9064080" cy="1254960"/>
           </a:xfrm>
           <a:prstGeom prst="rect">
             <a:avLst/>
@@ -35466,7 +35466,7 @@
         <p:spPr>
           <a:xfrm>
             <a:off x="1633320" y="1087560"/>
-            <a:ext cx="8920800" cy="6356160"/>
+            <a:ext cx="8920440" cy="6355800"/>
           </a:xfrm>
           <a:prstGeom prst="rect">
             <a:avLst/>
@@ -35844,7 +35844,7 @@
         <p:spPr>
           <a:xfrm>
             <a:off x="1561680" y="360"/>
-            <a:ext cx="9064440" cy="1255320"/>
+            <a:ext cx="9064080" cy="1254960"/>
           </a:xfrm>
           <a:prstGeom prst="rect">
             <a:avLst/>
@@ -36276,7 +36276,7 @@
                           <a:latin typeface="Arial"/>
                           <a:ea typeface="DejaVu Sans"/>
                         </a:rPr>
-                        <a:t>||,&amp;&amp;,|,&amp;,^!</a:t>
+                        <a:t>||,&amp;&amp;,|,&amp;,^,!</a:t>
                       </a:r>
                       <a:endParaRPr b="0" lang="pl-PL" sz="2600" spc="-1" strike="noStrike">
                         <a:latin typeface="Arial"/>

--- a/WprowadzenieDoJezykaJAVA_v2_PiotrKrajnik.pptx
+++ b/WprowadzenieDoJezykaJAVA_v2_PiotrKrajnik.pptx
@@ -2761,7 +2761,7 @@
         <p:spPr>
           <a:xfrm rot="5400000">
             <a:off x="0" y="0"/>
-            <a:ext cx="2494800" cy="2494800"/>
+            <a:ext cx="2494440" cy="2494440"/>
           </a:xfrm>
           <a:prstGeom prst="rtTriangle">
             <a:avLst/>
@@ -2801,7 +2801,7 @@
         <p:spPr>
           <a:xfrm>
             <a:off x="0" y="0"/>
-            <a:ext cx="2747880" cy="1291680"/>
+            <a:ext cx="2747520" cy="1291320"/>
           </a:xfrm>
           <a:prstGeom prst="rect">
             <a:avLst/>
@@ -3081,7 +3081,7 @@
         <p:spPr>
           <a:xfrm rot="5400000">
             <a:off x="0" y="0"/>
-            <a:ext cx="2494800" cy="2494800"/>
+            <a:ext cx="2494440" cy="2494440"/>
           </a:xfrm>
           <a:prstGeom prst="rtTriangle">
             <a:avLst/>
@@ -3121,7 +3121,7 @@
         <p:spPr>
           <a:xfrm>
             <a:off x="0" y="0"/>
-            <a:ext cx="2747880" cy="1291680"/>
+            <a:ext cx="2747520" cy="1291320"/>
           </a:xfrm>
           <a:prstGeom prst="rect">
             <a:avLst/>
@@ -3391,7 +3391,7 @@
         <p:spPr>
           <a:xfrm>
             <a:off x="1561680" y="1905480"/>
-            <a:ext cx="9064080" cy="1254960"/>
+            <a:ext cx="9063720" cy="1254600"/>
           </a:xfrm>
           <a:prstGeom prst="rect">
             <a:avLst/>
@@ -3440,7 +3440,7 @@
         <p:spPr>
           <a:xfrm>
             <a:off x="1561680" y="3456000"/>
-            <a:ext cx="9064080" cy="2689560"/>
+            <a:ext cx="9063720" cy="2689200"/>
           </a:xfrm>
           <a:prstGeom prst="rect">
             <a:avLst/>
@@ -3548,7 +3548,7 @@
         <p:spPr>
           <a:xfrm>
             <a:off x="1561680" y="0"/>
-            <a:ext cx="9064080" cy="1254960"/>
+            <a:ext cx="9063720" cy="1254600"/>
           </a:xfrm>
           <a:prstGeom prst="rect">
             <a:avLst/>
@@ -3597,7 +3597,7 @@
         <p:spPr>
           <a:xfrm>
             <a:off x="1584000" y="1175040"/>
-            <a:ext cx="3236040" cy="5637240"/>
+            <a:ext cx="3235680" cy="5636880"/>
           </a:xfrm>
           <a:prstGeom prst="rect">
             <a:avLst/>
@@ -3956,7 +3956,7 @@
         <p:spPr>
           <a:xfrm>
             <a:off x="5324040" y="1262520"/>
-            <a:ext cx="5396400" cy="693000"/>
+            <a:ext cx="5396040" cy="692640"/>
           </a:xfrm>
           <a:prstGeom prst="rect">
             <a:avLst/>
@@ -4005,7 +4005,7 @@
         <p:spPr>
           <a:xfrm>
             <a:off x="5215680" y="3780000"/>
-            <a:ext cx="5396400" cy="1912680"/>
+            <a:ext cx="5396040" cy="1912320"/>
           </a:xfrm>
           <a:prstGeom prst="rect">
             <a:avLst/>
@@ -4123,7 +4123,7 @@
         <p:spPr>
           <a:xfrm>
             <a:off x="1561680" y="0"/>
-            <a:ext cx="9064080" cy="1254960"/>
+            <a:ext cx="9063720" cy="1254600"/>
           </a:xfrm>
           <a:prstGeom prst="rect">
             <a:avLst/>
@@ -4172,7 +4172,7 @@
         <p:spPr>
           <a:xfrm>
             <a:off x="1440000" y="1152000"/>
-            <a:ext cx="3236040" cy="5637240"/>
+            <a:ext cx="3235680" cy="5636880"/>
           </a:xfrm>
           <a:prstGeom prst="rect">
             <a:avLst/>
@@ -4631,7 +4631,7 @@
         <p:spPr>
           <a:xfrm>
             <a:off x="5180040" y="1239480"/>
-            <a:ext cx="5396400" cy="4961880"/>
+            <a:ext cx="5396040" cy="4961520"/>
           </a:xfrm>
           <a:prstGeom prst="rect">
             <a:avLst/>
@@ -4819,7 +4819,7 @@
         <p:spPr>
           <a:xfrm>
             <a:off x="1561680" y="15480"/>
-            <a:ext cx="9064080" cy="1254960"/>
+            <a:ext cx="9063720" cy="1254600"/>
           </a:xfrm>
           <a:prstGeom prst="rect">
             <a:avLst/>
@@ -4868,7 +4868,7 @@
         <p:spPr>
           <a:xfrm>
             <a:off x="1924920" y="1275840"/>
-            <a:ext cx="3236040" cy="2398680"/>
+            <a:ext cx="3235680" cy="2398320"/>
           </a:xfrm>
           <a:prstGeom prst="rect">
             <a:avLst/>
@@ -5067,7 +5067,7 @@
         <p:spPr>
           <a:xfrm>
             <a:off x="1924920" y="4079160"/>
-            <a:ext cx="3513240" cy="2398680"/>
+            <a:ext cx="3512880" cy="2398320"/>
           </a:xfrm>
           <a:prstGeom prst="rect">
             <a:avLst/>
@@ -5266,7 +5266,7 @@
         <p:spPr>
           <a:xfrm>
             <a:off x="7087320" y="1275840"/>
-            <a:ext cx="3236040" cy="2398680"/>
+            <a:ext cx="3235680" cy="2398320"/>
           </a:xfrm>
           <a:prstGeom prst="rect">
             <a:avLst/>
@@ -5465,7 +5465,7 @@
         <p:spPr>
           <a:xfrm>
             <a:off x="7087320" y="4079160"/>
-            <a:ext cx="3236040" cy="2398680"/>
+            <a:ext cx="3235680" cy="2398320"/>
           </a:xfrm>
           <a:prstGeom prst="rect">
             <a:avLst/>
@@ -5713,7 +5713,7 @@
         <p:spPr>
           <a:xfrm>
             <a:off x="1561680" y="-75600"/>
-            <a:ext cx="9064080" cy="1254960"/>
+            <a:ext cx="9063720" cy="1254600"/>
           </a:xfrm>
           <a:prstGeom prst="rect">
             <a:avLst/>
@@ -5762,7 +5762,7 @@
         <p:spPr>
           <a:xfrm>
             <a:off x="1001160" y="1286280"/>
-            <a:ext cx="5221800" cy="6485760"/>
+            <a:ext cx="5221440" cy="6485400"/>
           </a:xfrm>
           <a:prstGeom prst="rect">
             <a:avLst/>
@@ -5981,7 +5981,7 @@
         <p:spPr>
           <a:xfrm>
             <a:off x="6531120" y="1286280"/>
-            <a:ext cx="4297680" cy="5571720"/>
+            <a:ext cx="4297320" cy="5571360"/>
           </a:xfrm>
           <a:prstGeom prst="rect">
             <a:avLst/>
@@ -6369,7 +6369,7 @@
         <p:spPr>
           <a:xfrm>
             <a:off x="1561680" y="0"/>
-            <a:ext cx="9064080" cy="1254960"/>
+            <a:ext cx="9063720" cy="1254600"/>
           </a:xfrm>
           <a:prstGeom prst="rect">
             <a:avLst/>
@@ -6418,7 +6418,7 @@
         <p:spPr>
           <a:xfrm>
             <a:off x="1800000" y="1086120"/>
-            <a:ext cx="5221800" cy="3742200"/>
+            <a:ext cx="5221440" cy="3741840"/>
           </a:xfrm>
           <a:prstGeom prst="rect">
             <a:avLst/>
@@ -6557,7 +6557,7 @@
         <p:spPr>
           <a:xfrm>
             <a:off x="7486560" y="1086120"/>
-            <a:ext cx="3326040" cy="5843880"/>
+            <a:ext cx="3325680" cy="5843520"/>
           </a:xfrm>
           <a:prstGeom prst="rect">
             <a:avLst/>
@@ -7070,7 +7070,7 @@
         <p:spPr>
           <a:xfrm>
             <a:off x="2639880" y="4608000"/>
-            <a:ext cx="1427760" cy="1427760"/>
+            <a:ext cx="1427400" cy="1427400"/>
           </a:xfrm>
           <a:prstGeom prst="rect">
             <a:avLst/>
@@ -7093,7 +7093,7 @@
         <p:spPr>
           <a:xfrm>
             <a:off x="5157360" y="5808240"/>
-            <a:ext cx="1427760" cy="1427760"/>
+            <a:ext cx="1427400" cy="1427400"/>
           </a:xfrm>
           <a:prstGeom prst="rect">
             <a:avLst/>
@@ -7112,7 +7112,7 @@
         <p:spPr>
           <a:xfrm>
             <a:off x="2560680" y="5608800"/>
-            <a:ext cx="2042640" cy="1180440"/>
+            <a:ext cx="2042280" cy="1180080"/>
           </a:xfrm>
           <a:prstGeom prst="rect">
             <a:avLst/>
@@ -7221,7 +7221,7 @@
         <p:spPr>
           <a:xfrm>
             <a:off x="4876560" y="4968000"/>
-            <a:ext cx="2142720" cy="1180440"/>
+            <a:ext cx="2142360" cy="1180080"/>
           </a:xfrm>
           <a:prstGeom prst="rect">
             <a:avLst/>
@@ -7379,7 +7379,7 @@
         <p:spPr>
           <a:xfrm>
             <a:off x="1561680" y="0"/>
-            <a:ext cx="9064080" cy="1254960"/>
+            <a:ext cx="9063720" cy="1254600"/>
           </a:xfrm>
           <a:prstGeom prst="rect">
             <a:avLst/>
@@ -7428,7 +7428,7 @@
         <p:spPr>
           <a:xfrm>
             <a:off x="6078240" y="936000"/>
-            <a:ext cx="3326040" cy="5843880"/>
+            <a:ext cx="3325680" cy="5843520"/>
           </a:xfrm>
           <a:prstGeom prst="rect">
             <a:avLst/>
@@ -7937,7 +7937,7 @@
         <p:spPr>
           <a:xfrm>
             <a:off x="4032000" y="936000"/>
-            <a:ext cx="1992600" cy="357480"/>
+            <a:ext cx="1992240" cy="357120"/>
           </a:xfrm>
           <a:prstGeom prst="rect">
             <a:avLst/>
@@ -7986,7 +7986,7 @@
         <p:spPr>
           <a:xfrm>
             <a:off x="4608000" y="1593360"/>
-            <a:ext cx="1306800" cy="357480"/>
+            <a:ext cx="1306440" cy="357120"/>
           </a:xfrm>
           <a:prstGeom prst="rect">
             <a:avLst/>
@@ -8035,7 +8035,7 @@
         <p:spPr>
           <a:xfrm>
             <a:off x="4266000" y="2958480"/>
-            <a:ext cx="1992600" cy="357480"/>
+            <a:ext cx="1992240" cy="357120"/>
           </a:xfrm>
           <a:prstGeom prst="rect">
             <a:avLst/>
@@ -8133,7 +8133,7 @@
         <p:spPr>
           <a:xfrm>
             <a:off x="1561680" y="0"/>
-            <a:ext cx="9064080" cy="1254960"/>
+            <a:ext cx="9063720" cy="1254600"/>
           </a:xfrm>
           <a:prstGeom prst="rect">
             <a:avLst/>
@@ -8182,7 +8182,7 @@
         <p:spPr>
           <a:xfrm>
             <a:off x="1656000" y="1440000"/>
-            <a:ext cx="5221800" cy="4352040"/>
+            <a:ext cx="5221440" cy="4351680"/>
           </a:xfrm>
           <a:prstGeom prst="rect">
             <a:avLst/>
@@ -8311,7 +8311,7 @@
         <p:spPr>
           <a:xfrm>
             <a:off x="7650720" y="2049840"/>
-            <a:ext cx="3326040" cy="2552040"/>
+            <a:ext cx="3325680" cy="2551680"/>
           </a:xfrm>
           <a:prstGeom prst="rect">
             <a:avLst/>
@@ -8579,7 +8579,7 @@
         <p:spPr>
           <a:xfrm>
             <a:off x="1561680" y="0"/>
-            <a:ext cx="9064080" cy="1254960"/>
+            <a:ext cx="9063720" cy="1254600"/>
           </a:xfrm>
           <a:prstGeom prst="rect">
             <a:avLst/>
@@ -8628,7 +8628,7 @@
         <p:spPr>
           <a:xfrm>
             <a:off x="1699920" y="936000"/>
-            <a:ext cx="5221800" cy="6838560"/>
+            <a:ext cx="5221440" cy="6838200"/>
           </a:xfrm>
           <a:prstGeom prst="rect">
             <a:avLst/>
@@ -8887,7 +8887,7 @@
         <p:spPr>
           <a:xfrm>
             <a:off x="7536600" y="1512000"/>
-            <a:ext cx="4482720" cy="4193640"/>
+            <a:ext cx="4482360" cy="4193280"/>
           </a:xfrm>
           <a:prstGeom prst="rect">
             <a:avLst/>
@@ -9485,7 +9485,7 @@
         <p:spPr>
           <a:xfrm>
             <a:off x="1561680" y="0"/>
-            <a:ext cx="9064080" cy="1254960"/>
+            <a:ext cx="9063720" cy="1254600"/>
           </a:xfrm>
           <a:prstGeom prst="rect">
             <a:avLst/>
@@ -9534,7 +9534,7 @@
         <p:spPr>
           <a:xfrm>
             <a:off x="1296000" y="1259640"/>
-            <a:ext cx="4065120" cy="6180840"/>
+            <a:ext cx="4064760" cy="6180480"/>
           </a:xfrm>
           <a:prstGeom prst="rect">
             <a:avLst/>
@@ -9692,8 +9692,8 @@
         </p:nvSpPr>
         <p:spPr>
           <a:xfrm rot="9000">
-            <a:off x="6047280" y="1413000"/>
-            <a:ext cx="5680800" cy="3098880"/>
+            <a:off x="6046920" y="1412640"/>
+            <a:ext cx="5680440" cy="3098520"/>
           </a:xfrm>
           <a:prstGeom prst="rect">
             <a:avLst/>
@@ -9921,8 +9921,8 @@
         </p:nvSpPr>
         <p:spPr>
           <a:xfrm rot="9000">
-            <a:off x="6187680" y="4898520"/>
-            <a:ext cx="5680800" cy="1423800"/>
+            <a:off x="6187320" y="4898160"/>
+            <a:ext cx="5680440" cy="1423440"/>
           </a:xfrm>
           <a:prstGeom prst="rect">
             <a:avLst/>
@@ -10120,7 +10120,7 @@
         <p:spPr>
           <a:xfrm>
             <a:off x="1561680" y="0"/>
-            <a:ext cx="9064080" cy="1254960"/>
+            <a:ext cx="9063720" cy="1254600"/>
           </a:xfrm>
           <a:prstGeom prst="rect">
             <a:avLst/>
@@ -10169,7 +10169,7 @@
         <p:spPr>
           <a:xfrm>
             <a:off x="1618560" y="1194480"/>
-            <a:ext cx="6368760" cy="6666120"/>
+            <a:ext cx="6368400" cy="6665760"/>
           </a:xfrm>
           <a:prstGeom prst="rect">
             <a:avLst/>
@@ -10448,7 +10448,7 @@
         <p:spPr>
           <a:xfrm>
             <a:off x="8832600" y="1259640"/>
-            <a:ext cx="3834720" cy="5319720"/>
+            <a:ext cx="3834360" cy="5319360"/>
           </a:xfrm>
           <a:prstGeom prst="rect">
             <a:avLst/>
@@ -11184,7 +11184,7 @@
         <p:spPr>
           <a:xfrm>
             <a:off x="1561680" y="0"/>
-            <a:ext cx="9064080" cy="1254960"/>
+            <a:ext cx="9063720" cy="1254600"/>
           </a:xfrm>
           <a:prstGeom prst="rect">
             <a:avLst/>
@@ -11233,7 +11233,7 @@
         <p:spPr>
           <a:xfrm>
             <a:off x="1668600" y="1584000"/>
-            <a:ext cx="8850240" cy="4961880"/>
+            <a:ext cx="8849880" cy="4961520"/>
           </a:xfrm>
           <a:prstGeom prst="rect">
             <a:avLst/>
@@ -11471,7 +11471,7 @@
         <p:spPr>
           <a:xfrm>
             <a:off x="1561680" y="0"/>
-            <a:ext cx="9064080" cy="1254960"/>
+            <a:ext cx="9063720" cy="1254600"/>
           </a:xfrm>
           <a:prstGeom prst="rect">
             <a:avLst/>
@@ -11520,7 +11520,7 @@
         <p:spPr>
           <a:xfrm>
             <a:off x="1472760" y="1082880"/>
-            <a:ext cx="5289120" cy="6112440"/>
+            <a:ext cx="5288760" cy="6112080"/>
           </a:xfrm>
           <a:prstGeom prst="rect">
             <a:avLst/>
@@ -11809,7 +11809,7 @@
         <p:spPr>
           <a:xfrm>
             <a:off x="7176600" y="1193040"/>
-            <a:ext cx="3834720" cy="5319720"/>
+            <a:ext cx="3834360" cy="5319360"/>
           </a:xfrm>
           <a:prstGeom prst="rect">
             <a:avLst/>
@@ -12407,7 +12407,7 @@
         <p:spPr>
           <a:xfrm>
             <a:off x="1561680" y="27720"/>
-            <a:ext cx="9064080" cy="1254960"/>
+            <a:ext cx="9063720" cy="1254600"/>
           </a:xfrm>
           <a:prstGeom prst="rect">
             <a:avLst/>
@@ -12456,7 +12456,7 @@
         <p:spPr>
           <a:xfrm>
             <a:off x="1440000" y="1080000"/>
-            <a:ext cx="5729400" cy="5987880"/>
+            <a:ext cx="5729040" cy="5987520"/>
           </a:xfrm>
           <a:prstGeom prst="rect">
             <a:avLst/>
@@ -12715,7 +12715,7 @@
         <p:spPr>
           <a:xfrm>
             <a:off x="7536600" y="1856520"/>
-            <a:ext cx="3834720" cy="5211360"/>
+            <a:ext cx="3834360" cy="5211000"/>
           </a:xfrm>
           <a:prstGeom prst="rect">
             <a:avLst/>
@@ -13053,7 +13053,7 @@
         <p:spPr>
           <a:xfrm>
             <a:off x="1561680" y="0"/>
-            <a:ext cx="9064080" cy="1254960"/>
+            <a:ext cx="9063720" cy="1254600"/>
           </a:xfrm>
           <a:prstGeom prst="rect">
             <a:avLst/>
@@ -13102,7 +13102,7 @@
         <p:spPr>
           <a:xfrm>
             <a:off x="1224000" y="1010880"/>
-            <a:ext cx="5626800" cy="6112440"/>
+            <a:ext cx="5626440" cy="6112080"/>
           </a:xfrm>
           <a:prstGeom prst="rect">
             <a:avLst/>
@@ -13391,7 +13391,7 @@
         <p:spPr>
           <a:xfrm>
             <a:off x="7416000" y="1155600"/>
-            <a:ext cx="4406040" cy="5319720"/>
+            <a:ext cx="4405680" cy="5319360"/>
           </a:xfrm>
           <a:prstGeom prst="rect">
             <a:avLst/>
@@ -13869,7 +13869,7 @@
         <p:spPr>
           <a:xfrm>
             <a:off x="1561680" y="0"/>
-            <a:ext cx="9064080" cy="1254960"/>
+            <a:ext cx="9063720" cy="1254600"/>
           </a:xfrm>
           <a:prstGeom prst="rect">
             <a:avLst/>
@@ -13918,7 +13918,7 @@
         <p:spPr>
           <a:xfrm>
             <a:off x="1561680" y="1010880"/>
-            <a:ext cx="4065840" cy="6112440"/>
+            <a:ext cx="4065480" cy="6112080"/>
           </a:xfrm>
           <a:prstGeom prst="rect">
             <a:avLst/>
@@ -14107,7 +14107,7 @@
         <p:spPr>
           <a:xfrm>
             <a:off x="8256600" y="1152000"/>
-            <a:ext cx="3834720" cy="2729520"/>
+            <a:ext cx="3834360" cy="2729160"/>
           </a:xfrm>
           <a:prstGeom prst="rect">
             <a:avLst/>
@@ -14296,7 +14296,7 @@
         <p:spPr>
           <a:xfrm>
             <a:off x="5736600" y="2665800"/>
-            <a:ext cx="3834720" cy="2729520"/>
+            <a:ext cx="3834360" cy="2729160"/>
           </a:xfrm>
           <a:prstGeom prst="rect">
             <a:avLst/>
@@ -14904,7 +14904,7 @@
         <p:spPr>
           <a:xfrm>
             <a:off x="1561680" y="0"/>
-            <a:ext cx="9064080" cy="1254960"/>
+            <a:ext cx="9063720" cy="1254600"/>
           </a:xfrm>
           <a:prstGeom prst="rect">
             <a:avLst/>
@@ -14953,7 +14953,7 @@
         <p:spPr>
           <a:xfrm>
             <a:off x="1512000" y="1008000"/>
-            <a:ext cx="5323320" cy="6112440"/>
+            <a:ext cx="5322960" cy="6112080"/>
           </a:xfrm>
           <a:prstGeom prst="rect">
             <a:avLst/>
@@ -15132,7 +15132,7 @@
         <p:spPr>
           <a:xfrm>
             <a:off x="7344000" y="1259640"/>
-            <a:ext cx="4698720" cy="5319720"/>
+            <a:ext cx="4698360" cy="5319360"/>
           </a:xfrm>
           <a:prstGeom prst="rect">
             <a:avLst/>
@@ -15520,7 +15520,7 @@
         <p:spPr>
           <a:xfrm>
             <a:off x="1561680" y="0"/>
-            <a:ext cx="9064080" cy="1254960"/>
+            <a:ext cx="9063720" cy="1254600"/>
           </a:xfrm>
           <a:prstGeom prst="rect">
             <a:avLst/>
@@ -15569,7 +15569,7 @@
         <p:spPr>
           <a:xfrm>
             <a:off x="936000" y="1560960"/>
-            <a:ext cx="5505840" cy="6210360"/>
+            <a:ext cx="5505480" cy="6210000"/>
           </a:xfrm>
           <a:prstGeom prst="rect">
             <a:avLst/>
@@ -15838,7 +15838,7 @@
         <p:spPr>
           <a:xfrm>
             <a:off x="6984000" y="1443600"/>
-            <a:ext cx="4698720" cy="5319720"/>
+            <a:ext cx="4698360" cy="5319360"/>
           </a:xfrm>
           <a:prstGeom prst="rect">
             <a:avLst/>
@@ -16446,7 +16446,7 @@
         <p:spPr>
           <a:xfrm>
             <a:off x="1561680" y="0"/>
-            <a:ext cx="9064080" cy="1254960"/>
+            <a:ext cx="9063720" cy="1254600"/>
           </a:xfrm>
           <a:prstGeom prst="rect">
             <a:avLst/>
@@ -16495,7 +16495,7 @@
         <p:spPr>
           <a:xfrm>
             <a:off x="1440000" y="1152000"/>
-            <a:ext cx="5827320" cy="6112440"/>
+            <a:ext cx="5826960" cy="6112080"/>
           </a:xfrm>
           <a:prstGeom prst="rect">
             <a:avLst/>
@@ -16704,7 +16704,7 @@
         <p:spPr>
           <a:xfrm>
             <a:off x="7848000" y="1368000"/>
-            <a:ext cx="4241520" cy="4656240"/>
+            <a:ext cx="4241160" cy="4655880"/>
           </a:xfrm>
           <a:prstGeom prst="rect">
             <a:avLst/>
@@ -17102,7 +17102,7 @@
         <p:spPr>
           <a:xfrm>
             <a:off x="1561680" y="0"/>
-            <a:ext cx="9064080" cy="1254960"/>
+            <a:ext cx="9063720" cy="1254600"/>
           </a:xfrm>
           <a:prstGeom prst="rect">
             <a:avLst/>
@@ -17151,7 +17151,7 @@
         <p:spPr>
           <a:xfrm>
             <a:off x="1152000" y="1514880"/>
-            <a:ext cx="5467320" cy="6112440"/>
+            <a:ext cx="5466960" cy="6112080"/>
           </a:xfrm>
           <a:prstGeom prst="rect">
             <a:avLst/>
@@ -17360,7 +17360,7 @@
         <p:spPr>
           <a:xfrm>
             <a:off x="7560000" y="1387080"/>
-            <a:ext cx="4241520" cy="4656240"/>
+            <a:ext cx="4241160" cy="4655880"/>
           </a:xfrm>
           <a:prstGeom prst="rect">
             <a:avLst/>
@@ -17848,7 +17848,7 @@
         <p:spPr>
           <a:xfrm>
             <a:off x="1561680" y="0"/>
-            <a:ext cx="9064080" cy="1254960"/>
+            <a:ext cx="9063720" cy="1254600"/>
           </a:xfrm>
           <a:prstGeom prst="rect">
             <a:avLst/>
@@ -17897,7 +17897,7 @@
         <p:spPr>
           <a:xfrm>
             <a:off x="1545480" y="1080000"/>
-            <a:ext cx="5361840" cy="6112440"/>
+            <a:ext cx="5361480" cy="6112080"/>
           </a:xfrm>
           <a:prstGeom prst="rect">
             <a:avLst/>
@@ -18146,7 +18146,7 @@
         <p:spPr>
           <a:xfrm>
             <a:off x="7704000" y="1008000"/>
-            <a:ext cx="4241520" cy="4656240"/>
+            <a:ext cx="4241160" cy="4655880"/>
           </a:xfrm>
           <a:prstGeom prst="rect">
             <a:avLst/>
@@ -18904,7 +18904,7 @@
         <p:spPr>
           <a:xfrm>
             <a:off x="1561680" y="0"/>
-            <a:ext cx="9064080" cy="1254960"/>
+            <a:ext cx="9063720" cy="1254600"/>
           </a:xfrm>
           <a:prstGeom prst="rect">
             <a:avLst/>
@@ -18953,7 +18953,7 @@
         <p:spPr>
           <a:xfrm>
             <a:off x="1368000" y="1010880"/>
-            <a:ext cx="5539320" cy="6112440"/>
+            <a:ext cx="5538960" cy="6112080"/>
           </a:xfrm>
           <a:prstGeom prst="rect">
             <a:avLst/>
@@ -19182,7 +19182,7 @@
         <p:spPr>
           <a:xfrm>
             <a:off x="7848000" y="1148400"/>
-            <a:ext cx="3556440" cy="5704920"/>
+            <a:ext cx="3556080" cy="5704560"/>
           </a:xfrm>
           <a:prstGeom prst="rect">
             <a:avLst/>
@@ -19710,7 +19710,7 @@
         <p:spPr>
           <a:xfrm>
             <a:off x="1561680" y="0"/>
-            <a:ext cx="9064080" cy="1254960"/>
+            <a:ext cx="9063720" cy="1254600"/>
           </a:xfrm>
           <a:prstGeom prst="rect">
             <a:avLst/>
@@ -19759,7 +19759,7 @@
         <p:spPr>
           <a:xfrm>
             <a:off x="4337640" y="1440000"/>
-            <a:ext cx="3511800" cy="4961880"/>
+            <a:ext cx="3511440" cy="4961520"/>
           </a:xfrm>
           <a:prstGeom prst="rect">
             <a:avLst/>
@@ -20117,7 +20117,7 @@
         <p:spPr>
           <a:xfrm>
             <a:off x="1561680" y="0"/>
-            <a:ext cx="9064080" cy="1254960"/>
+            <a:ext cx="9063720" cy="1254600"/>
           </a:xfrm>
           <a:prstGeom prst="rect">
             <a:avLst/>
@@ -20166,7 +20166,7 @@
         <p:spPr>
           <a:xfrm>
             <a:off x="1368000" y="1010880"/>
-            <a:ext cx="5539320" cy="6112440"/>
+            <a:ext cx="5538960" cy="6112080"/>
           </a:xfrm>
           <a:prstGeom prst="rect">
             <a:avLst/>
@@ -20215,7 +20215,7 @@
             </a:endParaRPr>
           </a:p>
           <a:p>
-            <a:pPr marL="285840" indent="-282240">
+            <a:pPr marL="285840" indent="-281880">
               <a:lnSpc>
                 <a:spcPct val="100000"/>
               </a:lnSpc>
@@ -20240,7 +20240,7 @@
             </a:endParaRPr>
           </a:p>
           <a:p>
-            <a:pPr marL="285840" indent="-282240">
+            <a:pPr marL="285840" indent="-281880">
               <a:lnSpc>
                 <a:spcPct val="100000"/>
               </a:lnSpc>
@@ -20265,7 +20265,7 @@
             </a:endParaRPr>
           </a:p>
           <a:p>
-            <a:pPr marL="285840" indent="-282240">
+            <a:pPr marL="285840" indent="-281880">
               <a:lnSpc>
                 <a:spcPct val="100000"/>
               </a:lnSpc>
@@ -20500,7 +20500,7 @@
         <p:spPr>
           <a:xfrm>
             <a:off x="6910920" y="1538640"/>
-            <a:ext cx="5201280" cy="5745600"/>
+            <a:ext cx="5200920" cy="5745240"/>
           </a:xfrm>
           <a:prstGeom prst="rect">
             <a:avLst/>
@@ -20928,7 +20928,7 @@
         <p:spPr>
           <a:xfrm>
             <a:off x="1561680" y="0"/>
-            <a:ext cx="9064080" cy="1254960"/>
+            <a:ext cx="9063720" cy="1254600"/>
           </a:xfrm>
           <a:prstGeom prst="rect">
             <a:avLst/>
@@ -20977,7 +20977,7 @@
         <p:spPr>
           <a:xfrm>
             <a:off x="4396320" y="1170720"/>
-            <a:ext cx="2452320" cy="443520"/>
+            <a:ext cx="2451960" cy="443160"/>
           </a:xfrm>
           <a:prstGeom prst="rect">
             <a:avLst/>
@@ -21033,7 +21033,7 @@
         <p:spPr>
           <a:xfrm>
             <a:off x="741600" y="2052720"/>
-            <a:ext cx="2452320" cy="443520"/>
+            <a:ext cx="2451960" cy="443160"/>
           </a:xfrm>
           <a:prstGeom prst="rect">
             <a:avLst/>
@@ -21089,7 +21089,7 @@
         <p:spPr>
           <a:xfrm>
             <a:off x="7658280" y="2052720"/>
-            <a:ext cx="2452320" cy="443520"/>
+            <a:ext cx="2451960" cy="443160"/>
           </a:xfrm>
           <a:prstGeom prst="rect">
             <a:avLst/>
@@ -21145,7 +21145,7 @@
         <p:spPr>
           <a:xfrm>
             <a:off x="4680000" y="3096000"/>
-            <a:ext cx="2452320" cy="443520"/>
+            <a:ext cx="2451960" cy="443160"/>
           </a:xfrm>
           <a:prstGeom prst="rect">
             <a:avLst/>
@@ -21201,7 +21201,7 @@
         <p:spPr>
           <a:xfrm flipH="1">
             <a:off x="1965960" y="1394280"/>
-            <a:ext cx="2423160" cy="654840"/>
+            <a:ext cx="2422800" cy="654480"/>
           </a:xfrm>
           <a:custGeom>
             <a:avLst/>
@@ -21254,7 +21254,7 @@
         <p:spPr>
           <a:xfrm>
             <a:off x="6852240" y="1394280"/>
-            <a:ext cx="2030400" cy="654840"/>
+            <a:ext cx="2030040" cy="654480"/>
           </a:xfrm>
           <a:custGeom>
             <a:avLst/>
@@ -21307,7 +21307,7 @@
         <p:spPr>
           <a:xfrm flipH="1">
             <a:off x="5902560" y="2499840"/>
-            <a:ext cx="2976120" cy="595080"/>
+            <a:ext cx="2975760" cy="594720"/>
           </a:xfrm>
           <a:custGeom>
             <a:avLst/>
@@ -21360,7 +21360,7 @@
         <p:spPr>
           <a:xfrm>
             <a:off x="5151240" y="3978360"/>
-            <a:ext cx="2452320" cy="443520"/>
+            <a:ext cx="2451960" cy="443160"/>
           </a:xfrm>
           <a:prstGeom prst="rect">
             <a:avLst/>
@@ -21416,7 +21416,7 @@
         <p:spPr>
           <a:xfrm>
             <a:off x="5151240" y="4772520"/>
-            <a:ext cx="3343680" cy="443520"/>
+            <a:ext cx="3343320" cy="443160"/>
           </a:xfrm>
           <a:prstGeom prst="rect">
             <a:avLst/>
@@ -21503,7 +21503,7 @@
         <p:spPr>
           <a:xfrm>
             <a:off x="4849920" y="4201920"/>
-            <a:ext cx="297720" cy="360"/>
+            <a:ext cx="297360" cy="360"/>
           </a:xfrm>
           <a:custGeom>
             <a:avLst/>
@@ -21556,7 +21556,7 @@
         <p:spPr>
           <a:xfrm>
             <a:off x="4849920" y="4998960"/>
-            <a:ext cx="297720" cy="360"/>
+            <a:ext cx="297360" cy="360"/>
           </a:xfrm>
           <a:custGeom>
             <a:avLst/>
@@ -21609,7 +21609,7 @@
         <p:spPr>
           <a:xfrm>
             <a:off x="5151240" y="5493240"/>
-            <a:ext cx="2452320" cy="443520"/>
+            <a:ext cx="2451960" cy="443160"/>
           </a:xfrm>
           <a:prstGeom prst="rect">
             <a:avLst/>
@@ -21665,7 +21665,7 @@
         <p:spPr>
           <a:xfrm>
             <a:off x="4849920" y="5716800"/>
-            <a:ext cx="297720" cy="360"/>
+            <a:ext cx="297360" cy="360"/>
           </a:xfrm>
           <a:custGeom>
             <a:avLst/>
@@ -21718,7 +21718,7 @@
         <p:spPr>
           <a:xfrm>
             <a:off x="9560160" y="3205440"/>
-            <a:ext cx="2452320" cy="443520"/>
+            <a:ext cx="2451960" cy="443160"/>
           </a:xfrm>
           <a:prstGeom prst="rect">
             <a:avLst/>
@@ -21774,7 +21774,7 @@
         <p:spPr>
           <a:xfrm>
             <a:off x="9560160" y="3952800"/>
-            <a:ext cx="2452320" cy="443520"/>
+            <a:ext cx="2451960" cy="443160"/>
           </a:xfrm>
           <a:prstGeom prst="rect">
             <a:avLst/>
@@ -21861,7 +21861,7 @@
         <p:spPr>
           <a:xfrm>
             <a:off x="9155880" y="3423240"/>
-            <a:ext cx="400680" cy="2160"/>
+            <a:ext cx="400320" cy="1800"/>
           </a:xfrm>
           <a:custGeom>
             <a:avLst/>
@@ -21913,8 +21913,8 @@
         </p:nvSpPr>
         <p:spPr>
           <a:xfrm flipV="1">
-            <a:off x="9155880" y="4133160"/>
-            <a:ext cx="400680" cy="1800"/>
+            <a:off x="9155880" y="4131720"/>
+            <a:ext cx="400320" cy="1440"/>
           </a:xfrm>
           <a:custGeom>
             <a:avLst/>
@@ -21967,7 +21967,7 @@
         <p:spPr>
           <a:xfrm>
             <a:off x="9560160" y="4870800"/>
-            <a:ext cx="2452320" cy="443520"/>
+            <a:ext cx="2451960" cy="443160"/>
           </a:xfrm>
           <a:prstGeom prst="rect">
             <a:avLst/>
@@ -22022,8 +22022,8 @@
         </p:nvSpPr>
         <p:spPr>
           <a:xfrm flipV="1">
-            <a:off x="9155880" y="5051160"/>
-            <a:ext cx="400680" cy="1800"/>
+            <a:off x="9155880" y="5049720"/>
+            <a:ext cx="400320" cy="1440"/>
           </a:xfrm>
           <a:custGeom>
             <a:avLst/>
@@ -22076,7 +22076,7 @@
         <p:spPr>
           <a:xfrm>
             <a:off x="234360" y="3342240"/>
-            <a:ext cx="4600800" cy="2007360"/>
+            <a:ext cx="4600440" cy="2007000"/>
           </a:xfrm>
           <a:prstGeom prst="rect">
             <a:avLst/>
@@ -22204,7 +22204,7 @@
         <p:spPr>
           <a:xfrm>
             <a:off x="1561680" y="0"/>
-            <a:ext cx="9064080" cy="1254960"/>
+            <a:ext cx="9063720" cy="1254600"/>
           </a:xfrm>
           <a:prstGeom prst="rect">
             <a:avLst/>
@@ -22253,7 +22253,7 @@
         <p:spPr>
           <a:xfrm>
             <a:off x="1368000" y="1010880"/>
-            <a:ext cx="10494000" cy="6112440"/>
+            <a:ext cx="10493640" cy="6112080"/>
           </a:xfrm>
           <a:prstGeom prst="rect">
             <a:avLst/>
@@ -22591,7 +22591,7 @@
         <p:spPr>
           <a:xfrm>
             <a:off x="1561680" y="0"/>
-            <a:ext cx="9064080" cy="1254960"/>
+            <a:ext cx="9063720" cy="1254600"/>
           </a:xfrm>
           <a:prstGeom prst="rect">
             <a:avLst/>
@@ -22640,7 +22640,7 @@
         <p:spPr>
           <a:xfrm>
             <a:off x="1368000" y="1010880"/>
-            <a:ext cx="10494000" cy="6112440"/>
+            <a:ext cx="10493640" cy="6112080"/>
           </a:xfrm>
           <a:prstGeom prst="rect">
             <a:avLst/>
@@ -22958,7 +22958,7 @@
         <p:spPr>
           <a:xfrm>
             <a:off x="1561680" y="0"/>
-            <a:ext cx="9064080" cy="1254960"/>
+            <a:ext cx="9063720" cy="1254600"/>
           </a:xfrm>
           <a:prstGeom prst="rect">
             <a:avLst/>
@@ -23007,7 +23007,7 @@
         <p:spPr>
           <a:xfrm>
             <a:off x="587880" y="1946880"/>
-            <a:ext cx="6408000" cy="5103360"/>
+            <a:ext cx="6407640" cy="5103000"/>
           </a:xfrm>
           <a:prstGeom prst="rect">
             <a:avLst/>
@@ -23276,7 +23276,7 @@
         <p:spPr>
           <a:xfrm>
             <a:off x="6999480" y="867600"/>
-            <a:ext cx="4688280" cy="6122160"/>
+            <a:ext cx="4687920" cy="6121800"/>
           </a:xfrm>
           <a:prstGeom prst="rect">
             <a:avLst/>
@@ -23774,7 +23774,7 @@
         <p:spPr>
           <a:xfrm>
             <a:off x="1561680" y="0"/>
-            <a:ext cx="9064080" cy="1254960"/>
+            <a:ext cx="9063720" cy="1254600"/>
           </a:xfrm>
           <a:prstGeom prst="rect">
             <a:avLst/>
@@ -23823,7 +23823,7 @@
         <p:spPr>
           <a:xfrm>
             <a:off x="1368000" y="1224000"/>
-            <a:ext cx="5108760" cy="4455360"/>
+            <a:ext cx="5108400" cy="4455000"/>
           </a:xfrm>
           <a:prstGeom prst="rect">
             <a:avLst/>
@@ -23962,7 +23962,7 @@
         <p:spPr>
           <a:xfrm>
             <a:off x="6864120" y="1800000"/>
-            <a:ext cx="5324760" cy="5745600"/>
+            <a:ext cx="5324400" cy="5745240"/>
           </a:xfrm>
           <a:prstGeom prst="rect">
             <a:avLst/>
@@ -24307,7 +24307,7 @@
         <p:spPr>
           <a:xfrm>
             <a:off x="1561680" y="0"/>
-            <a:ext cx="9064080" cy="1254960"/>
+            <a:ext cx="9063720" cy="1254600"/>
           </a:xfrm>
           <a:prstGeom prst="rect">
             <a:avLst/>
@@ -24356,7 +24356,7 @@
         <p:spPr>
           <a:xfrm>
             <a:off x="1368000" y="1224000"/>
-            <a:ext cx="4749120" cy="4455360"/>
+            <a:ext cx="4748760" cy="4455000"/>
           </a:xfrm>
           <a:prstGeom prst="rect">
             <a:avLst/>
@@ -24415,7 +24415,7 @@
         <p:spPr>
           <a:xfrm>
             <a:off x="6120000" y="1152000"/>
-            <a:ext cx="6116760" cy="5745600"/>
+            <a:ext cx="6116400" cy="5745240"/>
           </a:xfrm>
           <a:prstGeom prst="rect">
             <a:avLst/>
@@ -24730,7 +24730,7 @@
         <p:spPr>
           <a:xfrm>
             <a:off x="504000" y="5400000"/>
-            <a:ext cx="5613120" cy="1221120"/>
+            <a:ext cx="5612760" cy="1220760"/>
           </a:xfrm>
           <a:prstGeom prst="rect">
             <a:avLst/>
@@ -24839,7 +24839,7 @@
         <p:spPr>
           <a:xfrm>
             <a:off x="1561680" y="0"/>
-            <a:ext cx="9064080" cy="1254960"/>
+            <a:ext cx="9063720" cy="1254600"/>
           </a:xfrm>
           <a:prstGeom prst="rect">
             <a:avLst/>
@@ -24888,7 +24888,7 @@
         <p:spPr>
           <a:xfrm>
             <a:off x="1368000" y="1224000"/>
-            <a:ext cx="10293480" cy="4455360"/>
+            <a:ext cx="10293120" cy="4455000"/>
           </a:xfrm>
           <a:prstGeom prst="rect">
             <a:avLst/>
@@ -24987,7 +24987,7 @@
         <p:spPr>
           <a:xfrm>
             <a:off x="3024000" y="3153960"/>
-            <a:ext cx="2452320" cy="443520"/>
+            <a:ext cx="2451960" cy="443160"/>
           </a:xfrm>
           <a:prstGeom prst="rect">
             <a:avLst/>
@@ -25043,7 +25043,7 @@
         <p:spPr>
           <a:xfrm>
             <a:off x="7776000" y="3168000"/>
-            <a:ext cx="2452320" cy="443520"/>
+            <a:ext cx="2451960" cy="443160"/>
           </a:xfrm>
           <a:prstGeom prst="rect">
             <a:avLst/>
@@ -25099,7 +25099,7 @@
         <p:spPr>
           <a:xfrm>
             <a:off x="1001160" y="4305960"/>
-            <a:ext cx="2452320" cy="443520"/>
+            <a:ext cx="2451960" cy="443160"/>
           </a:xfrm>
           <a:prstGeom prst="rect">
             <a:avLst/>
@@ -25155,7 +25155,7 @@
         <p:spPr>
           <a:xfrm>
             <a:off x="4522320" y="4305960"/>
-            <a:ext cx="2452320" cy="443520"/>
+            <a:ext cx="2451960" cy="443160"/>
           </a:xfrm>
           <a:prstGeom prst="rect">
             <a:avLst/>
@@ -25211,7 +25211,7 @@
         <p:spPr>
           <a:xfrm>
             <a:off x="7769160" y="5385960"/>
-            <a:ext cx="2452320" cy="443520"/>
+            <a:ext cx="2451960" cy="443160"/>
           </a:xfrm>
           <a:prstGeom prst="rect">
             <a:avLst/>
@@ -25270,7 +25270,7 @@
         <p:spPr>
           <a:xfrm>
             <a:off x="4529160" y="5400000"/>
-            <a:ext cx="2452320" cy="443520"/>
+            <a:ext cx="2451960" cy="443160"/>
           </a:xfrm>
           <a:prstGeom prst="rect">
             <a:avLst/>
@@ -25329,7 +25329,7 @@
         <p:spPr>
           <a:xfrm>
             <a:off x="1008000" y="5457960"/>
-            <a:ext cx="2452320" cy="443520"/>
+            <a:ext cx="2451960" cy="443160"/>
           </a:xfrm>
           <a:prstGeom prst="rect">
             <a:avLst/>
@@ -25388,7 +25388,7 @@
         <p:spPr>
           <a:xfrm flipH="1">
             <a:off x="2229120" y="3600000"/>
-            <a:ext cx="1703160" cy="654840"/>
+            <a:ext cx="1702800" cy="654480"/>
           </a:xfrm>
           <a:custGeom>
             <a:avLst/>
@@ -25441,7 +25441,7 @@
         <p:spPr>
           <a:xfrm>
             <a:off x="4729680" y="3610440"/>
-            <a:ext cx="1099800" cy="693000"/>
+            <a:ext cx="1099440" cy="692640"/>
           </a:xfrm>
           <a:custGeom>
             <a:avLst/>
@@ -25493,8 +25493,8 @@
         </p:nvSpPr>
         <p:spPr>
           <a:xfrm flipH="1">
-            <a:off x="2226600" y="4752000"/>
-            <a:ext cx="360" cy="645480"/>
+            <a:off x="2225880" y="4752000"/>
+            <a:ext cx="360" cy="645120"/>
           </a:xfrm>
           <a:custGeom>
             <a:avLst/>
@@ -25546,8 +25546,8 @@
         </p:nvSpPr>
         <p:spPr>
           <a:xfrm flipH="1">
-            <a:off x="5754600" y="4752000"/>
-            <a:ext cx="360" cy="645480"/>
+            <a:off x="5753880" y="4752000"/>
+            <a:ext cx="360" cy="645120"/>
           </a:xfrm>
           <a:custGeom>
             <a:avLst/>
@@ -25599,8 +25599,8 @@
         </p:nvSpPr>
         <p:spPr>
           <a:xfrm flipH="1">
-            <a:off x="8994600" y="3614040"/>
-            <a:ext cx="360" cy="1769400"/>
+            <a:off x="8993880" y="3614040"/>
+            <a:ext cx="360" cy="1769040"/>
           </a:xfrm>
           <a:custGeom>
             <a:avLst/>
@@ -25702,7 +25702,7 @@
         <p:spPr>
           <a:xfrm>
             <a:off x="1561680" y="0"/>
-            <a:ext cx="9064080" cy="1254960"/>
+            <a:ext cx="9063720" cy="1254600"/>
           </a:xfrm>
           <a:prstGeom prst="rect">
             <a:avLst/>
@@ -25751,7 +25751,7 @@
         <p:spPr>
           <a:xfrm>
             <a:off x="1368000" y="1224000"/>
-            <a:ext cx="4605480" cy="5325480"/>
+            <a:ext cx="4605120" cy="5325120"/>
           </a:xfrm>
           <a:prstGeom prst="rect">
             <a:avLst/>
@@ -25830,7 +25830,7 @@
         <p:spPr>
           <a:xfrm>
             <a:off x="6264000" y="1080000"/>
-            <a:ext cx="5757480" cy="5470920"/>
+            <a:ext cx="5757120" cy="5470560"/>
           </a:xfrm>
           <a:prstGeom prst="rect">
             <a:avLst/>
@@ -26114,7 +26114,7 @@
         <p:spPr>
           <a:xfrm>
             <a:off x="1561680" y="0"/>
-            <a:ext cx="9064080" cy="1254960"/>
+            <a:ext cx="9063720" cy="1254600"/>
           </a:xfrm>
           <a:prstGeom prst="rect">
             <a:avLst/>
@@ -26163,7 +26163,7 @@
         <p:spPr>
           <a:xfrm>
             <a:off x="1369800" y="937800"/>
-            <a:ext cx="4749480" cy="5325480"/>
+            <a:ext cx="4749120" cy="5325120"/>
           </a:xfrm>
           <a:prstGeom prst="rect">
             <a:avLst/>
@@ -26352,7 +26352,7 @@
         <p:spPr>
           <a:xfrm>
             <a:off x="6264000" y="2376000"/>
-            <a:ext cx="5757480" cy="2445480"/>
+            <a:ext cx="5757120" cy="2445120"/>
           </a:xfrm>
           <a:prstGeom prst="rect">
             <a:avLst/>
@@ -26537,7 +26537,7 @@
         <p:spPr>
           <a:xfrm>
             <a:off x="1561680" y="0"/>
-            <a:ext cx="9064080" cy="1254960"/>
+            <a:ext cx="9063720" cy="1254600"/>
           </a:xfrm>
           <a:prstGeom prst="rect">
             <a:avLst/>
@@ -26586,7 +26586,7 @@
         <p:spPr>
           <a:xfrm>
             <a:off x="861840" y="1728360"/>
-            <a:ext cx="5396400" cy="4961880"/>
+            <a:ext cx="5396040" cy="4961520"/>
           </a:xfrm>
           <a:prstGeom prst="rect">
             <a:avLst/>
@@ -26635,7 +26635,7 @@
         <p:spPr>
           <a:xfrm>
             <a:off x="1703520" y="1728360"/>
-            <a:ext cx="8780400" cy="4961880"/>
+            <a:ext cx="8780040" cy="4961520"/>
           </a:xfrm>
           <a:prstGeom prst="rect">
             <a:avLst/>
@@ -26903,7 +26903,7 @@
         <p:spPr>
           <a:xfrm>
             <a:off x="1561680" y="0"/>
-            <a:ext cx="9064080" cy="1254960"/>
+            <a:ext cx="9063720" cy="1254600"/>
           </a:xfrm>
           <a:prstGeom prst="rect">
             <a:avLst/>
@@ -26952,7 +26952,7 @@
         <p:spPr>
           <a:xfrm>
             <a:off x="1368000" y="1224000"/>
-            <a:ext cx="4605480" cy="5325480"/>
+            <a:ext cx="4605120" cy="5325120"/>
           </a:xfrm>
           <a:prstGeom prst="rect">
             <a:avLst/>
@@ -27101,7 +27101,7 @@
         <p:spPr>
           <a:xfrm>
             <a:off x="5976000" y="1944000"/>
-            <a:ext cx="5757480" cy="3564720"/>
+            <a:ext cx="5757120" cy="3564360"/>
           </a:xfrm>
           <a:prstGeom prst="rect">
             <a:avLst/>
@@ -27329,7 +27329,7 @@
         <p:spPr>
           <a:xfrm>
             <a:off x="1561680" y="0"/>
-            <a:ext cx="9064080" cy="1254960"/>
+            <a:ext cx="9063720" cy="1254600"/>
           </a:xfrm>
           <a:prstGeom prst="rect">
             <a:avLst/>
@@ -27378,7 +27378,7 @@
         <p:spPr>
           <a:xfrm>
             <a:off x="1080000" y="1224000"/>
-            <a:ext cx="10941840" cy="5325480"/>
+            <a:ext cx="10941480" cy="5325120"/>
           </a:xfrm>
           <a:prstGeom prst="rect">
             <a:avLst/>
@@ -27676,7 +27676,7 @@
         <p:spPr>
           <a:xfrm>
             <a:off x="1561680" y="0"/>
-            <a:ext cx="9064080" cy="1254960"/>
+            <a:ext cx="9063720" cy="1254600"/>
           </a:xfrm>
           <a:prstGeom prst="rect">
             <a:avLst/>
@@ -27725,7 +27725,7 @@
         <p:spPr>
           <a:xfrm>
             <a:off x="1137960" y="1050840"/>
-            <a:ext cx="10941840" cy="5325480"/>
+            <a:ext cx="10941480" cy="5325120"/>
           </a:xfrm>
           <a:prstGeom prst="rect">
             <a:avLst/>
@@ -28053,7 +28053,7 @@
         <p:spPr>
           <a:xfrm>
             <a:off x="1561680" y="0"/>
-            <a:ext cx="9064080" cy="1254960"/>
+            <a:ext cx="9063720" cy="1254600"/>
           </a:xfrm>
           <a:prstGeom prst="rect">
             <a:avLst/>
@@ -28102,7 +28102,7 @@
         <p:spPr>
           <a:xfrm>
             <a:off x="720000" y="1728000"/>
-            <a:ext cx="9862200" cy="4338360"/>
+            <a:ext cx="9861840" cy="4338000"/>
           </a:xfrm>
           <a:prstGeom prst="rect">
             <a:avLst/>
@@ -28391,7 +28391,7 @@
         <p:spPr>
           <a:xfrm>
             <a:off x="1561680" y="0"/>
-            <a:ext cx="9064080" cy="1254960"/>
+            <a:ext cx="9063720" cy="1254600"/>
           </a:xfrm>
           <a:prstGeom prst="rect">
             <a:avLst/>
@@ -28440,7 +28440,7 @@
         <p:spPr>
           <a:xfrm>
             <a:off x="720000" y="1728000"/>
-            <a:ext cx="9862200" cy="4621680"/>
+            <a:ext cx="9861840" cy="4621320"/>
           </a:xfrm>
           <a:prstGeom prst="rect">
             <a:avLst/>
@@ -28740,7 +28740,7 @@
         <p:spPr>
           <a:xfrm>
             <a:off x="1561680" y="0"/>
-            <a:ext cx="9064080" cy="1254960"/>
+            <a:ext cx="9063720" cy="1254600"/>
           </a:xfrm>
           <a:prstGeom prst="rect">
             <a:avLst/>
@@ -28789,7 +28789,7 @@
         <p:spPr>
           <a:xfrm>
             <a:off x="864000" y="1655640"/>
-            <a:ext cx="5254200" cy="4750560"/>
+            <a:ext cx="5253840" cy="4750200"/>
           </a:xfrm>
           <a:prstGeom prst="rect">
             <a:avLst/>
@@ -29010,7 +29010,7 @@
         <p:spPr>
           <a:xfrm>
             <a:off x="6264000" y="1368000"/>
-            <a:ext cx="5470200" cy="5463720"/>
+            <a:ext cx="5469840" cy="5463360"/>
           </a:xfrm>
           <a:prstGeom prst="rect">
             <a:avLst/>
@@ -29313,7 +29313,7 @@
         <p:spPr>
           <a:xfrm>
             <a:off x="1561680" y="0"/>
-            <a:ext cx="9064080" cy="1254960"/>
+            <a:ext cx="9063720" cy="1254600"/>
           </a:xfrm>
           <a:prstGeom prst="rect">
             <a:avLst/>
@@ -29362,7 +29362,7 @@
         <p:spPr>
           <a:xfrm>
             <a:off x="2952000" y="1944000"/>
-            <a:ext cx="6708600" cy="5325480"/>
+            <a:ext cx="6708240" cy="5325120"/>
           </a:xfrm>
           <a:prstGeom prst="rect">
             <a:avLst/>
@@ -29620,7 +29620,7 @@
         <p:spPr>
           <a:xfrm>
             <a:off x="1561680" y="0"/>
-            <a:ext cx="9064080" cy="1254960"/>
+            <a:ext cx="9063720" cy="1254600"/>
           </a:xfrm>
           <a:prstGeom prst="rect">
             <a:avLst/>
@@ -29669,7 +29669,7 @@
         <p:spPr>
           <a:xfrm>
             <a:off x="936000" y="1369080"/>
-            <a:ext cx="6118560" cy="5325480"/>
+            <a:ext cx="6118200" cy="5325120"/>
           </a:xfrm>
           <a:prstGeom prst="rect">
             <a:avLst/>
@@ -29978,7 +29978,7 @@
         <p:spPr>
           <a:xfrm>
             <a:off x="138240" y="6192000"/>
-            <a:ext cx="1372320" cy="443520"/>
+            <a:ext cx="1371960" cy="443160"/>
           </a:xfrm>
           <a:prstGeom prst="rect">
             <a:avLst/>
@@ -30034,7 +30034,7 @@
         <p:spPr>
           <a:xfrm>
             <a:off x="2376000" y="6192000"/>
-            <a:ext cx="1654560" cy="443520"/>
+            <a:ext cx="1654200" cy="443160"/>
           </a:xfrm>
           <a:prstGeom prst="rect">
             <a:avLst/>
@@ -30090,7 +30090,7 @@
         <p:spPr>
           <a:xfrm>
             <a:off x="4968000" y="6179040"/>
-            <a:ext cx="1654560" cy="443520"/>
+            <a:ext cx="1654200" cy="443160"/>
           </a:xfrm>
           <a:prstGeom prst="rect">
             <a:avLst/>
@@ -30146,7 +30146,7 @@
         <p:spPr>
           <a:xfrm>
             <a:off x="7488000" y="6192000"/>
-            <a:ext cx="1654560" cy="443520"/>
+            <a:ext cx="1654200" cy="443160"/>
           </a:xfrm>
           <a:prstGeom prst="rect">
             <a:avLst/>
@@ -30202,7 +30202,7 @@
         <p:spPr>
           <a:xfrm>
             <a:off x="10080000" y="6194160"/>
-            <a:ext cx="1654560" cy="443520"/>
+            <a:ext cx="1654200" cy="443160"/>
           </a:xfrm>
           <a:prstGeom prst="rect">
             <a:avLst/>
@@ -30370,7 +30370,7 @@
         <p:spPr>
           <a:xfrm>
             <a:off x="7167960" y="1512000"/>
-            <a:ext cx="5214600" cy="4390560"/>
+            <a:ext cx="5214240" cy="4390200"/>
           </a:xfrm>
           <a:prstGeom prst="rect">
             <a:avLst/>
@@ -30794,7 +30794,7 @@
         <p:spPr>
           <a:xfrm>
             <a:off x="1561680" y="0"/>
-            <a:ext cx="9064080" cy="1254960"/>
+            <a:ext cx="9063720" cy="1254600"/>
           </a:xfrm>
           <a:prstGeom prst="rect">
             <a:avLst/>
@@ -30843,7 +30843,7 @@
         <p:spPr>
           <a:xfrm>
             <a:off x="936000" y="1369080"/>
-            <a:ext cx="6118560" cy="5325480"/>
+            <a:ext cx="6118200" cy="5325120"/>
           </a:xfrm>
           <a:prstGeom prst="rect">
             <a:avLst/>
@@ -31192,7 +31192,7 @@
         <p:spPr>
           <a:xfrm>
             <a:off x="6879960" y="2376000"/>
-            <a:ext cx="5214600" cy="3382560"/>
+            <a:ext cx="5214240" cy="3382200"/>
           </a:xfrm>
           <a:prstGeom prst="rect">
             <a:avLst/>
@@ -31405,7 +31405,7 @@
         <p:spPr>
           <a:xfrm>
             <a:off x="1561680" y="0"/>
-            <a:ext cx="9064080" cy="1254960"/>
+            <a:ext cx="9063720" cy="1254600"/>
           </a:xfrm>
           <a:prstGeom prst="rect">
             <a:avLst/>
@@ -31454,7 +31454,7 @@
         <p:spPr>
           <a:xfrm>
             <a:off x="1008000" y="1872000"/>
-            <a:ext cx="5326560" cy="5325480"/>
+            <a:ext cx="5326200" cy="5325120"/>
           </a:xfrm>
           <a:prstGeom prst="rect">
             <a:avLst/>
@@ -31663,7 +31663,7 @@
         <p:spPr>
           <a:xfrm>
             <a:off x="6480000" y="1980720"/>
-            <a:ext cx="5614560" cy="3849840"/>
+            <a:ext cx="5614200" cy="3849480"/>
           </a:xfrm>
           <a:prstGeom prst="rect">
             <a:avLst/>
@@ -32013,7 +32013,7 @@
         <p:spPr>
           <a:xfrm>
             <a:off x="1561680" y="0"/>
-            <a:ext cx="9064080" cy="1254960"/>
+            <a:ext cx="9063720" cy="1254600"/>
           </a:xfrm>
           <a:prstGeom prst="rect">
             <a:avLst/>
@@ -32062,7 +32062,7 @@
         <p:spPr>
           <a:xfrm>
             <a:off x="861480" y="1728360"/>
-            <a:ext cx="5396400" cy="4961880"/>
+            <a:ext cx="5396040" cy="4961520"/>
           </a:xfrm>
           <a:prstGeom prst="rect">
             <a:avLst/>
@@ -32110,8 +32110,8 @@
         </p:nvSpPr>
         <p:spPr>
           <a:xfrm rot="21553200">
-            <a:off x="2466000" y="2634120"/>
-            <a:ext cx="1580400" cy="2670480"/>
+            <a:off x="2466000" y="2633760"/>
+            <a:ext cx="1580040" cy="2670120"/>
           </a:xfrm>
           <a:prstGeom prst="rect">
             <a:avLst/>
@@ -32213,8 +32213,8 @@
         </p:nvSpPr>
         <p:spPr>
           <a:xfrm rot="21553200">
-            <a:off x="5418000" y="2634120"/>
-            <a:ext cx="1580400" cy="2670480"/>
+            <a:off x="5418000" y="2633760"/>
+            <a:ext cx="1580040" cy="2670120"/>
           </a:xfrm>
           <a:prstGeom prst="rect">
             <a:avLst/>
@@ -32385,7 +32385,7 @@
         <p:spPr>
           <a:xfrm>
             <a:off x="8354160" y="1728000"/>
-            <a:ext cx="1722240" cy="1218240"/>
+            <a:ext cx="1721880" cy="1217880"/>
           </a:xfrm>
           <a:prstGeom prst="rect">
             <a:avLst/>
@@ -32488,7 +32488,7 @@
         <p:spPr>
           <a:xfrm>
             <a:off x="8282160" y="4895640"/>
-            <a:ext cx="1722240" cy="1218240"/>
+            <a:ext cx="1721880" cy="1217880"/>
           </a:xfrm>
           <a:prstGeom prst="rect">
             <a:avLst/>
@@ -32591,7 +32591,7 @@
         <p:spPr>
           <a:xfrm>
             <a:off x="4320000" y="3383640"/>
-            <a:ext cx="1074240" cy="340560"/>
+            <a:ext cx="1073880" cy="340200"/>
           </a:xfrm>
           <a:prstGeom prst="rect">
             <a:avLst/>
@@ -32696,7 +32696,7 @@
         <p:spPr>
           <a:xfrm>
             <a:off x="7058160" y="3685320"/>
-            <a:ext cx="1074240" cy="596520"/>
+            <a:ext cx="1073880" cy="596160"/>
           </a:xfrm>
           <a:prstGeom prst="rect">
             <a:avLst/>
@@ -32804,7 +32804,7 @@
         <p:spPr>
           <a:xfrm>
             <a:off x="1561680" y="720"/>
-            <a:ext cx="9064080" cy="1254960"/>
+            <a:ext cx="9063720" cy="1254600"/>
           </a:xfrm>
           <a:prstGeom prst="rect">
             <a:avLst/>
@@ -33790,7 +33790,7 @@
                           <a:latin typeface="Arial"/>
                           <a:ea typeface="DejaVu Sans"/>
                         </a:rPr>
-                        <a:t>Int</a:t>
+                        <a:t>int</a:t>
                       </a:r>
                       <a:endParaRPr b="0" lang="pl-PL" sz="1800" spc="-1" strike="noStrike">
                         <a:latin typeface="Arial"/>
@@ -35042,7 +35042,7 @@
         <p:spPr>
           <a:xfrm>
             <a:off x="1561680" y="0"/>
-            <a:ext cx="9064080" cy="1254960"/>
+            <a:ext cx="9063720" cy="1254600"/>
           </a:xfrm>
           <a:prstGeom prst="rect">
             <a:avLst/>
@@ -35091,7 +35091,7 @@
         <p:spPr>
           <a:xfrm>
             <a:off x="1998720" y="863640"/>
-            <a:ext cx="8416440" cy="4653720"/>
+            <a:ext cx="8416080" cy="4653360"/>
           </a:xfrm>
           <a:prstGeom prst="rect">
             <a:avLst/>
@@ -35417,7 +35417,7 @@
         <p:spPr>
           <a:xfrm>
             <a:off x="1561680" y="0"/>
-            <a:ext cx="9064080" cy="1254960"/>
+            <a:ext cx="9063720" cy="1254600"/>
           </a:xfrm>
           <a:prstGeom prst="rect">
             <a:avLst/>
@@ -35466,7 +35466,7 @@
         <p:spPr>
           <a:xfrm>
             <a:off x="1633320" y="1087560"/>
-            <a:ext cx="8920440" cy="6355800"/>
+            <a:ext cx="8920080" cy="6355440"/>
           </a:xfrm>
           <a:prstGeom prst="rect">
             <a:avLst/>
@@ -35844,7 +35844,7 @@
         <p:spPr>
           <a:xfrm>
             <a:off x="1561680" y="360"/>
-            <a:ext cx="9064080" cy="1254960"/>
+            <a:ext cx="9063720" cy="1254600"/>
           </a:xfrm>
           <a:prstGeom prst="rect">
             <a:avLst/>

--- a/WprowadzenieDoJezykaJAVA_v2_PiotrKrajnik.pptx
+++ b/WprowadzenieDoJezykaJAVA_v2_PiotrKrajnik.pptx
@@ -2761,7 +2761,7 @@
         <p:spPr>
           <a:xfrm rot="5400000">
             <a:off x="0" y="0"/>
-            <a:ext cx="2494440" cy="2494440"/>
+            <a:ext cx="2494080" cy="2494080"/>
           </a:xfrm>
           <a:prstGeom prst="rtTriangle">
             <a:avLst/>
@@ -2801,7 +2801,7 @@
         <p:spPr>
           <a:xfrm>
             <a:off x="0" y="0"/>
-            <a:ext cx="2747520" cy="1291320"/>
+            <a:ext cx="2747160" cy="1290960"/>
           </a:xfrm>
           <a:prstGeom prst="rect">
             <a:avLst/>
@@ -3081,7 +3081,7 @@
         <p:spPr>
           <a:xfrm rot="5400000">
             <a:off x="0" y="0"/>
-            <a:ext cx="2494440" cy="2494440"/>
+            <a:ext cx="2494080" cy="2494080"/>
           </a:xfrm>
           <a:prstGeom prst="rtTriangle">
             <a:avLst/>
@@ -3121,7 +3121,7 @@
         <p:spPr>
           <a:xfrm>
             <a:off x="0" y="0"/>
-            <a:ext cx="2747520" cy="1291320"/>
+            <a:ext cx="2747160" cy="1290960"/>
           </a:xfrm>
           <a:prstGeom prst="rect">
             <a:avLst/>
@@ -3391,7 +3391,7 @@
         <p:spPr>
           <a:xfrm>
             <a:off x="1561680" y="1905480"/>
-            <a:ext cx="9063720" cy="1254600"/>
+            <a:ext cx="9063360" cy="1254240"/>
           </a:xfrm>
           <a:prstGeom prst="rect">
             <a:avLst/>
@@ -3440,7 +3440,7 @@
         <p:spPr>
           <a:xfrm>
             <a:off x="1561680" y="3456000"/>
-            <a:ext cx="9063720" cy="2689200"/>
+            <a:ext cx="9063360" cy="2688840"/>
           </a:xfrm>
           <a:prstGeom prst="rect">
             <a:avLst/>
@@ -3548,7 +3548,7 @@
         <p:spPr>
           <a:xfrm>
             <a:off x="1561680" y="0"/>
-            <a:ext cx="9063720" cy="1254600"/>
+            <a:ext cx="9063360" cy="1254240"/>
           </a:xfrm>
           <a:prstGeom prst="rect">
             <a:avLst/>
@@ -3597,7 +3597,7 @@
         <p:spPr>
           <a:xfrm>
             <a:off x="1584000" y="1175040"/>
-            <a:ext cx="3235680" cy="5636880"/>
+            <a:ext cx="3235320" cy="5636520"/>
           </a:xfrm>
           <a:prstGeom prst="rect">
             <a:avLst/>
@@ -3956,7 +3956,7 @@
         <p:spPr>
           <a:xfrm>
             <a:off x="5324040" y="1262520"/>
-            <a:ext cx="5396040" cy="692640"/>
+            <a:ext cx="5395680" cy="692280"/>
           </a:xfrm>
           <a:prstGeom prst="rect">
             <a:avLst/>
@@ -4005,7 +4005,7 @@
         <p:spPr>
           <a:xfrm>
             <a:off x="5215680" y="3780000"/>
-            <a:ext cx="5396040" cy="1912320"/>
+            <a:ext cx="5395680" cy="1911960"/>
           </a:xfrm>
           <a:prstGeom prst="rect">
             <a:avLst/>
@@ -4123,7 +4123,7 @@
         <p:spPr>
           <a:xfrm>
             <a:off x="1561680" y="0"/>
-            <a:ext cx="9063720" cy="1254600"/>
+            <a:ext cx="9063360" cy="1254240"/>
           </a:xfrm>
           <a:prstGeom prst="rect">
             <a:avLst/>
@@ -4172,7 +4172,7 @@
         <p:spPr>
           <a:xfrm>
             <a:off x="1440000" y="1152000"/>
-            <a:ext cx="3235680" cy="5636880"/>
+            <a:ext cx="3235320" cy="5636520"/>
           </a:xfrm>
           <a:prstGeom prst="rect">
             <a:avLst/>
@@ -4631,7 +4631,7 @@
         <p:spPr>
           <a:xfrm>
             <a:off x="5180040" y="1239480"/>
-            <a:ext cx="5396040" cy="4961520"/>
+            <a:ext cx="5395680" cy="4961160"/>
           </a:xfrm>
           <a:prstGeom prst="rect">
             <a:avLst/>
@@ -4819,7 +4819,7 @@
         <p:spPr>
           <a:xfrm>
             <a:off x="1561680" y="15480"/>
-            <a:ext cx="9063720" cy="1254600"/>
+            <a:ext cx="9063360" cy="1254240"/>
           </a:xfrm>
           <a:prstGeom prst="rect">
             <a:avLst/>
@@ -4851,7 +4851,7 @@
                 <a:latin typeface="Arial"/>
                 <a:ea typeface="DejaVu Sans"/>
               </a:rPr>
-              <a:t>Instrukcje – pętle for</a:t>
+              <a:t>Instrukcje – pętle</a:t>
             </a:r>
             <a:endParaRPr b="0" lang="pl-PL" sz="4400" spc="-1" strike="noStrike">
               <a:latin typeface="Arial"/>
@@ -4868,7 +4868,7 @@
         <p:spPr>
           <a:xfrm>
             <a:off x="1924920" y="1275840"/>
-            <a:ext cx="3235680" cy="2398320"/>
+            <a:ext cx="3235320" cy="2397960"/>
           </a:xfrm>
           <a:prstGeom prst="rect">
             <a:avLst/>
@@ -5067,7 +5067,7 @@
         <p:spPr>
           <a:xfrm>
             <a:off x="1924920" y="4079160"/>
-            <a:ext cx="3512880" cy="2398320"/>
+            <a:ext cx="3512520" cy="2397960"/>
           </a:xfrm>
           <a:prstGeom prst="rect">
             <a:avLst/>
@@ -5266,7 +5266,7 @@
         <p:spPr>
           <a:xfrm>
             <a:off x="7087320" y="1275840"/>
-            <a:ext cx="3235680" cy="2398320"/>
+            <a:ext cx="3235320" cy="2397960"/>
           </a:xfrm>
           <a:prstGeom prst="rect">
             <a:avLst/>
@@ -5465,7 +5465,7 @@
         <p:spPr>
           <a:xfrm>
             <a:off x="7087320" y="4079160"/>
-            <a:ext cx="3235680" cy="2398320"/>
+            <a:ext cx="3235320" cy="2397960"/>
           </a:xfrm>
           <a:prstGeom prst="rect">
             <a:avLst/>
@@ -5713,7 +5713,7 @@
         <p:spPr>
           <a:xfrm>
             <a:off x="1561680" y="-75600"/>
-            <a:ext cx="9063720" cy="1254600"/>
+            <a:ext cx="9063360" cy="1254240"/>
           </a:xfrm>
           <a:prstGeom prst="rect">
             <a:avLst/>
@@ -5762,7 +5762,7 @@
         <p:spPr>
           <a:xfrm>
             <a:off x="1001160" y="1286280"/>
-            <a:ext cx="5221440" cy="6485400"/>
+            <a:ext cx="5221080" cy="6485040"/>
           </a:xfrm>
           <a:prstGeom prst="rect">
             <a:avLst/>
@@ -5981,7 +5981,7 @@
         <p:spPr>
           <a:xfrm>
             <a:off x="6531120" y="1286280"/>
-            <a:ext cx="4297320" cy="5571360"/>
+            <a:ext cx="4296960" cy="5571000"/>
           </a:xfrm>
           <a:prstGeom prst="rect">
             <a:avLst/>
@@ -6369,7 +6369,7 @@
         <p:spPr>
           <a:xfrm>
             <a:off x="1561680" y="0"/>
-            <a:ext cx="9063720" cy="1254600"/>
+            <a:ext cx="9063360" cy="1254240"/>
           </a:xfrm>
           <a:prstGeom prst="rect">
             <a:avLst/>
@@ -6418,7 +6418,7 @@
         <p:spPr>
           <a:xfrm>
             <a:off x="1800000" y="1086120"/>
-            <a:ext cx="5221440" cy="3741840"/>
+            <a:ext cx="5221080" cy="3741480"/>
           </a:xfrm>
           <a:prstGeom prst="rect">
             <a:avLst/>
@@ -6557,7 +6557,7 @@
         <p:spPr>
           <a:xfrm>
             <a:off x="7486560" y="1086120"/>
-            <a:ext cx="3325680" cy="5843520"/>
+            <a:ext cx="3325320" cy="5843160"/>
           </a:xfrm>
           <a:prstGeom prst="rect">
             <a:avLst/>
@@ -7070,7 +7070,7 @@
         <p:spPr>
           <a:xfrm>
             <a:off x="2639880" y="4608000"/>
-            <a:ext cx="1427400" cy="1427400"/>
+            <a:ext cx="1427040" cy="1427040"/>
           </a:xfrm>
           <a:prstGeom prst="rect">
             <a:avLst/>
@@ -7093,7 +7093,7 @@
         <p:spPr>
           <a:xfrm>
             <a:off x="5157360" y="5808240"/>
-            <a:ext cx="1427400" cy="1427400"/>
+            <a:ext cx="1427040" cy="1427040"/>
           </a:xfrm>
           <a:prstGeom prst="rect">
             <a:avLst/>
@@ -7112,7 +7112,7 @@
         <p:spPr>
           <a:xfrm>
             <a:off x="2560680" y="5608800"/>
-            <a:ext cx="2042280" cy="1180080"/>
+            <a:ext cx="2041920" cy="1179720"/>
           </a:xfrm>
           <a:prstGeom prst="rect">
             <a:avLst/>
@@ -7221,7 +7221,7 @@
         <p:spPr>
           <a:xfrm>
             <a:off x="4876560" y="4968000"/>
-            <a:ext cx="2142360" cy="1180080"/>
+            <a:ext cx="2142000" cy="1179720"/>
           </a:xfrm>
           <a:prstGeom prst="rect">
             <a:avLst/>
@@ -7379,7 +7379,7 @@
         <p:spPr>
           <a:xfrm>
             <a:off x="1561680" y="0"/>
-            <a:ext cx="9063720" cy="1254600"/>
+            <a:ext cx="9063360" cy="1254240"/>
           </a:xfrm>
           <a:prstGeom prst="rect">
             <a:avLst/>
@@ -7428,7 +7428,7 @@
         <p:spPr>
           <a:xfrm>
             <a:off x="6078240" y="936000"/>
-            <a:ext cx="3325680" cy="5843520"/>
+            <a:ext cx="3325320" cy="5843160"/>
           </a:xfrm>
           <a:prstGeom prst="rect">
             <a:avLst/>
@@ -7937,7 +7937,7 @@
         <p:spPr>
           <a:xfrm>
             <a:off x="4032000" y="936000"/>
-            <a:ext cx="1992240" cy="357120"/>
+            <a:ext cx="1991880" cy="356760"/>
           </a:xfrm>
           <a:prstGeom prst="rect">
             <a:avLst/>
@@ -7986,7 +7986,7 @@
         <p:spPr>
           <a:xfrm>
             <a:off x="4608000" y="1593360"/>
-            <a:ext cx="1306440" cy="357120"/>
+            <a:ext cx="1306080" cy="356760"/>
           </a:xfrm>
           <a:prstGeom prst="rect">
             <a:avLst/>
@@ -8035,7 +8035,7 @@
         <p:spPr>
           <a:xfrm>
             <a:off x="4266000" y="2958480"/>
-            <a:ext cx="1992240" cy="357120"/>
+            <a:ext cx="1991880" cy="356760"/>
           </a:xfrm>
           <a:prstGeom prst="rect">
             <a:avLst/>
@@ -8133,7 +8133,7 @@
         <p:spPr>
           <a:xfrm>
             <a:off x="1561680" y="0"/>
-            <a:ext cx="9063720" cy="1254600"/>
+            <a:ext cx="9063360" cy="1254240"/>
           </a:xfrm>
           <a:prstGeom prst="rect">
             <a:avLst/>
@@ -8182,7 +8182,7 @@
         <p:spPr>
           <a:xfrm>
             <a:off x="1656000" y="1440000"/>
-            <a:ext cx="5221440" cy="4351680"/>
+            <a:ext cx="5221080" cy="4351320"/>
           </a:xfrm>
           <a:prstGeom prst="rect">
             <a:avLst/>
@@ -8311,7 +8311,7 @@
         <p:spPr>
           <a:xfrm>
             <a:off x="7650720" y="2049840"/>
-            <a:ext cx="3325680" cy="2551680"/>
+            <a:ext cx="3325320" cy="2551320"/>
           </a:xfrm>
           <a:prstGeom prst="rect">
             <a:avLst/>
@@ -8579,7 +8579,7 @@
         <p:spPr>
           <a:xfrm>
             <a:off x="1561680" y="0"/>
-            <a:ext cx="9063720" cy="1254600"/>
+            <a:ext cx="9063360" cy="1254240"/>
           </a:xfrm>
           <a:prstGeom prst="rect">
             <a:avLst/>
@@ -8628,7 +8628,7 @@
         <p:spPr>
           <a:xfrm>
             <a:off x="1699920" y="936000"/>
-            <a:ext cx="5221440" cy="6838200"/>
+            <a:ext cx="5221080" cy="6837840"/>
           </a:xfrm>
           <a:prstGeom prst="rect">
             <a:avLst/>
@@ -8887,7 +8887,7 @@
         <p:spPr>
           <a:xfrm>
             <a:off x="7536600" y="1512000"/>
-            <a:ext cx="4482360" cy="4193280"/>
+            <a:ext cx="4482000" cy="4192920"/>
           </a:xfrm>
           <a:prstGeom prst="rect">
             <a:avLst/>
@@ -9485,7 +9485,7 @@
         <p:spPr>
           <a:xfrm>
             <a:off x="1561680" y="0"/>
-            <a:ext cx="9063720" cy="1254600"/>
+            <a:ext cx="9063360" cy="1254240"/>
           </a:xfrm>
           <a:prstGeom prst="rect">
             <a:avLst/>
@@ -9534,7 +9534,7 @@
         <p:spPr>
           <a:xfrm>
             <a:off x="1296000" y="1259640"/>
-            <a:ext cx="4064760" cy="6180480"/>
+            <a:ext cx="4064400" cy="6180120"/>
           </a:xfrm>
           <a:prstGeom prst="rect">
             <a:avLst/>
@@ -9692,8 +9692,8 @@
         </p:nvSpPr>
         <p:spPr>
           <a:xfrm rot="9000">
-            <a:off x="6046920" y="1412640"/>
-            <a:ext cx="5680440" cy="3098520"/>
+            <a:off x="6046560" y="1412280"/>
+            <a:ext cx="5680080" cy="3098160"/>
           </a:xfrm>
           <a:prstGeom prst="rect">
             <a:avLst/>
@@ -9921,8 +9921,8 @@
         </p:nvSpPr>
         <p:spPr>
           <a:xfrm rot="9000">
-            <a:off x="6187320" y="4898160"/>
-            <a:ext cx="5680440" cy="1423440"/>
+            <a:off x="6186960" y="4897800"/>
+            <a:ext cx="5680080" cy="1423080"/>
           </a:xfrm>
           <a:prstGeom prst="rect">
             <a:avLst/>
@@ -10120,7 +10120,7 @@
         <p:spPr>
           <a:xfrm>
             <a:off x="1561680" y="0"/>
-            <a:ext cx="9063720" cy="1254600"/>
+            <a:ext cx="9063360" cy="1254240"/>
           </a:xfrm>
           <a:prstGeom prst="rect">
             <a:avLst/>
@@ -10169,7 +10169,7 @@
         <p:spPr>
           <a:xfrm>
             <a:off x="1618560" y="1194480"/>
-            <a:ext cx="6368400" cy="6665760"/>
+            <a:ext cx="6368040" cy="6665400"/>
           </a:xfrm>
           <a:prstGeom prst="rect">
             <a:avLst/>
@@ -10448,7 +10448,7 @@
         <p:spPr>
           <a:xfrm>
             <a:off x="8832600" y="1259640"/>
-            <a:ext cx="3834360" cy="5319360"/>
+            <a:ext cx="3834000" cy="5319000"/>
           </a:xfrm>
           <a:prstGeom prst="rect">
             <a:avLst/>
@@ -11184,7 +11184,7 @@
         <p:spPr>
           <a:xfrm>
             <a:off x="1561680" y="0"/>
-            <a:ext cx="9063720" cy="1254600"/>
+            <a:ext cx="9063360" cy="1254240"/>
           </a:xfrm>
           <a:prstGeom prst="rect">
             <a:avLst/>
@@ -11233,7 +11233,7 @@
         <p:spPr>
           <a:xfrm>
             <a:off x="1668600" y="1584000"/>
-            <a:ext cx="8849880" cy="4961520"/>
+            <a:ext cx="8849520" cy="4961160"/>
           </a:xfrm>
           <a:prstGeom prst="rect">
             <a:avLst/>
@@ -11471,7 +11471,7 @@
         <p:spPr>
           <a:xfrm>
             <a:off x="1561680" y="0"/>
-            <a:ext cx="9063720" cy="1254600"/>
+            <a:ext cx="9063360" cy="1254240"/>
           </a:xfrm>
           <a:prstGeom prst="rect">
             <a:avLst/>
@@ -11520,7 +11520,7 @@
         <p:spPr>
           <a:xfrm>
             <a:off x="1472760" y="1082880"/>
-            <a:ext cx="5288760" cy="6112080"/>
+            <a:ext cx="5288400" cy="6111720"/>
           </a:xfrm>
           <a:prstGeom prst="rect">
             <a:avLst/>
@@ -11809,7 +11809,7 @@
         <p:spPr>
           <a:xfrm>
             <a:off x="7176600" y="1193040"/>
-            <a:ext cx="3834360" cy="5319360"/>
+            <a:ext cx="3834000" cy="5319000"/>
           </a:xfrm>
           <a:prstGeom prst="rect">
             <a:avLst/>
@@ -12407,7 +12407,7 @@
         <p:spPr>
           <a:xfrm>
             <a:off x="1561680" y="27720"/>
-            <a:ext cx="9063720" cy="1254600"/>
+            <a:ext cx="9063360" cy="1254240"/>
           </a:xfrm>
           <a:prstGeom prst="rect">
             <a:avLst/>
@@ -12456,7 +12456,7 @@
         <p:spPr>
           <a:xfrm>
             <a:off x="1440000" y="1080000"/>
-            <a:ext cx="5729040" cy="5987520"/>
+            <a:ext cx="5728680" cy="5987160"/>
           </a:xfrm>
           <a:prstGeom prst="rect">
             <a:avLst/>
@@ -12715,7 +12715,7 @@
         <p:spPr>
           <a:xfrm>
             <a:off x="7536600" y="1856520"/>
-            <a:ext cx="3834360" cy="5211000"/>
+            <a:ext cx="3834000" cy="5210640"/>
           </a:xfrm>
           <a:prstGeom prst="rect">
             <a:avLst/>
@@ -13053,7 +13053,7 @@
         <p:spPr>
           <a:xfrm>
             <a:off x="1561680" y="0"/>
-            <a:ext cx="9063720" cy="1254600"/>
+            <a:ext cx="9063360" cy="1254240"/>
           </a:xfrm>
           <a:prstGeom prst="rect">
             <a:avLst/>
@@ -13102,7 +13102,7 @@
         <p:spPr>
           <a:xfrm>
             <a:off x="1224000" y="1010880"/>
-            <a:ext cx="5626440" cy="6112080"/>
+            <a:ext cx="5626080" cy="6111720"/>
           </a:xfrm>
           <a:prstGeom prst="rect">
             <a:avLst/>
@@ -13391,7 +13391,7 @@
         <p:spPr>
           <a:xfrm>
             <a:off x="7416000" y="1155600"/>
-            <a:ext cx="4405680" cy="5319360"/>
+            <a:ext cx="4405320" cy="5319000"/>
           </a:xfrm>
           <a:prstGeom prst="rect">
             <a:avLst/>
@@ -13869,7 +13869,7 @@
         <p:spPr>
           <a:xfrm>
             <a:off x="1561680" y="0"/>
-            <a:ext cx="9063720" cy="1254600"/>
+            <a:ext cx="9063360" cy="1254240"/>
           </a:xfrm>
           <a:prstGeom prst="rect">
             <a:avLst/>
@@ -13918,7 +13918,7 @@
         <p:spPr>
           <a:xfrm>
             <a:off x="1561680" y="1010880"/>
-            <a:ext cx="4065480" cy="6112080"/>
+            <a:ext cx="4065120" cy="6111720"/>
           </a:xfrm>
           <a:prstGeom prst="rect">
             <a:avLst/>
@@ -14107,7 +14107,7 @@
         <p:spPr>
           <a:xfrm>
             <a:off x="8256600" y="1152000"/>
-            <a:ext cx="3834360" cy="2729160"/>
+            <a:ext cx="3834000" cy="2728800"/>
           </a:xfrm>
           <a:prstGeom prst="rect">
             <a:avLst/>
@@ -14296,7 +14296,7 @@
         <p:spPr>
           <a:xfrm>
             <a:off x="5736600" y="2665800"/>
-            <a:ext cx="3834360" cy="2729160"/>
+            <a:ext cx="3834000" cy="2728800"/>
           </a:xfrm>
           <a:prstGeom prst="rect">
             <a:avLst/>
@@ -14904,7 +14904,7 @@
         <p:spPr>
           <a:xfrm>
             <a:off x="1561680" y="0"/>
-            <a:ext cx="9063720" cy="1254600"/>
+            <a:ext cx="9063360" cy="1254240"/>
           </a:xfrm>
           <a:prstGeom prst="rect">
             <a:avLst/>
@@ -14953,7 +14953,7 @@
         <p:spPr>
           <a:xfrm>
             <a:off x="1512000" y="1008000"/>
-            <a:ext cx="5322960" cy="6112080"/>
+            <a:ext cx="5322600" cy="6111720"/>
           </a:xfrm>
           <a:prstGeom prst="rect">
             <a:avLst/>
@@ -15132,7 +15132,7 @@
         <p:spPr>
           <a:xfrm>
             <a:off x="7344000" y="1259640"/>
-            <a:ext cx="4698360" cy="5319360"/>
+            <a:ext cx="4698000" cy="5319000"/>
           </a:xfrm>
           <a:prstGeom prst="rect">
             <a:avLst/>
@@ -15520,7 +15520,7 @@
         <p:spPr>
           <a:xfrm>
             <a:off x="1561680" y="0"/>
-            <a:ext cx="9063720" cy="1254600"/>
+            <a:ext cx="9063360" cy="1254240"/>
           </a:xfrm>
           <a:prstGeom prst="rect">
             <a:avLst/>
@@ -15569,7 +15569,7 @@
         <p:spPr>
           <a:xfrm>
             <a:off x="936000" y="1560960"/>
-            <a:ext cx="5505480" cy="6210000"/>
+            <a:ext cx="5505120" cy="6209640"/>
           </a:xfrm>
           <a:prstGeom prst="rect">
             <a:avLst/>
@@ -15838,7 +15838,7 @@
         <p:spPr>
           <a:xfrm>
             <a:off x="6984000" y="1443600"/>
-            <a:ext cx="4698360" cy="5319360"/>
+            <a:ext cx="4698000" cy="5319000"/>
           </a:xfrm>
           <a:prstGeom prst="rect">
             <a:avLst/>
@@ -16446,7 +16446,7 @@
         <p:spPr>
           <a:xfrm>
             <a:off x="1561680" y="0"/>
-            <a:ext cx="9063720" cy="1254600"/>
+            <a:ext cx="9063360" cy="1254240"/>
           </a:xfrm>
           <a:prstGeom prst="rect">
             <a:avLst/>
@@ -16495,7 +16495,7 @@
         <p:spPr>
           <a:xfrm>
             <a:off x="1440000" y="1152000"/>
-            <a:ext cx="5826960" cy="6112080"/>
+            <a:ext cx="5826600" cy="6111720"/>
           </a:xfrm>
           <a:prstGeom prst="rect">
             <a:avLst/>
@@ -16704,7 +16704,7 @@
         <p:spPr>
           <a:xfrm>
             <a:off x="7848000" y="1368000"/>
-            <a:ext cx="4241160" cy="4655880"/>
+            <a:ext cx="4240800" cy="4655520"/>
           </a:xfrm>
           <a:prstGeom prst="rect">
             <a:avLst/>
@@ -17102,7 +17102,7 @@
         <p:spPr>
           <a:xfrm>
             <a:off x="1561680" y="0"/>
-            <a:ext cx="9063720" cy="1254600"/>
+            <a:ext cx="9063360" cy="1254240"/>
           </a:xfrm>
           <a:prstGeom prst="rect">
             <a:avLst/>
@@ -17151,7 +17151,7 @@
         <p:spPr>
           <a:xfrm>
             <a:off x="1152000" y="1514880"/>
-            <a:ext cx="5466960" cy="6112080"/>
+            <a:ext cx="5466600" cy="6111720"/>
           </a:xfrm>
           <a:prstGeom prst="rect">
             <a:avLst/>
@@ -17360,7 +17360,7 @@
         <p:spPr>
           <a:xfrm>
             <a:off x="7560000" y="1387080"/>
-            <a:ext cx="4241160" cy="4655880"/>
+            <a:ext cx="4240800" cy="4655520"/>
           </a:xfrm>
           <a:prstGeom prst="rect">
             <a:avLst/>
@@ -17848,7 +17848,7 @@
         <p:spPr>
           <a:xfrm>
             <a:off x="1561680" y="0"/>
-            <a:ext cx="9063720" cy="1254600"/>
+            <a:ext cx="9063360" cy="1254240"/>
           </a:xfrm>
           <a:prstGeom prst="rect">
             <a:avLst/>
@@ -17897,7 +17897,7 @@
         <p:spPr>
           <a:xfrm>
             <a:off x="1545480" y="1080000"/>
-            <a:ext cx="5361480" cy="6112080"/>
+            <a:ext cx="5361120" cy="6111720"/>
           </a:xfrm>
           <a:prstGeom prst="rect">
             <a:avLst/>
@@ -18146,7 +18146,7 @@
         <p:spPr>
           <a:xfrm>
             <a:off x="7704000" y="1008000"/>
-            <a:ext cx="4241160" cy="4655880"/>
+            <a:ext cx="4240800" cy="4655520"/>
           </a:xfrm>
           <a:prstGeom prst="rect">
             <a:avLst/>
@@ -18904,7 +18904,7 @@
         <p:spPr>
           <a:xfrm>
             <a:off x="1561680" y="0"/>
-            <a:ext cx="9063720" cy="1254600"/>
+            <a:ext cx="9063360" cy="1254240"/>
           </a:xfrm>
           <a:prstGeom prst="rect">
             <a:avLst/>
@@ -18953,7 +18953,7 @@
         <p:spPr>
           <a:xfrm>
             <a:off x="1368000" y="1010880"/>
-            <a:ext cx="5538960" cy="6112080"/>
+            <a:ext cx="5538600" cy="6111720"/>
           </a:xfrm>
           <a:prstGeom prst="rect">
             <a:avLst/>
@@ -19182,7 +19182,7 @@
         <p:spPr>
           <a:xfrm>
             <a:off x="7848000" y="1148400"/>
-            <a:ext cx="3556080" cy="5704560"/>
+            <a:ext cx="3555720" cy="5704200"/>
           </a:xfrm>
           <a:prstGeom prst="rect">
             <a:avLst/>
@@ -19710,7 +19710,7 @@
         <p:spPr>
           <a:xfrm>
             <a:off x="1561680" y="0"/>
-            <a:ext cx="9063720" cy="1254600"/>
+            <a:ext cx="9063360" cy="1254240"/>
           </a:xfrm>
           <a:prstGeom prst="rect">
             <a:avLst/>
@@ -19759,7 +19759,7 @@
         <p:spPr>
           <a:xfrm>
             <a:off x="4337640" y="1440000"/>
-            <a:ext cx="3511440" cy="4961520"/>
+            <a:ext cx="3511080" cy="4961160"/>
           </a:xfrm>
           <a:prstGeom prst="rect">
             <a:avLst/>
@@ -20117,7 +20117,7 @@
         <p:spPr>
           <a:xfrm>
             <a:off x="1561680" y="0"/>
-            <a:ext cx="9063720" cy="1254600"/>
+            <a:ext cx="9063360" cy="1254240"/>
           </a:xfrm>
           <a:prstGeom prst="rect">
             <a:avLst/>
@@ -20166,7 +20166,7 @@
         <p:spPr>
           <a:xfrm>
             <a:off x="1368000" y="1010880"/>
-            <a:ext cx="5538960" cy="6112080"/>
+            <a:ext cx="5538600" cy="6111720"/>
           </a:xfrm>
           <a:prstGeom prst="rect">
             <a:avLst/>
@@ -20215,7 +20215,7 @@
             </a:endParaRPr>
           </a:p>
           <a:p>
-            <a:pPr marL="285840" indent="-281880">
+            <a:pPr marL="285840" indent="-281520">
               <a:lnSpc>
                 <a:spcPct val="100000"/>
               </a:lnSpc>
@@ -20240,7 +20240,7 @@
             </a:endParaRPr>
           </a:p>
           <a:p>
-            <a:pPr marL="285840" indent="-281880">
+            <a:pPr marL="285840" indent="-281520">
               <a:lnSpc>
                 <a:spcPct val="100000"/>
               </a:lnSpc>
@@ -20265,7 +20265,7 @@
             </a:endParaRPr>
           </a:p>
           <a:p>
-            <a:pPr marL="285840" indent="-281880">
+            <a:pPr marL="285840" indent="-281520">
               <a:lnSpc>
                 <a:spcPct val="100000"/>
               </a:lnSpc>
@@ -20500,7 +20500,7 @@
         <p:spPr>
           <a:xfrm>
             <a:off x="6910920" y="1538640"/>
-            <a:ext cx="5200920" cy="5745240"/>
+            <a:ext cx="5200560" cy="5744880"/>
           </a:xfrm>
           <a:prstGeom prst="rect">
             <a:avLst/>
@@ -20928,7 +20928,7 @@
         <p:spPr>
           <a:xfrm>
             <a:off x="1561680" y="0"/>
-            <a:ext cx="9063720" cy="1254600"/>
+            <a:ext cx="9063360" cy="1254240"/>
           </a:xfrm>
           <a:prstGeom prst="rect">
             <a:avLst/>
@@ -20977,7 +20977,7 @@
         <p:spPr>
           <a:xfrm>
             <a:off x="4396320" y="1170720"/>
-            <a:ext cx="2451960" cy="443160"/>
+            <a:ext cx="2451600" cy="442800"/>
           </a:xfrm>
           <a:prstGeom prst="rect">
             <a:avLst/>
@@ -21033,7 +21033,7 @@
         <p:spPr>
           <a:xfrm>
             <a:off x="741600" y="2052720"/>
-            <a:ext cx="2451960" cy="443160"/>
+            <a:ext cx="2451600" cy="442800"/>
           </a:xfrm>
           <a:prstGeom prst="rect">
             <a:avLst/>
@@ -21089,7 +21089,7 @@
         <p:spPr>
           <a:xfrm>
             <a:off x="7658280" y="2052720"/>
-            <a:ext cx="2451960" cy="443160"/>
+            <a:ext cx="2451600" cy="442800"/>
           </a:xfrm>
           <a:prstGeom prst="rect">
             <a:avLst/>
@@ -21145,7 +21145,7 @@
         <p:spPr>
           <a:xfrm>
             <a:off x="4680000" y="3096000"/>
-            <a:ext cx="2451960" cy="443160"/>
+            <a:ext cx="2451600" cy="442800"/>
           </a:xfrm>
           <a:prstGeom prst="rect">
             <a:avLst/>
@@ -21200,8 +21200,8 @@
         </p:nvSpPr>
         <p:spPr>
           <a:xfrm flipH="1">
-            <a:off x="1965960" y="1394280"/>
-            <a:ext cx="2422800" cy="654480"/>
+            <a:off x="1965240" y="1394280"/>
+            <a:ext cx="2422440" cy="654120"/>
           </a:xfrm>
           <a:custGeom>
             <a:avLst/>
@@ -21254,7 +21254,7 @@
         <p:spPr>
           <a:xfrm>
             <a:off x="6852240" y="1394280"/>
-            <a:ext cx="2030040" cy="654480"/>
+            <a:ext cx="2029680" cy="654120"/>
           </a:xfrm>
           <a:custGeom>
             <a:avLst/>
@@ -21306,8 +21306,8 @@
         </p:nvSpPr>
         <p:spPr>
           <a:xfrm flipH="1">
-            <a:off x="5902560" y="2499840"/>
-            <a:ext cx="2975760" cy="594720"/>
+            <a:off x="5901840" y="2499840"/>
+            <a:ext cx="2975400" cy="594360"/>
           </a:xfrm>
           <a:custGeom>
             <a:avLst/>
@@ -21360,7 +21360,7 @@
         <p:spPr>
           <a:xfrm>
             <a:off x="5151240" y="3978360"/>
-            <a:ext cx="2451960" cy="443160"/>
+            <a:ext cx="2451600" cy="442800"/>
           </a:xfrm>
           <a:prstGeom prst="rect">
             <a:avLst/>
@@ -21416,7 +21416,7 @@
         <p:spPr>
           <a:xfrm>
             <a:off x="5151240" y="4772520"/>
-            <a:ext cx="3343320" cy="443160"/>
+            <a:ext cx="3342960" cy="442800"/>
           </a:xfrm>
           <a:prstGeom prst="rect">
             <a:avLst/>
@@ -21503,7 +21503,7 @@
         <p:spPr>
           <a:xfrm>
             <a:off x="4849920" y="4201920"/>
-            <a:ext cx="297360" cy="360"/>
+            <a:ext cx="297000" cy="360"/>
           </a:xfrm>
           <a:custGeom>
             <a:avLst/>
@@ -21556,7 +21556,7 @@
         <p:spPr>
           <a:xfrm>
             <a:off x="4849920" y="4998960"/>
-            <a:ext cx="297360" cy="360"/>
+            <a:ext cx="297000" cy="360"/>
           </a:xfrm>
           <a:custGeom>
             <a:avLst/>
@@ -21609,7 +21609,7 @@
         <p:spPr>
           <a:xfrm>
             <a:off x="5151240" y="5493240"/>
-            <a:ext cx="2451960" cy="443160"/>
+            <a:ext cx="2451600" cy="442800"/>
           </a:xfrm>
           <a:prstGeom prst="rect">
             <a:avLst/>
@@ -21665,7 +21665,7 @@
         <p:spPr>
           <a:xfrm>
             <a:off x="4849920" y="5716800"/>
-            <a:ext cx="297360" cy="360"/>
+            <a:ext cx="297000" cy="360"/>
           </a:xfrm>
           <a:custGeom>
             <a:avLst/>
@@ -21718,7 +21718,7 @@
         <p:spPr>
           <a:xfrm>
             <a:off x="9560160" y="3205440"/>
-            <a:ext cx="2451960" cy="443160"/>
+            <a:ext cx="2451600" cy="442800"/>
           </a:xfrm>
           <a:prstGeom prst="rect">
             <a:avLst/>
@@ -21774,7 +21774,7 @@
         <p:spPr>
           <a:xfrm>
             <a:off x="9560160" y="3952800"/>
-            <a:ext cx="2451960" cy="443160"/>
+            <a:ext cx="2451600" cy="442800"/>
           </a:xfrm>
           <a:prstGeom prst="rect">
             <a:avLst/>
@@ -21861,7 +21861,7 @@
         <p:spPr>
           <a:xfrm>
             <a:off x="9155880" y="3423240"/>
-            <a:ext cx="400320" cy="1800"/>
+            <a:ext cx="399960" cy="1440"/>
           </a:xfrm>
           <a:custGeom>
             <a:avLst/>
@@ -21913,8 +21913,8 @@
         </p:nvSpPr>
         <p:spPr>
           <a:xfrm flipV="1">
-            <a:off x="9155880" y="4131720"/>
-            <a:ext cx="400320" cy="1440"/>
+            <a:off x="9155880" y="4129920"/>
+            <a:ext cx="399960" cy="1080"/>
           </a:xfrm>
           <a:custGeom>
             <a:avLst/>
@@ -21967,7 +21967,7 @@
         <p:spPr>
           <a:xfrm>
             <a:off x="9560160" y="4870800"/>
-            <a:ext cx="2451960" cy="443160"/>
+            <a:ext cx="2451600" cy="442800"/>
           </a:xfrm>
           <a:prstGeom prst="rect">
             <a:avLst/>
@@ -22022,8 +22022,8 @@
         </p:nvSpPr>
         <p:spPr>
           <a:xfrm flipV="1">
-            <a:off x="9155880" y="5049720"/>
-            <a:ext cx="400320" cy="1440"/>
+            <a:off x="9155880" y="5047920"/>
+            <a:ext cx="399960" cy="1080"/>
           </a:xfrm>
           <a:custGeom>
             <a:avLst/>
@@ -22076,7 +22076,7 @@
         <p:spPr>
           <a:xfrm>
             <a:off x="234360" y="3342240"/>
-            <a:ext cx="4600440" cy="2007000"/>
+            <a:ext cx="4600080" cy="2006640"/>
           </a:xfrm>
           <a:prstGeom prst="rect">
             <a:avLst/>
@@ -22204,7 +22204,7 @@
         <p:spPr>
           <a:xfrm>
             <a:off x="1561680" y="0"/>
-            <a:ext cx="9063720" cy="1254600"/>
+            <a:ext cx="9063360" cy="1254240"/>
           </a:xfrm>
           <a:prstGeom prst="rect">
             <a:avLst/>
@@ -22253,7 +22253,7 @@
         <p:spPr>
           <a:xfrm>
             <a:off x="1368000" y="1010880"/>
-            <a:ext cx="10493640" cy="6112080"/>
+            <a:ext cx="10493280" cy="6111720"/>
           </a:xfrm>
           <a:prstGeom prst="rect">
             <a:avLst/>
@@ -22591,7 +22591,7 @@
         <p:spPr>
           <a:xfrm>
             <a:off x="1561680" y="0"/>
-            <a:ext cx="9063720" cy="1254600"/>
+            <a:ext cx="9063360" cy="1254240"/>
           </a:xfrm>
           <a:prstGeom prst="rect">
             <a:avLst/>
@@ -22640,7 +22640,7 @@
         <p:spPr>
           <a:xfrm>
             <a:off x="1368000" y="1010880"/>
-            <a:ext cx="10493640" cy="6112080"/>
+            <a:ext cx="10493280" cy="6111720"/>
           </a:xfrm>
           <a:prstGeom prst="rect">
             <a:avLst/>
@@ -22958,7 +22958,7 @@
         <p:spPr>
           <a:xfrm>
             <a:off x="1561680" y="0"/>
-            <a:ext cx="9063720" cy="1254600"/>
+            <a:ext cx="9063360" cy="1254240"/>
           </a:xfrm>
           <a:prstGeom prst="rect">
             <a:avLst/>
@@ -23007,7 +23007,7 @@
         <p:spPr>
           <a:xfrm>
             <a:off x="587880" y="1946880"/>
-            <a:ext cx="6407640" cy="5103000"/>
+            <a:ext cx="6407280" cy="5102640"/>
           </a:xfrm>
           <a:prstGeom prst="rect">
             <a:avLst/>
@@ -23276,7 +23276,7 @@
         <p:spPr>
           <a:xfrm>
             <a:off x="6999480" y="867600"/>
-            <a:ext cx="4687920" cy="6121800"/>
+            <a:ext cx="4687560" cy="6121440"/>
           </a:xfrm>
           <a:prstGeom prst="rect">
             <a:avLst/>
@@ -23774,7 +23774,7 @@
         <p:spPr>
           <a:xfrm>
             <a:off x="1561680" y="0"/>
-            <a:ext cx="9063720" cy="1254600"/>
+            <a:ext cx="9063360" cy="1254240"/>
           </a:xfrm>
           <a:prstGeom prst="rect">
             <a:avLst/>
@@ -23823,7 +23823,7 @@
         <p:spPr>
           <a:xfrm>
             <a:off x="1368000" y="1224000"/>
-            <a:ext cx="5108400" cy="4455000"/>
+            <a:ext cx="5108040" cy="4454640"/>
           </a:xfrm>
           <a:prstGeom prst="rect">
             <a:avLst/>
@@ -23962,7 +23962,7 @@
         <p:spPr>
           <a:xfrm>
             <a:off x="6864120" y="1800000"/>
-            <a:ext cx="5324400" cy="5745240"/>
+            <a:ext cx="5324040" cy="5744880"/>
           </a:xfrm>
           <a:prstGeom prst="rect">
             <a:avLst/>
@@ -24307,7 +24307,7 @@
         <p:spPr>
           <a:xfrm>
             <a:off x="1561680" y="0"/>
-            <a:ext cx="9063720" cy="1254600"/>
+            <a:ext cx="9063360" cy="1254240"/>
           </a:xfrm>
           <a:prstGeom prst="rect">
             <a:avLst/>
@@ -24356,7 +24356,7 @@
         <p:spPr>
           <a:xfrm>
             <a:off x="1368000" y="1224000"/>
-            <a:ext cx="4748760" cy="4455000"/>
+            <a:ext cx="4748400" cy="4454640"/>
           </a:xfrm>
           <a:prstGeom prst="rect">
             <a:avLst/>
@@ -24415,7 +24415,7 @@
         <p:spPr>
           <a:xfrm>
             <a:off x="6120000" y="1152000"/>
-            <a:ext cx="6116400" cy="5745240"/>
+            <a:ext cx="6116040" cy="5744880"/>
           </a:xfrm>
           <a:prstGeom prst="rect">
             <a:avLst/>
@@ -24730,7 +24730,7 @@
         <p:spPr>
           <a:xfrm>
             <a:off x="504000" y="5400000"/>
-            <a:ext cx="5612760" cy="1220760"/>
+            <a:ext cx="5612400" cy="1220400"/>
           </a:xfrm>
           <a:prstGeom prst="rect">
             <a:avLst/>
@@ -24839,7 +24839,7 @@
         <p:spPr>
           <a:xfrm>
             <a:off x="1561680" y="0"/>
-            <a:ext cx="9063720" cy="1254600"/>
+            <a:ext cx="9063360" cy="1254240"/>
           </a:xfrm>
           <a:prstGeom prst="rect">
             <a:avLst/>
@@ -24888,7 +24888,7 @@
         <p:spPr>
           <a:xfrm>
             <a:off x="1368000" y="1224000"/>
-            <a:ext cx="10293120" cy="4455000"/>
+            <a:ext cx="10292760" cy="4454640"/>
           </a:xfrm>
           <a:prstGeom prst="rect">
             <a:avLst/>
@@ -24987,7 +24987,7 @@
         <p:spPr>
           <a:xfrm>
             <a:off x="3024000" y="3153960"/>
-            <a:ext cx="2451960" cy="443160"/>
+            <a:ext cx="2451600" cy="442800"/>
           </a:xfrm>
           <a:prstGeom prst="rect">
             <a:avLst/>
@@ -25043,7 +25043,7 @@
         <p:spPr>
           <a:xfrm>
             <a:off x="7776000" y="3168000"/>
-            <a:ext cx="2451960" cy="443160"/>
+            <a:ext cx="2451600" cy="442800"/>
           </a:xfrm>
           <a:prstGeom prst="rect">
             <a:avLst/>
@@ -25099,7 +25099,7 @@
         <p:spPr>
           <a:xfrm>
             <a:off x="1001160" y="4305960"/>
-            <a:ext cx="2451960" cy="443160"/>
+            <a:ext cx="2451600" cy="442800"/>
           </a:xfrm>
           <a:prstGeom prst="rect">
             <a:avLst/>
@@ -25155,7 +25155,7 @@
         <p:spPr>
           <a:xfrm>
             <a:off x="4522320" y="4305960"/>
-            <a:ext cx="2451960" cy="443160"/>
+            <a:ext cx="2451600" cy="442800"/>
           </a:xfrm>
           <a:prstGeom prst="rect">
             <a:avLst/>
@@ -25211,7 +25211,7 @@
         <p:spPr>
           <a:xfrm>
             <a:off x="7769160" y="5385960"/>
-            <a:ext cx="2451960" cy="443160"/>
+            <a:ext cx="2451600" cy="442800"/>
           </a:xfrm>
           <a:prstGeom prst="rect">
             <a:avLst/>
@@ -25270,7 +25270,7 @@
         <p:spPr>
           <a:xfrm>
             <a:off x="4529160" y="5400000"/>
-            <a:ext cx="2451960" cy="443160"/>
+            <a:ext cx="2451600" cy="442800"/>
           </a:xfrm>
           <a:prstGeom prst="rect">
             <a:avLst/>
@@ -25329,7 +25329,7 @@
         <p:spPr>
           <a:xfrm>
             <a:off x="1008000" y="5457960"/>
-            <a:ext cx="2451960" cy="443160"/>
+            <a:ext cx="2451600" cy="442800"/>
           </a:xfrm>
           <a:prstGeom prst="rect">
             <a:avLst/>
@@ -25387,8 +25387,8 @@
         </p:nvSpPr>
         <p:spPr>
           <a:xfrm flipH="1">
-            <a:off x="2229120" y="3600000"/>
-            <a:ext cx="1702800" cy="654480"/>
+            <a:off x="2228400" y="3600000"/>
+            <a:ext cx="1702440" cy="654120"/>
           </a:xfrm>
           <a:custGeom>
             <a:avLst/>
@@ -25441,7 +25441,7 @@
         <p:spPr>
           <a:xfrm>
             <a:off x="4729680" y="3610440"/>
-            <a:ext cx="1099440" cy="692640"/>
+            <a:ext cx="1099080" cy="692280"/>
           </a:xfrm>
           <a:custGeom>
             <a:avLst/>
@@ -25493,8 +25493,8 @@
         </p:nvSpPr>
         <p:spPr>
           <a:xfrm flipH="1">
-            <a:off x="2225880" y="4752000"/>
-            <a:ext cx="360" cy="645120"/>
+            <a:off x="2225160" y="4752000"/>
+            <a:ext cx="360" cy="644760"/>
           </a:xfrm>
           <a:custGeom>
             <a:avLst/>
@@ -25546,8 +25546,8 @@
         </p:nvSpPr>
         <p:spPr>
           <a:xfrm flipH="1">
-            <a:off x="5753880" y="4752000"/>
-            <a:ext cx="360" cy="645120"/>
+            <a:off x="5753160" y="4752000"/>
+            <a:ext cx="360" cy="644760"/>
           </a:xfrm>
           <a:custGeom>
             <a:avLst/>
@@ -25599,8 +25599,8 @@
         </p:nvSpPr>
         <p:spPr>
           <a:xfrm flipH="1">
-            <a:off x="8993880" y="3614040"/>
-            <a:ext cx="360" cy="1769040"/>
+            <a:off x="8993160" y="3614040"/>
+            <a:ext cx="360" cy="1768680"/>
           </a:xfrm>
           <a:custGeom>
             <a:avLst/>
@@ -25702,7 +25702,7 @@
         <p:spPr>
           <a:xfrm>
             <a:off x="1561680" y="0"/>
-            <a:ext cx="9063720" cy="1254600"/>
+            <a:ext cx="9063360" cy="1254240"/>
           </a:xfrm>
           <a:prstGeom prst="rect">
             <a:avLst/>
@@ -25751,7 +25751,7 @@
         <p:spPr>
           <a:xfrm>
             <a:off x="1368000" y="1224000"/>
-            <a:ext cx="4605120" cy="5325120"/>
+            <a:ext cx="4604760" cy="5324760"/>
           </a:xfrm>
           <a:prstGeom prst="rect">
             <a:avLst/>
@@ -25830,7 +25830,7 @@
         <p:spPr>
           <a:xfrm>
             <a:off x="6264000" y="1080000"/>
-            <a:ext cx="5757120" cy="5470560"/>
+            <a:ext cx="5756760" cy="5470200"/>
           </a:xfrm>
           <a:prstGeom prst="rect">
             <a:avLst/>
@@ -26114,7 +26114,7 @@
         <p:spPr>
           <a:xfrm>
             <a:off x="1561680" y="0"/>
-            <a:ext cx="9063720" cy="1254600"/>
+            <a:ext cx="9063360" cy="1254240"/>
           </a:xfrm>
           <a:prstGeom prst="rect">
             <a:avLst/>
@@ -26163,7 +26163,7 @@
         <p:spPr>
           <a:xfrm>
             <a:off x="1369800" y="937800"/>
-            <a:ext cx="4749120" cy="5325120"/>
+            <a:ext cx="4748760" cy="5324760"/>
           </a:xfrm>
           <a:prstGeom prst="rect">
             <a:avLst/>
@@ -26352,7 +26352,7 @@
         <p:spPr>
           <a:xfrm>
             <a:off x="6264000" y="2376000"/>
-            <a:ext cx="5757120" cy="2445120"/>
+            <a:ext cx="5756760" cy="2444760"/>
           </a:xfrm>
           <a:prstGeom prst="rect">
             <a:avLst/>
@@ -26537,7 +26537,7 @@
         <p:spPr>
           <a:xfrm>
             <a:off x="1561680" y="0"/>
-            <a:ext cx="9063720" cy="1254600"/>
+            <a:ext cx="9063360" cy="1254240"/>
           </a:xfrm>
           <a:prstGeom prst="rect">
             <a:avLst/>
@@ -26586,7 +26586,7 @@
         <p:spPr>
           <a:xfrm>
             <a:off x="861840" y="1728360"/>
-            <a:ext cx="5396040" cy="4961520"/>
+            <a:ext cx="5395680" cy="4961160"/>
           </a:xfrm>
           <a:prstGeom prst="rect">
             <a:avLst/>
@@ -26635,7 +26635,7 @@
         <p:spPr>
           <a:xfrm>
             <a:off x="1703520" y="1728360"/>
-            <a:ext cx="8780040" cy="4961520"/>
+            <a:ext cx="8779680" cy="4961160"/>
           </a:xfrm>
           <a:prstGeom prst="rect">
             <a:avLst/>
@@ -26903,7 +26903,7 @@
         <p:spPr>
           <a:xfrm>
             <a:off x="1561680" y="0"/>
-            <a:ext cx="9063720" cy="1254600"/>
+            <a:ext cx="9063360" cy="1254240"/>
           </a:xfrm>
           <a:prstGeom prst="rect">
             <a:avLst/>
@@ -26952,7 +26952,7 @@
         <p:spPr>
           <a:xfrm>
             <a:off x="1368000" y="1224000"/>
-            <a:ext cx="4605120" cy="5325120"/>
+            <a:ext cx="4604760" cy="5324760"/>
           </a:xfrm>
           <a:prstGeom prst="rect">
             <a:avLst/>
@@ -27101,7 +27101,7 @@
         <p:spPr>
           <a:xfrm>
             <a:off x="5976000" y="1944000"/>
-            <a:ext cx="5757120" cy="3564360"/>
+            <a:ext cx="5756760" cy="3564000"/>
           </a:xfrm>
           <a:prstGeom prst="rect">
             <a:avLst/>
@@ -27329,7 +27329,7 @@
         <p:spPr>
           <a:xfrm>
             <a:off x="1561680" y="0"/>
-            <a:ext cx="9063720" cy="1254600"/>
+            <a:ext cx="9063360" cy="1254240"/>
           </a:xfrm>
           <a:prstGeom prst="rect">
             <a:avLst/>
@@ -27378,7 +27378,7 @@
         <p:spPr>
           <a:xfrm>
             <a:off x="1080000" y="1224000"/>
-            <a:ext cx="10941480" cy="5325120"/>
+            <a:ext cx="10941120" cy="5324760"/>
           </a:xfrm>
           <a:prstGeom prst="rect">
             <a:avLst/>
@@ -27676,7 +27676,7 @@
         <p:spPr>
           <a:xfrm>
             <a:off x="1561680" y="0"/>
-            <a:ext cx="9063720" cy="1254600"/>
+            <a:ext cx="9063360" cy="1254240"/>
           </a:xfrm>
           <a:prstGeom prst="rect">
             <a:avLst/>
@@ -27725,7 +27725,7 @@
         <p:spPr>
           <a:xfrm>
             <a:off x="1137960" y="1050840"/>
-            <a:ext cx="10941480" cy="5325120"/>
+            <a:ext cx="10941120" cy="5324760"/>
           </a:xfrm>
           <a:prstGeom prst="rect">
             <a:avLst/>
@@ -28053,7 +28053,7 @@
         <p:spPr>
           <a:xfrm>
             <a:off x="1561680" y="0"/>
-            <a:ext cx="9063720" cy="1254600"/>
+            <a:ext cx="9063360" cy="1254240"/>
           </a:xfrm>
           <a:prstGeom prst="rect">
             <a:avLst/>
@@ -28102,7 +28102,7 @@
         <p:spPr>
           <a:xfrm>
             <a:off x="720000" y="1728000"/>
-            <a:ext cx="9861840" cy="4338000"/>
+            <a:ext cx="9861480" cy="4337640"/>
           </a:xfrm>
           <a:prstGeom prst="rect">
             <a:avLst/>
@@ -28391,7 +28391,7 @@
         <p:spPr>
           <a:xfrm>
             <a:off x="1561680" y="0"/>
-            <a:ext cx="9063720" cy="1254600"/>
+            <a:ext cx="9063360" cy="1254240"/>
           </a:xfrm>
           <a:prstGeom prst="rect">
             <a:avLst/>
@@ -28440,7 +28440,7 @@
         <p:spPr>
           <a:xfrm>
             <a:off x="720000" y="1728000"/>
-            <a:ext cx="9861840" cy="4621320"/>
+            <a:ext cx="9861480" cy="4620960"/>
           </a:xfrm>
           <a:prstGeom prst="rect">
             <a:avLst/>
@@ -28740,7 +28740,7 @@
         <p:spPr>
           <a:xfrm>
             <a:off x="1561680" y="0"/>
-            <a:ext cx="9063720" cy="1254600"/>
+            <a:ext cx="9063360" cy="1254240"/>
           </a:xfrm>
           <a:prstGeom prst="rect">
             <a:avLst/>
@@ -28789,7 +28789,7 @@
         <p:spPr>
           <a:xfrm>
             <a:off x="864000" y="1655640"/>
-            <a:ext cx="5253840" cy="4750200"/>
+            <a:ext cx="5253480" cy="4749840"/>
           </a:xfrm>
           <a:prstGeom prst="rect">
             <a:avLst/>
@@ -29010,7 +29010,7 @@
         <p:spPr>
           <a:xfrm>
             <a:off x="6264000" y="1368000"/>
-            <a:ext cx="5469840" cy="5463360"/>
+            <a:ext cx="5469480" cy="5463000"/>
           </a:xfrm>
           <a:prstGeom prst="rect">
             <a:avLst/>
@@ -29313,7 +29313,7 @@
         <p:spPr>
           <a:xfrm>
             <a:off x="1561680" y="0"/>
-            <a:ext cx="9063720" cy="1254600"/>
+            <a:ext cx="9063360" cy="1254240"/>
           </a:xfrm>
           <a:prstGeom prst="rect">
             <a:avLst/>
@@ -29362,7 +29362,7 @@
         <p:spPr>
           <a:xfrm>
             <a:off x="2952000" y="1944000"/>
-            <a:ext cx="6708240" cy="5325120"/>
+            <a:ext cx="6707880" cy="5324760"/>
           </a:xfrm>
           <a:prstGeom prst="rect">
             <a:avLst/>
@@ -29620,7 +29620,7 @@
         <p:spPr>
           <a:xfrm>
             <a:off x="1561680" y="0"/>
-            <a:ext cx="9063720" cy="1254600"/>
+            <a:ext cx="9063360" cy="1254240"/>
           </a:xfrm>
           <a:prstGeom prst="rect">
             <a:avLst/>
@@ -29669,7 +29669,7 @@
         <p:spPr>
           <a:xfrm>
             <a:off x="936000" y="1369080"/>
-            <a:ext cx="6118200" cy="5325120"/>
+            <a:ext cx="6117840" cy="5324760"/>
           </a:xfrm>
           <a:prstGeom prst="rect">
             <a:avLst/>
@@ -29978,7 +29978,7 @@
         <p:spPr>
           <a:xfrm>
             <a:off x="138240" y="6192000"/>
-            <a:ext cx="1371960" cy="443160"/>
+            <a:ext cx="1371600" cy="442800"/>
           </a:xfrm>
           <a:prstGeom prst="rect">
             <a:avLst/>
@@ -30034,7 +30034,7 @@
         <p:spPr>
           <a:xfrm>
             <a:off x="2376000" y="6192000"/>
-            <a:ext cx="1654200" cy="443160"/>
+            <a:ext cx="1653840" cy="442800"/>
           </a:xfrm>
           <a:prstGeom prst="rect">
             <a:avLst/>
@@ -30090,7 +30090,7 @@
         <p:spPr>
           <a:xfrm>
             <a:off x="4968000" y="6179040"/>
-            <a:ext cx="1654200" cy="443160"/>
+            <a:ext cx="1653840" cy="442800"/>
           </a:xfrm>
           <a:prstGeom prst="rect">
             <a:avLst/>
@@ -30146,7 +30146,7 @@
         <p:spPr>
           <a:xfrm>
             <a:off x="7488000" y="6192000"/>
-            <a:ext cx="1654200" cy="443160"/>
+            <a:ext cx="1653840" cy="442800"/>
           </a:xfrm>
           <a:prstGeom prst="rect">
             <a:avLst/>
@@ -30202,7 +30202,7 @@
         <p:spPr>
           <a:xfrm>
             <a:off x="10080000" y="6194160"/>
-            <a:ext cx="1654200" cy="443160"/>
+            <a:ext cx="1653840" cy="442800"/>
           </a:xfrm>
           <a:prstGeom prst="rect">
             <a:avLst/>
@@ -30370,7 +30370,7 @@
         <p:spPr>
           <a:xfrm>
             <a:off x="7167960" y="1512000"/>
-            <a:ext cx="5214240" cy="4390200"/>
+            <a:ext cx="5213880" cy="4389840"/>
           </a:xfrm>
           <a:prstGeom prst="rect">
             <a:avLst/>
@@ -30794,7 +30794,7 @@
         <p:spPr>
           <a:xfrm>
             <a:off x="1561680" y="0"/>
-            <a:ext cx="9063720" cy="1254600"/>
+            <a:ext cx="9063360" cy="1254240"/>
           </a:xfrm>
           <a:prstGeom prst="rect">
             <a:avLst/>
@@ -30843,7 +30843,7 @@
         <p:spPr>
           <a:xfrm>
             <a:off x="936000" y="1369080"/>
-            <a:ext cx="6118200" cy="5325120"/>
+            <a:ext cx="6117840" cy="5324760"/>
           </a:xfrm>
           <a:prstGeom prst="rect">
             <a:avLst/>
@@ -31192,7 +31192,7 @@
         <p:spPr>
           <a:xfrm>
             <a:off x="6879960" y="2376000"/>
-            <a:ext cx="5214240" cy="3382200"/>
+            <a:ext cx="5213880" cy="3381840"/>
           </a:xfrm>
           <a:prstGeom prst="rect">
             <a:avLst/>
@@ -31405,7 +31405,7 @@
         <p:spPr>
           <a:xfrm>
             <a:off x="1561680" y="0"/>
-            <a:ext cx="9063720" cy="1254600"/>
+            <a:ext cx="9063360" cy="1254240"/>
           </a:xfrm>
           <a:prstGeom prst="rect">
             <a:avLst/>
@@ -31454,7 +31454,7 @@
         <p:spPr>
           <a:xfrm>
             <a:off x="1008000" y="1872000"/>
-            <a:ext cx="5326200" cy="5325120"/>
+            <a:ext cx="5325840" cy="5324760"/>
           </a:xfrm>
           <a:prstGeom prst="rect">
             <a:avLst/>
@@ -31663,7 +31663,7 @@
         <p:spPr>
           <a:xfrm>
             <a:off x="6480000" y="1980720"/>
-            <a:ext cx="5614200" cy="3849480"/>
+            <a:ext cx="5613840" cy="3849120"/>
           </a:xfrm>
           <a:prstGeom prst="rect">
             <a:avLst/>
@@ -32013,7 +32013,7 @@
         <p:spPr>
           <a:xfrm>
             <a:off x="1561680" y="0"/>
-            <a:ext cx="9063720" cy="1254600"/>
+            <a:ext cx="9063360" cy="1254240"/>
           </a:xfrm>
           <a:prstGeom prst="rect">
             <a:avLst/>
@@ -32062,7 +32062,7 @@
         <p:spPr>
           <a:xfrm>
             <a:off x="861480" y="1728360"/>
-            <a:ext cx="5396040" cy="4961520"/>
+            <a:ext cx="5395680" cy="4961160"/>
           </a:xfrm>
           <a:prstGeom prst="rect">
             <a:avLst/>
@@ -32110,8 +32110,8 @@
         </p:nvSpPr>
         <p:spPr>
           <a:xfrm rot="21553200">
-            <a:off x="2466000" y="2633760"/>
-            <a:ext cx="1580040" cy="2670120"/>
+            <a:off x="2466000" y="2633400"/>
+            <a:ext cx="1579680" cy="2669760"/>
           </a:xfrm>
           <a:prstGeom prst="rect">
             <a:avLst/>
@@ -32213,8 +32213,8 @@
         </p:nvSpPr>
         <p:spPr>
           <a:xfrm rot="21553200">
-            <a:off x="5418000" y="2633760"/>
-            <a:ext cx="1580040" cy="2670120"/>
+            <a:off x="5418000" y="2633400"/>
+            <a:ext cx="1579680" cy="2669760"/>
           </a:xfrm>
           <a:prstGeom prst="rect">
             <a:avLst/>
@@ -32385,7 +32385,7 @@
         <p:spPr>
           <a:xfrm>
             <a:off x="8354160" y="1728000"/>
-            <a:ext cx="1721880" cy="1217880"/>
+            <a:ext cx="1721520" cy="1217520"/>
           </a:xfrm>
           <a:prstGeom prst="rect">
             <a:avLst/>
@@ -32488,7 +32488,7 @@
         <p:spPr>
           <a:xfrm>
             <a:off x="8282160" y="4895640"/>
-            <a:ext cx="1721880" cy="1217880"/>
+            <a:ext cx="1721520" cy="1217520"/>
           </a:xfrm>
           <a:prstGeom prst="rect">
             <a:avLst/>
@@ -32591,7 +32591,7 @@
         <p:spPr>
           <a:xfrm>
             <a:off x="4320000" y="3383640"/>
-            <a:ext cx="1073880" cy="340200"/>
+            <a:ext cx="1073520" cy="339840"/>
           </a:xfrm>
           <a:prstGeom prst="rect">
             <a:avLst/>
@@ -32696,7 +32696,7 @@
         <p:spPr>
           <a:xfrm>
             <a:off x="7058160" y="3685320"/>
-            <a:ext cx="1073880" cy="596160"/>
+            <a:ext cx="1073520" cy="595800"/>
           </a:xfrm>
           <a:prstGeom prst="rect">
             <a:avLst/>
@@ -32804,7 +32804,7 @@
         <p:spPr>
           <a:xfrm>
             <a:off x="1561680" y="720"/>
-            <a:ext cx="9063720" cy="1254600"/>
+            <a:ext cx="9063360" cy="1254240"/>
           </a:xfrm>
           <a:prstGeom prst="rect">
             <a:avLst/>
@@ -35042,7 +35042,7 @@
         <p:spPr>
           <a:xfrm>
             <a:off x="1561680" y="0"/>
-            <a:ext cx="9063720" cy="1254600"/>
+            <a:ext cx="9063360" cy="1254240"/>
           </a:xfrm>
           <a:prstGeom prst="rect">
             <a:avLst/>
@@ -35091,7 +35091,7 @@
         <p:spPr>
           <a:xfrm>
             <a:off x="1998720" y="863640"/>
-            <a:ext cx="8416080" cy="4653360"/>
+            <a:ext cx="8415720" cy="4653000"/>
           </a:xfrm>
           <a:prstGeom prst="rect">
             <a:avLst/>
@@ -35417,7 +35417,7 @@
         <p:spPr>
           <a:xfrm>
             <a:off x="1561680" y="0"/>
-            <a:ext cx="9063720" cy="1254600"/>
+            <a:ext cx="9063360" cy="1254240"/>
           </a:xfrm>
           <a:prstGeom prst="rect">
             <a:avLst/>
@@ -35466,7 +35466,7 @@
         <p:spPr>
           <a:xfrm>
             <a:off x="1633320" y="1087560"/>
-            <a:ext cx="8920080" cy="6355440"/>
+            <a:ext cx="8919720" cy="6355080"/>
           </a:xfrm>
           <a:prstGeom prst="rect">
             <a:avLst/>
@@ -35844,7 +35844,7 @@
         <p:spPr>
           <a:xfrm>
             <a:off x="1561680" y="360"/>
-            <a:ext cx="9063720" cy="1254600"/>
+            <a:ext cx="9063360" cy="1254240"/>
           </a:xfrm>
           <a:prstGeom prst="rect">
             <a:avLst/>

--- a/WprowadzenieDoJezykaJAVA_v2_PiotrKrajnik.pptx
+++ b/WprowadzenieDoJezykaJAVA_v2_PiotrKrajnik.pptx
@@ -153,6 +153,11 @@
       </a:defRPr>
     </a:lvl9pPr>
   </p:defaultTextStyle>
+  <p:extLst>
+    <p:ext uri="{EFAFB233-063F-42B5-8137-9DF3F51BA10A}">
+      <p15:sldGuideLst xmlns:p15="http://schemas.microsoft.com/office/powerpoint/2012/main"/>
+    </p:ext>
+  </p:extLst>
 </p:presentation>
 </file>
 
@@ -4802,7 +4807,7 @@
               </a:lnSpc>
             </a:pPr>
             <a:r>
-              <a:rPr lang="pl-PL" sz="2000" b="0" strike="noStrike" spc="-1">
+              <a:rPr lang="pl-PL" sz="2000" b="0" strike="noStrike" spc="-1" dirty="0">
                 <a:solidFill>
                   <a:srgbClr val="FFFFFF"/>
                 </a:solidFill>
@@ -4811,18 +4816,18 @@
               </a:rPr>
               <a:t>Jeżeli warunek logiczny jest spełniony, zostanie wykonany kod1, a kod2 nie zostanie wykonany.</a:t>
             </a:r>
-            <a:endParaRPr lang="pl-PL" sz="2000" b="0" strike="noStrike" spc="-1">
-              <a:latin typeface="Arial"/>
-            </a:endParaRPr>
-          </a:p>
-          <a:p>
-            <a:pPr>
-              <a:lnSpc>
-                <a:spcPct val="100000"/>
-              </a:lnSpc>
-            </a:pPr>
-            <a:r>
-              <a:rPr lang="pl-PL" sz="2000" b="0" strike="noStrike" spc="-1">
+            <a:endParaRPr lang="pl-PL" sz="2000" b="0" strike="noStrike" spc="-1" dirty="0">
+              <a:latin typeface="Arial"/>
+            </a:endParaRPr>
+          </a:p>
+          <a:p>
+            <a:pPr>
+              <a:lnSpc>
+                <a:spcPct val="100000"/>
+              </a:lnSpc>
+            </a:pPr>
+            <a:r>
+              <a:rPr lang="pl-PL" sz="2000" b="0" strike="noStrike" spc="-1" dirty="0">
                 <a:solidFill>
                   <a:srgbClr val="FFFFFF"/>
                 </a:solidFill>
@@ -4831,7 +4836,7 @@
               </a:rPr>
               <a:t>W przeciwnym razie (tj. jeśli warunek logiczny nie jest spełniony, wykonany zostanie kod2, a kod1 nie zostanie wykonany</a:t>
             </a:r>
-            <a:endParaRPr lang="pl-PL" sz="2000" b="0" strike="noStrike" spc="-1">
+            <a:endParaRPr lang="pl-PL" sz="2000" b="0" strike="noStrike" spc="-1" dirty="0">
               <a:latin typeface="Arial"/>
             </a:endParaRPr>
           </a:p>
@@ -15892,16 +15897,16 @@
               </a:lnSpc>
             </a:pPr>
             <a:r>
-              <a:rPr lang="pl-PL" sz="4400" b="1" strike="noStrike" spc="-1">
-                <a:solidFill>
-                  <a:srgbClr val="FFFFFF"/>
-                </a:solidFill>
-                <a:latin typeface="Arial"/>
-                <a:ea typeface="DejaVu Sans"/>
-              </a:rPr>
-              <a:t>Klasy - Dziedziczenie – przeciążanie metod</a:t>
-            </a:r>
-            <a:endParaRPr lang="pl-PL" sz="4400" b="0" strike="noStrike" spc="-1">
+              <a:rPr lang="pl-PL" sz="4400" b="1" strike="noStrike" spc="-1" dirty="0">
+                <a:solidFill>
+                  <a:srgbClr val="FFFFFF"/>
+                </a:solidFill>
+                <a:latin typeface="Arial"/>
+                <a:ea typeface="DejaVu Sans"/>
+              </a:rPr>
+              <a:t>Klasy - Dziedziczenie – nadpisywanie metod</a:t>
+            </a:r>
+            <a:endParaRPr lang="pl-PL" sz="4400" b="0" strike="noStrike" spc="-1" dirty="0">
               <a:latin typeface="Arial"/>
             </a:endParaRPr>
           </a:p>
@@ -15978,14 +15983,54 @@
               <a:t>Aby taki cel zrealizować, należy w klasie pochodnej </a:t>
             </a:r>
             <a:r>
+              <a:rPr lang="pl-PL" sz="2000" spc="-1" dirty="0">
+                <a:solidFill>
+                  <a:srgbClr val="00A65D"/>
+                </a:solidFill>
+                <a:latin typeface="Arial"/>
+                <a:ea typeface="DejaVu Sans"/>
+              </a:rPr>
+              <a:t>nadpisać</a:t>
+            </a:r>
+            <a:r>
               <a:rPr lang="pl-PL" sz="2000" b="0" strike="noStrike" spc="-1" dirty="0">
                 <a:solidFill>
-                  <a:srgbClr val="00A65D"/>
-                </a:solidFill>
-                <a:latin typeface="Arial"/>
-                <a:ea typeface="DejaVu Sans"/>
-              </a:rPr>
-              <a:t>przeciążyć</a:t>
+                  <a:srgbClr val="FFFFFF"/>
+                </a:solidFill>
+                <a:latin typeface="Arial"/>
+                <a:ea typeface="DejaVu Sans"/>
+              </a:rPr>
+              <a:t> daną metodę.</a:t>
+            </a:r>
+            <a:endParaRPr lang="pl-PL" sz="2000" b="0" strike="noStrike" spc="-1" dirty="0">
+              <a:latin typeface="Arial"/>
+            </a:endParaRPr>
+          </a:p>
+          <a:p>
+            <a:pPr>
+              <a:lnSpc>
+                <a:spcPct val="100000"/>
+              </a:lnSpc>
+            </a:pPr>
+            <a:endParaRPr lang="pl-PL" sz="2000" b="0" strike="noStrike" spc="-1" dirty="0">
+              <a:latin typeface="Arial"/>
+            </a:endParaRPr>
+          </a:p>
+          <a:p>
+            <a:pPr>
+              <a:lnSpc>
+                <a:spcPct val="100000"/>
+              </a:lnSpc>
+            </a:pPr>
+            <a:r>
+              <a:rPr lang="pl-PL" sz="2000" spc="-1" dirty="0">
+                <a:solidFill>
+                  <a:srgbClr val="FFFFFF"/>
+                </a:solidFill>
+                <a:latin typeface="Arial"/>
+                <a:ea typeface="DejaVu Sans"/>
+              </a:rPr>
+              <a:t>Nadpisywana</a:t>
             </a:r>
             <a:r>
               <a:rPr lang="pl-PL" sz="2000" b="0" strike="noStrike" spc="-1" dirty="0">
@@ -15995,7 +16040,7 @@
                 <a:latin typeface="Arial"/>
                 <a:ea typeface="DejaVu Sans"/>
               </a:rPr>
-              <a:t> daną metodę.</a:t>
+              <a:t> metoda musi mieć taką samą nazwę i taką samą listę argumentów, oraz ten sam (lub będący klasą pochodną zwracanego typu) zwracany typ. Nadpisywana metoda nie może też zawężać poziomu dostępu.</a:t>
             </a:r>
             <a:endParaRPr lang="pl-PL" sz="2000" b="0" strike="noStrike" spc="-1" dirty="0">
               <a:latin typeface="Arial"/>
@@ -16025,37 +16070,7 @@
                 <a:latin typeface="Arial"/>
                 <a:ea typeface="DejaVu Sans"/>
               </a:rPr>
-              <a:t>Przeciążana metoda musi mieć taką samą nazwę i taką samą listę argumentów, oraz ten sam (lub będący klasą pochodną zwracanego typu) zwracany typ. Przeciążana metoda nie może też zawężać poziomu dostępu.</a:t>
-            </a:r>
-            <a:endParaRPr lang="pl-PL" sz="2000" b="0" strike="noStrike" spc="-1" dirty="0">
-              <a:latin typeface="Arial"/>
-            </a:endParaRPr>
-          </a:p>
-          <a:p>
-            <a:pPr>
-              <a:lnSpc>
-                <a:spcPct val="100000"/>
-              </a:lnSpc>
-            </a:pPr>
-            <a:endParaRPr lang="pl-PL" sz="2000" b="0" strike="noStrike" spc="-1" dirty="0">
-              <a:latin typeface="Arial"/>
-            </a:endParaRPr>
-          </a:p>
-          <a:p>
-            <a:pPr>
-              <a:lnSpc>
-                <a:spcPct val="100000"/>
-              </a:lnSpc>
-            </a:pPr>
-            <a:r>
-              <a:rPr lang="pl-PL" sz="2000" b="0" strike="noStrike" spc="-1" dirty="0">
-                <a:solidFill>
-                  <a:srgbClr val="FFFFFF"/>
-                </a:solidFill>
-                <a:latin typeface="Arial"/>
-                <a:ea typeface="DejaVu Sans"/>
-              </a:rPr>
-              <a:t>Przy przeciążonej metodzie powinno się używać adnotacji @</a:t>
+              <a:t>Przy nadpisywanej metodzie powinno się używać adnotacji @</a:t>
             </a:r>
             <a:r>
               <a:rPr lang="pl-PL" sz="2000" b="0" strike="noStrike" spc="-1" dirty="0" err="1">
@@ -17008,7 +17023,7 @@
               </a:lnSpc>
             </a:pPr>
             <a:r>
-              <a:rPr lang="pl-PL" sz="2000" b="0" strike="noStrike" spc="-1">
+              <a:rPr lang="pl-PL" sz="2000" b="0" strike="noStrike" spc="-1" dirty="0">
                 <a:solidFill>
                   <a:srgbClr val="FFFFFF"/>
                 </a:solidFill>
@@ -17018,7 +17033,7 @@
               <a:t>W niektórych wypadkach nie ma sensu, lub wręcz nie da się sensownie implementować metod w klasach bazowych, gdyż mogą być one zbyt ogólne. W takim wypadku warto zadeklarować je jako </a:t>
             </a:r>
             <a:r>
-              <a:rPr lang="pl-PL" sz="2000" b="0" strike="noStrike" spc="-1">
+              <a:rPr lang="pl-PL" sz="2000" b="0" strike="noStrike" spc="-1" dirty="0">
                 <a:solidFill>
                   <a:srgbClr val="00A65D"/>
                 </a:solidFill>
@@ -17028,7 +17043,7 @@
               <a:t>klasy abstrakcyjne,</a:t>
             </a:r>
             <a:r>
-              <a:rPr lang="pl-PL" sz="2000" b="0" strike="noStrike" spc="-1">
+              <a:rPr lang="pl-PL" sz="2000" b="0" strike="noStrike" spc="-1" dirty="0">
                 <a:solidFill>
                   <a:srgbClr val="FFFFFF"/>
                 </a:solidFill>
@@ -17037,28 +17052,28 @@
               </a:rPr>
               <a:t> zawierające metody abstrakcyjne (te których nie ma sensu implementować w tak ogólnej klasie).</a:t>
             </a:r>
-            <a:endParaRPr lang="pl-PL" sz="2000" b="0" strike="noStrike" spc="-1">
-              <a:latin typeface="Arial"/>
-            </a:endParaRPr>
-          </a:p>
-          <a:p>
-            <a:pPr>
-              <a:lnSpc>
-                <a:spcPct val="100000"/>
-              </a:lnSpc>
-            </a:pPr>
-            <a:endParaRPr lang="pl-PL" sz="2000" b="0" strike="noStrike" spc="-1">
-              <a:latin typeface="Arial"/>
-            </a:endParaRPr>
-          </a:p>
-          <a:p>
-            <a:pPr>
-              <a:lnSpc>
-                <a:spcPct val="100000"/>
-              </a:lnSpc>
-            </a:pPr>
-            <a:r>
-              <a:rPr lang="pl-PL" sz="2000" b="0" strike="noStrike" spc="-1">
+            <a:endParaRPr lang="pl-PL" sz="2000" b="0" strike="noStrike" spc="-1" dirty="0">
+              <a:latin typeface="Arial"/>
+            </a:endParaRPr>
+          </a:p>
+          <a:p>
+            <a:pPr>
+              <a:lnSpc>
+                <a:spcPct val="100000"/>
+              </a:lnSpc>
+            </a:pPr>
+            <a:endParaRPr lang="pl-PL" sz="2000" b="0" strike="noStrike" spc="-1" dirty="0">
+              <a:latin typeface="Arial"/>
+            </a:endParaRPr>
+          </a:p>
+          <a:p>
+            <a:pPr>
+              <a:lnSpc>
+                <a:spcPct val="100000"/>
+              </a:lnSpc>
+            </a:pPr>
+            <a:r>
+              <a:rPr lang="pl-PL" sz="2000" b="0" strike="noStrike" spc="-1" dirty="0">
                 <a:solidFill>
                   <a:srgbClr val="FFFFFF"/>
                 </a:solidFill>
@@ -17067,28 +17082,28 @@
               </a:rPr>
               <a:t>Jeżeli klasa jest abstrakcyjna, to nie można tworzyć obiektów z takiej klasy.</a:t>
             </a:r>
-            <a:endParaRPr lang="pl-PL" sz="2000" b="0" strike="noStrike" spc="-1">
-              <a:latin typeface="Arial"/>
-            </a:endParaRPr>
-          </a:p>
-          <a:p>
-            <a:pPr>
-              <a:lnSpc>
-                <a:spcPct val="100000"/>
-              </a:lnSpc>
-            </a:pPr>
-            <a:endParaRPr lang="pl-PL" sz="2000" b="0" strike="noStrike" spc="-1">
-              <a:latin typeface="Arial"/>
-            </a:endParaRPr>
-          </a:p>
-          <a:p>
-            <a:pPr>
-              <a:lnSpc>
-                <a:spcPct val="100000"/>
-              </a:lnSpc>
-            </a:pPr>
-            <a:r>
-              <a:rPr lang="pl-PL" sz="2000" b="0" strike="noStrike" spc="-1">
+            <a:endParaRPr lang="pl-PL" sz="2000" b="0" strike="noStrike" spc="-1" dirty="0">
+              <a:latin typeface="Arial"/>
+            </a:endParaRPr>
+          </a:p>
+          <a:p>
+            <a:pPr>
+              <a:lnSpc>
+                <a:spcPct val="100000"/>
+              </a:lnSpc>
+            </a:pPr>
+            <a:endParaRPr lang="pl-PL" sz="2000" b="0" strike="noStrike" spc="-1" dirty="0">
+              <a:latin typeface="Arial"/>
+            </a:endParaRPr>
+          </a:p>
+          <a:p>
+            <a:pPr>
+              <a:lnSpc>
+                <a:spcPct val="100000"/>
+              </a:lnSpc>
+            </a:pPr>
+            <a:r>
+              <a:rPr lang="pl-PL" sz="2000" b="0" strike="noStrike" spc="-1" dirty="0">
                 <a:solidFill>
                   <a:srgbClr val="FFFFFF"/>
                 </a:solidFill>
@@ -17097,78 +17112,118 @@
               </a:rPr>
               <a:t>Jeżeli w klasie choć jedna metoda jest abstrakcyjna, to cała klasa musi być abstrakcyjna.</a:t>
             </a:r>
-            <a:endParaRPr lang="pl-PL" sz="2000" b="0" strike="noStrike" spc="-1">
-              <a:latin typeface="Arial"/>
-            </a:endParaRPr>
-          </a:p>
-          <a:p>
-            <a:pPr>
-              <a:lnSpc>
-                <a:spcPct val="100000"/>
-              </a:lnSpc>
-            </a:pPr>
-            <a:endParaRPr lang="pl-PL" sz="2000" b="0" strike="noStrike" spc="-1">
-              <a:latin typeface="Arial"/>
-            </a:endParaRPr>
-          </a:p>
-          <a:p>
-            <a:pPr>
-              <a:lnSpc>
-                <a:spcPct val="100000"/>
-              </a:lnSpc>
-            </a:pPr>
-            <a:r>
-              <a:rPr lang="pl-PL" sz="2000" b="0" strike="noStrike" spc="-1">
-                <a:solidFill>
-                  <a:srgbClr val="FFFFFF"/>
-                </a:solidFill>
-                <a:latin typeface="Arial"/>
-                <a:ea typeface="DejaVu Sans"/>
-              </a:rPr>
-              <a:t>Klasę abstrakcyjną należy rozszerzyć, a klasa która ją rozszerza musi zaimplementować (przeciążyć) wszystkie metody abstrakcyjne superklasy.</a:t>
-            </a:r>
-            <a:endParaRPr lang="pl-PL" sz="2000" b="0" strike="noStrike" spc="-1">
-              <a:latin typeface="Arial"/>
-            </a:endParaRPr>
-          </a:p>
-          <a:p>
-            <a:pPr>
-              <a:lnSpc>
-                <a:spcPct val="100000"/>
-              </a:lnSpc>
-            </a:pPr>
-            <a:endParaRPr lang="pl-PL" sz="2000" b="0" strike="noStrike" spc="-1">
-              <a:latin typeface="Arial"/>
-            </a:endParaRPr>
-          </a:p>
-          <a:p>
-            <a:pPr>
-              <a:lnSpc>
-                <a:spcPct val="100000"/>
-              </a:lnSpc>
-            </a:pPr>
-            <a:endParaRPr lang="pl-PL" sz="2000" b="0" strike="noStrike" spc="-1">
-              <a:latin typeface="Arial"/>
-            </a:endParaRPr>
-          </a:p>
-          <a:p>
-            <a:pPr>
-              <a:lnSpc>
-                <a:spcPct val="100000"/>
-              </a:lnSpc>
-            </a:pPr>
-            <a:endParaRPr lang="pl-PL" sz="2000" b="0" strike="noStrike" spc="-1">
-              <a:latin typeface="Arial"/>
-            </a:endParaRPr>
-          </a:p>
-          <a:p>
-            <a:pPr>
-              <a:lnSpc>
-                <a:spcPct val="100000"/>
-              </a:lnSpc>
-            </a:pPr>
-            <a:r>
-              <a:rPr lang="pl-PL" sz="1800" b="0" strike="noStrike" spc="-1">
+            <a:endParaRPr lang="pl-PL" sz="2000" b="0" strike="noStrike" spc="-1" dirty="0">
+              <a:latin typeface="Arial"/>
+            </a:endParaRPr>
+          </a:p>
+          <a:p>
+            <a:pPr>
+              <a:lnSpc>
+                <a:spcPct val="100000"/>
+              </a:lnSpc>
+            </a:pPr>
+            <a:endParaRPr lang="pl-PL" sz="2000" b="0" strike="noStrike" spc="-1" dirty="0">
+              <a:latin typeface="Arial"/>
+            </a:endParaRPr>
+          </a:p>
+          <a:p>
+            <a:pPr>
+              <a:lnSpc>
+                <a:spcPct val="100000"/>
+              </a:lnSpc>
+            </a:pPr>
+            <a:r>
+              <a:rPr lang="pl-PL" sz="2000" b="0" strike="noStrike" spc="-1" dirty="0">
+                <a:solidFill>
+                  <a:srgbClr val="FFFFFF"/>
+                </a:solidFill>
+                <a:latin typeface="Arial"/>
+                <a:ea typeface="DejaVu Sans"/>
+              </a:rPr>
+              <a:t>Klasę abstrakcyjną należy rozszerzyć, a klasa która ją rozszerza musi zaimplementować (</a:t>
+            </a:r>
+            <a:r>
+              <a:rPr lang="pl-PL" sz="2000" spc="-1" dirty="0">
+                <a:solidFill>
+                  <a:srgbClr val="FFFFFF"/>
+                </a:solidFill>
+                <a:latin typeface="Arial"/>
+                <a:ea typeface="DejaVu Sans"/>
+              </a:rPr>
+              <a:t>nadpisać</a:t>
+            </a:r>
+            <a:r>
+              <a:rPr lang="pl-PL" sz="2000" b="0" strike="noStrike" spc="-1" dirty="0">
+                <a:solidFill>
+                  <a:srgbClr val="FFFFFF"/>
+                </a:solidFill>
+                <a:latin typeface="Arial"/>
+                <a:ea typeface="DejaVu Sans"/>
+              </a:rPr>
+              <a:t>) wszystkie metody abstrakcyjne </a:t>
+            </a:r>
+            <a:r>
+              <a:rPr lang="pl-PL" sz="2000" b="0" strike="noStrike" spc="-1" dirty="0" err="1">
+                <a:solidFill>
+                  <a:srgbClr val="FFFFFF"/>
+                </a:solidFill>
+                <a:latin typeface="Arial"/>
+                <a:ea typeface="DejaVu Sans"/>
+              </a:rPr>
+              <a:t>superklasy</a:t>
+            </a:r>
+            <a:r>
+              <a:rPr lang="pl-PL" sz="2000" b="0" strike="noStrike" spc="-1" dirty="0">
+                <a:solidFill>
+                  <a:srgbClr val="FFFFFF"/>
+                </a:solidFill>
+                <a:latin typeface="Arial"/>
+                <a:ea typeface="DejaVu Sans"/>
+              </a:rPr>
+              <a:t>.</a:t>
+            </a:r>
+            <a:endParaRPr lang="pl-PL" sz="2000" b="0" strike="noStrike" spc="-1" dirty="0">
+              <a:latin typeface="Arial"/>
+            </a:endParaRPr>
+          </a:p>
+          <a:p>
+            <a:pPr>
+              <a:lnSpc>
+                <a:spcPct val="100000"/>
+              </a:lnSpc>
+            </a:pPr>
+            <a:endParaRPr lang="pl-PL" sz="2000" b="0" strike="noStrike" spc="-1" dirty="0">
+              <a:latin typeface="Arial"/>
+            </a:endParaRPr>
+          </a:p>
+          <a:p>
+            <a:pPr>
+              <a:lnSpc>
+                <a:spcPct val="100000"/>
+              </a:lnSpc>
+            </a:pPr>
+            <a:endParaRPr lang="pl-PL" sz="2000" b="0" strike="noStrike" spc="-1" dirty="0">
+              <a:latin typeface="Arial"/>
+            </a:endParaRPr>
+          </a:p>
+          <a:p>
+            <a:pPr>
+              <a:lnSpc>
+                <a:spcPct val="100000"/>
+              </a:lnSpc>
+            </a:pPr>
+            <a:endParaRPr lang="pl-PL" sz="2000" b="0" strike="noStrike" spc="-1" dirty="0">
+              <a:latin typeface="Arial"/>
+            </a:endParaRPr>
+          </a:p>
+          <a:p>
+            <a:pPr>
+              <a:lnSpc>
+                <a:spcPct val="100000"/>
+              </a:lnSpc>
+            </a:pPr>
+            <a:r>
+              <a:rPr lang="pl-PL" sz="1800" b="0" strike="noStrike" spc="-1" dirty="0">
                 <a:solidFill>
                   <a:srgbClr val="FFFFFF"/>
                 </a:solidFill>
@@ -17177,7 +17232,7 @@
               </a:rPr>
               <a:t> </a:t>
             </a:r>
-            <a:endParaRPr lang="pl-PL" sz="1800" b="0" strike="noStrike" spc="-1">
+            <a:endParaRPr lang="pl-PL" sz="1800" b="0" strike="noStrike" spc="-1" dirty="0">
               <a:latin typeface="Arial"/>
             </a:endParaRPr>
           </a:p>
@@ -18278,7 +18333,7 @@
               </a:lnSpc>
             </a:pPr>
             <a:r>
-              <a:rPr lang="pl-PL" sz="1800" b="0" strike="noStrike" spc="-1">
+              <a:rPr lang="pl-PL" sz="1800" b="0" strike="noStrike" spc="-1" dirty="0">
                 <a:solidFill>
                   <a:srgbClr val="00A65D"/>
                 </a:solidFill>
@@ -18288,197 +18343,87 @@
               <a:t>Polimorfizm</a:t>
             </a:r>
             <a:r>
-              <a:rPr lang="pl-PL" sz="1800" b="0" strike="noStrike" spc="-1">
-                <a:solidFill>
-                  <a:srgbClr val="FFFFFF"/>
-                </a:solidFill>
-                <a:latin typeface="Arial"/>
-                <a:ea typeface="DejaVu Sans"/>
-              </a:rPr>
-              <a:t> to inaczej wielopostaciowość. Jeżeli klasa Kot dziedziczy z klasy Zwierzę, wtedy możemy powiedzieć, że kot to nie tylko Kot, ale i Zwierzę. Pod zmienną referencyjną typu Zwierzę możemy podstawić obiekt typu Kot. Obiekt ten będzie widział wtedy tylko metody, które definiuje Zwierzę, a jeśli któreś z nich przeciąża, to podczas ich wykonania użyje swoich przeciążonych implementacji, a nie tych z obiektu Zwierzę.</a:t>
-            </a:r>
-            <a:endParaRPr lang="pl-PL" sz="1800" b="0" strike="noStrike" spc="-1">
-              <a:latin typeface="Arial"/>
-            </a:endParaRPr>
-          </a:p>
-          <a:p>
-            <a:pPr>
-              <a:lnSpc>
-                <a:spcPct val="100000"/>
-              </a:lnSpc>
-            </a:pPr>
-            <a:r>
-              <a:rPr lang="pl-PL" sz="1800" b="0" strike="noStrike" spc="-1">
-                <a:solidFill>
-                  <a:srgbClr val="FFFFFF"/>
-                </a:solidFill>
-                <a:latin typeface="Arial"/>
-                <a:ea typeface="DejaVu Sans"/>
-              </a:rPr>
-              <a:t>To samo tyczy się implementerów interfejsów. Pod zmienną referencyjną interfejsu można przypisać obiekty klas, które implementują ten interfejs.</a:t>
-            </a:r>
-            <a:endParaRPr lang="pl-PL" sz="1800" b="0" strike="noStrike" spc="-1">
-              <a:latin typeface="Arial"/>
-            </a:endParaRPr>
-          </a:p>
-          <a:p>
-            <a:pPr>
-              <a:lnSpc>
-                <a:spcPct val="100000"/>
-              </a:lnSpc>
-            </a:pPr>
-            <a:endParaRPr lang="pl-PL" sz="1800" b="0" strike="noStrike" spc="-1">
-              <a:latin typeface="Arial"/>
-            </a:endParaRPr>
-          </a:p>
-          <a:p>
-            <a:pPr>
-              <a:lnSpc>
-                <a:spcPct val="100000"/>
-              </a:lnSpc>
-            </a:pPr>
-            <a:r>
-              <a:rPr lang="pl-PL" sz="1800" b="0" strike="noStrike" spc="-1">
-                <a:solidFill>
-                  <a:srgbClr val="FFFFFF"/>
-                </a:solidFill>
-                <a:latin typeface="Arial"/>
-                <a:ea typeface="DejaVu Sans"/>
-              </a:rPr>
-              <a:t>Animal animal = new Cat();</a:t>
-            </a:r>
-            <a:endParaRPr lang="pl-PL" sz="1800" b="0" strike="noStrike" spc="-1">
-              <a:latin typeface="Arial"/>
-            </a:endParaRPr>
-          </a:p>
-          <a:p>
-            <a:pPr>
-              <a:lnSpc>
-                <a:spcPct val="100000"/>
-              </a:lnSpc>
-            </a:pPr>
-            <a:endParaRPr lang="pl-PL" sz="1800" b="0" strike="noStrike" spc="-1">
-              <a:latin typeface="Arial"/>
-            </a:endParaRPr>
-          </a:p>
-          <a:p>
-            <a:pPr>
-              <a:lnSpc>
-                <a:spcPct val="100000"/>
-              </a:lnSpc>
-            </a:pPr>
-            <a:r>
-              <a:rPr lang="pl-PL" sz="1800" b="0" strike="noStrike" spc="-1">
-                <a:solidFill>
-                  <a:srgbClr val="FFFFFF"/>
-                </a:solidFill>
-                <a:latin typeface="Arial"/>
-                <a:ea typeface="DejaVu Sans"/>
-              </a:rPr>
-              <a:t>animal widzi tylko metodę eat()</a:t>
-            </a:r>
-            <a:endParaRPr lang="pl-PL" sz="1800" b="0" strike="noStrike" spc="-1">
-              <a:latin typeface="Arial"/>
-            </a:endParaRPr>
-          </a:p>
-          <a:p>
-            <a:pPr>
-              <a:lnSpc>
-                <a:spcPct val="100000"/>
-              </a:lnSpc>
-            </a:pPr>
-            <a:endParaRPr lang="pl-PL" sz="1800" b="0" strike="noStrike" spc="-1">
-              <a:latin typeface="Arial"/>
-            </a:endParaRPr>
-          </a:p>
-          <a:p>
-            <a:pPr>
-              <a:lnSpc>
-                <a:spcPct val="100000"/>
-              </a:lnSpc>
-            </a:pPr>
-            <a:endParaRPr lang="pl-PL" sz="1800" b="0" strike="noStrike" spc="-1">
-              <a:latin typeface="Arial"/>
-            </a:endParaRPr>
-          </a:p>
-          <a:p>
-            <a:pPr>
-              <a:lnSpc>
-                <a:spcPct val="100000"/>
-              </a:lnSpc>
-            </a:pPr>
-            <a:r>
-              <a:rPr lang="pl-PL" sz="1800" b="0" strike="noStrike" spc="-1">
-                <a:solidFill>
-                  <a:srgbClr val="FFFFFF"/>
-                </a:solidFill>
-                <a:latin typeface="Arial"/>
-                <a:ea typeface="DejaVu Sans"/>
-              </a:rPr>
-              <a:t>Animal[] animals = {new Cat(), new Dog(), new Cat()};</a:t>
-            </a:r>
-            <a:endParaRPr lang="pl-PL" sz="1800" b="0" strike="noStrike" spc="-1">
-              <a:latin typeface="Arial"/>
-            </a:endParaRPr>
-          </a:p>
-          <a:p>
-            <a:pPr>
-              <a:lnSpc>
-                <a:spcPct val="100000"/>
-              </a:lnSpc>
-            </a:pPr>
-            <a:endParaRPr lang="pl-PL" sz="1800" b="0" strike="noStrike" spc="-1">
-              <a:latin typeface="Arial"/>
-            </a:endParaRPr>
-          </a:p>
-          <a:p>
-            <a:pPr>
-              <a:lnSpc>
-                <a:spcPct val="100000"/>
-              </a:lnSpc>
-            </a:pPr>
-            <a:endParaRPr lang="pl-PL" sz="1800" b="0" strike="noStrike" spc="-1">
-              <a:latin typeface="Arial"/>
-            </a:endParaRPr>
-          </a:p>
-          <a:p>
-            <a:pPr>
-              <a:lnSpc>
-                <a:spcPct val="100000"/>
-              </a:lnSpc>
-            </a:pPr>
-            <a:endParaRPr lang="pl-PL" sz="1800" b="0" strike="noStrike" spc="-1">
-              <a:latin typeface="Arial"/>
-            </a:endParaRPr>
-          </a:p>
-          <a:p>
-            <a:pPr>
-              <a:lnSpc>
-                <a:spcPct val="100000"/>
-              </a:lnSpc>
-            </a:pPr>
-            <a:endParaRPr lang="pl-PL" sz="1800" b="0" strike="noStrike" spc="-1">
-              <a:latin typeface="Arial"/>
-            </a:endParaRPr>
-          </a:p>
-          <a:p>
-            <a:pPr>
-              <a:lnSpc>
-                <a:spcPct val="100000"/>
-              </a:lnSpc>
-            </a:pPr>
-            <a:endParaRPr lang="pl-PL" sz="1800" b="0" strike="noStrike" spc="-1">
-              <a:latin typeface="Arial"/>
-            </a:endParaRPr>
-          </a:p>
-          <a:p>
-            <a:pPr>
-              <a:lnSpc>
-                <a:spcPct val="100000"/>
-              </a:lnSpc>
-            </a:pPr>
-            <a:r>
-              <a:rPr lang="pl-PL" sz="1800" b="0" strike="noStrike" spc="-1">
+              <a:rPr lang="pl-PL" sz="1800" b="0" strike="noStrike" spc="-1" dirty="0">
+                <a:solidFill>
+                  <a:srgbClr val="FFFFFF"/>
+                </a:solidFill>
+                <a:latin typeface="Arial"/>
+                <a:ea typeface="DejaVu Sans"/>
+              </a:rPr>
+              <a:t> to inaczej wielopostaciowość. Jeżeli klasa Kot dziedziczy z klasy Zwierzę, wtedy możemy powiedzieć, że kot to nie tylko Kot, ale i Zwierzę. Pod zmienną referencyjną typu Zwierzę możemy podstawić obiekt typu Kot. Obiekt ten będzie widział wtedy tylko metody, które definiuje Zwierzę, a jeśli któreś z nich nadpisuje, to podczas ich wykonania użyje swoich nadpisanych implementacji, a nie tych z obiektu Zwierzę.</a:t>
+            </a:r>
+            <a:endParaRPr lang="pl-PL" sz="1800" b="0" strike="noStrike" spc="-1" dirty="0">
+              <a:latin typeface="Arial"/>
+            </a:endParaRPr>
+          </a:p>
+          <a:p>
+            <a:pPr>
+              <a:lnSpc>
+                <a:spcPct val="100000"/>
+              </a:lnSpc>
+            </a:pPr>
+            <a:r>
+              <a:rPr lang="pl-PL" sz="1800" b="0" strike="noStrike" spc="-1" dirty="0">
+                <a:solidFill>
+                  <a:srgbClr val="FFFFFF"/>
+                </a:solidFill>
+                <a:latin typeface="Arial"/>
+                <a:ea typeface="DejaVu Sans"/>
+              </a:rPr>
+              <a:t>To samo tyczy się </a:t>
+            </a:r>
+            <a:r>
+              <a:rPr lang="pl-PL" sz="1800" b="0" strike="noStrike" spc="-1" dirty="0" err="1">
+                <a:solidFill>
+                  <a:srgbClr val="FFFFFF"/>
+                </a:solidFill>
+                <a:latin typeface="Arial"/>
+                <a:ea typeface="DejaVu Sans"/>
+              </a:rPr>
+              <a:t>implementerów</a:t>
+            </a:r>
+            <a:r>
+              <a:rPr lang="pl-PL" sz="1800" b="0" strike="noStrike" spc="-1" dirty="0">
+                <a:solidFill>
+                  <a:srgbClr val="FFFFFF"/>
+                </a:solidFill>
+                <a:latin typeface="Arial"/>
+                <a:ea typeface="DejaVu Sans"/>
+              </a:rPr>
+              <a:t> interfejsów. Pod zmienną referencyjną interfejsu można przypisać obiekty klas, które implementują ten interfejs.</a:t>
+            </a:r>
+            <a:endParaRPr lang="pl-PL" sz="1800" b="0" strike="noStrike" spc="-1" dirty="0">
+              <a:latin typeface="Arial"/>
+            </a:endParaRPr>
+          </a:p>
+          <a:p>
+            <a:pPr>
+              <a:lnSpc>
+                <a:spcPct val="100000"/>
+              </a:lnSpc>
+            </a:pPr>
+            <a:endParaRPr lang="pl-PL" sz="1800" b="0" strike="noStrike" spc="-1" dirty="0">
+              <a:latin typeface="Arial"/>
+            </a:endParaRPr>
+          </a:p>
+          <a:p>
+            <a:pPr>
+              <a:lnSpc>
+                <a:spcPct val="100000"/>
+              </a:lnSpc>
+            </a:pPr>
+            <a:r>
+              <a:rPr lang="pl-PL" sz="1800" b="0" strike="noStrike" spc="-1" dirty="0" err="1">
+                <a:solidFill>
+                  <a:srgbClr val="FFFFFF"/>
+                </a:solidFill>
+                <a:latin typeface="Arial"/>
+                <a:ea typeface="DejaVu Sans"/>
+              </a:rPr>
+              <a:t>Animal</a:t>
+            </a:r>
+            <a:r>
+              <a:rPr lang="pl-PL" sz="1800" b="0" strike="noStrike" spc="-1" dirty="0">
                 <a:solidFill>
                   <a:srgbClr val="FFFFFF"/>
                 </a:solidFill>
@@ -18487,7 +18432,367 @@
               </a:rPr>
               <a:t> </a:t>
             </a:r>
-            <a:endParaRPr lang="pl-PL" sz="1800" b="0" strike="noStrike" spc="-1">
+            <a:r>
+              <a:rPr lang="pl-PL" sz="1800" b="0" strike="noStrike" spc="-1" dirty="0" err="1">
+                <a:solidFill>
+                  <a:srgbClr val="FFFFFF"/>
+                </a:solidFill>
+                <a:latin typeface="Arial"/>
+                <a:ea typeface="DejaVu Sans"/>
+              </a:rPr>
+              <a:t>animal</a:t>
+            </a:r>
+            <a:r>
+              <a:rPr lang="pl-PL" sz="1800" b="0" strike="noStrike" spc="-1" dirty="0">
+                <a:solidFill>
+                  <a:srgbClr val="FFFFFF"/>
+                </a:solidFill>
+                <a:latin typeface="Arial"/>
+                <a:ea typeface="DejaVu Sans"/>
+              </a:rPr>
+              <a:t> = </a:t>
+            </a:r>
+            <a:r>
+              <a:rPr lang="pl-PL" sz="1800" b="0" strike="noStrike" spc="-1" dirty="0" err="1">
+                <a:solidFill>
+                  <a:srgbClr val="FFFFFF"/>
+                </a:solidFill>
+                <a:latin typeface="Arial"/>
+                <a:ea typeface="DejaVu Sans"/>
+              </a:rPr>
+              <a:t>new</a:t>
+            </a:r>
+            <a:r>
+              <a:rPr lang="pl-PL" sz="1800" b="0" strike="noStrike" spc="-1" dirty="0">
+                <a:solidFill>
+                  <a:srgbClr val="FFFFFF"/>
+                </a:solidFill>
+                <a:latin typeface="Arial"/>
+                <a:ea typeface="DejaVu Sans"/>
+              </a:rPr>
+              <a:t> </a:t>
+            </a:r>
+            <a:r>
+              <a:rPr lang="pl-PL" sz="1800" b="0" strike="noStrike" spc="-1" dirty="0" err="1">
+                <a:solidFill>
+                  <a:srgbClr val="FFFFFF"/>
+                </a:solidFill>
+                <a:latin typeface="Arial"/>
+                <a:ea typeface="DejaVu Sans"/>
+              </a:rPr>
+              <a:t>Cat</a:t>
+            </a:r>
+            <a:r>
+              <a:rPr lang="pl-PL" sz="1800" b="0" strike="noStrike" spc="-1" dirty="0">
+                <a:solidFill>
+                  <a:srgbClr val="FFFFFF"/>
+                </a:solidFill>
+                <a:latin typeface="Arial"/>
+                <a:ea typeface="DejaVu Sans"/>
+              </a:rPr>
+              <a:t>();</a:t>
+            </a:r>
+            <a:endParaRPr lang="pl-PL" sz="1800" b="0" strike="noStrike" spc="-1" dirty="0">
+              <a:latin typeface="Arial"/>
+            </a:endParaRPr>
+          </a:p>
+          <a:p>
+            <a:pPr>
+              <a:lnSpc>
+                <a:spcPct val="100000"/>
+              </a:lnSpc>
+            </a:pPr>
+            <a:endParaRPr lang="pl-PL" sz="1800" b="0" strike="noStrike" spc="-1" dirty="0">
+              <a:latin typeface="Arial"/>
+            </a:endParaRPr>
+          </a:p>
+          <a:p>
+            <a:pPr>
+              <a:lnSpc>
+                <a:spcPct val="100000"/>
+              </a:lnSpc>
+            </a:pPr>
+            <a:r>
+              <a:rPr lang="pl-PL" sz="1800" b="0" strike="noStrike" spc="-1" dirty="0" err="1">
+                <a:solidFill>
+                  <a:srgbClr val="FFFFFF"/>
+                </a:solidFill>
+                <a:latin typeface="Arial"/>
+                <a:ea typeface="DejaVu Sans"/>
+              </a:rPr>
+              <a:t>animal</a:t>
+            </a:r>
+            <a:r>
+              <a:rPr lang="pl-PL" sz="1800" b="0" strike="noStrike" spc="-1" dirty="0">
+                <a:solidFill>
+                  <a:srgbClr val="FFFFFF"/>
+                </a:solidFill>
+                <a:latin typeface="Arial"/>
+                <a:ea typeface="DejaVu Sans"/>
+              </a:rPr>
+              <a:t> widzi tylko metodę </a:t>
+            </a:r>
+            <a:r>
+              <a:rPr lang="pl-PL" sz="1800" b="0" strike="noStrike" spc="-1" dirty="0" err="1">
+                <a:solidFill>
+                  <a:srgbClr val="FFFFFF"/>
+                </a:solidFill>
+                <a:latin typeface="Arial"/>
+                <a:ea typeface="DejaVu Sans"/>
+              </a:rPr>
+              <a:t>eat</a:t>
+            </a:r>
+            <a:r>
+              <a:rPr lang="pl-PL" sz="1800" b="0" strike="noStrike" spc="-1" dirty="0">
+                <a:solidFill>
+                  <a:srgbClr val="FFFFFF"/>
+                </a:solidFill>
+                <a:latin typeface="Arial"/>
+                <a:ea typeface="DejaVu Sans"/>
+              </a:rPr>
+              <a:t>()</a:t>
+            </a:r>
+            <a:endParaRPr lang="pl-PL" sz="1800" b="0" strike="noStrike" spc="-1" dirty="0">
+              <a:latin typeface="Arial"/>
+            </a:endParaRPr>
+          </a:p>
+          <a:p>
+            <a:pPr>
+              <a:lnSpc>
+                <a:spcPct val="100000"/>
+              </a:lnSpc>
+            </a:pPr>
+            <a:endParaRPr lang="pl-PL" sz="1800" b="0" strike="noStrike" spc="-1" dirty="0">
+              <a:latin typeface="Arial"/>
+            </a:endParaRPr>
+          </a:p>
+          <a:p>
+            <a:pPr>
+              <a:lnSpc>
+                <a:spcPct val="100000"/>
+              </a:lnSpc>
+            </a:pPr>
+            <a:endParaRPr lang="pl-PL" sz="1800" b="0" strike="noStrike" spc="-1" dirty="0">
+              <a:latin typeface="Arial"/>
+            </a:endParaRPr>
+          </a:p>
+          <a:p>
+            <a:pPr>
+              <a:lnSpc>
+                <a:spcPct val="100000"/>
+              </a:lnSpc>
+            </a:pPr>
+            <a:r>
+              <a:rPr lang="pl-PL" sz="1800" b="0" strike="noStrike" spc="-1" dirty="0" err="1">
+                <a:solidFill>
+                  <a:srgbClr val="FFFFFF"/>
+                </a:solidFill>
+                <a:latin typeface="Arial"/>
+                <a:ea typeface="DejaVu Sans"/>
+              </a:rPr>
+              <a:t>Animal</a:t>
+            </a:r>
+            <a:r>
+              <a:rPr lang="pl-PL" sz="1800" b="0" strike="noStrike" spc="-1" dirty="0">
+                <a:solidFill>
+                  <a:srgbClr val="FFFFFF"/>
+                </a:solidFill>
+                <a:latin typeface="Arial"/>
+                <a:ea typeface="DejaVu Sans"/>
+              </a:rPr>
+              <a:t>[] </a:t>
+            </a:r>
+            <a:r>
+              <a:rPr lang="pl-PL" sz="1800" b="0" strike="noStrike" spc="-1" dirty="0" err="1">
+                <a:solidFill>
+                  <a:srgbClr val="FFFFFF"/>
+                </a:solidFill>
+                <a:latin typeface="Arial"/>
+                <a:ea typeface="DejaVu Sans"/>
+              </a:rPr>
+              <a:t>animals</a:t>
+            </a:r>
+            <a:r>
+              <a:rPr lang="pl-PL" sz="1800" b="0" strike="noStrike" spc="-1" dirty="0">
+                <a:solidFill>
+                  <a:srgbClr val="FFFFFF"/>
+                </a:solidFill>
+                <a:latin typeface="Arial"/>
+                <a:ea typeface="DejaVu Sans"/>
+              </a:rPr>
+              <a:t> = {</a:t>
+            </a:r>
+            <a:r>
+              <a:rPr lang="pl-PL" sz="1800" b="0" strike="noStrike" spc="-1" dirty="0" err="1">
+                <a:solidFill>
+                  <a:srgbClr val="FFFFFF"/>
+                </a:solidFill>
+                <a:latin typeface="Arial"/>
+                <a:ea typeface="DejaVu Sans"/>
+              </a:rPr>
+              <a:t>new</a:t>
+            </a:r>
+            <a:r>
+              <a:rPr lang="pl-PL" sz="1800" b="0" strike="noStrike" spc="-1" dirty="0">
+                <a:solidFill>
+                  <a:srgbClr val="FFFFFF"/>
+                </a:solidFill>
+                <a:latin typeface="Arial"/>
+                <a:ea typeface="DejaVu Sans"/>
+              </a:rPr>
+              <a:t> </a:t>
+            </a:r>
+            <a:r>
+              <a:rPr lang="pl-PL" sz="1800" b="0" strike="noStrike" spc="-1" dirty="0" err="1">
+                <a:solidFill>
+                  <a:srgbClr val="FFFFFF"/>
+                </a:solidFill>
+                <a:latin typeface="Arial"/>
+                <a:ea typeface="DejaVu Sans"/>
+              </a:rPr>
+              <a:t>Cat</a:t>
+            </a:r>
+            <a:r>
+              <a:rPr lang="pl-PL" sz="1800" b="0" strike="noStrike" spc="-1" dirty="0">
+                <a:solidFill>
+                  <a:srgbClr val="FFFFFF"/>
+                </a:solidFill>
+                <a:latin typeface="Arial"/>
+                <a:ea typeface="DejaVu Sans"/>
+              </a:rPr>
+              <a:t>(), </a:t>
+            </a:r>
+            <a:r>
+              <a:rPr lang="pl-PL" sz="1800" b="0" strike="noStrike" spc="-1" dirty="0" err="1">
+                <a:solidFill>
+                  <a:srgbClr val="FFFFFF"/>
+                </a:solidFill>
+                <a:latin typeface="Arial"/>
+                <a:ea typeface="DejaVu Sans"/>
+              </a:rPr>
+              <a:t>new</a:t>
+            </a:r>
+            <a:r>
+              <a:rPr lang="pl-PL" sz="1800" b="0" strike="noStrike" spc="-1" dirty="0">
+                <a:solidFill>
+                  <a:srgbClr val="FFFFFF"/>
+                </a:solidFill>
+                <a:latin typeface="Arial"/>
+                <a:ea typeface="DejaVu Sans"/>
+              </a:rPr>
+              <a:t> Dog(), </a:t>
+            </a:r>
+            <a:r>
+              <a:rPr lang="pl-PL" sz="1800" b="0" strike="noStrike" spc="-1" dirty="0" err="1">
+                <a:solidFill>
+                  <a:srgbClr val="FFFFFF"/>
+                </a:solidFill>
+                <a:latin typeface="Arial"/>
+                <a:ea typeface="DejaVu Sans"/>
+              </a:rPr>
+              <a:t>new</a:t>
+            </a:r>
+            <a:r>
+              <a:rPr lang="pl-PL" sz="1800" b="0" strike="noStrike" spc="-1" dirty="0">
+                <a:solidFill>
+                  <a:srgbClr val="FFFFFF"/>
+                </a:solidFill>
+                <a:latin typeface="Arial"/>
+                <a:ea typeface="DejaVu Sans"/>
+              </a:rPr>
+              <a:t> </a:t>
+            </a:r>
+            <a:r>
+              <a:rPr lang="pl-PL" sz="1800" b="0" strike="noStrike" spc="-1" dirty="0" err="1">
+                <a:solidFill>
+                  <a:srgbClr val="FFFFFF"/>
+                </a:solidFill>
+                <a:latin typeface="Arial"/>
+                <a:ea typeface="DejaVu Sans"/>
+              </a:rPr>
+              <a:t>Cat</a:t>
+            </a:r>
+            <a:r>
+              <a:rPr lang="pl-PL" sz="1800" b="0" strike="noStrike" spc="-1" dirty="0">
+                <a:solidFill>
+                  <a:srgbClr val="FFFFFF"/>
+                </a:solidFill>
+                <a:latin typeface="Arial"/>
+                <a:ea typeface="DejaVu Sans"/>
+              </a:rPr>
+              <a:t>()};</a:t>
+            </a:r>
+            <a:endParaRPr lang="pl-PL" sz="1800" b="0" strike="noStrike" spc="-1" dirty="0">
+              <a:latin typeface="Arial"/>
+            </a:endParaRPr>
+          </a:p>
+          <a:p>
+            <a:pPr>
+              <a:lnSpc>
+                <a:spcPct val="100000"/>
+              </a:lnSpc>
+            </a:pPr>
+            <a:endParaRPr lang="pl-PL" sz="1800" b="0" strike="noStrike" spc="-1" dirty="0">
+              <a:latin typeface="Arial"/>
+            </a:endParaRPr>
+          </a:p>
+          <a:p>
+            <a:pPr>
+              <a:lnSpc>
+                <a:spcPct val="100000"/>
+              </a:lnSpc>
+            </a:pPr>
+            <a:endParaRPr lang="pl-PL" sz="1800" b="0" strike="noStrike" spc="-1" dirty="0">
+              <a:latin typeface="Arial"/>
+            </a:endParaRPr>
+          </a:p>
+          <a:p>
+            <a:pPr>
+              <a:lnSpc>
+                <a:spcPct val="100000"/>
+              </a:lnSpc>
+            </a:pPr>
+            <a:endParaRPr lang="pl-PL" sz="1800" b="0" strike="noStrike" spc="-1" dirty="0">
+              <a:latin typeface="Arial"/>
+            </a:endParaRPr>
+          </a:p>
+          <a:p>
+            <a:pPr>
+              <a:lnSpc>
+                <a:spcPct val="100000"/>
+              </a:lnSpc>
+            </a:pPr>
+            <a:endParaRPr lang="pl-PL" sz="1800" b="0" strike="noStrike" spc="-1" dirty="0">
+              <a:latin typeface="Arial"/>
+            </a:endParaRPr>
+          </a:p>
+          <a:p>
+            <a:pPr>
+              <a:lnSpc>
+                <a:spcPct val="100000"/>
+              </a:lnSpc>
+            </a:pPr>
+            <a:endParaRPr lang="pl-PL" sz="1800" b="0" strike="noStrike" spc="-1" dirty="0">
+              <a:latin typeface="Arial"/>
+            </a:endParaRPr>
+          </a:p>
+          <a:p>
+            <a:pPr>
+              <a:lnSpc>
+                <a:spcPct val="100000"/>
+              </a:lnSpc>
+            </a:pPr>
+            <a:r>
+              <a:rPr lang="pl-PL" sz="1800" b="0" strike="noStrike" spc="-1" dirty="0">
+                <a:solidFill>
+                  <a:srgbClr val="FFFFFF"/>
+                </a:solidFill>
+                <a:latin typeface="Arial"/>
+                <a:ea typeface="DejaVu Sans"/>
+              </a:rPr>
+              <a:t> </a:t>
+            </a:r>
+            <a:endParaRPr lang="pl-PL" sz="1800" b="0" strike="noStrike" spc="-1" dirty="0">
               <a:latin typeface="Arial"/>
             </a:endParaRPr>
           </a:p>
@@ -19188,7 +19493,7 @@
               </a:lnSpc>
             </a:pPr>
             <a:r>
-              <a:rPr lang="pl-PL" sz="2200" b="0" strike="noStrike" spc="-1">
+              <a:rPr lang="pl-PL" sz="2200" b="0" strike="noStrike" spc="-1" dirty="0">
                 <a:solidFill>
                   <a:srgbClr val="00A65D"/>
                 </a:solidFill>
@@ -19198,7 +19503,7 @@
               <a:t>Kompozycja</a:t>
             </a:r>
             <a:r>
-              <a:rPr lang="pl-PL" sz="2200" b="0" strike="noStrike" spc="-1">
+              <a:rPr lang="pl-PL" sz="2200" b="0" strike="noStrike" spc="-1" dirty="0">
                 <a:solidFill>
                   <a:srgbClr val="FFFFFF"/>
                 </a:solidFill>
@@ -19207,28 +19512,28 @@
               </a:rPr>
               <a:t> to kolejny sposób na tworzenie nowej klasy, używając do tego klas istniejących. W przeciwieństwie do dziedziczenia, polega ona na zdefiniowaniu w klasie pola, które jest obiektem innej klasy.</a:t>
             </a:r>
-            <a:endParaRPr lang="pl-PL" sz="2200" b="0" strike="noStrike" spc="-1">
-              <a:latin typeface="Arial"/>
-            </a:endParaRPr>
-          </a:p>
-          <a:p>
-            <a:pPr>
-              <a:lnSpc>
-                <a:spcPct val="100000"/>
-              </a:lnSpc>
-            </a:pPr>
-            <a:endParaRPr lang="pl-PL" sz="2200" b="0" strike="noStrike" spc="-1">
-              <a:latin typeface="Arial"/>
-            </a:endParaRPr>
-          </a:p>
-          <a:p>
-            <a:pPr>
-              <a:lnSpc>
-                <a:spcPct val="100000"/>
-              </a:lnSpc>
-            </a:pPr>
-            <a:r>
-              <a:rPr lang="pl-PL" sz="2200" b="0" strike="noStrike" spc="-1">
+            <a:endParaRPr lang="pl-PL" sz="2200" b="0" strike="noStrike" spc="-1" dirty="0">
+              <a:latin typeface="Arial"/>
+            </a:endParaRPr>
+          </a:p>
+          <a:p>
+            <a:pPr>
+              <a:lnSpc>
+                <a:spcPct val="100000"/>
+              </a:lnSpc>
+            </a:pPr>
+            <a:endParaRPr lang="pl-PL" sz="2200" b="0" strike="noStrike" spc="-1" dirty="0">
+              <a:latin typeface="Arial"/>
+            </a:endParaRPr>
+          </a:p>
+          <a:p>
+            <a:pPr>
+              <a:lnSpc>
+                <a:spcPct val="100000"/>
+              </a:lnSpc>
+            </a:pPr>
+            <a:r>
+              <a:rPr lang="pl-PL" sz="2200" b="0" strike="noStrike" spc="-1" dirty="0">
                 <a:solidFill>
                   <a:srgbClr val="FFFFFF"/>
                 </a:solidFill>
@@ -19237,18 +19542,18 @@
               </a:rPr>
               <a:t>W dziedziczeniu: Klasa A rozszerza klasę B</a:t>
             </a:r>
-            <a:endParaRPr lang="pl-PL" sz="2200" b="0" strike="noStrike" spc="-1">
-              <a:latin typeface="Arial"/>
-            </a:endParaRPr>
-          </a:p>
-          <a:p>
-            <a:pPr>
-              <a:lnSpc>
-                <a:spcPct val="100000"/>
-              </a:lnSpc>
-            </a:pPr>
-            <a:r>
-              <a:rPr lang="pl-PL" sz="2200" b="0" strike="noStrike" spc="-1">
+            <a:endParaRPr lang="pl-PL" sz="2200" b="0" strike="noStrike" spc="-1" dirty="0">
+              <a:latin typeface="Arial"/>
+            </a:endParaRPr>
+          </a:p>
+          <a:p>
+            <a:pPr>
+              <a:lnSpc>
+                <a:spcPct val="100000"/>
+              </a:lnSpc>
+            </a:pPr>
+            <a:r>
+              <a:rPr lang="pl-PL" sz="2200" b="0" strike="noStrike" spc="-1" dirty="0">
                 <a:solidFill>
                   <a:srgbClr val="FFFFFF"/>
                 </a:solidFill>
@@ -19257,28 +19562,28 @@
               </a:rPr>
               <a:t>W kompozycji: Klasa A posiada klasę B</a:t>
             </a:r>
-            <a:endParaRPr lang="pl-PL" sz="2200" b="0" strike="noStrike" spc="-1">
-              <a:latin typeface="Arial"/>
-            </a:endParaRPr>
-          </a:p>
-          <a:p>
-            <a:pPr>
-              <a:lnSpc>
-                <a:spcPct val="100000"/>
-              </a:lnSpc>
-            </a:pPr>
-            <a:endParaRPr lang="pl-PL" sz="2200" b="0" strike="noStrike" spc="-1">
-              <a:latin typeface="Arial"/>
-            </a:endParaRPr>
-          </a:p>
-          <a:p>
-            <a:pPr>
-              <a:lnSpc>
-                <a:spcPct val="100000"/>
-              </a:lnSpc>
-            </a:pPr>
-            <a:r>
-              <a:rPr lang="pl-PL" sz="2200" b="0" strike="noStrike" spc="-1">
+            <a:endParaRPr lang="pl-PL" sz="2200" b="0" strike="noStrike" spc="-1" dirty="0">
+              <a:latin typeface="Arial"/>
+            </a:endParaRPr>
+          </a:p>
+          <a:p>
+            <a:pPr>
+              <a:lnSpc>
+                <a:spcPct val="100000"/>
+              </a:lnSpc>
+            </a:pPr>
+            <a:endParaRPr lang="pl-PL" sz="2200" b="0" strike="noStrike" spc="-1" dirty="0">
+              <a:latin typeface="Arial"/>
+            </a:endParaRPr>
+          </a:p>
+          <a:p>
+            <a:pPr>
+              <a:lnSpc>
+                <a:spcPct val="100000"/>
+              </a:lnSpc>
+            </a:pPr>
+            <a:r>
+              <a:rPr lang="pl-PL" sz="2200" b="0" strike="noStrike" spc="-1" dirty="0">
                 <a:solidFill>
                   <a:srgbClr val="FFFFFF"/>
                 </a:solidFill>
@@ -19287,88 +19592,88 @@
               </a:rPr>
               <a:t>Definiowanie klasy Person jako dziedziczącej po klasie Car nie miałoby logicznego sensu. Stosując kompozycję jesteśmy w stanie zamodelować fakt, że osoba może posiadać kilka samochodów (tablica samochodów).</a:t>
             </a:r>
-            <a:endParaRPr lang="pl-PL" sz="2200" b="0" strike="noStrike" spc="-1">
-              <a:latin typeface="Arial"/>
-            </a:endParaRPr>
-          </a:p>
-          <a:p>
-            <a:pPr>
-              <a:lnSpc>
-                <a:spcPct val="100000"/>
-              </a:lnSpc>
-            </a:pPr>
-            <a:endParaRPr lang="pl-PL" sz="2200" b="0" strike="noStrike" spc="-1">
-              <a:latin typeface="Arial"/>
-            </a:endParaRPr>
-          </a:p>
-          <a:p>
-            <a:pPr>
-              <a:lnSpc>
-                <a:spcPct val="100000"/>
-              </a:lnSpc>
-            </a:pPr>
-            <a:endParaRPr lang="pl-PL" sz="2200" b="0" strike="noStrike" spc="-1">
-              <a:latin typeface="Arial"/>
-            </a:endParaRPr>
-          </a:p>
-          <a:p>
-            <a:pPr>
-              <a:lnSpc>
-                <a:spcPct val="100000"/>
-              </a:lnSpc>
-            </a:pPr>
-            <a:endParaRPr lang="pl-PL" sz="2200" b="0" strike="noStrike" spc="-1">
-              <a:latin typeface="Arial"/>
-            </a:endParaRPr>
-          </a:p>
-          <a:p>
-            <a:pPr>
-              <a:lnSpc>
-                <a:spcPct val="100000"/>
-              </a:lnSpc>
-            </a:pPr>
-            <a:endParaRPr lang="pl-PL" sz="2200" b="0" strike="noStrike" spc="-1">
-              <a:latin typeface="Arial"/>
-            </a:endParaRPr>
-          </a:p>
-          <a:p>
-            <a:pPr>
-              <a:lnSpc>
-                <a:spcPct val="100000"/>
-              </a:lnSpc>
-            </a:pPr>
-            <a:endParaRPr lang="pl-PL" sz="2200" b="0" strike="noStrike" spc="-1">
-              <a:latin typeface="Arial"/>
-            </a:endParaRPr>
-          </a:p>
-          <a:p>
-            <a:pPr>
-              <a:lnSpc>
-                <a:spcPct val="100000"/>
-              </a:lnSpc>
-            </a:pPr>
-            <a:endParaRPr lang="pl-PL" sz="2200" b="0" strike="noStrike" spc="-1">
-              <a:latin typeface="Arial"/>
-            </a:endParaRPr>
-          </a:p>
-          <a:p>
-            <a:pPr>
-              <a:lnSpc>
-                <a:spcPct val="100000"/>
-              </a:lnSpc>
-            </a:pPr>
-            <a:endParaRPr lang="pl-PL" sz="2200" b="0" strike="noStrike" spc="-1">
-              <a:latin typeface="Arial"/>
-            </a:endParaRPr>
-          </a:p>
-          <a:p>
-            <a:pPr>
-              <a:lnSpc>
-                <a:spcPct val="100000"/>
-              </a:lnSpc>
-            </a:pPr>
-            <a:r>
-              <a:rPr lang="pl-PL" sz="1800" b="0" strike="noStrike" spc="-1">
+            <a:endParaRPr lang="pl-PL" sz="2200" b="0" strike="noStrike" spc="-1" dirty="0">
+              <a:latin typeface="Arial"/>
+            </a:endParaRPr>
+          </a:p>
+          <a:p>
+            <a:pPr>
+              <a:lnSpc>
+                <a:spcPct val="100000"/>
+              </a:lnSpc>
+            </a:pPr>
+            <a:endParaRPr lang="pl-PL" sz="2200" b="0" strike="noStrike" spc="-1" dirty="0">
+              <a:latin typeface="Arial"/>
+            </a:endParaRPr>
+          </a:p>
+          <a:p>
+            <a:pPr>
+              <a:lnSpc>
+                <a:spcPct val="100000"/>
+              </a:lnSpc>
+            </a:pPr>
+            <a:endParaRPr lang="pl-PL" sz="2200" b="0" strike="noStrike" spc="-1" dirty="0">
+              <a:latin typeface="Arial"/>
+            </a:endParaRPr>
+          </a:p>
+          <a:p>
+            <a:pPr>
+              <a:lnSpc>
+                <a:spcPct val="100000"/>
+              </a:lnSpc>
+            </a:pPr>
+            <a:endParaRPr lang="pl-PL" sz="2200" b="0" strike="noStrike" spc="-1" dirty="0">
+              <a:latin typeface="Arial"/>
+            </a:endParaRPr>
+          </a:p>
+          <a:p>
+            <a:pPr>
+              <a:lnSpc>
+                <a:spcPct val="100000"/>
+              </a:lnSpc>
+            </a:pPr>
+            <a:endParaRPr lang="pl-PL" sz="2200" b="0" strike="noStrike" spc="-1" dirty="0">
+              <a:latin typeface="Arial"/>
+            </a:endParaRPr>
+          </a:p>
+          <a:p>
+            <a:pPr>
+              <a:lnSpc>
+                <a:spcPct val="100000"/>
+              </a:lnSpc>
+            </a:pPr>
+            <a:endParaRPr lang="pl-PL" sz="2200" b="0" strike="noStrike" spc="-1" dirty="0">
+              <a:latin typeface="Arial"/>
+            </a:endParaRPr>
+          </a:p>
+          <a:p>
+            <a:pPr>
+              <a:lnSpc>
+                <a:spcPct val="100000"/>
+              </a:lnSpc>
+            </a:pPr>
+            <a:endParaRPr lang="pl-PL" sz="2200" b="0" strike="noStrike" spc="-1" dirty="0">
+              <a:latin typeface="Arial"/>
+            </a:endParaRPr>
+          </a:p>
+          <a:p>
+            <a:pPr>
+              <a:lnSpc>
+                <a:spcPct val="100000"/>
+              </a:lnSpc>
+            </a:pPr>
+            <a:endParaRPr lang="pl-PL" sz="2200" b="0" strike="noStrike" spc="-1" dirty="0">
+              <a:latin typeface="Arial"/>
+            </a:endParaRPr>
+          </a:p>
+          <a:p>
+            <a:pPr>
+              <a:lnSpc>
+                <a:spcPct val="100000"/>
+              </a:lnSpc>
+            </a:pPr>
+            <a:r>
+              <a:rPr lang="pl-PL" sz="1800" b="0" strike="noStrike" spc="-1" dirty="0">
                 <a:solidFill>
                   <a:srgbClr val="FFFFFF"/>
                 </a:solidFill>
@@ -19377,7 +19682,7 @@
               </a:rPr>
               <a:t> </a:t>
             </a:r>
-            <a:endParaRPr lang="pl-PL" sz="1800" b="0" strike="noStrike" spc="-1">
+            <a:endParaRPr lang="pl-PL" sz="1800" b="0" strike="noStrike" spc="-1" dirty="0">
               <a:latin typeface="Arial"/>
             </a:endParaRPr>
           </a:p>
@@ -29213,7 +29518,7 @@
               </a:lnSpc>
             </a:pPr>
             <a:r>
-              <a:rPr lang="pl-PL" sz="2000" b="0" strike="noStrike" spc="-1">
+              <a:rPr lang="pl-PL" sz="2000" b="0" strike="noStrike" spc="-1" dirty="0">
                 <a:solidFill>
                   <a:srgbClr val="00A65D"/>
                 </a:solidFill>
@@ -29223,7 +29528,7 @@
               <a:t>Współbieżność </a:t>
             </a:r>
             <a:r>
-              <a:rPr lang="pl-PL" sz="2000" b="0" strike="noStrike" spc="-1">
+              <a:rPr lang="pl-PL" sz="2000" b="0" strike="noStrike" spc="-1" dirty="0">
                 <a:solidFill>
                   <a:srgbClr val="FFFFFF"/>
                 </a:solidFill>
@@ -29232,58 +29537,78 @@
               </a:rPr>
               <a:t>to przetwarzanie oparte na istnieniu wielu wątków. Jeżeli wątki uruchamiane są na maszynie jedno procesorowej, są one przełączane w krótkich przedziałach czasu (co powoduje wrażenie, że są one wykonywane równolegle (w tym samym czasie).</a:t>
             </a:r>
-            <a:endParaRPr lang="pl-PL" sz="2000" b="0" strike="noStrike" spc="-1">
-              <a:latin typeface="Arial"/>
-            </a:endParaRPr>
-          </a:p>
-          <a:p>
-            <a:pPr>
-              <a:lnSpc>
-                <a:spcPct val="100000"/>
-              </a:lnSpc>
-            </a:pPr>
-            <a:endParaRPr lang="pl-PL" sz="2000" b="0" strike="noStrike" spc="-1">
-              <a:latin typeface="Arial"/>
-            </a:endParaRPr>
-          </a:p>
-          <a:p>
-            <a:pPr>
-              <a:lnSpc>
-                <a:spcPct val="100000"/>
-              </a:lnSpc>
-            </a:pPr>
-            <a:r>
-              <a:rPr lang="pl-PL" sz="2000" b="0" strike="noStrike" spc="-1">
-                <a:solidFill>
-                  <a:srgbClr val="FFFFFF"/>
-                </a:solidFill>
-                <a:latin typeface="Arial"/>
-                <a:ea typeface="DejaVu Sans"/>
-              </a:rPr>
-              <a:t>Prawdziwe przetwarzanie równoległe możliwe jest na maszynach wielo procesorowych. To czy do obsługi naszych wątków zostanie użyty jeden czy też więcej procesorów zależy od JVM i systemu operacyjnego. Zazwyczaj, kiedy istnieje taka możliwość, przetwarzanie równoległe jest używane.</a:t>
-            </a:r>
-            <a:endParaRPr lang="pl-PL" sz="2000" b="0" strike="noStrike" spc="-1">
-              <a:latin typeface="Arial"/>
-            </a:endParaRPr>
-          </a:p>
-          <a:p>
-            <a:pPr>
-              <a:lnSpc>
-                <a:spcPct val="100000"/>
-              </a:lnSpc>
-            </a:pPr>
-            <a:endParaRPr lang="pl-PL" sz="2000" b="0" strike="noStrike" spc="-1">
-              <a:latin typeface="Arial"/>
-            </a:endParaRPr>
-          </a:p>
-          <a:p>
-            <a:pPr>
-              <a:lnSpc>
-                <a:spcPct val="100000"/>
-              </a:lnSpc>
-            </a:pPr>
-            <a:r>
-              <a:rPr lang="pl-PL" sz="2000" b="0" strike="noStrike" spc="-1">
+            <a:endParaRPr lang="pl-PL" sz="2000" b="0" strike="noStrike" spc="-1" dirty="0">
+              <a:latin typeface="Arial"/>
+            </a:endParaRPr>
+          </a:p>
+          <a:p>
+            <a:pPr>
+              <a:lnSpc>
+                <a:spcPct val="100000"/>
+              </a:lnSpc>
+            </a:pPr>
+            <a:endParaRPr lang="pl-PL" sz="2000" b="0" strike="noStrike" spc="-1" dirty="0">
+              <a:latin typeface="Arial"/>
+            </a:endParaRPr>
+          </a:p>
+          <a:p>
+            <a:pPr>
+              <a:lnSpc>
+                <a:spcPct val="100000"/>
+              </a:lnSpc>
+            </a:pPr>
+            <a:r>
+              <a:rPr lang="pl-PL" sz="2000" b="0" strike="noStrike" spc="-1" dirty="0">
+                <a:solidFill>
+                  <a:srgbClr val="FFFFFF"/>
+                </a:solidFill>
+                <a:latin typeface="Arial"/>
+                <a:ea typeface="DejaVu Sans"/>
+              </a:rPr>
+              <a:t>Prawdziwe przetwarzanie równoległe możliwe jest na maszynach </a:t>
+            </a:r>
+            <a:r>
+              <a:rPr lang="pl-PL" sz="2000" b="0" strike="noStrike" spc="-1" dirty="0" err="1">
+                <a:solidFill>
+                  <a:srgbClr val="FFFFFF"/>
+                </a:solidFill>
+                <a:latin typeface="Arial"/>
+                <a:ea typeface="DejaVu Sans"/>
+              </a:rPr>
+              <a:t>wielo</a:t>
+            </a:r>
+            <a:r>
+              <a:rPr lang="pl-PL" sz="2000" b="0" strike="noStrike" spc="-1" dirty="0">
+                <a:solidFill>
+                  <a:srgbClr val="FFFFFF"/>
+                </a:solidFill>
+                <a:latin typeface="Arial"/>
+                <a:ea typeface="DejaVu Sans"/>
+              </a:rPr>
+              <a:t> procesorowych. To czy do obsługi naszych wątków zostanie użyty jeden czy też więcej procesorów zależy od JVM i systemu operacyjnego. Zazwyczaj, kiedy istnieje taka możliwość, przetwarzanie równoległe jest używane.</a:t>
+            </a:r>
+            <a:endParaRPr lang="pl-PL" sz="2000" b="0" strike="noStrike" spc="-1" dirty="0">
+              <a:latin typeface="Arial"/>
+            </a:endParaRPr>
+          </a:p>
+          <a:p>
+            <a:pPr>
+              <a:lnSpc>
+                <a:spcPct val="100000"/>
+              </a:lnSpc>
+            </a:pPr>
+            <a:endParaRPr lang="pl-PL" sz="2000" b="0" strike="noStrike" spc="-1" dirty="0">
+              <a:latin typeface="Arial"/>
+            </a:endParaRPr>
+          </a:p>
+          <a:p>
+            <a:pPr>
+              <a:lnSpc>
+                <a:spcPct val="100000"/>
+              </a:lnSpc>
+            </a:pPr>
+            <a:r>
+              <a:rPr lang="pl-PL" sz="2000" b="0" strike="noStrike" spc="-1" dirty="0">
                 <a:solidFill>
                   <a:srgbClr val="FFFFFF"/>
                 </a:solidFill>
@@ -29293,7 +29618,7 @@
               <a:t>Napisany przez nas kod uruchamiany jest domyślnie w jednym wątku głównym. Współbieżność w Javie można zrealizować za pomocą rozszerzenia naszej klasy z klasy </a:t>
             </a:r>
             <a:r>
-              <a:rPr lang="pl-PL" sz="2000" b="0" strike="noStrike" spc="-1">
+              <a:rPr lang="pl-PL" sz="2000" b="0" strike="noStrike" spc="-1" dirty="0" err="1">
                 <a:solidFill>
                   <a:srgbClr val="00A65D"/>
                 </a:solidFill>
@@ -29303,7 +29628,7 @@
               <a:t>Thread</a:t>
             </a:r>
             <a:r>
-              <a:rPr lang="pl-PL" sz="2000" b="0" strike="noStrike" spc="-1">
+              <a:rPr lang="pl-PL" sz="2000" b="0" strike="noStrike" spc="-1" dirty="0">
                 <a:solidFill>
                   <a:srgbClr val="FFFFFF"/>
                 </a:solidFill>
@@ -29313,7 +29638,7 @@
               <a:t>, lub implementacji interfejsów </a:t>
             </a:r>
             <a:r>
-              <a:rPr lang="pl-PL" sz="2000" b="0" strike="noStrike" spc="-1">
+              <a:rPr lang="pl-PL" sz="2000" b="0" strike="noStrike" spc="-1" dirty="0" err="1">
                 <a:solidFill>
                   <a:srgbClr val="00A65D"/>
                 </a:solidFill>
@@ -29323,7 +29648,7 @@
               <a:t>Runnable</a:t>
             </a:r>
             <a:r>
-              <a:rPr lang="pl-PL" sz="2000" b="0" strike="noStrike" spc="-1">
+              <a:rPr lang="pl-PL" sz="2000" b="0" strike="noStrike" spc="-1" dirty="0">
                 <a:solidFill>
                   <a:srgbClr val="FFFFFF"/>
                 </a:solidFill>
@@ -29333,7 +29658,7 @@
               <a:t> bądź </a:t>
             </a:r>
             <a:r>
-              <a:rPr lang="pl-PL" sz="2000" b="0" strike="noStrike" spc="-1">
+              <a:rPr lang="pl-PL" sz="2000" b="0" strike="noStrike" spc="-1" dirty="0" err="1">
                 <a:solidFill>
                   <a:srgbClr val="00A65D"/>
                 </a:solidFill>
@@ -29343,17 +29668,57 @@
               <a:t>Callable</a:t>
             </a:r>
             <a:r>
-              <a:rPr lang="pl-PL" sz="2000" b="0" strike="noStrike" spc="-1">
-                <a:solidFill>
-                  <a:srgbClr val="FFFFFF"/>
-                </a:solidFill>
-                <a:latin typeface="Arial"/>
-                <a:ea typeface="DejaVu Sans"/>
-              </a:rPr>
-              <a:t>. W przeciwieństwie do Runnable, Callable ma mechanizm zwracania wartości poprzez </a:t>
-            </a:r>
-            <a:r>
-              <a:rPr lang="pl-PL" sz="2000" b="0" strike="noStrike" spc="-1">
+              <a:rPr lang="pl-PL" sz="2000" b="0" strike="noStrike" spc="-1" dirty="0">
+                <a:solidFill>
+                  <a:srgbClr val="FFFFFF"/>
+                </a:solidFill>
+                <a:latin typeface="Arial"/>
+                <a:ea typeface="DejaVu Sans"/>
+              </a:rPr>
+              <a:t>. W przeciwieństwie do </a:t>
+            </a:r>
+            <a:r>
+              <a:rPr lang="pl-PL" sz="2000" b="0" strike="noStrike" spc="-1" dirty="0" err="1">
+                <a:solidFill>
+                  <a:srgbClr val="FFFFFF"/>
+                </a:solidFill>
+                <a:latin typeface="Arial"/>
+                <a:ea typeface="DejaVu Sans"/>
+              </a:rPr>
+              <a:t>Runnable</a:t>
+            </a:r>
+            <a:r>
+              <a:rPr lang="pl-PL" sz="2000" b="0" strike="noStrike" spc="-1" dirty="0">
+                <a:solidFill>
+                  <a:srgbClr val="FFFFFF"/>
+                </a:solidFill>
+                <a:latin typeface="Arial"/>
+                <a:ea typeface="DejaVu Sans"/>
+              </a:rPr>
+              <a:t>, </a:t>
+            </a:r>
+            <a:r>
+              <a:rPr lang="pl-PL" sz="2000" b="0" strike="noStrike" spc="-1" dirty="0" err="1">
+                <a:solidFill>
+                  <a:srgbClr val="FFFFFF"/>
+                </a:solidFill>
+                <a:latin typeface="Arial"/>
+                <a:ea typeface="DejaVu Sans"/>
+              </a:rPr>
+              <a:t>Callable</a:t>
+            </a:r>
+            <a:r>
+              <a:rPr lang="pl-PL" sz="2000" b="0" strike="noStrike" spc="-1" dirty="0">
+                <a:solidFill>
+                  <a:srgbClr val="FFFFFF"/>
+                </a:solidFill>
+                <a:latin typeface="Arial"/>
+                <a:ea typeface="DejaVu Sans"/>
+              </a:rPr>
+              <a:t> ma mechanizm zwracania wartości poprzez </a:t>
+            </a:r>
+            <a:r>
+              <a:rPr lang="pl-PL" sz="2000" b="0" strike="noStrike" spc="-1" dirty="0" err="1">
                 <a:solidFill>
                   <a:srgbClr val="00A65D"/>
                 </a:solidFill>
@@ -29363,7 +29728,7 @@
               <a:t>Future</a:t>
             </a:r>
             <a:r>
-              <a:rPr lang="pl-PL" sz="2000" b="0" strike="noStrike" spc="-1">
+              <a:rPr lang="pl-PL" sz="2000" b="0" strike="noStrike" spc="-1" dirty="0">
                 <a:solidFill>
                   <a:srgbClr val="FFFFFF"/>
                 </a:solidFill>
@@ -29372,87 +29737,107 @@
               </a:rPr>
               <a:t>, który reprezentuje przyszły wynik obliczeń.</a:t>
             </a:r>
-            <a:endParaRPr lang="pl-PL" sz="2000" b="0" strike="noStrike" spc="-1">
-              <a:latin typeface="Arial"/>
-            </a:endParaRPr>
-          </a:p>
-          <a:p>
-            <a:pPr>
-              <a:lnSpc>
-                <a:spcPct val="100000"/>
-              </a:lnSpc>
-            </a:pPr>
-            <a:endParaRPr lang="pl-PL" sz="2000" b="0" strike="noStrike" spc="-1">
-              <a:latin typeface="Arial"/>
-            </a:endParaRPr>
-          </a:p>
-          <a:p>
-            <a:pPr>
-              <a:lnSpc>
-                <a:spcPct val="100000"/>
-              </a:lnSpc>
-            </a:pPr>
-            <a:r>
-              <a:rPr lang="pl-PL" sz="2000" b="0" strike="noStrike" spc="-1">
-                <a:solidFill>
-                  <a:srgbClr val="FFFFFF"/>
-                </a:solidFill>
-                <a:latin typeface="Arial"/>
-                <a:ea typeface="DejaVu Sans"/>
-              </a:rPr>
-              <a:t>Preferowane jest używanie interfejsów, ponieważ rozszerzając klasę Thread, tracimy możliwość rozszerzenia innej klasy, natomiast co do interfejsów, to możemy implementować dowolną ich ilość.</a:t>
-            </a:r>
-            <a:endParaRPr lang="pl-PL" sz="2000" b="0" strike="noStrike" spc="-1">
-              <a:latin typeface="Arial"/>
-            </a:endParaRPr>
-          </a:p>
-          <a:p>
-            <a:pPr>
-              <a:lnSpc>
-                <a:spcPct val="100000"/>
-              </a:lnSpc>
-            </a:pPr>
-            <a:endParaRPr lang="pl-PL" sz="2000" b="0" strike="noStrike" spc="-1">
-              <a:latin typeface="Arial"/>
-            </a:endParaRPr>
-          </a:p>
-          <a:p>
-            <a:pPr>
-              <a:lnSpc>
-                <a:spcPct val="100000"/>
-              </a:lnSpc>
-            </a:pPr>
-            <a:endParaRPr lang="pl-PL" sz="2000" b="0" strike="noStrike" spc="-1">
-              <a:latin typeface="Arial"/>
-            </a:endParaRPr>
-          </a:p>
-          <a:p>
-            <a:pPr>
-              <a:lnSpc>
-                <a:spcPct val="100000"/>
-              </a:lnSpc>
-            </a:pPr>
-            <a:endParaRPr lang="pl-PL" sz="2000" b="0" strike="noStrike" spc="-1">
-              <a:latin typeface="Arial"/>
-            </a:endParaRPr>
-          </a:p>
-          <a:p>
-            <a:pPr>
-              <a:lnSpc>
-                <a:spcPct val="100000"/>
-              </a:lnSpc>
-            </a:pPr>
-            <a:endParaRPr lang="pl-PL" sz="2000" b="0" strike="noStrike" spc="-1">
-              <a:latin typeface="Arial"/>
-            </a:endParaRPr>
-          </a:p>
-          <a:p>
-            <a:pPr>
-              <a:lnSpc>
-                <a:spcPct val="100000"/>
-              </a:lnSpc>
-            </a:pPr>
-            <a:endParaRPr lang="pl-PL" sz="2000" b="0" strike="noStrike" spc="-1">
+            <a:endParaRPr lang="pl-PL" sz="2000" b="0" strike="noStrike" spc="-1" dirty="0">
+              <a:latin typeface="Arial"/>
+            </a:endParaRPr>
+          </a:p>
+          <a:p>
+            <a:pPr>
+              <a:lnSpc>
+                <a:spcPct val="100000"/>
+              </a:lnSpc>
+            </a:pPr>
+            <a:endParaRPr lang="pl-PL" sz="2000" b="0" strike="noStrike" spc="-1" dirty="0">
+              <a:latin typeface="Arial"/>
+            </a:endParaRPr>
+          </a:p>
+          <a:p>
+            <a:pPr>
+              <a:lnSpc>
+                <a:spcPct val="100000"/>
+              </a:lnSpc>
+            </a:pPr>
+            <a:r>
+              <a:rPr lang="pl-PL" sz="2000" b="0" strike="noStrike" spc="-1" dirty="0">
+                <a:solidFill>
+                  <a:srgbClr val="FFFFFF"/>
+                </a:solidFill>
+                <a:latin typeface="Arial"/>
+                <a:ea typeface="DejaVu Sans"/>
+              </a:rPr>
+              <a:t>Preferowane jest używanie interfejsów, ponieważ rozszerzając klasę </a:t>
+            </a:r>
+            <a:r>
+              <a:rPr lang="pl-PL" sz="2000" b="0" strike="noStrike" spc="-1" dirty="0" err="1">
+                <a:solidFill>
+                  <a:srgbClr val="FFFFFF"/>
+                </a:solidFill>
+                <a:latin typeface="Arial"/>
+                <a:ea typeface="DejaVu Sans"/>
+              </a:rPr>
+              <a:t>Thread</a:t>
+            </a:r>
+            <a:r>
+              <a:rPr lang="pl-PL" sz="2000" b="0" strike="noStrike" spc="-1" dirty="0">
+                <a:solidFill>
+                  <a:srgbClr val="FFFFFF"/>
+                </a:solidFill>
+                <a:latin typeface="Arial"/>
+                <a:ea typeface="DejaVu Sans"/>
+              </a:rPr>
+              <a:t>, tracimy możliwość rozszerzenia innej klasy, natomiast co do interfejsów, to możemy implementować dowolną ich ilość.</a:t>
+            </a:r>
+            <a:endParaRPr lang="pl-PL" sz="2000" b="0" strike="noStrike" spc="-1" dirty="0">
+              <a:latin typeface="Arial"/>
+            </a:endParaRPr>
+          </a:p>
+          <a:p>
+            <a:pPr>
+              <a:lnSpc>
+                <a:spcPct val="100000"/>
+              </a:lnSpc>
+            </a:pPr>
+            <a:endParaRPr lang="pl-PL" sz="2000" b="0" strike="noStrike" spc="-1" dirty="0">
+              <a:latin typeface="Arial"/>
+            </a:endParaRPr>
+          </a:p>
+          <a:p>
+            <a:pPr>
+              <a:lnSpc>
+                <a:spcPct val="100000"/>
+              </a:lnSpc>
+            </a:pPr>
+            <a:endParaRPr lang="pl-PL" sz="2000" b="0" strike="noStrike" spc="-1" dirty="0">
+              <a:latin typeface="Arial"/>
+            </a:endParaRPr>
+          </a:p>
+          <a:p>
+            <a:pPr>
+              <a:lnSpc>
+                <a:spcPct val="100000"/>
+              </a:lnSpc>
+            </a:pPr>
+            <a:endParaRPr lang="pl-PL" sz="2000" b="0" strike="noStrike" spc="-1" dirty="0">
+              <a:latin typeface="Arial"/>
+            </a:endParaRPr>
+          </a:p>
+          <a:p>
+            <a:pPr>
+              <a:lnSpc>
+                <a:spcPct val="100000"/>
+              </a:lnSpc>
+            </a:pPr>
+            <a:endParaRPr lang="pl-PL" sz="2000" b="0" strike="noStrike" spc="-1" dirty="0">
+              <a:latin typeface="Arial"/>
+            </a:endParaRPr>
+          </a:p>
+          <a:p>
+            <a:pPr>
+              <a:lnSpc>
+                <a:spcPct val="100000"/>
+              </a:lnSpc>
+            </a:pPr>
+            <a:endParaRPr lang="pl-PL" sz="2000" b="0" strike="noStrike" spc="-1" dirty="0">
               <a:latin typeface="Arial"/>
             </a:endParaRPr>
           </a:p>
@@ -34630,7 +35015,7 @@
                         </a:lnSpc>
                       </a:pPr>
                       <a:r>
-                        <a:rPr lang="pl-PL" sz="1800" b="0" strike="noStrike" spc="-1">
+                        <a:rPr lang="pl-PL" sz="1800" b="0" strike="noStrike" spc="-1" dirty="0">
                           <a:solidFill>
                             <a:srgbClr val="000000"/>
                           </a:solidFill>
@@ -34639,7 +35024,7 @@
                         </a:rPr>
                         <a:t>TYP</a:t>
                       </a:r>
-                      <a:endParaRPr lang="pl-PL" sz="1800" b="0" strike="noStrike" spc="-1">
+                      <a:endParaRPr lang="pl-PL" sz="1800" b="0" strike="noStrike" spc="-1" dirty="0">
                         <a:latin typeface="Arial"/>
                       </a:endParaRPr>
                     </a:p>
@@ -36450,7 +36835,7 @@
                         </a:lnSpc>
                       </a:pPr>
                       <a:r>
-                        <a:rPr lang="pl-PL" sz="1800" b="0" strike="noStrike" spc="-1">
+                        <a:rPr lang="pl-PL" sz="1800" b="0" strike="noStrike" spc="-1" dirty="0">
                           <a:solidFill>
                             <a:srgbClr val="000000"/>
                           </a:solidFill>
@@ -36459,7 +36844,7 @@
                         </a:rPr>
                         <a:t>zmiennoprzecinkowe 6-7 cyfr po przecinku</a:t>
                       </a:r>
-                      <a:endParaRPr lang="pl-PL" sz="1800" b="0" strike="noStrike" spc="-1">
+                      <a:endParaRPr lang="pl-PL" sz="1800" b="0" strike="noStrike" spc="-1" dirty="0">
                         <a:latin typeface="Arial"/>
                       </a:endParaRPr>
                     </a:p>
@@ -36763,7 +37148,7 @@
                         </a:lnSpc>
                       </a:pPr>
                       <a:r>
-                        <a:rPr lang="pl-PL" sz="1800" b="0" strike="noStrike" spc="-1">
+                        <a:rPr lang="pl-PL" sz="1800" b="0" strike="noStrike" spc="-1" dirty="0">
                           <a:solidFill>
                             <a:srgbClr val="000000"/>
                           </a:solidFill>
@@ -36772,7 +37157,7 @@
                         </a:rPr>
                         <a:t>zmiennoprzecinkowe 15 cyfr po przecinku</a:t>
                       </a:r>
-                      <a:endParaRPr lang="pl-PL" sz="1800" b="0" strike="noStrike" spc="-1">
+                      <a:endParaRPr lang="pl-PL" sz="1800" b="0" strike="noStrike" spc="-1" dirty="0">
                         <a:latin typeface="Arial"/>
                       </a:endParaRPr>
                     </a:p>
@@ -36962,7 +37347,7 @@
               </a:lnSpc>
             </a:pPr>
             <a:r>
-              <a:rPr lang="pl-PL" sz="2600" b="0" strike="noStrike" spc="-1">
+              <a:rPr lang="pl-PL" sz="2600" b="0" strike="noStrike" spc="-1" dirty="0">
                 <a:solidFill>
                   <a:srgbClr val="00A65D"/>
                 </a:solidFill>
@@ -36972,7 +37357,7 @@
               <a:t>Przykład:</a:t>
             </a:r>
             <a:r>
-              <a:rPr lang="pl-PL" sz="2600" b="0" strike="noStrike" spc="-1">
+              <a:rPr lang="pl-PL" sz="2600" b="0" strike="noStrike" spc="-1" dirty="0">
                 <a:solidFill>
                   <a:srgbClr val="FFFFFF"/>
                 </a:solidFill>
@@ -36981,48 +37366,68 @@
               </a:rPr>
               <a:t> </a:t>
             </a:r>
-            <a:endParaRPr lang="pl-PL" sz="2600" b="0" strike="noStrike" spc="-1">
-              <a:latin typeface="Arial"/>
-            </a:endParaRPr>
-          </a:p>
-          <a:p>
-            <a:pPr>
-              <a:lnSpc>
-                <a:spcPct val="100000"/>
-              </a:lnSpc>
-            </a:pPr>
-            <a:endParaRPr lang="pl-PL" sz="2600" b="0" strike="noStrike" spc="-1">
-              <a:latin typeface="Arial"/>
-            </a:endParaRPr>
-          </a:p>
-          <a:p>
-            <a:pPr>
-              <a:lnSpc>
-                <a:spcPct val="100000"/>
-              </a:lnSpc>
-            </a:pPr>
-            <a:r>
-              <a:rPr lang="pl-PL" sz="2600" b="0" strike="noStrike" spc="-1">
-                <a:solidFill>
-                  <a:srgbClr val="FFFFFF"/>
-                </a:solidFill>
-                <a:latin typeface="Arial"/>
-                <a:ea typeface="DejaVu Sans"/>
-              </a:rPr>
-              <a:t>Zmienna typu byte o wartości 19:    </a:t>
-            </a:r>
-            <a:endParaRPr lang="pl-PL" sz="2600" b="0" strike="noStrike" spc="-1">
-              <a:latin typeface="Arial"/>
-            </a:endParaRPr>
-          </a:p>
-          <a:p>
-            <a:pPr>
-              <a:lnSpc>
-                <a:spcPct val="100000"/>
-              </a:lnSpc>
-            </a:pPr>
-            <a:r>
-              <a:rPr lang="pl-PL" sz="2600" b="0" strike="noStrike" spc="-1">
+            <a:endParaRPr lang="pl-PL" sz="2600" b="0" strike="noStrike" spc="-1" dirty="0">
+              <a:latin typeface="Arial"/>
+            </a:endParaRPr>
+          </a:p>
+          <a:p>
+            <a:pPr>
+              <a:lnSpc>
+                <a:spcPct val="100000"/>
+              </a:lnSpc>
+            </a:pPr>
+            <a:endParaRPr lang="pl-PL" sz="2600" b="0" strike="noStrike" spc="-1" dirty="0">
+              <a:latin typeface="Arial"/>
+            </a:endParaRPr>
+          </a:p>
+          <a:p>
+            <a:pPr>
+              <a:lnSpc>
+                <a:spcPct val="100000"/>
+              </a:lnSpc>
+            </a:pPr>
+            <a:r>
+              <a:rPr lang="pl-PL" sz="2600" b="0" strike="noStrike" spc="-1" dirty="0">
+                <a:solidFill>
+                  <a:srgbClr val="FFFFFF"/>
+                </a:solidFill>
+                <a:latin typeface="Arial"/>
+                <a:ea typeface="DejaVu Sans"/>
+              </a:rPr>
+              <a:t>Zmienna typu </a:t>
+            </a:r>
+            <a:r>
+              <a:rPr lang="pl-PL" sz="2600" b="0" strike="noStrike" spc="-1" dirty="0" err="1">
+                <a:solidFill>
+                  <a:srgbClr val="FFFFFF"/>
+                </a:solidFill>
+                <a:latin typeface="Arial"/>
+                <a:ea typeface="DejaVu Sans"/>
+              </a:rPr>
+              <a:t>byte</a:t>
+            </a:r>
+            <a:r>
+              <a:rPr lang="pl-PL" sz="2600" b="0" strike="noStrike" spc="-1" dirty="0">
+                <a:solidFill>
+                  <a:srgbClr val="FFFFFF"/>
+                </a:solidFill>
+                <a:latin typeface="Arial"/>
+                <a:ea typeface="DejaVu Sans"/>
+              </a:rPr>
+              <a:t> o wartości 19:    </a:t>
+            </a:r>
+            <a:endParaRPr lang="pl-PL" sz="2600" b="0" strike="noStrike" spc="-1" dirty="0">
+              <a:latin typeface="Arial"/>
+            </a:endParaRPr>
+          </a:p>
+          <a:p>
+            <a:pPr>
+              <a:lnSpc>
+                <a:spcPct val="100000"/>
+              </a:lnSpc>
+            </a:pPr>
+            <a:r>
+              <a:rPr lang="pl-PL" sz="2600" b="0" strike="noStrike" spc="-1" dirty="0">
                 <a:solidFill>
                   <a:srgbClr val="FFFFFF"/>
                 </a:solidFill>
@@ -37031,28 +37436,28 @@
               </a:rPr>
               <a:t>00010011 </a:t>
             </a:r>
-            <a:endParaRPr lang="pl-PL" sz="2600" b="0" strike="noStrike" spc="-1">
-              <a:latin typeface="Arial"/>
-            </a:endParaRPr>
-          </a:p>
-          <a:p>
-            <a:pPr>
-              <a:lnSpc>
-                <a:spcPct val="100000"/>
-              </a:lnSpc>
-            </a:pPr>
-            <a:endParaRPr lang="pl-PL" sz="2600" b="0" strike="noStrike" spc="-1">
-              <a:latin typeface="Arial"/>
-            </a:endParaRPr>
-          </a:p>
-          <a:p>
-            <a:pPr>
-              <a:lnSpc>
-                <a:spcPct val="100000"/>
-              </a:lnSpc>
-            </a:pPr>
-            <a:r>
-              <a:rPr lang="pl-PL" sz="2600" b="0" strike="noStrike" spc="-1">
+            <a:endParaRPr lang="pl-PL" sz="2600" b="0" strike="noStrike" spc="-1" dirty="0">
+              <a:latin typeface="Arial"/>
+            </a:endParaRPr>
+          </a:p>
+          <a:p>
+            <a:pPr>
+              <a:lnSpc>
+                <a:spcPct val="100000"/>
+              </a:lnSpc>
+            </a:pPr>
+            <a:endParaRPr lang="pl-PL" sz="2600" b="0" strike="noStrike" spc="-1" dirty="0">
+              <a:latin typeface="Arial"/>
+            </a:endParaRPr>
+          </a:p>
+          <a:p>
+            <a:pPr>
+              <a:lnSpc>
+                <a:spcPct val="100000"/>
+              </a:lnSpc>
+            </a:pPr>
+            <a:r>
+              <a:rPr lang="pl-PL" sz="2600" b="0" strike="noStrike" spc="-1" dirty="0">
                 <a:solidFill>
                   <a:srgbClr val="FFFFFF"/>
                 </a:solidFill>
@@ -37061,18 +37466,18 @@
               </a:rPr>
               <a:t>Najbardziej znaczący bit zawiera informację o znaku liczby. Jeśli 0 to dodatnia. Liczba ujemna powstaje poprzez zamianę wszystkich bitów na wartości przeciwne:</a:t>
             </a:r>
-            <a:endParaRPr lang="pl-PL" sz="2600" b="0" strike="noStrike" spc="-1">
-              <a:latin typeface="Arial"/>
-            </a:endParaRPr>
-          </a:p>
-          <a:p>
-            <a:pPr>
-              <a:lnSpc>
-                <a:spcPct val="100000"/>
-              </a:lnSpc>
-            </a:pPr>
-            <a:r>
-              <a:rPr lang="pl-PL" sz="2600" b="0" strike="noStrike" spc="-1">
+            <a:endParaRPr lang="pl-PL" sz="2600" b="0" strike="noStrike" spc="-1" dirty="0">
+              <a:latin typeface="Arial"/>
+            </a:endParaRPr>
+          </a:p>
+          <a:p>
+            <a:pPr>
+              <a:lnSpc>
+                <a:spcPct val="100000"/>
+              </a:lnSpc>
+            </a:pPr>
+            <a:r>
+              <a:rPr lang="pl-PL" sz="2600" b="0" strike="noStrike" spc="-1" dirty="0">
                 <a:solidFill>
                   <a:srgbClr val="FFFFFF"/>
                 </a:solidFill>
@@ -37081,18 +37486,18 @@
               </a:rPr>
               <a:t>11101100</a:t>
             </a:r>
-            <a:endParaRPr lang="pl-PL" sz="2600" b="0" strike="noStrike" spc="-1">
-              <a:latin typeface="Arial"/>
-            </a:endParaRPr>
-          </a:p>
-          <a:p>
-            <a:pPr>
-              <a:lnSpc>
-                <a:spcPct val="100000"/>
-              </a:lnSpc>
-            </a:pPr>
-            <a:r>
-              <a:rPr lang="pl-PL" sz="2600" b="0" strike="noStrike" spc="-1">
+            <a:endParaRPr lang="pl-PL" sz="2600" b="0" strike="noStrike" spc="-1" dirty="0">
+              <a:latin typeface="Arial"/>
+            </a:endParaRPr>
+          </a:p>
+          <a:p>
+            <a:pPr>
+              <a:lnSpc>
+                <a:spcPct val="100000"/>
+              </a:lnSpc>
+            </a:pPr>
+            <a:r>
+              <a:rPr lang="pl-PL" sz="2600" b="0" strike="noStrike" spc="-1" dirty="0">
                 <a:solidFill>
                   <a:srgbClr val="FFFFFF"/>
                 </a:solidFill>
@@ -37101,38 +37506,58 @@
               </a:rPr>
               <a:t> I dodaniu do niej wartości 1</a:t>
             </a:r>
-            <a:endParaRPr lang="pl-PL" sz="2600" b="0" strike="noStrike" spc="-1">
-              <a:latin typeface="Arial"/>
-            </a:endParaRPr>
-          </a:p>
-          <a:p>
-            <a:pPr>
-              <a:lnSpc>
-                <a:spcPct val="100000"/>
-              </a:lnSpc>
-            </a:pPr>
-            <a:r>
-              <a:rPr lang="pl-PL" sz="2600" b="0" strike="noStrike" spc="-1">
-                <a:solidFill>
-                  <a:srgbClr val="FFFFFF"/>
-                </a:solidFill>
-                <a:latin typeface="Arial"/>
-                <a:ea typeface="DejaVu Sans"/>
-              </a:rPr>
-              <a:t>Zmienna typu byte o wartości -19 będzie więc miała postać:</a:t>
-            </a:r>
-            <a:endParaRPr lang="pl-PL" sz="2600" b="0" strike="noStrike" spc="-1">
-              <a:latin typeface="Arial"/>
-            </a:endParaRPr>
-          </a:p>
-          <a:p>
-            <a:pPr>
-              <a:lnSpc>
-                <a:spcPct val="100000"/>
-              </a:lnSpc>
-            </a:pPr>
-            <a:r>
-              <a:rPr lang="pl-PL" sz="2600" b="0" strike="noStrike" spc="-1">
+            <a:endParaRPr lang="pl-PL" sz="2600" b="0" strike="noStrike" spc="-1" dirty="0">
+              <a:latin typeface="Arial"/>
+            </a:endParaRPr>
+          </a:p>
+          <a:p>
+            <a:pPr>
+              <a:lnSpc>
+                <a:spcPct val="100000"/>
+              </a:lnSpc>
+            </a:pPr>
+            <a:r>
+              <a:rPr lang="pl-PL" sz="2600" b="0" strike="noStrike" spc="-1" dirty="0">
+                <a:solidFill>
+                  <a:srgbClr val="FFFFFF"/>
+                </a:solidFill>
+                <a:latin typeface="Arial"/>
+                <a:ea typeface="DejaVu Sans"/>
+              </a:rPr>
+              <a:t>Zmienna typu </a:t>
+            </a:r>
+            <a:r>
+              <a:rPr lang="pl-PL" sz="2600" b="0" strike="noStrike" spc="-1" dirty="0" err="1">
+                <a:solidFill>
+                  <a:srgbClr val="FFFFFF"/>
+                </a:solidFill>
+                <a:latin typeface="Arial"/>
+                <a:ea typeface="DejaVu Sans"/>
+              </a:rPr>
+              <a:t>byte</a:t>
+            </a:r>
+            <a:r>
+              <a:rPr lang="pl-PL" sz="2600" b="0" strike="noStrike" spc="-1" dirty="0">
+                <a:solidFill>
+                  <a:srgbClr val="FFFFFF"/>
+                </a:solidFill>
+                <a:latin typeface="Arial"/>
+                <a:ea typeface="DejaVu Sans"/>
+              </a:rPr>
+              <a:t> o wartości -19 będzie więc miała postać:</a:t>
+            </a:r>
+            <a:endParaRPr lang="pl-PL" sz="2600" b="0" strike="noStrike" spc="-1" dirty="0">
+              <a:latin typeface="Arial"/>
+            </a:endParaRPr>
+          </a:p>
+          <a:p>
+            <a:pPr>
+              <a:lnSpc>
+                <a:spcPct val="100000"/>
+              </a:lnSpc>
+            </a:pPr>
+            <a:r>
+              <a:rPr lang="pl-PL" sz="2600" b="0" strike="noStrike" spc="-1" dirty="0">
                 <a:solidFill>
                   <a:srgbClr val="FFFFFF"/>
                 </a:solidFill>
@@ -37141,27 +37566,27 @@
               </a:rPr>
               <a:t>11101101</a:t>
             </a:r>
-            <a:endParaRPr lang="pl-PL" sz="2600" b="0" strike="noStrike" spc="-1">
-              <a:latin typeface="Arial"/>
-            </a:endParaRPr>
-          </a:p>
-          <a:p>
-            <a:pPr>
-              <a:lnSpc>
-                <a:spcPct val="100000"/>
-              </a:lnSpc>
-            </a:pPr>
-            <a:endParaRPr lang="pl-PL" sz="2600" b="0" strike="noStrike" spc="-1">
-              <a:latin typeface="Arial"/>
-            </a:endParaRPr>
-          </a:p>
-          <a:p>
-            <a:pPr>
-              <a:lnSpc>
-                <a:spcPct val="100000"/>
-              </a:lnSpc>
-            </a:pPr>
-            <a:endParaRPr lang="pl-PL" sz="2600" b="0" strike="noStrike" spc="-1">
+            <a:endParaRPr lang="pl-PL" sz="2600" b="0" strike="noStrike" spc="-1" dirty="0">
+              <a:latin typeface="Arial"/>
+            </a:endParaRPr>
+          </a:p>
+          <a:p>
+            <a:pPr>
+              <a:lnSpc>
+                <a:spcPct val="100000"/>
+              </a:lnSpc>
+            </a:pPr>
+            <a:endParaRPr lang="pl-PL" sz="2600" b="0" strike="noStrike" spc="-1" dirty="0">
+              <a:latin typeface="Arial"/>
+            </a:endParaRPr>
+          </a:p>
+          <a:p>
+            <a:pPr>
+              <a:lnSpc>
+                <a:spcPct val="100000"/>
+              </a:lnSpc>
+            </a:pPr>
+            <a:endParaRPr lang="pl-PL" sz="2600" b="0" strike="noStrike" spc="-1" dirty="0">
               <a:latin typeface="Arial"/>
             </a:endParaRPr>
           </a:p>
